--- a/WP1verifDNN.pptx
+++ b/WP1verifDNN.pptx
@@ -374,7 +374,7 @@
           <a:p>
             <a:fld id="{E5FCB298-21FC-4E25-9632-945B53CD0465}" type="datetimeFigureOut">
               <a:rPr lang="fr-FR" smtClean="0"/>
-              <a:t>02/10/2023</a:t>
+              <a:t>03/10/2023</a:t>
             </a:fld>
             <a:endParaRPr lang="fr-FR"/>
           </a:p>
@@ -572,7 +572,7 @@
           <a:p>
             <a:fld id="{E5FCB298-21FC-4E25-9632-945B53CD0465}" type="datetimeFigureOut">
               <a:rPr lang="fr-FR" smtClean="0"/>
-              <a:t>02/10/2023</a:t>
+              <a:t>03/10/2023</a:t>
             </a:fld>
             <a:endParaRPr lang="fr-FR"/>
           </a:p>
@@ -780,7 +780,7 @@
           <a:p>
             <a:fld id="{E5FCB298-21FC-4E25-9632-945B53CD0465}" type="datetimeFigureOut">
               <a:rPr lang="fr-FR" smtClean="0"/>
-              <a:t>02/10/2023</a:t>
+              <a:t>03/10/2023</a:t>
             </a:fld>
             <a:endParaRPr lang="fr-FR"/>
           </a:p>
@@ -978,7 +978,7 @@
           <a:p>
             <a:fld id="{E5FCB298-21FC-4E25-9632-945B53CD0465}" type="datetimeFigureOut">
               <a:rPr lang="fr-FR" smtClean="0"/>
-              <a:t>02/10/2023</a:t>
+              <a:t>03/10/2023</a:t>
             </a:fld>
             <a:endParaRPr lang="fr-FR"/>
           </a:p>
@@ -1253,7 +1253,7 @@
           <a:p>
             <a:fld id="{E5FCB298-21FC-4E25-9632-945B53CD0465}" type="datetimeFigureOut">
               <a:rPr lang="fr-FR" smtClean="0"/>
-              <a:t>02/10/2023</a:t>
+              <a:t>03/10/2023</a:t>
             </a:fld>
             <a:endParaRPr lang="fr-FR"/>
           </a:p>
@@ -1518,7 +1518,7 @@
           <a:p>
             <a:fld id="{E5FCB298-21FC-4E25-9632-945B53CD0465}" type="datetimeFigureOut">
               <a:rPr lang="fr-FR" smtClean="0"/>
-              <a:t>02/10/2023</a:t>
+              <a:t>03/10/2023</a:t>
             </a:fld>
             <a:endParaRPr lang="fr-FR"/>
           </a:p>
@@ -1930,7 +1930,7 @@
           <a:p>
             <a:fld id="{E5FCB298-21FC-4E25-9632-945B53CD0465}" type="datetimeFigureOut">
               <a:rPr lang="fr-FR" smtClean="0"/>
-              <a:t>02/10/2023</a:t>
+              <a:t>03/10/2023</a:t>
             </a:fld>
             <a:endParaRPr lang="fr-FR"/>
           </a:p>
@@ -2071,7 +2071,7 @@
           <a:p>
             <a:fld id="{E5FCB298-21FC-4E25-9632-945B53CD0465}" type="datetimeFigureOut">
               <a:rPr lang="fr-FR" smtClean="0"/>
-              <a:t>02/10/2023</a:t>
+              <a:t>03/10/2023</a:t>
             </a:fld>
             <a:endParaRPr lang="fr-FR"/>
           </a:p>
@@ -2184,7 +2184,7 @@
           <a:p>
             <a:fld id="{E5FCB298-21FC-4E25-9632-945B53CD0465}" type="datetimeFigureOut">
               <a:rPr lang="fr-FR" smtClean="0"/>
-              <a:t>02/10/2023</a:t>
+              <a:t>03/10/2023</a:t>
             </a:fld>
             <a:endParaRPr lang="fr-FR"/>
           </a:p>
@@ -2495,7 +2495,7 @@
           <a:p>
             <a:fld id="{E5FCB298-21FC-4E25-9632-945B53CD0465}" type="datetimeFigureOut">
               <a:rPr lang="fr-FR" smtClean="0"/>
-              <a:t>02/10/2023</a:t>
+              <a:t>03/10/2023</a:t>
             </a:fld>
             <a:endParaRPr lang="fr-FR"/>
           </a:p>
@@ -2783,7 +2783,7 @@
           <a:p>
             <a:fld id="{E5FCB298-21FC-4E25-9632-945B53CD0465}" type="datetimeFigureOut">
               <a:rPr lang="fr-FR" smtClean="0"/>
-              <a:t>02/10/2023</a:t>
+              <a:t>03/10/2023</a:t>
             </a:fld>
             <a:endParaRPr lang="fr-FR"/>
           </a:p>
@@ -3024,7 +3024,7 @@
           <a:p>
             <a:fld id="{E5FCB298-21FC-4E25-9632-945B53CD0465}" type="datetimeFigureOut">
               <a:rPr lang="fr-FR" smtClean="0"/>
-              <a:t>02/10/2023</a:t>
+              <a:t>03/10/2023</a:t>
             </a:fld>
             <a:endParaRPr lang="fr-FR"/>
           </a:p>
@@ -5803,8 +5803,8 @@
           </a:fontRef>
         </p:style>
       </p:cxnSp>
-      <mc:AlternateContent xmlns:mc="http://schemas.openxmlformats.org/markup-compatibility/2006">
-        <mc:Choice xmlns:a14="http://schemas.microsoft.com/office/drawing/2010/main" Requires="a14">
+      <mc:AlternateContent xmlns:mc="http://schemas.openxmlformats.org/markup-compatibility/2006" xmlns:a14="http://schemas.microsoft.com/office/drawing/2010/main">
+        <mc:Choice Requires="a14">
           <p:sp>
             <p:nvSpPr>
               <p:cNvPr id="50" name="ZoneTexte 49">
@@ -6026,7 +6026,7 @@
             </p:txBody>
           </p:sp>
         </mc:Choice>
-        <mc:Fallback>
+        <mc:Fallback xmlns="">
           <p:sp>
             <p:nvSpPr>
               <p:cNvPr id="50" name="ZoneTexte 49">
@@ -6705,7 +6705,6 @@
           </a:bodyPr>
           <a:lstStyle/>
           <a:p>
-            <a:pPr/>
             <a:r>
               <a:rPr lang="en-US" dirty="0"/>
               <a:t>d</a:t>
@@ -6755,8 +6754,8 @@
           </a:fontRef>
         </p:style>
       </p:cxnSp>
-      <mc:AlternateContent xmlns:mc="http://schemas.openxmlformats.org/markup-compatibility/2006">
-        <mc:Choice xmlns:a14="http://schemas.microsoft.com/office/drawing/2010/main" Requires="a14">
+      <mc:AlternateContent xmlns:mc="http://schemas.openxmlformats.org/markup-compatibility/2006" xmlns:a14="http://schemas.microsoft.com/office/drawing/2010/main">
+        <mc:Choice Requires="a14">
           <p:sp>
             <p:nvSpPr>
               <p:cNvPr id="18" name="TextBox 13">
@@ -6806,7 +6805,7 @@
             </p:txBody>
           </p:sp>
         </mc:Choice>
-        <mc:Fallback>
+        <mc:Fallback xmlns="">
           <p:sp>
             <p:nvSpPr>
               <p:cNvPr id="18" name="TextBox 13">
@@ -6851,8 +6850,8 @@
           </p:sp>
         </mc:Fallback>
       </mc:AlternateContent>
-      <mc:AlternateContent xmlns:mc="http://schemas.openxmlformats.org/markup-compatibility/2006">
-        <mc:Choice xmlns:a14="http://schemas.microsoft.com/office/drawing/2010/main" Requires="a14">
+      <mc:AlternateContent xmlns:mc="http://schemas.openxmlformats.org/markup-compatibility/2006" xmlns:a14="http://schemas.microsoft.com/office/drawing/2010/main">
+        <mc:Choice Requires="a14">
           <p:sp>
             <p:nvSpPr>
               <p:cNvPr id="19" name="TextBox 14">
@@ -6902,7 +6901,7 @@
             </p:txBody>
           </p:sp>
         </mc:Choice>
-        <mc:Fallback>
+        <mc:Fallback xmlns="">
           <p:sp>
             <p:nvSpPr>
               <p:cNvPr id="19" name="TextBox 14">
@@ -7127,8 +7126,8 @@
           </a:fontRef>
         </p:style>
       </p:cxnSp>
-      <mc:AlternateContent xmlns:mc="http://schemas.openxmlformats.org/markup-compatibility/2006">
-        <mc:Choice xmlns:a14="http://schemas.microsoft.com/office/drawing/2010/main" Requires="a14">
+      <mc:AlternateContent xmlns:mc="http://schemas.openxmlformats.org/markup-compatibility/2006" xmlns:a14="http://schemas.microsoft.com/office/drawing/2010/main">
+        <mc:Choice Requires="a14">
           <p:sp>
             <p:nvSpPr>
               <p:cNvPr id="27" name="TextBox 38">
@@ -7178,7 +7177,7 @@
             </p:txBody>
           </p:sp>
         </mc:Choice>
-        <mc:Fallback>
+        <mc:Fallback xmlns="">
           <p:sp>
             <p:nvSpPr>
               <p:cNvPr id="27" name="TextBox 38">
@@ -7390,7 +7389,6 @@
           </a:bodyPr>
           <a:lstStyle/>
           <a:p>
-            <a:pPr/>
             <a:r>
               <a:rPr lang="en-US" dirty="0"/>
               <a:t>a</a:t>
@@ -7398,8 +7396,8 @@
           </a:p>
         </p:txBody>
       </p:sp>
-      <mc:AlternateContent xmlns:mc="http://schemas.openxmlformats.org/markup-compatibility/2006">
-        <mc:Choice xmlns:a14="http://schemas.microsoft.com/office/drawing/2010/main" Requires="a14">
+      <mc:AlternateContent xmlns:mc="http://schemas.openxmlformats.org/markup-compatibility/2006" xmlns:a14="http://schemas.microsoft.com/office/drawing/2010/main">
+        <mc:Choice Requires="a14">
           <p:sp>
             <p:nvSpPr>
               <p:cNvPr id="32" name="TextBox 65">
@@ -7449,7 +7447,7 @@
             </p:txBody>
           </p:sp>
         </mc:Choice>
-        <mc:Fallback>
+        <mc:Fallback xmlns="">
           <p:sp>
             <p:nvSpPr>
               <p:cNvPr id="32" name="TextBox 65">
@@ -7494,8 +7492,8 @@
           </p:sp>
         </mc:Fallback>
       </mc:AlternateContent>
-      <mc:AlternateContent xmlns:mc="http://schemas.openxmlformats.org/markup-compatibility/2006">
-        <mc:Choice xmlns:a14="http://schemas.microsoft.com/office/drawing/2010/main" Requires="a14">
+      <mc:AlternateContent xmlns:mc="http://schemas.openxmlformats.org/markup-compatibility/2006" xmlns:a14="http://schemas.microsoft.com/office/drawing/2010/main">
+        <mc:Choice Requires="a14">
           <p:sp>
             <p:nvSpPr>
               <p:cNvPr id="33" name="TextBox 66">
@@ -7545,7 +7543,7 @@
             </p:txBody>
           </p:sp>
         </mc:Choice>
-        <mc:Fallback>
+        <mc:Fallback xmlns="">
           <p:sp>
             <p:nvSpPr>
               <p:cNvPr id="33" name="TextBox 66">
@@ -7634,8 +7632,8 @@
           </a:fontRef>
         </p:style>
       </p:cxnSp>
-      <mc:AlternateContent xmlns:mc="http://schemas.openxmlformats.org/markup-compatibility/2006">
-        <mc:Choice xmlns:a14="http://schemas.microsoft.com/office/drawing/2010/main" Requires="a14">
+      <mc:AlternateContent xmlns:mc="http://schemas.openxmlformats.org/markup-compatibility/2006" xmlns:a14="http://schemas.microsoft.com/office/drawing/2010/main">
+        <mc:Choice Requires="a14">
           <p:sp>
             <p:nvSpPr>
               <p:cNvPr id="35" name="TextBox 38">
@@ -7685,7 +7683,7 @@
             </p:txBody>
           </p:sp>
         </mc:Choice>
-        <mc:Fallback>
+        <mc:Fallback xmlns="">
           <p:sp>
             <p:nvSpPr>
               <p:cNvPr id="35" name="TextBox 38">
@@ -7730,8 +7728,8 @@
           </p:sp>
         </mc:Fallback>
       </mc:AlternateContent>
-      <mc:AlternateContent xmlns:mc="http://schemas.openxmlformats.org/markup-compatibility/2006">
-        <mc:Choice xmlns:a14="http://schemas.microsoft.com/office/drawing/2010/main" Requires="a14">
+      <mc:AlternateContent xmlns:mc="http://schemas.openxmlformats.org/markup-compatibility/2006" xmlns:a14="http://schemas.microsoft.com/office/drawing/2010/main">
+        <mc:Choice Requires="a14">
           <p:sp>
             <p:nvSpPr>
               <p:cNvPr id="36" name="TextBox 31">
@@ -7781,7 +7779,7 @@
             </p:txBody>
           </p:sp>
         </mc:Choice>
-        <mc:Fallback>
+        <mc:Fallback xmlns="">
           <p:sp>
             <p:nvSpPr>
               <p:cNvPr id="36" name="TextBox 31">
@@ -7826,8 +7824,8 @@
           </p:sp>
         </mc:Fallback>
       </mc:AlternateContent>
-      <mc:AlternateContent xmlns:mc="http://schemas.openxmlformats.org/markup-compatibility/2006">
-        <mc:Choice xmlns:a14="http://schemas.microsoft.com/office/drawing/2010/main" Requires="a14">
+      <mc:AlternateContent xmlns:mc="http://schemas.openxmlformats.org/markup-compatibility/2006" xmlns:a14="http://schemas.microsoft.com/office/drawing/2010/main">
+        <mc:Choice Requires="a14">
           <p:sp>
             <p:nvSpPr>
               <p:cNvPr id="38" name="TextBox 31">
@@ -7902,7 +7900,7 @@
             </p:txBody>
           </p:sp>
         </mc:Choice>
-        <mc:Fallback>
+        <mc:Fallback xmlns="">
           <p:sp>
             <p:nvSpPr>
               <p:cNvPr id="38" name="TextBox 31">
@@ -7947,8 +7945,8 @@
           </p:sp>
         </mc:Fallback>
       </mc:AlternateContent>
-      <mc:AlternateContent xmlns:mc="http://schemas.openxmlformats.org/markup-compatibility/2006">
-        <mc:Choice xmlns:a14="http://schemas.microsoft.com/office/drawing/2010/main" Requires="a14">
+      <mc:AlternateContent xmlns:mc="http://schemas.openxmlformats.org/markup-compatibility/2006" xmlns:a14="http://schemas.microsoft.com/office/drawing/2010/main">
+        <mc:Choice Requires="a14">
           <p:sp>
             <p:nvSpPr>
               <p:cNvPr id="40" name="TextBox 31">
@@ -8017,7 +8015,7 @@
             </p:txBody>
           </p:sp>
         </mc:Choice>
-        <mc:Fallback>
+        <mc:Fallback xmlns="">
           <p:sp>
             <p:nvSpPr>
               <p:cNvPr id="40" name="TextBox 31">
@@ -8062,8 +8060,8 @@
           </p:sp>
         </mc:Fallback>
       </mc:AlternateContent>
-      <mc:AlternateContent xmlns:mc="http://schemas.openxmlformats.org/markup-compatibility/2006">
-        <mc:Choice xmlns:a14="http://schemas.microsoft.com/office/drawing/2010/main" Requires="a14">
+      <mc:AlternateContent xmlns:mc="http://schemas.openxmlformats.org/markup-compatibility/2006" xmlns:a14="http://schemas.microsoft.com/office/drawing/2010/main">
+        <mc:Choice Requires="a14">
           <p:sp>
             <p:nvSpPr>
               <p:cNvPr id="41" name="TextBox 31">
@@ -8138,7 +8136,7 @@
             </p:txBody>
           </p:sp>
         </mc:Choice>
-        <mc:Fallback>
+        <mc:Fallback xmlns="">
           <p:sp>
             <p:nvSpPr>
               <p:cNvPr id="41" name="TextBox 31">
@@ -8361,7 +8359,6 @@
           </a:bodyPr>
           <a:lstStyle/>
           <a:p>
-            <a:pPr/>
             <a:r>
               <a:rPr lang="en-US" dirty="0"/>
               <a:t>d</a:t>
@@ -8405,8 +8402,8 @@
           </a:fontRef>
         </p:style>
       </p:cxnSp>
-      <mc:AlternateContent xmlns:mc="http://schemas.openxmlformats.org/markup-compatibility/2006">
-        <mc:Choice xmlns:a14="http://schemas.microsoft.com/office/drawing/2010/main" Requires="a14">
+      <mc:AlternateContent xmlns:mc="http://schemas.openxmlformats.org/markup-compatibility/2006" xmlns:a14="http://schemas.microsoft.com/office/drawing/2010/main">
+        <mc:Choice Requires="a14">
           <p:sp>
             <p:nvSpPr>
               <p:cNvPr id="14" name="TextBox 13"/>
@@ -8450,7 +8447,7 @@
             </p:txBody>
           </p:sp>
         </mc:Choice>
-        <mc:Fallback>
+        <mc:Fallback xmlns="">
           <p:sp>
             <p:nvSpPr>
               <p:cNvPr id="14" name="TextBox 13"/>
@@ -8489,8 +8486,8 @@
           </p:sp>
         </mc:Fallback>
       </mc:AlternateContent>
-      <mc:AlternateContent xmlns:mc="http://schemas.openxmlformats.org/markup-compatibility/2006">
-        <mc:Choice xmlns:a14="http://schemas.microsoft.com/office/drawing/2010/main" Requires="a14">
+      <mc:AlternateContent xmlns:mc="http://schemas.openxmlformats.org/markup-compatibility/2006" xmlns:a14="http://schemas.microsoft.com/office/drawing/2010/main">
+        <mc:Choice Requires="a14">
           <p:sp>
             <p:nvSpPr>
               <p:cNvPr id="15" name="TextBox 14"/>
@@ -8534,7 +8531,7 @@
             </p:txBody>
           </p:sp>
         </mc:Choice>
-        <mc:Fallback>
+        <mc:Fallback xmlns="">
           <p:sp>
             <p:nvSpPr>
               <p:cNvPr id="15" name="TextBox 14"/>
@@ -8729,8 +8726,8 @@
           </a:fontRef>
         </p:style>
       </p:cxnSp>
-      <mc:AlternateContent xmlns:mc="http://schemas.openxmlformats.org/markup-compatibility/2006">
-        <mc:Choice xmlns:a14="http://schemas.microsoft.com/office/drawing/2010/main" Requires="a14">
+      <mc:AlternateContent xmlns:mc="http://schemas.openxmlformats.org/markup-compatibility/2006" xmlns:a14="http://schemas.microsoft.com/office/drawing/2010/main">
+        <mc:Choice Requires="a14">
           <p:sp>
             <p:nvSpPr>
               <p:cNvPr id="39" name="TextBox 38"/>
@@ -8774,7 +8771,7 @@
             </p:txBody>
           </p:sp>
         </mc:Choice>
-        <mc:Fallback>
+        <mc:Fallback xmlns="">
           <p:sp>
             <p:nvSpPr>
               <p:cNvPr id="39" name="TextBox 38"/>
@@ -8956,7 +8953,6 @@
           </a:bodyPr>
           <a:lstStyle/>
           <a:p>
-            <a:pPr/>
             <a:r>
               <a:rPr lang="en-US" dirty="0"/>
               <a:t>a</a:t>
@@ -8964,8 +8960,8 @@
           </a:p>
         </p:txBody>
       </p:sp>
-      <mc:AlternateContent xmlns:mc="http://schemas.openxmlformats.org/markup-compatibility/2006">
-        <mc:Choice xmlns:a14="http://schemas.microsoft.com/office/drawing/2010/main" Requires="a14">
+      <mc:AlternateContent xmlns:mc="http://schemas.openxmlformats.org/markup-compatibility/2006" xmlns:a14="http://schemas.microsoft.com/office/drawing/2010/main">
+        <mc:Choice Requires="a14">
           <p:sp>
             <p:nvSpPr>
               <p:cNvPr id="66" name="TextBox 65"/>
@@ -9009,7 +9005,7 @@
             </p:txBody>
           </p:sp>
         </mc:Choice>
-        <mc:Fallback>
+        <mc:Fallback xmlns="">
           <p:sp>
             <p:nvSpPr>
               <p:cNvPr id="66" name="TextBox 65"/>
@@ -9048,8 +9044,8 @@
           </p:sp>
         </mc:Fallback>
       </mc:AlternateContent>
-      <mc:AlternateContent xmlns:mc="http://schemas.openxmlformats.org/markup-compatibility/2006">
-        <mc:Choice xmlns:a14="http://schemas.microsoft.com/office/drawing/2010/main" Requires="a14">
+      <mc:AlternateContent xmlns:mc="http://schemas.openxmlformats.org/markup-compatibility/2006" xmlns:a14="http://schemas.microsoft.com/office/drawing/2010/main">
+        <mc:Choice Requires="a14">
           <p:sp>
             <p:nvSpPr>
               <p:cNvPr id="67" name="TextBox 66"/>
@@ -9093,7 +9089,7 @@
             </p:txBody>
           </p:sp>
         </mc:Choice>
-        <mc:Fallback>
+        <mc:Fallback xmlns="">
           <p:sp>
             <p:nvSpPr>
               <p:cNvPr id="67" name="TextBox 66"/>
@@ -9170,8 +9166,8 @@
           </a:fontRef>
         </p:style>
       </p:cxnSp>
-      <mc:AlternateContent xmlns:mc="http://schemas.openxmlformats.org/markup-compatibility/2006">
-        <mc:Choice xmlns:a14="http://schemas.microsoft.com/office/drawing/2010/main" Requires="a14">
+      <mc:AlternateContent xmlns:mc="http://schemas.openxmlformats.org/markup-compatibility/2006" xmlns:a14="http://schemas.microsoft.com/office/drawing/2010/main">
+        <mc:Choice Requires="a14">
           <p:sp>
             <p:nvSpPr>
               <p:cNvPr id="51" name="TextBox 38"/>
@@ -9215,7 +9211,7 @@
             </p:txBody>
           </p:sp>
         </mc:Choice>
-        <mc:Fallback>
+        <mc:Fallback xmlns="">
           <p:sp>
             <p:nvSpPr>
               <p:cNvPr id="51" name="TextBox 38"/>
@@ -9296,8 +9292,8 @@
           </a:p>
         </p:txBody>
       </p:sp>
-      <mc:AlternateContent xmlns:mc="http://schemas.openxmlformats.org/markup-compatibility/2006">
-        <mc:Choice xmlns:a14="http://schemas.microsoft.com/office/drawing/2010/main" Requires="a14">
+      <mc:AlternateContent xmlns:mc="http://schemas.openxmlformats.org/markup-compatibility/2006" xmlns:a14="http://schemas.microsoft.com/office/drawing/2010/main">
+        <mc:Choice Requires="a14">
           <p:sp>
             <p:nvSpPr>
               <p:cNvPr id="61" name="TextBox 31"/>
@@ -9341,7 +9337,7 @@
             </p:txBody>
           </p:sp>
         </mc:Choice>
-        <mc:Fallback>
+        <mc:Fallback xmlns="">
           <p:sp>
             <p:nvSpPr>
               <p:cNvPr id="61" name="TextBox 31"/>
@@ -9380,8 +9376,8 @@
           </p:sp>
         </mc:Fallback>
       </mc:AlternateContent>
-      <mc:AlternateContent xmlns:mc="http://schemas.openxmlformats.org/markup-compatibility/2006">
-        <mc:Choice xmlns:a14="http://schemas.microsoft.com/office/drawing/2010/main" Requires="a14">
+      <mc:AlternateContent xmlns:mc="http://schemas.openxmlformats.org/markup-compatibility/2006" xmlns:a14="http://schemas.microsoft.com/office/drawing/2010/main">
+        <mc:Choice Requires="a14">
           <p:sp>
             <p:nvSpPr>
               <p:cNvPr id="70" name="TextBox 31"/>
@@ -9450,7 +9446,7 @@
             </p:txBody>
           </p:sp>
         </mc:Choice>
-        <mc:Fallback>
+        <mc:Fallback xmlns="">
           <p:sp>
             <p:nvSpPr>
               <p:cNvPr id="70" name="TextBox 31"/>
@@ -9489,8 +9485,8 @@
           </p:sp>
         </mc:Fallback>
       </mc:AlternateContent>
-      <mc:AlternateContent xmlns:mc="http://schemas.openxmlformats.org/markup-compatibility/2006">
-        <mc:Choice xmlns:a14="http://schemas.microsoft.com/office/drawing/2010/main" Requires="a14">
+      <mc:AlternateContent xmlns:mc="http://schemas.openxmlformats.org/markup-compatibility/2006" xmlns:a14="http://schemas.microsoft.com/office/drawing/2010/main">
+        <mc:Choice Requires="a14">
           <p:sp>
             <p:nvSpPr>
               <p:cNvPr id="72" name="TextBox 31"/>
@@ -9553,7 +9549,7 @@
             </p:txBody>
           </p:sp>
         </mc:Choice>
-        <mc:Fallback>
+        <mc:Fallback xmlns="">
           <p:sp>
             <p:nvSpPr>
               <p:cNvPr id="72" name="TextBox 31"/>
@@ -9592,8 +9588,8 @@
           </p:sp>
         </mc:Fallback>
       </mc:AlternateContent>
-      <mc:AlternateContent xmlns:mc="http://schemas.openxmlformats.org/markup-compatibility/2006">
-        <mc:Choice xmlns:a14="http://schemas.microsoft.com/office/drawing/2010/main" Requires="a14">
+      <mc:AlternateContent xmlns:mc="http://schemas.openxmlformats.org/markup-compatibility/2006" xmlns:a14="http://schemas.microsoft.com/office/drawing/2010/main">
+        <mc:Choice Requires="a14">
           <p:sp>
             <p:nvSpPr>
               <p:cNvPr id="73" name="TextBox 31"/>
@@ -9662,7 +9658,7 @@
             </p:txBody>
           </p:sp>
         </mc:Choice>
-        <mc:Fallback>
+        <mc:Fallback xmlns="">
           <p:sp>
             <p:nvSpPr>
               <p:cNvPr id="73" name="TextBox 31"/>
@@ -11215,7 +11211,7 @@
           <p:nvPr>
             <p:extLst>
               <p:ext uri="{D42A27DB-BD31-4B8C-83A1-F6EECF244321}">
-                <p14:modId xmlns:p14="http://schemas.microsoft.com/office/powerpoint/2010/main" val="2084216653"/>
+                <p14:modId xmlns:p14="http://schemas.microsoft.com/office/powerpoint/2010/main" val="3910275974"/>
               </p:ext>
             </p:extLst>
           </p:nvPr>
@@ -11501,12 +11497,20 @@
                     <a:lstStyle/>
                     <a:p>
                       <a:r>
+                        <a:rPr lang="fr-FR">
+                          <a:solidFill>
+                            <a:srgbClr val="C00000"/>
+                          </a:solidFill>
+                        </a:rPr>
+                        <a:t>150s per </a:t>
+                      </a:r>
+                      <a:r>
                         <a:rPr lang="fr-FR" dirty="0">
                           <a:solidFill>
                             <a:srgbClr val="C00000"/>
                           </a:solidFill>
                         </a:rPr>
-                        <a:t>??&lt;200s per image (</a:t>
+                        <a:t>image (</a:t>
                       </a:r>
                       <a:r>
                         <a:rPr lang="fr-FR" dirty="0" err="1">
@@ -13227,7 +13231,6 @@
           </a:bodyPr>
           <a:lstStyle/>
           <a:p>
-            <a:pPr/>
             <a:r>
               <a:rPr lang="en-US" dirty="0"/>
               <a:t>d</a:t>
@@ -13277,8 +13280,8 @@
           </a:fontRef>
         </p:style>
       </p:cxnSp>
-      <mc:AlternateContent xmlns:mc="http://schemas.openxmlformats.org/markup-compatibility/2006">
-        <mc:Choice xmlns:a14="http://schemas.microsoft.com/office/drawing/2010/main" Requires="a14">
+      <mc:AlternateContent xmlns:mc="http://schemas.openxmlformats.org/markup-compatibility/2006" xmlns:a14="http://schemas.microsoft.com/office/drawing/2010/main">
+        <mc:Choice Requires="a14">
           <p:sp>
             <p:nvSpPr>
               <p:cNvPr id="16" name="TextBox 13">
@@ -13328,7 +13331,7 @@
             </p:txBody>
           </p:sp>
         </mc:Choice>
-        <mc:Fallback>
+        <mc:Fallback xmlns="">
           <p:sp>
             <p:nvSpPr>
               <p:cNvPr id="16" name="TextBox 13">
@@ -13373,8 +13376,8 @@
           </p:sp>
         </mc:Fallback>
       </mc:AlternateContent>
-      <mc:AlternateContent xmlns:mc="http://schemas.openxmlformats.org/markup-compatibility/2006">
-        <mc:Choice xmlns:a14="http://schemas.microsoft.com/office/drawing/2010/main" Requires="a14">
+      <mc:AlternateContent xmlns:mc="http://schemas.openxmlformats.org/markup-compatibility/2006" xmlns:a14="http://schemas.microsoft.com/office/drawing/2010/main">
+        <mc:Choice Requires="a14">
           <p:sp>
             <p:nvSpPr>
               <p:cNvPr id="18" name="TextBox 14">
@@ -13424,7 +13427,7 @@
             </p:txBody>
           </p:sp>
         </mc:Choice>
-        <mc:Fallback>
+        <mc:Fallback xmlns="">
           <p:sp>
             <p:nvSpPr>
               <p:cNvPr id="18" name="TextBox 14">
@@ -13649,8 +13652,8 @@
           </a:fontRef>
         </p:style>
       </p:cxnSp>
-      <mc:AlternateContent xmlns:mc="http://schemas.openxmlformats.org/markup-compatibility/2006">
-        <mc:Choice xmlns:a14="http://schemas.microsoft.com/office/drawing/2010/main" Requires="a14">
+      <mc:AlternateContent xmlns:mc="http://schemas.openxmlformats.org/markup-compatibility/2006" xmlns:a14="http://schemas.microsoft.com/office/drawing/2010/main">
+        <mc:Choice Requires="a14">
           <p:sp>
             <p:nvSpPr>
               <p:cNvPr id="34" name="TextBox 38">
@@ -13700,7 +13703,7 @@
             </p:txBody>
           </p:sp>
         </mc:Choice>
-        <mc:Fallback>
+        <mc:Fallback xmlns="">
           <p:sp>
             <p:nvSpPr>
               <p:cNvPr id="34" name="TextBox 38">
@@ -13912,7 +13915,6 @@
           </a:bodyPr>
           <a:lstStyle/>
           <a:p>
-            <a:pPr/>
             <a:r>
               <a:rPr lang="en-US" dirty="0"/>
               <a:t>a</a:t>
@@ -13920,8 +13922,8 @@
           </a:p>
         </p:txBody>
       </p:sp>
-      <mc:AlternateContent xmlns:mc="http://schemas.openxmlformats.org/markup-compatibility/2006">
-        <mc:Choice xmlns:a14="http://schemas.microsoft.com/office/drawing/2010/main" Requires="a14">
+      <mc:AlternateContent xmlns:mc="http://schemas.openxmlformats.org/markup-compatibility/2006" xmlns:a14="http://schemas.microsoft.com/office/drawing/2010/main">
+        <mc:Choice Requires="a14">
           <p:sp>
             <p:nvSpPr>
               <p:cNvPr id="42" name="TextBox 65">
@@ -13971,7 +13973,7 @@
             </p:txBody>
           </p:sp>
         </mc:Choice>
-        <mc:Fallback>
+        <mc:Fallback xmlns="">
           <p:sp>
             <p:nvSpPr>
               <p:cNvPr id="42" name="TextBox 65">
@@ -14016,8 +14018,8 @@
           </p:sp>
         </mc:Fallback>
       </mc:AlternateContent>
-      <mc:AlternateContent xmlns:mc="http://schemas.openxmlformats.org/markup-compatibility/2006">
-        <mc:Choice xmlns:a14="http://schemas.microsoft.com/office/drawing/2010/main" Requires="a14">
+      <mc:AlternateContent xmlns:mc="http://schemas.openxmlformats.org/markup-compatibility/2006" xmlns:a14="http://schemas.microsoft.com/office/drawing/2010/main">
+        <mc:Choice Requires="a14">
           <p:sp>
             <p:nvSpPr>
               <p:cNvPr id="43" name="TextBox 66">
@@ -14067,7 +14069,7 @@
             </p:txBody>
           </p:sp>
         </mc:Choice>
-        <mc:Fallback>
+        <mc:Fallback xmlns="">
           <p:sp>
             <p:nvSpPr>
               <p:cNvPr id="43" name="TextBox 66">
@@ -14156,8 +14158,8 @@
           </a:fontRef>
         </p:style>
       </p:cxnSp>
-      <mc:AlternateContent xmlns:mc="http://schemas.openxmlformats.org/markup-compatibility/2006">
-        <mc:Choice xmlns:a14="http://schemas.microsoft.com/office/drawing/2010/main" Requires="a14">
+      <mc:AlternateContent xmlns:mc="http://schemas.openxmlformats.org/markup-compatibility/2006" xmlns:a14="http://schemas.microsoft.com/office/drawing/2010/main">
+        <mc:Choice Requires="a14">
           <p:sp>
             <p:nvSpPr>
               <p:cNvPr id="46" name="TextBox 38">
@@ -14207,7 +14209,7 @@
             </p:txBody>
           </p:sp>
         </mc:Choice>
-        <mc:Fallback>
+        <mc:Fallback xmlns="">
           <p:sp>
             <p:nvSpPr>
               <p:cNvPr id="46" name="TextBox 38">
@@ -14252,8 +14254,8 @@
           </p:sp>
         </mc:Fallback>
       </mc:AlternateContent>
-      <mc:AlternateContent xmlns:mc="http://schemas.openxmlformats.org/markup-compatibility/2006">
-        <mc:Choice xmlns:a14="http://schemas.microsoft.com/office/drawing/2010/main" Requires="a14">
+      <mc:AlternateContent xmlns:mc="http://schemas.openxmlformats.org/markup-compatibility/2006" xmlns:a14="http://schemas.microsoft.com/office/drawing/2010/main">
+        <mc:Choice Requires="a14">
           <p:sp>
             <p:nvSpPr>
               <p:cNvPr id="47" name="TextBox 31">
@@ -14303,7 +14305,7 @@
             </p:txBody>
           </p:sp>
         </mc:Choice>
-        <mc:Fallback>
+        <mc:Fallback xmlns="">
           <p:sp>
             <p:nvSpPr>
               <p:cNvPr id="47" name="TextBox 31">
@@ -14348,8 +14350,8 @@
           </p:sp>
         </mc:Fallback>
       </mc:AlternateContent>
-      <mc:AlternateContent xmlns:mc="http://schemas.openxmlformats.org/markup-compatibility/2006">
-        <mc:Choice xmlns:a14="http://schemas.microsoft.com/office/drawing/2010/main" Requires="a14">
+      <mc:AlternateContent xmlns:mc="http://schemas.openxmlformats.org/markup-compatibility/2006" xmlns:a14="http://schemas.microsoft.com/office/drawing/2010/main">
+        <mc:Choice Requires="a14">
           <p:sp>
             <p:nvSpPr>
               <p:cNvPr id="48" name="TextBox 31">
@@ -14424,7 +14426,7 @@
             </p:txBody>
           </p:sp>
         </mc:Choice>
-        <mc:Fallback>
+        <mc:Fallback xmlns="">
           <p:sp>
             <p:nvSpPr>
               <p:cNvPr id="48" name="TextBox 31">
@@ -14469,8 +14471,8 @@
           </p:sp>
         </mc:Fallback>
       </mc:AlternateContent>
-      <mc:AlternateContent xmlns:mc="http://schemas.openxmlformats.org/markup-compatibility/2006">
-        <mc:Choice xmlns:a14="http://schemas.microsoft.com/office/drawing/2010/main" Requires="a14">
+      <mc:AlternateContent xmlns:mc="http://schemas.openxmlformats.org/markup-compatibility/2006" xmlns:a14="http://schemas.microsoft.com/office/drawing/2010/main">
+        <mc:Choice Requires="a14">
           <p:sp>
             <p:nvSpPr>
               <p:cNvPr id="51" name="TextBox 31">
@@ -14539,7 +14541,7 @@
             </p:txBody>
           </p:sp>
         </mc:Choice>
-        <mc:Fallback>
+        <mc:Fallback xmlns="">
           <p:sp>
             <p:nvSpPr>
               <p:cNvPr id="51" name="TextBox 31">
@@ -14584,8 +14586,8 @@
           </p:sp>
         </mc:Fallback>
       </mc:AlternateContent>
-      <mc:AlternateContent xmlns:mc="http://schemas.openxmlformats.org/markup-compatibility/2006">
-        <mc:Choice xmlns:a14="http://schemas.microsoft.com/office/drawing/2010/main" Requires="a14">
+      <mc:AlternateContent xmlns:mc="http://schemas.openxmlformats.org/markup-compatibility/2006" xmlns:a14="http://schemas.microsoft.com/office/drawing/2010/main">
+        <mc:Choice Requires="a14">
           <p:sp>
             <p:nvSpPr>
               <p:cNvPr id="52" name="TextBox 31">
@@ -14660,7 +14662,7 @@
             </p:txBody>
           </p:sp>
         </mc:Choice>
-        <mc:Fallback>
+        <mc:Fallback xmlns="">
           <p:sp>
             <p:nvSpPr>
               <p:cNvPr id="52" name="TextBox 31">
@@ -15502,7 +15504,6 @@
           </a:bodyPr>
           <a:lstStyle/>
           <a:p>
-            <a:pPr/>
             <a:r>
               <a:rPr lang="en-US" dirty="0"/>
               <a:t>d</a:t>
@@ -15552,8 +15553,8 @@
           </a:fontRef>
         </p:style>
       </p:cxnSp>
-      <mc:AlternateContent xmlns:mc="http://schemas.openxmlformats.org/markup-compatibility/2006">
-        <mc:Choice xmlns:a14="http://schemas.microsoft.com/office/drawing/2010/main" Requires="a14">
+      <mc:AlternateContent xmlns:mc="http://schemas.openxmlformats.org/markup-compatibility/2006" xmlns:a14="http://schemas.microsoft.com/office/drawing/2010/main">
+        <mc:Choice Requires="a14">
           <p:sp>
             <p:nvSpPr>
               <p:cNvPr id="16" name="TextBox 13">
@@ -15603,7 +15604,7 @@
             </p:txBody>
           </p:sp>
         </mc:Choice>
-        <mc:Fallback>
+        <mc:Fallback xmlns="">
           <p:sp>
             <p:nvSpPr>
               <p:cNvPr id="16" name="TextBox 13">
@@ -15648,8 +15649,8 @@
           </p:sp>
         </mc:Fallback>
       </mc:AlternateContent>
-      <mc:AlternateContent xmlns:mc="http://schemas.openxmlformats.org/markup-compatibility/2006">
-        <mc:Choice xmlns:a14="http://schemas.microsoft.com/office/drawing/2010/main" Requires="a14">
+      <mc:AlternateContent xmlns:mc="http://schemas.openxmlformats.org/markup-compatibility/2006" xmlns:a14="http://schemas.microsoft.com/office/drawing/2010/main">
+        <mc:Choice Requires="a14">
           <p:sp>
             <p:nvSpPr>
               <p:cNvPr id="18" name="TextBox 14">
@@ -15699,7 +15700,7 @@
             </p:txBody>
           </p:sp>
         </mc:Choice>
-        <mc:Fallback>
+        <mc:Fallback xmlns="">
           <p:sp>
             <p:nvSpPr>
               <p:cNvPr id="18" name="TextBox 14">
@@ -15924,8 +15925,8 @@
           </a:fontRef>
         </p:style>
       </p:cxnSp>
-      <mc:AlternateContent xmlns:mc="http://schemas.openxmlformats.org/markup-compatibility/2006">
-        <mc:Choice xmlns:a14="http://schemas.microsoft.com/office/drawing/2010/main" Requires="a14">
+      <mc:AlternateContent xmlns:mc="http://schemas.openxmlformats.org/markup-compatibility/2006" xmlns:a14="http://schemas.microsoft.com/office/drawing/2010/main">
+        <mc:Choice Requires="a14">
           <p:sp>
             <p:nvSpPr>
               <p:cNvPr id="34" name="TextBox 38">
@@ -15975,7 +15976,7 @@
             </p:txBody>
           </p:sp>
         </mc:Choice>
-        <mc:Fallback>
+        <mc:Fallback xmlns="">
           <p:sp>
             <p:nvSpPr>
               <p:cNvPr id="34" name="TextBox 38">
@@ -16187,7 +16188,6 @@
           </a:bodyPr>
           <a:lstStyle/>
           <a:p>
-            <a:pPr/>
             <a:r>
               <a:rPr lang="en-US" dirty="0"/>
               <a:t>a</a:t>
@@ -16195,8 +16195,8 @@
           </a:p>
         </p:txBody>
       </p:sp>
-      <mc:AlternateContent xmlns:mc="http://schemas.openxmlformats.org/markup-compatibility/2006">
-        <mc:Choice xmlns:a14="http://schemas.microsoft.com/office/drawing/2010/main" Requires="a14">
+      <mc:AlternateContent xmlns:mc="http://schemas.openxmlformats.org/markup-compatibility/2006" xmlns:a14="http://schemas.microsoft.com/office/drawing/2010/main">
+        <mc:Choice Requires="a14">
           <p:sp>
             <p:nvSpPr>
               <p:cNvPr id="42" name="TextBox 65">
@@ -16246,7 +16246,7 @@
             </p:txBody>
           </p:sp>
         </mc:Choice>
-        <mc:Fallback>
+        <mc:Fallback xmlns="">
           <p:sp>
             <p:nvSpPr>
               <p:cNvPr id="42" name="TextBox 65">
@@ -16291,8 +16291,8 @@
           </p:sp>
         </mc:Fallback>
       </mc:AlternateContent>
-      <mc:AlternateContent xmlns:mc="http://schemas.openxmlformats.org/markup-compatibility/2006">
-        <mc:Choice xmlns:a14="http://schemas.microsoft.com/office/drawing/2010/main" Requires="a14">
+      <mc:AlternateContent xmlns:mc="http://schemas.openxmlformats.org/markup-compatibility/2006" xmlns:a14="http://schemas.microsoft.com/office/drawing/2010/main">
+        <mc:Choice Requires="a14">
           <p:sp>
             <p:nvSpPr>
               <p:cNvPr id="43" name="TextBox 66">
@@ -16342,7 +16342,7 @@
             </p:txBody>
           </p:sp>
         </mc:Choice>
-        <mc:Fallback>
+        <mc:Fallback xmlns="">
           <p:sp>
             <p:nvSpPr>
               <p:cNvPr id="43" name="TextBox 66">
@@ -16431,8 +16431,8 @@
           </a:fontRef>
         </p:style>
       </p:cxnSp>
-      <mc:AlternateContent xmlns:mc="http://schemas.openxmlformats.org/markup-compatibility/2006">
-        <mc:Choice xmlns:a14="http://schemas.microsoft.com/office/drawing/2010/main" Requires="a14">
+      <mc:AlternateContent xmlns:mc="http://schemas.openxmlformats.org/markup-compatibility/2006" xmlns:a14="http://schemas.microsoft.com/office/drawing/2010/main">
+        <mc:Choice Requires="a14">
           <p:sp>
             <p:nvSpPr>
               <p:cNvPr id="46" name="TextBox 38">
@@ -16482,7 +16482,7 @@
             </p:txBody>
           </p:sp>
         </mc:Choice>
-        <mc:Fallback>
+        <mc:Fallback xmlns="">
           <p:sp>
             <p:nvSpPr>
               <p:cNvPr id="46" name="TextBox 38">
@@ -16527,8 +16527,8 @@
           </p:sp>
         </mc:Fallback>
       </mc:AlternateContent>
-      <mc:AlternateContent xmlns:mc="http://schemas.openxmlformats.org/markup-compatibility/2006">
-        <mc:Choice xmlns:a14="http://schemas.microsoft.com/office/drawing/2010/main" Requires="a14">
+      <mc:AlternateContent xmlns:mc="http://schemas.openxmlformats.org/markup-compatibility/2006" xmlns:a14="http://schemas.microsoft.com/office/drawing/2010/main">
+        <mc:Choice Requires="a14">
           <p:sp>
             <p:nvSpPr>
               <p:cNvPr id="47" name="TextBox 31">
@@ -16578,7 +16578,7 @@
             </p:txBody>
           </p:sp>
         </mc:Choice>
-        <mc:Fallback>
+        <mc:Fallback xmlns="">
           <p:sp>
             <p:nvSpPr>
               <p:cNvPr id="47" name="TextBox 31">
@@ -16623,8 +16623,8 @@
           </p:sp>
         </mc:Fallback>
       </mc:AlternateContent>
-      <mc:AlternateContent xmlns:mc="http://schemas.openxmlformats.org/markup-compatibility/2006">
-        <mc:Choice xmlns:a14="http://schemas.microsoft.com/office/drawing/2010/main" Requires="a14">
+      <mc:AlternateContent xmlns:mc="http://schemas.openxmlformats.org/markup-compatibility/2006" xmlns:a14="http://schemas.microsoft.com/office/drawing/2010/main">
+        <mc:Choice Requires="a14">
           <p:sp>
             <p:nvSpPr>
               <p:cNvPr id="48" name="TextBox 31">
@@ -16699,7 +16699,7 @@
             </p:txBody>
           </p:sp>
         </mc:Choice>
-        <mc:Fallback>
+        <mc:Fallback xmlns="">
           <p:sp>
             <p:nvSpPr>
               <p:cNvPr id="48" name="TextBox 31">
@@ -16744,8 +16744,8 @@
           </p:sp>
         </mc:Fallback>
       </mc:AlternateContent>
-      <mc:AlternateContent xmlns:mc="http://schemas.openxmlformats.org/markup-compatibility/2006">
-        <mc:Choice xmlns:a14="http://schemas.microsoft.com/office/drawing/2010/main" Requires="a14">
+      <mc:AlternateContent xmlns:mc="http://schemas.openxmlformats.org/markup-compatibility/2006" xmlns:a14="http://schemas.microsoft.com/office/drawing/2010/main">
+        <mc:Choice Requires="a14">
           <p:sp>
             <p:nvSpPr>
               <p:cNvPr id="51" name="TextBox 31">
@@ -16814,7 +16814,7 @@
             </p:txBody>
           </p:sp>
         </mc:Choice>
-        <mc:Fallback>
+        <mc:Fallback xmlns="">
           <p:sp>
             <p:nvSpPr>
               <p:cNvPr id="51" name="TextBox 31">
@@ -16859,8 +16859,8 @@
           </p:sp>
         </mc:Fallback>
       </mc:AlternateContent>
-      <mc:AlternateContent xmlns:mc="http://schemas.openxmlformats.org/markup-compatibility/2006">
-        <mc:Choice xmlns:a14="http://schemas.microsoft.com/office/drawing/2010/main" Requires="a14">
+      <mc:AlternateContent xmlns:mc="http://schemas.openxmlformats.org/markup-compatibility/2006" xmlns:a14="http://schemas.microsoft.com/office/drawing/2010/main">
+        <mc:Choice Requires="a14">
           <p:sp>
             <p:nvSpPr>
               <p:cNvPr id="52" name="TextBox 31">
@@ -16935,7 +16935,7 @@
             </p:txBody>
           </p:sp>
         </mc:Choice>
-        <mc:Fallback>
+        <mc:Fallback xmlns="">
           <p:sp>
             <p:nvSpPr>
               <p:cNvPr id="52" name="TextBox 31">

--- a/WP1verifDNN.pptx
+++ b/WP1verifDNN.pptx
@@ -10366,14 +10366,14 @@
           <p:nvPr>
             <p:extLst>
               <p:ext uri="{D42A27DB-BD31-4B8C-83A1-F6EECF244321}">
-                <p14:modId xmlns:p14="http://schemas.microsoft.com/office/powerpoint/2010/main" val="1437523662"/>
+                <p14:modId xmlns:p14="http://schemas.microsoft.com/office/powerpoint/2010/main" val="308057884"/>
               </p:ext>
             </p:extLst>
           </p:nvPr>
         </p:nvGraphicFramePr>
         <p:xfrm>
-          <a:off x="1962412" y="2290189"/>
-          <a:ext cx="7669540" cy="3092804"/>
+          <a:off x="222250" y="2290189"/>
+          <a:ext cx="11404600" cy="3092804"/>
         </p:xfrm>
         <a:graphic>
           <a:graphicData uri="http://schemas.openxmlformats.org/drawingml/2006/table">
@@ -10382,21 +10382,28 @@
                 <a:tableStyleId>{5C22544A-7EE6-4342-B048-85BDC9FD1C3A}</a:tableStyleId>
               </a:tblPr>
               <a:tblGrid>
-                <a:gridCol w="2952488">
+                <a:gridCol w="3287862">
                   <a:extLst>
                     <a:ext uri="{9D8B030D-6E8A-4147-A177-3AD203B41FA5}">
                       <a16:colId xmlns:a16="http://schemas.microsoft.com/office/drawing/2014/main" val="628481113"/>
                     </a:ext>
                   </a:extLst>
                 </a:gridCol>
-                <a:gridCol w="2571750">
+                <a:gridCol w="2863875">
+                  <a:extLst>
+                    <a:ext uri="{9D8B030D-6E8A-4147-A177-3AD203B41FA5}">
+                      <a16:colId xmlns:a16="http://schemas.microsoft.com/office/drawing/2014/main" val="111859342"/>
+                    </a:ext>
+                  </a:extLst>
+                </a:gridCol>
+                <a:gridCol w="2863875">
                   <a:extLst>
                     <a:ext uri="{9D8B030D-6E8A-4147-A177-3AD203B41FA5}">
                       <a16:colId xmlns:a16="http://schemas.microsoft.com/office/drawing/2014/main" val="3180203207"/>
                     </a:ext>
                   </a:extLst>
                 </a:gridCol>
-                <a:gridCol w="2145302">
+                <a:gridCol w="2388988">
                   <a:extLst>
                     <a:ext uri="{9D8B030D-6E8A-4147-A177-3AD203B41FA5}">
                       <a16:colId xmlns:a16="http://schemas.microsoft.com/office/drawing/2014/main" val="546606006"/>
@@ -10444,6 +10451,36 @@
                           </a:solidFill>
                         </a:rPr>
                         <a:t>Compensation</a:t>
+                      </a:r>
+                      <a:r>
+                        <a:rPr lang="fr-FR" dirty="0"/>
+                        <a:t> new (k=1)</a:t>
+                      </a:r>
+                    </a:p>
+                  </a:txBody>
+                  <a:tcPr/>
+                </a:tc>
+                <a:tc>
+                  <a:txBody>
+                    <a:bodyPr/>
+                    <a:lstStyle/>
+                    <a:p>
+                      <a:pPr algn="ctr"/>
+                      <a:r>
+                        <a:rPr lang="fr-FR" dirty="0">
+                          <a:solidFill>
+                            <a:srgbClr val="FF0000"/>
+                          </a:solidFill>
+                        </a:rPr>
+                        <a:t>Compensation</a:t>
+                      </a:r>
+                      <a:r>
+                        <a:rPr lang="fr-FR" dirty="0"/>
+                        <a:t> </a:t>
+                      </a:r>
+                      <a:r>
+                        <a:rPr lang="fr-FR" dirty="0" err="1"/>
+                        <a:t>old</a:t>
                       </a:r>
                       <a:r>
                         <a:rPr lang="fr-FR" dirty="0"/>
@@ -10537,6 +10574,26 @@
                   </a:txBody>
                   <a:tcPr/>
                 </a:tc>
+                <a:tc>
+                  <a:txBody>
+                    <a:bodyPr/>
+                    <a:lstStyle/>
+                    <a:p>
+                      <a:pPr algn="ctr"/>
+                      <a:r>
+                        <a:rPr lang="fr-FR" dirty="0">
+                          <a:solidFill>
+                            <a:schemeClr val="bg1">
+                              <a:lumMod val="50000"/>
+                            </a:schemeClr>
+                          </a:solidFill>
+                        </a:rPr>
+                        <a:t>2.22</a:t>
+                      </a:r>
+                    </a:p>
+                  </a:txBody>
+                  <a:tcPr/>
+                </a:tc>
                 <a:extLst>
                   <a:ext uri="{0D108BD9-81ED-4DB2-BD59-A6C34878D82A}">
                     <a16:rowId xmlns:a16="http://schemas.microsoft.com/office/drawing/2014/main" val="646733638"/>
@@ -10569,6 +10626,24 @@
                       <a:pPr algn="ctr"/>
                       <a:r>
                         <a:rPr lang="fr-FR" dirty="0">
+                          <a:solidFill>
+                            <a:schemeClr val="tx1"/>
+                          </a:solidFill>
+                        </a:rPr>
+                        <a:t>1.84</a:t>
+                      </a:r>
+                    </a:p>
+                  </a:txBody>
+                  <a:tcPr/>
+                </a:tc>
+                <a:tc>
+                  <a:txBody>
+                    <a:bodyPr/>
+                    <a:lstStyle/>
+                    <a:p>
+                      <a:pPr algn="ctr"/>
+                      <a:r>
+                        <a:rPr lang="fr-FR" b="1" dirty="0">
                           <a:solidFill>
                             <a:schemeClr val="tx1"/>
                           </a:solidFill>
@@ -10608,6 +10683,20 @@
                       <a:r>
                         <a:rPr lang="fr-FR" dirty="0"/>
                         <a:t>20</a:t>
+                      </a:r>
+                    </a:p>
+                  </a:txBody>
+                  <a:tcPr/>
+                </a:tc>
+                <a:tc>
+                  <a:txBody>
+                    <a:bodyPr/>
+                    <a:lstStyle/>
+                    <a:p>
+                      <a:pPr algn="ctr"/>
+                      <a:r>
+                        <a:rPr lang="fr-FR" b="1" dirty="0"/>
+                        <a:t>1.50</a:t>
                       </a:r>
                     </a:p>
                   </a:txBody>
@@ -10672,12 +10761,30 @@
                     <a:p>
                       <a:pPr algn="ctr"/>
                       <a:r>
+                        <a:rPr lang="fr-FR" b="1" dirty="0">
+                          <a:solidFill>
+                            <a:schemeClr val="tx1"/>
+                          </a:solidFill>
+                        </a:rPr>
+                        <a:t>1.26</a:t>
+                      </a:r>
+                    </a:p>
+                  </a:txBody>
+                  <a:tcPr/>
+                </a:tc>
+                <a:tc>
+                  <a:txBody>
+                    <a:bodyPr/>
+                    <a:lstStyle/>
+                    <a:p>
+                      <a:pPr algn="ctr"/>
+                      <a:r>
                         <a:rPr lang="fr-FR" dirty="0">
                           <a:solidFill>
                             <a:schemeClr val="tx1"/>
                           </a:solidFill>
                         </a:rPr>
-                        <a:t>1.33</a:t>
+                        <a:t>1.33 </a:t>
                       </a:r>
                     </a:p>
                   </a:txBody>
@@ -10755,6 +10862,24 @@
                             <a:schemeClr val="tx1"/>
                           </a:solidFill>
                         </a:rPr>
+                        <a:t>1.15</a:t>
+                      </a:r>
+                    </a:p>
+                  </a:txBody>
+                  <a:tcPr/>
+                </a:tc>
+                <a:tc>
+                  <a:txBody>
+                    <a:bodyPr/>
+                    <a:lstStyle/>
+                    <a:p>
+                      <a:pPr algn="ctr"/>
+                      <a:r>
+                        <a:rPr lang="fr-FR" dirty="0">
+                          <a:solidFill>
+                            <a:schemeClr val="tx1"/>
+                          </a:solidFill>
+                        </a:rPr>
                         <a:t>1.44</a:t>
                       </a:r>
                     </a:p>
@@ -10776,6 +10901,20 @@
                       <a:r>
                         <a:rPr lang="fr-FR" dirty="0"/>
                         <a:t>50</a:t>
+                      </a:r>
+                    </a:p>
+                  </a:txBody>
+                  <a:tcPr/>
+                </a:tc>
+                <a:tc>
+                  <a:txBody>
+                    <a:bodyPr/>
+                    <a:lstStyle/>
+                    <a:p>
+                      <a:pPr algn="ctr"/>
+                      <a:r>
+                        <a:rPr lang="fr-FR" dirty="0"/>
+                        <a:t>X</a:t>
                       </a:r>
                     </a:p>
                   </a:txBody>
@@ -10875,6 +11014,26 @@
                   </a:txBody>
                   <a:tcPr/>
                 </a:tc>
+                <a:tc>
+                  <a:txBody>
+                    <a:bodyPr/>
+                    <a:lstStyle/>
+                    <a:p>
+                      <a:pPr algn="ctr"/>
+                      <a:r>
+                        <a:rPr lang="fr-FR" dirty="0">
+                          <a:solidFill>
+                            <a:schemeClr val="bg1">
+                              <a:lumMod val="50000"/>
+                            </a:schemeClr>
+                          </a:solidFill>
+                        </a:rPr>
+                        <a:t>1.05</a:t>
+                      </a:r>
+                    </a:p>
+                  </a:txBody>
+                  <a:tcPr/>
+                </a:tc>
                 <a:extLst>
                   <a:ext uri="{0D108BD9-81ED-4DB2-BD59-A6C34878D82A}">
                     <a16:rowId xmlns:a16="http://schemas.microsoft.com/office/drawing/2014/main" val="14864157"/>
@@ -11211,7 +11370,7 @@
           <p:nvPr>
             <p:extLst>
               <p:ext uri="{D42A27DB-BD31-4B8C-83A1-F6EECF244321}">
-                <p14:modId xmlns:p14="http://schemas.microsoft.com/office/powerpoint/2010/main" val="3910275974"/>
+                <p14:modId xmlns:p14="http://schemas.microsoft.com/office/powerpoint/2010/main" val="3697028494"/>
               </p:ext>
             </p:extLst>
           </p:nvPr>
@@ -11497,51 +11656,13 @@
                     <a:lstStyle/>
                     <a:p>
                       <a:r>
-                        <a:rPr lang="fr-FR">
-                          <a:solidFill>
-                            <a:srgbClr val="C00000"/>
-                          </a:solidFill>
-                        </a:rPr>
-                        <a:t>150s per </a:t>
-                      </a:r>
-                      <a:r>
                         <a:rPr lang="fr-FR" dirty="0">
                           <a:solidFill>
                             <a:srgbClr val="C00000"/>
                           </a:solidFill>
                         </a:rPr>
-                        <a:t>image (</a:t>
+                        <a:t>142s per image</a:t>
                       </a:r>
-                      <a:r>
-                        <a:rPr lang="fr-FR" dirty="0" err="1">
-                          <a:solidFill>
-                            <a:srgbClr val="C00000"/>
-                          </a:solidFill>
-                        </a:rPr>
-                        <a:t>old</a:t>
-                      </a:r>
-                      <a:r>
-                        <a:rPr lang="fr-FR" dirty="0">
-                          <a:solidFill>
-                            <a:srgbClr val="C00000"/>
-                          </a:solidFill>
-                        </a:rPr>
-                        <a:t> code</a:t>
-                      </a:r>
-                      <a:r>
-                        <a:rPr lang="fr-FR" dirty="0">
-                          <a:solidFill>
-                            <a:srgbClr val="C00000"/>
-                          </a:solidFill>
-                          <a:sym typeface="Wingdings" panose="05000000000000000000" pitchFamily="2" charset="2"/>
-                        </a:rPr>
-                        <a:t> 222s)</a:t>
-                      </a:r>
-                      <a:endParaRPr lang="fr-FR" dirty="0">
-                        <a:solidFill>
-                          <a:srgbClr val="C00000"/>
-                        </a:solidFill>
-                      </a:endParaRPr>
                     </a:p>
                   </a:txBody>
                   <a:tcPr/>
@@ -11615,23 +11736,7 @@
                             <a:srgbClr val="C00000"/>
                           </a:solidFill>
                         </a:rPr>
-                        <a:t>??&lt;300s per image (</a:t>
-                      </a:r>
-                      <a:r>
-                        <a:rPr lang="fr-FR" dirty="0" err="1">
-                          <a:solidFill>
-                            <a:srgbClr val="C00000"/>
-                          </a:solidFill>
-                        </a:rPr>
-                        <a:t>old</a:t>
-                      </a:r>
-                      <a:r>
-                        <a:rPr lang="fr-FR" dirty="0">
-                          <a:solidFill>
-                            <a:srgbClr val="C00000"/>
-                          </a:solidFill>
-                        </a:rPr>
-                        <a:t> code 303s)</a:t>
+                        <a:t>223s per image</a:t>
                       </a:r>
                     </a:p>
                   </a:txBody>

--- a/WP1verifDNN.pptx
+++ b/WP1verifDNN.pptx
@@ -11370,7 +11370,7 @@
           <p:nvPr>
             <p:extLst>
               <p:ext uri="{D42A27DB-BD31-4B8C-83A1-F6EECF244321}">
-                <p14:modId xmlns:p14="http://schemas.microsoft.com/office/powerpoint/2010/main" val="3697028494"/>
+                <p14:modId xmlns:p14="http://schemas.microsoft.com/office/powerpoint/2010/main" val="1463512817"/>
               </p:ext>
             </p:extLst>
           </p:nvPr>
@@ -11622,12 +11622,20 @@
                         <a:defRPr/>
                       </a:pPr>
                       <a:r>
+                        <a:rPr lang="fr-FR" dirty="0" err="1">
+                          <a:solidFill>
+                            <a:srgbClr val="C00000"/>
+                          </a:solidFill>
+                        </a:rPr>
+                        <a:t>Vericompensate</a:t>
+                      </a:r>
+                      <a:r>
                         <a:rPr lang="fr-FR" dirty="0">
                           <a:solidFill>
                             <a:srgbClr val="C00000"/>
                           </a:solidFill>
                         </a:rPr>
-                        <a:t>MILP K=1 + LP relax</a:t>
+                        <a:t>(K=1 + LP relax)</a:t>
                       </a:r>
                     </a:p>
                   </a:txBody>
@@ -11697,12 +11705,20 @@
                         <a:defRPr/>
                       </a:pPr>
                       <a:r>
+                        <a:rPr lang="fr-FR" dirty="0" err="1">
+                          <a:solidFill>
+                            <a:srgbClr val="C00000"/>
+                          </a:solidFill>
+                        </a:rPr>
+                        <a:t>Vericompensate</a:t>
+                      </a:r>
+                      <a:r>
                         <a:rPr lang="fr-FR" dirty="0">
                           <a:solidFill>
                             <a:srgbClr val="C00000"/>
                           </a:solidFill>
                         </a:rPr>
-                        <a:t>MILP K=2 + LP relax</a:t>
+                        <a:t>(K=2 + LP relax)</a:t>
                       </a:r>
                     </a:p>
                   </a:txBody>
@@ -12168,7 +12184,7 @@
           <p:nvPr>
             <p:extLst>
               <p:ext uri="{D42A27DB-BD31-4B8C-83A1-F6EECF244321}">
-                <p14:modId xmlns:p14="http://schemas.microsoft.com/office/powerpoint/2010/main" val="1487204478"/>
+                <p14:modId xmlns:p14="http://schemas.microsoft.com/office/powerpoint/2010/main" val="2322912838"/>
               </p:ext>
             </p:extLst>
           </p:nvPr>
@@ -12420,12 +12436,20 @@
                         <a:defRPr/>
                       </a:pPr>
                       <a:r>
+                        <a:rPr lang="fr-FR" dirty="0" err="1">
+                          <a:solidFill>
+                            <a:srgbClr val="C00000"/>
+                          </a:solidFill>
+                        </a:rPr>
+                        <a:t>Vericompensate</a:t>
+                      </a:r>
+                      <a:r>
                         <a:rPr lang="fr-FR" dirty="0">
                           <a:solidFill>
                             <a:srgbClr val="C00000"/>
                           </a:solidFill>
                         </a:rPr>
-                        <a:t>MILP K=1 + LP relax</a:t>
+                        <a:t>(K=1 + LP relax)</a:t>
                       </a:r>
                     </a:p>
                   </a:txBody>
@@ -12495,12 +12519,20 @@
                         <a:defRPr/>
                       </a:pPr>
                       <a:r>
+                        <a:rPr lang="fr-FR" dirty="0" err="1">
+                          <a:solidFill>
+                            <a:srgbClr val="C00000"/>
+                          </a:solidFill>
+                        </a:rPr>
+                        <a:t>Vericompensate</a:t>
+                      </a:r>
+                      <a:r>
                         <a:rPr lang="fr-FR" dirty="0">
                           <a:solidFill>
                             <a:srgbClr val="C00000"/>
                           </a:solidFill>
                         </a:rPr>
-                        <a:t>MILP K=2 + LP relax</a:t>
+                        <a:t>(K=2 + LP relax)</a:t>
                       </a:r>
                     </a:p>
                   </a:txBody>

--- a/WP1verifDNN.pptx
+++ b/WP1verifDNN.pptx
@@ -374,7 +374,7 @@
           <a:p>
             <a:fld id="{E5FCB298-21FC-4E25-9632-945B53CD0465}" type="datetimeFigureOut">
               <a:rPr lang="fr-FR" smtClean="0"/>
-              <a:t>03/10/2023</a:t>
+              <a:t>06/10/2023</a:t>
             </a:fld>
             <a:endParaRPr lang="fr-FR"/>
           </a:p>
@@ -572,7 +572,7 @@
           <a:p>
             <a:fld id="{E5FCB298-21FC-4E25-9632-945B53CD0465}" type="datetimeFigureOut">
               <a:rPr lang="fr-FR" smtClean="0"/>
-              <a:t>03/10/2023</a:t>
+              <a:t>06/10/2023</a:t>
             </a:fld>
             <a:endParaRPr lang="fr-FR"/>
           </a:p>
@@ -780,7 +780,7 @@
           <a:p>
             <a:fld id="{E5FCB298-21FC-4E25-9632-945B53CD0465}" type="datetimeFigureOut">
               <a:rPr lang="fr-FR" smtClean="0"/>
-              <a:t>03/10/2023</a:t>
+              <a:t>06/10/2023</a:t>
             </a:fld>
             <a:endParaRPr lang="fr-FR"/>
           </a:p>
@@ -978,7 +978,7 @@
           <a:p>
             <a:fld id="{E5FCB298-21FC-4E25-9632-945B53CD0465}" type="datetimeFigureOut">
               <a:rPr lang="fr-FR" smtClean="0"/>
-              <a:t>03/10/2023</a:t>
+              <a:t>06/10/2023</a:t>
             </a:fld>
             <a:endParaRPr lang="fr-FR"/>
           </a:p>
@@ -1253,7 +1253,7 @@
           <a:p>
             <a:fld id="{E5FCB298-21FC-4E25-9632-945B53CD0465}" type="datetimeFigureOut">
               <a:rPr lang="fr-FR" smtClean="0"/>
-              <a:t>03/10/2023</a:t>
+              <a:t>06/10/2023</a:t>
             </a:fld>
             <a:endParaRPr lang="fr-FR"/>
           </a:p>
@@ -1518,7 +1518,7 @@
           <a:p>
             <a:fld id="{E5FCB298-21FC-4E25-9632-945B53CD0465}" type="datetimeFigureOut">
               <a:rPr lang="fr-FR" smtClean="0"/>
-              <a:t>03/10/2023</a:t>
+              <a:t>06/10/2023</a:t>
             </a:fld>
             <a:endParaRPr lang="fr-FR"/>
           </a:p>
@@ -1930,7 +1930,7 @@
           <a:p>
             <a:fld id="{E5FCB298-21FC-4E25-9632-945B53CD0465}" type="datetimeFigureOut">
               <a:rPr lang="fr-FR" smtClean="0"/>
-              <a:t>03/10/2023</a:t>
+              <a:t>06/10/2023</a:t>
             </a:fld>
             <a:endParaRPr lang="fr-FR"/>
           </a:p>
@@ -2071,7 +2071,7 @@
           <a:p>
             <a:fld id="{E5FCB298-21FC-4E25-9632-945B53CD0465}" type="datetimeFigureOut">
               <a:rPr lang="fr-FR" smtClean="0"/>
-              <a:t>03/10/2023</a:t>
+              <a:t>06/10/2023</a:t>
             </a:fld>
             <a:endParaRPr lang="fr-FR"/>
           </a:p>
@@ -2184,7 +2184,7 @@
           <a:p>
             <a:fld id="{E5FCB298-21FC-4E25-9632-945B53CD0465}" type="datetimeFigureOut">
               <a:rPr lang="fr-FR" smtClean="0"/>
-              <a:t>03/10/2023</a:t>
+              <a:t>06/10/2023</a:t>
             </a:fld>
             <a:endParaRPr lang="fr-FR"/>
           </a:p>
@@ -2495,7 +2495,7 @@
           <a:p>
             <a:fld id="{E5FCB298-21FC-4E25-9632-945B53CD0465}" type="datetimeFigureOut">
               <a:rPr lang="fr-FR" smtClean="0"/>
-              <a:t>03/10/2023</a:t>
+              <a:t>06/10/2023</a:t>
             </a:fld>
             <a:endParaRPr lang="fr-FR"/>
           </a:p>
@@ -2783,7 +2783,7 @@
           <a:p>
             <a:fld id="{E5FCB298-21FC-4E25-9632-945B53CD0465}" type="datetimeFigureOut">
               <a:rPr lang="fr-FR" smtClean="0"/>
-              <a:t>03/10/2023</a:t>
+              <a:t>06/10/2023</a:t>
             </a:fld>
             <a:endParaRPr lang="fr-FR"/>
           </a:p>
@@ -3024,7 +3024,7 @@
           <a:p>
             <a:fld id="{E5FCB298-21FC-4E25-9632-945B53CD0465}" type="datetimeFigureOut">
               <a:rPr lang="fr-FR" smtClean="0"/>
-              <a:t>03/10/2023</a:t>
+              <a:t>06/10/2023</a:t>
             </a:fld>
             <a:endParaRPr lang="fr-FR"/>
           </a:p>
@@ -10366,14 +10366,14 @@
           <p:nvPr>
             <p:extLst>
               <p:ext uri="{D42A27DB-BD31-4B8C-83A1-F6EECF244321}">
-                <p14:modId xmlns:p14="http://schemas.microsoft.com/office/powerpoint/2010/main" val="308057884"/>
+                <p14:modId xmlns:p14="http://schemas.microsoft.com/office/powerpoint/2010/main" val="3560422630"/>
               </p:ext>
             </p:extLst>
           </p:nvPr>
         </p:nvGraphicFramePr>
         <p:xfrm>
-          <a:off x="222250" y="2290189"/>
-          <a:ext cx="11404600" cy="3092804"/>
+          <a:off x="342900" y="2290189"/>
+          <a:ext cx="11283950" cy="3092804"/>
         </p:xfrm>
         <a:graphic>
           <a:graphicData uri="http://schemas.openxmlformats.org/drawingml/2006/table">
@@ -10382,7 +10382,7 @@
                 <a:tableStyleId>{5C22544A-7EE6-4342-B048-85BDC9FD1C3A}</a:tableStyleId>
               </a:tblPr>
               <a:tblGrid>
-                <a:gridCol w="3287862">
+                <a:gridCol w="3167212">
                   <a:extLst>
                     <a:ext uri="{9D8B030D-6E8A-4147-A177-3AD203B41FA5}">
                       <a16:colId xmlns:a16="http://schemas.microsoft.com/office/drawing/2014/main" val="628481113"/>
@@ -10766,7 +10766,7 @@
                             <a:schemeClr val="tx1"/>
                           </a:solidFill>
                         </a:rPr>
-                        <a:t>1.26</a:t>
+                        <a:t>1.28</a:t>
                       </a:r>
                     </a:p>
                   </a:txBody>
@@ -10844,7 +10844,7 @@
                             <a:schemeClr val="tx1"/>
                           </a:solidFill>
                         </a:rPr>
-                        <a:t>1.15</a:t>
+                        <a:t>1.14</a:t>
                       </a:r>
                     </a:p>
                   </a:txBody>
@@ -10914,7 +10914,7 @@
                       <a:pPr algn="ctr"/>
                       <a:r>
                         <a:rPr lang="fr-FR" dirty="0"/>
-                        <a:t>X</a:t>
+                        <a:t>1.06</a:t>
                       </a:r>
                     </a:p>
                   </a:txBody>
@@ -11370,7 +11370,7 @@
           <p:nvPr>
             <p:extLst>
               <p:ext uri="{D42A27DB-BD31-4B8C-83A1-F6EECF244321}">
-                <p14:modId xmlns:p14="http://schemas.microsoft.com/office/powerpoint/2010/main" val="1463512817"/>
+                <p14:modId xmlns:p14="http://schemas.microsoft.com/office/powerpoint/2010/main" val="3223733726"/>
               </p:ext>
             </p:extLst>
           </p:nvPr>
@@ -11735,7 +11735,23 @@
                             <a:srgbClr val="C00000"/>
                           </a:solidFill>
                         </a:rPr>
-                        <a:t>66%</a:t>
+                        <a:t>66% (66.5% </a:t>
+                      </a:r>
+                      <a:r>
+                        <a:rPr lang="fr-FR" dirty="0" err="1">
+                          <a:solidFill>
+                            <a:srgbClr val="C00000"/>
+                          </a:solidFill>
+                        </a:rPr>
+                        <a:t>with</a:t>
+                      </a:r>
+                      <a:r>
+                        <a:rPr lang="fr-FR" dirty="0">
+                          <a:solidFill>
+                            <a:srgbClr val="C00000"/>
+                          </a:solidFill>
+                        </a:rPr>
+                        <a:t> -2.5&gt;.&gt;-4)</a:t>
                       </a:r>
                     </a:p>
                   </a:txBody>
@@ -11752,7 +11768,23 @@
                             <a:srgbClr val="C00000"/>
                           </a:solidFill>
                         </a:rPr>
-                        <a:t>223s per image</a:t>
+                        <a:t>223s per image (257s </a:t>
+                      </a:r>
+                      <a:r>
+                        <a:rPr lang="fr-FR" dirty="0" err="1">
+                          <a:solidFill>
+                            <a:srgbClr val="C00000"/>
+                          </a:solidFill>
+                        </a:rPr>
+                        <a:t>with</a:t>
+                      </a:r>
+                      <a:r>
+                        <a:rPr lang="fr-FR" dirty="0">
+                          <a:solidFill>
+                            <a:srgbClr val="C00000"/>
+                          </a:solidFill>
+                        </a:rPr>
+                        <a:t> -2.5&gt;min of min&gt;-4)</a:t>
                       </a:r>
                     </a:p>
                   </a:txBody>
@@ -12184,7 +12216,7 @@
           <p:nvPr>
             <p:extLst>
               <p:ext uri="{D42A27DB-BD31-4B8C-83A1-F6EECF244321}">
-                <p14:modId xmlns:p14="http://schemas.microsoft.com/office/powerpoint/2010/main" val="2322912838"/>
+                <p14:modId xmlns:p14="http://schemas.microsoft.com/office/powerpoint/2010/main" val="466950095"/>
               </p:ext>
             </p:extLst>
           </p:nvPr>
@@ -12207,14 +12239,14 @@
                     </a:ext>
                   </a:extLst>
                 </a:gridCol>
-                <a:gridCol w="2803943">
+                <a:gridCol w="3249634">
                   <a:extLst>
                     <a:ext uri="{9D8B030D-6E8A-4147-A177-3AD203B41FA5}">
                       <a16:colId xmlns:a16="http://schemas.microsoft.com/office/drawing/2014/main" val="3180203207"/>
                     </a:ext>
                   </a:extLst>
                 </a:gridCol>
-                <a:gridCol w="5176353">
+                <a:gridCol w="4730662">
                   <a:extLst>
                     <a:ext uri="{9D8B030D-6E8A-4147-A177-3AD203B41FA5}">
                       <a16:colId xmlns:a16="http://schemas.microsoft.com/office/drawing/2014/main" val="546606006"/>
@@ -12549,7 +12581,23 @@
                             <a:srgbClr val="C00000"/>
                           </a:solidFill>
                         </a:rPr>
-                        <a:t>??%</a:t>
+                        <a:t>55.3% (55.7% </a:t>
+                      </a:r>
+                      <a:r>
+                        <a:rPr lang="fr-FR" dirty="0" err="1">
+                          <a:solidFill>
+                            <a:srgbClr val="C00000"/>
+                          </a:solidFill>
+                        </a:rPr>
+                        <a:t>with</a:t>
+                      </a:r>
+                      <a:r>
+                        <a:rPr lang="fr-FR" dirty="0">
+                          <a:solidFill>
+                            <a:srgbClr val="C00000"/>
+                          </a:solidFill>
+                        </a:rPr>
+                        <a:t> -4&lt;.&lt;-2.5)</a:t>
                       </a:r>
                     </a:p>
                   </a:txBody>

--- a/WP1verifDNN.pptx
+++ b/WP1verifDNN.pptx
@@ -9,10 +9,11 @@
     <p:sldId id="384" r:id="rId3"/>
     <p:sldId id="389" r:id="rId4"/>
     <p:sldId id="260" r:id="rId5"/>
-    <p:sldId id="388" r:id="rId6"/>
-    <p:sldId id="387" r:id="rId7"/>
-    <p:sldId id="259" r:id="rId8"/>
-    <p:sldId id="386" r:id="rId9"/>
+    <p:sldId id="390" r:id="rId6"/>
+    <p:sldId id="388" r:id="rId7"/>
+    <p:sldId id="387" r:id="rId8"/>
+    <p:sldId id="259" r:id="rId9"/>
+    <p:sldId id="386" r:id="rId10"/>
   </p:sldIdLst>
   <p:sldSz cx="12192000" cy="6858000"/>
   <p:notesSz cx="6858000" cy="9144000"/>
@@ -374,7 +375,7 @@
           <a:p>
             <a:fld id="{E5FCB298-21FC-4E25-9632-945B53CD0465}" type="datetimeFigureOut">
               <a:rPr lang="fr-FR" smtClean="0"/>
-              <a:t>06/10/2023</a:t>
+              <a:t>11/10/2023</a:t>
             </a:fld>
             <a:endParaRPr lang="fr-FR"/>
           </a:p>
@@ -572,7 +573,7 @@
           <a:p>
             <a:fld id="{E5FCB298-21FC-4E25-9632-945B53CD0465}" type="datetimeFigureOut">
               <a:rPr lang="fr-FR" smtClean="0"/>
-              <a:t>06/10/2023</a:t>
+              <a:t>11/10/2023</a:t>
             </a:fld>
             <a:endParaRPr lang="fr-FR"/>
           </a:p>
@@ -780,7 +781,7 @@
           <a:p>
             <a:fld id="{E5FCB298-21FC-4E25-9632-945B53CD0465}" type="datetimeFigureOut">
               <a:rPr lang="fr-FR" smtClean="0"/>
-              <a:t>06/10/2023</a:t>
+              <a:t>11/10/2023</a:t>
             </a:fld>
             <a:endParaRPr lang="fr-FR"/>
           </a:p>
@@ -978,7 +979,7 @@
           <a:p>
             <a:fld id="{E5FCB298-21FC-4E25-9632-945B53CD0465}" type="datetimeFigureOut">
               <a:rPr lang="fr-FR" smtClean="0"/>
-              <a:t>06/10/2023</a:t>
+              <a:t>11/10/2023</a:t>
             </a:fld>
             <a:endParaRPr lang="fr-FR"/>
           </a:p>
@@ -1253,7 +1254,7 @@
           <a:p>
             <a:fld id="{E5FCB298-21FC-4E25-9632-945B53CD0465}" type="datetimeFigureOut">
               <a:rPr lang="fr-FR" smtClean="0"/>
-              <a:t>06/10/2023</a:t>
+              <a:t>11/10/2023</a:t>
             </a:fld>
             <a:endParaRPr lang="fr-FR"/>
           </a:p>
@@ -1518,7 +1519,7 @@
           <a:p>
             <a:fld id="{E5FCB298-21FC-4E25-9632-945B53CD0465}" type="datetimeFigureOut">
               <a:rPr lang="fr-FR" smtClean="0"/>
-              <a:t>06/10/2023</a:t>
+              <a:t>11/10/2023</a:t>
             </a:fld>
             <a:endParaRPr lang="fr-FR"/>
           </a:p>
@@ -1930,7 +1931,7 @@
           <a:p>
             <a:fld id="{E5FCB298-21FC-4E25-9632-945B53CD0465}" type="datetimeFigureOut">
               <a:rPr lang="fr-FR" smtClean="0"/>
-              <a:t>06/10/2023</a:t>
+              <a:t>11/10/2023</a:t>
             </a:fld>
             <a:endParaRPr lang="fr-FR"/>
           </a:p>
@@ -2071,7 +2072,7 @@
           <a:p>
             <a:fld id="{E5FCB298-21FC-4E25-9632-945B53CD0465}" type="datetimeFigureOut">
               <a:rPr lang="fr-FR" smtClean="0"/>
-              <a:t>06/10/2023</a:t>
+              <a:t>11/10/2023</a:t>
             </a:fld>
             <a:endParaRPr lang="fr-FR"/>
           </a:p>
@@ -2184,7 +2185,7 @@
           <a:p>
             <a:fld id="{E5FCB298-21FC-4E25-9632-945B53CD0465}" type="datetimeFigureOut">
               <a:rPr lang="fr-FR" smtClean="0"/>
-              <a:t>06/10/2023</a:t>
+              <a:t>11/10/2023</a:t>
             </a:fld>
             <a:endParaRPr lang="fr-FR"/>
           </a:p>
@@ -2495,7 +2496,7 @@
           <a:p>
             <a:fld id="{E5FCB298-21FC-4E25-9632-945B53CD0465}" type="datetimeFigureOut">
               <a:rPr lang="fr-FR" smtClean="0"/>
-              <a:t>06/10/2023</a:t>
+              <a:t>11/10/2023</a:t>
             </a:fld>
             <a:endParaRPr lang="fr-FR"/>
           </a:p>
@@ -2783,7 +2784,7 @@
           <a:p>
             <a:fld id="{E5FCB298-21FC-4E25-9632-945B53CD0465}" type="datetimeFigureOut">
               <a:rPr lang="fr-FR" smtClean="0"/>
-              <a:t>06/10/2023</a:t>
+              <a:t>11/10/2023</a:t>
             </a:fld>
             <a:endParaRPr lang="fr-FR"/>
           </a:p>
@@ -3024,7 +3025,7 @@
           <a:p>
             <a:fld id="{E5FCB298-21FC-4E25-9632-945B53CD0465}" type="datetimeFigureOut">
               <a:rPr lang="fr-FR" smtClean="0"/>
-              <a:t>06/10/2023</a:t>
+              <a:t>11/10/2023</a:t>
             </a:fld>
             <a:endParaRPr lang="fr-FR"/>
           </a:p>
@@ -11325,6 +11326,1083 @@
           <a:chExt cx="0" cy="0"/>
         </a:xfrm>
       </p:grpSpPr>
+      <p:sp>
+        <p:nvSpPr>
+          <p:cNvPr id="49" name="ZoneTexte 48">
+            <a:extLst>
+              <a:ext uri="{FF2B5EF4-FFF2-40B4-BE49-F238E27FC236}">
+                <a16:creationId xmlns:a16="http://schemas.microsoft.com/office/drawing/2014/main" id="{6274D5FC-B802-0B57-FA63-D845CBCF64F1}"/>
+              </a:ext>
+            </a:extLst>
+          </p:cNvPr>
+          <p:cNvSpPr txBox="1"/>
+          <p:nvPr/>
+        </p:nvSpPr>
+        <p:spPr>
+          <a:xfrm>
+            <a:off x="4221405" y="376892"/>
+            <a:ext cx="4311373" cy="369332"/>
+          </a:xfrm>
+          <a:prstGeom prst="rect">
+            <a:avLst/>
+          </a:prstGeom>
+          <a:noFill/>
+        </p:spPr>
+        <p:txBody>
+          <a:bodyPr wrap="none" rtlCol="0">
+            <a:spAutoFit/>
+          </a:bodyPr>
+          <a:lstStyle/>
+          <a:p>
+            <a:r>
+              <a:rPr lang="fr-FR" dirty="0"/>
+              <a:t>5layers*100 nodes, </a:t>
+            </a:r>
+            <a:r>
+              <a:rPr lang="fr-FR" dirty="0" err="1"/>
+              <a:t>ReLU</a:t>
+            </a:r>
+            <a:r>
+              <a:rPr lang="fr-FR" dirty="0"/>
+              <a:t>, image </a:t>
+            </a:r>
+            <a:r>
+              <a:rPr lang="fr-FR" dirty="0">
+                <a:solidFill>
+                  <a:srgbClr val="FF0000"/>
+                </a:solidFill>
+              </a:rPr>
+              <a:t>n°59</a:t>
+            </a:r>
+            <a:r>
+              <a:rPr lang="fr-FR" dirty="0"/>
+              <a:t> (hard)</a:t>
+            </a:r>
+          </a:p>
+        </p:txBody>
+      </p:sp>
+      <p:graphicFrame>
+        <p:nvGraphicFramePr>
+          <p:cNvPr id="5" name="Tableau 4">
+            <a:extLst>
+              <a:ext uri="{FF2B5EF4-FFF2-40B4-BE49-F238E27FC236}">
+                <a16:creationId xmlns:a16="http://schemas.microsoft.com/office/drawing/2014/main" id="{4A06E0CE-362C-68A4-2ADC-6313A93B003D}"/>
+              </a:ext>
+            </a:extLst>
+          </p:cNvPr>
+          <p:cNvGraphicFramePr>
+            <a:graphicFrameLocks noGrp="1"/>
+          </p:cNvGraphicFramePr>
+          <p:nvPr>
+            <p:extLst>
+              <p:ext uri="{D42A27DB-BD31-4B8C-83A1-F6EECF244321}">
+                <p14:modId xmlns:p14="http://schemas.microsoft.com/office/powerpoint/2010/main" val="244548508"/>
+              </p:ext>
+            </p:extLst>
+          </p:nvPr>
+        </p:nvGraphicFramePr>
+        <p:xfrm>
+          <a:off x="203200" y="2252864"/>
+          <a:ext cx="11664949" cy="3463644"/>
+        </p:xfrm>
+        <a:graphic>
+          <a:graphicData uri="http://schemas.openxmlformats.org/drawingml/2006/table">
+            <a:tbl>
+              <a:tblPr firstRow="1" bandRow="1">
+                <a:tableStyleId>{5C22544A-7EE6-4342-B048-85BDC9FD1C3A}</a:tableStyleId>
+              </a:tblPr>
+              <a:tblGrid>
+                <a:gridCol w="3417999">
+                  <a:extLst>
+                    <a:ext uri="{9D8B030D-6E8A-4147-A177-3AD203B41FA5}">
+                      <a16:colId xmlns:a16="http://schemas.microsoft.com/office/drawing/2014/main" val="628481113"/>
+                    </a:ext>
+                  </a:extLst>
+                </a:gridCol>
+                <a:gridCol w="3090644">
+                  <a:extLst>
+                    <a:ext uri="{9D8B030D-6E8A-4147-A177-3AD203B41FA5}">
+                      <a16:colId xmlns:a16="http://schemas.microsoft.com/office/drawing/2014/main" val="111859342"/>
+                    </a:ext>
+                  </a:extLst>
+                </a:gridCol>
+                <a:gridCol w="2578153">
+                  <a:extLst>
+                    <a:ext uri="{9D8B030D-6E8A-4147-A177-3AD203B41FA5}">
+                      <a16:colId xmlns:a16="http://schemas.microsoft.com/office/drawing/2014/main" val="3961735731"/>
+                    </a:ext>
+                  </a:extLst>
+                </a:gridCol>
+                <a:gridCol w="2578153">
+                  <a:extLst>
+                    <a:ext uri="{9D8B030D-6E8A-4147-A177-3AD203B41FA5}">
+                      <a16:colId xmlns:a16="http://schemas.microsoft.com/office/drawing/2014/main" val="546606006"/>
+                    </a:ext>
+                  </a:extLst>
+                </a:gridCol>
+              </a:tblGrid>
+              <a:tr h="383156">
+                <a:tc>
+                  <a:txBody>
+                    <a:bodyPr/>
+                    <a:lstStyle/>
+                    <a:p>
+                      <a:r>
+                        <a:rPr lang="fr-FR" dirty="0"/>
+                        <a:t>Number </a:t>
+                      </a:r>
+                      <a:r>
+                        <a:rPr lang="fr-FR" b="1" dirty="0"/>
+                        <a:t>X</a:t>
+                      </a:r>
+                      <a:r>
+                        <a:rPr lang="fr-FR" dirty="0"/>
+                        <a:t> of nodes </a:t>
+                      </a:r>
+                      <a:r>
+                        <a:rPr lang="fr-FR" dirty="0" err="1"/>
+                        <a:t>chosen</a:t>
+                      </a:r>
+                      <a:endParaRPr lang="fr-FR" dirty="0"/>
+                    </a:p>
+                  </a:txBody>
+                  <a:tcPr/>
+                </a:tc>
+                <a:tc>
+                  <a:txBody>
+                    <a:bodyPr/>
+                    <a:lstStyle/>
+                    <a:p>
+                      <a:pPr algn="ctr"/>
+                      <a:r>
+                        <a:rPr lang="fr-FR" dirty="0">
+                          <a:solidFill>
+                            <a:srgbClr val="FF0000"/>
+                          </a:solidFill>
+                        </a:rPr>
+                        <a:t>Compensation</a:t>
+                      </a:r>
+                      <a:r>
+                        <a:rPr lang="fr-FR" dirty="0"/>
+                        <a:t> (Layer 1 &amp; 3)</a:t>
+                      </a:r>
+                    </a:p>
+                  </a:txBody>
+                  <a:tcPr/>
+                </a:tc>
+                <a:tc>
+                  <a:txBody>
+                    <a:bodyPr/>
+                    <a:lstStyle/>
+                    <a:p>
+                      <a:pPr algn="ctr"/>
+                      <a:r>
+                        <a:rPr lang="fr-FR" dirty="0">
+                          <a:solidFill>
+                            <a:srgbClr val="FF0000"/>
+                          </a:solidFill>
+                        </a:rPr>
+                        <a:t>Compensation</a:t>
+                      </a:r>
+                      <a:r>
+                        <a:rPr lang="fr-FR" dirty="0"/>
+                        <a:t> (Layer 1)</a:t>
+                      </a:r>
+                    </a:p>
+                  </a:txBody>
+                  <a:tcPr/>
+                </a:tc>
+                <a:tc>
+                  <a:txBody>
+                    <a:bodyPr/>
+                    <a:lstStyle/>
+                    <a:p>
+                      <a:pPr algn="ctr"/>
+                      <a:r>
+                        <a:rPr lang="fr-FR" dirty="0" err="1"/>
+                        <a:t>Random</a:t>
+                      </a:r>
+                      <a:r>
+                        <a:rPr lang="fr-FR" dirty="0"/>
+                        <a:t> (LAYER 3)</a:t>
+                      </a:r>
+                    </a:p>
+                  </a:txBody>
+                  <a:tcPr/>
+                </a:tc>
+                <a:extLst>
+                  <a:ext uri="{0D108BD9-81ED-4DB2-BD59-A6C34878D82A}">
+                    <a16:rowId xmlns:a16="http://schemas.microsoft.com/office/drawing/2014/main" val="3010665806"/>
+                  </a:ext>
+                </a:extLst>
+              </a:tr>
+              <a:tr h="484608">
+                <a:tc>
+                  <a:txBody>
+                    <a:bodyPr/>
+                    <a:lstStyle/>
+                    <a:p>
+                      <a:r>
+                        <a:rPr lang="fr-FR" dirty="0">
+                          <a:solidFill>
+                            <a:schemeClr val="bg1">
+                              <a:lumMod val="50000"/>
+                            </a:schemeClr>
+                          </a:solidFill>
+                        </a:rPr>
+                        <a:t>0</a:t>
+                      </a:r>
+                    </a:p>
+                  </a:txBody>
+                  <a:tcPr/>
+                </a:tc>
+                <a:tc>
+                  <a:txBody>
+                    <a:bodyPr/>
+                    <a:lstStyle/>
+                    <a:p>
+                      <a:pPr algn="ctr"/>
+                      <a:endParaRPr lang="fr-FR" dirty="0">
+                        <a:solidFill>
+                          <a:schemeClr val="bg1">
+                            <a:lumMod val="50000"/>
+                          </a:schemeClr>
+                        </a:solidFill>
+                      </a:endParaRPr>
+                    </a:p>
+                  </a:txBody>
+                  <a:tcPr/>
+                </a:tc>
+                <a:tc>
+                  <a:txBody>
+                    <a:bodyPr/>
+                    <a:lstStyle/>
+                    <a:p>
+                      <a:pPr algn="ctr"/>
+                      <a:endParaRPr lang="fr-FR" dirty="0">
+                        <a:solidFill>
+                          <a:schemeClr val="bg1">
+                            <a:lumMod val="50000"/>
+                          </a:schemeClr>
+                        </a:solidFill>
+                      </a:endParaRPr>
+                    </a:p>
+                  </a:txBody>
+                  <a:tcPr/>
+                </a:tc>
+                <a:tc>
+                  <a:txBody>
+                    <a:bodyPr/>
+                    <a:lstStyle/>
+                    <a:p>
+                      <a:pPr algn="ctr"/>
+                      <a:r>
+                        <a:rPr lang="fr-FR" dirty="0">
+                          <a:solidFill>
+                            <a:schemeClr val="bg1">
+                              <a:lumMod val="50000"/>
+                            </a:schemeClr>
+                          </a:solidFill>
+                        </a:rPr>
+                        <a:t>?</a:t>
+                      </a:r>
+                    </a:p>
+                  </a:txBody>
+                  <a:tcPr/>
+                </a:tc>
+                <a:extLst>
+                  <a:ext uri="{0D108BD9-81ED-4DB2-BD59-A6C34878D82A}">
+                    <a16:rowId xmlns:a16="http://schemas.microsoft.com/office/drawing/2014/main" val="646733638"/>
+                  </a:ext>
+                </a:extLst>
+              </a:tr>
+              <a:tr h="370840">
+                <a:tc>
+                  <a:txBody>
+                    <a:bodyPr/>
+                    <a:lstStyle/>
+                    <a:p>
+                      <a:r>
+                        <a:rPr lang="fr-FR" dirty="0">
+                          <a:solidFill>
+                            <a:schemeClr val="tx1"/>
+                          </a:solidFill>
+                        </a:rPr>
+                        <a:t>10</a:t>
+                      </a:r>
+                    </a:p>
+                  </a:txBody>
+                  <a:tcPr/>
+                </a:tc>
+                <a:tc>
+                  <a:txBody>
+                    <a:bodyPr/>
+                    <a:lstStyle/>
+                    <a:p>
+                      <a:pPr algn="ctr"/>
+                      <a:r>
+                        <a:rPr lang="fr-FR" dirty="0">
+                          <a:solidFill>
+                            <a:schemeClr val="tx1"/>
+                          </a:solidFill>
+                        </a:rPr>
+                        <a:t>?</a:t>
+                      </a:r>
+                    </a:p>
+                  </a:txBody>
+                  <a:tcPr/>
+                </a:tc>
+                <a:tc>
+                  <a:txBody>
+                    <a:bodyPr/>
+                    <a:lstStyle/>
+                    <a:p>
+                      <a:pPr algn="ctr"/>
+                      <a:r>
+                        <a:rPr lang="fr-FR" dirty="0"/>
+                        <a:t>1.677</a:t>
+                      </a:r>
+                    </a:p>
+                  </a:txBody>
+                  <a:tcPr/>
+                </a:tc>
+                <a:tc>
+                  <a:txBody>
+                    <a:bodyPr/>
+                    <a:lstStyle/>
+                    <a:p>
+                      <a:pPr algn="ctr"/>
+                      <a:r>
+                        <a:rPr lang="fr-FR" dirty="0"/>
+                        <a:t>?</a:t>
+                      </a:r>
+                    </a:p>
+                  </a:txBody>
+                  <a:tcPr/>
+                </a:tc>
+                <a:extLst>
+                  <a:ext uri="{0D108BD9-81ED-4DB2-BD59-A6C34878D82A}">
+                    <a16:rowId xmlns:a16="http://schemas.microsoft.com/office/drawing/2014/main" val="3839271426"/>
+                  </a:ext>
+                </a:extLst>
+              </a:tr>
+              <a:tr h="370840">
+                <a:tc>
+                  <a:txBody>
+                    <a:bodyPr/>
+                    <a:lstStyle/>
+                    <a:p>
+                      <a:r>
+                        <a:rPr lang="fr-FR" dirty="0"/>
+                        <a:t>20</a:t>
+                      </a:r>
+                    </a:p>
+                  </a:txBody>
+                  <a:tcPr/>
+                </a:tc>
+                <a:tc>
+                  <a:txBody>
+                    <a:bodyPr/>
+                    <a:lstStyle/>
+                    <a:p>
+                      <a:pPr algn="ctr"/>
+                      <a:r>
+                        <a:rPr lang="fr-FR" b="1" dirty="0"/>
+                        <a:t>1.539</a:t>
+                      </a:r>
+                    </a:p>
+                  </a:txBody>
+                  <a:tcPr/>
+                </a:tc>
+                <a:tc>
+                  <a:txBody>
+                    <a:bodyPr/>
+                    <a:lstStyle/>
+                    <a:p>
+                      <a:pPr algn="ctr"/>
+                      <a:r>
+                        <a:rPr lang="fr-FR" dirty="0"/>
+                        <a:t>1.567</a:t>
+                      </a:r>
+                    </a:p>
+                  </a:txBody>
+                  <a:tcPr/>
+                </a:tc>
+                <a:tc>
+                  <a:txBody>
+                    <a:bodyPr/>
+                    <a:lstStyle/>
+                    <a:p>
+                      <a:pPr algn="ctr"/>
+                      <a:r>
+                        <a:rPr lang="fr-FR" dirty="0"/>
+                        <a:t>?</a:t>
+                      </a:r>
+                    </a:p>
+                  </a:txBody>
+                  <a:tcPr/>
+                </a:tc>
+                <a:extLst>
+                  <a:ext uri="{0D108BD9-81ED-4DB2-BD59-A6C34878D82A}">
+                    <a16:rowId xmlns:a16="http://schemas.microsoft.com/office/drawing/2014/main" val="398968001"/>
+                  </a:ext>
+                </a:extLst>
+              </a:tr>
+              <a:tr h="370840">
+                <a:tc>
+                  <a:txBody>
+                    <a:bodyPr/>
+                    <a:lstStyle/>
+                    <a:p>
+                      <a:r>
+                        <a:rPr lang="fr-FR" dirty="0">
+                          <a:solidFill>
+                            <a:schemeClr val="tx1"/>
+                          </a:solidFill>
+                        </a:rPr>
+                        <a:t>30</a:t>
+                      </a:r>
+                    </a:p>
+                  </a:txBody>
+                  <a:tcPr/>
+                </a:tc>
+                <a:tc>
+                  <a:txBody>
+                    <a:bodyPr/>
+                    <a:lstStyle/>
+                    <a:p>
+                      <a:pPr algn="ctr"/>
+                      <a:r>
+                        <a:rPr lang="fr-FR" b="1" dirty="0">
+                          <a:solidFill>
+                            <a:schemeClr val="tx1"/>
+                          </a:solidFill>
+                        </a:rPr>
+                        <a:t>1.431</a:t>
+                      </a:r>
+                    </a:p>
+                  </a:txBody>
+                  <a:tcPr/>
+                </a:tc>
+                <a:tc>
+                  <a:txBody>
+                    <a:bodyPr/>
+                    <a:lstStyle/>
+                    <a:p>
+                      <a:pPr algn="ctr"/>
+                      <a:r>
+                        <a:rPr lang="fr-FR" dirty="0">
+                          <a:solidFill>
+                            <a:schemeClr val="tx1"/>
+                          </a:solidFill>
+                        </a:rPr>
+                        <a:t>1.489</a:t>
+                      </a:r>
+                    </a:p>
+                  </a:txBody>
+                  <a:tcPr/>
+                </a:tc>
+                <a:tc>
+                  <a:txBody>
+                    <a:bodyPr/>
+                    <a:lstStyle/>
+                    <a:p>
+                      <a:pPr algn="ctr"/>
+                      <a:r>
+                        <a:rPr lang="fr-FR" dirty="0">
+                          <a:solidFill>
+                            <a:schemeClr val="tx1"/>
+                          </a:solidFill>
+                        </a:rPr>
+                        <a:t>?</a:t>
+                      </a:r>
+                    </a:p>
+                  </a:txBody>
+                  <a:tcPr/>
+                </a:tc>
+                <a:extLst>
+                  <a:ext uri="{0D108BD9-81ED-4DB2-BD59-A6C34878D82A}">
+                    <a16:rowId xmlns:a16="http://schemas.microsoft.com/office/drawing/2014/main" val="1789608395"/>
+                  </a:ext>
+                </a:extLst>
+              </a:tr>
+              <a:tr h="370840">
+                <a:tc>
+                  <a:txBody>
+                    <a:bodyPr/>
+                    <a:lstStyle/>
+                    <a:p>
+                      <a:r>
+                        <a:rPr lang="fr-FR" dirty="0">
+                          <a:solidFill>
+                            <a:schemeClr val="tx1"/>
+                          </a:solidFill>
+                        </a:rPr>
+                        <a:t>40</a:t>
+                      </a:r>
+                    </a:p>
+                  </a:txBody>
+                  <a:tcPr/>
+                </a:tc>
+                <a:tc>
+                  <a:txBody>
+                    <a:bodyPr/>
+                    <a:lstStyle/>
+                    <a:p>
+                      <a:pPr algn="ctr"/>
+                      <a:r>
+                        <a:rPr lang="fr-FR" dirty="0">
+                          <a:solidFill>
+                            <a:schemeClr val="tx1"/>
+                          </a:solidFill>
+                        </a:rPr>
+                        <a:t>?</a:t>
+                      </a:r>
+                    </a:p>
+                  </a:txBody>
+                  <a:tcPr/>
+                </a:tc>
+                <a:tc>
+                  <a:txBody>
+                    <a:bodyPr/>
+                    <a:lstStyle/>
+                    <a:p>
+                      <a:pPr algn="ctr"/>
+                      <a:r>
+                        <a:rPr lang="fr-FR" dirty="0">
+                          <a:solidFill>
+                            <a:schemeClr val="tx1"/>
+                          </a:solidFill>
+                        </a:rPr>
+                        <a:t>?</a:t>
+                      </a:r>
+                    </a:p>
+                  </a:txBody>
+                  <a:tcPr/>
+                </a:tc>
+                <a:tc>
+                  <a:txBody>
+                    <a:bodyPr/>
+                    <a:lstStyle/>
+                    <a:p>
+                      <a:pPr algn="ctr"/>
+                      <a:r>
+                        <a:rPr lang="fr-FR" dirty="0">
+                          <a:solidFill>
+                            <a:schemeClr val="tx1"/>
+                          </a:solidFill>
+                        </a:rPr>
+                        <a:t>?</a:t>
+                      </a:r>
+                    </a:p>
+                  </a:txBody>
+                  <a:tcPr/>
+                </a:tc>
+                <a:extLst>
+                  <a:ext uri="{0D108BD9-81ED-4DB2-BD59-A6C34878D82A}">
+                    <a16:rowId xmlns:a16="http://schemas.microsoft.com/office/drawing/2014/main" val="138467180"/>
+                  </a:ext>
+                </a:extLst>
+              </a:tr>
+              <a:tr h="370840">
+                <a:tc>
+                  <a:txBody>
+                    <a:bodyPr/>
+                    <a:lstStyle/>
+                    <a:p>
+                      <a:r>
+                        <a:rPr lang="fr-FR" dirty="0"/>
+                        <a:t>50</a:t>
+                      </a:r>
+                    </a:p>
+                  </a:txBody>
+                  <a:tcPr/>
+                </a:tc>
+                <a:tc>
+                  <a:txBody>
+                    <a:bodyPr/>
+                    <a:lstStyle/>
+                    <a:p>
+                      <a:pPr algn="ctr"/>
+                      <a:r>
+                        <a:rPr lang="fr-FR" dirty="0"/>
+                        <a:t>?</a:t>
+                      </a:r>
+                    </a:p>
+                  </a:txBody>
+                  <a:tcPr/>
+                </a:tc>
+                <a:tc>
+                  <a:txBody>
+                    <a:bodyPr/>
+                    <a:lstStyle/>
+                    <a:p>
+                      <a:pPr algn="ctr"/>
+                      <a:r>
+                        <a:rPr lang="fr-FR" dirty="0"/>
+                        <a:t>?</a:t>
+                      </a:r>
+                    </a:p>
+                  </a:txBody>
+                  <a:tcPr/>
+                </a:tc>
+                <a:tc>
+                  <a:txBody>
+                    <a:bodyPr/>
+                    <a:lstStyle/>
+                    <a:p>
+                      <a:pPr algn="ctr"/>
+                      <a:r>
+                        <a:rPr lang="fr-FR" dirty="0"/>
+                        <a:t>?</a:t>
+                      </a:r>
+                    </a:p>
+                  </a:txBody>
+                  <a:tcPr/>
+                </a:tc>
+                <a:extLst>
+                  <a:ext uri="{0D108BD9-81ED-4DB2-BD59-A6C34878D82A}">
+                    <a16:rowId xmlns:a16="http://schemas.microsoft.com/office/drawing/2014/main" val="3899875465"/>
+                  </a:ext>
+                </a:extLst>
+              </a:tr>
+              <a:tr h="370840">
+                <a:tc>
+                  <a:txBody>
+                    <a:bodyPr/>
+                    <a:lstStyle/>
+                    <a:p>
+                      <a:r>
+                        <a:rPr lang="fr-FR" dirty="0">
+                          <a:solidFill>
+                            <a:schemeClr val="bg1">
+                              <a:lumMod val="50000"/>
+                            </a:schemeClr>
+                          </a:solidFill>
+                        </a:rPr>
+                        <a:t>ALL NODES OF LAYER 3 (k=1)</a:t>
+                      </a:r>
+                    </a:p>
+                  </a:txBody>
+                  <a:tcPr/>
+                </a:tc>
+                <a:tc>
+                  <a:txBody>
+                    <a:bodyPr/>
+                    <a:lstStyle/>
+                    <a:p>
+                      <a:pPr algn="ctr"/>
+                      <a:r>
+                        <a:rPr lang="fr-FR" dirty="0">
+                          <a:solidFill>
+                            <a:schemeClr val="bg1">
+                              <a:lumMod val="50000"/>
+                            </a:schemeClr>
+                          </a:solidFill>
+                        </a:rPr>
+                        <a:t>?</a:t>
+                      </a:r>
+                    </a:p>
+                  </a:txBody>
+                  <a:tcPr/>
+                </a:tc>
+                <a:tc>
+                  <a:txBody>
+                    <a:bodyPr/>
+                    <a:lstStyle/>
+                    <a:p>
+                      <a:pPr algn="ctr"/>
+                      <a:endParaRPr lang="fr-FR" dirty="0">
+                        <a:solidFill>
+                          <a:schemeClr val="bg1">
+                            <a:lumMod val="50000"/>
+                          </a:schemeClr>
+                        </a:solidFill>
+                      </a:endParaRPr>
+                    </a:p>
+                  </a:txBody>
+                  <a:tcPr/>
+                </a:tc>
+                <a:tc>
+                  <a:txBody>
+                    <a:bodyPr/>
+                    <a:lstStyle/>
+                    <a:p>
+                      <a:pPr algn="ctr"/>
+                      <a:endParaRPr lang="fr-FR" dirty="0">
+                        <a:solidFill>
+                          <a:schemeClr val="bg1">
+                            <a:lumMod val="50000"/>
+                          </a:schemeClr>
+                        </a:solidFill>
+                      </a:endParaRPr>
+                    </a:p>
+                  </a:txBody>
+                  <a:tcPr/>
+                </a:tc>
+                <a:extLst>
+                  <a:ext uri="{0D108BD9-81ED-4DB2-BD59-A6C34878D82A}">
+                    <a16:rowId xmlns:a16="http://schemas.microsoft.com/office/drawing/2014/main" val="14864157"/>
+                  </a:ext>
+                </a:extLst>
+              </a:tr>
+              <a:tr h="370840">
+                <a:tc>
+                  <a:txBody>
+                    <a:bodyPr/>
+                    <a:lstStyle/>
+                    <a:p>
+                      <a:r>
+                        <a:rPr lang="fr-FR" dirty="0">
+                          <a:solidFill>
+                            <a:schemeClr val="bg1">
+                              <a:lumMod val="50000"/>
+                            </a:schemeClr>
+                          </a:solidFill>
+                        </a:rPr>
+                        <a:t>ALL NODES OF LAYER 1+3 (k=2)</a:t>
+                      </a:r>
+                    </a:p>
+                  </a:txBody>
+                  <a:tcPr/>
+                </a:tc>
+                <a:tc>
+                  <a:txBody>
+                    <a:bodyPr/>
+                    <a:lstStyle/>
+                    <a:p>
+                      <a:pPr algn="ctr"/>
+                      <a:r>
+                        <a:rPr lang="fr-FR" dirty="0">
+                          <a:solidFill>
+                            <a:schemeClr val="bg1">
+                              <a:lumMod val="50000"/>
+                            </a:schemeClr>
+                          </a:solidFill>
+                        </a:rPr>
+                        <a:t>?</a:t>
+                      </a:r>
+                    </a:p>
+                  </a:txBody>
+                  <a:tcPr/>
+                </a:tc>
+                <a:tc>
+                  <a:txBody>
+                    <a:bodyPr/>
+                    <a:lstStyle/>
+                    <a:p>
+                      <a:pPr algn="ctr"/>
+                      <a:endParaRPr lang="fr-FR" dirty="0">
+                        <a:solidFill>
+                          <a:schemeClr val="bg1">
+                            <a:lumMod val="50000"/>
+                          </a:schemeClr>
+                        </a:solidFill>
+                      </a:endParaRPr>
+                    </a:p>
+                  </a:txBody>
+                  <a:tcPr/>
+                </a:tc>
+                <a:tc>
+                  <a:txBody>
+                    <a:bodyPr/>
+                    <a:lstStyle/>
+                    <a:p>
+                      <a:pPr algn="ctr"/>
+                      <a:endParaRPr lang="fr-FR" dirty="0">
+                        <a:solidFill>
+                          <a:schemeClr val="bg1">
+                            <a:lumMod val="50000"/>
+                          </a:schemeClr>
+                        </a:solidFill>
+                      </a:endParaRPr>
+                    </a:p>
+                  </a:txBody>
+                  <a:tcPr/>
+                </a:tc>
+                <a:extLst>
+                  <a:ext uri="{0D108BD9-81ED-4DB2-BD59-A6C34878D82A}">
+                    <a16:rowId xmlns:a16="http://schemas.microsoft.com/office/drawing/2014/main" val="1522871950"/>
+                  </a:ext>
+                </a:extLst>
+              </a:tr>
+            </a:tbl>
+          </a:graphicData>
+        </a:graphic>
+      </p:graphicFrame>
+      <p:sp>
+        <p:nvSpPr>
+          <p:cNvPr id="8" name="ZoneTexte 7">
+            <a:extLst>
+              <a:ext uri="{FF2B5EF4-FFF2-40B4-BE49-F238E27FC236}">
+                <a16:creationId xmlns:a16="http://schemas.microsoft.com/office/drawing/2014/main" id="{F4CC3D67-A686-60ED-A7A0-49B55639D1B8}"/>
+              </a:ext>
+            </a:extLst>
+          </p:cNvPr>
+          <p:cNvSpPr txBox="1"/>
+          <p:nvPr/>
+        </p:nvSpPr>
+        <p:spPr>
+          <a:xfrm>
+            <a:off x="86308" y="1532157"/>
+            <a:ext cx="12302983" cy="369332"/>
+          </a:xfrm>
+          <a:prstGeom prst="rect">
+            <a:avLst/>
+          </a:prstGeom>
+          <a:noFill/>
+        </p:spPr>
+        <p:txBody>
+          <a:bodyPr wrap="none" rtlCol="0">
+            <a:spAutoFit/>
+          </a:bodyPr>
+          <a:lstStyle/>
+          <a:p>
+            <a:r>
+              <a:rPr lang="fr-FR" dirty="0" err="1"/>
+              <a:t>Average</a:t>
+            </a:r>
+            <a:r>
+              <a:rPr lang="fr-FR" dirty="0"/>
+              <a:t> </a:t>
+            </a:r>
+            <a:r>
+              <a:rPr lang="fr-FR" dirty="0" err="1"/>
+              <a:t>uncertainty</a:t>
+            </a:r>
+            <a:r>
+              <a:rPr lang="fr-FR" dirty="0"/>
+              <a:t> of </a:t>
+            </a:r>
+            <a:r>
+              <a:rPr lang="fr-FR" b="1" dirty="0"/>
+              <a:t>layer 5</a:t>
+            </a:r>
+            <a:r>
+              <a:rPr lang="fr-FR" dirty="0"/>
+              <a:t> (first </a:t>
+            </a:r>
+            <a:r>
+              <a:rPr lang="fr-FR" dirty="0" err="1"/>
+              <a:t>ReLU</a:t>
+            </a:r>
+            <a:r>
+              <a:rPr lang="fr-FR" dirty="0"/>
+              <a:t> layer) </a:t>
+            </a:r>
+            <a:r>
+              <a:rPr lang="fr-FR" dirty="0" err="1"/>
+              <a:t>when</a:t>
+            </a:r>
+            <a:r>
+              <a:rPr lang="fr-FR" dirty="0"/>
+              <a:t> </a:t>
+            </a:r>
+            <a:r>
+              <a:rPr lang="fr-FR" dirty="0" err="1"/>
+              <a:t>choosing</a:t>
+            </a:r>
+            <a:r>
+              <a:rPr lang="fr-FR" dirty="0"/>
+              <a:t> MILP layer1+3-nodes </a:t>
+            </a:r>
+            <a:r>
+              <a:rPr lang="fr-FR" dirty="0" err="1"/>
+              <a:t>focusing</a:t>
+            </a:r>
+            <a:r>
+              <a:rPr lang="fr-FR" dirty="0"/>
+              <a:t> on </a:t>
+            </a:r>
+            <a:r>
+              <a:rPr lang="fr-FR" dirty="0">
+                <a:solidFill>
+                  <a:srgbClr val="C00000"/>
+                </a:solidFill>
+              </a:rPr>
+              <a:t>compensation</a:t>
+            </a:r>
+            <a:r>
+              <a:rPr lang="fr-FR" dirty="0"/>
+              <a:t> vs </a:t>
+            </a:r>
+            <a:r>
+              <a:rPr lang="fr-FR" dirty="0" err="1"/>
+              <a:t>random</a:t>
+            </a:r>
+            <a:r>
+              <a:rPr lang="fr-FR" dirty="0"/>
+              <a:t> </a:t>
+            </a:r>
+            <a:r>
+              <a:rPr lang="fr-FR" dirty="0" err="1"/>
+              <a:t>choice</a:t>
+            </a:r>
+            <a:endParaRPr lang="fr-FR" dirty="0"/>
+          </a:p>
+        </p:txBody>
+      </p:sp>
+      <p:sp>
+        <p:nvSpPr>
+          <p:cNvPr id="14" name="ZoneTexte 13">
+            <a:extLst>
+              <a:ext uri="{FF2B5EF4-FFF2-40B4-BE49-F238E27FC236}">
+                <a16:creationId xmlns:a16="http://schemas.microsoft.com/office/drawing/2014/main" id="{445C7BB2-0600-68F0-CB42-A7B6578D0D69}"/>
+              </a:ext>
+            </a:extLst>
+          </p:cNvPr>
+          <p:cNvSpPr txBox="1"/>
+          <p:nvPr/>
+        </p:nvSpPr>
+        <p:spPr>
+          <a:xfrm>
+            <a:off x="1525322" y="6067883"/>
+            <a:ext cx="8971302" cy="369332"/>
+          </a:xfrm>
+          <a:prstGeom prst="rect">
+            <a:avLst/>
+          </a:prstGeom>
+          <a:noFill/>
+        </p:spPr>
+        <p:txBody>
+          <a:bodyPr wrap="none" rtlCol="0">
+            <a:spAutoFit/>
+          </a:bodyPr>
+          <a:lstStyle/>
+          <a:p>
+            <a:r>
+              <a:rPr lang="fr-FR" dirty="0"/>
+              <a:t>=&gt; </a:t>
+            </a:r>
+            <a:r>
+              <a:rPr lang="fr-FR" dirty="0" err="1"/>
+              <a:t>Could</a:t>
+            </a:r>
+            <a:r>
+              <a:rPr lang="fr-FR" dirty="0"/>
+              <a:t> </a:t>
+            </a:r>
+            <a:r>
+              <a:rPr lang="fr-FR" dirty="0" err="1"/>
+              <a:t>also</a:t>
+            </a:r>
+            <a:r>
+              <a:rPr lang="fr-FR" dirty="0"/>
+              <a:t> choose </a:t>
+            </a:r>
+            <a:r>
+              <a:rPr lang="fr-FR" dirty="0" err="1"/>
+              <a:t>some</a:t>
+            </a:r>
+            <a:r>
+              <a:rPr lang="fr-FR" dirty="0"/>
+              <a:t> </a:t>
+            </a:r>
+            <a:r>
+              <a:rPr lang="fr-FR" dirty="0" err="1"/>
+              <a:t>b,b</a:t>
+            </a:r>
+            <a:r>
+              <a:rPr lang="fr-FR" dirty="0"/>
+              <a:t>’ </a:t>
+            </a:r>
+            <a:r>
+              <a:rPr lang="fr-FR" dirty="0" err="1"/>
+              <a:t>from</a:t>
+            </a:r>
+            <a:r>
+              <a:rPr lang="fr-FR" dirty="0"/>
+              <a:t> </a:t>
+            </a:r>
+            <a:r>
+              <a:rPr lang="fr-FR" dirty="0" err="1"/>
+              <a:t>deeper</a:t>
+            </a:r>
+            <a:r>
+              <a:rPr lang="fr-FR" dirty="0"/>
+              <a:t> </a:t>
+            </a:r>
+            <a:r>
+              <a:rPr lang="fr-FR" dirty="0" err="1"/>
+              <a:t>layers</a:t>
+            </a:r>
+            <a:r>
+              <a:rPr lang="fr-FR" dirty="0"/>
+              <a:t> if </a:t>
+            </a:r>
+            <a:r>
+              <a:rPr lang="fr-FR" dirty="0" err="1"/>
+              <a:t>weight</a:t>
+            </a:r>
+            <a:r>
+              <a:rPr lang="fr-FR" dirty="0"/>
+              <a:t> </a:t>
+            </a:r>
+            <a:r>
+              <a:rPr lang="fr-FR" dirty="0" err="1"/>
+              <a:t>is</a:t>
+            </a:r>
+            <a:r>
+              <a:rPr lang="fr-FR" dirty="0"/>
+              <a:t> </a:t>
+            </a:r>
+            <a:r>
+              <a:rPr lang="fr-FR" dirty="0" err="1"/>
+              <a:t>very</a:t>
+            </a:r>
+            <a:r>
+              <a:rPr lang="fr-FR" dirty="0"/>
+              <a:t> high (2,3 </a:t>
+            </a:r>
+            <a:r>
+              <a:rPr lang="fr-FR" dirty="0" err="1"/>
+              <a:t>layers</a:t>
+            </a:r>
+            <a:r>
+              <a:rPr lang="fr-FR" dirty="0"/>
+              <a:t> </a:t>
+            </a:r>
+            <a:r>
+              <a:rPr lang="fr-FR" dirty="0" err="1"/>
+              <a:t>before</a:t>
+            </a:r>
+            <a:r>
+              <a:rPr lang="fr-FR" dirty="0"/>
+              <a:t>…) !</a:t>
+            </a:r>
+          </a:p>
+        </p:txBody>
+      </p:sp>
+    </p:spTree>
+    <p:extLst>
+      <p:ext uri="{BB962C8B-B14F-4D97-AF65-F5344CB8AC3E}">
+        <p14:creationId xmlns:p14="http://schemas.microsoft.com/office/powerpoint/2010/main" val="2449321781"/>
+      </p:ext>
+    </p:extLst>
+  </p:cSld>
+  <p:clrMapOvr>
+    <a:masterClrMapping/>
+  </p:clrMapOvr>
+</p:sld>
+</file>
+
+<file path=ppt/slides/slide6.xml><?xml version="1.0" encoding="utf-8"?>
+<p:sld xmlns:a="http://schemas.openxmlformats.org/drawingml/2006/main" xmlns:r="http://schemas.openxmlformats.org/officeDocument/2006/relationships" xmlns:p="http://schemas.openxmlformats.org/presentationml/2006/main">
+  <p:cSld>
+    <p:spTree>
+      <p:nvGrpSpPr>
+        <p:cNvPr id="1" name=""/>
+        <p:cNvGrpSpPr/>
+        <p:nvPr/>
+      </p:nvGrpSpPr>
+      <p:grpSpPr>
+        <a:xfrm>
+          <a:off x="0" y="0"/>
+          <a:ext cx="0" cy="0"/>
+          <a:chOff x="0" y="0"/>
+          <a:chExt cx="0" cy="0"/>
+        </a:xfrm>
+      </p:grpSpPr>
       <p:pic>
         <p:nvPicPr>
           <p:cNvPr id="11" name="Image 10">
@@ -12184,7 +13262,7 @@
 </p:sld>
 </file>
 
-<file path=ppt/slides/slide6.xml><?xml version="1.0" encoding="utf-8"?>
+<file path=ppt/slides/slide7.xml><?xml version="1.0" encoding="utf-8"?>
 <p:sld xmlns:a="http://schemas.openxmlformats.org/drawingml/2006/main" xmlns:r="http://schemas.openxmlformats.org/officeDocument/2006/relationships" xmlns:p="http://schemas.openxmlformats.org/presentationml/2006/main">
   <p:cSld>
     <p:spTree>
@@ -12838,6 +13916,444 @@
           </a:p>
         </p:txBody>
       </p:sp>
+      <p:graphicFrame>
+        <p:nvGraphicFramePr>
+          <p:cNvPr id="2" name="Tableau 4">
+            <a:extLst>
+              <a:ext uri="{FF2B5EF4-FFF2-40B4-BE49-F238E27FC236}">
+                <a16:creationId xmlns:a16="http://schemas.microsoft.com/office/drawing/2014/main" id="{F841CC7A-3F07-E8C6-8357-C7D2CEEB41E1}"/>
+              </a:ext>
+            </a:extLst>
+          </p:cNvPr>
+          <p:cNvGraphicFramePr>
+            <a:graphicFrameLocks noGrp="1"/>
+          </p:cNvGraphicFramePr>
+          <p:nvPr>
+            <p:extLst>
+              <p:ext uri="{D42A27DB-BD31-4B8C-83A1-F6EECF244321}">
+                <p14:modId xmlns:p14="http://schemas.microsoft.com/office/powerpoint/2010/main" val="3296898255"/>
+              </p:ext>
+            </p:extLst>
+          </p:nvPr>
+        </p:nvGraphicFramePr>
+        <p:xfrm>
+          <a:off x="563671" y="3735053"/>
+          <a:ext cx="11202443" cy="2225040"/>
+        </p:xfrm>
+        <a:graphic>
+          <a:graphicData uri="http://schemas.openxmlformats.org/drawingml/2006/table">
+            <a:tbl>
+              <a:tblPr firstRow="1" bandRow="1">
+                <a:tableStyleId>{5C22544A-7EE6-4342-B048-85BDC9FD1C3A}</a:tableStyleId>
+              </a:tblPr>
+              <a:tblGrid>
+                <a:gridCol w="3222147">
+                  <a:extLst>
+                    <a:ext uri="{9D8B030D-6E8A-4147-A177-3AD203B41FA5}">
+                      <a16:colId xmlns:a16="http://schemas.microsoft.com/office/drawing/2014/main" val="628481113"/>
+                    </a:ext>
+                  </a:extLst>
+                </a:gridCol>
+                <a:gridCol w="3249634">
+                  <a:extLst>
+                    <a:ext uri="{9D8B030D-6E8A-4147-A177-3AD203B41FA5}">
+                      <a16:colId xmlns:a16="http://schemas.microsoft.com/office/drawing/2014/main" val="3180203207"/>
+                    </a:ext>
+                  </a:extLst>
+                </a:gridCol>
+                <a:gridCol w="4730662">
+                  <a:extLst>
+                    <a:ext uri="{9D8B030D-6E8A-4147-A177-3AD203B41FA5}">
+                      <a16:colId xmlns:a16="http://schemas.microsoft.com/office/drawing/2014/main" val="546606006"/>
+                    </a:ext>
+                  </a:extLst>
+                </a:gridCol>
+              </a:tblGrid>
+              <a:tr h="370840">
+                <a:tc>
+                  <a:txBody>
+                    <a:bodyPr/>
+                    <a:lstStyle/>
+                    <a:p>
+                      <a:r>
+                        <a:rPr lang="fr-FR" dirty="0"/>
+                        <a:t>Methods</a:t>
+                      </a:r>
+                    </a:p>
+                  </a:txBody>
+                  <a:tcPr/>
+                </a:tc>
+                <a:tc>
+                  <a:txBody>
+                    <a:bodyPr/>
+                    <a:lstStyle/>
+                    <a:p>
+                      <a:r>
+                        <a:rPr lang="fr-FR" dirty="0"/>
+                        <a:t>number certif images</a:t>
+                      </a:r>
+                    </a:p>
+                  </a:txBody>
+                  <a:tcPr/>
+                </a:tc>
+                <a:tc>
+                  <a:txBody>
+                    <a:bodyPr/>
+                    <a:lstStyle/>
+                    <a:p>
+                      <a:r>
+                        <a:rPr lang="fr-FR" dirty="0" err="1"/>
+                        <a:t>Average</a:t>
+                      </a:r>
+                      <a:r>
+                        <a:rPr lang="fr-FR" dirty="0"/>
+                        <a:t> Time per Image</a:t>
+                      </a:r>
+                    </a:p>
+                  </a:txBody>
+                  <a:tcPr/>
+                </a:tc>
+                <a:extLst>
+                  <a:ext uri="{0D108BD9-81ED-4DB2-BD59-A6C34878D82A}">
+                    <a16:rowId xmlns:a16="http://schemas.microsoft.com/office/drawing/2014/main" val="3010665806"/>
+                  </a:ext>
+                </a:extLst>
+              </a:tr>
+              <a:tr h="370840">
+                <a:tc>
+                  <a:txBody>
+                    <a:bodyPr/>
+                    <a:lstStyle/>
+                    <a:p>
+                      <a:r>
+                        <a:rPr lang="fr-FR" sz="1800" dirty="0">
+                          <a:solidFill>
+                            <a:srgbClr val="FF0000"/>
+                          </a:solidFill>
+                        </a:rPr>
+                        <a:t>Image 200 to 300</a:t>
+                      </a:r>
+                    </a:p>
+                  </a:txBody>
+                  <a:tcPr/>
+                </a:tc>
+                <a:tc>
+                  <a:txBody>
+                    <a:bodyPr/>
+                    <a:lstStyle/>
+                    <a:p>
+                      <a:endParaRPr lang="fr-FR" sz="1800" dirty="0">
+                        <a:solidFill>
+                          <a:schemeClr val="bg2">
+                            <a:lumMod val="50000"/>
+                          </a:schemeClr>
+                        </a:solidFill>
+                      </a:endParaRPr>
+                    </a:p>
+                  </a:txBody>
+                  <a:tcPr/>
+                </a:tc>
+                <a:tc>
+                  <a:txBody>
+                    <a:bodyPr/>
+                    <a:lstStyle/>
+                    <a:p>
+                      <a:endParaRPr lang="fr-FR" dirty="0">
+                        <a:solidFill>
+                          <a:schemeClr val="bg2">
+                            <a:lumMod val="50000"/>
+                          </a:schemeClr>
+                        </a:solidFill>
+                      </a:endParaRPr>
+                    </a:p>
+                  </a:txBody>
+                  <a:tcPr/>
+                </a:tc>
+                <a:extLst>
+                  <a:ext uri="{0D108BD9-81ED-4DB2-BD59-A6C34878D82A}">
+                    <a16:rowId xmlns:a16="http://schemas.microsoft.com/office/drawing/2014/main" val="646733638"/>
+                  </a:ext>
+                </a:extLst>
+              </a:tr>
+              <a:tr h="370840">
+                <a:tc>
+                  <a:txBody>
+                    <a:bodyPr/>
+                    <a:lstStyle/>
+                    <a:p>
+                      <a:endParaRPr lang="fr-FR" dirty="0"/>
+                    </a:p>
+                  </a:txBody>
+                  <a:tcPr/>
+                </a:tc>
+                <a:tc>
+                  <a:txBody>
+                    <a:bodyPr/>
+                    <a:lstStyle/>
+                    <a:p>
+                      <a:endParaRPr lang="fr-FR" dirty="0"/>
+                    </a:p>
+                  </a:txBody>
+                  <a:tcPr/>
+                </a:tc>
+                <a:tc>
+                  <a:txBody>
+                    <a:bodyPr/>
+                    <a:lstStyle/>
+                    <a:p>
+                      <a:endParaRPr lang="fr-FR" dirty="0"/>
+                    </a:p>
+                  </a:txBody>
+                  <a:tcPr/>
+                </a:tc>
+                <a:extLst>
+                  <a:ext uri="{0D108BD9-81ED-4DB2-BD59-A6C34878D82A}">
+                    <a16:rowId xmlns:a16="http://schemas.microsoft.com/office/drawing/2014/main" val="14864157"/>
+                  </a:ext>
+                </a:extLst>
+              </a:tr>
+              <a:tr h="370840">
+                <a:tc>
+                  <a:txBody>
+                    <a:bodyPr/>
+                    <a:lstStyle/>
+                    <a:p>
+                      <a:pPr marL="0" marR="0" lvl="0" indent="0" algn="l" defTabSz="914400" rtl="0" eaLnBrk="1" fontAlgn="auto" latinLnBrk="0" hangingPunct="1">
+                        <a:lnSpc>
+                          <a:spcPct val="100000"/>
+                        </a:lnSpc>
+                        <a:spcBef>
+                          <a:spcPts val="0"/>
+                        </a:spcBef>
+                        <a:spcAft>
+                          <a:spcPts val="0"/>
+                        </a:spcAft>
+                        <a:buClrTx/>
+                        <a:buSzTx/>
+                        <a:buFontTx/>
+                        <a:buNone/>
+                        <a:tabLst/>
+                        <a:defRPr/>
+                      </a:pPr>
+                      <a:r>
+                        <a:rPr lang="fr-FR" dirty="0" err="1">
+                          <a:solidFill>
+                            <a:srgbClr val="C00000"/>
+                          </a:solidFill>
+                        </a:rPr>
+                        <a:t>Vericompensate</a:t>
+                      </a:r>
+                      <a:r>
+                        <a:rPr lang="fr-FR" dirty="0">
+                          <a:solidFill>
+                            <a:srgbClr val="C00000"/>
+                          </a:solidFill>
+                        </a:rPr>
+                        <a:t>(K=1 + LP relax)</a:t>
+                      </a:r>
+                    </a:p>
+                  </a:txBody>
+                  <a:tcPr/>
+                </a:tc>
+                <a:tc>
+                  <a:txBody>
+                    <a:bodyPr/>
+                    <a:lstStyle/>
+                    <a:p>
+                      <a:r>
+                        <a:rPr lang="fr-FR" dirty="0">
+                          <a:solidFill>
+                            <a:srgbClr val="C00000"/>
+                          </a:solidFill>
+                        </a:rPr>
+                        <a:t>54%</a:t>
+                      </a:r>
+                    </a:p>
+                  </a:txBody>
+                  <a:tcPr/>
+                </a:tc>
+                <a:tc>
+                  <a:txBody>
+                    <a:bodyPr/>
+                    <a:lstStyle/>
+                    <a:p>
+                      <a:r>
+                        <a:rPr lang="fr-FR" dirty="0">
+                          <a:solidFill>
+                            <a:srgbClr val="C00000"/>
+                          </a:solidFill>
+                        </a:rPr>
+                        <a:t>276s per image</a:t>
+                      </a:r>
+                    </a:p>
+                  </a:txBody>
+                  <a:tcPr/>
+                </a:tc>
+                <a:extLst>
+                  <a:ext uri="{0D108BD9-81ED-4DB2-BD59-A6C34878D82A}">
+                    <a16:rowId xmlns:a16="http://schemas.microsoft.com/office/drawing/2014/main" val="1557210880"/>
+                  </a:ext>
+                </a:extLst>
+              </a:tr>
+              <a:tr h="370840">
+                <a:tc>
+                  <a:txBody>
+                    <a:bodyPr/>
+                    <a:lstStyle/>
+                    <a:p>
+                      <a:pPr marL="0" marR="0" lvl="0" indent="0" algn="l" defTabSz="914400" rtl="0" eaLnBrk="1" fontAlgn="auto" latinLnBrk="0" hangingPunct="1">
+                        <a:lnSpc>
+                          <a:spcPct val="100000"/>
+                        </a:lnSpc>
+                        <a:spcBef>
+                          <a:spcPts val="0"/>
+                        </a:spcBef>
+                        <a:spcAft>
+                          <a:spcPts val="0"/>
+                        </a:spcAft>
+                        <a:buClrTx/>
+                        <a:buSzTx/>
+                        <a:buFontTx/>
+                        <a:buNone/>
+                        <a:tabLst/>
+                        <a:defRPr/>
+                      </a:pPr>
+                      <a:r>
+                        <a:rPr lang="fr-FR" dirty="0" err="1">
+                          <a:solidFill>
+                            <a:srgbClr val="C00000"/>
+                          </a:solidFill>
+                        </a:rPr>
+                        <a:t>Vericompensate</a:t>
+                      </a:r>
+                      <a:r>
+                        <a:rPr lang="fr-FR" dirty="0">
+                          <a:solidFill>
+                            <a:srgbClr val="C00000"/>
+                          </a:solidFill>
+                        </a:rPr>
+                        <a:t>(K=2 + LP relax)</a:t>
+                      </a:r>
+                    </a:p>
+                  </a:txBody>
+                  <a:tcPr/>
+                </a:tc>
+                <a:tc>
+                  <a:txBody>
+                    <a:bodyPr/>
+                    <a:lstStyle/>
+                    <a:p>
+                      <a:r>
+                        <a:rPr lang="fr-FR" dirty="0">
+                          <a:solidFill>
+                            <a:srgbClr val="C00000"/>
+                          </a:solidFill>
+                        </a:rPr>
+                        <a:t>69%</a:t>
+                      </a:r>
+                    </a:p>
+                  </a:txBody>
+                  <a:tcPr/>
+                </a:tc>
+                <a:tc>
+                  <a:txBody>
+                    <a:bodyPr/>
+                    <a:lstStyle/>
+                    <a:p>
+                      <a:r>
+                        <a:rPr lang="fr-FR" dirty="0">
+                          <a:solidFill>
+                            <a:srgbClr val="C00000"/>
+                          </a:solidFill>
+                        </a:rPr>
+                        <a:t>421s per image</a:t>
+                      </a:r>
+                    </a:p>
+                  </a:txBody>
+                  <a:tcPr/>
+                </a:tc>
+                <a:extLst>
+                  <a:ext uri="{0D108BD9-81ED-4DB2-BD59-A6C34878D82A}">
+                    <a16:rowId xmlns:a16="http://schemas.microsoft.com/office/drawing/2014/main" val="1979826594"/>
+                  </a:ext>
+                </a:extLst>
+              </a:tr>
+              <a:tr h="370840">
+                <a:tc>
+                  <a:txBody>
+                    <a:bodyPr/>
+                    <a:lstStyle/>
+                    <a:p>
+                      <a:pPr marL="0" marR="0" lvl="0" indent="0" algn="l" defTabSz="914400" rtl="0" eaLnBrk="1" fontAlgn="auto" latinLnBrk="0" hangingPunct="1">
+                        <a:lnSpc>
+                          <a:spcPct val="100000"/>
+                        </a:lnSpc>
+                        <a:spcBef>
+                          <a:spcPts val="0"/>
+                        </a:spcBef>
+                        <a:spcAft>
+                          <a:spcPts val="0"/>
+                        </a:spcAft>
+                        <a:buClrTx/>
+                        <a:buSzTx/>
+                        <a:buFontTx/>
+                        <a:buNone/>
+                        <a:tabLst/>
+                        <a:defRPr/>
+                      </a:pPr>
+                      <a:endParaRPr lang="fr-FR" dirty="0">
+                        <a:solidFill>
+                          <a:schemeClr val="bg2">
+                            <a:lumMod val="50000"/>
+                          </a:schemeClr>
+                        </a:solidFill>
+                      </a:endParaRPr>
+                    </a:p>
+                  </a:txBody>
+                  <a:tcPr/>
+                </a:tc>
+                <a:tc>
+                  <a:txBody>
+                    <a:bodyPr/>
+                    <a:lstStyle/>
+                    <a:p>
+                      <a:endParaRPr lang="fr-FR" dirty="0">
+                        <a:solidFill>
+                          <a:schemeClr val="bg2">
+                            <a:lumMod val="50000"/>
+                          </a:schemeClr>
+                        </a:solidFill>
+                      </a:endParaRPr>
+                    </a:p>
+                  </a:txBody>
+                  <a:tcPr/>
+                </a:tc>
+                <a:tc>
+                  <a:txBody>
+                    <a:bodyPr/>
+                    <a:lstStyle/>
+                    <a:p>
+                      <a:endParaRPr lang="fr-FR" dirty="0">
+                        <a:solidFill>
+                          <a:schemeClr val="bg2">
+                            <a:lumMod val="50000"/>
+                          </a:schemeClr>
+                        </a:solidFill>
+                      </a:endParaRPr>
+                    </a:p>
+                  </a:txBody>
+                  <a:tcPr/>
+                </a:tc>
+                <a:extLst>
+                  <a:ext uri="{0D108BD9-81ED-4DB2-BD59-A6C34878D82A}">
+                    <a16:rowId xmlns:a16="http://schemas.microsoft.com/office/drawing/2014/main" val="3101467182"/>
+                  </a:ext>
+                </a:extLst>
+              </a:tr>
+            </a:tbl>
+          </a:graphicData>
+        </a:graphic>
+      </p:graphicFrame>
     </p:spTree>
     <p:extLst>
       <p:ext uri="{BB962C8B-B14F-4D97-AF65-F5344CB8AC3E}">
@@ -12851,7 +14367,7 @@
 </p:sld>
 </file>
 
-<file path=ppt/slides/slide7.xml><?xml version="1.0" encoding="utf-8"?>
+<file path=ppt/slides/slide8.xml><?xml version="1.0" encoding="utf-8"?>
 <p:sld xmlns:a="http://schemas.openxmlformats.org/drawingml/2006/main" xmlns:r="http://schemas.openxmlformats.org/officeDocument/2006/relationships" xmlns:p="http://schemas.openxmlformats.org/presentationml/2006/main">
   <p:cSld>
     <p:spTree>
@@ -14905,7 +16421,7 @@
 </p:sld>
 </file>
 
-<file path=ppt/slides/slide8.xml><?xml version="1.0" encoding="utf-8"?>
+<file path=ppt/slides/slide9.xml><?xml version="1.0" encoding="utf-8"?>
 <p:sld xmlns:a="http://schemas.openxmlformats.org/drawingml/2006/main" xmlns:r="http://schemas.openxmlformats.org/officeDocument/2006/relationships" xmlns:p="http://schemas.openxmlformats.org/presentationml/2006/main">
   <p:cSld>
     <p:spTree>

--- a/WP1verifDNN.pptx
+++ b/WP1verifDNN.pptx
@@ -11396,7 +11396,7 @@
           <p:nvPr>
             <p:extLst>
               <p:ext uri="{D42A27DB-BD31-4B8C-83A1-F6EECF244321}">
-                <p14:modId xmlns:p14="http://schemas.microsoft.com/office/powerpoint/2010/main" val="244548508"/>
+                <p14:modId xmlns:p14="http://schemas.microsoft.com/office/powerpoint/2010/main" val="2322963544"/>
               </p:ext>
             </p:extLst>
           </p:nvPr>

--- a/WP1verifDNN.pptx
+++ b/WP1verifDNN.pptx
@@ -375,7 +375,7 @@
           <a:p>
             <a:fld id="{E5FCB298-21FC-4E25-9632-945B53CD0465}" type="datetimeFigureOut">
               <a:rPr lang="fr-FR" smtClean="0"/>
-              <a:t>11/10/2023</a:t>
+              <a:t>20/10/2023</a:t>
             </a:fld>
             <a:endParaRPr lang="fr-FR"/>
           </a:p>
@@ -573,7 +573,7 @@
           <a:p>
             <a:fld id="{E5FCB298-21FC-4E25-9632-945B53CD0465}" type="datetimeFigureOut">
               <a:rPr lang="fr-FR" smtClean="0"/>
-              <a:t>11/10/2023</a:t>
+              <a:t>20/10/2023</a:t>
             </a:fld>
             <a:endParaRPr lang="fr-FR"/>
           </a:p>
@@ -781,7 +781,7 @@
           <a:p>
             <a:fld id="{E5FCB298-21FC-4E25-9632-945B53CD0465}" type="datetimeFigureOut">
               <a:rPr lang="fr-FR" smtClean="0"/>
-              <a:t>11/10/2023</a:t>
+              <a:t>20/10/2023</a:t>
             </a:fld>
             <a:endParaRPr lang="fr-FR"/>
           </a:p>
@@ -979,7 +979,7 @@
           <a:p>
             <a:fld id="{E5FCB298-21FC-4E25-9632-945B53CD0465}" type="datetimeFigureOut">
               <a:rPr lang="fr-FR" smtClean="0"/>
-              <a:t>11/10/2023</a:t>
+              <a:t>20/10/2023</a:t>
             </a:fld>
             <a:endParaRPr lang="fr-FR"/>
           </a:p>
@@ -1254,7 +1254,7 @@
           <a:p>
             <a:fld id="{E5FCB298-21FC-4E25-9632-945B53CD0465}" type="datetimeFigureOut">
               <a:rPr lang="fr-FR" smtClean="0"/>
-              <a:t>11/10/2023</a:t>
+              <a:t>20/10/2023</a:t>
             </a:fld>
             <a:endParaRPr lang="fr-FR"/>
           </a:p>
@@ -1519,7 +1519,7 @@
           <a:p>
             <a:fld id="{E5FCB298-21FC-4E25-9632-945B53CD0465}" type="datetimeFigureOut">
               <a:rPr lang="fr-FR" smtClean="0"/>
-              <a:t>11/10/2023</a:t>
+              <a:t>20/10/2023</a:t>
             </a:fld>
             <a:endParaRPr lang="fr-FR"/>
           </a:p>
@@ -1931,7 +1931,7 @@
           <a:p>
             <a:fld id="{E5FCB298-21FC-4E25-9632-945B53CD0465}" type="datetimeFigureOut">
               <a:rPr lang="fr-FR" smtClean="0"/>
-              <a:t>11/10/2023</a:t>
+              <a:t>20/10/2023</a:t>
             </a:fld>
             <a:endParaRPr lang="fr-FR"/>
           </a:p>
@@ -2072,7 +2072,7 @@
           <a:p>
             <a:fld id="{E5FCB298-21FC-4E25-9632-945B53CD0465}" type="datetimeFigureOut">
               <a:rPr lang="fr-FR" smtClean="0"/>
-              <a:t>11/10/2023</a:t>
+              <a:t>20/10/2023</a:t>
             </a:fld>
             <a:endParaRPr lang="fr-FR"/>
           </a:p>
@@ -2185,7 +2185,7 @@
           <a:p>
             <a:fld id="{E5FCB298-21FC-4E25-9632-945B53CD0465}" type="datetimeFigureOut">
               <a:rPr lang="fr-FR" smtClean="0"/>
-              <a:t>11/10/2023</a:t>
+              <a:t>20/10/2023</a:t>
             </a:fld>
             <a:endParaRPr lang="fr-FR"/>
           </a:p>
@@ -2496,7 +2496,7 @@
           <a:p>
             <a:fld id="{E5FCB298-21FC-4E25-9632-945B53CD0465}" type="datetimeFigureOut">
               <a:rPr lang="fr-FR" smtClean="0"/>
-              <a:t>11/10/2023</a:t>
+              <a:t>20/10/2023</a:t>
             </a:fld>
             <a:endParaRPr lang="fr-FR"/>
           </a:p>
@@ -2784,7 +2784,7 @@
           <a:p>
             <a:fld id="{E5FCB298-21FC-4E25-9632-945B53CD0465}" type="datetimeFigureOut">
               <a:rPr lang="fr-FR" smtClean="0"/>
-              <a:t>11/10/2023</a:t>
+              <a:t>20/10/2023</a:t>
             </a:fld>
             <a:endParaRPr lang="fr-FR"/>
           </a:p>
@@ -3025,7 +3025,7 @@
           <a:p>
             <a:fld id="{E5FCB298-21FC-4E25-9632-945B53CD0465}" type="datetimeFigureOut">
               <a:rPr lang="fr-FR" smtClean="0"/>
-              <a:t>11/10/2023</a:t>
+              <a:t>20/10/2023</a:t>
             </a:fld>
             <a:endParaRPr lang="fr-FR"/>
           </a:p>
@@ -10367,7 +10367,7 @@
           <p:nvPr>
             <p:extLst>
               <p:ext uri="{D42A27DB-BD31-4B8C-83A1-F6EECF244321}">
-                <p14:modId xmlns:p14="http://schemas.microsoft.com/office/powerpoint/2010/main" val="3560422630"/>
+                <p14:modId xmlns:p14="http://schemas.microsoft.com/office/powerpoint/2010/main" val="2301950703"/>
               </p:ext>
             </p:extLst>
           </p:nvPr>
@@ -10840,7 +10840,7 @@
                     <a:p>
                       <a:pPr algn="ctr"/>
                       <a:r>
-                        <a:rPr lang="fr-FR" dirty="0">
+                        <a:rPr lang="fr-FR" b="1" dirty="0">
                           <a:solidFill>
                             <a:schemeClr val="tx1"/>
                           </a:solidFill>
@@ -10914,7 +10914,7 @@
                     <a:p>
                       <a:pPr algn="ctr"/>
                       <a:r>
-                        <a:rPr lang="fr-FR" dirty="0"/>
+                        <a:rPr lang="fr-FR" b="1" dirty="0"/>
                         <a:t>1.06</a:t>
                       </a:r>
                     </a:p>
@@ -11396,14 +11396,14 @@
           <p:nvPr>
             <p:extLst>
               <p:ext uri="{D42A27DB-BD31-4B8C-83A1-F6EECF244321}">
-                <p14:modId xmlns:p14="http://schemas.microsoft.com/office/powerpoint/2010/main" val="2322963544"/>
+                <p14:modId xmlns:p14="http://schemas.microsoft.com/office/powerpoint/2010/main" val="1801631260"/>
               </p:ext>
             </p:extLst>
           </p:nvPr>
         </p:nvGraphicFramePr>
         <p:xfrm>
           <a:off x="203200" y="2252864"/>
-          <a:ext cx="11664949" cy="3463644"/>
+          <a:ext cx="11658947" cy="3463644"/>
         </p:xfrm>
         <a:graphic>
           <a:graphicData uri="http://schemas.openxmlformats.org/drawingml/2006/table">
@@ -11412,31 +11412,24 @@
                 <a:tableStyleId>{5C22544A-7EE6-4342-B048-85BDC9FD1C3A}</a:tableStyleId>
               </a:tblPr>
               <a:tblGrid>
-                <a:gridCol w="3417999">
+                <a:gridCol w="3178827">
                   <a:extLst>
                     <a:ext uri="{9D8B030D-6E8A-4147-A177-3AD203B41FA5}">
                       <a16:colId xmlns:a16="http://schemas.microsoft.com/office/drawing/2014/main" val="628481113"/>
                     </a:ext>
                   </a:extLst>
                 </a:gridCol>
-                <a:gridCol w="3090644">
+                <a:gridCol w="4283902">
                   <a:extLst>
                     <a:ext uri="{9D8B030D-6E8A-4147-A177-3AD203B41FA5}">
                       <a16:colId xmlns:a16="http://schemas.microsoft.com/office/drawing/2014/main" val="111859342"/>
                     </a:ext>
                   </a:extLst>
                 </a:gridCol>
-                <a:gridCol w="2578153">
+                <a:gridCol w="4196218">
                   <a:extLst>
                     <a:ext uri="{9D8B030D-6E8A-4147-A177-3AD203B41FA5}">
                       <a16:colId xmlns:a16="http://schemas.microsoft.com/office/drawing/2014/main" val="3961735731"/>
-                    </a:ext>
-                  </a:extLst>
-                </a:gridCol>
-                <a:gridCol w="2578153">
-                  <a:extLst>
-                    <a:ext uri="{9D8B030D-6E8A-4147-A177-3AD203B41FA5}">
-                      <a16:colId xmlns:a16="http://schemas.microsoft.com/office/drawing/2014/main" val="546606006"/>
                     </a:ext>
                   </a:extLst>
                 </a:gridCol>
@@ -11480,11 +11473,31 @@
                             <a:srgbClr val="FF0000"/>
                           </a:solidFill>
                         </a:rPr>
-                        <a:t>Compensation</a:t>
+                        <a:t>Layer 1&amp;3: Compensation </a:t>
                       </a:r>
                       <a:r>
-                        <a:rPr lang="fr-FR" dirty="0"/>
-                        <a:t> (Layer 1 &amp; 3)</a:t>
+                        <a:rPr lang="fr-FR" dirty="0">
+                          <a:solidFill>
+                            <a:schemeClr val="bg1"/>
+                          </a:solidFill>
+                        </a:rPr>
+                        <a:t>(vs </a:t>
+                      </a:r>
+                      <a:r>
+                        <a:rPr lang="fr-FR" dirty="0" err="1">
+                          <a:solidFill>
+                            <a:schemeClr val="bg1"/>
+                          </a:solidFill>
+                        </a:rPr>
+                        <a:t>random</a:t>
+                      </a:r>
+                      <a:r>
+                        <a:rPr lang="fr-FR" dirty="0">
+                          <a:solidFill>
+                            <a:schemeClr val="bg1"/>
+                          </a:solidFill>
+                        </a:rPr>
+                        <a:t>)</a:t>
                       </a:r>
                     </a:p>
                   </a:txBody>
@@ -11502,29 +11515,19 @@
                             <a:srgbClr val="FF0000"/>
                           </a:solidFill>
                         </a:rPr>
-                        <a:t>Compensation</a:t>
+                        <a:t>Layer 3: Compensation</a:t>
                       </a:r>
                       <a:r>
                         <a:rPr lang="fr-FR" dirty="0"/>
-                        <a:t> (Layer 1)</a:t>
+                        <a:t>  (vs </a:t>
                       </a:r>
-                    </a:p>
-                  </a:txBody>
-                  <a:tcPr/>
-                </a:tc>
-                <a:tc>
-                  <a:txBody>
-                    <a:bodyPr/>
-                    <a:lstStyle/>
-                    <a:p>
-                      <a:pPr algn="ctr"/>
                       <a:r>
                         <a:rPr lang="fr-FR" dirty="0" err="1"/>
                         <a:t>Random</a:t>
                       </a:r>
                       <a:r>
                         <a:rPr lang="fr-FR" dirty="0"/>
-                        <a:t> (LAYER 3)</a:t>
+                        <a:t>)</a:t>
                       </a:r>
                     </a:p>
                   </a:txBody>
@@ -11562,30 +11565,16 @@
                     <a:lstStyle/>
                     <a:p>
                       <a:pPr algn="ctr"/>
-                      <a:endParaRPr lang="fr-FR" dirty="0">
-                        <a:solidFill>
-                          <a:schemeClr val="bg1">
-                            <a:lumMod val="50000"/>
-                          </a:schemeClr>
-                        </a:solidFill>
-                      </a:endParaRPr>
-                    </a:p>
-                  </a:txBody>
-                  <a:tcPr/>
-                </a:tc>
-                <a:tc>
-                  <a:txBody>
-                    <a:bodyPr/>
-                    <a:lstStyle/>
-                    <a:p>
-                      <a:pPr algn="ctr"/>
-                      <a:endParaRPr lang="fr-FR" dirty="0">
-                        <a:solidFill>
-                          <a:schemeClr val="bg1">
-                            <a:lumMod val="50000"/>
-                          </a:schemeClr>
-                        </a:solidFill>
-                      </a:endParaRPr>
+                      <a:r>
+                        <a:rPr lang="fr-FR" dirty="0">
+                          <a:solidFill>
+                            <a:schemeClr val="bg1">
+                              <a:lumMod val="50000"/>
+                            </a:schemeClr>
+                          </a:solidFill>
+                        </a:rPr>
+                        <a:t>1.758</a:t>
+                      </a:r>
                     </a:p>
                   </a:txBody>
                   <a:tcPr/>
@@ -11604,7 +11593,7 @@
                             </a:schemeClr>
                           </a:solidFill>
                         </a:rPr>
-                        <a:t>?</a:t>
+                        <a:t>1.758</a:t>
                       </a:r>
                     </a:p>
                   </a:txBody>
@@ -11646,7 +11635,7 @@
                             <a:schemeClr val="tx1"/>
                           </a:solidFill>
                         </a:rPr>
-                        <a:t>?</a:t>
+                        <a:t> 1.677 (1.695)</a:t>
                       </a:r>
                     </a:p>
                   </a:txBody>
@@ -11660,21 +11649,7 @@
                       <a:pPr algn="ctr"/>
                       <a:r>
                         <a:rPr lang="fr-FR" dirty="0"/>
-                        <a:t>1.677</a:t>
-                      </a:r>
-                    </a:p>
-                  </a:txBody>
-                  <a:tcPr/>
-                </a:tc>
-                <a:tc>
-                  <a:txBody>
-                    <a:bodyPr/>
-                    <a:lstStyle/>
-                    <a:p>
-                      <a:pPr algn="ctr"/>
-                      <a:r>
-                        <a:rPr lang="fr-FR" dirty="0"/>
-                        <a:t>?</a:t>
+                        <a:t>1.677 (1.70)</a:t>
                       </a:r>
                     </a:p>
                   </a:txBody>
@@ -11708,7 +11683,11 @@
                       <a:pPr algn="ctr"/>
                       <a:r>
                         <a:rPr lang="fr-FR" b="1" dirty="0"/>
-                        <a:t>1.539</a:t>
+                        <a:t>1.539 </a:t>
+                      </a:r>
+                      <a:r>
+                        <a:rPr lang="fr-FR" b="0" dirty="0"/>
+                        <a:t>(1.622)</a:t>
                       </a:r>
                     </a:p>
                   </a:txBody>
@@ -11722,21 +11701,7 @@
                       <a:pPr algn="ctr"/>
                       <a:r>
                         <a:rPr lang="fr-FR" dirty="0"/>
-                        <a:t>1.567</a:t>
-                      </a:r>
-                    </a:p>
-                  </a:txBody>
-                  <a:tcPr/>
-                </a:tc>
-                <a:tc>
-                  <a:txBody>
-                    <a:bodyPr/>
-                    <a:lstStyle/>
-                    <a:p>
-                      <a:pPr algn="ctr"/>
-                      <a:r>
-                        <a:rPr lang="fr-FR" dirty="0"/>
-                        <a:t>?</a:t>
+                        <a:t>1.567 (1.639)</a:t>
                       </a:r>
                     </a:p>
                   </a:txBody>
@@ -11778,7 +11743,15 @@
                             <a:schemeClr val="tx1"/>
                           </a:solidFill>
                         </a:rPr>
-                        <a:t>1.431</a:t>
+                        <a:t>1.431 </a:t>
+                      </a:r>
+                      <a:r>
+                        <a:rPr lang="fr-FR" b="0" dirty="0">
+                          <a:solidFill>
+                            <a:schemeClr val="tx1"/>
+                          </a:solidFill>
+                        </a:rPr>
+                        <a:t>(1.542)</a:t>
                       </a:r>
                     </a:p>
                   </a:txBody>
@@ -11796,25 +11769,7 @@
                             <a:schemeClr val="tx1"/>
                           </a:solidFill>
                         </a:rPr>
-                        <a:t>1.489</a:t>
-                      </a:r>
-                    </a:p>
-                  </a:txBody>
-                  <a:tcPr/>
-                </a:tc>
-                <a:tc>
-                  <a:txBody>
-                    <a:bodyPr/>
-                    <a:lstStyle/>
-                    <a:p>
-                      <a:pPr algn="ctr"/>
-                      <a:r>
-                        <a:rPr lang="fr-FR" dirty="0">
-                          <a:solidFill>
-                            <a:schemeClr val="tx1"/>
-                          </a:solidFill>
-                        </a:rPr>
-                        <a:t>?</a:t>
+                        <a:t>1.489 (1.578)</a:t>
                       </a:r>
                     </a:p>
                   </a:txBody>
@@ -11851,12 +11806,20 @@
                     <a:p>
                       <a:pPr algn="ctr"/>
                       <a:r>
-                        <a:rPr lang="fr-FR" dirty="0">
+                        <a:rPr lang="fr-FR" b="1" dirty="0">
                           <a:solidFill>
                             <a:schemeClr val="tx1"/>
                           </a:solidFill>
                         </a:rPr>
-                        <a:t>?</a:t>
+                        <a:t>1.329 </a:t>
+                      </a:r>
+                      <a:r>
+                        <a:rPr lang="fr-FR" b="0" dirty="0">
+                          <a:solidFill>
+                            <a:schemeClr val="tx1"/>
+                          </a:solidFill>
+                        </a:rPr>
+                        <a:t>(1.47)</a:t>
                       </a:r>
                     </a:p>
                   </a:txBody>
@@ -11874,25 +11837,7 @@
                             <a:schemeClr val="tx1"/>
                           </a:solidFill>
                         </a:rPr>
-                        <a:t>?</a:t>
-                      </a:r>
-                    </a:p>
-                  </a:txBody>
-                  <a:tcPr/>
-                </a:tc>
-                <a:tc>
-                  <a:txBody>
-                    <a:bodyPr/>
-                    <a:lstStyle/>
-                    <a:p>
-                      <a:pPr algn="ctr"/>
-                      <a:r>
-                        <a:rPr lang="fr-FR" dirty="0">
-                          <a:solidFill>
-                            <a:schemeClr val="tx1"/>
-                          </a:solidFill>
-                        </a:rPr>
-                        <a:t>?</a:t>
+                        <a:t>1.454 (1.514)</a:t>
                       </a:r>
                     </a:p>
                   </a:txBody>
@@ -11925,8 +11870,12 @@
                     <a:p>
                       <a:pPr algn="ctr"/>
                       <a:r>
-                        <a:rPr lang="fr-FR" dirty="0"/>
-                        <a:t>?</a:t>
+                        <a:rPr lang="fr-FR" b="1" dirty="0"/>
+                        <a:t>1.243 </a:t>
+                      </a:r>
+                      <a:r>
+                        <a:rPr lang="fr-FR" b="0" dirty="0"/>
+                        <a:t>(1.39)</a:t>
                       </a:r>
                     </a:p>
                   </a:txBody>
@@ -11940,21 +11889,7 @@
                       <a:pPr algn="ctr"/>
                       <a:r>
                         <a:rPr lang="fr-FR" dirty="0"/>
-                        <a:t>?</a:t>
-                      </a:r>
-                    </a:p>
-                  </a:txBody>
-                  <a:tcPr/>
-                </a:tc>
-                <a:tc>
-                  <a:txBody>
-                    <a:bodyPr/>
-                    <a:lstStyle/>
-                    <a:p>
-                      <a:pPr algn="ctr"/>
-                      <a:r>
-                        <a:rPr lang="fr-FR" dirty="0"/>
-                        <a:t>?</a:t>
+                        <a:t>1.432 (1.455)</a:t>
                       </a:r>
                     </a:p>
                   </a:txBody>
@@ -11992,26 +11927,6 @@
                     <a:lstStyle/>
                     <a:p>
                       <a:pPr algn="ctr"/>
-                      <a:r>
-                        <a:rPr lang="fr-FR" dirty="0">
-                          <a:solidFill>
-                            <a:schemeClr val="bg1">
-                              <a:lumMod val="50000"/>
-                            </a:schemeClr>
-                          </a:solidFill>
-                        </a:rPr>
-                        <a:t>?</a:t>
-                      </a:r>
-                    </a:p>
-                  </a:txBody>
-                  <a:tcPr/>
-                </a:tc>
-                <a:tc>
-                  <a:txBody>
-                    <a:bodyPr/>
-                    <a:lstStyle/>
-                    <a:p>
-                      <a:pPr algn="ctr"/>
                       <a:endParaRPr lang="fr-FR" dirty="0">
                         <a:solidFill>
                           <a:schemeClr val="bg1">
@@ -12029,13 +11944,16 @@
                     <a:lstStyle/>
                     <a:p>
                       <a:pPr algn="ctr"/>
-                      <a:endParaRPr lang="fr-FR" dirty="0">
-                        <a:solidFill>
-                          <a:schemeClr val="bg1">
-                            <a:lumMod val="50000"/>
-                          </a:schemeClr>
-                        </a:solidFill>
-                      </a:endParaRPr>
+                      <a:r>
+                        <a:rPr lang="fr-FR" dirty="0">
+                          <a:solidFill>
+                            <a:schemeClr val="bg1">
+                              <a:lumMod val="50000"/>
+                            </a:schemeClr>
+                          </a:solidFill>
+                        </a:rPr>
+                        <a:t>1.422</a:t>
+                      </a:r>
                     </a:p>
                   </a:txBody>
                   <a:tcPr/>
@@ -12080,25 +11998,8 @@
                             </a:schemeClr>
                           </a:solidFill>
                         </a:rPr>
-                        <a:t>?</a:t>
+                        <a:t>1.184</a:t>
                       </a:r>
-                    </a:p>
-                  </a:txBody>
-                  <a:tcPr/>
-                </a:tc>
-                <a:tc>
-                  <a:txBody>
-                    <a:bodyPr/>
-                    <a:lstStyle/>
-                    <a:p>
-                      <a:pPr algn="ctr"/>
-                      <a:endParaRPr lang="fr-FR" dirty="0">
-                        <a:solidFill>
-                          <a:schemeClr val="bg1">
-                            <a:lumMod val="50000"/>
-                          </a:schemeClr>
-                        </a:solidFill>
-                      </a:endParaRPr>
                     </a:p>
                   </a:txBody>
                   <a:tcPr/>
@@ -12239,137 +12140,6 @@
               <a:t>choice</a:t>
             </a:r>
             <a:endParaRPr lang="fr-FR" dirty="0"/>
-          </a:p>
-        </p:txBody>
-      </p:sp>
-      <p:sp>
-        <p:nvSpPr>
-          <p:cNvPr id="14" name="ZoneTexte 13">
-            <a:extLst>
-              <a:ext uri="{FF2B5EF4-FFF2-40B4-BE49-F238E27FC236}">
-                <a16:creationId xmlns:a16="http://schemas.microsoft.com/office/drawing/2014/main" id="{445C7BB2-0600-68F0-CB42-A7B6578D0D69}"/>
-              </a:ext>
-            </a:extLst>
-          </p:cNvPr>
-          <p:cNvSpPr txBox="1"/>
-          <p:nvPr/>
-        </p:nvSpPr>
-        <p:spPr>
-          <a:xfrm>
-            <a:off x="1525322" y="6067883"/>
-            <a:ext cx="8971302" cy="369332"/>
-          </a:xfrm>
-          <a:prstGeom prst="rect">
-            <a:avLst/>
-          </a:prstGeom>
-          <a:noFill/>
-        </p:spPr>
-        <p:txBody>
-          <a:bodyPr wrap="none" rtlCol="0">
-            <a:spAutoFit/>
-          </a:bodyPr>
-          <a:lstStyle/>
-          <a:p>
-            <a:r>
-              <a:rPr lang="fr-FR" dirty="0"/>
-              <a:t>=&gt; </a:t>
-            </a:r>
-            <a:r>
-              <a:rPr lang="fr-FR" dirty="0" err="1"/>
-              <a:t>Could</a:t>
-            </a:r>
-            <a:r>
-              <a:rPr lang="fr-FR" dirty="0"/>
-              <a:t> </a:t>
-            </a:r>
-            <a:r>
-              <a:rPr lang="fr-FR" dirty="0" err="1"/>
-              <a:t>also</a:t>
-            </a:r>
-            <a:r>
-              <a:rPr lang="fr-FR" dirty="0"/>
-              <a:t> choose </a:t>
-            </a:r>
-            <a:r>
-              <a:rPr lang="fr-FR" dirty="0" err="1"/>
-              <a:t>some</a:t>
-            </a:r>
-            <a:r>
-              <a:rPr lang="fr-FR" dirty="0"/>
-              <a:t> </a:t>
-            </a:r>
-            <a:r>
-              <a:rPr lang="fr-FR" dirty="0" err="1"/>
-              <a:t>b,b</a:t>
-            </a:r>
-            <a:r>
-              <a:rPr lang="fr-FR" dirty="0"/>
-              <a:t>’ </a:t>
-            </a:r>
-            <a:r>
-              <a:rPr lang="fr-FR" dirty="0" err="1"/>
-              <a:t>from</a:t>
-            </a:r>
-            <a:r>
-              <a:rPr lang="fr-FR" dirty="0"/>
-              <a:t> </a:t>
-            </a:r>
-            <a:r>
-              <a:rPr lang="fr-FR" dirty="0" err="1"/>
-              <a:t>deeper</a:t>
-            </a:r>
-            <a:r>
-              <a:rPr lang="fr-FR" dirty="0"/>
-              <a:t> </a:t>
-            </a:r>
-            <a:r>
-              <a:rPr lang="fr-FR" dirty="0" err="1"/>
-              <a:t>layers</a:t>
-            </a:r>
-            <a:r>
-              <a:rPr lang="fr-FR" dirty="0"/>
-              <a:t> if </a:t>
-            </a:r>
-            <a:r>
-              <a:rPr lang="fr-FR" dirty="0" err="1"/>
-              <a:t>weight</a:t>
-            </a:r>
-            <a:r>
-              <a:rPr lang="fr-FR" dirty="0"/>
-              <a:t> </a:t>
-            </a:r>
-            <a:r>
-              <a:rPr lang="fr-FR" dirty="0" err="1"/>
-              <a:t>is</a:t>
-            </a:r>
-            <a:r>
-              <a:rPr lang="fr-FR" dirty="0"/>
-              <a:t> </a:t>
-            </a:r>
-            <a:r>
-              <a:rPr lang="fr-FR" dirty="0" err="1"/>
-              <a:t>very</a:t>
-            </a:r>
-            <a:r>
-              <a:rPr lang="fr-FR" dirty="0"/>
-              <a:t> high (2,3 </a:t>
-            </a:r>
-            <a:r>
-              <a:rPr lang="fr-FR" dirty="0" err="1"/>
-              <a:t>layers</a:t>
-            </a:r>
-            <a:r>
-              <a:rPr lang="fr-FR" dirty="0"/>
-              <a:t> </a:t>
-            </a:r>
-            <a:r>
-              <a:rPr lang="fr-FR" dirty="0" err="1"/>
-              <a:t>before</a:t>
-            </a:r>
-            <a:r>
-              <a:rPr lang="fr-FR" dirty="0"/>
-              <a:t>…) !</a:t>
-            </a:r>
           </a:p>
         </p:txBody>
       </p:sp>
@@ -13294,7 +13064,7 @@
           <p:nvPr>
             <p:extLst>
               <p:ext uri="{D42A27DB-BD31-4B8C-83A1-F6EECF244321}">
-                <p14:modId xmlns:p14="http://schemas.microsoft.com/office/powerpoint/2010/main" val="466950095"/>
+                <p14:modId xmlns:p14="http://schemas.microsoft.com/office/powerpoint/2010/main" val="1031121794"/>
               </p:ext>
             </p:extLst>
           </p:nvPr>
@@ -13559,7 +13329,7 @@
                             <a:srgbClr val="C00000"/>
                           </a:solidFill>
                         </a:rPr>
-                        <a:t>(K=1 + LP relax)</a:t>
+                        <a:t>(K=1)</a:t>
                       </a:r>
                     </a:p>
                   </a:txBody>
@@ -13642,7 +13412,7 @@
                             <a:srgbClr val="C00000"/>
                           </a:solidFill>
                         </a:rPr>
-                        <a:t>(K=2 + LP relax)</a:t>
+                        <a:t>(K=2, long)</a:t>
                       </a:r>
                     </a:p>
                   </a:txBody>
@@ -13659,23 +13429,7 @@
                             <a:srgbClr val="C00000"/>
                           </a:solidFill>
                         </a:rPr>
-                        <a:t>55.3% (55.7% </a:t>
-                      </a:r>
-                      <a:r>
-                        <a:rPr lang="fr-FR" dirty="0" err="1">
-                          <a:solidFill>
-                            <a:srgbClr val="C00000"/>
-                          </a:solidFill>
-                        </a:rPr>
-                        <a:t>with</a:t>
-                      </a:r>
-                      <a:r>
-                        <a:rPr lang="fr-FR" dirty="0">
-                          <a:solidFill>
-                            <a:srgbClr val="C00000"/>
-                          </a:solidFill>
-                        </a:rPr>
-                        <a:t> -4&lt;.&lt;-2.5)</a:t>
+                        <a:t>65.8%</a:t>
                       </a:r>
                     </a:p>
                   </a:txBody>
@@ -13692,7 +13446,7 @@
                             <a:srgbClr val="C00000"/>
                           </a:solidFill>
                         </a:rPr>
-                        <a:t>??s per image</a:t>
+                        <a:t>346s per image</a:t>
                       </a:r>
                     </a:p>
                   </a:txBody>
@@ -13931,14 +13685,14 @@
           <p:nvPr>
             <p:extLst>
               <p:ext uri="{D42A27DB-BD31-4B8C-83A1-F6EECF244321}">
-                <p14:modId xmlns:p14="http://schemas.microsoft.com/office/powerpoint/2010/main" val="3296898255"/>
+                <p14:modId xmlns:p14="http://schemas.microsoft.com/office/powerpoint/2010/main" val="1634625999"/>
               </p:ext>
             </p:extLst>
           </p:nvPr>
         </p:nvGraphicFramePr>
         <p:xfrm>
-          <a:off x="563671" y="3735053"/>
-          <a:ext cx="11202443" cy="2225040"/>
+          <a:off x="490603" y="4148412"/>
+          <a:ext cx="11064657" cy="2225040"/>
         </p:xfrm>
         <a:graphic>
           <a:graphicData uri="http://schemas.openxmlformats.org/drawingml/2006/table">
@@ -13947,7 +13701,7 @@
                 <a:tableStyleId>{5C22544A-7EE6-4342-B048-85BDC9FD1C3A}</a:tableStyleId>
               </a:tblPr>
               <a:tblGrid>
-                <a:gridCol w="3222147">
+                <a:gridCol w="3084361">
                   <a:extLst>
                     <a:ext uri="{9D8B030D-6E8A-4147-A177-3AD203B41FA5}">
                       <a16:colId xmlns:a16="http://schemas.microsoft.com/office/drawing/2014/main" val="628481113"/>
@@ -14025,13 +13779,38 @@
                     <a:bodyPr/>
                     <a:lstStyle/>
                     <a:p>
+                      <a:pPr marL="0" marR="0" lvl="0" indent="0" algn="l" defTabSz="914400" rtl="0" eaLnBrk="1" fontAlgn="auto" latinLnBrk="0" hangingPunct="1">
+                        <a:lnSpc>
+                          <a:spcPct val="100000"/>
+                        </a:lnSpc>
+                        <a:spcBef>
+                          <a:spcPts val="0"/>
+                        </a:spcBef>
+                        <a:spcAft>
+                          <a:spcPts val="0"/>
+                        </a:spcAft>
+                        <a:buClrTx/>
+                        <a:buSzTx/>
+                        <a:buFontTx/>
+                        <a:buNone/>
+                        <a:tabLst/>
+                        <a:defRPr/>
+                      </a:pPr>
                       <a:r>
-                        <a:rPr lang="fr-FR" sz="1800" dirty="0">
+                        <a:rPr lang="fr-FR" dirty="0" err="1">
                           <a:solidFill>
-                            <a:srgbClr val="FF0000"/>
+                            <a:srgbClr val="C00000"/>
                           </a:solidFill>
                         </a:rPr>
-                        <a:t>Image 200 to 300</a:t>
+                        <a:t>Vericompensate</a:t>
+                      </a:r>
+                      <a:r>
+                        <a:rPr lang="fr-FR" dirty="0">
+                          <a:solidFill>
+                            <a:srgbClr val="C00000"/>
+                          </a:solidFill>
+                        </a:rPr>
+                        <a:t>(long)</a:t>
                       </a:r>
                     </a:p>
                   </a:txBody>
@@ -14042,13 +13821,14 @@
                     <a:bodyPr/>
                     <a:lstStyle/>
                     <a:p>
-                      <a:endParaRPr lang="fr-FR" sz="1800" dirty="0">
-                        <a:solidFill>
-                          <a:schemeClr val="bg2">
-                            <a:lumMod val="50000"/>
-                          </a:schemeClr>
-                        </a:solidFill>
-                      </a:endParaRPr>
+                      <a:r>
+                        <a:rPr lang="fr-FR" dirty="0">
+                          <a:solidFill>
+                            <a:srgbClr val="C00000"/>
+                          </a:solidFill>
+                        </a:rPr>
+                        <a:t>Total: 658/1000 : 65.8%</a:t>
+                      </a:r>
                     </a:p>
                   </a:txBody>
                   <a:tcPr/>
@@ -14060,9 +13840,7 @@
                     <a:p>
                       <a:endParaRPr lang="fr-FR" dirty="0">
                         <a:solidFill>
-                          <a:schemeClr val="bg2">
-                            <a:lumMod val="50000"/>
-                          </a:schemeClr>
+                          <a:srgbClr val="C00000"/>
                         </a:solidFill>
                       </a:endParaRPr>
                     </a:p>
@@ -14081,7 +13859,31 @@
                     <a:bodyPr/>
                     <a:lstStyle/>
                     <a:p>
-                      <a:endParaRPr lang="fr-FR" dirty="0"/>
+                      <a:pPr marL="0" marR="0" lvl="0" indent="0" algn="l" defTabSz="914400" rtl="0" eaLnBrk="1" fontAlgn="auto" latinLnBrk="0" hangingPunct="1">
+                        <a:lnSpc>
+                          <a:spcPct val="100000"/>
+                        </a:lnSpc>
+                        <a:spcBef>
+                          <a:spcPts val="0"/>
+                        </a:spcBef>
+                        <a:spcAft>
+                          <a:spcPts val="0"/>
+                        </a:spcAft>
+                        <a:buClrTx/>
+                        <a:buSzTx/>
+                        <a:buFontTx/>
+                        <a:buNone/>
+                        <a:tabLst/>
+                        <a:defRPr/>
+                      </a:pPr>
+                      <a:r>
+                        <a:rPr lang="fr-FR" dirty="0">
+                          <a:solidFill>
+                            <a:srgbClr val="C00000"/>
+                          </a:solidFill>
+                        </a:rPr>
+                        <a:t>0 to 200</a:t>
+                      </a:r>
                     </a:p>
                   </a:txBody>
                   <a:tcPr/>
@@ -14091,7 +13893,14 @@
                     <a:bodyPr/>
                     <a:lstStyle/>
                     <a:p>
-                      <a:endParaRPr lang="fr-FR" dirty="0"/>
+                      <a:r>
+                        <a:rPr lang="fr-FR" dirty="0">
+                          <a:solidFill>
+                            <a:srgbClr val="C00000"/>
+                          </a:solidFill>
+                        </a:rPr>
+                        <a:t>75% (0-199) – 149/200</a:t>
+                      </a:r>
                     </a:p>
                   </a:txBody>
                   <a:tcPr/>
@@ -14101,7 +13910,14 @@
                     <a:bodyPr/>
                     <a:lstStyle/>
                     <a:p>
-                      <a:endParaRPr lang="fr-FR" dirty="0"/>
+                      <a:r>
+                        <a:rPr lang="fr-FR" dirty="0">
+                          <a:solidFill>
+                            <a:srgbClr val="C00000"/>
+                          </a:solidFill>
+                        </a:rPr>
+                        <a:t>342s per image</a:t>
+                      </a:r>
                     </a:p>
                   </a:txBody>
                   <a:tcPr/>
@@ -14136,20 +13952,42 @@
                         <a:defRPr/>
                       </a:pPr>
                       <a:r>
-                        <a:rPr lang="fr-FR" dirty="0" err="1">
+                        <a:rPr lang="fr-FR" dirty="0">
                           <a:solidFill>
                             <a:srgbClr val="C00000"/>
                           </a:solidFill>
                         </a:rPr>
-                        <a:t>Vericompensate</a:t>
+                        <a:t>200 </a:t>
                       </a:r>
+                      <a:r>
+                        <a:rPr lang="fr-FR">
+                          <a:solidFill>
+                            <a:srgbClr val="C00000"/>
+                          </a:solidFill>
+                        </a:rPr>
+                        <a:t>to 350</a:t>
+                      </a:r>
+                      <a:endParaRPr lang="fr-FR" dirty="0">
+                        <a:solidFill>
+                          <a:srgbClr val="C00000"/>
+                        </a:solidFill>
+                      </a:endParaRPr>
+                    </a:p>
+                  </a:txBody>
+                  <a:tcPr/>
+                </a:tc>
+                <a:tc>
+                  <a:txBody>
+                    <a:bodyPr/>
+                    <a:lstStyle/>
+                    <a:p>
                       <a:r>
                         <a:rPr lang="fr-FR" dirty="0">
                           <a:solidFill>
                             <a:srgbClr val="C00000"/>
                           </a:solidFill>
                         </a:rPr>
-                        <a:t>(K=1 + LP relax)</a:t>
+                        <a:t>66.6% - 99/150</a:t>
                       </a:r>
                     </a:p>
                   </a:txBody>
@@ -14166,24 +14004,7 @@
                             <a:srgbClr val="C00000"/>
                           </a:solidFill>
                         </a:rPr>
-                        <a:t>54%</a:t>
-                      </a:r>
-                    </a:p>
-                  </a:txBody>
-                  <a:tcPr/>
-                </a:tc>
-                <a:tc>
-                  <a:txBody>
-                    <a:bodyPr/>
-                    <a:lstStyle/>
-                    <a:p>
-                      <a:r>
-                        <a:rPr lang="fr-FR" dirty="0">
-                          <a:solidFill>
-                            <a:srgbClr val="C00000"/>
-                          </a:solidFill>
-                        </a:rPr>
-                        <a:t>276s per image</a:t>
+                        <a:t>348s per image</a:t>
                       </a:r>
                     </a:p>
                   </a:txBody>
@@ -14219,20 +14040,12 @@
                         <a:defRPr/>
                       </a:pPr>
                       <a:r>
-                        <a:rPr lang="fr-FR" dirty="0" err="1">
-                          <a:solidFill>
-                            <a:srgbClr val="C00000"/>
-                          </a:solidFill>
-                        </a:rPr>
-                        <a:t>Vericompensate</a:t>
-                      </a:r>
-                      <a:r>
                         <a:rPr lang="fr-FR" dirty="0">
                           <a:solidFill>
                             <a:srgbClr val="C00000"/>
                           </a:solidFill>
                         </a:rPr>
-                        <a:t>(K=2 + LP relax)</a:t>
+                        <a:t>350-500</a:t>
                       </a:r>
                     </a:p>
                   </a:txBody>
@@ -14249,7 +14062,7 @@
                             <a:srgbClr val="C00000"/>
                           </a:solidFill>
                         </a:rPr>
-                        <a:t>69%</a:t>
+                        <a:t>59.3% - 88/150</a:t>
                       </a:r>
                     </a:p>
                   </a:txBody>
@@ -14266,7 +14079,23 @@
                             <a:srgbClr val="C00000"/>
                           </a:solidFill>
                         </a:rPr>
-                        <a:t>421s per image</a:t>
+                        <a:t>401s per image (</a:t>
+                      </a:r>
+                      <a:r>
+                        <a:rPr lang="fr-FR" dirty="0" err="1">
+                          <a:solidFill>
+                            <a:srgbClr val="C00000"/>
+                          </a:solidFill>
+                        </a:rPr>
+                        <a:t>loaded</a:t>
+                      </a:r>
+                      <a:r>
+                        <a:rPr lang="fr-FR" dirty="0">
+                          <a:solidFill>
+                            <a:srgbClr val="C00000"/>
+                          </a:solidFill>
+                        </a:rPr>
+                        <a:t>)</a:t>
                       </a:r>
                     </a:p>
                   </a:txBody>
@@ -14274,7 +14103,7 @@
                 </a:tc>
                 <a:extLst>
                   <a:ext uri="{0D108BD9-81ED-4DB2-BD59-A6C34878D82A}">
-                    <a16:rowId xmlns:a16="http://schemas.microsoft.com/office/drawing/2014/main" val="1979826594"/>
+                    <a16:rowId xmlns:a16="http://schemas.microsoft.com/office/drawing/2014/main" val="257174935"/>
                   </a:ext>
                 </a:extLst>
               </a:tr>
@@ -14301,13 +14130,14 @@
                         <a:tabLst/>
                         <a:defRPr/>
                       </a:pPr>
-                      <a:endParaRPr lang="fr-FR" dirty="0">
-                        <a:solidFill>
-                          <a:schemeClr val="bg2">
-                            <a:lumMod val="50000"/>
-                          </a:schemeClr>
-                        </a:solidFill>
-                      </a:endParaRPr>
+                      <a:r>
+                        <a:rPr lang="fr-FR" dirty="0">
+                          <a:solidFill>
+                            <a:srgbClr val="C00000"/>
+                          </a:solidFill>
+                        </a:rPr>
+                        <a:t>500-1000</a:t>
+                      </a:r>
                     </a:p>
                   </a:txBody>
                   <a:tcPr/>
@@ -14317,13 +14147,14 @@
                     <a:bodyPr/>
                     <a:lstStyle/>
                     <a:p>
-                      <a:endParaRPr lang="fr-FR" dirty="0">
-                        <a:solidFill>
-                          <a:schemeClr val="bg2">
-                            <a:lumMod val="50000"/>
-                          </a:schemeClr>
-                        </a:solidFill>
-                      </a:endParaRPr>
+                      <a:r>
+                        <a:rPr lang="fr-FR" dirty="0">
+                          <a:solidFill>
+                            <a:srgbClr val="C00000"/>
+                          </a:solidFill>
+                        </a:rPr>
+                        <a:t>64.4% - 322/500</a:t>
+                      </a:r>
                     </a:p>
                   </a:txBody>
                   <a:tcPr/>
@@ -14333,20 +14164,177 @@
                     <a:bodyPr/>
                     <a:lstStyle/>
                     <a:p>
-                      <a:endParaRPr lang="fr-FR" dirty="0">
-                        <a:solidFill>
-                          <a:schemeClr val="bg2">
-                            <a:lumMod val="50000"/>
-                          </a:schemeClr>
-                        </a:solidFill>
-                      </a:endParaRPr>
+                      <a:r>
+                        <a:rPr lang="fr-FR" dirty="0">
+                          <a:solidFill>
+                            <a:srgbClr val="C00000"/>
+                          </a:solidFill>
+                        </a:rPr>
+                        <a:t>331s per image (not </a:t>
+                      </a:r>
+                      <a:r>
+                        <a:rPr lang="fr-FR" dirty="0" err="1">
+                          <a:solidFill>
+                            <a:srgbClr val="C00000"/>
+                          </a:solidFill>
+                        </a:rPr>
+                        <a:t>loaded</a:t>
+                      </a:r>
+                      <a:r>
+                        <a:rPr lang="fr-FR" dirty="0">
+                          <a:solidFill>
+                            <a:srgbClr val="C00000"/>
+                          </a:solidFill>
+                        </a:rPr>
+                        <a:t>)</a:t>
+                      </a:r>
                     </a:p>
                   </a:txBody>
                   <a:tcPr/>
                 </a:tc>
                 <a:extLst>
                   <a:ext uri="{0D108BD9-81ED-4DB2-BD59-A6C34878D82A}">
-                    <a16:rowId xmlns:a16="http://schemas.microsoft.com/office/drawing/2014/main" val="3101467182"/>
+                    <a16:rowId xmlns:a16="http://schemas.microsoft.com/office/drawing/2014/main" val="4075754194"/>
+                  </a:ext>
+                </a:extLst>
+              </a:tr>
+            </a:tbl>
+          </a:graphicData>
+        </a:graphic>
+      </p:graphicFrame>
+      <p:graphicFrame>
+        <p:nvGraphicFramePr>
+          <p:cNvPr id="3" name="Tableau 2">
+            <a:extLst>
+              <a:ext uri="{FF2B5EF4-FFF2-40B4-BE49-F238E27FC236}">
+                <a16:creationId xmlns:a16="http://schemas.microsoft.com/office/drawing/2014/main" id="{6F1C39FE-917A-FAFD-A701-8ABF97641211}"/>
+              </a:ext>
+            </a:extLst>
+          </p:cNvPr>
+          <p:cNvGraphicFramePr>
+            <a:graphicFrameLocks noGrp="1"/>
+          </p:cNvGraphicFramePr>
+          <p:nvPr>
+            <p:extLst>
+              <p:ext uri="{D42A27DB-BD31-4B8C-83A1-F6EECF244321}">
+                <p14:modId xmlns:p14="http://schemas.microsoft.com/office/powerpoint/2010/main" val="3195617263"/>
+              </p:ext>
+            </p:extLst>
+          </p:nvPr>
+        </p:nvGraphicFramePr>
+        <p:xfrm>
+          <a:off x="418578" y="3124312"/>
+          <a:ext cx="11064657" cy="370179"/>
+        </p:xfrm>
+        <a:graphic>
+          <a:graphicData uri="http://schemas.openxmlformats.org/drawingml/2006/table">
+            <a:tbl>
+              <a:tblPr firstRow="1" bandRow="1">
+                <a:tableStyleId>{5C22544A-7EE6-4342-B048-85BDC9FD1C3A}</a:tableStyleId>
+              </a:tblPr>
+              <a:tblGrid>
+                <a:gridCol w="3084361">
+                  <a:extLst>
+                    <a:ext uri="{9D8B030D-6E8A-4147-A177-3AD203B41FA5}">
+                      <a16:colId xmlns:a16="http://schemas.microsoft.com/office/drawing/2014/main" val="3875697941"/>
+                    </a:ext>
+                  </a:extLst>
+                </a:gridCol>
+                <a:gridCol w="3249634">
+                  <a:extLst>
+                    <a:ext uri="{9D8B030D-6E8A-4147-A177-3AD203B41FA5}">
+                      <a16:colId xmlns:a16="http://schemas.microsoft.com/office/drawing/2014/main" val="2727573958"/>
+                    </a:ext>
+                  </a:extLst>
+                </a:gridCol>
+                <a:gridCol w="4730662">
+                  <a:extLst>
+                    <a:ext uri="{9D8B030D-6E8A-4147-A177-3AD203B41FA5}">
+                      <a16:colId xmlns:a16="http://schemas.microsoft.com/office/drawing/2014/main" val="1969796184"/>
+                    </a:ext>
+                  </a:extLst>
+                </a:gridCol>
+              </a:tblGrid>
+              <a:tr h="370179">
+                <a:tc>
+                  <a:txBody>
+                    <a:bodyPr/>
+                    <a:lstStyle/>
+                    <a:p>
+                      <a:pPr marL="0" marR="0" lvl="0" indent="0" algn="l" defTabSz="914400" rtl="0" eaLnBrk="1" fontAlgn="auto" latinLnBrk="0" hangingPunct="1">
+                        <a:lnSpc>
+                          <a:spcPct val="100000"/>
+                        </a:lnSpc>
+                        <a:spcBef>
+                          <a:spcPts val="0"/>
+                        </a:spcBef>
+                        <a:spcAft>
+                          <a:spcPts val="0"/>
+                        </a:spcAft>
+                        <a:buClrTx/>
+                        <a:buSzTx/>
+                        <a:buFontTx/>
+                        <a:buNone/>
+                        <a:tabLst/>
+                        <a:defRPr/>
+                      </a:pPr>
+                      <a:r>
+                        <a:rPr lang="fr-FR" b="0" dirty="0" err="1">
+                          <a:solidFill>
+                            <a:schemeClr val="bg1"/>
+                          </a:solidFill>
+                        </a:rPr>
+                        <a:t>Vericompensate</a:t>
+                      </a:r>
+                      <a:r>
+                        <a:rPr lang="fr-FR" b="0" dirty="0">
+                          <a:solidFill>
+                            <a:schemeClr val="bg1"/>
+                          </a:solidFill>
+                        </a:rPr>
+                        <a:t>(fast)</a:t>
+                      </a:r>
+                    </a:p>
+                  </a:txBody>
+                  <a:tcPr/>
+                </a:tc>
+                <a:tc>
+                  <a:txBody>
+                    <a:bodyPr/>
+                    <a:lstStyle/>
+                    <a:p>
+                      <a:r>
+                        <a:rPr lang="fr-FR" b="0" dirty="0">
+                          <a:solidFill>
+                            <a:schemeClr val="bg1"/>
+                          </a:solidFill>
+                        </a:rPr>
+                        <a:t>69.5% (0-199)</a:t>
+                      </a:r>
+                    </a:p>
+                  </a:txBody>
+                  <a:tcPr/>
+                </a:tc>
+                <a:tc>
+                  <a:txBody>
+                    <a:bodyPr/>
+                    <a:lstStyle/>
+                    <a:p>
+                      <a:r>
+                        <a:rPr lang="fr-FR" b="0" dirty="0">
+                          <a:solidFill>
+                            <a:schemeClr val="bg1"/>
+                          </a:solidFill>
+                        </a:rPr>
+                        <a:t>308s per image</a:t>
+                      </a:r>
+                    </a:p>
+                  </a:txBody>
+                  <a:tcPr/>
+                </a:tc>
+                <a:extLst>
+                  <a:ext uri="{0D108BD9-81ED-4DB2-BD59-A6C34878D82A}">
+                    <a16:rowId xmlns:a16="http://schemas.microsoft.com/office/drawing/2014/main" val="3572115421"/>
                   </a:ext>
                 </a:extLst>
               </a:tr>

--- a/WP1verifDNN.pptx
+++ b/WP1verifDNN.pptx
@@ -14,8 +14,10 @@
     <p:sldId id="388" r:id="rId8"/>
     <p:sldId id="387" r:id="rId9"/>
     <p:sldId id="391" r:id="rId10"/>
-    <p:sldId id="392" r:id="rId11"/>
-    <p:sldId id="386" r:id="rId12"/>
+    <p:sldId id="393" r:id="rId11"/>
+    <p:sldId id="394" r:id="rId12"/>
+    <p:sldId id="395" r:id="rId13"/>
+    <p:sldId id="386" r:id="rId14"/>
   </p:sldIdLst>
   <p:sldSz cx="12192000" cy="6858000"/>
   <p:notesSz cx="6858000" cy="9144000"/>
@@ -431,7 +433,7 @@
           <a:p>
             <a:fld id="{E5FCB298-21FC-4E25-9632-945B53CD0465}" type="datetimeFigureOut">
               <a:rPr lang="fr-FR" smtClean="0"/>
-              <a:t>15/11/2023</a:t>
+              <a:t>02/01/2024</a:t>
             </a:fld>
             <a:endParaRPr lang="fr-FR"/>
           </a:p>
@@ -629,7 +631,7 @@
           <a:p>
             <a:fld id="{E5FCB298-21FC-4E25-9632-945B53CD0465}" type="datetimeFigureOut">
               <a:rPr lang="fr-FR" smtClean="0"/>
-              <a:t>15/11/2023</a:t>
+              <a:t>02/01/2024</a:t>
             </a:fld>
             <a:endParaRPr lang="fr-FR"/>
           </a:p>
@@ -837,7 +839,7 @@
           <a:p>
             <a:fld id="{E5FCB298-21FC-4E25-9632-945B53CD0465}" type="datetimeFigureOut">
               <a:rPr lang="fr-FR" smtClean="0"/>
-              <a:t>15/11/2023</a:t>
+              <a:t>02/01/2024</a:t>
             </a:fld>
             <a:endParaRPr lang="fr-FR"/>
           </a:p>
@@ -1035,7 +1037,7 @@
           <a:p>
             <a:fld id="{E5FCB298-21FC-4E25-9632-945B53CD0465}" type="datetimeFigureOut">
               <a:rPr lang="fr-FR" smtClean="0"/>
-              <a:t>15/11/2023</a:t>
+              <a:t>02/01/2024</a:t>
             </a:fld>
             <a:endParaRPr lang="fr-FR"/>
           </a:p>
@@ -1310,7 +1312,7 @@
           <a:p>
             <a:fld id="{E5FCB298-21FC-4E25-9632-945B53CD0465}" type="datetimeFigureOut">
               <a:rPr lang="fr-FR" smtClean="0"/>
-              <a:t>15/11/2023</a:t>
+              <a:t>02/01/2024</a:t>
             </a:fld>
             <a:endParaRPr lang="fr-FR"/>
           </a:p>
@@ -1575,7 +1577,7 @@
           <a:p>
             <a:fld id="{E5FCB298-21FC-4E25-9632-945B53CD0465}" type="datetimeFigureOut">
               <a:rPr lang="fr-FR" smtClean="0"/>
-              <a:t>15/11/2023</a:t>
+              <a:t>02/01/2024</a:t>
             </a:fld>
             <a:endParaRPr lang="fr-FR"/>
           </a:p>
@@ -1987,7 +1989,7 @@
           <a:p>
             <a:fld id="{E5FCB298-21FC-4E25-9632-945B53CD0465}" type="datetimeFigureOut">
               <a:rPr lang="fr-FR" smtClean="0"/>
-              <a:t>15/11/2023</a:t>
+              <a:t>02/01/2024</a:t>
             </a:fld>
             <a:endParaRPr lang="fr-FR"/>
           </a:p>
@@ -2128,7 +2130,7 @@
           <a:p>
             <a:fld id="{E5FCB298-21FC-4E25-9632-945B53CD0465}" type="datetimeFigureOut">
               <a:rPr lang="fr-FR" smtClean="0"/>
-              <a:t>15/11/2023</a:t>
+              <a:t>02/01/2024</a:t>
             </a:fld>
             <a:endParaRPr lang="fr-FR"/>
           </a:p>
@@ -2241,7 +2243,7 @@
           <a:p>
             <a:fld id="{E5FCB298-21FC-4E25-9632-945B53CD0465}" type="datetimeFigureOut">
               <a:rPr lang="fr-FR" smtClean="0"/>
-              <a:t>15/11/2023</a:t>
+              <a:t>02/01/2024</a:t>
             </a:fld>
             <a:endParaRPr lang="fr-FR"/>
           </a:p>
@@ -2552,7 +2554,7 @@
           <a:p>
             <a:fld id="{E5FCB298-21FC-4E25-9632-945B53CD0465}" type="datetimeFigureOut">
               <a:rPr lang="fr-FR" smtClean="0"/>
-              <a:t>15/11/2023</a:t>
+              <a:t>02/01/2024</a:t>
             </a:fld>
             <a:endParaRPr lang="fr-FR"/>
           </a:p>
@@ -2840,7 +2842,7 @@
           <a:p>
             <a:fld id="{E5FCB298-21FC-4E25-9632-945B53CD0465}" type="datetimeFigureOut">
               <a:rPr lang="fr-FR" smtClean="0"/>
-              <a:t>15/11/2023</a:t>
+              <a:t>02/01/2024</a:t>
             </a:fld>
             <a:endParaRPr lang="fr-FR"/>
           </a:p>
@@ -3081,7 +3083,7 @@
           <a:p>
             <a:fld id="{E5FCB298-21FC-4E25-9632-945B53CD0465}" type="datetimeFigureOut">
               <a:rPr lang="fr-FR" smtClean="0"/>
-              <a:t>15/11/2023</a:t>
+              <a:t>02/01/2024</a:t>
             </a:fld>
             <a:endParaRPr lang="fr-FR"/>
           </a:p>
@@ -6173,14 +6175,14 @@
           <p:nvPr>
             <p:extLst>
               <p:ext uri="{D42A27DB-BD31-4B8C-83A1-F6EECF244321}">
-                <p14:modId xmlns:p14="http://schemas.microsoft.com/office/powerpoint/2010/main" val="2655700649"/>
+                <p14:modId xmlns:p14="http://schemas.microsoft.com/office/powerpoint/2010/main" val="2054319063"/>
               </p:ext>
             </p:extLst>
           </p:nvPr>
         </p:nvGraphicFramePr>
         <p:xfrm>
-          <a:off x="490603" y="563880"/>
-          <a:ext cx="11210793" cy="2595880"/>
+          <a:off x="201337" y="563880"/>
+          <a:ext cx="11500061" cy="5801360"/>
         </p:xfrm>
         <a:graphic>
           <a:graphicData uri="http://schemas.openxmlformats.org/drawingml/2006/table">
@@ -6189,21 +6191,21 @@
                 <a:tableStyleId>{5C22544A-7EE6-4342-B048-85BDC9FD1C3A}</a:tableStyleId>
               </a:tblPr>
               <a:tblGrid>
-                <a:gridCol w="3348624">
+                <a:gridCol w="3456263">
                   <a:extLst>
                     <a:ext uri="{9D8B030D-6E8A-4147-A177-3AD203B41FA5}">
                       <a16:colId xmlns:a16="http://schemas.microsoft.com/office/drawing/2014/main" val="628481113"/>
                     </a:ext>
                   </a:extLst>
                 </a:gridCol>
-                <a:gridCol w="3131507">
+                <a:gridCol w="3191073">
                   <a:extLst>
                     <a:ext uri="{9D8B030D-6E8A-4147-A177-3AD203B41FA5}">
                       <a16:colId xmlns:a16="http://schemas.microsoft.com/office/drawing/2014/main" val="3180203207"/>
                     </a:ext>
                   </a:extLst>
                 </a:gridCol>
-                <a:gridCol w="4730662">
+                <a:gridCol w="4852725">
                   <a:extLst>
                     <a:ext uri="{9D8B030D-6E8A-4147-A177-3AD203B41FA5}">
                       <a16:colId xmlns:a16="http://schemas.microsoft.com/office/drawing/2014/main" val="546606006"/>
@@ -6324,7 +6326,7 @@
                             </a:schemeClr>
                           </a:solidFill>
                         </a:rPr>
-                        <a:t>25.9 % </a:t>
+                        <a:t>25.9 %</a:t>
                       </a:r>
                     </a:p>
                   </a:txBody>
@@ -6343,7 +6345,7 @@
                             </a:schemeClr>
                           </a:solidFill>
                         </a:rPr>
-                        <a:t>?s per image (</a:t>
+                        <a:t>17s per image (</a:t>
                       </a:r>
                       <a:r>
                         <a:rPr lang="fr-FR" dirty="0" err="1">
@@ -6402,8 +6404,12 @@
                     <a:lstStyle/>
                     <a:p>
                       <a:r>
+                        <a:rPr lang="fr-FR" dirty="0" err="1"/>
+                        <a:t>Refined</a:t>
+                      </a:r>
+                      <a:r>
                         <a:rPr lang="fr-FR" dirty="0"/>
-                        <a:t>PRIMA 2021</a:t>
+                        <a:t> PRIMA 2021</a:t>
                       </a:r>
                     </a:p>
                   </a:txBody>
@@ -6478,7 +6484,7 @@
                             <a:srgbClr val="C00000"/>
                           </a:solidFill>
                         </a:rPr>
-                        <a:t>Vericompensate</a:t>
+                        <a:t>New_adapt</a:t>
                       </a:r>
                       <a:r>
                         <a:rPr lang="fr-FR" b="1" dirty="0">
@@ -6486,57 +6492,22 @@
                             <a:srgbClr val="C00000"/>
                           </a:solidFill>
                         </a:rPr>
-                        <a:t>(50 nodes)</a:t>
-                      </a:r>
-                    </a:p>
-                  </a:txBody>
-                  <a:tcPr/>
-                </a:tc>
-                <a:tc>
-                  <a:txBody>
-                    <a:bodyPr/>
-                    <a:lstStyle/>
-                    <a:p>
-                      <a:r>
-                        <a:rPr lang="fr-FR" b="1" dirty="0">
+                        <a:t> </a:t>
+                      </a:r>
+                      <a:r>
+                        <a:rPr lang="fr-FR" b="1" dirty="0" err="1">
                           <a:solidFill>
                             <a:srgbClr val="C00000"/>
                           </a:solidFill>
                         </a:rPr>
-                        <a:t>?%</a:t>
-                      </a:r>
-                    </a:p>
-                  </a:txBody>
-                  <a:tcPr/>
-                </a:tc>
-                <a:tc>
-                  <a:txBody>
-                    <a:bodyPr/>
-                    <a:lstStyle/>
-                    <a:p>
-                      <a:r>
-                        <a:rPr lang="fr-FR" b="1" dirty="0">
-                          <a:solidFill>
-                            <a:srgbClr val="C00000"/>
-                          </a:solidFill>
-                        </a:rPr>
-                        <a:t>~s per image No GPU</a:t>
-                      </a:r>
-                    </a:p>
-                  </a:txBody>
-                  <a:tcPr/>
-                </a:tc>
-                <a:extLst>
-                  <a:ext uri="{0D108BD9-81ED-4DB2-BD59-A6C34878D82A}">
-                    <a16:rowId xmlns:a16="http://schemas.microsoft.com/office/drawing/2014/main" val="1557210880"/>
-                  </a:ext>
-                </a:extLst>
-              </a:tr>
-              <a:tr h="370840">
-                <a:tc>
-                  <a:txBody>
-                    <a:bodyPr/>
-                    <a:lstStyle/>
+                        <a:t>compensate</a:t>
+                      </a:r>
+                      <a:endParaRPr lang="fr-FR" b="1" dirty="0">
+                        <a:solidFill>
+                          <a:srgbClr val="C00000"/>
+                        </a:solidFill>
+                      </a:endParaRPr>
+                    </a:p>
                     <a:p>
                       <a:pPr marL="0" marR="0" lvl="0" indent="0" algn="l" defTabSz="914400" rtl="0" eaLnBrk="1" fontAlgn="auto" latinLnBrk="0" hangingPunct="1">
                         <a:lnSpc>
@@ -6555,71 +6526,689 @@
                         <a:tabLst/>
                         <a:defRPr/>
                       </a:pPr>
-                      <a:r>
-                        <a:rPr lang="fr-FR" dirty="0" err="1">
+                      <a:endParaRPr lang="fr-FR" b="1" dirty="0">
+                        <a:solidFill>
+                          <a:srgbClr val="C00000"/>
+                        </a:solidFill>
+                      </a:endParaRPr>
+                    </a:p>
+                    <a:p>
+                      <a:pPr marL="0" marR="0" lvl="0" indent="0" algn="l" defTabSz="914400" rtl="0" eaLnBrk="1" fontAlgn="auto" latinLnBrk="0" hangingPunct="1">
+                        <a:lnSpc>
+                          <a:spcPct val="100000"/>
+                        </a:lnSpc>
+                        <a:spcBef>
+                          <a:spcPts val="0"/>
+                        </a:spcBef>
+                        <a:spcAft>
+                          <a:spcPts val="0"/>
+                        </a:spcAft>
+                        <a:buClrTx/>
+                        <a:buSzTx/>
+                        <a:buFontTx/>
+                        <a:buNone/>
+                        <a:tabLst/>
+                        <a:defRPr/>
+                      </a:pPr>
+                      <a:r>
+                        <a:rPr lang="fr-FR" b="1" dirty="0">
                           <a:solidFill>
                             <a:srgbClr val="C00000"/>
                           </a:solidFill>
                         </a:rPr>
-                        <a:t>Vericompensate</a:t>
-                      </a:r>
-                      <a:r>
-                        <a:rPr lang="fr-FR" dirty="0">
+                        <a:t>Stop at 0/2 for fast</a:t>
+                      </a:r>
+                    </a:p>
+                    <a:p>
+                      <a:pPr marL="0" marR="0" lvl="0" indent="0" algn="l" defTabSz="914400" rtl="0" eaLnBrk="1" fontAlgn="auto" latinLnBrk="0" hangingPunct="1">
+                        <a:lnSpc>
+                          <a:spcPct val="100000"/>
+                        </a:lnSpc>
+                        <a:spcBef>
+                          <a:spcPts val="0"/>
+                        </a:spcBef>
+                        <a:spcAft>
+                          <a:spcPts val="0"/>
+                        </a:spcAft>
+                        <a:buClrTx/>
+                        <a:buSzTx/>
+                        <a:buFontTx/>
+                        <a:buNone/>
+                        <a:tabLst/>
+                        <a:defRPr/>
+                      </a:pPr>
+                      <a:endParaRPr lang="fr-FR" b="1" dirty="0">
+                        <a:solidFill>
+                          <a:srgbClr val="C00000"/>
+                        </a:solidFill>
+                      </a:endParaRPr>
+                    </a:p>
+                    <a:p>
+                      <a:pPr marL="0" marR="0" lvl="0" indent="0" algn="l" defTabSz="914400" rtl="0" eaLnBrk="1" fontAlgn="auto" latinLnBrk="0" hangingPunct="1">
+                        <a:lnSpc>
+                          <a:spcPct val="100000"/>
+                        </a:lnSpc>
+                        <a:spcBef>
+                          <a:spcPts val="0"/>
+                        </a:spcBef>
+                        <a:spcAft>
+                          <a:spcPts val="0"/>
+                        </a:spcAft>
+                        <a:buClrTx/>
+                        <a:buSzTx/>
+                        <a:buFontTx/>
+                        <a:buNone/>
+                        <a:tabLst/>
+                        <a:defRPr/>
+                      </a:pPr>
+                      <a:r>
+                        <a:rPr lang="fr-FR" b="1" dirty="0">
                           <a:solidFill>
                             <a:srgbClr val="C00000"/>
                           </a:solidFill>
                         </a:rPr>
-                        <a:t>(K=2, new long)</a:t>
-                      </a:r>
-                    </a:p>
-                  </a:txBody>
-                  <a:tcPr/>
-                </a:tc>
-                <a:tc>
-                  <a:txBody>
-                    <a:bodyPr/>
-                    <a:lstStyle/>
-                    <a:p>
-                      <a:r>
-                        <a:rPr lang="fr-FR" dirty="0">
+                        <a:t>Stop at 1/4 for slow</a:t>
+                      </a:r>
+                    </a:p>
+                  </a:txBody>
+                  <a:tcPr/>
+                </a:tc>
+                <a:tc>
+                  <a:txBody>
+                    <a:bodyPr/>
+                    <a:lstStyle/>
+                    <a:p>
+                      <a:r>
+                        <a:rPr lang="fr-FR" b="1" dirty="0">
                           <a:solidFill>
                             <a:srgbClr val="C00000"/>
                           </a:solidFill>
-                        </a:rPr>
-                        <a:t>?%</a:t>
-                      </a:r>
-                    </a:p>
-                  </a:txBody>
-                  <a:tcPr/>
-                </a:tc>
-                <a:tc>
-                  <a:txBody>
-                    <a:bodyPr/>
-                    <a:lstStyle/>
-                    <a:p>
-                      <a:r>
-                        <a:rPr lang="fr-FR" dirty="0">
+                          <a:highlight>
+                            <a:srgbClr val="FFFF00"/>
+                          </a:highlight>
+                        </a:rPr>
+                        <a:t>1) 72 - 78 /100</a:t>
+                      </a:r>
+                    </a:p>
+                    <a:p>
+                      <a:r>
+                        <a:rPr lang="fr-FR" b="1" dirty="0">
                           <a:solidFill>
                             <a:srgbClr val="C00000"/>
                           </a:solidFill>
-                        </a:rPr>
-                        <a:t>?s per image NO GPU (can </a:t>
-                      </a:r>
-                      <a:r>
-                        <a:rPr lang="fr-FR" dirty="0" err="1">
+                          <a:highlight>
+                            <a:srgbClr val="FFFF00"/>
+                          </a:highlight>
+                        </a:rPr>
+                        <a:t>2) 73 - 79/100</a:t>
+                      </a:r>
+                    </a:p>
+                    <a:p>
+                      <a:r>
+                        <a:rPr lang="fr-FR" b="1" dirty="0">
                           <a:solidFill>
                             <a:srgbClr val="C00000"/>
                           </a:solidFill>
-                        </a:rPr>
-                        <a:t>lower</a:t>
-                      </a:r>
-                      <a:r>
-                        <a:rPr lang="fr-FR" dirty="0">
+                          <a:highlight>
+                            <a:srgbClr val="FFFF00"/>
+                          </a:highlight>
+                        </a:rPr>
+                        <a:t>3) 74 - 77/100</a:t>
+                      </a:r>
+                    </a:p>
+                    <a:p>
+                      <a:r>
+                        <a:rPr lang="fr-FR" b="1" dirty="0">
                           <a:solidFill>
                             <a:srgbClr val="C00000"/>
                           </a:solidFill>
-                        </a:rPr>
-                        <a:t> the time)</a:t>
+                          <a:highlight>
+                            <a:srgbClr val="FFFF00"/>
+                          </a:highlight>
+                        </a:rPr>
+                        <a:t>4) 68 - 80 /100</a:t>
+                      </a:r>
+                    </a:p>
+                    <a:p>
+                      <a:r>
+                        <a:rPr lang="fr-FR" b="1" dirty="0">
+                          <a:solidFill>
+                            <a:srgbClr val="C00000"/>
+                          </a:solidFill>
+                          <a:highlight>
+                            <a:srgbClr val="FFFF00"/>
+                          </a:highlight>
+                        </a:rPr>
+                        <a:t>5) 52 - 78 /100</a:t>
+                      </a:r>
+                    </a:p>
+                    <a:p>
+                      <a:r>
+                        <a:rPr lang="fr-FR" b="1" dirty="0">
+                          <a:solidFill>
+                            <a:srgbClr val="C00000"/>
+                          </a:solidFill>
+                          <a:highlight>
+                            <a:srgbClr val="FFFF00"/>
+                          </a:highlight>
+                        </a:rPr>
+                        <a:t>6) 70 – 75 / 100</a:t>
+                      </a:r>
+                    </a:p>
+                    <a:p>
+                      <a:r>
+                        <a:rPr lang="fr-FR" b="1" dirty="0">
+                          <a:solidFill>
+                            <a:srgbClr val="C00000"/>
+                          </a:solidFill>
+                          <a:highlight>
+                            <a:srgbClr val="FFFF00"/>
+                          </a:highlight>
+                        </a:rPr>
+                        <a:t>7) 54 – 84 /100</a:t>
+                      </a:r>
+                    </a:p>
+                    <a:p>
+                      <a:r>
+                        <a:rPr lang="fr-FR" b="1" dirty="0">
+                          <a:solidFill>
+                            <a:srgbClr val="C00000"/>
+                          </a:solidFill>
+                          <a:highlight>
+                            <a:srgbClr val="FFFF00"/>
+                          </a:highlight>
+                        </a:rPr>
+                        <a:t>8) 79 – 85 /100</a:t>
+                      </a:r>
+                    </a:p>
+                    <a:p>
+                      <a:r>
+                        <a:rPr lang="fr-FR" b="1" dirty="0">
+                          <a:solidFill>
+                            <a:srgbClr val="C00000"/>
+                          </a:solidFill>
+                          <a:highlight>
+                            <a:srgbClr val="FFFF00"/>
+                          </a:highlight>
+                        </a:rPr>
+                        <a:t>9) 79 – 82 /100</a:t>
+                      </a:r>
+                    </a:p>
+                    <a:p>
+                      <a:r>
+                        <a:rPr lang="fr-FR" b="1" dirty="0">
+                          <a:solidFill>
+                            <a:srgbClr val="C00000"/>
+                          </a:solidFill>
+                          <a:highlight>
+                            <a:srgbClr val="FFFF00"/>
+                          </a:highlight>
+                        </a:rPr>
+                        <a:t>10) 60 – 73 /100 </a:t>
+                      </a:r>
+                    </a:p>
+                  </a:txBody>
+                  <a:tcPr/>
+                </a:tc>
+                <a:tc>
+                  <a:txBody>
+                    <a:bodyPr/>
+                    <a:lstStyle/>
+                    <a:p>
+                      <a:r>
+                        <a:rPr lang="fr-FR" b="1" dirty="0">
+                          <a:solidFill>
+                            <a:srgbClr val="C00000"/>
+                          </a:solidFill>
+                          <a:highlight>
+                            <a:srgbClr val="FFFF00"/>
+                          </a:highlight>
+                        </a:rPr>
+                        <a:t>310s-472s</a:t>
+                      </a:r>
+                    </a:p>
+                    <a:p>
+                      <a:r>
+                        <a:rPr lang="fr-FR" b="1" dirty="0">
+                          <a:solidFill>
+                            <a:srgbClr val="C00000"/>
+                          </a:solidFill>
+                          <a:highlight>
+                            <a:srgbClr val="FFFF00"/>
+                          </a:highlight>
+                        </a:rPr>
+                        <a:t>349s-524s</a:t>
+                      </a:r>
+                    </a:p>
+                    <a:p>
+                      <a:r>
+                        <a:rPr lang="fr-FR" b="1" dirty="0">
+                          <a:solidFill>
+                            <a:srgbClr val="C00000"/>
+                          </a:solidFill>
+                          <a:highlight>
+                            <a:srgbClr val="FFFF00"/>
+                          </a:highlight>
+                        </a:rPr>
+                        <a:t>297s-506s</a:t>
+                      </a:r>
+                    </a:p>
+                    <a:p>
+                      <a:r>
+                        <a:rPr lang="fr-FR" b="1" dirty="0">
+                          <a:solidFill>
+                            <a:srgbClr val="C00000"/>
+                          </a:solidFill>
+                          <a:highlight>
+                            <a:srgbClr val="FFFF00"/>
+                          </a:highlight>
+                        </a:rPr>
+                        <a:t>354s-620s</a:t>
+                      </a:r>
+                      <a:endParaRPr lang="fr-FR" b="1" dirty="0">
+                        <a:solidFill>
+                          <a:srgbClr val="C00000"/>
+                        </a:solidFill>
+                      </a:endParaRPr>
+                    </a:p>
+                    <a:p>
+                      <a:r>
+                        <a:rPr lang="fr-FR" b="1" dirty="0">
+                          <a:solidFill>
+                            <a:srgbClr val="C00000"/>
+                          </a:solidFill>
+                          <a:highlight>
+                            <a:srgbClr val="FFFF00"/>
+                          </a:highlight>
+                        </a:rPr>
+                        <a:t>174s – 598s</a:t>
+                      </a:r>
+                    </a:p>
+                    <a:p>
+                      <a:r>
+                        <a:rPr lang="fr-FR" b="1" dirty="0">
+                          <a:solidFill>
+                            <a:srgbClr val="C00000"/>
+                          </a:solidFill>
+                          <a:highlight>
+                            <a:srgbClr val="FFFF00"/>
+                          </a:highlight>
+                        </a:rPr>
+                        <a:t>291s - 454s</a:t>
+                      </a:r>
+                    </a:p>
+                    <a:p>
+                      <a:r>
+                        <a:rPr lang="fr-FR" b="1" dirty="0">
+                          <a:solidFill>
+                            <a:srgbClr val="C00000"/>
+                          </a:solidFill>
+                          <a:highlight>
+                            <a:srgbClr val="FFFF00"/>
+                          </a:highlight>
+                        </a:rPr>
+                        <a:t>174s – 586s</a:t>
+                      </a:r>
+                    </a:p>
+                    <a:p>
+                      <a:r>
+                        <a:rPr lang="fr-FR" b="1" dirty="0">
+                          <a:solidFill>
+                            <a:srgbClr val="C00000"/>
+                          </a:solidFill>
+                          <a:highlight>
+                            <a:srgbClr val="FFFF00"/>
+                          </a:highlight>
+                        </a:rPr>
+                        <a:t>363s – 522s</a:t>
+                      </a:r>
+                    </a:p>
+                    <a:p>
+                      <a:r>
+                        <a:rPr lang="fr-FR" b="1" dirty="0">
+                          <a:solidFill>
+                            <a:srgbClr val="C00000"/>
+                          </a:solidFill>
+                          <a:highlight>
+                            <a:srgbClr val="FFFF00"/>
+                          </a:highlight>
+                        </a:rPr>
+                        <a:t>395s – 557s</a:t>
+                      </a:r>
+                    </a:p>
+                    <a:p>
+                      <a:r>
+                        <a:rPr lang="fr-FR" b="1" dirty="0">
+                          <a:solidFill>
+                            <a:srgbClr val="C00000"/>
+                          </a:solidFill>
+                          <a:highlight>
+                            <a:srgbClr val="FFFF00"/>
+                          </a:highlight>
+                        </a:rPr>
+                        <a:t>258s – 521s</a:t>
+                      </a:r>
+                    </a:p>
+                  </a:txBody>
+                  <a:tcPr/>
+                </a:tc>
+                <a:extLst>
+                  <a:ext uri="{0D108BD9-81ED-4DB2-BD59-A6C34878D82A}">
+                    <a16:rowId xmlns:a16="http://schemas.microsoft.com/office/drawing/2014/main" val="3016437458"/>
+                  </a:ext>
+                </a:extLst>
+              </a:tr>
+              <a:tr h="370840">
+                <a:tc>
+                  <a:txBody>
+                    <a:bodyPr/>
+                    <a:lstStyle/>
+                    <a:p>
+                      <a:pPr marL="0" marR="0" lvl="0" indent="0" algn="l" defTabSz="914400" rtl="0" eaLnBrk="1" fontAlgn="auto" latinLnBrk="0" hangingPunct="1">
+                        <a:lnSpc>
+                          <a:spcPct val="100000"/>
+                        </a:lnSpc>
+                        <a:spcBef>
+                          <a:spcPts val="0"/>
+                        </a:spcBef>
+                        <a:spcAft>
+                          <a:spcPts val="0"/>
+                        </a:spcAft>
+                        <a:buClrTx/>
+                        <a:buSzTx/>
+                        <a:buFontTx/>
+                        <a:buNone/>
+                        <a:tabLst/>
+                        <a:defRPr/>
+                      </a:pPr>
+                      <a:r>
+                        <a:rPr lang="fr-FR" b="1" dirty="0" err="1">
+                          <a:solidFill>
+                            <a:srgbClr val="C00000"/>
+                          </a:solidFill>
+                        </a:rPr>
+                        <a:t>New_adapt</a:t>
+                      </a:r>
+                      <a:r>
+                        <a:rPr lang="fr-FR" b="1" dirty="0">
+                          <a:solidFill>
+                            <a:srgbClr val="C00000"/>
+                          </a:solidFill>
+                        </a:rPr>
+                        <a:t> </a:t>
+                      </a:r>
+                      <a:r>
+                        <a:rPr lang="fr-FR" b="1" dirty="0" err="1">
+                          <a:solidFill>
+                            <a:srgbClr val="C00000"/>
+                          </a:solidFill>
+                        </a:rPr>
+                        <a:t>compensate</a:t>
+                      </a:r>
+                      <a:r>
+                        <a:rPr lang="fr-FR" b="1" dirty="0">
+                          <a:solidFill>
+                            <a:srgbClr val="C00000"/>
+                          </a:solidFill>
+                        </a:rPr>
+                        <a:t> fast </a:t>
+                      </a:r>
+                    </a:p>
+                  </a:txBody>
+                  <a:tcPr/>
+                </a:tc>
+                <a:tc>
+                  <a:txBody>
+                    <a:bodyPr/>
+                    <a:lstStyle/>
+                    <a:p>
+                      <a:r>
+                        <a:rPr lang="fr-FR" b="1" dirty="0">
+                          <a:solidFill>
+                            <a:srgbClr val="C00000"/>
+                          </a:solidFill>
+                          <a:highlight>
+                            <a:srgbClr val="FFFF00"/>
+                          </a:highlight>
+                        </a:rPr>
+                        <a:t>68.1% /1000</a:t>
+                      </a:r>
+                    </a:p>
+                  </a:txBody>
+                  <a:tcPr/>
+                </a:tc>
+                <a:tc>
+                  <a:txBody>
+                    <a:bodyPr/>
+                    <a:lstStyle/>
+                    <a:p>
+                      <a:r>
+                        <a:rPr lang="fr-FR" b="1" dirty="0">
+                          <a:solidFill>
+                            <a:srgbClr val="C00000"/>
+                          </a:solidFill>
+                          <a:highlight>
+                            <a:srgbClr val="FFFF00"/>
+                          </a:highlight>
+                        </a:rPr>
+                        <a:t>297s /1000</a:t>
+                      </a:r>
+                    </a:p>
+                  </a:txBody>
+                  <a:tcPr/>
+                </a:tc>
+                <a:extLst>
+                  <a:ext uri="{0D108BD9-81ED-4DB2-BD59-A6C34878D82A}">
+                    <a16:rowId xmlns:a16="http://schemas.microsoft.com/office/drawing/2014/main" val="2474583923"/>
+                  </a:ext>
+                </a:extLst>
+              </a:tr>
+              <a:tr h="370840">
+                <a:tc>
+                  <a:txBody>
+                    <a:bodyPr/>
+                    <a:lstStyle/>
+                    <a:p>
+                      <a:pPr marL="0" marR="0" lvl="0" indent="0" algn="l" defTabSz="914400" rtl="0" eaLnBrk="1" fontAlgn="auto" latinLnBrk="0" hangingPunct="1">
+                        <a:lnSpc>
+                          <a:spcPct val="100000"/>
+                        </a:lnSpc>
+                        <a:spcBef>
+                          <a:spcPts val="0"/>
+                        </a:spcBef>
+                        <a:spcAft>
+                          <a:spcPts val="0"/>
+                        </a:spcAft>
+                        <a:buClrTx/>
+                        <a:buSzTx/>
+                        <a:buFontTx/>
+                        <a:buNone/>
+                        <a:tabLst/>
+                        <a:defRPr/>
+                      </a:pPr>
+                      <a:r>
+                        <a:rPr lang="fr-FR" b="1" dirty="0" err="1">
+                          <a:solidFill>
+                            <a:srgbClr val="C00000"/>
+                          </a:solidFill>
+                        </a:rPr>
+                        <a:t>New_adapt</a:t>
+                      </a:r>
+                      <a:r>
+                        <a:rPr lang="fr-FR" b="1" dirty="0">
+                          <a:solidFill>
+                            <a:srgbClr val="C00000"/>
+                          </a:solidFill>
+                        </a:rPr>
+                        <a:t> </a:t>
+                      </a:r>
+                      <a:r>
+                        <a:rPr lang="fr-FR" b="1" dirty="0" err="1">
+                          <a:solidFill>
+                            <a:srgbClr val="C00000"/>
+                          </a:solidFill>
+                        </a:rPr>
+                        <a:t>compensate</a:t>
+                      </a:r>
+                      <a:r>
+                        <a:rPr lang="fr-FR" b="1" dirty="0">
+                          <a:solidFill>
+                            <a:srgbClr val="C00000"/>
+                          </a:solidFill>
+                        </a:rPr>
+                        <a:t> </a:t>
+                      </a:r>
+                      <a:r>
+                        <a:rPr lang="fr-FR" b="1" dirty="0" err="1">
+                          <a:solidFill>
+                            <a:srgbClr val="C00000"/>
+                          </a:solidFill>
+                        </a:rPr>
+                        <a:t>fast+slow</a:t>
+                      </a:r>
+                      <a:endParaRPr lang="fr-FR" b="1" dirty="0">
+                        <a:solidFill>
+                          <a:srgbClr val="C00000"/>
+                        </a:solidFill>
+                      </a:endParaRPr>
+                    </a:p>
+                  </a:txBody>
+                  <a:tcPr/>
+                </a:tc>
+                <a:tc>
+                  <a:txBody>
+                    <a:bodyPr/>
+                    <a:lstStyle/>
+                    <a:p>
+                      <a:r>
+                        <a:rPr lang="fr-FR" b="1" dirty="0">
+                          <a:solidFill>
+                            <a:srgbClr val="C00000"/>
+                          </a:solidFill>
+                          <a:highlight>
+                            <a:srgbClr val="FFFF00"/>
+                          </a:highlight>
+                        </a:rPr>
+                        <a:t>79.1% /1000</a:t>
+                      </a:r>
+                    </a:p>
+                  </a:txBody>
+                  <a:tcPr/>
+                </a:tc>
+                <a:tc>
+                  <a:txBody>
+                    <a:bodyPr/>
+                    <a:lstStyle/>
+                    <a:p>
+                      <a:r>
+                        <a:rPr lang="fr-FR" b="1" dirty="0">
+                          <a:solidFill>
+                            <a:srgbClr val="C00000"/>
+                          </a:solidFill>
+                          <a:highlight>
+                            <a:srgbClr val="FFFF00"/>
+                          </a:highlight>
+                        </a:rPr>
+                        <a:t>535s /1000</a:t>
+                      </a:r>
+                    </a:p>
+                  </a:txBody>
+                  <a:tcPr/>
+                </a:tc>
+                <a:extLst>
+                  <a:ext uri="{0D108BD9-81ED-4DB2-BD59-A6C34878D82A}">
+                    <a16:rowId xmlns:a16="http://schemas.microsoft.com/office/drawing/2014/main" val="1589879992"/>
+                  </a:ext>
+                </a:extLst>
+              </a:tr>
+              <a:tr h="370840">
+                <a:tc>
+                  <a:txBody>
+                    <a:bodyPr/>
+                    <a:lstStyle/>
+                    <a:p>
+                      <a:pPr marL="0" marR="0" lvl="0" indent="0" algn="l" defTabSz="914400" rtl="0" eaLnBrk="1" fontAlgn="auto" latinLnBrk="0" hangingPunct="1">
+                        <a:lnSpc>
+                          <a:spcPct val="100000"/>
+                        </a:lnSpc>
+                        <a:spcBef>
+                          <a:spcPts val="0"/>
+                        </a:spcBef>
+                        <a:spcAft>
+                          <a:spcPts val="0"/>
+                        </a:spcAft>
+                        <a:buClrTx/>
+                        <a:buSzTx/>
+                        <a:buFontTx/>
+                        <a:buNone/>
+                        <a:tabLst/>
+                        <a:defRPr/>
+                      </a:pPr>
+                      <a:r>
+                        <a:rPr lang="fr-FR" b="1" dirty="0" err="1">
+                          <a:solidFill>
+                            <a:srgbClr val="C00000"/>
+                          </a:solidFill>
+                        </a:rPr>
+                        <a:t>Vericompensate</a:t>
+                      </a:r>
+                      <a:r>
+                        <a:rPr lang="fr-FR" b="1" dirty="0">
+                          <a:solidFill>
+                            <a:srgbClr val="C00000"/>
+                          </a:solidFill>
+                        </a:rPr>
+                        <a:t>(fast), </a:t>
+                      </a:r>
+                      <a:r>
+                        <a:rPr lang="fr-FR" b="1" dirty="0" err="1">
+                          <a:solidFill>
+                            <a:srgbClr val="C00000"/>
+                          </a:solidFill>
+                        </a:rPr>
+                        <a:t>old</a:t>
+                      </a:r>
+                      <a:r>
+                        <a:rPr lang="fr-FR" b="1" dirty="0">
+                          <a:solidFill>
+                            <a:srgbClr val="C00000"/>
+                          </a:solidFill>
+                        </a:rPr>
+                        <a:t> v</a:t>
+                      </a:r>
+                    </a:p>
+                  </a:txBody>
+                  <a:tcPr/>
+                </a:tc>
+                <a:tc>
+                  <a:txBody>
+                    <a:bodyPr/>
+                    <a:lstStyle/>
+                    <a:p>
+                      <a:r>
+                        <a:rPr lang="fr-FR" b="1" dirty="0">
+                          <a:solidFill>
+                            <a:srgbClr val="C00000"/>
+                          </a:solidFill>
+                        </a:rPr>
+                        <a:t>72.6% (363/500) - 77/100 first</a:t>
+                      </a:r>
+                    </a:p>
+                  </a:txBody>
+                  <a:tcPr/>
+                </a:tc>
+                <a:tc>
+                  <a:txBody>
+                    <a:bodyPr/>
+                    <a:lstStyle/>
+                    <a:p>
+                      <a:r>
+                        <a:rPr lang="fr-FR" b="1" dirty="0">
+                          <a:solidFill>
+                            <a:srgbClr val="C00000"/>
+                          </a:solidFill>
+                        </a:rPr>
+                        <a:t>480s- per image NO GPU</a:t>
                       </a:r>
                     </a:p>
                   </a:txBody>
@@ -6977,7 +7566,7 @@
     </p:spTree>
     <p:extLst>
       <p:ext uri="{BB962C8B-B14F-4D97-AF65-F5344CB8AC3E}">
-        <p14:creationId xmlns:p14="http://schemas.microsoft.com/office/powerpoint/2010/main" val="470744855"/>
+        <p14:creationId xmlns:p14="http://schemas.microsoft.com/office/powerpoint/2010/main" val="572571083"/>
       </p:ext>
     </p:extLst>
   </p:cSld>
@@ -6988,6 +7577,2125 @@
 </file>
 
 <file path=ppt/slides/slide11.xml><?xml version="1.0" encoding="utf-8"?>
+<p:sld xmlns:a="http://schemas.openxmlformats.org/drawingml/2006/main" xmlns:r="http://schemas.openxmlformats.org/officeDocument/2006/relationships" xmlns:p="http://schemas.openxmlformats.org/presentationml/2006/main">
+  <p:cSld>
+    <p:spTree>
+      <p:nvGrpSpPr>
+        <p:cNvPr id="1" name=""/>
+        <p:cNvGrpSpPr/>
+        <p:nvPr/>
+      </p:nvGrpSpPr>
+      <p:grpSpPr>
+        <a:xfrm>
+          <a:off x="0" y="0"/>
+          <a:ext cx="0" cy="0"/>
+          <a:chOff x="0" y="0"/>
+          <a:chExt cx="0" cy="0"/>
+        </a:xfrm>
+      </p:grpSpPr>
+      <p:sp>
+        <p:nvSpPr>
+          <p:cNvPr id="2" name="Titre 1">
+            <a:extLst>
+              <a:ext uri="{FF2B5EF4-FFF2-40B4-BE49-F238E27FC236}">
+                <a16:creationId xmlns:a16="http://schemas.microsoft.com/office/drawing/2014/main" id="{5DA5B103-927A-AB83-2E76-68ACCCF7CE34}"/>
+              </a:ext>
+            </a:extLst>
+          </p:cNvPr>
+          <p:cNvSpPr>
+            <a:spLocks noGrp="1"/>
+          </p:cNvSpPr>
+          <p:nvPr>
+            <p:ph type="title"/>
+          </p:nvPr>
+        </p:nvSpPr>
+        <p:spPr/>
+        <p:txBody>
+          <a:bodyPr/>
+          <a:lstStyle/>
+          <a:p>
+            <a:r>
+              <a:rPr lang="fr-FR" dirty="0" err="1"/>
+              <a:t>Overall</a:t>
+            </a:r>
+            <a:r>
+              <a:rPr lang="fr-FR" dirty="0"/>
+              <a:t> </a:t>
+            </a:r>
+            <a:r>
+              <a:rPr lang="fr-FR" dirty="0" err="1"/>
+              <a:t>Recap</a:t>
+            </a:r>
+            <a:endParaRPr lang="fr-FR" dirty="0"/>
+          </a:p>
+        </p:txBody>
+      </p:sp>
+      <p:graphicFrame>
+        <p:nvGraphicFramePr>
+          <p:cNvPr id="4" name="Tableau 3">
+            <a:extLst>
+              <a:ext uri="{FF2B5EF4-FFF2-40B4-BE49-F238E27FC236}">
+                <a16:creationId xmlns:a16="http://schemas.microsoft.com/office/drawing/2014/main" id="{770946E4-6F4A-C224-1E6D-38AB64FB211F}"/>
+              </a:ext>
+            </a:extLst>
+          </p:cNvPr>
+          <p:cNvGraphicFramePr>
+            <a:graphicFrameLocks noGrp="1"/>
+          </p:cNvGraphicFramePr>
+          <p:nvPr>
+            <p:extLst>
+              <p:ext uri="{D42A27DB-BD31-4B8C-83A1-F6EECF244321}">
+                <p14:modId xmlns:p14="http://schemas.microsoft.com/office/powerpoint/2010/main" val="997583197"/>
+              </p:ext>
+            </p:extLst>
+          </p:nvPr>
+        </p:nvGraphicFramePr>
+        <p:xfrm>
+          <a:off x="162838" y="1909638"/>
+          <a:ext cx="11943568" cy="3235960"/>
+        </p:xfrm>
+        <a:graphic>
+          <a:graphicData uri="http://schemas.openxmlformats.org/drawingml/2006/table">
+            <a:tbl>
+              <a:tblPr firstRow="1" bandRow="1">
+                <a:tableStyleId>{5C22544A-7EE6-4342-B048-85BDC9FD1C3A}</a:tableStyleId>
+              </a:tblPr>
+              <a:tblGrid>
+                <a:gridCol w="870559">
+                  <a:extLst>
+                    <a:ext uri="{9D8B030D-6E8A-4147-A177-3AD203B41FA5}">
+                      <a16:colId xmlns:a16="http://schemas.microsoft.com/office/drawing/2014/main" val="2990901885"/>
+                    </a:ext>
+                  </a:extLst>
+                </a:gridCol>
+                <a:gridCol w="1365337">
+                  <a:extLst>
+                    <a:ext uri="{9D8B030D-6E8A-4147-A177-3AD203B41FA5}">
+                      <a16:colId xmlns:a16="http://schemas.microsoft.com/office/drawing/2014/main" val="440124593"/>
+                    </a:ext>
+                  </a:extLst>
+                </a:gridCol>
+                <a:gridCol w="1546965">
+                  <a:extLst>
+                    <a:ext uri="{9D8B030D-6E8A-4147-A177-3AD203B41FA5}">
+                      <a16:colId xmlns:a16="http://schemas.microsoft.com/office/drawing/2014/main" val="4091603951"/>
+                    </a:ext>
+                  </a:extLst>
+                </a:gridCol>
+                <a:gridCol w="1534438">
+                  <a:extLst>
+                    <a:ext uri="{9D8B030D-6E8A-4147-A177-3AD203B41FA5}">
+                      <a16:colId xmlns:a16="http://schemas.microsoft.com/office/drawing/2014/main" val="2146285942"/>
+                    </a:ext>
+                  </a:extLst>
+                </a:gridCol>
+                <a:gridCol w="1647173">
+                  <a:extLst>
+                    <a:ext uri="{9D8B030D-6E8A-4147-A177-3AD203B41FA5}">
+                      <a16:colId xmlns:a16="http://schemas.microsoft.com/office/drawing/2014/main" val="3861335404"/>
+                    </a:ext>
+                  </a:extLst>
+                </a:gridCol>
+                <a:gridCol w="1753643">
+                  <a:extLst>
+                    <a:ext uri="{9D8B030D-6E8A-4147-A177-3AD203B41FA5}">
+                      <a16:colId xmlns:a16="http://schemas.microsoft.com/office/drawing/2014/main" val="3458033308"/>
+                    </a:ext>
+                  </a:extLst>
+                </a:gridCol>
+                <a:gridCol w="3225453">
+                  <a:extLst>
+                    <a:ext uri="{9D8B030D-6E8A-4147-A177-3AD203B41FA5}">
+                      <a16:colId xmlns:a16="http://schemas.microsoft.com/office/drawing/2014/main" val="2415378356"/>
+                    </a:ext>
+                  </a:extLst>
+                </a:gridCol>
+              </a:tblGrid>
+              <a:tr h="370840">
+                <a:tc>
+                  <a:txBody>
+                    <a:bodyPr/>
+                    <a:lstStyle/>
+                    <a:p>
+                      <a:endParaRPr lang="fr-FR" dirty="0"/>
+                    </a:p>
+                  </a:txBody>
+                  <a:tcPr/>
+                </a:tc>
+                <a:tc>
+                  <a:txBody>
+                    <a:bodyPr/>
+                    <a:lstStyle/>
+                    <a:p>
+                      <a:r>
+                        <a:rPr lang="fr-FR" dirty="0" err="1"/>
+                        <a:t>DeepPoly</a:t>
+                      </a:r>
+                      <a:endParaRPr lang="fr-FR" dirty="0"/>
+                    </a:p>
+                    <a:p>
+                      <a:r>
+                        <a:rPr lang="fr-FR" dirty="0"/>
+                        <a:t>Our </a:t>
+                      </a:r>
+                      <a:r>
+                        <a:rPr lang="fr-FR" dirty="0" err="1"/>
+                        <a:t>imp</a:t>
+                      </a:r>
+                      <a:endParaRPr lang="fr-FR" dirty="0"/>
+                    </a:p>
+                  </a:txBody>
+                  <a:tcPr/>
+                </a:tc>
+                <a:tc>
+                  <a:txBody>
+                    <a:bodyPr/>
+                    <a:lstStyle/>
+                    <a:p>
+                      <a:r>
+                        <a:rPr lang="fr-FR" dirty="0"/>
+                        <a:t>PRIMA 2021</a:t>
+                      </a:r>
+                    </a:p>
+                    <a:p>
+                      <a:r>
+                        <a:rPr lang="fr-FR" dirty="0" err="1"/>
+                        <a:t>refined</a:t>
+                      </a:r>
+                      <a:endParaRPr lang="fr-FR" dirty="0"/>
+                    </a:p>
+                  </a:txBody>
+                  <a:tcPr/>
+                </a:tc>
+                <a:tc>
+                  <a:txBody>
+                    <a:bodyPr/>
+                    <a:lstStyle/>
+                    <a:p>
+                      <a:r>
+                        <a:rPr lang="fr-FR" dirty="0" err="1">
+                          <a:solidFill>
+                            <a:srgbClr val="FF0000"/>
+                          </a:solidFill>
+                        </a:rPr>
+                        <a:t>VeryCompFast</a:t>
+                      </a:r>
+                      <a:endParaRPr lang="fr-FR" dirty="0">
+                        <a:solidFill>
+                          <a:srgbClr val="FF0000"/>
+                        </a:solidFill>
+                      </a:endParaRPr>
+                    </a:p>
+                  </a:txBody>
+                  <a:tcPr/>
+                </a:tc>
+                <a:tc>
+                  <a:txBody>
+                    <a:bodyPr/>
+                    <a:lstStyle/>
+                    <a:p>
+                      <a:r>
+                        <a:rPr lang="fr-FR" dirty="0" err="1">
+                          <a:solidFill>
+                            <a:srgbClr val="FF0000"/>
+                          </a:solidFill>
+                        </a:rPr>
+                        <a:t>VeryComp</a:t>
+                      </a:r>
+                      <a:endParaRPr lang="fr-FR" dirty="0">
+                        <a:solidFill>
+                          <a:srgbClr val="FF0000"/>
+                        </a:solidFill>
+                      </a:endParaRPr>
+                    </a:p>
+                    <a:p>
+                      <a:r>
+                        <a:rPr lang="fr-FR" dirty="0" err="1">
+                          <a:solidFill>
+                            <a:srgbClr val="FF0000"/>
+                          </a:solidFill>
+                        </a:rPr>
+                        <a:t>Fast+Slow</a:t>
+                      </a:r>
+                      <a:endParaRPr lang="fr-FR" dirty="0">
+                        <a:solidFill>
+                          <a:srgbClr val="FF0000"/>
+                        </a:solidFill>
+                      </a:endParaRPr>
+                    </a:p>
+                  </a:txBody>
+                  <a:tcPr/>
+                </a:tc>
+                <a:tc>
+                  <a:txBody>
+                    <a:bodyPr/>
+                    <a:lstStyle/>
+                    <a:p>
+                      <a:r>
+                        <a:rPr lang="fr-FR" dirty="0" err="1"/>
+                        <a:t>BetaCrown</a:t>
+                      </a:r>
+                      <a:r>
+                        <a:rPr lang="fr-FR" dirty="0"/>
+                        <a:t> Pure</a:t>
+                      </a:r>
+                    </a:p>
+                  </a:txBody>
+                  <a:tcPr/>
+                </a:tc>
+                <a:tc>
+                  <a:txBody>
+                    <a:bodyPr/>
+                    <a:lstStyle/>
+                    <a:p>
+                      <a:r>
+                        <a:rPr lang="fr-FR" dirty="0" err="1"/>
+                        <a:t>BetaCrown</a:t>
+                      </a:r>
+                      <a:endParaRPr lang="fr-FR" dirty="0"/>
+                    </a:p>
+                    <a:p>
+                      <a:r>
+                        <a:rPr lang="fr-FR" dirty="0" err="1"/>
+                        <a:t>Refined</a:t>
+                      </a:r>
+                      <a:endParaRPr lang="fr-FR" dirty="0"/>
+                    </a:p>
+                  </a:txBody>
+                  <a:tcPr/>
+                </a:tc>
+                <a:extLst>
+                  <a:ext uri="{0D108BD9-81ED-4DB2-BD59-A6C34878D82A}">
+                    <a16:rowId xmlns:a16="http://schemas.microsoft.com/office/drawing/2014/main" val="848019668"/>
+                  </a:ext>
+                </a:extLst>
+              </a:tr>
+              <a:tr h="370840">
+                <a:tc>
+                  <a:txBody>
+                    <a:bodyPr/>
+                    <a:lstStyle/>
+                    <a:p>
+                      <a:r>
+                        <a:rPr lang="fr-FR" dirty="0"/>
+                        <a:t>5x100</a:t>
+                      </a:r>
+                    </a:p>
+                  </a:txBody>
+                  <a:tcPr/>
+                </a:tc>
+                <a:tc>
+                  <a:txBody>
+                    <a:bodyPr/>
+                    <a:lstStyle/>
+                    <a:p>
+                      <a:r>
+                        <a:rPr lang="fr-FR" dirty="0"/>
+                        <a:t>16% (5s)</a:t>
+                      </a:r>
+                    </a:p>
+                  </a:txBody>
+                  <a:tcPr/>
+                </a:tc>
+                <a:tc>
+                  <a:txBody>
+                    <a:bodyPr/>
+                    <a:lstStyle/>
+                    <a:p>
+                      <a:r>
+                        <a:rPr lang="fr-FR" dirty="0"/>
+                        <a:t>51% (159s)</a:t>
+                      </a:r>
+                    </a:p>
+                  </a:txBody>
+                  <a:tcPr/>
+                </a:tc>
+                <a:tc>
+                  <a:txBody>
+                    <a:bodyPr/>
+                    <a:lstStyle/>
+                    <a:p>
+                      <a:r>
+                        <a:rPr lang="fr-FR" dirty="0">
+                          <a:solidFill>
+                            <a:srgbClr val="FF0000"/>
+                          </a:solidFill>
+                        </a:rPr>
+                        <a:t>65.3% (117s)</a:t>
+                      </a:r>
+                    </a:p>
+                  </a:txBody>
+                  <a:tcPr/>
+                </a:tc>
+                <a:tc>
+                  <a:txBody>
+                    <a:bodyPr/>
+                    <a:lstStyle/>
+                    <a:p>
+                      <a:r>
+                        <a:rPr lang="fr-FR" dirty="0">
+                          <a:solidFill>
+                            <a:srgbClr val="FF0000"/>
+                          </a:solidFill>
+                        </a:rPr>
+                        <a:t>68.4% (142s)</a:t>
+                      </a:r>
+                    </a:p>
+                  </a:txBody>
+                  <a:tcPr/>
+                </a:tc>
+                <a:tc>
+                  <a:txBody>
+                    <a:bodyPr/>
+                    <a:lstStyle/>
+                    <a:p>
+                      <a:r>
+                        <a:rPr lang="fr-FR" dirty="0"/>
+                        <a:t>?</a:t>
+                      </a:r>
+                    </a:p>
+                  </a:txBody>
+                  <a:tcPr/>
+                </a:tc>
+                <a:tc>
+                  <a:txBody>
+                    <a:bodyPr/>
+                    <a:lstStyle/>
+                    <a:p>
+                      <a:r>
+                        <a:rPr lang="fr-FR" b="1" dirty="0"/>
+                        <a:t>69.9%</a:t>
+                      </a:r>
+                      <a:r>
+                        <a:rPr lang="fr-FR" dirty="0"/>
+                        <a:t> (102s)</a:t>
+                      </a:r>
+                    </a:p>
+                  </a:txBody>
+                  <a:tcPr/>
+                </a:tc>
+                <a:extLst>
+                  <a:ext uri="{0D108BD9-81ED-4DB2-BD59-A6C34878D82A}">
+                    <a16:rowId xmlns:a16="http://schemas.microsoft.com/office/drawing/2014/main" val="1625863019"/>
+                  </a:ext>
+                </a:extLst>
+              </a:tr>
+              <a:tr h="370840">
+                <a:tc>
+                  <a:txBody>
+                    <a:bodyPr/>
+                    <a:lstStyle/>
+                    <a:p>
+                      <a:r>
+                        <a:rPr lang="fr-FR" dirty="0"/>
+                        <a:t>5x200</a:t>
+                      </a:r>
+                    </a:p>
+                  </a:txBody>
+                  <a:tcPr/>
+                </a:tc>
+                <a:tc>
+                  <a:txBody>
+                    <a:bodyPr/>
+                    <a:lstStyle/>
+                    <a:p>
+                      <a:r>
+                        <a:rPr lang="fr-FR" dirty="0"/>
+                        <a:t>29.2% (?s)</a:t>
+                      </a:r>
+                    </a:p>
+                  </a:txBody>
+                  <a:tcPr/>
+                </a:tc>
+                <a:tc>
+                  <a:txBody>
+                    <a:bodyPr/>
+                    <a:lstStyle/>
+                    <a:p>
+                      <a:r>
+                        <a:rPr lang="fr-FR" dirty="0"/>
+                        <a:t>69% (224s)</a:t>
+                      </a:r>
+                    </a:p>
+                  </a:txBody>
+                  <a:tcPr/>
+                </a:tc>
+                <a:tc>
+                  <a:txBody>
+                    <a:bodyPr/>
+                    <a:lstStyle/>
+                    <a:p>
+                      <a:r>
+                        <a:rPr lang="fr-FR" dirty="0">
+                          <a:solidFill>
+                            <a:srgbClr val="FF0000"/>
+                          </a:solidFill>
+                        </a:rPr>
+                        <a:t>72% (206s)</a:t>
+                      </a:r>
+                    </a:p>
+                  </a:txBody>
+                  <a:tcPr/>
+                </a:tc>
+                <a:tc>
+                  <a:txBody>
+                    <a:bodyPr/>
+                    <a:lstStyle/>
+                    <a:p>
+                      <a:r>
+                        <a:rPr lang="fr-FR" dirty="0">
+                          <a:solidFill>
+                            <a:srgbClr val="FF0000"/>
+                          </a:solidFill>
+                        </a:rPr>
+                        <a:t>76.8% (279s)</a:t>
+                      </a:r>
+                    </a:p>
+                  </a:txBody>
+                  <a:tcPr/>
+                </a:tc>
+                <a:tc>
+                  <a:txBody>
+                    <a:bodyPr/>
+                    <a:lstStyle/>
+                    <a:p>
+                      <a:r>
+                        <a:rPr lang="fr-FR" dirty="0"/>
+                        <a:t>?</a:t>
+                      </a:r>
+                    </a:p>
+                  </a:txBody>
+                  <a:tcPr/>
+                </a:tc>
+                <a:tc>
+                  <a:txBody>
+                    <a:bodyPr/>
+                    <a:lstStyle/>
+                    <a:p>
+                      <a:r>
+                        <a:rPr lang="fr-FR" b="1" dirty="0"/>
+                        <a:t>77.4%</a:t>
+                      </a:r>
+                      <a:r>
+                        <a:rPr lang="fr-FR" dirty="0"/>
+                        <a:t> (86s)</a:t>
+                      </a:r>
+                    </a:p>
+                  </a:txBody>
+                  <a:tcPr/>
+                </a:tc>
+                <a:extLst>
+                  <a:ext uri="{0D108BD9-81ED-4DB2-BD59-A6C34878D82A}">
+                    <a16:rowId xmlns:a16="http://schemas.microsoft.com/office/drawing/2014/main" val="814878140"/>
+                  </a:ext>
+                </a:extLst>
+              </a:tr>
+              <a:tr h="370840">
+                <a:tc>
+                  <a:txBody>
+                    <a:bodyPr/>
+                    <a:lstStyle/>
+                    <a:p>
+                      <a:r>
+                        <a:rPr lang="fr-FR" dirty="0"/>
+                        <a:t>8x100</a:t>
+                      </a:r>
+                    </a:p>
+                  </a:txBody>
+                  <a:tcPr/>
+                </a:tc>
+                <a:tc>
+                  <a:txBody>
+                    <a:bodyPr/>
+                    <a:lstStyle/>
+                    <a:p>
+                      <a:r>
+                        <a:rPr lang="fr-FR" dirty="0"/>
+                        <a:t>18.2% (11s)</a:t>
+                      </a:r>
+                    </a:p>
+                  </a:txBody>
+                  <a:tcPr/>
+                </a:tc>
+                <a:tc>
+                  <a:txBody>
+                    <a:bodyPr/>
+                    <a:lstStyle/>
+                    <a:p>
+                      <a:r>
+                        <a:rPr lang="fr-FR" dirty="0"/>
+                        <a:t>42.8% (301s)</a:t>
+                      </a:r>
+                    </a:p>
+                  </a:txBody>
+                  <a:tcPr/>
+                </a:tc>
+                <a:tc>
+                  <a:txBody>
+                    <a:bodyPr/>
+                    <a:lstStyle/>
+                    <a:p>
+                      <a:r>
+                        <a:rPr lang="fr-FR" dirty="0">
+                          <a:solidFill>
+                            <a:srgbClr val="FF0000"/>
+                          </a:solidFill>
+                        </a:rPr>
+                        <a:t>61.4% (170s)</a:t>
+                      </a:r>
+                    </a:p>
+                  </a:txBody>
+                  <a:tcPr/>
+                </a:tc>
+                <a:tc>
+                  <a:txBody>
+                    <a:bodyPr/>
+                    <a:lstStyle/>
+                    <a:p>
+                      <a:r>
+                        <a:rPr lang="fr-FR" b="1" dirty="0">
+                          <a:solidFill>
+                            <a:srgbClr val="FF0000"/>
+                          </a:solidFill>
+                        </a:rPr>
+                        <a:t>65.8%</a:t>
+                      </a:r>
+                      <a:r>
+                        <a:rPr lang="fr-FR" dirty="0">
+                          <a:solidFill>
+                            <a:srgbClr val="FF0000"/>
+                          </a:solidFill>
+                        </a:rPr>
+                        <a:t> (346s)</a:t>
+                      </a:r>
+                    </a:p>
+                  </a:txBody>
+                  <a:tcPr/>
+                </a:tc>
+                <a:tc>
+                  <a:txBody>
+                    <a:bodyPr/>
+                    <a:lstStyle/>
+                    <a:p>
+                      <a:r>
+                        <a:rPr lang="fr-FR" dirty="0"/>
+                        <a:t>23.6% (179s)</a:t>
+                      </a:r>
+                    </a:p>
+                  </a:txBody>
+                  <a:tcPr/>
+                </a:tc>
+                <a:tc>
+                  <a:txBody>
+                    <a:bodyPr/>
+                    <a:lstStyle/>
+                    <a:p>
+                      <a:r>
+                        <a:rPr lang="fr-FR" dirty="0"/>
+                        <a:t>62% (103s)</a:t>
+                      </a:r>
+                    </a:p>
+                  </a:txBody>
+                  <a:tcPr/>
+                </a:tc>
+                <a:extLst>
+                  <a:ext uri="{0D108BD9-81ED-4DB2-BD59-A6C34878D82A}">
+                    <a16:rowId xmlns:a16="http://schemas.microsoft.com/office/drawing/2014/main" val="2510630220"/>
+                  </a:ext>
+                </a:extLst>
+              </a:tr>
+              <a:tr h="370840">
+                <a:tc>
+                  <a:txBody>
+                    <a:bodyPr/>
+                    <a:lstStyle/>
+                    <a:p>
+                      <a:r>
+                        <a:rPr lang="fr-FR" dirty="0"/>
+                        <a:t>8x100a</a:t>
+                      </a:r>
+                    </a:p>
+                  </a:txBody>
+                  <a:tcPr/>
+                </a:tc>
+                <a:tc>
+                  <a:txBody>
+                    <a:bodyPr/>
+                    <a:lstStyle/>
+                    <a:p>
+                      <a:r>
+                        <a:rPr lang="fr-FR" dirty="0"/>
+                        <a:t>18.2% (11s)</a:t>
+                      </a:r>
+                    </a:p>
+                  </a:txBody>
+                  <a:tcPr/>
+                </a:tc>
+                <a:tc>
+                  <a:txBody>
+                    <a:bodyPr/>
+                    <a:lstStyle/>
+                    <a:p>
+                      <a:r>
+                        <a:rPr lang="fr-FR" dirty="0"/>
+                        <a:t>42.8% (301s)</a:t>
+                      </a:r>
+                    </a:p>
+                  </a:txBody>
+                  <a:tcPr/>
+                </a:tc>
+                <a:tc>
+                  <a:txBody>
+                    <a:bodyPr/>
+                    <a:lstStyle/>
+                    <a:p>
+                      <a:r>
+                        <a:rPr lang="fr-FR" dirty="0">
+                          <a:solidFill>
+                            <a:srgbClr val="FF0000"/>
+                          </a:solidFill>
+                        </a:rPr>
+                        <a:t>52.7% (92.3s)</a:t>
+                      </a:r>
+                    </a:p>
+                  </a:txBody>
+                  <a:tcPr/>
+                </a:tc>
+                <a:tc>
+                  <a:txBody>
+                    <a:bodyPr/>
+                    <a:lstStyle/>
+                    <a:p>
+                      <a:r>
+                        <a:rPr lang="fr-FR" b="1" dirty="0">
+                          <a:solidFill>
+                            <a:srgbClr val="FF0000"/>
+                          </a:solidFill>
+                        </a:rPr>
+                        <a:t>59.7%</a:t>
+                      </a:r>
+                      <a:r>
+                        <a:rPr lang="fr-FR" dirty="0">
+                          <a:solidFill>
+                            <a:srgbClr val="FF0000"/>
+                          </a:solidFill>
+                        </a:rPr>
+                        <a:t> (179s)</a:t>
+                      </a:r>
+                    </a:p>
+                  </a:txBody>
+                  <a:tcPr/>
+                </a:tc>
+                <a:tc>
+                  <a:txBody>
+                    <a:bodyPr/>
+                    <a:lstStyle/>
+                    <a:p>
+                      <a:r>
+                        <a:rPr lang="fr-FR" dirty="0"/>
+                        <a:t>23.6% (179s)</a:t>
+                      </a:r>
+                    </a:p>
+                  </a:txBody>
+                  <a:tcPr/>
+                </a:tc>
+                <a:tc>
+                  <a:txBody>
+                    <a:bodyPr/>
+                    <a:lstStyle/>
+                    <a:p>
+                      <a:r>
+                        <a:rPr lang="fr-FR" dirty="0"/>
+                        <a:t>62% (103s)</a:t>
+                      </a:r>
+                    </a:p>
+                  </a:txBody>
+                  <a:tcPr/>
+                </a:tc>
+                <a:extLst>
+                  <a:ext uri="{0D108BD9-81ED-4DB2-BD59-A6C34878D82A}">
+                    <a16:rowId xmlns:a16="http://schemas.microsoft.com/office/drawing/2014/main" val="2677225829"/>
+                  </a:ext>
+                </a:extLst>
+              </a:tr>
+              <a:tr h="370840">
+                <a:tc>
+                  <a:txBody>
+                    <a:bodyPr/>
+                    <a:lstStyle/>
+                    <a:p>
+                      <a:r>
+                        <a:rPr lang="fr-FR" dirty="0"/>
+                        <a:t>8x200</a:t>
+                      </a:r>
+                    </a:p>
+                  </a:txBody>
+                  <a:tcPr/>
+                </a:tc>
+                <a:tc>
+                  <a:txBody>
+                    <a:bodyPr/>
+                    <a:lstStyle/>
+                    <a:p>
+                      <a:r>
+                        <a:rPr lang="fr-FR" dirty="0"/>
+                        <a:t>25.9% (17s)</a:t>
+                      </a:r>
+                    </a:p>
+                  </a:txBody>
+                  <a:tcPr/>
+                </a:tc>
+                <a:tc>
+                  <a:txBody>
+                    <a:bodyPr/>
+                    <a:lstStyle/>
+                    <a:p>
+                      <a:r>
+                        <a:rPr lang="fr-FR" dirty="0"/>
+                        <a:t>62.4% (395s)</a:t>
+                      </a:r>
+                    </a:p>
+                  </a:txBody>
+                  <a:tcPr/>
+                </a:tc>
+                <a:tc>
+                  <a:txBody>
+                    <a:bodyPr/>
+                    <a:lstStyle/>
+                    <a:p>
+                      <a:r>
+                        <a:rPr lang="fr-FR" dirty="0">
+                          <a:solidFill>
+                            <a:srgbClr val="FF0000"/>
+                          </a:solidFill>
+                        </a:rPr>
+                        <a:t>68.1% (297s)</a:t>
+                      </a:r>
+                    </a:p>
+                  </a:txBody>
+                  <a:tcPr/>
+                </a:tc>
+                <a:tc>
+                  <a:txBody>
+                    <a:bodyPr/>
+                    <a:lstStyle/>
+                    <a:p>
+                      <a:r>
+                        <a:rPr lang="fr-FR" b="1" dirty="0">
+                          <a:solidFill>
+                            <a:srgbClr val="FF0000"/>
+                          </a:solidFill>
+                        </a:rPr>
+                        <a:t>79.1%</a:t>
+                      </a:r>
+                      <a:r>
+                        <a:rPr lang="fr-FR" dirty="0">
+                          <a:solidFill>
+                            <a:srgbClr val="FF0000"/>
+                          </a:solidFill>
+                        </a:rPr>
+                        <a:t> (535s)</a:t>
+                      </a:r>
+                    </a:p>
+                  </a:txBody>
+                  <a:tcPr/>
+                </a:tc>
+                <a:tc>
+                  <a:txBody>
+                    <a:bodyPr/>
+                    <a:lstStyle/>
+                    <a:p>
+                      <a:r>
+                        <a:rPr lang="fr-FR" dirty="0"/>
+                        <a:t>?</a:t>
+                      </a:r>
+                    </a:p>
+                  </a:txBody>
+                  <a:tcPr/>
+                </a:tc>
+                <a:tc>
+                  <a:txBody>
+                    <a:bodyPr/>
+                    <a:lstStyle/>
+                    <a:p>
+                      <a:r>
+                        <a:rPr lang="fr-FR" dirty="0"/>
+                        <a:t>73.5% (95s)</a:t>
+                      </a:r>
+                    </a:p>
+                  </a:txBody>
+                  <a:tcPr/>
+                </a:tc>
+                <a:extLst>
+                  <a:ext uri="{0D108BD9-81ED-4DB2-BD59-A6C34878D82A}">
+                    <a16:rowId xmlns:a16="http://schemas.microsoft.com/office/drawing/2014/main" val="2004638355"/>
+                  </a:ext>
+                </a:extLst>
+              </a:tr>
+              <a:tr h="370840">
+                <a:tc>
+                  <a:txBody>
+                    <a:bodyPr/>
+                    <a:lstStyle/>
+                    <a:p>
+                      <a:r>
+                        <a:rPr lang="fr-FR" dirty="0"/>
+                        <a:t>5x500</a:t>
+                      </a:r>
+                    </a:p>
+                  </a:txBody>
+                  <a:tcPr/>
+                </a:tc>
+                <a:tc>
+                  <a:txBody>
+                    <a:bodyPr/>
+                    <a:lstStyle/>
+                    <a:p>
+                      <a:endParaRPr lang="fr-FR" dirty="0"/>
+                    </a:p>
+                  </a:txBody>
+                  <a:tcPr/>
+                </a:tc>
+                <a:tc>
+                  <a:txBody>
+                    <a:bodyPr/>
+                    <a:lstStyle/>
+                    <a:p>
+                      <a:endParaRPr lang="fr-FR" dirty="0"/>
+                    </a:p>
+                  </a:txBody>
+                  <a:tcPr/>
+                </a:tc>
+                <a:tc>
+                  <a:txBody>
+                    <a:bodyPr/>
+                    <a:lstStyle/>
+                    <a:p>
+                      <a:endParaRPr lang="fr-FR" dirty="0">
+                        <a:solidFill>
+                          <a:srgbClr val="FF0000"/>
+                        </a:solidFill>
+                      </a:endParaRPr>
+                    </a:p>
+                  </a:txBody>
+                  <a:tcPr/>
+                </a:tc>
+                <a:tc>
+                  <a:txBody>
+                    <a:bodyPr/>
+                    <a:lstStyle/>
+                    <a:p>
+                      <a:endParaRPr lang="fr-FR" dirty="0">
+                        <a:solidFill>
+                          <a:srgbClr val="FF0000"/>
+                        </a:solidFill>
+                      </a:endParaRPr>
+                    </a:p>
+                  </a:txBody>
+                  <a:tcPr/>
+                </a:tc>
+                <a:tc>
+                  <a:txBody>
+                    <a:bodyPr/>
+                    <a:lstStyle/>
+                    <a:p>
+                      <a:endParaRPr lang="fr-FR" dirty="0"/>
+                    </a:p>
+                  </a:txBody>
+                  <a:tcPr/>
+                </a:tc>
+                <a:tc>
+                  <a:txBody>
+                    <a:bodyPr/>
+                    <a:lstStyle/>
+                    <a:p>
+                      <a:r>
+                        <a:rPr lang="fr-FR" dirty="0"/>
+                        <a:t>fail</a:t>
+                      </a:r>
+                    </a:p>
+                  </a:txBody>
+                  <a:tcPr/>
+                </a:tc>
+                <a:extLst>
+                  <a:ext uri="{0D108BD9-81ED-4DB2-BD59-A6C34878D82A}">
+                    <a16:rowId xmlns:a16="http://schemas.microsoft.com/office/drawing/2014/main" val="2170465983"/>
+                  </a:ext>
+                </a:extLst>
+              </a:tr>
+              <a:tr h="370840">
+                <a:tc>
+                  <a:txBody>
+                    <a:bodyPr/>
+                    <a:lstStyle/>
+                    <a:p>
+                      <a:r>
+                        <a:rPr lang="fr-FR" dirty="0"/>
+                        <a:t>4x1024</a:t>
+                      </a:r>
+                    </a:p>
+                  </a:txBody>
+                  <a:tcPr/>
+                </a:tc>
+                <a:tc>
+                  <a:txBody>
+                    <a:bodyPr/>
+                    <a:lstStyle/>
+                    <a:p>
+                      <a:endParaRPr lang="fr-FR" dirty="0"/>
+                    </a:p>
+                  </a:txBody>
+                  <a:tcPr/>
+                </a:tc>
+                <a:tc>
+                  <a:txBody>
+                    <a:bodyPr/>
+                    <a:lstStyle/>
+                    <a:p>
+                      <a:endParaRPr lang="fr-FR" dirty="0"/>
+                    </a:p>
+                  </a:txBody>
+                  <a:tcPr/>
+                </a:tc>
+                <a:tc>
+                  <a:txBody>
+                    <a:bodyPr/>
+                    <a:lstStyle/>
+                    <a:p>
+                      <a:endParaRPr lang="fr-FR" dirty="0">
+                        <a:solidFill>
+                          <a:srgbClr val="FF0000"/>
+                        </a:solidFill>
+                      </a:endParaRPr>
+                    </a:p>
+                  </a:txBody>
+                  <a:tcPr/>
+                </a:tc>
+                <a:tc>
+                  <a:txBody>
+                    <a:bodyPr/>
+                    <a:lstStyle/>
+                    <a:p>
+                      <a:endParaRPr lang="fr-FR" dirty="0">
+                        <a:solidFill>
+                          <a:srgbClr val="FF0000"/>
+                        </a:solidFill>
+                      </a:endParaRPr>
+                    </a:p>
+                  </a:txBody>
+                  <a:tcPr/>
+                </a:tc>
+                <a:tc>
+                  <a:txBody>
+                    <a:bodyPr/>
+                    <a:lstStyle/>
+                    <a:p>
+                      <a:endParaRPr lang="fr-FR" dirty="0"/>
+                    </a:p>
+                  </a:txBody>
+                  <a:tcPr/>
+                </a:tc>
+                <a:tc>
+                  <a:txBody>
+                    <a:bodyPr/>
+                    <a:lstStyle/>
+                    <a:p>
+                      <a:endParaRPr lang="fr-FR" dirty="0"/>
+                    </a:p>
+                  </a:txBody>
+                  <a:tcPr/>
+                </a:tc>
+                <a:extLst>
+                  <a:ext uri="{0D108BD9-81ED-4DB2-BD59-A6C34878D82A}">
+                    <a16:rowId xmlns:a16="http://schemas.microsoft.com/office/drawing/2014/main" val="2429198849"/>
+                  </a:ext>
+                </a:extLst>
+              </a:tr>
+            </a:tbl>
+          </a:graphicData>
+        </a:graphic>
+      </p:graphicFrame>
+    </p:spTree>
+    <p:extLst>
+      <p:ext uri="{BB962C8B-B14F-4D97-AF65-F5344CB8AC3E}">
+        <p14:creationId xmlns:p14="http://schemas.microsoft.com/office/powerpoint/2010/main" val="2701915099"/>
+      </p:ext>
+    </p:extLst>
+  </p:cSld>
+  <p:clrMapOvr>
+    <a:masterClrMapping/>
+  </p:clrMapOvr>
+</p:sld>
+</file>
+
+<file path=ppt/slides/slide12.xml><?xml version="1.0" encoding="utf-8"?>
+<p:sld xmlns:a="http://schemas.openxmlformats.org/drawingml/2006/main" xmlns:r="http://schemas.openxmlformats.org/officeDocument/2006/relationships" xmlns:p="http://schemas.openxmlformats.org/presentationml/2006/main">
+  <p:cSld>
+    <p:spTree>
+      <p:nvGrpSpPr>
+        <p:cNvPr id="1" name=""/>
+        <p:cNvGrpSpPr/>
+        <p:nvPr/>
+      </p:nvGrpSpPr>
+      <p:grpSpPr>
+        <a:xfrm>
+          <a:off x="0" y="0"/>
+          <a:ext cx="0" cy="0"/>
+          <a:chOff x="0" y="0"/>
+          <a:chExt cx="0" cy="0"/>
+        </a:xfrm>
+      </p:grpSpPr>
+      <p:sp>
+        <p:nvSpPr>
+          <p:cNvPr id="2" name="Titre 1">
+            <a:extLst>
+              <a:ext uri="{FF2B5EF4-FFF2-40B4-BE49-F238E27FC236}">
+                <a16:creationId xmlns:a16="http://schemas.microsoft.com/office/drawing/2014/main" id="{5DA5B103-927A-AB83-2E76-68ACCCF7CE34}"/>
+              </a:ext>
+            </a:extLst>
+          </p:cNvPr>
+          <p:cNvSpPr>
+            <a:spLocks noGrp="1"/>
+          </p:cNvSpPr>
+          <p:nvPr>
+            <p:ph type="title"/>
+          </p:nvPr>
+        </p:nvSpPr>
+        <p:spPr/>
+        <p:txBody>
+          <a:bodyPr/>
+          <a:lstStyle/>
+          <a:p>
+            <a:r>
+              <a:rPr lang="fr-FR" dirty="0" err="1"/>
+              <a:t>Overall</a:t>
+            </a:r>
+            <a:r>
+              <a:rPr lang="fr-FR" dirty="0"/>
+              <a:t> </a:t>
+            </a:r>
+            <a:r>
+              <a:rPr lang="fr-FR" dirty="0" err="1"/>
+              <a:t>Recap</a:t>
+            </a:r>
+            <a:endParaRPr lang="fr-FR" dirty="0"/>
+          </a:p>
+        </p:txBody>
+      </p:sp>
+      <p:graphicFrame>
+        <p:nvGraphicFramePr>
+          <p:cNvPr id="4" name="Tableau 3">
+            <a:extLst>
+              <a:ext uri="{FF2B5EF4-FFF2-40B4-BE49-F238E27FC236}">
+                <a16:creationId xmlns:a16="http://schemas.microsoft.com/office/drawing/2014/main" id="{770946E4-6F4A-C224-1E6D-38AB64FB211F}"/>
+              </a:ext>
+            </a:extLst>
+          </p:cNvPr>
+          <p:cNvGraphicFramePr>
+            <a:graphicFrameLocks noGrp="1"/>
+          </p:cNvGraphicFramePr>
+          <p:nvPr>
+            <p:extLst>
+              <p:ext uri="{D42A27DB-BD31-4B8C-83A1-F6EECF244321}">
+                <p14:modId xmlns:p14="http://schemas.microsoft.com/office/powerpoint/2010/main" val="1416724478"/>
+              </p:ext>
+            </p:extLst>
+          </p:nvPr>
+        </p:nvGraphicFramePr>
+        <p:xfrm>
+          <a:off x="162838" y="1909638"/>
+          <a:ext cx="11943567" cy="3307080"/>
+        </p:xfrm>
+        <a:graphic>
+          <a:graphicData uri="http://schemas.openxmlformats.org/drawingml/2006/table">
+            <a:tbl>
+              <a:tblPr firstRow="1" bandRow="1">
+                <a:tableStyleId>{5C22544A-7EE6-4342-B048-85BDC9FD1C3A}</a:tableStyleId>
+              </a:tblPr>
+              <a:tblGrid>
+                <a:gridCol w="759102">
+                  <a:extLst>
+                    <a:ext uri="{9D8B030D-6E8A-4147-A177-3AD203B41FA5}">
+                      <a16:colId xmlns:a16="http://schemas.microsoft.com/office/drawing/2014/main" val="2990901885"/>
+                    </a:ext>
+                  </a:extLst>
+                </a:gridCol>
+                <a:gridCol w="1190534">
+                  <a:extLst>
+                    <a:ext uri="{9D8B030D-6E8A-4147-A177-3AD203B41FA5}">
+                      <a16:colId xmlns:a16="http://schemas.microsoft.com/office/drawing/2014/main" val="440124593"/>
+                    </a:ext>
+                  </a:extLst>
+                </a:gridCol>
+                <a:gridCol w="1348908">
+                  <a:extLst>
+                    <a:ext uri="{9D8B030D-6E8A-4147-A177-3AD203B41FA5}">
+                      <a16:colId xmlns:a16="http://schemas.microsoft.com/office/drawing/2014/main" val="4091603951"/>
+                    </a:ext>
+                  </a:extLst>
+                </a:gridCol>
+                <a:gridCol w="1736919">
+                  <a:extLst>
+                    <a:ext uri="{9D8B030D-6E8A-4147-A177-3AD203B41FA5}">
+                      <a16:colId xmlns:a16="http://schemas.microsoft.com/office/drawing/2014/main" val="2146285942"/>
+                    </a:ext>
+                  </a:extLst>
+                </a:gridCol>
+                <a:gridCol w="1628384">
+                  <a:extLst>
+                    <a:ext uri="{9D8B030D-6E8A-4147-A177-3AD203B41FA5}">
+                      <a16:colId xmlns:a16="http://schemas.microsoft.com/office/drawing/2014/main" val="3861335404"/>
+                    </a:ext>
+                  </a:extLst>
+                </a:gridCol>
+                <a:gridCol w="1622120">
+                  <a:extLst>
+                    <a:ext uri="{9D8B030D-6E8A-4147-A177-3AD203B41FA5}">
+                      <a16:colId xmlns:a16="http://schemas.microsoft.com/office/drawing/2014/main" val="1995644563"/>
+                    </a:ext>
+                  </a:extLst>
+                </a:gridCol>
+                <a:gridCol w="1703540">
+                  <a:extLst>
+                    <a:ext uri="{9D8B030D-6E8A-4147-A177-3AD203B41FA5}">
+                      <a16:colId xmlns:a16="http://schemas.microsoft.com/office/drawing/2014/main" val="3458033308"/>
+                    </a:ext>
+                  </a:extLst>
+                </a:gridCol>
+                <a:gridCol w="1954060">
+                  <a:extLst>
+                    <a:ext uri="{9D8B030D-6E8A-4147-A177-3AD203B41FA5}">
+                      <a16:colId xmlns:a16="http://schemas.microsoft.com/office/drawing/2014/main" val="2415378356"/>
+                    </a:ext>
+                  </a:extLst>
+                </a:gridCol>
+              </a:tblGrid>
+              <a:tr h="370840">
+                <a:tc>
+                  <a:txBody>
+                    <a:bodyPr/>
+                    <a:lstStyle/>
+                    <a:p>
+                      <a:endParaRPr lang="fr-FR" dirty="0"/>
+                    </a:p>
+                  </a:txBody>
+                  <a:tcPr/>
+                </a:tc>
+                <a:tc>
+                  <a:txBody>
+                    <a:bodyPr/>
+                    <a:lstStyle/>
+                    <a:p>
+                      <a:r>
+                        <a:rPr lang="fr-FR" dirty="0" err="1"/>
+                        <a:t>DeepPoly</a:t>
+                      </a:r>
+                      <a:endParaRPr lang="fr-FR" dirty="0"/>
+                    </a:p>
+                    <a:p>
+                      <a:r>
+                        <a:rPr lang="fr-FR" dirty="0"/>
+                        <a:t>Our </a:t>
+                      </a:r>
+                      <a:r>
+                        <a:rPr lang="fr-FR" dirty="0" err="1"/>
+                        <a:t>imp</a:t>
+                      </a:r>
+                      <a:endParaRPr lang="fr-FR" dirty="0"/>
+                    </a:p>
+                  </a:txBody>
+                  <a:tcPr/>
+                </a:tc>
+                <a:tc>
+                  <a:txBody>
+                    <a:bodyPr/>
+                    <a:lstStyle/>
+                    <a:p>
+                      <a:r>
+                        <a:rPr lang="fr-FR" dirty="0"/>
+                        <a:t>PRIMA 2021</a:t>
+                      </a:r>
+                    </a:p>
+                    <a:p>
+                      <a:r>
+                        <a:rPr lang="fr-FR" dirty="0" err="1"/>
+                        <a:t>refined</a:t>
+                      </a:r>
+                      <a:endParaRPr lang="fr-FR" dirty="0"/>
+                    </a:p>
+                  </a:txBody>
+                  <a:tcPr/>
+                </a:tc>
+                <a:tc>
+                  <a:txBody>
+                    <a:bodyPr/>
+                    <a:lstStyle/>
+                    <a:p>
+                      <a:r>
+                        <a:rPr lang="fr-FR" dirty="0" err="1">
+                          <a:solidFill>
+                            <a:srgbClr val="FF0000"/>
+                          </a:solidFill>
+                        </a:rPr>
+                        <a:t>VeryComp</a:t>
+                      </a:r>
+                      <a:endParaRPr lang="fr-FR" dirty="0">
+                        <a:solidFill>
+                          <a:srgbClr val="FF0000"/>
+                        </a:solidFill>
+                      </a:endParaRPr>
+                    </a:p>
+                    <a:p>
+                      <a:r>
+                        <a:rPr lang="fr-FR" dirty="0">
+                          <a:solidFill>
+                            <a:srgbClr val="FF0000"/>
+                          </a:solidFill>
+                        </a:rPr>
+                        <a:t>Fast </a:t>
+                      </a:r>
+                      <a:r>
+                        <a:rPr lang="fr-FR" dirty="0" err="1">
+                          <a:solidFill>
+                            <a:srgbClr val="FF0000"/>
+                          </a:solidFill>
+                        </a:rPr>
+                        <a:t>adapt</a:t>
+                      </a:r>
+                      <a:endParaRPr lang="fr-FR" dirty="0">
+                        <a:solidFill>
+                          <a:srgbClr val="FF0000"/>
+                        </a:solidFill>
+                      </a:endParaRPr>
+                    </a:p>
+                  </a:txBody>
+                  <a:tcPr/>
+                </a:tc>
+                <a:tc>
+                  <a:txBody>
+                    <a:bodyPr/>
+                    <a:lstStyle/>
+                    <a:p>
+                      <a:r>
+                        <a:rPr lang="fr-FR" dirty="0" err="1">
+                          <a:solidFill>
+                            <a:srgbClr val="FF0000"/>
+                          </a:solidFill>
+                        </a:rPr>
+                        <a:t>VeryComp</a:t>
+                      </a:r>
+                      <a:endParaRPr lang="fr-FR" dirty="0">
+                        <a:solidFill>
+                          <a:srgbClr val="FF0000"/>
+                        </a:solidFill>
+                      </a:endParaRPr>
+                    </a:p>
+                    <a:p>
+                      <a:r>
+                        <a:rPr lang="fr-FR" dirty="0" err="1">
+                          <a:solidFill>
+                            <a:srgbClr val="FF0000"/>
+                          </a:solidFill>
+                        </a:rPr>
+                        <a:t>Fast+Slow</a:t>
+                      </a:r>
+                      <a:endParaRPr lang="fr-FR" dirty="0">
+                        <a:solidFill>
+                          <a:srgbClr val="FF0000"/>
+                        </a:solidFill>
+                      </a:endParaRPr>
+                    </a:p>
+                    <a:p>
+                      <a:r>
+                        <a:rPr lang="fr-FR" dirty="0" err="1">
+                          <a:solidFill>
+                            <a:srgbClr val="FF0000"/>
+                          </a:solidFill>
+                        </a:rPr>
+                        <a:t>adapt</a:t>
+                      </a:r>
+                      <a:endParaRPr lang="fr-FR" dirty="0">
+                        <a:solidFill>
+                          <a:srgbClr val="FF0000"/>
+                        </a:solidFill>
+                      </a:endParaRPr>
+                    </a:p>
+                  </a:txBody>
+                  <a:tcPr/>
+                </a:tc>
+                <a:tc>
+                  <a:txBody>
+                    <a:bodyPr/>
+                    <a:lstStyle/>
+                    <a:p>
+                      <a:r>
+                        <a:rPr lang="fr-FR" dirty="0" err="1">
+                          <a:solidFill>
+                            <a:srgbClr val="FF0000"/>
+                          </a:solidFill>
+                        </a:rPr>
+                        <a:t>VeryComp</a:t>
+                      </a:r>
+                      <a:endParaRPr lang="fr-FR" dirty="0">
+                        <a:solidFill>
+                          <a:srgbClr val="FF0000"/>
+                        </a:solidFill>
+                      </a:endParaRPr>
+                    </a:p>
+                    <a:p>
+                      <a:r>
+                        <a:rPr lang="fr-FR" dirty="0" err="1">
+                          <a:solidFill>
+                            <a:srgbClr val="FF0000"/>
+                          </a:solidFill>
+                        </a:rPr>
+                        <a:t>Fast+Slow</a:t>
+                      </a:r>
+                      <a:endParaRPr lang="fr-FR" dirty="0">
+                        <a:solidFill>
+                          <a:srgbClr val="FF0000"/>
+                        </a:solidFill>
+                      </a:endParaRPr>
+                    </a:p>
+                    <a:p>
+                      <a:r>
+                        <a:rPr lang="fr-FR" dirty="0" err="1">
+                          <a:solidFill>
+                            <a:srgbClr val="FF0000"/>
+                          </a:solidFill>
+                        </a:rPr>
+                        <a:t>fixed</a:t>
+                      </a:r>
+                      <a:endParaRPr lang="fr-FR" dirty="0">
+                        <a:solidFill>
+                          <a:srgbClr val="FF0000"/>
+                        </a:solidFill>
+                      </a:endParaRPr>
+                    </a:p>
+                  </a:txBody>
+                  <a:tcPr/>
+                </a:tc>
+                <a:tc>
+                  <a:txBody>
+                    <a:bodyPr/>
+                    <a:lstStyle/>
+                    <a:p>
+                      <a:r>
+                        <a:rPr lang="fr-FR" dirty="0" err="1"/>
+                        <a:t>BetaCrown</a:t>
+                      </a:r>
+                      <a:r>
+                        <a:rPr lang="fr-FR" dirty="0"/>
+                        <a:t> </a:t>
+                      </a:r>
+                    </a:p>
+                    <a:p>
+                      <a:r>
+                        <a:rPr lang="fr-FR" dirty="0"/>
+                        <a:t>Pure</a:t>
+                      </a:r>
+                    </a:p>
+                  </a:txBody>
+                  <a:tcPr/>
+                </a:tc>
+                <a:tc>
+                  <a:txBody>
+                    <a:bodyPr/>
+                    <a:lstStyle/>
+                    <a:p>
+                      <a:r>
+                        <a:rPr lang="fr-FR" dirty="0" err="1"/>
+                        <a:t>BetaCrown</a:t>
+                      </a:r>
+                      <a:endParaRPr lang="fr-FR" dirty="0"/>
+                    </a:p>
+                    <a:p>
+                      <a:r>
+                        <a:rPr lang="fr-FR" dirty="0" err="1"/>
+                        <a:t>Refined</a:t>
+                      </a:r>
+                      <a:endParaRPr lang="fr-FR" dirty="0"/>
+                    </a:p>
+                  </a:txBody>
+                  <a:tcPr/>
+                </a:tc>
+                <a:extLst>
+                  <a:ext uri="{0D108BD9-81ED-4DB2-BD59-A6C34878D82A}">
+                    <a16:rowId xmlns:a16="http://schemas.microsoft.com/office/drawing/2014/main" val="848019668"/>
+                  </a:ext>
+                </a:extLst>
+              </a:tr>
+              <a:tr h="370840">
+                <a:tc>
+                  <a:txBody>
+                    <a:bodyPr/>
+                    <a:lstStyle/>
+                    <a:p>
+                      <a:r>
+                        <a:rPr lang="fr-FR" dirty="0"/>
+                        <a:t>5x100</a:t>
+                      </a:r>
+                    </a:p>
+                  </a:txBody>
+                  <a:tcPr/>
+                </a:tc>
+                <a:tc>
+                  <a:txBody>
+                    <a:bodyPr/>
+                    <a:lstStyle/>
+                    <a:p>
+                      <a:r>
+                        <a:rPr lang="fr-FR" dirty="0"/>
+                        <a:t>16% (5s)</a:t>
+                      </a:r>
+                    </a:p>
+                  </a:txBody>
+                  <a:tcPr/>
+                </a:tc>
+                <a:tc>
+                  <a:txBody>
+                    <a:bodyPr/>
+                    <a:lstStyle/>
+                    <a:p>
+                      <a:r>
+                        <a:rPr lang="fr-FR" dirty="0"/>
+                        <a:t>51% (159s)</a:t>
+                      </a:r>
+                    </a:p>
+                  </a:txBody>
+                  <a:tcPr/>
+                </a:tc>
+                <a:tc>
+                  <a:txBody>
+                    <a:bodyPr/>
+                    <a:lstStyle/>
+                    <a:p>
+                      <a:endParaRPr lang="fr-FR" dirty="0">
+                        <a:solidFill>
+                          <a:schemeClr val="bg1">
+                            <a:lumMod val="75000"/>
+                          </a:schemeClr>
+                        </a:solidFill>
+                      </a:endParaRPr>
+                    </a:p>
+                  </a:txBody>
+                  <a:tcPr/>
+                </a:tc>
+                <a:tc>
+                  <a:txBody>
+                    <a:bodyPr/>
+                    <a:lstStyle/>
+                    <a:p>
+                      <a:r>
+                        <a:rPr lang="fr-FR" dirty="0">
+                          <a:solidFill>
+                            <a:schemeClr val="bg1">
+                              <a:lumMod val="75000"/>
+                            </a:schemeClr>
+                          </a:solidFill>
+                        </a:rPr>
+                        <a:t>65.3% (117s)</a:t>
+                      </a:r>
+                    </a:p>
+                  </a:txBody>
+                  <a:tcPr/>
+                </a:tc>
+                <a:tc>
+                  <a:txBody>
+                    <a:bodyPr/>
+                    <a:lstStyle/>
+                    <a:p>
+                      <a:r>
+                        <a:rPr lang="fr-FR" dirty="0">
+                          <a:solidFill>
+                            <a:srgbClr val="FF0000"/>
+                          </a:solidFill>
+                        </a:rPr>
+                        <a:t>68.4% (142s)</a:t>
+                      </a:r>
+                    </a:p>
+                  </a:txBody>
+                  <a:tcPr/>
+                </a:tc>
+                <a:tc>
+                  <a:txBody>
+                    <a:bodyPr/>
+                    <a:lstStyle/>
+                    <a:p>
+                      <a:r>
+                        <a:rPr lang="fr-FR" dirty="0"/>
+                        <a:t>?</a:t>
+                      </a:r>
+                    </a:p>
+                  </a:txBody>
+                  <a:tcPr/>
+                </a:tc>
+                <a:tc>
+                  <a:txBody>
+                    <a:bodyPr/>
+                    <a:lstStyle/>
+                    <a:p>
+                      <a:r>
+                        <a:rPr lang="fr-FR" b="1" dirty="0"/>
+                        <a:t>69.9%</a:t>
+                      </a:r>
+                      <a:r>
+                        <a:rPr lang="fr-FR" dirty="0"/>
+                        <a:t> (102s)</a:t>
+                      </a:r>
+                    </a:p>
+                  </a:txBody>
+                  <a:tcPr/>
+                </a:tc>
+                <a:extLst>
+                  <a:ext uri="{0D108BD9-81ED-4DB2-BD59-A6C34878D82A}">
+                    <a16:rowId xmlns:a16="http://schemas.microsoft.com/office/drawing/2014/main" val="1625863019"/>
+                  </a:ext>
+                </a:extLst>
+              </a:tr>
+              <a:tr h="370840">
+                <a:tc>
+                  <a:txBody>
+                    <a:bodyPr/>
+                    <a:lstStyle/>
+                    <a:p>
+                      <a:r>
+                        <a:rPr lang="fr-FR" dirty="0"/>
+                        <a:t>5x200</a:t>
+                      </a:r>
+                    </a:p>
+                  </a:txBody>
+                  <a:tcPr/>
+                </a:tc>
+                <a:tc>
+                  <a:txBody>
+                    <a:bodyPr/>
+                    <a:lstStyle/>
+                    <a:p>
+                      <a:r>
+                        <a:rPr lang="fr-FR" dirty="0"/>
+                        <a:t>29.2% (?s)</a:t>
+                      </a:r>
+                    </a:p>
+                  </a:txBody>
+                  <a:tcPr/>
+                </a:tc>
+                <a:tc>
+                  <a:txBody>
+                    <a:bodyPr/>
+                    <a:lstStyle/>
+                    <a:p>
+                      <a:r>
+                        <a:rPr lang="fr-FR" dirty="0"/>
+                        <a:t>69% (224s)</a:t>
+                      </a:r>
+                    </a:p>
+                  </a:txBody>
+                  <a:tcPr/>
+                </a:tc>
+                <a:tc>
+                  <a:txBody>
+                    <a:bodyPr/>
+                    <a:lstStyle/>
+                    <a:p>
+                      <a:endParaRPr lang="fr-FR" dirty="0">
+                        <a:solidFill>
+                          <a:schemeClr val="bg1">
+                            <a:lumMod val="75000"/>
+                          </a:schemeClr>
+                        </a:solidFill>
+                      </a:endParaRPr>
+                    </a:p>
+                  </a:txBody>
+                  <a:tcPr/>
+                </a:tc>
+                <a:tc>
+                  <a:txBody>
+                    <a:bodyPr/>
+                    <a:lstStyle/>
+                    <a:p>
+                      <a:r>
+                        <a:rPr lang="fr-FR" dirty="0">
+                          <a:solidFill>
+                            <a:schemeClr val="bg1">
+                              <a:lumMod val="75000"/>
+                            </a:schemeClr>
+                          </a:solidFill>
+                        </a:rPr>
+                        <a:t>72% (206s)</a:t>
+                      </a:r>
+                    </a:p>
+                  </a:txBody>
+                  <a:tcPr/>
+                </a:tc>
+                <a:tc>
+                  <a:txBody>
+                    <a:bodyPr/>
+                    <a:lstStyle/>
+                    <a:p>
+                      <a:r>
+                        <a:rPr lang="fr-FR" dirty="0">
+                          <a:solidFill>
+                            <a:srgbClr val="FF0000"/>
+                          </a:solidFill>
+                        </a:rPr>
+                        <a:t>76.8% (279s)</a:t>
+                      </a:r>
+                    </a:p>
+                  </a:txBody>
+                  <a:tcPr/>
+                </a:tc>
+                <a:tc>
+                  <a:txBody>
+                    <a:bodyPr/>
+                    <a:lstStyle/>
+                    <a:p>
+                      <a:r>
+                        <a:rPr lang="fr-FR" dirty="0"/>
+                        <a:t>?</a:t>
+                      </a:r>
+                    </a:p>
+                  </a:txBody>
+                  <a:tcPr/>
+                </a:tc>
+                <a:tc>
+                  <a:txBody>
+                    <a:bodyPr/>
+                    <a:lstStyle/>
+                    <a:p>
+                      <a:r>
+                        <a:rPr lang="fr-FR" b="1" dirty="0"/>
+                        <a:t>77.4%</a:t>
+                      </a:r>
+                      <a:r>
+                        <a:rPr lang="fr-FR" dirty="0"/>
+                        <a:t> (86s)</a:t>
+                      </a:r>
+                    </a:p>
+                  </a:txBody>
+                  <a:tcPr/>
+                </a:tc>
+                <a:extLst>
+                  <a:ext uri="{0D108BD9-81ED-4DB2-BD59-A6C34878D82A}">
+                    <a16:rowId xmlns:a16="http://schemas.microsoft.com/office/drawing/2014/main" val="814878140"/>
+                  </a:ext>
+                </a:extLst>
+              </a:tr>
+              <a:tr h="370840">
+                <a:tc>
+                  <a:txBody>
+                    <a:bodyPr/>
+                    <a:lstStyle/>
+                    <a:p>
+                      <a:r>
+                        <a:rPr lang="fr-FR" dirty="0"/>
+                        <a:t>8x100</a:t>
+                      </a:r>
+                    </a:p>
+                  </a:txBody>
+                  <a:tcPr/>
+                </a:tc>
+                <a:tc>
+                  <a:txBody>
+                    <a:bodyPr/>
+                    <a:lstStyle/>
+                    <a:p>
+                      <a:r>
+                        <a:rPr lang="fr-FR" dirty="0"/>
+                        <a:t>18.2% (11s)</a:t>
+                      </a:r>
+                    </a:p>
+                  </a:txBody>
+                  <a:tcPr/>
+                </a:tc>
+                <a:tc>
+                  <a:txBody>
+                    <a:bodyPr/>
+                    <a:lstStyle/>
+                    <a:p>
+                      <a:r>
+                        <a:rPr lang="fr-FR" dirty="0"/>
+                        <a:t>42.8% (301s)</a:t>
+                      </a:r>
+                    </a:p>
+                  </a:txBody>
+                  <a:tcPr/>
+                </a:tc>
+                <a:tc>
+                  <a:txBody>
+                    <a:bodyPr/>
+                    <a:lstStyle/>
+                    <a:p>
+                      <a:r>
+                        <a:rPr lang="fr-FR" dirty="0">
+                          <a:solidFill>
+                            <a:srgbClr val="FF0000"/>
+                          </a:solidFill>
+                        </a:rPr>
+                        <a:t>52.7% (92.3s)</a:t>
+                      </a:r>
+                    </a:p>
+                  </a:txBody>
+                  <a:tcPr/>
+                </a:tc>
+                <a:tc>
+                  <a:txBody>
+                    <a:bodyPr/>
+                    <a:lstStyle/>
+                    <a:p>
+                      <a:r>
+                        <a:rPr lang="fr-FR" b="0" dirty="0">
+                          <a:solidFill>
+                            <a:srgbClr val="FF0000"/>
+                          </a:solidFill>
+                        </a:rPr>
+                        <a:t>59.7%</a:t>
+                      </a:r>
+                      <a:r>
+                        <a:rPr lang="fr-FR" dirty="0">
+                          <a:solidFill>
+                            <a:srgbClr val="FF0000"/>
+                          </a:solidFill>
+                        </a:rPr>
+                        <a:t> (179s)</a:t>
+                      </a:r>
+                    </a:p>
+                  </a:txBody>
+                  <a:tcPr/>
+                </a:tc>
+                <a:tc>
+                  <a:txBody>
+                    <a:bodyPr/>
+                    <a:lstStyle/>
+                    <a:p>
+                      <a:r>
+                        <a:rPr lang="fr-FR" b="1" dirty="0">
+                          <a:solidFill>
+                            <a:srgbClr val="FF0000"/>
+                          </a:solidFill>
+                        </a:rPr>
+                        <a:t>65.8%</a:t>
+                      </a:r>
+                      <a:r>
+                        <a:rPr lang="fr-FR" dirty="0">
+                          <a:solidFill>
+                            <a:srgbClr val="FF0000"/>
+                          </a:solidFill>
+                        </a:rPr>
+                        <a:t> (346s)</a:t>
+                      </a:r>
+                    </a:p>
+                  </a:txBody>
+                  <a:tcPr/>
+                </a:tc>
+                <a:tc>
+                  <a:txBody>
+                    <a:bodyPr/>
+                    <a:lstStyle/>
+                    <a:p>
+                      <a:r>
+                        <a:rPr lang="fr-FR" dirty="0"/>
+                        <a:t>23.6% (179s)</a:t>
+                      </a:r>
+                    </a:p>
+                  </a:txBody>
+                  <a:tcPr/>
+                </a:tc>
+                <a:tc>
+                  <a:txBody>
+                    <a:bodyPr/>
+                    <a:lstStyle/>
+                    <a:p>
+                      <a:r>
+                        <a:rPr lang="fr-FR" dirty="0"/>
+                        <a:t>62% (103s)</a:t>
+                      </a:r>
+                    </a:p>
+                  </a:txBody>
+                  <a:tcPr/>
+                </a:tc>
+                <a:extLst>
+                  <a:ext uri="{0D108BD9-81ED-4DB2-BD59-A6C34878D82A}">
+                    <a16:rowId xmlns:a16="http://schemas.microsoft.com/office/drawing/2014/main" val="2510630220"/>
+                  </a:ext>
+                </a:extLst>
+              </a:tr>
+              <a:tr h="370840">
+                <a:tc>
+                  <a:txBody>
+                    <a:bodyPr/>
+                    <a:lstStyle/>
+                    <a:p>
+                      <a:r>
+                        <a:rPr lang="fr-FR" dirty="0"/>
+                        <a:t>8x200</a:t>
+                      </a:r>
+                    </a:p>
+                  </a:txBody>
+                  <a:tcPr/>
+                </a:tc>
+                <a:tc>
+                  <a:txBody>
+                    <a:bodyPr/>
+                    <a:lstStyle/>
+                    <a:p>
+                      <a:r>
+                        <a:rPr lang="fr-FR" dirty="0"/>
+                        <a:t>25.9% (17s)</a:t>
+                      </a:r>
+                    </a:p>
+                  </a:txBody>
+                  <a:tcPr/>
+                </a:tc>
+                <a:tc>
+                  <a:txBody>
+                    <a:bodyPr/>
+                    <a:lstStyle/>
+                    <a:p>
+                      <a:r>
+                        <a:rPr lang="fr-FR" dirty="0"/>
+                        <a:t>62.4% (395s)</a:t>
+                      </a:r>
+                    </a:p>
+                  </a:txBody>
+                  <a:tcPr/>
+                </a:tc>
+                <a:tc>
+                  <a:txBody>
+                    <a:bodyPr/>
+                    <a:lstStyle/>
+                    <a:p>
+                      <a:r>
+                        <a:rPr lang="fr-FR" dirty="0">
+                          <a:solidFill>
+                            <a:srgbClr val="FF0000"/>
+                          </a:solidFill>
+                        </a:rPr>
+                        <a:t>68.1% (297s)</a:t>
+                      </a:r>
+                    </a:p>
+                  </a:txBody>
+                  <a:tcPr/>
+                </a:tc>
+                <a:tc>
+                  <a:txBody>
+                    <a:bodyPr/>
+                    <a:lstStyle/>
+                    <a:p>
+                      <a:r>
+                        <a:rPr lang="fr-FR" b="1" dirty="0">
+                          <a:solidFill>
+                            <a:srgbClr val="FF0000"/>
+                          </a:solidFill>
+                        </a:rPr>
+                        <a:t>79.1%</a:t>
+                      </a:r>
+                      <a:r>
+                        <a:rPr lang="fr-FR" dirty="0">
+                          <a:solidFill>
+                            <a:srgbClr val="FF0000"/>
+                          </a:solidFill>
+                        </a:rPr>
+                        <a:t> (535s)</a:t>
+                      </a:r>
+                    </a:p>
+                  </a:txBody>
+                  <a:tcPr/>
+                </a:tc>
+                <a:tc>
+                  <a:txBody>
+                    <a:bodyPr/>
+                    <a:lstStyle/>
+                    <a:p>
+                      <a:r>
+                        <a:rPr lang="fr-FR" dirty="0" err="1">
+                          <a:solidFill>
+                            <a:srgbClr val="FF0000"/>
+                          </a:solidFill>
+                        </a:rPr>
+                        <a:t>too</a:t>
+                      </a:r>
+                      <a:r>
+                        <a:rPr lang="fr-FR" dirty="0">
+                          <a:solidFill>
+                            <a:srgbClr val="FF0000"/>
+                          </a:solidFill>
+                        </a:rPr>
+                        <a:t> slow</a:t>
+                      </a:r>
+                    </a:p>
+                  </a:txBody>
+                  <a:tcPr/>
+                </a:tc>
+                <a:tc>
+                  <a:txBody>
+                    <a:bodyPr/>
+                    <a:lstStyle/>
+                    <a:p>
+                      <a:r>
+                        <a:rPr lang="fr-FR" dirty="0"/>
+                        <a:t>?</a:t>
+                      </a:r>
+                    </a:p>
+                  </a:txBody>
+                  <a:tcPr/>
+                </a:tc>
+                <a:tc>
+                  <a:txBody>
+                    <a:bodyPr/>
+                    <a:lstStyle/>
+                    <a:p>
+                      <a:r>
+                        <a:rPr lang="fr-FR" dirty="0"/>
+                        <a:t>73.5% (95s)</a:t>
+                      </a:r>
+                    </a:p>
+                  </a:txBody>
+                  <a:tcPr/>
+                </a:tc>
+                <a:extLst>
+                  <a:ext uri="{0D108BD9-81ED-4DB2-BD59-A6C34878D82A}">
+                    <a16:rowId xmlns:a16="http://schemas.microsoft.com/office/drawing/2014/main" val="2004638355"/>
+                  </a:ext>
+                </a:extLst>
+              </a:tr>
+              <a:tr h="370840">
+                <a:tc>
+                  <a:txBody>
+                    <a:bodyPr/>
+                    <a:lstStyle/>
+                    <a:p>
+                      <a:r>
+                        <a:rPr lang="fr-FR" dirty="0"/>
+                        <a:t>5x500</a:t>
+                      </a:r>
+                    </a:p>
+                  </a:txBody>
+                  <a:tcPr/>
+                </a:tc>
+                <a:tc>
+                  <a:txBody>
+                    <a:bodyPr/>
+                    <a:lstStyle/>
+                    <a:p>
+                      <a:endParaRPr lang="fr-FR" dirty="0"/>
+                    </a:p>
+                  </a:txBody>
+                  <a:tcPr/>
+                </a:tc>
+                <a:tc>
+                  <a:txBody>
+                    <a:bodyPr/>
+                    <a:lstStyle/>
+                    <a:p>
+                      <a:endParaRPr lang="fr-FR" dirty="0"/>
+                    </a:p>
+                  </a:txBody>
+                  <a:tcPr/>
+                </a:tc>
+                <a:tc>
+                  <a:txBody>
+                    <a:bodyPr/>
+                    <a:lstStyle/>
+                    <a:p>
+                      <a:endParaRPr lang="fr-FR" dirty="0">
+                        <a:solidFill>
+                          <a:srgbClr val="FF0000"/>
+                        </a:solidFill>
+                      </a:endParaRPr>
+                    </a:p>
+                  </a:txBody>
+                  <a:tcPr/>
+                </a:tc>
+                <a:tc>
+                  <a:txBody>
+                    <a:bodyPr/>
+                    <a:lstStyle/>
+                    <a:p>
+                      <a:endParaRPr lang="fr-FR" dirty="0">
+                        <a:solidFill>
+                          <a:srgbClr val="FF0000"/>
+                        </a:solidFill>
+                      </a:endParaRPr>
+                    </a:p>
+                  </a:txBody>
+                  <a:tcPr/>
+                </a:tc>
+                <a:tc>
+                  <a:txBody>
+                    <a:bodyPr/>
+                    <a:lstStyle/>
+                    <a:p>
+                      <a:r>
+                        <a:rPr lang="fr-FR" dirty="0" err="1">
+                          <a:solidFill>
+                            <a:srgbClr val="FF0000"/>
+                          </a:solidFill>
+                        </a:rPr>
+                        <a:t>too</a:t>
+                      </a:r>
+                      <a:r>
+                        <a:rPr lang="fr-FR" dirty="0">
+                          <a:solidFill>
+                            <a:srgbClr val="FF0000"/>
+                          </a:solidFill>
+                        </a:rPr>
+                        <a:t> slow</a:t>
+                      </a:r>
+                    </a:p>
+                  </a:txBody>
+                  <a:tcPr/>
+                </a:tc>
+                <a:tc>
+                  <a:txBody>
+                    <a:bodyPr/>
+                    <a:lstStyle/>
+                    <a:p>
+                      <a:r>
+                        <a:rPr lang="fr-FR" dirty="0"/>
+                        <a:t>?</a:t>
+                      </a:r>
+                    </a:p>
+                  </a:txBody>
+                  <a:tcPr/>
+                </a:tc>
+                <a:tc>
+                  <a:txBody>
+                    <a:bodyPr/>
+                    <a:lstStyle/>
+                    <a:p>
+                      <a:r>
+                        <a:rPr lang="fr-FR" dirty="0"/>
+                        <a:t>fail</a:t>
+                      </a:r>
+                    </a:p>
+                  </a:txBody>
+                  <a:tcPr/>
+                </a:tc>
+                <a:extLst>
+                  <a:ext uri="{0D108BD9-81ED-4DB2-BD59-A6C34878D82A}">
+                    <a16:rowId xmlns:a16="http://schemas.microsoft.com/office/drawing/2014/main" val="2170465983"/>
+                  </a:ext>
+                </a:extLst>
+              </a:tr>
+            </a:tbl>
+          </a:graphicData>
+        </a:graphic>
+      </p:graphicFrame>
+    </p:spTree>
+    <p:extLst>
+      <p:ext uri="{BB962C8B-B14F-4D97-AF65-F5344CB8AC3E}">
+        <p14:creationId xmlns:p14="http://schemas.microsoft.com/office/powerpoint/2010/main" val="133104344"/>
+      </p:ext>
+    </p:extLst>
+  </p:cSld>
+  <p:clrMapOvr>
+    <a:masterClrMapping/>
+  </p:clrMapOvr>
+</p:sld>
+</file>
+
+<file path=ppt/slides/slide13.xml><?xml version="1.0" encoding="utf-8"?>
 <p:sld xmlns:a="http://schemas.openxmlformats.org/drawingml/2006/main" xmlns:r="http://schemas.openxmlformats.org/officeDocument/2006/relationships" xmlns:p="http://schemas.openxmlformats.org/presentationml/2006/main">
   <p:cSld>
     <p:spTree>
@@ -17447,7 +20155,7 @@
           <p:nvPr>
             <p:extLst>
               <p:ext uri="{D42A27DB-BD31-4B8C-83A1-F6EECF244321}">
-                <p14:modId xmlns:p14="http://schemas.microsoft.com/office/powerpoint/2010/main" val="2035291294"/>
+                <p14:modId xmlns:p14="http://schemas.microsoft.com/office/powerpoint/2010/main" val="1522160000"/>
               </p:ext>
             </p:extLst>
           </p:nvPr>
@@ -17636,8 +20344,12 @@
                     <a:lstStyle/>
                     <a:p>
                       <a:r>
+                        <a:rPr lang="fr-FR" dirty="0" err="1"/>
+                        <a:t>Refined</a:t>
+                      </a:r>
+                      <a:r>
                         <a:rPr lang="fr-FR" dirty="0"/>
-                        <a:t>PRIMA 2021</a:t>
+                        <a:t> PRIMA 2021</a:t>
                       </a:r>
                     </a:p>
                   </a:txBody>
@@ -18279,7 +20991,7 @@
           <p:nvPr>
             <p:extLst>
               <p:ext uri="{D42A27DB-BD31-4B8C-83A1-F6EECF244321}">
-                <p14:modId xmlns:p14="http://schemas.microsoft.com/office/powerpoint/2010/main" val="1632258115"/>
+                <p14:modId xmlns:p14="http://schemas.microsoft.com/office/powerpoint/2010/main" val="3807954709"/>
               </p:ext>
             </p:extLst>
           </p:nvPr>
@@ -18508,8 +21220,12 @@
                     <a:lstStyle/>
                     <a:p>
                       <a:r>
+                        <a:rPr lang="fr-FR" dirty="0" err="1"/>
+                        <a:t>Refined</a:t>
+                      </a:r>
+                      <a:r>
                         <a:rPr lang="fr-FR" dirty="0"/>
-                        <a:t>PRIMA 2021</a:t>
+                        <a:t> PRIMA 2021</a:t>
                       </a:r>
                     </a:p>
                   </a:txBody>
@@ -18662,7 +21378,7 @@
                         <a:defRPr/>
                       </a:pPr>
                       <a:r>
-                        <a:rPr lang="fr-FR" dirty="0" err="1">
+                        <a:rPr lang="fr-FR" b="1" dirty="0" err="1">
                           <a:solidFill>
                             <a:srgbClr val="C00000"/>
                           </a:solidFill>
@@ -18670,7 +21386,7 @@
                         <a:t>Vericompensate</a:t>
                       </a:r>
                       <a:r>
-                        <a:rPr lang="fr-FR" dirty="0">
+                        <a:rPr lang="fr-FR" b="1" dirty="0">
                           <a:solidFill>
                             <a:srgbClr val="C00000"/>
                           </a:solidFill>
@@ -18687,7 +21403,7 @@
                     <a:lstStyle/>
                     <a:p>
                       <a:r>
-                        <a:rPr lang="fr-FR" dirty="0">
+                        <a:rPr lang="fr-FR" b="1" dirty="0">
                           <a:solidFill>
                             <a:srgbClr val="C00000"/>
                           </a:solidFill>
@@ -18704,7 +21420,7 @@
                     <a:lstStyle/>
                     <a:p>
                       <a:r>
-                        <a:rPr lang="fr-FR" dirty="0">
+                        <a:rPr lang="fr-FR" b="1" dirty="0">
                           <a:solidFill>
                             <a:srgbClr val="C00000"/>
                           </a:solidFill>
@@ -18712,7 +21428,7 @@
                         <a:t>346s per image NO GPU (can </a:t>
                       </a:r>
                       <a:r>
-                        <a:rPr lang="fr-FR" dirty="0" err="1">
+                        <a:rPr lang="fr-FR" b="1" dirty="0" err="1">
                           <a:solidFill>
                             <a:srgbClr val="C00000"/>
                           </a:solidFill>
@@ -18720,7 +21436,7 @@
                         <a:t>lower</a:t>
                       </a:r>
                       <a:r>
-                        <a:rPr lang="fr-FR" dirty="0">
+                        <a:rPr lang="fr-FR" b="1" dirty="0">
                           <a:solidFill>
                             <a:srgbClr val="C00000"/>
                           </a:solidFill>
@@ -19181,7 +21897,7 @@
           <p:nvPr>
             <p:extLst>
               <p:ext uri="{D42A27DB-BD31-4B8C-83A1-F6EECF244321}">
-                <p14:modId xmlns:p14="http://schemas.microsoft.com/office/powerpoint/2010/main" val="4287778399"/>
+                <p14:modId xmlns:p14="http://schemas.microsoft.com/office/powerpoint/2010/main" val="755368428"/>
               </p:ext>
             </p:extLst>
           </p:nvPr>
@@ -19410,8 +22126,12 @@
                     <a:lstStyle/>
                     <a:p>
                       <a:r>
+                        <a:rPr lang="fr-FR" dirty="0" err="1"/>
+                        <a:t>Refined</a:t>
+                      </a:r>
+                      <a:r>
                         <a:rPr lang="fr-FR" dirty="0"/>
-                        <a:t>PRIMA 2021</a:t>
+                        <a:t> PRIMA 2021</a:t>
                       </a:r>
                     </a:p>
                   </a:txBody>
@@ -19494,7 +22214,7 @@
                             <a:srgbClr val="C00000"/>
                           </a:solidFill>
                         </a:rPr>
-                        <a:t>(40 nodes)</a:t>
+                        <a:t> 40/32 nodes </a:t>
                       </a:r>
                     </a:p>
                   </a:txBody>
@@ -19564,7 +22284,7 @@
                         <a:defRPr/>
                       </a:pPr>
                       <a:r>
-                        <a:rPr lang="fr-FR" dirty="0" err="1">
+                        <a:rPr lang="fr-FR" b="1" dirty="0" err="1">
                           <a:solidFill>
                             <a:srgbClr val="C00000"/>
                           </a:solidFill>
@@ -19572,46 +22292,46 @@
                         <a:t>Vericompensate</a:t>
                       </a:r>
                       <a:r>
-                        <a:rPr lang="fr-FR" dirty="0">
+                        <a:rPr lang="fr-FR" b="1" dirty="0">
                           <a:solidFill>
                             <a:srgbClr val="C00000"/>
                           </a:solidFill>
                         </a:rPr>
-                        <a:t>(K=2, new long)</a:t>
-                      </a:r>
-                    </a:p>
-                  </a:txBody>
-                  <a:tcPr/>
-                </a:tc>
-                <a:tc>
-                  <a:txBody>
-                    <a:bodyPr/>
-                    <a:lstStyle/>
-                    <a:p>
-                      <a:r>
-                        <a:rPr lang="fr-FR" dirty="0">
+                        <a:t>+ 60 nodes ( k=2)</a:t>
+                      </a:r>
+                    </a:p>
+                  </a:txBody>
+                  <a:tcPr/>
+                </a:tc>
+                <a:tc>
+                  <a:txBody>
+                    <a:bodyPr/>
+                    <a:lstStyle/>
+                    <a:p>
+                      <a:r>
+                        <a:rPr lang="fr-FR" b="1" dirty="0">
                           <a:solidFill>
                             <a:srgbClr val="C00000"/>
                           </a:solidFill>
                         </a:rPr>
-                        <a:t>?%</a:t>
-                      </a:r>
-                    </a:p>
-                  </a:txBody>
-                  <a:tcPr/>
-                </a:tc>
-                <a:tc>
-                  <a:txBody>
-                    <a:bodyPr/>
-                    <a:lstStyle/>
-                    <a:p>
-                      <a:r>
-                        <a:rPr lang="fr-FR" dirty="0">
+                        <a:t>76.8% &lt;150 (77.4% k=2)</a:t>
+                      </a:r>
+                    </a:p>
+                  </a:txBody>
+                  <a:tcPr/>
+                </a:tc>
+                <a:tc>
+                  <a:txBody>
+                    <a:bodyPr/>
+                    <a:lstStyle/>
+                    <a:p>
+                      <a:r>
+                        <a:rPr lang="fr-FR" b="1" dirty="0">
                           <a:solidFill>
                             <a:srgbClr val="C00000"/>
                           </a:solidFill>
                         </a:rPr>
-                        <a:t>?s per image NO GPU</a:t>
+                        <a:t>279s (309s) per image NO GPU</a:t>
                       </a:r>
                     </a:p>
                   </a:txBody>

--- a/WP1verifDNN.pptx
+++ b/WP1verifDNN.pptx
@@ -8697,7 +8697,7 @@
           <p:nvPr>
             <p:extLst>
               <p:ext uri="{D42A27DB-BD31-4B8C-83A1-F6EECF244321}">
-                <p14:modId xmlns:p14="http://schemas.microsoft.com/office/powerpoint/2010/main" val="1416724478"/>
+                <p14:modId xmlns:p14="http://schemas.microsoft.com/office/powerpoint/2010/main" val="277147289"/>
               </p:ext>
             </p:extLst>
           </p:nvPr>
@@ -9567,8 +9567,13 @@
                     <a:p>
                       <a:r>
                         <a:rPr lang="fr-FR" dirty="0"/>
-                        <a:t>5x500</a:t>
-                      </a:r>
+                        <a:t>6</a:t>
+                      </a:r>
+                      <a:r>
+                        <a:rPr lang="fr-FR"/>
+                        <a:t>x500</a:t>
+                      </a:r>
+                      <a:endParaRPr lang="fr-FR" dirty="0"/>
                     </a:p>
                   </a:txBody>
                   <a:tcPr/>

--- a/WP1verifDNN.pptx
+++ b/WP1verifDNN.pptx
@@ -7645,7 +7645,7 @@
           <p:nvPr>
             <p:extLst>
               <p:ext uri="{D42A27DB-BD31-4B8C-83A1-F6EECF244321}">
-                <p14:modId xmlns:p14="http://schemas.microsoft.com/office/powerpoint/2010/main" val="997583197"/>
+                <p14:modId xmlns:p14="http://schemas.microsoft.com/office/powerpoint/2010/main" val="1079135200"/>
               </p:ext>
             </p:extLst>
           </p:nvPr>
@@ -8451,6 +8451,19 @@
                     <a:bodyPr/>
                     <a:lstStyle/>
                     <a:p>
+                      <a:r>
+                        <a:rPr lang="fr-FR" dirty="0"/>
+                        <a:t>26% (34s)</a:t>
+                      </a:r>
+                    </a:p>
+                  </a:txBody>
+                  <a:tcPr/>
+                </a:tc>
+                <a:tc>
+                  <a:txBody>
+                    <a:bodyPr/>
+                    <a:lstStyle/>
+                    <a:p>
                       <a:endParaRPr lang="fr-FR" dirty="0"/>
                     </a:p>
                   </a:txBody>
@@ -8461,7 +8474,14 @@
                     <a:bodyPr/>
                     <a:lstStyle/>
                     <a:p>
-                      <a:endParaRPr lang="fr-FR" dirty="0"/>
+                      <a:r>
+                        <a:rPr lang="fr-FR" b="1" dirty="0">
+                          <a:solidFill>
+                            <a:srgbClr val="FF0000"/>
+                          </a:solidFill>
+                        </a:rPr>
+                        <a:t>54% (804s)</a:t>
+                      </a:r>
                     </a:p>
                   </a:txBody>
                   <a:tcPr/>
@@ -8485,33 +8505,22 @@
                     <a:bodyPr/>
                     <a:lstStyle/>
                     <a:p>
-                      <a:endParaRPr lang="fr-FR" dirty="0">
-                        <a:solidFill>
-                          <a:srgbClr val="FF0000"/>
-                        </a:solidFill>
-                      </a:endParaRPr>
-                    </a:p>
-                  </a:txBody>
-                  <a:tcPr/>
-                </a:tc>
-                <a:tc>
-                  <a:txBody>
-                    <a:bodyPr/>
-                    <a:lstStyle/>
-                    <a:p>
-                      <a:endParaRPr lang="fr-FR" dirty="0"/>
-                    </a:p>
-                  </a:txBody>
-                  <a:tcPr/>
-                </a:tc>
-                <a:tc>
-                  <a:txBody>
-                    <a:bodyPr/>
-                    <a:lstStyle/>
-                    <a:p>
                       <a:r>
                         <a:rPr lang="fr-FR" dirty="0"/>
-                        <a:t>fail</a:t>
+                        <a:t>32%? (/20)</a:t>
+                      </a:r>
+                    </a:p>
+                  </a:txBody>
+                  <a:tcPr/>
+                </a:tc>
+                <a:tc>
+                  <a:txBody>
+                    <a:bodyPr/>
+                    <a:lstStyle/>
+                    <a:p>
+                      <a:r>
+                        <a:rPr lang="fr-FR" dirty="0"/>
+                        <a:t>Fail (/50)</a:t>
                       </a:r>
                     </a:p>
                   </a:txBody>
@@ -8697,7 +8706,7 @@
           <p:nvPr>
             <p:extLst>
               <p:ext uri="{D42A27DB-BD31-4B8C-83A1-F6EECF244321}">
-                <p14:modId xmlns:p14="http://schemas.microsoft.com/office/powerpoint/2010/main" val="277147289"/>
+                <p14:modId xmlns:p14="http://schemas.microsoft.com/office/powerpoint/2010/main" val="3459490626"/>
               </p:ext>
             </p:extLst>
           </p:nvPr>
@@ -8852,15 +8861,24 @@
                             <a:srgbClr val="FF0000"/>
                           </a:solidFill>
                         </a:rPr>
-                        <a:t>Fast </a:t>
-                      </a:r>
+                        <a:t>Fast adaptative</a:t>
+                      </a:r>
+                    </a:p>
+                  </a:txBody>
+                  <a:tcPr/>
+                </a:tc>
+                <a:tc>
+                  <a:txBody>
+                    <a:bodyPr/>
+                    <a:lstStyle/>
+                    <a:p>
                       <a:r>
                         <a:rPr lang="fr-FR" dirty="0" err="1">
                           <a:solidFill>
                             <a:srgbClr val="FF0000"/>
                           </a:solidFill>
                         </a:rPr>
-                        <a:t>adapt</a:t>
+                        <a:t>VeryComp</a:t>
                       </a:r>
                       <a:endParaRPr lang="fr-FR" dirty="0">
                         <a:solidFill>
@@ -8868,13 +8886,6 @@
                         </a:solidFill>
                       </a:endParaRPr>
                     </a:p>
-                  </a:txBody>
-                  <a:tcPr/>
-                </a:tc>
-                <a:tc>
-                  <a:txBody>
-                    <a:bodyPr/>
-                    <a:lstStyle/>
                     <a:p>
                       <a:r>
                         <a:rPr lang="fr-FR" dirty="0" err="1">
@@ -8882,7 +8893,7 @@
                             <a:srgbClr val="FF0000"/>
                           </a:solidFill>
                         </a:rPr>
-                        <a:t>VeryComp</a:t>
+                        <a:t>Fast+Slow</a:t>
                       </a:r>
                       <a:endParaRPr lang="fr-FR" dirty="0">
                         <a:solidFill>
@@ -8892,33 +8903,13 @@
                     </a:p>
                     <a:p>
                       <a:r>
-                        <a:rPr lang="fr-FR" dirty="0" err="1">
+                        <a:rPr lang="fr-FR" dirty="0">
                           <a:solidFill>
                             <a:srgbClr val="FF0000"/>
                           </a:solidFill>
                         </a:rPr>
-                        <a:t>Fast+Slow</a:t>
-                      </a:r>
-                      <a:endParaRPr lang="fr-FR" dirty="0">
-                        <a:solidFill>
-                          <a:srgbClr val="FF0000"/>
-                        </a:solidFill>
-                      </a:endParaRPr>
-                    </a:p>
-                    <a:p>
-                      <a:r>
-                        <a:rPr lang="fr-FR" dirty="0" err="1">
-                          <a:solidFill>
-                            <a:srgbClr val="FF0000"/>
-                          </a:solidFill>
-                        </a:rPr>
-                        <a:t>adapt</a:t>
-                      </a:r>
-                      <a:endParaRPr lang="fr-FR" dirty="0">
-                        <a:solidFill>
-                          <a:srgbClr val="FF0000"/>
-                        </a:solidFill>
-                      </a:endParaRPr>
+                        <a:t>adaptative</a:t>
+                      </a:r>
                     </a:p>
                   </a:txBody>
                   <a:tcPr/>
@@ -9567,12 +9558,30 @@
                     <a:p>
                       <a:r>
                         <a:rPr lang="fr-FR" dirty="0"/>
-                        <a:t>6</a:t>
-                      </a:r>
-                      <a:r>
-                        <a:rPr lang="fr-FR"/>
-                        <a:t>x500</a:t>
-                      </a:r>
+                        <a:t>6x500</a:t>
+                      </a:r>
+                    </a:p>
+                  </a:txBody>
+                  <a:tcPr/>
+                </a:tc>
+                <a:tc>
+                  <a:txBody>
+                    <a:bodyPr/>
+                    <a:lstStyle/>
+                    <a:p>
+                      <a:r>
+                        <a:rPr lang="fr-FR" dirty="0"/>
+                        <a:t>26% (34s)</a:t>
+                      </a:r>
+                    </a:p>
+                  </a:txBody>
+                  <a:tcPr/>
+                </a:tc>
+                <a:tc>
+                  <a:txBody>
+                    <a:bodyPr/>
+                    <a:lstStyle/>
+                    <a:p>
                       <a:endParaRPr lang="fr-FR" dirty="0"/>
                     </a:p>
                   </a:txBody>
@@ -9583,17 +9592,14 @@
                     <a:bodyPr/>
                     <a:lstStyle/>
                     <a:p>
-                      <a:endParaRPr lang="fr-FR" dirty="0"/>
-                    </a:p>
-                  </a:txBody>
-                  <a:tcPr/>
-                </a:tc>
-                <a:tc>
-                  <a:txBody>
-                    <a:bodyPr/>
-                    <a:lstStyle/>
-                    <a:p>
-                      <a:endParaRPr lang="fr-FR" dirty="0"/>
+                      <a:r>
+                        <a:rPr lang="fr-FR" b="1" dirty="0">
+                          <a:solidFill>
+                            <a:srgbClr val="FF0000"/>
+                          </a:solidFill>
+                        </a:rPr>
+                        <a:t>64% (827s) /100</a:t>
+                      </a:r>
                     </a:p>
                   </a:txBody>
                   <a:tcPr/>
@@ -9617,36 +9623,7 @@
                     <a:bodyPr/>
                     <a:lstStyle/>
                     <a:p>
-                      <a:endParaRPr lang="fr-FR" dirty="0">
-                        <a:solidFill>
-                          <a:srgbClr val="FF0000"/>
-                        </a:solidFill>
-                      </a:endParaRPr>
-                    </a:p>
-                  </a:txBody>
-                  <a:tcPr/>
-                </a:tc>
-                <a:tc>
-                  <a:txBody>
-                    <a:bodyPr/>
-                    <a:lstStyle/>
-                    <a:p>
-                      <a:r>
-                        <a:rPr lang="fr-FR" dirty="0" err="1">
-                          <a:solidFill>
-                            <a:srgbClr val="FF0000"/>
-                          </a:solidFill>
-                        </a:rPr>
-                        <a:t>too</a:t>
-                      </a:r>
-                      <a:r>
-                        <a:rPr lang="fr-FR" dirty="0">
-                          <a:solidFill>
-                            <a:srgbClr val="FF0000"/>
-                          </a:solidFill>
-                        </a:rPr>
-                        <a:t> slow</a:t>
-                      </a:r>
+                      <a:endParaRPr lang="fr-FR" dirty="0"/>
                     </a:p>
                   </a:txBody>
                   <a:tcPr/>
@@ -9658,7 +9635,7 @@
                     <a:p>
                       <a:r>
                         <a:rPr lang="fr-FR" dirty="0"/>
-                        <a:t>?</a:t>
+                        <a:t>32%? () /20, 30s</a:t>
                       </a:r>
                     </a:p>
                   </a:txBody>
@@ -9671,7 +9648,7 @@
                     <a:p>
                       <a:r>
                         <a:rPr lang="fr-FR" dirty="0"/>
-                        <a:t>fail</a:t>
+                        <a:t>Fail to run</a:t>
                       </a:r>
                     </a:p>
                   </a:txBody>

--- a/WP1verifDNN.pptx
+++ b/WP1verifDNN.pptx
@@ -7645,14 +7645,14 @@
           <p:nvPr>
             <p:extLst>
               <p:ext uri="{D42A27DB-BD31-4B8C-83A1-F6EECF244321}">
-                <p14:modId xmlns:p14="http://schemas.microsoft.com/office/powerpoint/2010/main" val="1079135200"/>
+                <p14:modId xmlns:p14="http://schemas.microsoft.com/office/powerpoint/2010/main" val="2410319651"/>
               </p:ext>
             </p:extLst>
           </p:nvPr>
         </p:nvGraphicFramePr>
         <p:xfrm>
           <a:off x="162838" y="1909638"/>
-          <a:ext cx="11943568" cy="3235960"/>
+          <a:ext cx="11943568" cy="2865120"/>
         </p:xfrm>
         <a:graphic>
           <a:graphicData uri="http://schemas.openxmlformats.org/drawingml/2006/table">
@@ -8480,7 +8480,7 @@
                             <a:srgbClr val="FF0000"/>
                           </a:solidFill>
                         </a:rPr>
-                        <a:t>54% (804s)</a:t>
+                        <a:t>63.3% (814s)</a:t>
                       </a:r>
                     </a:p>
                   </a:txBody>
@@ -8529,94 +8529,6 @@
                 <a:extLst>
                   <a:ext uri="{0D108BD9-81ED-4DB2-BD59-A6C34878D82A}">
                     <a16:rowId xmlns:a16="http://schemas.microsoft.com/office/drawing/2014/main" val="2170465983"/>
-                  </a:ext>
-                </a:extLst>
-              </a:tr>
-              <a:tr h="370840">
-                <a:tc>
-                  <a:txBody>
-                    <a:bodyPr/>
-                    <a:lstStyle/>
-                    <a:p>
-                      <a:r>
-                        <a:rPr lang="fr-FR" dirty="0"/>
-                        <a:t>4x1024</a:t>
-                      </a:r>
-                    </a:p>
-                  </a:txBody>
-                  <a:tcPr/>
-                </a:tc>
-                <a:tc>
-                  <a:txBody>
-                    <a:bodyPr/>
-                    <a:lstStyle/>
-                    <a:p>
-                      <a:endParaRPr lang="fr-FR" dirty="0"/>
-                    </a:p>
-                  </a:txBody>
-                  <a:tcPr/>
-                </a:tc>
-                <a:tc>
-                  <a:txBody>
-                    <a:bodyPr/>
-                    <a:lstStyle/>
-                    <a:p>
-                      <a:endParaRPr lang="fr-FR" dirty="0"/>
-                    </a:p>
-                  </a:txBody>
-                  <a:tcPr/>
-                </a:tc>
-                <a:tc>
-                  <a:txBody>
-                    <a:bodyPr/>
-                    <a:lstStyle/>
-                    <a:p>
-                      <a:endParaRPr lang="fr-FR" dirty="0">
-                        <a:solidFill>
-                          <a:srgbClr val="FF0000"/>
-                        </a:solidFill>
-                      </a:endParaRPr>
-                    </a:p>
-                  </a:txBody>
-                  <a:tcPr/>
-                </a:tc>
-                <a:tc>
-                  <a:txBody>
-                    <a:bodyPr/>
-                    <a:lstStyle/>
-                    <a:p>
-                      <a:endParaRPr lang="fr-FR" dirty="0">
-                        <a:solidFill>
-                          <a:srgbClr val="FF0000"/>
-                        </a:solidFill>
-                      </a:endParaRPr>
-                    </a:p>
-                  </a:txBody>
-                  <a:tcPr/>
-                </a:tc>
-                <a:tc>
-                  <a:txBody>
-                    <a:bodyPr/>
-                    <a:lstStyle/>
-                    <a:p>
-                      <a:endParaRPr lang="fr-FR" dirty="0"/>
-                    </a:p>
-                  </a:txBody>
-                  <a:tcPr/>
-                </a:tc>
-                <a:tc>
-                  <a:txBody>
-                    <a:bodyPr/>
-                    <a:lstStyle/>
-                    <a:p>
-                      <a:endParaRPr lang="fr-FR" dirty="0"/>
-                    </a:p>
-                  </a:txBody>
-                  <a:tcPr/>
-                </a:tc>
-                <a:extLst>
-                  <a:ext uri="{0D108BD9-81ED-4DB2-BD59-A6C34878D82A}">
-                    <a16:rowId xmlns:a16="http://schemas.microsoft.com/office/drawing/2014/main" val="2429198849"/>
                   </a:ext>
                 </a:extLst>
               </a:tr>
@@ -8706,14 +8618,14 @@
           <p:nvPr>
             <p:extLst>
               <p:ext uri="{D42A27DB-BD31-4B8C-83A1-F6EECF244321}">
-                <p14:modId xmlns:p14="http://schemas.microsoft.com/office/powerpoint/2010/main" val="3459490626"/>
+                <p14:modId xmlns:p14="http://schemas.microsoft.com/office/powerpoint/2010/main" val="825256544"/>
               </p:ext>
             </p:extLst>
           </p:nvPr>
         </p:nvGraphicFramePr>
         <p:xfrm>
           <a:off x="162838" y="1909638"/>
-          <a:ext cx="11943567" cy="3307080"/>
+          <a:ext cx="11943567" cy="3576320"/>
         </p:xfrm>
         <a:graphic>
           <a:graphicData uri="http://schemas.openxmlformats.org/drawingml/2006/table">
@@ -9598,7 +9510,7 @@
                             <a:srgbClr val="FF0000"/>
                           </a:solidFill>
                         </a:rPr>
-                        <a:t>64% (827s) /100</a:t>
+                        <a:t>63.3% (814s) /150</a:t>
                       </a:r>
                     </a:p>
                   </a:txBody>

--- a/WP1verifDNN.pptx
+++ b/WP1verifDNN.pptx
@@ -8618,14 +8618,14 @@
           <p:nvPr>
             <p:extLst>
               <p:ext uri="{D42A27DB-BD31-4B8C-83A1-F6EECF244321}">
-                <p14:modId xmlns:p14="http://schemas.microsoft.com/office/powerpoint/2010/main" val="825256544"/>
+                <p14:modId xmlns:p14="http://schemas.microsoft.com/office/powerpoint/2010/main" val="4294361612"/>
               </p:ext>
             </p:extLst>
           </p:nvPr>
         </p:nvGraphicFramePr>
         <p:xfrm>
           <a:off x="162838" y="1909638"/>
-          <a:ext cx="11943567" cy="3576320"/>
+          <a:ext cx="11943567" cy="3307080"/>
         </p:xfrm>
         <a:graphic>
           <a:graphicData uri="http://schemas.openxmlformats.org/drawingml/2006/table">
@@ -9494,7 +9494,10 @@
                     <a:bodyPr/>
                     <a:lstStyle/>
                     <a:p>
-                      <a:endParaRPr lang="fr-FR" dirty="0"/>
+                      <a:r>
+                        <a:rPr lang="fr-FR" dirty="0"/>
+                        <a:t>?</a:t>
+                      </a:r>
                     </a:p>
                   </a:txBody>
                   <a:tcPr/>
@@ -9510,32 +9513,58 @@
                             <a:srgbClr val="FF0000"/>
                           </a:solidFill>
                         </a:rPr>
-                        <a:t>63.3% (814s) /150</a:t>
-                      </a:r>
-                    </a:p>
-                  </a:txBody>
-                  <a:tcPr/>
-                </a:tc>
-                <a:tc>
-                  <a:txBody>
-                    <a:bodyPr/>
-                    <a:lstStyle/>
-                    <a:p>
-                      <a:endParaRPr lang="fr-FR" dirty="0">
-                        <a:solidFill>
-                          <a:srgbClr val="FF0000"/>
-                        </a:solidFill>
-                      </a:endParaRPr>
-                    </a:p>
-                  </a:txBody>
-                  <a:tcPr/>
-                </a:tc>
-                <a:tc>
-                  <a:txBody>
-                    <a:bodyPr/>
-                    <a:lstStyle/>
-                    <a:p>
-                      <a:endParaRPr lang="fr-FR" dirty="0"/>
+                        <a:t>65% (927s) /200</a:t>
+                      </a:r>
+                    </a:p>
+                  </a:txBody>
+                  <a:tcPr/>
+                </a:tc>
+                <a:tc>
+                  <a:txBody>
+                    <a:bodyPr/>
+                    <a:lstStyle/>
+                    <a:p>
+                      <a:r>
+                        <a:rPr lang="fr-FR" dirty="0" err="1">
+                          <a:solidFill>
+                            <a:srgbClr val="FF0000"/>
+                          </a:solidFill>
+                        </a:rPr>
+                        <a:t>Too</a:t>
+                      </a:r>
+                      <a:r>
+                        <a:rPr lang="fr-FR" dirty="0">
+                          <a:solidFill>
+                            <a:srgbClr val="FF0000"/>
+                          </a:solidFill>
+                        </a:rPr>
+                        <a:t> slow</a:t>
+                      </a:r>
+                    </a:p>
+                  </a:txBody>
+                  <a:tcPr/>
+                </a:tc>
+                <a:tc>
+                  <a:txBody>
+                    <a:bodyPr/>
+                    <a:lstStyle/>
+                    <a:p>
+                      <a:r>
+                        <a:rPr lang="fr-FR" dirty="0" err="1">
+                          <a:solidFill>
+                            <a:srgbClr val="FF0000"/>
+                          </a:solidFill>
+                        </a:rPr>
+                        <a:t>Too</a:t>
+                      </a:r>
+                      <a:r>
+                        <a:rPr lang="fr-FR" dirty="0">
+                          <a:solidFill>
+                            <a:srgbClr val="FF0000"/>
+                          </a:solidFill>
+                        </a:rPr>
+                        <a:t> slow</a:t>
+                      </a:r>
                     </a:p>
                   </a:txBody>
                   <a:tcPr/>

--- a/WP1verifDNN.pptx
+++ b/WP1verifDNN.pptx
@@ -8618,14 +8618,14 @@
           <p:nvPr>
             <p:extLst>
               <p:ext uri="{D42A27DB-BD31-4B8C-83A1-F6EECF244321}">
-                <p14:modId xmlns:p14="http://schemas.microsoft.com/office/powerpoint/2010/main" val="4294361612"/>
+                <p14:modId xmlns:p14="http://schemas.microsoft.com/office/powerpoint/2010/main" val="2644570932"/>
               </p:ext>
             </p:extLst>
           </p:nvPr>
         </p:nvGraphicFramePr>
         <p:xfrm>
           <a:off x="162838" y="1909638"/>
-          <a:ext cx="11943567" cy="3307080"/>
+          <a:ext cx="11943567" cy="3576320"/>
         </p:xfrm>
         <a:graphic>
           <a:graphicData uri="http://schemas.openxmlformats.org/drawingml/2006/table">
@@ -9495,8 +9495,12 @@
                     <a:lstStyle/>
                     <a:p>
                       <a:r>
+                        <a:rPr lang="fr-FR"/>
+                        <a:t>Max 84</a:t>
+                      </a:r>
+                      <a:r>
                         <a:rPr lang="fr-FR" dirty="0"/>
-                        <a:t>?</a:t>
+                        <a:t>%</a:t>
                       </a:r>
                     </a:p>
                   </a:txBody>
@@ -9550,20 +9554,22 @@
                     <a:lstStyle/>
                     <a:p>
                       <a:r>
-                        <a:rPr lang="fr-FR" dirty="0" err="1">
+                        <a:rPr lang="fr-FR" dirty="0">
                           <a:solidFill>
                             <a:srgbClr val="FF0000"/>
                           </a:solidFill>
                         </a:rPr>
-                        <a:t>Too</a:t>
-                      </a:r>
+                        <a:t>Pure B 44.5%</a:t>
+                      </a:r>
+                    </a:p>
+                    <a:p>
                       <a:r>
                         <a:rPr lang="fr-FR" dirty="0">
                           <a:solidFill>
                             <a:srgbClr val="FF0000"/>
                           </a:solidFill>
                         </a:rPr>
-                        <a:t> slow</a:t>
+                        <a:t>576s, 1200s</a:t>
                       </a:r>
                     </a:p>
                   </a:txBody>

--- a/WP1verifDNN.pptx
+++ b/WP1verifDNN.pptx
@@ -433,7 +433,7 @@
           <a:p>
             <a:fld id="{E5FCB298-21FC-4E25-9632-945B53CD0465}" type="datetimeFigureOut">
               <a:rPr lang="fr-FR" smtClean="0"/>
-              <a:t>02/01/2024</a:t>
+              <a:t>14/01/2024</a:t>
             </a:fld>
             <a:endParaRPr lang="fr-FR"/>
           </a:p>
@@ -631,7 +631,7 @@
           <a:p>
             <a:fld id="{E5FCB298-21FC-4E25-9632-945B53CD0465}" type="datetimeFigureOut">
               <a:rPr lang="fr-FR" smtClean="0"/>
-              <a:t>02/01/2024</a:t>
+              <a:t>14/01/2024</a:t>
             </a:fld>
             <a:endParaRPr lang="fr-FR"/>
           </a:p>
@@ -839,7 +839,7 @@
           <a:p>
             <a:fld id="{E5FCB298-21FC-4E25-9632-945B53CD0465}" type="datetimeFigureOut">
               <a:rPr lang="fr-FR" smtClean="0"/>
-              <a:t>02/01/2024</a:t>
+              <a:t>14/01/2024</a:t>
             </a:fld>
             <a:endParaRPr lang="fr-FR"/>
           </a:p>
@@ -1037,7 +1037,7 @@
           <a:p>
             <a:fld id="{E5FCB298-21FC-4E25-9632-945B53CD0465}" type="datetimeFigureOut">
               <a:rPr lang="fr-FR" smtClean="0"/>
-              <a:t>02/01/2024</a:t>
+              <a:t>14/01/2024</a:t>
             </a:fld>
             <a:endParaRPr lang="fr-FR"/>
           </a:p>
@@ -1312,7 +1312,7 @@
           <a:p>
             <a:fld id="{E5FCB298-21FC-4E25-9632-945B53CD0465}" type="datetimeFigureOut">
               <a:rPr lang="fr-FR" smtClean="0"/>
-              <a:t>02/01/2024</a:t>
+              <a:t>14/01/2024</a:t>
             </a:fld>
             <a:endParaRPr lang="fr-FR"/>
           </a:p>
@@ -1577,7 +1577,7 @@
           <a:p>
             <a:fld id="{E5FCB298-21FC-4E25-9632-945B53CD0465}" type="datetimeFigureOut">
               <a:rPr lang="fr-FR" smtClean="0"/>
-              <a:t>02/01/2024</a:t>
+              <a:t>14/01/2024</a:t>
             </a:fld>
             <a:endParaRPr lang="fr-FR"/>
           </a:p>
@@ -1989,7 +1989,7 @@
           <a:p>
             <a:fld id="{E5FCB298-21FC-4E25-9632-945B53CD0465}" type="datetimeFigureOut">
               <a:rPr lang="fr-FR" smtClean="0"/>
-              <a:t>02/01/2024</a:t>
+              <a:t>14/01/2024</a:t>
             </a:fld>
             <a:endParaRPr lang="fr-FR"/>
           </a:p>
@@ -2130,7 +2130,7 @@
           <a:p>
             <a:fld id="{E5FCB298-21FC-4E25-9632-945B53CD0465}" type="datetimeFigureOut">
               <a:rPr lang="fr-FR" smtClean="0"/>
-              <a:t>02/01/2024</a:t>
+              <a:t>14/01/2024</a:t>
             </a:fld>
             <a:endParaRPr lang="fr-FR"/>
           </a:p>
@@ -2243,7 +2243,7 @@
           <a:p>
             <a:fld id="{E5FCB298-21FC-4E25-9632-945B53CD0465}" type="datetimeFigureOut">
               <a:rPr lang="fr-FR" smtClean="0"/>
-              <a:t>02/01/2024</a:t>
+              <a:t>14/01/2024</a:t>
             </a:fld>
             <a:endParaRPr lang="fr-FR"/>
           </a:p>
@@ -2554,7 +2554,7 @@
           <a:p>
             <a:fld id="{E5FCB298-21FC-4E25-9632-945B53CD0465}" type="datetimeFigureOut">
               <a:rPr lang="fr-FR" smtClean="0"/>
-              <a:t>02/01/2024</a:t>
+              <a:t>14/01/2024</a:t>
             </a:fld>
             <a:endParaRPr lang="fr-FR"/>
           </a:p>
@@ -2842,7 +2842,7 @@
           <a:p>
             <a:fld id="{E5FCB298-21FC-4E25-9632-945B53CD0465}" type="datetimeFigureOut">
               <a:rPr lang="fr-FR" smtClean="0"/>
-              <a:t>02/01/2024</a:t>
+              <a:t>14/01/2024</a:t>
             </a:fld>
             <a:endParaRPr lang="fr-FR"/>
           </a:p>
@@ -3083,7 +3083,7 @@
           <a:p>
             <a:fld id="{E5FCB298-21FC-4E25-9632-945B53CD0465}" type="datetimeFigureOut">
               <a:rPr lang="fr-FR" smtClean="0"/>
-              <a:t>02/01/2024</a:t>
+              <a:t>14/01/2024</a:t>
             </a:fld>
             <a:endParaRPr lang="fr-FR"/>
           </a:p>
@@ -7645,7 +7645,7 @@
           <p:nvPr>
             <p:extLst>
               <p:ext uri="{D42A27DB-BD31-4B8C-83A1-F6EECF244321}">
-                <p14:modId xmlns:p14="http://schemas.microsoft.com/office/powerpoint/2010/main" val="2410319651"/>
+                <p14:modId xmlns:p14="http://schemas.microsoft.com/office/powerpoint/2010/main" val="3856403712"/>
               </p:ext>
             </p:extLst>
           </p:nvPr>
@@ -8001,7 +8001,15 @@
                     <a:p>
                       <a:r>
                         <a:rPr lang="fr-FR" dirty="0"/>
-                        <a:t>29.2% (?s)</a:t>
+                        <a:t>29.2</a:t>
+                      </a:r>
+                      <a:r>
+                        <a:rPr lang="fr-FR"/>
+                        <a:t>% (8s</a:t>
+                      </a:r>
+                      <a:r>
+                        <a:rPr lang="fr-FR" dirty="0"/>
+                        <a:t>)</a:t>
                       </a:r>
                     </a:p>
                   </a:txBody>

--- a/WP1verifDNN.pptx
+++ b/WP1verifDNN.pptx
@@ -8001,15 +8001,7 @@
                     <a:p>
                       <a:r>
                         <a:rPr lang="fr-FR" dirty="0"/>
-                        <a:t>29.2</a:t>
-                      </a:r>
-                      <a:r>
-                        <a:rPr lang="fr-FR"/>
-                        <a:t>% (8s</a:t>
-                      </a:r>
-                      <a:r>
-                        <a:rPr lang="fr-FR" dirty="0"/>
-                        <a:t>)</a:t>
+                        <a:t>29.2% (8s)</a:t>
                       </a:r>
                     </a:p>
                   </a:txBody>

--- a/WP1verifDNN.pptx
+++ b/WP1verifDNN.pptx
@@ -433,7 +433,7 @@
           <a:p>
             <a:fld id="{E5FCB298-21FC-4E25-9632-945B53CD0465}" type="datetimeFigureOut">
               <a:rPr lang="fr-FR" smtClean="0"/>
-              <a:t>14/01/2024</a:t>
+              <a:t>15/04/2024</a:t>
             </a:fld>
             <a:endParaRPr lang="fr-FR"/>
           </a:p>
@@ -631,7 +631,7 @@
           <a:p>
             <a:fld id="{E5FCB298-21FC-4E25-9632-945B53CD0465}" type="datetimeFigureOut">
               <a:rPr lang="fr-FR" smtClean="0"/>
-              <a:t>14/01/2024</a:t>
+              <a:t>15/04/2024</a:t>
             </a:fld>
             <a:endParaRPr lang="fr-FR"/>
           </a:p>
@@ -839,7 +839,7 @@
           <a:p>
             <a:fld id="{E5FCB298-21FC-4E25-9632-945B53CD0465}" type="datetimeFigureOut">
               <a:rPr lang="fr-FR" smtClean="0"/>
-              <a:t>14/01/2024</a:t>
+              <a:t>15/04/2024</a:t>
             </a:fld>
             <a:endParaRPr lang="fr-FR"/>
           </a:p>
@@ -1037,7 +1037,7 @@
           <a:p>
             <a:fld id="{E5FCB298-21FC-4E25-9632-945B53CD0465}" type="datetimeFigureOut">
               <a:rPr lang="fr-FR" smtClean="0"/>
-              <a:t>14/01/2024</a:t>
+              <a:t>15/04/2024</a:t>
             </a:fld>
             <a:endParaRPr lang="fr-FR"/>
           </a:p>
@@ -1312,7 +1312,7 @@
           <a:p>
             <a:fld id="{E5FCB298-21FC-4E25-9632-945B53CD0465}" type="datetimeFigureOut">
               <a:rPr lang="fr-FR" smtClean="0"/>
-              <a:t>14/01/2024</a:t>
+              <a:t>15/04/2024</a:t>
             </a:fld>
             <a:endParaRPr lang="fr-FR"/>
           </a:p>
@@ -1577,7 +1577,7 @@
           <a:p>
             <a:fld id="{E5FCB298-21FC-4E25-9632-945B53CD0465}" type="datetimeFigureOut">
               <a:rPr lang="fr-FR" smtClean="0"/>
-              <a:t>14/01/2024</a:t>
+              <a:t>15/04/2024</a:t>
             </a:fld>
             <a:endParaRPr lang="fr-FR"/>
           </a:p>
@@ -1989,7 +1989,7 @@
           <a:p>
             <a:fld id="{E5FCB298-21FC-4E25-9632-945B53CD0465}" type="datetimeFigureOut">
               <a:rPr lang="fr-FR" smtClean="0"/>
-              <a:t>14/01/2024</a:t>
+              <a:t>15/04/2024</a:t>
             </a:fld>
             <a:endParaRPr lang="fr-FR"/>
           </a:p>
@@ -2130,7 +2130,7 @@
           <a:p>
             <a:fld id="{E5FCB298-21FC-4E25-9632-945B53CD0465}" type="datetimeFigureOut">
               <a:rPr lang="fr-FR" smtClean="0"/>
-              <a:t>14/01/2024</a:t>
+              <a:t>15/04/2024</a:t>
             </a:fld>
             <a:endParaRPr lang="fr-FR"/>
           </a:p>
@@ -2243,7 +2243,7 @@
           <a:p>
             <a:fld id="{E5FCB298-21FC-4E25-9632-945B53CD0465}" type="datetimeFigureOut">
               <a:rPr lang="fr-FR" smtClean="0"/>
-              <a:t>14/01/2024</a:t>
+              <a:t>15/04/2024</a:t>
             </a:fld>
             <a:endParaRPr lang="fr-FR"/>
           </a:p>
@@ -2554,7 +2554,7 @@
           <a:p>
             <a:fld id="{E5FCB298-21FC-4E25-9632-945B53CD0465}" type="datetimeFigureOut">
               <a:rPr lang="fr-FR" smtClean="0"/>
-              <a:t>14/01/2024</a:t>
+              <a:t>15/04/2024</a:t>
             </a:fld>
             <a:endParaRPr lang="fr-FR"/>
           </a:p>
@@ -2842,7 +2842,7 @@
           <a:p>
             <a:fld id="{E5FCB298-21FC-4E25-9632-945B53CD0465}" type="datetimeFigureOut">
               <a:rPr lang="fr-FR" smtClean="0"/>
-              <a:t>14/01/2024</a:t>
+              <a:t>15/04/2024</a:t>
             </a:fld>
             <a:endParaRPr lang="fr-FR"/>
           </a:p>
@@ -3083,7 +3083,7 @@
           <a:p>
             <a:fld id="{E5FCB298-21FC-4E25-9632-945B53CD0465}" type="datetimeFigureOut">
               <a:rPr lang="fr-FR" smtClean="0"/>
-              <a:t>14/01/2024</a:t>
+              <a:t>15/04/2024</a:t>
             </a:fld>
             <a:endParaRPr lang="fr-FR"/>
           </a:p>
@@ -18233,14 +18233,14 @@
           <p:nvPr>
             <p:extLst>
               <p:ext uri="{D42A27DB-BD31-4B8C-83A1-F6EECF244321}">
-                <p14:modId xmlns:p14="http://schemas.microsoft.com/office/powerpoint/2010/main" val="2301950703"/>
+                <p14:modId xmlns:p14="http://schemas.microsoft.com/office/powerpoint/2010/main" val="4143211465"/>
               </p:ext>
             </p:extLst>
           </p:nvPr>
         </p:nvGraphicFramePr>
         <p:xfrm>
-          <a:off x="342900" y="2290189"/>
-          <a:ext cx="11283950" cy="3092804"/>
+          <a:off x="1663700" y="2506089"/>
+          <a:ext cx="8420075" cy="3092804"/>
         </p:xfrm>
         <a:graphic>
           <a:graphicData uri="http://schemas.openxmlformats.org/drawingml/2006/table">
@@ -18263,13 +18263,6 @@
                     </a:ext>
                   </a:extLst>
                 </a:gridCol>
-                <a:gridCol w="2863875">
-                  <a:extLst>
-                    <a:ext uri="{9D8B030D-6E8A-4147-A177-3AD203B41FA5}">
-                      <a16:colId xmlns:a16="http://schemas.microsoft.com/office/drawing/2014/main" val="3180203207"/>
-                    </a:ext>
-                  </a:extLst>
-                </a:gridCol>
                 <a:gridCol w="2388988">
                   <a:extLst>
                     <a:ext uri="{9D8B030D-6E8A-4147-A177-3AD203B41FA5}">
@@ -18321,36 +18314,6 @@
                       </a:r>
                       <a:r>
                         <a:rPr lang="fr-FR" dirty="0"/>
-                        <a:t> new (k=1)</a:t>
-                      </a:r>
-                    </a:p>
-                  </a:txBody>
-                  <a:tcPr/>
-                </a:tc>
-                <a:tc>
-                  <a:txBody>
-                    <a:bodyPr/>
-                    <a:lstStyle/>
-                    <a:p>
-                      <a:pPr algn="ctr"/>
-                      <a:r>
-                        <a:rPr lang="fr-FR" dirty="0">
-                          <a:solidFill>
-                            <a:srgbClr val="FF0000"/>
-                          </a:solidFill>
-                        </a:rPr>
-                        <a:t>Compensation</a:t>
-                      </a:r>
-                      <a:r>
-                        <a:rPr lang="fr-FR" dirty="0"/>
-                        <a:t> </a:t>
-                      </a:r>
-                      <a:r>
-                        <a:rPr lang="fr-FR" dirty="0" err="1"/>
-                        <a:t>old</a:t>
-                      </a:r>
-                      <a:r>
-                        <a:rPr lang="fr-FR" dirty="0"/>
                         <a:t> (k=1)</a:t>
                       </a:r>
                     </a:p>
@@ -18441,26 +18404,6 @@
                   </a:txBody>
                   <a:tcPr/>
                 </a:tc>
-                <a:tc>
-                  <a:txBody>
-                    <a:bodyPr/>
-                    <a:lstStyle/>
-                    <a:p>
-                      <a:pPr algn="ctr"/>
-                      <a:r>
-                        <a:rPr lang="fr-FR" dirty="0">
-                          <a:solidFill>
-                            <a:schemeClr val="bg1">
-                              <a:lumMod val="50000"/>
-                            </a:schemeClr>
-                          </a:solidFill>
-                        </a:rPr>
-                        <a:t>2.22</a:t>
-                      </a:r>
-                    </a:p>
-                  </a:txBody>
-                  <a:tcPr/>
-                </a:tc>
                 <a:extLst>
                   <a:ext uri="{0D108BD9-81ED-4DB2-BD59-A6C34878D82A}">
                     <a16:rowId xmlns:a16="http://schemas.microsoft.com/office/drawing/2014/main" val="646733638"/>
@@ -18510,24 +18453,6 @@
                     <a:p>
                       <a:pPr algn="ctr"/>
                       <a:r>
-                        <a:rPr lang="fr-FR" b="1" dirty="0">
-                          <a:solidFill>
-                            <a:schemeClr val="tx1"/>
-                          </a:solidFill>
-                        </a:rPr>
-                        <a:t>1.80</a:t>
-                      </a:r>
-                    </a:p>
-                  </a:txBody>
-                  <a:tcPr/>
-                </a:tc>
-                <a:tc>
-                  <a:txBody>
-                    <a:bodyPr/>
-                    <a:lstStyle/>
-                    <a:p>
-                      <a:pPr algn="ctr"/>
-                      <a:r>
                         <a:rPr lang="fr-FR" dirty="0"/>
                         <a:t>2.03</a:t>
                       </a:r>
@@ -18577,20 +18502,6 @@
                       <a:pPr algn="ctr"/>
                       <a:r>
                         <a:rPr lang="fr-FR" dirty="0"/>
-                        <a:t>1.51</a:t>
-                      </a:r>
-                    </a:p>
-                  </a:txBody>
-                  <a:tcPr/>
-                </a:tc>
-                <a:tc>
-                  <a:txBody>
-                    <a:bodyPr/>
-                    <a:lstStyle/>
-                    <a:p>
-                      <a:pPr algn="ctr"/>
-                      <a:r>
-                        <a:rPr lang="fr-FR" dirty="0"/>
                         <a:t>1.82</a:t>
                       </a:r>
                     </a:p>
@@ -18651,24 +18562,6 @@
                             <a:schemeClr val="tx1"/>
                           </a:solidFill>
                         </a:rPr>
-                        <a:t>1.33 </a:t>
-                      </a:r>
-                    </a:p>
-                  </a:txBody>
-                  <a:tcPr/>
-                </a:tc>
-                <a:tc>
-                  <a:txBody>
-                    <a:bodyPr/>
-                    <a:lstStyle/>
-                    <a:p>
-                      <a:pPr algn="ctr"/>
-                      <a:r>
-                        <a:rPr lang="fr-FR" dirty="0">
-                          <a:solidFill>
-                            <a:schemeClr val="tx1"/>
-                          </a:solidFill>
-                        </a:rPr>
                         <a:t>1.62</a:t>
                       </a:r>
                     </a:p>
@@ -18729,24 +18622,6 @@
                             <a:schemeClr val="tx1"/>
                           </a:solidFill>
                         </a:rPr>
-                        <a:t>1.15</a:t>
-                      </a:r>
-                    </a:p>
-                  </a:txBody>
-                  <a:tcPr/>
-                </a:tc>
-                <a:tc>
-                  <a:txBody>
-                    <a:bodyPr/>
-                    <a:lstStyle/>
-                    <a:p>
-                      <a:pPr algn="ctr"/>
-                      <a:r>
-                        <a:rPr lang="fr-FR" dirty="0">
-                          <a:solidFill>
-                            <a:schemeClr val="tx1"/>
-                          </a:solidFill>
-                        </a:rPr>
                         <a:t>1.44</a:t>
                       </a:r>
                     </a:p>
@@ -18795,20 +18670,6 @@
                       <a:pPr algn="ctr"/>
                       <a:r>
                         <a:rPr lang="fr-FR" dirty="0"/>
-                        <a:t>1.13</a:t>
-                      </a:r>
-                    </a:p>
-                  </a:txBody>
-                  <a:tcPr/>
-                </a:tc>
-                <a:tc>
-                  <a:txBody>
-                    <a:bodyPr/>
-                    <a:lstStyle/>
-                    <a:p>
-                      <a:pPr algn="ctr"/>
-                      <a:r>
-                        <a:rPr lang="fr-FR" dirty="0"/>
                         <a:t>1.23</a:t>
                       </a:r>
                     </a:p>
@@ -18836,26 +18697,6 @@
                           </a:solidFill>
                         </a:rPr>
                         <a:t>61 (max)</a:t>
-                      </a:r>
-                    </a:p>
-                  </a:txBody>
-                  <a:tcPr/>
-                </a:tc>
-                <a:tc>
-                  <a:txBody>
-                    <a:bodyPr/>
-                    <a:lstStyle/>
-                    <a:p>
-                      <a:pPr algn="ctr"/>
-                      <a:r>
-                        <a:rPr lang="fr-FR" dirty="0">
-                          <a:solidFill>
-                            <a:schemeClr val="bg1">
-                              <a:lumMod val="50000"/>
-                            </a:schemeClr>
-                          </a:solidFill>
-                        </a:rPr>
-                        <a:t>1.05</a:t>
                       </a:r>
                     </a:p>
                   </a:txBody>
@@ -19028,137 +18869,6 @@
               <a:t>choice</a:t>
             </a:r>
             <a:endParaRPr lang="fr-FR" dirty="0"/>
-          </a:p>
-        </p:txBody>
-      </p:sp>
-      <p:sp>
-        <p:nvSpPr>
-          <p:cNvPr id="14" name="ZoneTexte 13">
-            <a:extLst>
-              <a:ext uri="{FF2B5EF4-FFF2-40B4-BE49-F238E27FC236}">
-                <a16:creationId xmlns:a16="http://schemas.microsoft.com/office/drawing/2014/main" id="{445C7BB2-0600-68F0-CB42-A7B6578D0D69}"/>
-              </a:ext>
-            </a:extLst>
-          </p:cNvPr>
-          <p:cNvSpPr txBox="1"/>
-          <p:nvPr/>
-        </p:nvSpPr>
-        <p:spPr>
-          <a:xfrm>
-            <a:off x="1525322" y="6067883"/>
-            <a:ext cx="8971302" cy="369332"/>
-          </a:xfrm>
-          <a:prstGeom prst="rect">
-            <a:avLst/>
-          </a:prstGeom>
-          <a:noFill/>
-        </p:spPr>
-        <p:txBody>
-          <a:bodyPr wrap="none" rtlCol="0">
-            <a:spAutoFit/>
-          </a:bodyPr>
-          <a:lstStyle/>
-          <a:p>
-            <a:r>
-              <a:rPr lang="fr-FR" dirty="0"/>
-              <a:t>=&gt; </a:t>
-            </a:r>
-            <a:r>
-              <a:rPr lang="fr-FR" dirty="0" err="1"/>
-              <a:t>Could</a:t>
-            </a:r>
-            <a:r>
-              <a:rPr lang="fr-FR" dirty="0"/>
-              <a:t> </a:t>
-            </a:r>
-            <a:r>
-              <a:rPr lang="fr-FR" dirty="0" err="1"/>
-              <a:t>also</a:t>
-            </a:r>
-            <a:r>
-              <a:rPr lang="fr-FR" dirty="0"/>
-              <a:t> choose </a:t>
-            </a:r>
-            <a:r>
-              <a:rPr lang="fr-FR" dirty="0" err="1"/>
-              <a:t>some</a:t>
-            </a:r>
-            <a:r>
-              <a:rPr lang="fr-FR" dirty="0"/>
-              <a:t> </a:t>
-            </a:r>
-            <a:r>
-              <a:rPr lang="fr-FR" dirty="0" err="1"/>
-              <a:t>b,b</a:t>
-            </a:r>
-            <a:r>
-              <a:rPr lang="fr-FR" dirty="0"/>
-              <a:t>’ </a:t>
-            </a:r>
-            <a:r>
-              <a:rPr lang="fr-FR" dirty="0" err="1"/>
-              <a:t>from</a:t>
-            </a:r>
-            <a:r>
-              <a:rPr lang="fr-FR" dirty="0"/>
-              <a:t> </a:t>
-            </a:r>
-            <a:r>
-              <a:rPr lang="fr-FR" dirty="0" err="1"/>
-              <a:t>deeper</a:t>
-            </a:r>
-            <a:r>
-              <a:rPr lang="fr-FR" dirty="0"/>
-              <a:t> </a:t>
-            </a:r>
-            <a:r>
-              <a:rPr lang="fr-FR" dirty="0" err="1"/>
-              <a:t>layers</a:t>
-            </a:r>
-            <a:r>
-              <a:rPr lang="fr-FR" dirty="0"/>
-              <a:t> if </a:t>
-            </a:r>
-            <a:r>
-              <a:rPr lang="fr-FR" dirty="0" err="1"/>
-              <a:t>weight</a:t>
-            </a:r>
-            <a:r>
-              <a:rPr lang="fr-FR" dirty="0"/>
-              <a:t> </a:t>
-            </a:r>
-            <a:r>
-              <a:rPr lang="fr-FR" dirty="0" err="1"/>
-              <a:t>is</a:t>
-            </a:r>
-            <a:r>
-              <a:rPr lang="fr-FR" dirty="0"/>
-              <a:t> </a:t>
-            </a:r>
-            <a:r>
-              <a:rPr lang="fr-FR" dirty="0" err="1"/>
-              <a:t>very</a:t>
-            </a:r>
-            <a:r>
-              <a:rPr lang="fr-FR" dirty="0"/>
-              <a:t> high (2,3 </a:t>
-            </a:r>
-            <a:r>
-              <a:rPr lang="fr-FR" dirty="0" err="1"/>
-              <a:t>layers</a:t>
-            </a:r>
-            <a:r>
-              <a:rPr lang="fr-FR" dirty="0"/>
-              <a:t> </a:t>
-            </a:r>
-            <a:r>
-              <a:rPr lang="fr-FR" dirty="0" err="1"/>
-              <a:t>before</a:t>
-            </a:r>
-            <a:r>
-              <a:rPr lang="fr-FR" dirty="0"/>
-              <a:t>…) !</a:t>
-            </a:r>
           </a:p>
         </p:txBody>
       </p:sp>

--- a/WP1verifDNN.pptx
+++ b/WP1verifDNN.pptx
@@ -132,6 +132,1097 @@
 </p:presentation>
 </file>
 
+<file path=ppt/charts/chart1.xml><?xml version="1.0" encoding="utf-8"?>
+<c:chartSpace xmlns:c="http://schemas.openxmlformats.org/drawingml/2006/chart" xmlns:a="http://schemas.openxmlformats.org/drawingml/2006/main" xmlns:r="http://schemas.openxmlformats.org/officeDocument/2006/relationships" xmlns:c16r2="http://schemas.microsoft.com/office/drawing/2015/06/chart">
+  <c:date1904 val="0"/>
+  <c:lang val="fr-FR"/>
+  <c:roundedCorners val="0"/>
+  <mc:AlternateContent xmlns:mc="http://schemas.openxmlformats.org/markup-compatibility/2006">
+    <mc:Choice xmlns:c14="http://schemas.microsoft.com/office/drawing/2007/8/2/chart" Requires="c14">
+      <c14:style val="102"/>
+    </mc:Choice>
+    <mc:Fallback>
+      <c:style val="2"/>
+    </mc:Fallback>
+  </mc:AlternateContent>
+  <c:chart>
+    <c:title>
+      <c:tx>
+        <c:rich>
+          <a:bodyPr rot="0" spcFirstLastPara="1" vertOverflow="ellipsis" vert="horz" wrap="square" anchor="ctr" anchorCtr="1"/>
+          <a:lstStyle/>
+          <a:p>
+            <a:pPr>
+              <a:defRPr sz="1400" b="0" i="0" u="none" strike="noStrike" kern="1200" spc="0" baseline="0">
+                <a:solidFill>
+                  <a:schemeClr val="tx1">
+                    <a:lumMod val="65000"/>
+                    <a:lumOff val="35000"/>
+                  </a:schemeClr>
+                </a:solidFill>
+                <a:latin typeface="+mn-lt"/>
+                <a:ea typeface="+mn-ea"/>
+                <a:cs typeface="+mn-cs"/>
+              </a:defRPr>
+            </a:pPr>
+            <a:r>
+              <a:rPr lang="fr-FR"/>
+              <a:t>Average Time per image to</a:t>
+            </a:r>
+            <a:r>
+              <a:rPr lang="fr-FR" baseline="0"/>
+              <a:t> reach </a:t>
+            </a:r>
+            <a:r>
+              <a:rPr lang="fr-FR"/>
+              <a:t>a given verification rate for CNN-B</a:t>
+            </a:r>
+            <a:r>
+              <a:rPr lang="fr-FR" baseline="0"/>
+              <a:t>-</a:t>
+            </a:r>
+            <a:r>
+              <a:rPr lang="fr-FR"/>
+              <a:t>Adv</a:t>
+            </a:r>
+          </a:p>
+        </c:rich>
+      </c:tx>
+      <c:overlay val="0"/>
+      <c:spPr>
+        <a:noFill/>
+        <a:ln>
+          <a:noFill/>
+        </a:ln>
+        <a:effectLst/>
+      </c:spPr>
+      <c:txPr>
+        <a:bodyPr rot="0" spcFirstLastPara="1" vertOverflow="ellipsis" vert="horz" wrap="square" anchor="ctr" anchorCtr="1"/>
+        <a:lstStyle/>
+        <a:p>
+          <a:pPr>
+            <a:defRPr sz="1400" b="0" i="0" u="none" strike="noStrike" kern="1200" spc="0" baseline="0">
+              <a:solidFill>
+                <a:schemeClr val="tx1">
+                  <a:lumMod val="65000"/>
+                  <a:lumOff val="35000"/>
+                </a:schemeClr>
+              </a:solidFill>
+              <a:latin typeface="+mn-lt"/>
+              <a:ea typeface="+mn-ea"/>
+              <a:cs typeface="+mn-cs"/>
+            </a:defRPr>
+          </a:pPr>
+          <a:endParaRPr lang="fr-FR"/>
+        </a:p>
+      </c:txPr>
+    </c:title>
+    <c:autoTitleDeleted val="0"/>
+    <c:plotArea>
+      <c:layout>
+        <c:manualLayout>
+          <c:layoutTarget val="inner"/>
+          <c:xMode val="edge"/>
+          <c:yMode val="edge"/>
+          <c:x val="6.2080880707272232E-2"/>
+          <c:y val="0.11987190771614732"/>
+          <c:w val="0.91728123585023424"/>
+          <c:h val="0.75281777235588221"/>
+        </c:manualLayout>
+      </c:layout>
+      <c:lineChart>
+        <c:grouping val="standard"/>
+        <c:varyColors val="0"/>
+        <c:ser>
+          <c:idx val="0"/>
+          <c:order val="0"/>
+          <c:tx>
+            <c:strRef>
+              <c:f>Per_Layer_fast_turn1!$V$24</c:f>
+              <c:strCache>
+                <c:ptCount val="1"/>
+                <c:pt idx="0">
+                  <c:v>beta crown</c:v>
+                </c:pt>
+              </c:strCache>
+            </c:strRef>
+          </c:tx>
+          <c:spPr>
+            <a:ln w="28575" cap="rnd">
+              <a:solidFill>
+                <a:schemeClr val="accent1"/>
+              </a:solidFill>
+              <a:round/>
+            </a:ln>
+            <a:effectLst/>
+          </c:spPr>
+          <c:marker>
+            <c:symbol val="none"/>
+          </c:marker>
+          <c:cat>
+            <c:numRef>
+              <c:f>Per_Layer_fast_turn1!$W$23:$AH$23</c:f>
+              <c:numCache>
+                <c:formatCode>0%</c:formatCode>
+                <c:ptCount val="12"/>
+                <c:pt idx="0">
+                  <c:v>0.4</c:v>
+                </c:pt>
+                <c:pt idx="1">
+                  <c:v>0.41</c:v>
+                </c:pt>
+                <c:pt idx="2">
+                  <c:v>0.42</c:v>
+                </c:pt>
+                <c:pt idx="4">
+                  <c:v>0.44</c:v>
+                </c:pt>
+                <c:pt idx="11">
+                  <c:v>0.51</c:v>
+                </c:pt>
+              </c:numCache>
+            </c:numRef>
+          </c:cat>
+          <c:val>
+            <c:numRef>
+              <c:f>Per_Layer_fast_turn1!$W$24:$AH$24</c:f>
+              <c:numCache>
+                <c:formatCode>General</c:formatCode>
+                <c:ptCount val="12"/>
+                <c:pt idx="0">
+                  <c:v>15</c:v>
+                </c:pt>
+                <c:pt idx="1">
+                  <c:v>50</c:v>
+                </c:pt>
+                <c:pt idx="2">
+                  <c:v>373</c:v>
+                </c:pt>
+                <c:pt idx="3">
+                  <c:v>900</c:v>
+                </c:pt>
+                <c:pt idx="4">
+                  <c:v>1919</c:v>
+                </c:pt>
+              </c:numCache>
+            </c:numRef>
+          </c:val>
+          <c:smooth val="1"/>
+          <c:extLst>
+            <c:ext xmlns:c16="http://schemas.microsoft.com/office/drawing/2014/chart" uri="{C3380CC4-5D6E-409C-BE32-E72D297353CC}">
+              <c16:uniqueId val="{00000000-F7B6-44A6-BC49-1B7E230040A8}"/>
+            </c:ext>
+          </c:extLst>
+        </c:ser>
+        <c:ser>
+          <c:idx val="1"/>
+          <c:order val="1"/>
+          <c:tx>
+            <c:strRef>
+              <c:f>Per_Layer_fast_turn1!$V$25</c:f>
+              <c:strCache>
+                <c:ptCount val="1"/>
+                <c:pt idx="0">
+                  <c:v>Pmilp</c:v>
+                </c:pt>
+              </c:strCache>
+            </c:strRef>
+          </c:tx>
+          <c:spPr>
+            <a:ln w="28575" cap="rnd">
+              <a:solidFill>
+                <a:schemeClr val="accent2"/>
+              </a:solidFill>
+              <a:round/>
+            </a:ln>
+            <a:effectLst/>
+          </c:spPr>
+          <c:marker>
+            <c:symbol val="none"/>
+          </c:marker>
+          <c:cat>
+            <c:numRef>
+              <c:f>Per_Layer_fast_turn1!$W$23:$AH$23</c:f>
+              <c:numCache>
+                <c:formatCode>0%</c:formatCode>
+                <c:ptCount val="12"/>
+                <c:pt idx="0">
+                  <c:v>0.4</c:v>
+                </c:pt>
+                <c:pt idx="1">
+                  <c:v>0.41</c:v>
+                </c:pt>
+                <c:pt idx="2">
+                  <c:v>0.42</c:v>
+                </c:pt>
+                <c:pt idx="4">
+                  <c:v>0.44</c:v>
+                </c:pt>
+                <c:pt idx="11">
+                  <c:v>0.51</c:v>
+                </c:pt>
+              </c:numCache>
+            </c:numRef>
+          </c:cat>
+          <c:val>
+            <c:numRef>
+              <c:f>Per_Layer_fast_turn1!$W$25:$AH$25</c:f>
+              <c:numCache>
+                <c:formatCode>General</c:formatCode>
+                <c:ptCount val="12"/>
+                <c:pt idx="0">
+                  <c:v>15</c:v>
+                </c:pt>
+                <c:pt idx="1">
+                  <c:v>16</c:v>
+                </c:pt>
+                <c:pt idx="2">
+                  <c:v>25</c:v>
+                </c:pt>
+                <c:pt idx="3">
+                  <c:v>40</c:v>
+                </c:pt>
+                <c:pt idx="4">
+                  <c:v>50</c:v>
+                </c:pt>
+                <c:pt idx="5">
+                  <c:v>80</c:v>
+                </c:pt>
+                <c:pt idx="6">
+                  <c:v>120</c:v>
+                </c:pt>
+                <c:pt idx="7">
+                  <c:v>170</c:v>
+                </c:pt>
+                <c:pt idx="8">
+                  <c:v>230</c:v>
+                </c:pt>
+                <c:pt idx="9">
+                  <c:v>290</c:v>
+                </c:pt>
+                <c:pt idx="10">
+                  <c:v>360</c:v>
+                </c:pt>
+                <c:pt idx="11">
+                  <c:v>417</c:v>
+                </c:pt>
+              </c:numCache>
+            </c:numRef>
+          </c:val>
+          <c:smooth val="1"/>
+          <c:extLst>
+            <c:ext xmlns:c16="http://schemas.microsoft.com/office/drawing/2014/chart" uri="{C3380CC4-5D6E-409C-BE32-E72D297353CC}">
+              <c16:uniqueId val="{00000001-F7B6-44A6-BC49-1B7E230040A8}"/>
+            </c:ext>
+          </c:extLst>
+        </c:ser>
+        <c:dLbls>
+          <c:showLegendKey val="0"/>
+          <c:showVal val="0"/>
+          <c:showCatName val="0"/>
+          <c:showSerName val="0"/>
+          <c:showPercent val="0"/>
+          <c:showBubbleSize val="0"/>
+        </c:dLbls>
+        <c:smooth val="0"/>
+        <c:axId val="1224210447"/>
+        <c:axId val="1224209487"/>
+      </c:lineChart>
+      <c:catAx>
+        <c:axId val="1224210447"/>
+        <c:scaling>
+          <c:orientation val="minMax"/>
+        </c:scaling>
+        <c:delete val="0"/>
+        <c:axPos val="b"/>
+        <c:numFmt formatCode="0%" sourceLinked="1"/>
+        <c:majorTickMark val="none"/>
+        <c:minorTickMark val="none"/>
+        <c:tickLblPos val="nextTo"/>
+        <c:spPr>
+          <a:noFill/>
+          <a:ln w="9525" cap="flat" cmpd="sng" algn="ctr">
+            <a:solidFill>
+              <a:schemeClr val="tx1">
+                <a:lumMod val="15000"/>
+                <a:lumOff val="85000"/>
+              </a:schemeClr>
+            </a:solidFill>
+            <a:round/>
+          </a:ln>
+          <a:effectLst/>
+        </c:spPr>
+        <c:txPr>
+          <a:bodyPr rot="-60000000" spcFirstLastPara="1" vertOverflow="ellipsis" vert="horz" wrap="square" anchor="ctr" anchorCtr="1"/>
+          <a:lstStyle/>
+          <a:p>
+            <a:pPr>
+              <a:defRPr sz="900" b="0" i="0" u="none" strike="noStrike" kern="1200" baseline="0">
+                <a:solidFill>
+                  <a:schemeClr val="tx1">
+                    <a:lumMod val="65000"/>
+                    <a:lumOff val="35000"/>
+                  </a:schemeClr>
+                </a:solidFill>
+                <a:latin typeface="+mn-lt"/>
+                <a:ea typeface="+mn-ea"/>
+                <a:cs typeface="+mn-cs"/>
+              </a:defRPr>
+            </a:pPr>
+            <a:endParaRPr lang="fr-FR"/>
+          </a:p>
+        </c:txPr>
+        <c:crossAx val="1224209487"/>
+        <c:crosses val="autoZero"/>
+        <c:auto val="1"/>
+        <c:lblAlgn val="ctr"/>
+        <c:lblOffset val="100"/>
+        <c:noMultiLvlLbl val="0"/>
+      </c:catAx>
+      <c:valAx>
+        <c:axId val="1224209487"/>
+        <c:scaling>
+          <c:orientation val="minMax"/>
+        </c:scaling>
+        <c:delete val="0"/>
+        <c:axPos val="l"/>
+        <c:majorGridlines>
+          <c:spPr>
+            <a:ln w="9525" cap="flat" cmpd="sng" algn="ctr">
+              <a:solidFill>
+                <a:schemeClr val="tx1">
+                  <a:lumMod val="15000"/>
+                  <a:lumOff val="85000"/>
+                </a:schemeClr>
+              </a:solidFill>
+              <a:round/>
+            </a:ln>
+            <a:effectLst/>
+          </c:spPr>
+        </c:majorGridlines>
+        <c:numFmt formatCode="General" sourceLinked="0"/>
+        <c:majorTickMark val="cross"/>
+        <c:minorTickMark val="none"/>
+        <c:tickLblPos val="nextTo"/>
+        <c:spPr>
+          <a:noFill/>
+          <a:ln>
+            <a:solidFill>
+              <a:schemeClr val="accent1"/>
+            </a:solidFill>
+          </a:ln>
+          <a:effectLst/>
+        </c:spPr>
+        <c:txPr>
+          <a:bodyPr rot="-60000000" spcFirstLastPara="1" vertOverflow="ellipsis" vert="horz" wrap="square" anchor="ctr" anchorCtr="1"/>
+          <a:lstStyle/>
+          <a:p>
+            <a:pPr>
+              <a:defRPr sz="900" b="0" i="0" u="none" strike="noStrike" kern="1200" baseline="0">
+                <a:solidFill>
+                  <a:schemeClr val="tx1">
+                    <a:lumMod val="65000"/>
+                    <a:lumOff val="35000"/>
+                  </a:schemeClr>
+                </a:solidFill>
+                <a:latin typeface="+mn-lt"/>
+                <a:ea typeface="+mn-ea"/>
+                <a:cs typeface="+mn-cs"/>
+              </a:defRPr>
+            </a:pPr>
+            <a:endParaRPr lang="fr-FR"/>
+          </a:p>
+        </c:txPr>
+        <c:crossAx val="1224210447"/>
+        <c:crosses val="autoZero"/>
+        <c:crossBetween val="between"/>
+      </c:valAx>
+      <c:spPr>
+        <a:noFill/>
+        <a:ln>
+          <a:noFill/>
+        </a:ln>
+        <a:effectLst/>
+      </c:spPr>
+    </c:plotArea>
+    <c:legend>
+      <c:legendPos val="b"/>
+      <c:layout>
+        <c:manualLayout>
+          <c:xMode val="edge"/>
+          <c:yMode val="edge"/>
+          <c:x val="0.54393896977517697"/>
+          <c:y val="0.44263979539320758"/>
+          <c:w val="0.29456331376156819"/>
+          <c:h val="5.8393890500382906E-2"/>
+        </c:manualLayout>
+      </c:layout>
+      <c:overlay val="0"/>
+      <c:spPr>
+        <a:noFill/>
+        <a:ln>
+          <a:noFill/>
+        </a:ln>
+        <a:effectLst/>
+      </c:spPr>
+      <c:txPr>
+        <a:bodyPr rot="0" spcFirstLastPara="1" vertOverflow="ellipsis" vert="horz" wrap="square" anchor="ctr" anchorCtr="1"/>
+        <a:lstStyle/>
+        <a:p>
+          <a:pPr>
+            <a:defRPr sz="1200" b="0" i="0" u="none" strike="noStrike" kern="1200" baseline="0">
+              <a:solidFill>
+                <a:schemeClr val="tx1">
+                  <a:lumMod val="65000"/>
+                  <a:lumOff val="35000"/>
+                </a:schemeClr>
+              </a:solidFill>
+              <a:latin typeface="+mn-lt"/>
+              <a:ea typeface="+mn-ea"/>
+              <a:cs typeface="+mn-cs"/>
+            </a:defRPr>
+          </a:pPr>
+          <a:endParaRPr lang="fr-FR"/>
+        </a:p>
+      </c:txPr>
+    </c:legend>
+    <c:plotVisOnly val="1"/>
+    <c:dispBlanksAs val="gap"/>
+    <c:extLst>
+      <c:ext xmlns:c16r3="http://schemas.microsoft.com/office/drawing/2017/03/chart" uri="{56B9EC1D-385E-4148-901F-78D8002777C0}">
+        <c16r3:dataDisplayOptions16>
+          <c16r3:dispNaAsBlank val="1"/>
+        </c16r3:dataDisplayOptions16>
+      </c:ext>
+    </c:extLst>
+    <c:showDLblsOverMax val="0"/>
+  </c:chart>
+  <c:spPr>
+    <a:noFill/>
+    <a:ln>
+      <a:noFill/>
+    </a:ln>
+    <a:effectLst/>
+  </c:spPr>
+  <c:txPr>
+    <a:bodyPr/>
+    <a:lstStyle/>
+    <a:p>
+      <a:pPr>
+        <a:defRPr/>
+      </a:pPr>
+      <a:endParaRPr lang="fr-FR"/>
+    </a:p>
+  </c:txPr>
+  <c:externalData r:id="rId3">
+    <c:autoUpdate val="0"/>
+  </c:externalData>
+  <c:userShapes r:id="rId4"/>
+</c:chartSpace>
+</file>
+
+<file path=ppt/charts/colors1.xml><?xml version="1.0" encoding="utf-8"?>
+<cs:colorStyle xmlns:cs="http://schemas.microsoft.com/office/drawing/2012/chartStyle" xmlns:a="http://schemas.openxmlformats.org/drawingml/2006/main" meth="cycle" id="10">
+  <a:schemeClr val="accent1"/>
+  <a:schemeClr val="accent2"/>
+  <a:schemeClr val="accent3"/>
+  <a:schemeClr val="accent4"/>
+  <a:schemeClr val="accent5"/>
+  <a:schemeClr val="accent6"/>
+  <cs:variation/>
+  <cs:variation>
+    <a:lumMod val="60000"/>
+  </cs:variation>
+  <cs:variation>
+    <a:lumMod val="80000"/>
+    <a:lumOff val="20000"/>
+  </cs:variation>
+  <cs:variation>
+    <a:lumMod val="80000"/>
+  </cs:variation>
+  <cs:variation>
+    <a:lumMod val="60000"/>
+    <a:lumOff val="40000"/>
+  </cs:variation>
+  <cs:variation>
+    <a:lumMod val="50000"/>
+  </cs:variation>
+  <cs:variation>
+    <a:lumMod val="70000"/>
+    <a:lumOff val="30000"/>
+  </cs:variation>
+  <cs:variation>
+    <a:lumMod val="70000"/>
+  </cs:variation>
+  <cs:variation>
+    <a:lumMod val="50000"/>
+    <a:lumOff val="50000"/>
+  </cs:variation>
+</cs:colorStyle>
+</file>
+
+<file path=ppt/charts/style1.xml><?xml version="1.0" encoding="utf-8"?>
+<cs:chartStyle xmlns:cs="http://schemas.microsoft.com/office/drawing/2012/chartStyle" xmlns:a="http://schemas.openxmlformats.org/drawingml/2006/main" id="227">
+  <cs:axisTitle>
+    <cs:lnRef idx="0"/>
+    <cs:fillRef idx="0"/>
+    <cs:effectRef idx="0"/>
+    <cs:fontRef idx="minor">
+      <a:schemeClr val="tx1">
+        <a:lumMod val="65000"/>
+        <a:lumOff val="35000"/>
+      </a:schemeClr>
+    </cs:fontRef>
+    <cs:defRPr sz="1000" kern="1200"/>
+  </cs:axisTitle>
+  <cs:categoryAxis>
+    <cs:lnRef idx="0"/>
+    <cs:fillRef idx="0"/>
+    <cs:effectRef idx="0"/>
+    <cs:fontRef idx="minor">
+      <a:schemeClr val="tx1">
+        <a:lumMod val="65000"/>
+        <a:lumOff val="35000"/>
+      </a:schemeClr>
+    </cs:fontRef>
+    <cs:spPr>
+      <a:ln w="9525" cap="flat" cmpd="sng" algn="ctr">
+        <a:solidFill>
+          <a:schemeClr val="tx1">
+            <a:lumMod val="15000"/>
+            <a:lumOff val="85000"/>
+          </a:schemeClr>
+        </a:solidFill>
+        <a:round/>
+      </a:ln>
+    </cs:spPr>
+    <cs:defRPr sz="900" kern="1200"/>
+  </cs:categoryAxis>
+  <cs:chartArea mods="allowNoFillOverride allowNoLineOverride">
+    <cs:lnRef idx="0"/>
+    <cs:fillRef idx="0"/>
+    <cs:effectRef idx="0"/>
+    <cs:fontRef idx="minor">
+      <a:schemeClr val="tx1"/>
+    </cs:fontRef>
+    <cs:spPr>
+      <a:solidFill>
+        <a:schemeClr val="bg1"/>
+      </a:solidFill>
+      <a:ln w="9525" cap="flat" cmpd="sng" algn="ctr">
+        <a:solidFill>
+          <a:schemeClr val="tx1">
+            <a:lumMod val="15000"/>
+            <a:lumOff val="85000"/>
+          </a:schemeClr>
+        </a:solidFill>
+        <a:round/>
+      </a:ln>
+    </cs:spPr>
+    <cs:defRPr sz="1000" kern="1200"/>
+  </cs:chartArea>
+  <cs:dataLabel>
+    <cs:lnRef idx="0"/>
+    <cs:fillRef idx="0"/>
+    <cs:effectRef idx="0"/>
+    <cs:fontRef idx="minor">
+      <a:schemeClr val="tx1">
+        <a:lumMod val="75000"/>
+        <a:lumOff val="25000"/>
+      </a:schemeClr>
+    </cs:fontRef>
+    <cs:defRPr sz="900" kern="1200"/>
+  </cs:dataLabel>
+  <cs:dataLabelCallout>
+    <cs:lnRef idx="0"/>
+    <cs:fillRef idx="0"/>
+    <cs:effectRef idx="0"/>
+    <cs:fontRef idx="minor">
+      <a:schemeClr val="dk1">
+        <a:lumMod val="65000"/>
+        <a:lumOff val="35000"/>
+      </a:schemeClr>
+    </cs:fontRef>
+    <cs:spPr>
+      <a:solidFill>
+        <a:schemeClr val="lt1"/>
+      </a:solidFill>
+      <a:ln>
+        <a:solidFill>
+          <a:schemeClr val="dk1">
+            <a:lumMod val="25000"/>
+            <a:lumOff val="75000"/>
+          </a:schemeClr>
+        </a:solidFill>
+      </a:ln>
+    </cs:spPr>
+    <cs:defRPr sz="900" kern="1200"/>
+    <cs:bodyPr rot="0" spcFirstLastPara="1" vertOverflow="clip" horzOverflow="clip" vert="horz" wrap="square" lIns="36576" tIns="18288" rIns="36576" bIns="18288" anchor="ctr" anchorCtr="1">
+      <a:spAutoFit/>
+    </cs:bodyPr>
+  </cs:dataLabelCallout>
+  <cs:dataPoint>
+    <cs:lnRef idx="0"/>
+    <cs:fillRef idx="1">
+      <cs:styleClr val="auto"/>
+    </cs:fillRef>
+    <cs:effectRef idx="0"/>
+    <cs:fontRef idx="minor">
+      <a:schemeClr val="tx1"/>
+    </cs:fontRef>
+    <cs:spPr>
+      <a:solidFill>
+        <a:schemeClr val="phClr"/>
+      </a:solidFill>
+    </cs:spPr>
+  </cs:dataPoint>
+  <cs:dataPoint3D>
+    <cs:lnRef idx="0"/>
+    <cs:fillRef idx="1">
+      <cs:styleClr val="auto"/>
+    </cs:fillRef>
+    <cs:effectRef idx="0"/>
+    <cs:fontRef idx="minor">
+      <a:schemeClr val="tx1"/>
+    </cs:fontRef>
+    <cs:spPr>
+      <a:solidFill>
+        <a:schemeClr val="phClr"/>
+      </a:solidFill>
+    </cs:spPr>
+  </cs:dataPoint3D>
+  <cs:dataPointLine>
+    <cs:lnRef idx="0">
+      <cs:styleClr val="auto"/>
+    </cs:lnRef>
+    <cs:fillRef idx="1"/>
+    <cs:effectRef idx="0"/>
+    <cs:fontRef idx="minor">
+      <a:schemeClr val="tx1"/>
+    </cs:fontRef>
+    <cs:spPr>
+      <a:ln w="28575" cap="rnd">
+        <a:solidFill>
+          <a:schemeClr val="phClr"/>
+        </a:solidFill>
+        <a:round/>
+      </a:ln>
+    </cs:spPr>
+  </cs:dataPointLine>
+  <cs:dataPointMarker>
+    <cs:lnRef idx="0">
+      <cs:styleClr val="auto"/>
+    </cs:lnRef>
+    <cs:fillRef idx="1">
+      <cs:styleClr val="auto"/>
+    </cs:fillRef>
+    <cs:effectRef idx="0"/>
+    <cs:fontRef idx="minor">
+      <a:schemeClr val="tx1"/>
+    </cs:fontRef>
+    <cs:spPr>
+      <a:solidFill>
+        <a:schemeClr val="phClr"/>
+      </a:solidFill>
+      <a:ln w="9525">
+        <a:solidFill>
+          <a:schemeClr val="phClr"/>
+        </a:solidFill>
+      </a:ln>
+    </cs:spPr>
+  </cs:dataPointMarker>
+  <cs:dataPointMarkerLayout symbol="circle" size="5"/>
+  <cs:dataPointWireframe>
+    <cs:lnRef idx="0">
+      <cs:styleClr val="auto"/>
+    </cs:lnRef>
+    <cs:fillRef idx="1"/>
+    <cs:effectRef idx="0"/>
+    <cs:fontRef idx="minor">
+      <a:schemeClr val="tx1"/>
+    </cs:fontRef>
+    <cs:spPr>
+      <a:ln w="9525" cap="rnd">
+        <a:solidFill>
+          <a:schemeClr val="phClr"/>
+        </a:solidFill>
+        <a:round/>
+      </a:ln>
+    </cs:spPr>
+  </cs:dataPointWireframe>
+  <cs:dataTable>
+    <cs:lnRef idx="0"/>
+    <cs:fillRef idx="0"/>
+    <cs:effectRef idx="0"/>
+    <cs:fontRef idx="minor">
+      <a:schemeClr val="tx1">
+        <a:lumMod val="65000"/>
+        <a:lumOff val="35000"/>
+      </a:schemeClr>
+    </cs:fontRef>
+    <cs:spPr>
+      <a:noFill/>
+      <a:ln w="9525" cap="flat" cmpd="sng" algn="ctr">
+        <a:solidFill>
+          <a:schemeClr val="tx1">
+            <a:lumMod val="15000"/>
+            <a:lumOff val="85000"/>
+          </a:schemeClr>
+        </a:solidFill>
+        <a:round/>
+      </a:ln>
+    </cs:spPr>
+    <cs:defRPr sz="900" kern="1200"/>
+  </cs:dataTable>
+  <cs:downBar>
+    <cs:lnRef idx="0"/>
+    <cs:fillRef idx="0"/>
+    <cs:effectRef idx="0"/>
+    <cs:fontRef idx="minor">
+      <a:schemeClr val="dk1"/>
+    </cs:fontRef>
+    <cs:spPr>
+      <a:solidFill>
+        <a:schemeClr val="dk1">
+          <a:lumMod val="65000"/>
+          <a:lumOff val="35000"/>
+        </a:schemeClr>
+      </a:solidFill>
+      <a:ln w="9525">
+        <a:solidFill>
+          <a:schemeClr val="tx1">
+            <a:lumMod val="65000"/>
+            <a:lumOff val="35000"/>
+          </a:schemeClr>
+        </a:solidFill>
+      </a:ln>
+    </cs:spPr>
+  </cs:downBar>
+  <cs:dropLine>
+    <cs:lnRef idx="0"/>
+    <cs:fillRef idx="0"/>
+    <cs:effectRef idx="0"/>
+    <cs:fontRef idx="minor">
+      <a:schemeClr val="tx1"/>
+    </cs:fontRef>
+    <cs:spPr>
+      <a:ln w="9525" cap="flat" cmpd="sng" algn="ctr">
+        <a:solidFill>
+          <a:schemeClr val="tx1">
+            <a:lumMod val="35000"/>
+            <a:lumOff val="65000"/>
+          </a:schemeClr>
+        </a:solidFill>
+        <a:round/>
+      </a:ln>
+    </cs:spPr>
+  </cs:dropLine>
+  <cs:errorBar>
+    <cs:lnRef idx="0"/>
+    <cs:fillRef idx="0"/>
+    <cs:effectRef idx="0"/>
+    <cs:fontRef idx="minor">
+      <a:schemeClr val="tx1"/>
+    </cs:fontRef>
+    <cs:spPr>
+      <a:ln w="9525" cap="flat" cmpd="sng" algn="ctr">
+        <a:solidFill>
+          <a:schemeClr val="tx1">
+            <a:lumMod val="65000"/>
+            <a:lumOff val="35000"/>
+          </a:schemeClr>
+        </a:solidFill>
+        <a:round/>
+      </a:ln>
+    </cs:spPr>
+  </cs:errorBar>
+  <cs:floor>
+    <cs:lnRef idx="0"/>
+    <cs:fillRef idx="0"/>
+    <cs:effectRef idx="0"/>
+    <cs:fontRef idx="minor">
+      <a:schemeClr val="tx1"/>
+    </cs:fontRef>
+    <cs:spPr>
+      <a:noFill/>
+      <a:ln>
+        <a:noFill/>
+      </a:ln>
+    </cs:spPr>
+  </cs:floor>
+  <cs:gridlineMajor>
+    <cs:lnRef idx="0"/>
+    <cs:fillRef idx="0"/>
+    <cs:effectRef idx="0"/>
+    <cs:fontRef idx="minor">
+      <a:schemeClr val="tx1"/>
+    </cs:fontRef>
+    <cs:spPr>
+      <a:ln w="9525" cap="flat" cmpd="sng" algn="ctr">
+        <a:solidFill>
+          <a:schemeClr val="tx1">
+            <a:lumMod val="15000"/>
+            <a:lumOff val="85000"/>
+          </a:schemeClr>
+        </a:solidFill>
+        <a:round/>
+      </a:ln>
+    </cs:spPr>
+  </cs:gridlineMajor>
+  <cs:gridlineMinor>
+    <cs:lnRef idx="0"/>
+    <cs:fillRef idx="0"/>
+    <cs:effectRef idx="0"/>
+    <cs:fontRef idx="minor">
+      <a:schemeClr val="tx1"/>
+    </cs:fontRef>
+    <cs:spPr>
+      <a:ln w="9525" cap="flat" cmpd="sng" algn="ctr">
+        <a:solidFill>
+          <a:schemeClr val="tx1">
+            <a:lumMod val="5000"/>
+            <a:lumOff val="95000"/>
+          </a:schemeClr>
+        </a:solidFill>
+        <a:round/>
+      </a:ln>
+    </cs:spPr>
+  </cs:gridlineMinor>
+  <cs:hiLoLine>
+    <cs:lnRef idx="0"/>
+    <cs:fillRef idx="0"/>
+    <cs:effectRef idx="0"/>
+    <cs:fontRef idx="minor">
+      <a:schemeClr val="tx1"/>
+    </cs:fontRef>
+    <cs:spPr>
+      <a:ln w="9525" cap="flat" cmpd="sng" algn="ctr">
+        <a:solidFill>
+          <a:schemeClr val="tx1">
+            <a:lumMod val="75000"/>
+            <a:lumOff val="25000"/>
+          </a:schemeClr>
+        </a:solidFill>
+        <a:round/>
+      </a:ln>
+    </cs:spPr>
+  </cs:hiLoLine>
+  <cs:leaderLine>
+    <cs:lnRef idx="0"/>
+    <cs:fillRef idx="0"/>
+    <cs:effectRef idx="0"/>
+    <cs:fontRef idx="minor">
+      <a:schemeClr val="tx1"/>
+    </cs:fontRef>
+    <cs:spPr>
+      <a:ln w="9525" cap="flat" cmpd="sng" algn="ctr">
+        <a:solidFill>
+          <a:schemeClr val="tx1">
+            <a:lumMod val="35000"/>
+            <a:lumOff val="65000"/>
+          </a:schemeClr>
+        </a:solidFill>
+        <a:round/>
+      </a:ln>
+    </cs:spPr>
+  </cs:leaderLine>
+  <cs:legend>
+    <cs:lnRef idx="0"/>
+    <cs:fillRef idx="0"/>
+    <cs:effectRef idx="0"/>
+    <cs:fontRef idx="minor">
+      <a:schemeClr val="tx1">
+        <a:lumMod val="65000"/>
+        <a:lumOff val="35000"/>
+      </a:schemeClr>
+    </cs:fontRef>
+    <cs:defRPr sz="900" kern="1200"/>
+  </cs:legend>
+  <cs:plotArea mods="allowNoFillOverride allowNoLineOverride">
+    <cs:lnRef idx="0"/>
+    <cs:fillRef idx="0"/>
+    <cs:effectRef idx="0"/>
+    <cs:fontRef idx="minor">
+      <a:schemeClr val="tx1"/>
+    </cs:fontRef>
+  </cs:plotArea>
+  <cs:plotArea3D mods="allowNoFillOverride allowNoLineOverride">
+    <cs:lnRef idx="0"/>
+    <cs:fillRef idx="0"/>
+    <cs:effectRef idx="0"/>
+    <cs:fontRef idx="minor">
+      <a:schemeClr val="tx1"/>
+    </cs:fontRef>
+  </cs:plotArea3D>
+  <cs:seriesAxis>
+    <cs:lnRef idx="0"/>
+    <cs:fillRef idx="0"/>
+    <cs:effectRef idx="0"/>
+    <cs:fontRef idx="minor">
+      <a:schemeClr val="tx1">
+        <a:lumMod val="65000"/>
+        <a:lumOff val="35000"/>
+      </a:schemeClr>
+    </cs:fontRef>
+    <cs:defRPr sz="900" kern="1200"/>
+  </cs:seriesAxis>
+  <cs:seriesLine>
+    <cs:lnRef idx="0"/>
+    <cs:fillRef idx="0"/>
+    <cs:effectRef idx="0"/>
+    <cs:fontRef idx="minor">
+      <a:schemeClr val="tx1"/>
+    </cs:fontRef>
+    <cs:spPr>
+      <a:ln w="9525" cap="flat" cmpd="sng" algn="ctr">
+        <a:solidFill>
+          <a:schemeClr val="tx1">
+            <a:lumMod val="35000"/>
+            <a:lumOff val="65000"/>
+          </a:schemeClr>
+        </a:solidFill>
+        <a:round/>
+      </a:ln>
+    </cs:spPr>
+  </cs:seriesLine>
+  <cs:title>
+    <cs:lnRef idx="0"/>
+    <cs:fillRef idx="0"/>
+    <cs:effectRef idx="0"/>
+    <cs:fontRef idx="minor">
+      <a:schemeClr val="tx1">
+        <a:lumMod val="65000"/>
+        <a:lumOff val="35000"/>
+      </a:schemeClr>
+    </cs:fontRef>
+    <cs:defRPr sz="1400" b="0" kern="1200" spc="0" baseline="0"/>
+  </cs:title>
+  <cs:trendline>
+    <cs:lnRef idx="0">
+      <cs:styleClr val="auto"/>
+    </cs:lnRef>
+    <cs:fillRef idx="0"/>
+    <cs:effectRef idx="0"/>
+    <cs:fontRef idx="minor">
+      <a:schemeClr val="tx1"/>
+    </cs:fontRef>
+    <cs:spPr>
+      <a:ln w="19050" cap="rnd">
+        <a:solidFill>
+          <a:schemeClr val="phClr"/>
+        </a:solidFill>
+        <a:prstDash val="sysDot"/>
+      </a:ln>
+    </cs:spPr>
+  </cs:trendline>
+  <cs:trendlineLabel>
+    <cs:lnRef idx="0"/>
+    <cs:fillRef idx="0"/>
+    <cs:effectRef idx="0"/>
+    <cs:fontRef idx="minor">
+      <a:schemeClr val="tx1">
+        <a:lumMod val="65000"/>
+        <a:lumOff val="35000"/>
+      </a:schemeClr>
+    </cs:fontRef>
+    <cs:defRPr sz="900" kern="1200"/>
+  </cs:trendlineLabel>
+  <cs:upBar>
+    <cs:lnRef idx="0"/>
+    <cs:fillRef idx="0"/>
+    <cs:effectRef idx="0"/>
+    <cs:fontRef idx="minor">
+      <a:schemeClr val="dk1"/>
+    </cs:fontRef>
+    <cs:spPr>
+      <a:solidFill>
+        <a:schemeClr val="lt1"/>
+      </a:solidFill>
+      <a:ln w="9525">
+        <a:solidFill>
+          <a:schemeClr val="tx1">
+            <a:lumMod val="15000"/>
+            <a:lumOff val="85000"/>
+          </a:schemeClr>
+        </a:solidFill>
+      </a:ln>
+    </cs:spPr>
+  </cs:upBar>
+  <cs:valueAxis>
+    <cs:lnRef idx="0"/>
+    <cs:fillRef idx="0"/>
+    <cs:effectRef idx="0"/>
+    <cs:fontRef idx="minor">
+      <a:schemeClr val="tx1">
+        <a:lumMod val="65000"/>
+        <a:lumOff val="35000"/>
+      </a:schemeClr>
+    </cs:fontRef>
+    <cs:defRPr sz="900" kern="1200"/>
+  </cs:valueAxis>
+  <cs:wall>
+    <cs:lnRef idx="0"/>
+    <cs:fillRef idx="0"/>
+    <cs:effectRef idx="0"/>
+    <cs:fontRef idx="minor">
+      <a:schemeClr val="tx1"/>
+    </cs:fontRef>
+    <cs:spPr>
+      <a:noFill/>
+      <a:ln>
+        <a:noFill/>
+      </a:ln>
+    </cs:spPr>
+  </cs:wall>
+</cs:chartStyle>
+</file>
+
+<file path=ppt/drawings/drawing1.xml><?xml version="1.0" encoding="utf-8"?>
+<c:userShapes xmlns:c="http://schemas.openxmlformats.org/drawingml/2006/chart">
+  <cdr:relSizeAnchor xmlns:cdr="http://schemas.openxmlformats.org/drawingml/2006/chartDrawing">
+    <cdr:from>
+      <cdr:x>0.00657</cdr:x>
+      <cdr:y>0.03812</cdr:y>
+    </cdr:from>
+    <cdr:to>
+      <cdr:x>0.10882</cdr:x>
+      <cdr:y>0.10225</cdr:y>
+    </cdr:to>
+    <cdr:sp macro="" textlink="">
+      <cdr:nvSpPr>
+        <cdr:cNvPr id="2" name="ZoneTexte 1">
+          <a:extLst xmlns:a="http://schemas.openxmlformats.org/drawingml/2006/main">
+            <a:ext uri="{FF2B5EF4-FFF2-40B4-BE49-F238E27FC236}">
+              <a16:creationId xmlns:a16="http://schemas.microsoft.com/office/drawing/2014/main" id="{CEB642D7-9414-5D77-C621-8D9AE667B1E0}"/>
+            </a:ext>
+          </a:extLst>
+        </cdr:cNvPr>
+        <cdr:cNvSpPr txBox="1"/>
+      </cdr:nvSpPr>
+      <cdr:spPr>
+        <a:xfrm xmlns:a="http://schemas.openxmlformats.org/drawingml/2006/main">
+          <a:off x="44450" y="169865"/>
+          <a:ext cx="692312" cy="285750"/>
+        </a:xfrm>
+        <a:prstGeom xmlns:a="http://schemas.openxmlformats.org/drawingml/2006/main" prst="rect">
+          <a:avLst/>
+        </a:prstGeom>
+      </cdr:spPr>
+      <cdr:txBody>
+        <a:bodyPr xmlns:a="http://schemas.openxmlformats.org/drawingml/2006/main" vertOverflow="clip" wrap="none" rtlCol="0"/>
+        <a:lstStyle xmlns:a="http://schemas.openxmlformats.org/drawingml/2006/main"/>
+        <a:p xmlns:a="http://schemas.openxmlformats.org/drawingml/2006/main">
+          <a:r>
+            <a:rPr lang="fr-FR" sz="1100"/>
+            <a:t>seconds</a:t>
+          </a:r>
+        </a:p>
+      </cdr:txBody>
+    </cdr:sp>
+  </cdr:relSizeAnchor>
+</c:userShapes>
+</file>
+
 <file path=ppt/ink/ink1.xml><?xml version="1.0" encoding="utf-8"?>
 <inkml:ink xmlns:inkml="http://www.w3.org/2003/InkML">
   <inkml:definitions>
@@ -187,6 +1278,276 @@
 </inkml:ink>
 </file>
 
+<file path=ppt/ink/ink100.xml><?xml version="1.0" encoding="utf-8"?>
+<inkml:ink xmlns:inkml="http://www.w3.org/2003/InkML">
+  <inkml:definitions>
+    <inkml:context xml:id="ctx0">
+      <inkml:inkSource xml:id="inkSrc0">
+        <inkml:traceFormat>
+          <inkml:channel name="X" type="integer" min="-2.14748E9" max="2.14748E9" units="cm"/>
+          <inkml:channel name="Y" type="integer" min="-2.14748E9" max="2.14748E9" units="cm"/>
+          <inkml:channel name="F" type="integer" max="32767" units="dev"/>
+        </inkml:traceFormat>
+        <inkml:channelProperties>
+          <inkml:channelProperty channel="X" name="resolution" value="1000" units="1/cm"/>
+          <inkml:channelProperty channel="Y" name="resolution" value="1000" units="1/cm"/>
+          <inkml:channelProperty channel="F" name="resolution" value="0" units="1/dev"/>
+        </inkml:channelProperties>
+      </inkml:inkSource>
+      <inkml:timestamp xml:id="ts0" timeString="2024-08-20T06:53:14.090"/>
+    </inkml:context>
+    <inkml:brush xml:id="br0">
+      <inkml:brushProperty name="width" value="0.05" units="cm"/>
+      <inkml:brushProperty name="height" value="0.05" units="cm"/>
+    </inkml:brush>
+  </inkml:definitions>
+  <inkml:trace contextRef="#ctx0" brushRef="#br0">837 1 11723,'-3'45'4400,"-12"2"-3015,-24 42-1273,-11 27-64,-27 49-40,-20 3 0,-11 25-104,-8-1-208,-7-31-601,16-2-463,5-48 800</inkml:trace>
+</inkml:ink>
+</file>
+
+<file path=ppt/ink/ink101.xml><?xml version="1.0" encoding="utf-8"?>
+<inkml:ink xmlns:inkml="http://www.w3.org/2003/InkML">
+  <inkml:definitions>
+    <inkml:context xml:id="ctx0">
+      <inkml:inkSource xml:id="inkSrc0">
+        <inkml:traceFormat>
+          <inkml:channel name="X" type="integer" min="-2.14748E9" max="2.14748E9" units="cm"/>
+          <inkml:channel name="Y" type="integer" min="-2.14748E9" max="2.14748E9" units="cm"/>
+          <inkml:channel name="F" type="integer" max="32767" units="dev"/>
+        </inkml:traceFormat>
+        <inkml:channelProperties>
+          <inkml:channelProperty channel="X" name="resolution" value="1000" units="1/cm"/>
+          <inkml:channelProperty channel="Y" name="resolution" value="1000" units="1/cm"/>
+          <inkml:channelProperty channel="F" name="resolution" value="0" units="1/dev"/>
+        </inkml:channelProperties>
+      </inkml:inkSource>
+      <inkml:timestamp xml:id="ts0" timeString="2024-08-20T06:53:14.983"/>
+    </inkml:context>
+    <inkml:brush xml:id="br0">
+      <inkml:brushProperty name="width" value="0.05" units="cm"/>
+      <inkml:brushProperty name="height" value="0.05" units="cm"/>
+    </inkml:brush>
+  </inkml:definitions>
+  <inkml:trace contextRef="#ctx0" brushRef="#br0">0 976 8730,'106'-147'3455,"-34"37"-3108,66-136 0,-77 122 491,97-181 1655,-154 299-2445,-1 1 0,1-1 0,0 1-1,1 0 1,6-6 0,-11 11-45,1-1 1,-1 1-1,1-1 0,-1 1 0,1-1 0,-1 1 1,1 0-1,-1-1 0,1 1 0,0 0 0,-1-1 1,1 1-1,-1 0 0,1 0 0,0 0 0,-1 0 1,1 0-1,0 0 0,-1-1 0,1 1 0,0 1 1,-1-1-1,1 0 0,0 0 0,-1 0 0,1 0 1,-1 0-1,1 1 0,0-1 0,-1 0 0,1 0 1,-1 1-1,1-1 0,0 0 0,-1 1 0,1-1 1,-1 1-1,0-1 0,1 1 0,-1-1 0,1 1 1,-1-1-1,0 1 0,1-1 0,-1 1 0,0 0 1,1-1-1,-1 1 0,0-1 0,0 1 0,0 0 1,0-1-1,0 1 0,1 0 0,-1-1 0,-1 2 1,4 12 2,0 1 1,-2 0 0,1-1 0,-3 29 0,1-24-7,-43 458-74,20-284-125,18-151-73,2 1 0,1-1 0,7 72 1,-3-102 217,0 0 0,0 0 0,1-1 0,1 1 0,0-1 0,0 0 0,2 0 0,-1 0 0,1 0 0,1-1 0,-1 0 0,2 0 0,-1-1 0,2 0 0,-1-1 0,1 1 0,13 8 0,-4-5 55,1-1 0,0-1 0,0-1 1,1-1-1,0-1 0,33 8 0,-25-9 34,0-1 0,1-1 1,-1-2-1,42-1 0,-54-3-3,-1 1 0,1-2 1,-1 0-1,1-1 0,-1 0 1,0-1-1,-1-1 0,1 0 1,-1-1-1,-1-1 0,1 0 1,18-15-1,-24 16-21,0 0 1,0-1-1,-1 1 1,0-1-1,-1-1 0,0 1 1,0-1-1,-1 0 1,0-1-1,-1 1 0,0-1 1,0 0-1,-1 0 1,0 0-1,-1 0 0,0-1 1,-1 1-1,0-1 1,-1-18-1,-1 17 5,0 0 1,-1 0 0,-1 0-1,0 0 1,-1 1-1,0-1 1,0 1-1,-1 0 1,-1 0-1,0 1 1,-1-1 0,0 1-1,0 1 1,-1 0-1,0 0 1,-12-10-1,17 16-11,0 1 1,-1-1-1,1 1 0,-1 0 0,1 0 0,-1 1 0,0-1 0,0 1 0,0 0 1,0-1-1,0 2 0,0-1 0,0 0 0,0 1 0,0 0 0,-7 1 0,5 0-2,0 0-1,-1 0 0,1 1 1,0 0-1,0 1 0,0-1 0,0 1 1,1 0-1,-11 8 0,8-5-5,0 0-1,0 1 0,1 0 1,0 1-1,0 0 1,1 0-1,0 0 1,0 1-1,1 0 1,0 0-1,0 0 0,1 0 1,-3 12-1,6-17-19,1 1-1,-1-1 1,1 1-1,0 0 1,0-1-1,0 1 1,1-1 0,-1 1-1,1-1 1,0 1-1,0-1 1,1 1-1,0-1 1,-1 0-1,1 0 1,1 0-1,-1 0 1,1 0-1,3 4 1,-2-4-135,-1 1 0,1-2 1,1 1-1,-1 0 0,1-1 1,-1 1-1,1-1 0,0-1 0,0 1 1,0-1-1,0 0 0,1 0 0,-1 0 1,11 1-1,3-1-294,1-2 1,-1-1-1,0 0 1,0-1-1,34-9 0,26-2 299,95 1 901,57-6 858,-168 10-1259,-41 6-214,0 0 0,-1-2 1,1-1-1,33-11 0,-52 15-103,-1 0-1,0 0 0,1 0 1,-1-1-1,0 1 1,1 0-1,-1-1 1,0 0-1,0 0 1,0 0-1,0 1 0,1-4 1,-2 3-7,0 1 0,-1-1 0,1 1 0,-1-1 1,1 0-1,-1 1 0,0-1 0,0 0 0,0 1 0,0-1 0,0 0 1,0 1-1,0-1 0,0 0 0,-1 1 0,1-1 0,-1 1 0,1-1 0,-1 0 1,1 1-1,-1-1 0,-1-1 0,-4-6 17,1 1 1,-2-1-1,1 2 0,-1-1 0,0 1 1,0 0-1,-1 0 0,0 1 1,0 0-1,-1 0 0,1 1 0,-1 0 1,-12-4-1,-8-3-39,-1 2-1,0 1 1,-36-6 0,40 9-80,0 2 0,-1 1 0,1 1 0,-51 2 0,73 1-242,-1-1-1,1 1 1,-1 0 0,1 1 0,0-1-1,0 1 1,-1 0 0,1 0-1,0 0 1,1 0 0,-5 3 0,-13 5-1149</inkml:trace>
+</inkml:ink>
+</file>
+
+<file path=ppt/ink/ink102.xml><?xml version="1.0" encoding="utf-8"?>
+<inkml:ink xmlns:inkml="http://www.w3.org/2003/InkML">
+  <inkml:definitions>
+    <inkml:context xml:id="ctx0">
+      <inkml:inkSource xml:id="inkSrc0">
+        <inkml:traceFormat>
+          <inkml:channel name="X" type="integer" min="-2.14748E9" max="2.14748E9" units="cm"/>
+          <inkml:channel name="Y" type="integer" min="-2.14748E9" max="2.14748E9" units="cm"/>
+          <inkml:channel name="F" type="integer" max="32767" units="dev"/>
+        </inkml:traceFormat>
+        <inkml:channelProperties>
+          <inkml:channelProperty channel="X" name="resolution" value="1000" units="1/cm"/>
+          <inkml:channelProperty channel="Y" name="resolution" value="1000" units="1/cm"/>
+          <inkml:channelProperty channel="F" name="resolution" value="0" units="1/dev"/>
+        </inkml:channelProperties>
+      </inkml:inkSource>
+      <inkml:timestamp xml:id="ts0" timeString="2024-08-20T06:53:16.780"/>
+    </inkml:context>
+    <inkml:brush xml:id="br0">
+      <inkml:brushProperty name="width" value="0.05" units="cm"/>
+      <inkml:brushProperty name="height" value="0.05" units="cm"/>
+    </inkml:brush>
+  </inkml:definitions>
+  <inkml:trace contextRef="#ctx0" brushRef="#br0">700 176 4201,'-52'-75'2123,"49"70"-1907,0 1 0,0 0-1,0 0 1,-1 1 0,1-1 0,-1 1-1,0-1 1,0 1 0,0 0 0,0 1 0,-1-1-1,1 1 1,-1 0 0,0 0 0,1 0-1,-8-1 1,11 3-199,0-1 16,-1 0-1,1 0 1,-1 1 0,1-1-1,-1 1 1,1 0 0,-1-1 0,1 1-1,-1 0 1,0 0 0,1 0 0,-1 0-1,1 0 1,-1 0 0,0 0-1,1 1 1,-1-1 0,1 0 0,-1 1-1,1 0 1,-1-1 0,1 1-1,-1 0 1,1-1 0,-2 3 0,-9 1 601,12-3-617,-1-1 0,1 0 1,0 0-1,0 0 0,-1 0 0,1 0 0,0 0 0,-1 0 0,1 1 1,0-1-1,-1 0 0,1 0 0,0 0 0,-1 0 0,1 0 1,0 0-1,-1 0 0,1-1 0,0 1 0,0 0 0,-1 0 0,1 0 1,0 0-1,-1 0 0,1 0 0,0-1 0,0 1 0,-1 0 0,1 0 1,0 0-1,0-1 0,-1 1 0,1 0 0,0 0 0,0-1 1,0 1-1,-1 0 0,1 0 0,0-1 0,0 1 0,1-2 8,0 1 0,0 0-1,0 0 1,0 0 0,0 0-1,0 0 1,0 0 0,0 0-1,1 0 1,-1 0 0,0 1-1,1-1 1,-1 0 0,1 1-1,1-1 1,13-7 132,-5 0-73,-9 6-56,1 0 0,-1 0 0,1 0 0,0 0 0,0 1 1,0-1-1,0 1 0,0 0 0,0 0 0,0 0 0,0 0 1,5 0-1,-2-1 284,-15 11 53,7-7-353,1 0 0,0 0-1,-1-1 1,1 1 0,-1-1 0,0 1-1,0-1 1,1 0 0,-1 0-1,0 0 1,0 0 0,-3 1 0,-18 11 101,-2 6 70,1 1 0,1 0 1,1 2-1,1 1 1,1 1-1,1 0 0,-22 39 1,40-60-182,0-1 1,0 1-1,0-1 1,0 1-1,1-1 1,-1 1-1,1 0 1,0-1-1,0 1 1,0 0-1,0-1 1,0 1-1,0 0 1,1-1-1,-1 1 1,1-1-1,0 1 1,0-1-1,0 1 1,0-1-1,0 1 0,1-1 1,-1 0-1,1 0 1,-1 0-1,3 3 1,5 5 9,1-1 1,-1 0-1,2-1 0,10 7 1,-13-9-4,30 20 34,45 36 56,-75-55-73,1 1 1,-1 1 0,0 0-1,-1 0 1,0 0 0,8 15-1,-12-19 13,-1 1 0,0-1-1,0 0 1,-1 1-1,0-1 1,0 1-1,0 0 1,-1-1-1,0 1 1,0 0 0,0-1-1,0 1 1,-1 0-1,0-1 1,0 1-1,-1-1 1,0 1 0,-2 5-1,-1-1 13,0 0 1,0 0-1,-1 0 0,0-1 0,0 0 0,-1-1 1,-1 1-1,-8 7 0,0-3-23,-1 0 0,0-1 1,-1-1-1,0 0 0,-1-2 0,0 0 0,-40 13 0,21-12-38,1-1 0,-1-2-1,-57 3 1,88-10-59,0 0 0,0 0 0,0-1 0,0 0 0,0 0 0,0 0 0,0-1 0,0 0 0,1 0 0,-1-1 0,-10-6 0,13 7-222,-1-1-1,1 0 0,0-1 1,0 1-1,0-1 1,1 0-1,-1 0 0,1 0 1,0 0-1,0-1 1,0 1-1,1-1 0,-1 0 1,1 1-1,0-1 0,-1-6 1,-9-42-1583</inkml:trace>
+</inkml:ink>
+</file>
+
+<file path=ppt/ink/ink103.xml><?xml version="1.0" encoding="utf-8"?>
+<inkml:ink xmlns:inkml="http://www.w3.org/2003/InkML">
+  <inkml:definitions>
+    <inkml:context xml:id="ctx0">
+      <inkml:inkSource xml:id="inkSrc0">
+        <inkml:traceFormat>
+          <inkml:channel name="X" type="integer" min="-2.14748E9" max="2.14748E9" units="cm"/>
+          <inkml:channel name="Y" type="integer" min="-2.14748E9" max="2.14748E9" units="cm"/>
+          <inkml:channel name="F" type="integer" max="32767" units="dev"/>
+        </inkml:traceFormat>
+        <inkml:channelProperties>
+          <inkml:channelProperty channel="X" name="resolution" value="1000" units="1/cm"/>
+          <inkml:channelProperty channel="Y" name="resolution" value="1000" units="1/cm"/>
+          <inkml:channelProperty channel="F" name="resolution" value="0" units="1/dev"/>
+        </inkml:channelProperties>
+      </inkml:inkSource>
+      <inkml:timestamp xml:id="ts0" timeString="2024-08-20T06:53:17.185"/>
+    </inkml:context>
+    <inkml:brush xml:id="br0">
+      <inkml:brushProperty name="width" value="0.05" units="cm"/>
+      <inkml:brushProperty name="height" value="0.05" units="cm"/>
+    </inkml:brush>
+  </inkml:definitions>
+  <inkml:trace contextRef="#ctx0" brushRef="#br0">47 283 3561,'39'-2'1287,"103"-10"1757,-119 9-2562,0-1 0,-1-1 0,42-15-1,-33 6-106,0-1-1,-1-1 0,-1-2 0,30-23 0,-52 36-239,0 0-1,-1-1 1,1 0-1,7-9 1,-13 14-104,0-1 0,0 1 0,0-1 0,0 1 0,0-1 0,-1 1 0,1-1 0,0 1 0,-1-1 0,1 0 1,-1 1-1,1-1 0,-1 0 0,0 0 0,0 1 0,0-1 0,0 0 0,0 1 0,0-1 0,0 0 0,-1 0 1,1 1-1,-1-1 0,1 0 0,-1 1 0,0-1 0,1 1 0,-3-3 0,1 0-1,-1 1 1,0 0-1,0-1 0,-1 1 0,1 0 1,-1 1-1,1-1 0,-1 1 0,0-1 1,0 1-1,0 0 0,0 1 1,-1-1-1,1 1 0,-8-2 0,-2 1-13,0 0-1,0 1 0,0 0 0,-18 2 1,7 2 2,-1 0 0,1 2 0,1 0 0,-1 2 0,1 1 0,-41 18 0,54-20 38,0 1-1,0 1 1,0-1-1,1 2 1,1-1 0,-16 19-1,-44 65 622,60-80-573,2 0 0,0 1 0,1 0 0,0 0 1,1 1-1,0 0 0,-5 27 0,9-33-85,0-1-1,0 1 1,1 0-1,0-1 1,0 1-1,1 0 1,0-1-1,1 1 1,-1-1-1,1 1 1,1-1-1,0 0 1,0 0 0,0 0-1,1 0 1,8 12-1,-3-10-222,0 1-1,1-1 0,0-1 1,1 0-1,0 0 1,0-1-1,1 0 1,0-1-1,0-1 1,0 0-1,1 0 1,-1-1-1,1-1 1,0 0-1,15 1 0,-15-4-51,-1 0-1,21-3 1</inkml:trace>
+</inkml:ink>
+</file>
+
+<file path=ppt/ink/ink104.xml><?xml version="1.0" encoding="utf-8"?>
+<inkml:ink xmlns:inkml="http://www.w3.org/2003/InkML">
+  <inkml:definitions>
+    <inkml:context xml:id="ctx0">
+      <inkml:inkSource xml:id="inkSrc0">
+        <inkml:traceFormat>
+          <inkml:channel name="X" type="integer" min="-2.14748E9" max="2.14748E9" units="cm"/>
+          <inkml:channel name="Y" type="integer" min="-2.14748E9" max="2.14748E9" units="cm"/>
+          <inkml:channel name="F" type="integer" max="32767" units="dev"/>
+        </inkml:traceFormat>
+        <inkml:channelProperties>
+          <inkml:channelProperty channel="X" name="resolution" value="1000" units="1/cm"/>
+          <inkml:channelProperty channel="Y" name="resolution" value="1000" units="1/cm"/>
+          <inkml:channelProperty channel="F" name="resolution" value="0" units="1/dev"/>
+        </inkml:channelProperties>
+      </inkml:inkSource>
+      <inkml:timestamp xml:id="ts0" timeString="2024-08-20T06:53:17.787"/>
+    </inkml:context>
+    <inkml:brush xml:id="br0">
+      <inkml:brushProperty name="width" value="0.05" units="cm"/>
+      <inkml:brushProperty name="height" value="0.05" units="cm"/>
+    </inkml:brush>
+  </inkml:definitions>
+  <inkml:trace contextRef="#ctx0" brushRef="#br0">489 117 4801,'0'0'86,"1"0"1,-1 0-1,0 0 0,1 0 1,-1 0-1,0 1 0,1-1 1,-1 0-1,0 0 0,1 0 1,-1 0-1,1 0 0,-1 0 1,0 0-1,1 0 0,-1-1 1,0 1-1,1 0 0,-1 0 1,0 0-1,1 0 0,-1 0 1,0-1-1,1 1 0,-1 0 1,0 0-1,1 0 0,-1-1 1,0 1-1,0 0 0,1 0 1,-1-1-1,0 1 0,0 0 1,1-1-1,-4-15 1520,-17-18-533,16 28-1010,-2 1 1,1-1 0,-1 1 0,1 1 0,-1-1-1,-1 1 1,1 0 0,-1 1 0,1-1 0,-1 1 0,0 1-1,0-1 1,0 1 0,-1 0 0,1 1 0,0 0-1,-1 0 1,1 0 0,-1 1 0,1 0 0,-9 1-1,-1 1-8,0 1 0,0 0 0,0 1-1,0 1 1,1 0 0,-1 2 0,-29 15-1,32-14-32,1 1-1,0 0 1,1 1-1,0 0 0,1 1 1,0 0-1,-15 20 1,20-23 34,0 1 1,1-1 0,0 1 0,1 0 0,0 0-1,0 0 1,1 1 0,0-1 0,1 1 0,0 0-1,0 0 1,0 18 0,2-25-26,0-1 0,0 1 0,1-1 1,-1 1-1,1-1 0,-1 1 0,1-1 0,0 0 1,0 1-1,0-1 0,0 0 0,0 1 1,0-1-1,1 0 0,-1 0 0,1 0 0,-1 0 1,1-1-1,0 1 0,0 0 0,0-1 0,0 1 1,0-1-1,0 0 0,0 1 0,0-1 0,1 0 1,-1 0-1,0-1 0,5 2 0,1 0 7,0-1 0,0-1 0,0 1 0,0-1 0,0-1 0,0 1 0,0-1 0,12-3 0,-4-1-25,0 0 0,-1-1 0,0 0 0,0-2 0,0 1 0,-1-2-1,20-14 1,3-8 14,40-42 0,-24 21 91,-52 50-105,0 1-1,0 0 1,0 0-1,0 0 1,0 0 0,0 0-1,0 1 1,0-1-1,1 0 1,-1 0 0,0 1-1,0-1 1,1 1-1,-1-1 1,0 1-1,1-1 1,-1 1 0,1 0-1,-1 0 1,0 0-1,1 0 1,-1 0-1,1 0 1,1 0 0,-1 1-1,-1 0 0,0 0 1,0 0-1,0 0 1,0 0-1,0 1 0,0-1 1,0 0-1,0 1 1,0-1-1,-1 0 0,1 1 1,0-1-1,-1 1 0,1-1 1,-1 1-1,0-1 1,1 2-1,1 11 30,-1-1 0,0 0 0,-2 25 0,-3 114-2,5-137-70,0 1 0,1-1 0,1 1 0,1-1 0,0 0 0,1-1 0,10 23 0,-11-29-53,-3-4-35,1 0 1,0 0-1,0 0 0,0-1 0,1 1 0,-1-1 0,1 1 0,0-1 0,0 0 0,0 0 0,0 0 0,1 0 0,3 2 0,1-2-32,-1-1 1,1 0-1,14 2 1,-19-4 123</inkml:trace>
+</inkml:ink>
+</file>
+
+<file path=ppt/ink/ink105.xml><?xml version="1.0" encoding="utf-8"?>
+<inkml:ink xmlns:inkml="http://www.w3.org/2003/InkML">
+  <inkml:definitions>
+    <inkml:context xml:id="ctx0">
+      <inkml:inkSource xml:id="inkSrc0">
+        <inkml:traceFormat>
+          <inkml:channel name="X" type="integer" min="-2.14748E9" max="2.14748E9" units="cm"/>
+          <inkml:channel name="Y" type="integer" min="-2.14748E9" max="2.14748E9" units="cm"/>
+          <inkml:channel name="F" type="integer" max="32767" units="dev"/>
+        </inkml:traceFormat>
+        <inkml:channelProperties>
+          <inkml:channelProperty channel="X" name="resolution" value="1000" units="1/cm"/>
+          <inkml:channelProperty channel="Y" name="resolution" value="1000" units="1/cm"/>
+          <inkml:channelProperty channel="F" name="resolution" value="0" units="1/dev"/>
+        </inkml:channelProperties>
+      </inkml:inkSource>
+      <inkml:timestamp xml:id="ts0" timeString="2024-08-20T06:53:18.169"/>
+    </inkml:context>
+    <inkml:brush xml:id="br0">
+      <inkml:brushProperty name="width" value="0.05" units="cm"/>
+      <inkml:brushProperty name="height" value="0.05" units="cm"/>
+    </inkml:brush>
+  </inkml:definitions>
+  <inkml:trace contextRef="#ctx0" brushRef="#br0">6 317 9026,'-5'217'6427,"5"-209"-6371,1-7-23,5-14-10,11-40 74,2 1 0,43-82 0,-44 102-177,1 0-1,2 2 1,1 0 0,1 2-1,29-28 1,-46 50-344,1-1 1,-1 1-1,-1-1 1,1-1-1,-1 1 1,5-11-1,4-6-743</inkml:trace>
+</inkml:ink>
+</file>
+
+<file path=ppt/ink/ink106.xml><?xml version="1.0" encoding="utf-8"?>
+<inkml:ink xmlns:inkml="http://www.w3.org/2003/InkML">
+  <inkml:definitions>
+    <inkml:context xml:id="ctx0">
+      <inkml:inkSource xml:id="inkSrc0">
+        <inkml:traceFormat>
+          <inkml:channel name="X" type="integer" min="-2.14748E9" max="2.14748E9" units="cm"/>
+          <inkml:channel name="Y" type="integer" min="-2.14748E9" max="2.14748E9" units="cm"/>
+          <inkml:channel name="F" type="integer" max="32767" units="dev"/>
+        </inkml:traceFormat>
+        <inkml:channelProperties>
+          <inkml:channelProperty channel="X" name="resolution" value="1000" units="1/cm"/>
+          <inkml:channelProperty channel="Y" name="resolution" value="1000" units="1/cm"/>
+          <inkml:channelProperty channel="F" name="resolution" value="0" units="1/dev"/>
+        </inkml:channelProperties>
+      </inkml:inkSource>
+      <inkml:timestamp xml:id="ts0" timeString="2024-08-20T06:53:18.651"/>
+    </inkml:context>
+    <inkml:brush xml:id="br0">
+      <inkml:brushProperty name="width" value="0.05" units="cm"/>
+      <inkml:brushProperty name="height" value="0.05" units="cm"/>
+    </inkml:brush>
+  </inkml:definitions>
+  <inkml:trace contextRef="#ctx0" brushRef="#br0">1 1475 9570,'5'17'1347,"-1"0"0,2 20 0,0 71-71,0-11-1533,-6-94 203,0 1 0,1 0 1,-1-1-1,1 0 0,0 1 1,0-1-1,0 1 0,1-1 1,-1 0-1,1 0 0,0 0 1,-1 0-1,1 0 0,1 0 0,-1 0 1,0-1-1,1 1 0,-1-1 1,1 0-1,5 4 0,-4-4-43,0-1 0,1 1 0,-1-1 0,0 0 0,1 0 0,-1 0 0,1-1 0,0 0 0,-1 0 0,1 0 0,-1 0-1,1-1 1,-1 1 0,1-1 0,5-2 0,2 0-75,0-1 0,-1-1 1,0 0-1,0 0 0,0-1 0,0-1 0,-1 1 0,10-10 0,-6 3-36,0 0 0,-1-1 0,0 0 0,17-26 0,-7 0 8,-1 0 0,-1-1 0,22-67 0,-17 27 758,-3-1 0,-3-1 0,-4-1 0,-4-1 0,3-105 1,-15 94-192,-3 0 1,-5 0 0,-4 1 0,-32-128 0,39 202-333,-2 0 0,0 0 1,0 0-1,-2 1 0,-14-23 1,19 36-23,0 1 0,0 0 0,-1 1 0,0-1 0,0 1 0,0 0 0,0 0 0,-1 1 0,0-1 0,0 1 0,0 0 0,-1 1 0,1 0-1,-1 0 1,0 0 0,0 1 0,0 0 0,-11-2 0,12 3-10,-1 1 0,1-1 0,-1 1 1,1 0-1,-1 1 0,1-1 0,-1 1 0,1 1 0,-1-1 0,1 1 0,0 0 0,0 1 0,0 0 0,-10 5 0,8-2 1,1 0 1,0 0 0,0 0-1,1 1 1,0 0 0,0 0-1,0 0 1,1 1-1,-6 12 1,-1 4 52,2 1 1,1 1-1,1-1 1,1 2-1,2-1 0,-4 38 1,0 42 447,5 1 0,5-1 0,4 1-1,31 167 1,-28-231-308,1 0-1,3 0 1,21 53-1,-26-80-144,0-1 0,1 0 0,1 0 0,1-1 0,0 0 0,0 0 0,1-2 0,1 1 0,0-1 0,1-1 0,24 17 0,-16-16-23,2 0 1,0-2-1,0 0 1,0-2-1,1 0 1,1-2-1,-1-1 1,1 0-1,50 1 0,-10-6 12,-1-2-1,107-18 0,-146 16-29,0 2 0,47 0 0,-59 3-11,0 0 1,0 1 0,0 1 0,-1 0 0,1 1 0,-1 0 0,15 7 0,-11-2 1,0 0 0,-1 1 0,0 1 0,0 0 0,-1 1 0,-1 0 0,22 27 0,-26-29-110,-1 1 1,0 1-1,-1-1 0,-1 1 0,0 0 1,0 1-1,-1-1 0,-1 1 1,0 0-1,-1 0 0,2 17 0,0 11-1117,2-12 479</inkml:trace>
+</inkml:ink>
+</file>
+
+<file path=ppt/ink/ink107.xml><?xml version="1.0" encoding="utf-8"?>
+<inkml:ink xmlns:inkml="http://www.w3.org/2003/InkML">
+  <inkml:definitions>
+    <inkml:context xml:id="ctx0">
+      <inkml:inkSource xml:id="inkSrc0">
+        <inkml:traceFormat>
+          <inkml:channel name="X" type="integer" min="-2.14748E9" max="2.14748E9" units="cm"/>
+          <inkml:channel name="Y" type="integer" min="-2.14748E9" max="2.14748E9" units="cm"/>
+          <inkml:channel name="F" type="integer" max="32767" units="dev"/>
+        </inkml:traceFormat>
+        <inkml:channelProperties>
+          <inkml:channelProperty channel="X" name="resolution" value="1000" units="1/cm"/>
+          <inkml:channelProperty channel="Y" name="resolution" value="1000" units="1/cm"/>
+          <inkml:channelProperty channel="F" name="resolution" value="0" units="1/dev"/>
+        </inkml:channelProperties>
+      </inkml:inkSource>
+      <inkml:timestamp xml:id="ts0" timeString="2024-08-20T06:53:20.699"/>
+    </inkml:context>
+    <inkml:brush xml:id="br0">
+      <inkml:brushProperty name="width" value="0.05" units="cm"/>
+      <inkml:brushProperty name="height" value="0.05" units="cm"/>
+    </inkml:brush>
+  </inkml:definitions>
+  <inkml:trace contextRef="#ctx0" brushRef="#br0">554 717 11010,'4'-5'715,"1"0"0,-1-1 0,1 0 0,4-9 0,-5 9-546,0 0 0,0 0 0,0 0 0,9-8 0,-4 7-116,-1 1 0,2 0-1,18-9 1,-20 12-45,0-1 0,-1 0 0,0 0 0,1 0 1,-2-1-1,1 0 0,0-1 0,-1 0 0,7-8 0,-10 8-5,0 0 0,-1-1 0,0 1 1,0-1-1,-1 0 0,1 1 0,-2-1 0,1 0 0,-1-13 0,-6-67 45,5 83-44,1-1 0,-1-1 0,0 1 0,-1-1 1,1 1-1,-1 0 0,0 0 0,0 0 1,0 0-1,-1 0 0,0 0 0,0 1 1,0-1-1,0 1 0,-7-6 0,2 3 6,-1 0-1,0 1 0,0 0 0,-20-9 0,-9-6 16,33 17-18,0 0-1,-1 0 1,1-1-1,1 0 1,-1 0-1,1 0 1,0-1-1,-5-7 1,4 4 1,-6-6-3,0 1 0,0 0 1,-2 1-1,0 0 0,0 1 0,-1 1 0,0 0 0,-1 0 0,0 2 1,-1 0-1,-28-12 0,30 15-9,0 1 0,-1 1 0,0 0 0,0 1 0,-1 1 0,1 0 0,0 1 0,-1 0 0,1 2 0,-1-1 0,1 2-1,0 0 1,-29 9 0,37-9 4,1 0 0,-1 0 0,1 1-1,0 0 1,0 1 0,0-1-1,0 1 1,0 0 0,1 0 0,0 1-1,0 0 1,0 0 0,0 0-1,1 0 1,0 1 0,0 0-1,1 0 1,-1 0 0,1 0 0,1 0-1,-1 1 1,-2 11 0,0 5 3,1-1 0,1 1-1,1 0 1,0 0 0,2 0 0,1 0 0,1 0 0,1-1 0,1 1 0,1 0 0,9 23 0,13 28 4,69 133 0,-78-171-6,197 387 163,-170-331 1,-5 1-1,-3 1 0,-4 3 0,-5 0 1,19 117-1,-43-183-129,-1 1 0,-1-1 0,-2 1 0,-1-1 0,-8 43 0,6-54 21,-2 0 0,0-1 0,-2 1 1,0-1-1,-1-1 0,0 0 0,-2 0 1,0 0-1,-19 24 0,22-34-8,-1 0 0,0-1 0,0 1 0,0-1 0,-1-1-1,0 0 1,-19 10 0,24-14-32,-1 0-1,1-1 1,-1 1 0,1-1-1,-1 0 1,0 0-1,1-1 1,-1 1 0,-6-1-1,8 0-7,0-1-1,0 1 1,0-1 0,0 0 0,0 0-1,1 0 1,-1 0 0,0 0-1,1-1 1,-1 1 0,1-1-1,-1 1 1,1-1 0,0 0-1,-1 0 1,-1-3 0,0 0-6,0-1 0,1 0 0,0 0 0,0 0 0,0-1 0,1 1 0,0-1 0,0 1 0,1-1 0,-1 0 1,2 1-1,-1-1 0,1 0 0,0-10 0,1-2-40,1 0 0,1 0 1,0 1-1,8-23 0,5-3-138,3 2 0,1 0 0,36-54-1,8-17-319,-31 49 108,2 1 0,3 1 0,91-110 1,-84 122 294,178-207 278,-217 249-149,1 0-1,-1-1 1,-1 1 0,1-1 0,-1 0 0,-1 0 0,0-1 0,0 1 0,4-20-1,-7 28-32,-1 0 1,0 0-1,0 0 0,0-1 0,0 1 0,0 0 0,0 0 0,0 0 0,0-1 0,0 1 0,-1 0 0,1 0 0,0 0 0,-2-3 0,2 4-3,0 0 0,-1-1 0,1 1 1,-1 0-1,1-1 0,0 1 0,-1 0 0,1-1 0,-1 1 0,1 0 0,0 0 1,-1 0-1,1-1 0,-1 1 0,1 0 0,-1 0 0,1 0 0,-1 0 0,1 0 1,-1 0-1,1 0 0,-1 0 0,1 0 0,-2 0 0,0 1-3,0 0 0,-1 0 1,1-1-1,0 2 0,0-1 0,0 0 0,0 0 0,0 1 0,0-1 0,0 1 0,0-1 0,0 1 0,-2 3 0,-19 28-36,-30 57 0,31-52 39,20-33 2,-1 0 1,1-1-1,-1 1 0,1 0 1,0 0-1,1 0 0,-1 0 1,0 8-1,2-12-2,0-1 0,0 0 0,0 0 0,0 0 0,0 1 0,0-1 0,0 0 0,0 0 0,0 0 0,1 1 0,-1-1-1,0 0 1,0 0 0,0 0 0,0 1 0,0-1 0,1 0 0,-1 0 0,0 0 0,0 0 0,0 0 0,0 1 0,1-1 0,-1 0 0,0 0 0,0 0 0,0 0 0,1 0 0,-1 0-1,0 0 1,0 0 0,1 0 0,-1 0 0,0 0 0,0 0 0,0 0 0,1 0 0,-1 0 0,0 0 0,0 0 0,1 0 0,-1 0 0,0 0 0,0 0 0,1 0 0,9-5-37,0-6-68,0 0-1,0-1 0,-1 0 1,-1 0-1,9-17 0,0 1-138,-8 13 136,1 1 0,1 1 0,0 0 0,0 1 0,2 0 0,-1 0 0,25-15 0,-27 20 97,1 1 1,0 0-1,0 0 0,1 2 0,-1-1 1,1 1-1,0 1 0,0 0 1,1 1-1,-1 0 0,18 1 0,-14 1 44,-1 1 0,0 1 0,0 0 0,1 2-1,-2-1 1,1 2 0,0 0 0,-1 1 0,22 11-1,-17-5 64,0 0-1,-1 1 0,0 1 0,-1 1 1,-1 0-1,15 18 0,-20-20-25,104 111-374,-83-96 78</inkml:trace>
+</inkml:ink>
+</file>
+
+<file path=ppt/ink/ink108.xml><?xml version="1.0" encoding="utf-8"?>
+<inkml:ink xmlns:inkml="http://www.w3.org/2003/InkML">
+  <inkml:definitions>
+    <inkml:context xml:id="ctx0">
+      <inkml:inkSource xml:id="inkSrc0">
+        <inkml:traceFormat>
+          <inkml:channel name="X" type="integer" min="-2.14748E9" max="2.14748E9" units="cm"/>
+          <inkml:channel name="Y" type="integer" min="-2.14748E9" max="2.14748E9" units="cm"/>
+          <inkml:channel name="F" type="integer" max="32767" units="dev"/>
+        </inkml:traceFormat>
+        <inkml:channelProperties>
+          <inkml:channelProperty channel="X" name="resolution" value="1000" units="1/cm"/>
+          <inkml:channelProperty channel="Y" name="resolution" value="1000" units="1/cm"/>
+          <inkml:channelProperty channel="F" name="resolution" value="0" units="1/dev"/>
+        </inkml:channelProperties>
+      </inkml:inkSource>
+      <inkml:timestamp xml:id="ts0" timeString="2024-08-20T06:53:21.787"/>
+    </inkml:context>
+    <inkml:brush xml:id="br0">
+      <inkml:brushProperty name="width" value="0.05" units="cm"/>
+      <inkml:brushProperty name="height" value="0.05" units="cm"/>
+    </inkml:brush>
+  </inkml:definitions>
+  <inkml:trace contextRef="#ctx0" brushRef="#br0">712 355 5633,'27'-5'1951,"37"-12"0,-42 10-1892,0-2-1,-1 0 1,0-1-1,20-14 0,-34 19 44,-1 0 0,1-1-1,-1 0 1,-1-1-1,1 1 1,-1-1 0,0 0-1,0 0 1,-1 0-1,0-1 1,0 0 0,-1 0-1,0 0 1,0 0-1,-1 0 1,2-16-1,-4 20-13,0-1-1,-1 0 0,1 1 1,-1-1-1,0 1 0,-1-1 1,1 1-1,-1 0 0,0 0 1,0-1-1,0 1 0,0 0 1,-1 1-1,0-1 0,1 0 0,-2 1 1,1-1-1,0 1 0,-7-5 1,2 2-38,0 0-1,0 0 1,0 1 0,-1 0 0,0 0 0,0 1 0,0 1 0,-13-4 0,8 4-43,1 2-1,-1 0 1,0 0 0,0 1 0,0 1 0,0 1 0,1-1 0,-1 2 0,0 0 0,1 1 0,0 0 0,-25 12-1,-9 8 57,2 1-1,-45 35 0,67-45-2,-35 26 290,1 2 1,-75 76 0,113-98-193,1 0 0,1 1 0,1 1 0,-16 30 0,24-39-88,0 1 0,2 1 1,0-1-1,0 1 0,2 0 1,0 1-1,1-1 1,-2 18-1,5-31-62,0 0-1,0 0 1,0 0 0,0 1-1,0-1 1,1 0 0,-1 0-1,1 0 1,0 0 0,0 0-1,0 0 1,0-1 0,0 1-1,1 0 1,-1 0 0,1-1-1,0 1 1,0-1 0,0 1 0,0-1-1,0 0 1,3 3 0,-1-3-3,0 0 1,0-1 0,0 1 0,1-1 0,-1 1 0,0-1-1,1-1 1,-1 1 0,0 0 0,1-1 0,-1 0-1,1 0 1,-1-1 0,9-1 0,16-2 8,0-1-1,-1-2 1,0-1-1,0-1 1,-1-2 0,0 0-1,-1-2 1,33-21 0,-33 12 16,-26 22-29,0 0 0,0-1 0,1 1-1,-1 0 1,0 0 0,0-1 0,1 1 0,-1 0-1,0 0 1,0-1 0,1 1 0,-1 0 0,0-1-1,0 1 1,0 0 0,0-1 0,0 1-1,0 0 1,0-1 0,1 1 0,-1 0 0,0-1-1,0 1 1,0-1 0,0 1 0,-1 0-1,1-1 1,0 1 0,0 0 0,0-1 0,0 1-1,0 0 1,-1-1 0,-11-1 14,-2 4-13,1 1 0,-1 0 0,1 1 0,0 1 0,0 0 0,1 1 1,-23 13-1,3 1-7,-51 43 1,59-43-1,2 1-1,0 1 1,1 2 0,1-1 0,1 2 0,-31 54 0,43-64 37,0 0 0,0 0 0,2 1 0,0 0 0,1 0 0,0 0 0,1 1 0,1-1 0,1 1 0,0 0 0,1-1 0,1 1 0,1 0 0,5 27 0,-3-29 37,1 1 1,0-1-1,1 0 0,1-1 1,0 0-1,1 0 1,0 0-1,1-1 0,1 0 1,0-1-1,0 0 1,1-1-1,1 0 0,0-1 1,1 0-1,0 0 1,0-2-1,1 0 0,0 0 1,0-1-1,1-1 0,0 0 1,0-1-1,0-1 1,1 0-1,27 2 0,-12-4-549,0-1-1,-1-2 0,1-1 0,0-1 1,48-12-1,32-20-731,-110 35 1206</inkml:trace>
+</inkml:ink>
+</file>
+
+<file path=ppt/ink/ink109.xml><?xml version="1.0" encoding="utf-8"?>
+<inkml:ink xmlns:inkml="http://www.w3.org/2003/InkML">
+  <inkml:definitions>
+    <inkml:context xml:id="ctx0">
+      <inkml:inkSource xml:id="inkSrc0">
+        <inkml:traceFormat>
+          <inkml:channel name="X" type="integer" min="-2.14748E9" max="2.14748E9" units="cm"/>
+          <inkml:channel name="Y" type="integer" min="-2.14748E9" max="2.14748E9" units="cm"/>
+          <inkml:channel name="F" type="integer" max="32767" units="dev"/>
+        </inkml:traceFormat>
+        <inkml:channelProperties>
+          <inkml:channelProperty channel="X" name="resolution" value="1000" units="1/cm"/>
+          <inkml:channelProperty channel="Y" name="resolution" value="1000" units="1/cm"/>
+          <inkml:channelProperty channel="F" name="resolution" value="0" units="1/dev"/>
+        </inkml:channelProperties>
+      </inkml:inkSource>
+      <inkml:timestamp xml:id="ts0" timeString="2024-08-20T06:53:22.174"/>
+    </inkml:context>
+    <inkml:brush xml:id="br0">
+      <inkml:brushProperty name="width" value="0.05" units="cm"/>
+      <inkml:brushProperty name="height" value="0.05" units="cm"/>
+    </inkml:brush>
+  </inkml:definitions>
+  <inkml:trace contextRef="#ctx0" brushRef="#br0">1 0 13619,'68'78'5089,"-8"-11"-3281,-20-16-1720</inkml:trace>
+</inkml:ink>
+</file>
+
 <file path=ppt/ink/ink11.xml><?xml version="1.0" encoding="utf-8"?>
 <inkml:ink xmlns:inkml="http://www.w3.org/2003/InkML">
   <inkml:definitions>
@@ -212,6 +1573,276 @@
     </inkml:brush>
   </inkml:definitions>
   <inkml:trace contextRef="#ctx0" brushRef="#br0">8 50 7090,'-3'0'4600,"2"0"-3767,-1 0-449,1 0-112,1-1-168,0-1-24,19-7-40,37-12-24,-28 13-32,-11 0-16,8 8-216,-3 0-280,-9 3-609,10 1-463,-6 2 952</inkml:trace>
+</inkml:ink>
+</file>
+
+<file path=ppt/ink/ink110.xml><?xml version="1.0" encoding="utf-8"?>
+<inkml:ink xmlns:inkml="http://www.w3.org/2003/InkML">
+  <inkml:definitions>
+    <inkml:context xml:id="ctx0">
+      <inkml:inkSource xml:id="inkSrc0">
+        <inkml:traceFormat>
+          <inkml:channel name="X" type="integer" min="-2.14748E9" max="2.14748E9" units="cm"/>
+          <inkml:channel name="Y" type="integer" min="-2.14748E9" max="2.14748E9" units="cm"/>
+          <inkml:channel name="F" type="integer" max="32767" units="dev"/>
+        </inkml:traceFormat>
+        <inkml:channelProperties>
+          <inkml:channelProperty channel="X" name="resolution" value="1000" units="1/cm"/>
+          <inkml:channelProperty channel="Y" name="resolution" value="1000" units="1/cm"/>
+          <inkml:channelProperty channel="F" name="resolution" value="0" units="1/dev"/>
+        </inkml:channelProperties>
+      </inkml:inkSource>
+      <inkml:timestamp xml:id="ts0" timeString="2024-08-20T06:53:47.495"/>
+    </inkml:context>
+    <inkml:brush xml:id="br0">
+      <inkml:brushProperty name="width" value="0.05" units="cm"/>
+      <inkml:brushProperty name="height" value="0.05" units="cm"/>
+    </inkml:brush>
+  </inkml:definitions>
+  <inkml:trace contextRef="#ctx0" brushRef="#br0">0 1 12051,'73'33'4401,"-7"-7"-3345,33-1-928,6-6-64,-17-17-24,5-4-16,-30-14-384,-10-3-456,-12 0 511</inkml:trace>
+</inkml:ink>
+</file>
+
+<file path=ppt/ink/ink111.xml><?xml version="1.0" encoding="utf-8"?>
+<inkml:ink xmlns:inkml="http://www.w3.org/2003/InkML">
+  <inkml:definitions>
+    <inkml:context xml:id="ctx0">
+      <inkml:inkSource xml:id="inkSrc0">
+        <inkml:traceFormat>
+          <inkml:channel name="X" type="integer" min="-2.14748E9" max="2.14748E9" units="cm"/>
+          <inkml:channel name="Y" type="integer" min="-2.14748E9" max="2.14748E9" units="cm"/>
+          <inkml:channel name="F" type="integer" max="32767" units="dev"/>
+        </inkml:traceFormat>
+        <inkml:channelProperties>
+          <inkml:channelProperty channel="X" name="resolution" value="1000" units="1/cm"/>
+          <inkml:channelProperty channel="Y" name="resolution" value="1000" units="1/cm"/>
+          <inkml:channelProperty channel="F" name="resolution" value="0" units="1/dev"/>
+        </inkml:channelProperties>
+      </inkml:inkSource>
+      <inkml:timestamp xml:id="ts0" timeString="2024-08-20T06:53:57.834"/>
+    </inkml:context>
+    <inkml:brush xml:id="br0">
+      <inkml:brushProperty name="width" value="0.05" units="cm"/>
+      <inkml:brushProperty name="height" value="0.05" units="cm"/>
+    </inkml:brush>
+  </inkml:definitions>
+  <inkml:trace contextRef="#ctx0" brushRef="#br0">68 20 5145,'-2'0'341,"0"0"-1,0 1 1,0-1-1,-1 0 1,1 0-1,0 0 1,0 0-1,0-1 1,0 1-1,-1 0 1,1-1-1,0 0 1,0 1-1,0-1 1,0 0-1,0 0 1,-3-2-1,-15-6 1430,13 7 2,9 4-1001,14 5-643,77 26-45,-46-14-24,1-3 1,91 18 0,396 30 206,-402-52-212,245 21 182,613 4 601,-888-35-1055,115-4-2459,-154-7 1781</inkml:trace>
+</inkml:ink>
+</file>
+
+<file path=ppt/ink/ink112.xml><?xml version="1.0" encoding="utf-8"?>
+<inkml:ink xmlns:inkml="http://www.w3.org/2003/InkML">
+  <inkml:definitions>
+    <inkml:context xml:id="ctx0">
+      <inkml:inkSource xml:id="inkSrc0">
+        <inkml:traceFormat>
+          <inkml:channel name="X" type="integer" min="-2.14748E9" max="2.14748E9" units="cm"/>
+          <inkml:channel name="Y" type="integer" min="-2.14748E9" max="2.14748E9" units="cm"/>
+          <inkml:channel name="F" type="integer" max="32767" units="dev"/>
+        </inkml:traceFormat>
+        <inkml:channelProperties>
+          <inkml:channelProperty channel="X" name="resolution" value="1000" units="1/cm"/>
+          <inkml:channelProperty channel="Y" name="resolution" value="1000" units="1/cm"/>
+          <inkml:channelProperty channel="F" name="resolution" value="0" units="1/dev"/>
+        </inkml:channelProperties>
+      </inkml:inkSource>
+      <inkml:timestamp xml:id="ts0" timeString="2024-08-20T06:53:48.750"/>
+    </inkml:context>
+    <inkml:brush xml:id="br0">
+      <inkml:brushProperty name="width" value="0.05" units="cm"/>
+      <inkml:brushProperty name="height" value="0.05" units="cm"/>
+    </inkml:brush>
+  </inkml:definitions>
+  <inkml:trace contextRef="#ctx0" brushRef="#br0">299 327 7538,'-24'3'1101,"1"2"0,-28 8 0,42-10-1031,-1 1 0,1 0 0,0 0 0,1 1 0,-1 0 0,1 1 1,0 0-1,-8 8 0,4-2 74,1 0 0,1 1 0,0 0 0,0 1 1,2 0-1,0 1 0,0 0 0,1 0 0,1 0 1,1 1-1,0 0 0,1 0 0,0 1 0,2-1 0,0 1 1,0 19-1,2-17-97,1 0 1,0 1 0,2-1 0,0 0-1,1 0 1,1-1 0,0 1 0,2-1-1,0 0 1,1 0 0,1-1 0,0 0-1,23 29 1,-17-28-1,1-1-1,0 0 0,1-2 1,1 1-1,1-2 1,0-1-1,0 0 0,1-1 1,1-1-1,0-1 1,1-1-1,0-1 0,0-1 1,0-1-1,1-1 1,0-1-1,0 0 0,1-2 1,34-1-1,-32-3 26,1-1 0,-1 0 0,0-2 0,0-1 0,-1-1-1,0-2 1,0 0 0,-1-1 0,0-2 0,-1 0 0,0-2-1,-1 0 1,-1-2 0,0 0 0,29-30 0,-23 16-33,-1 0 0,-2-1 1,-2-2-1,29-52 0,-45 72-12,-1 0-1,1 0 1,-2-1-1,0 0 1,-1 0 0,0 0-1,-1 0 1,0-1 0,-2-23-1,-1 16 39,-2 0 0,-1 0-1,0 1 1,-2-1 0,-14-34 0,6 23-11,-2 1 1,-2 1-1,-1 1 1,-1 0-1,-1 1 1,-2 2 0,-1 0-1,-1 1 1,-32-25-1,39 36-46,0 0 1,-1 2-1,0 0 0,-1 2 1,-1 0-1,-31-12 0,37 18-2,-1 1 0,0 0 0,-1 1-1,1 0 1,0 1 0,-1 2 0,0-1 0,1 2-1,-31 4 1,29-1 33,0 0 0,1 1-1,0 1 1,0 0 0,0 2-1,0 0 1,1 0 0,1 2 0,-19 14-1,25-17-166,1 0-1,0 1 1,0 0-1,1 1 1,0 0-1,1 0 1,-7 11-1,9-12-320,1-1-1,0 0 1,0 1-1,1 0 1,0 0-1,0 0 1,1 0-1,0 0 1,0 0 0,1 14-1,4 13-1328</inkml:trace>
+</inkml:ink>
+</file>
+
+<file path=ppt/ink/ink113.xml><?xml version="1.0" encoding="utf-8"?>
+<inkml:ink xmlns:inkml="http://www.w3.org/2003/InkML">
+  <inkml:definitions>
+    <inkml:context xml:id="ctx0">
+      <inkml:inkSource xml:id="inkSrc0">
+        <inkml:traceFormat>
+          <inkml:channel name="X" type="integer" min="-2.14748E9" max="2.14748E9" units="cm"/>
+          <inkml:channel name="Y" type="integer" min="-2.14748E9" max="2.14748E9" units="cm"/>
+          <inkml:channel name="F" type="integer" max="32767" units="dev"/>
+        </inkml:traceFormat>
+        <inkml:channelProperties>
+          <inkml:channelProperty channel="X" name="resolution" value="1000" units="1/cm"/>
+          <inkml:channelProperty channel="Y" name="resolution" value="1000" units="1/cm"/>
+          <inkml:channelProperty channel="F" name="resolution" value="0" units="1/dev"/>
+        </inkml:channelProperties>
+      </inkml:inkSource>
+      <inkml:timestamp xml:id="ts0" timeString="2024-08-20T06:53:49.089"/>
+    </inkml:context>
+    <inkml:brush xml:id="br0">
+      <inkml:brushProperty name="width" value="0.05" units="cm"/>
+      <inkml:brushProperty name="height" value="0.05" units="cm"/>
+    </inkml:brush>
+  </inkml:definitions>
+  <inkml:trace contextRef="#ctx0" brushRef="#br0">0 1 14483,'41'23'4769,"-2"-23"-5577,-2-13 520</inkml:trace>
+</inkml:ink>
+</file>
+
+<file path=ppt/ink/ink114.xml><?xml version="1.0" encoding="utf-8"?>
+<inkml:ink xmlns:inkml="http://www.w3.org/2003/InkML">
+  <inkml:definitions>
+    <inkml:context xml:id="ctx0">
+      <inkml:inkSource xml:id="inkSrc0">
+        <inkml:traceFormat>
+          <inkml:channel name="X" type="integer" min="-2.14748E9" max="2.14748E9" units="cm"/>
+          <inkml:channel name="Y" type="integer" min="-2.14748E9" max="2.14748E9" units="cm"/>
+          <inkml:channel name="F" type="integer" max="32767" units="dev"/>
+        </inkml:traceFormat>
+        <inkml:channelProperties>
+          <inkml:channelProperty channel="X" name="resolution" value="1000" units="1/cm"/>
+          <inkml:channelProperty channel="Y" name="resolution" value="1000" units="1/cm"/>
+          <inkml:channelProperty channel="F" name="resolution" value="0" units="1/dev"/>
+        </inkml:channelProperties>
+      </inkml:inkSource>
+      <inkml:timestamp xml:id="ts0" timeString="2024-08-20T06:53:49.679"/>
+    </inkml:context>
+    <inkml:brush xml:id="br0">
+      <inkml:brushProperty name="width" value="0.05" units="cm"/>
+      <inkml:brushProperty name="height" value="0.05" units="cm"/>
+    </inkml:brush>
+  </inkml:definitions>
+  <inkml:trace contextRef="#ctx0" brushRef="#br0">0 23 8530,'46'1'3609,"8"2"-1697,4-3-1656,5-6-304,8 2-376,-11-6-144,-9 4-256,-3 6 464</inkml:trace>
+</inkml:ink>
+</file>
+
+<file path=ppt/ink/ink115.xml><?xml version="1.0" encoding="utf-8"?>
+<inkml:ink xmlns:inkml="http://www.w3.org/2003/InkML">
+  <inkml:definitions>
+    <inkml:context xml:id="ctx0">
+      <inkml:inkSource xml:id="inkSrc0">
+        <inkml:traceFormat>
+          <inkml:channel name="X" type="integer" min="-2.14748E9" max="2.14748E9" units="cm"/>
+          <inkml:channel name="Y" type="integer" min="-2.14748E9" max="2.14748E9" units="cm"/>
+          <inkml:channel name="F" type="integer" max="32767" units="dev"/>
+        </inkml:traceFormat>
+        <inkml:channelProperties>
+          <inkml:channelProperty channel="X" name="resolution" value="1000" units="1/cm"/>
+          <inkml:channelProperty channel="Y" name="resolution" value="1000" units="1/cm"/>
+          <inkml:channelProperty channel="F" name="resolution" value="0" units="1/dev"/>
+        </inkml:channelProperties>
+      </inkml:inkSource>
+      <inkml:timestamp xml:id="ts0" timeString="2024-08-20T06:53:50.131"/>
+    </inkml:context>
+    <inkml:brush xml:id="br0">
+      <inkml:brushProperty name="width" value="0.05" units="cm"/>
+      <inkml:brushProperty name="height" value="0.05" units="cm"/>
+    </inkml:brush>
+  </inkml:definitions>
+  <inkml:trace contextRef="#ctx0" brushRef="#br0">158 0 9946,'-1'4'299,"-1"1"1,1-1-1,0 0 1,0 0-1,0 1 0,0-1 1,1 1-1,0-1 0,0 0 1,0 1-1,0-1 1,1 1-1,-1-1 0,1 0 1,1 1-1,1 4 0,4 10-534,1 1-1,11 20 1,-12-28 465,27 47-358,3 0 0,3-3 0,73 81 0,-93-115 109,-1 1 0,22 38 1,-35-52 67,-1 1 0,-1 0 0,1-1 0,-2 1 0,1 1 0,-2-1 0,1 0 0,-1 1 0,-1-1 0,1 13 0,-2-14 74,0-1 0,-1 1 0,0-1 0,0 0 0,-1 1 0,0-1 1,0 0-1,-1 0 0,0 0 0,0-1 0,-1 1 0,0-1 0,0 1 0,-1-1 0,-11 12 1,-12 25 362,25-37-450,-1 0 0,0 0 0,0 0 0,-1-1 0,0 0 0,0 0 0,0 0 0,0-1 0,-1 0 0,0 0 0,-12 8 0,7-8-55,1-1 0,-1 0 0,0-1 0,0 0 0,0 0-1,-13 0 1,-72 3-1004,32-4-951,50-1 1216,4 1 93,0-2 0,0 0 0,-11 0 0,4-4 16,0 0 0,-24-9 0</inkml:trace>
+</inkml:ink>
+</file>
+
+<file path=ppt/ink/ink116.xml><?xml version="1.0" encoding="utf-8"?>
+<inkml:ink xmlns:inkml="http://www.w3.org/2003/InkML">
+  <inkml:definitions>
+    <inkml:context xml:id="ctx0">
+      <inkml:inkSource xml:id="inkSrc0">
+        <inkml:traceFormat>
+          <inkml:channel name="X" type="integer" min="-2.14748E9" max="2.14748E9" units="cm"/>
+          <inkml:channel name="Y" type="integer" min="-2.14748E9" max="2.14748E9" units="cm"/>
+          <inkml:channel name="F" type="integer" max="32767" units="dev"/>
+        </inkml:traceFormat>
+        <inkml:channelProperties>
+          <inkml:channelProperty channel="X" name="resolution" value="1000" units="1/cm"/>
+          <inkml:channelProperty channel="Y" name="resolution" value="1000" units="1/cm"/>
+          <inkml:channelProperty channel="F" name="resolution" value="0" units="1/dev"/>
+        </inkml:channelProperties>
+      </inkml:inkSource>
+      <inkml:timestamp xml:id="ts0" timeString="2024-08-20T06:53:52.275"/>
+    </inkml:context>
+    <inkml:brush xml:id="br0">
+      <inkml:brushProperty name="width" value="0.05" units="cm"/>
+      <inkml:brushProperty name="height" value="0.05" units="cm"/>
+    </inkml:brush>
+  </inkml:definitions>
+  <inkml:trace contextRef="#ctx0" brushRef="#br0">1 0 9874,'0'3'221,"1"0"0,0 0 1,0 0-1,0-1 0,0 1 0,0 0 0,1 0 1,-1-1-1,1 1 0,0-1 0,0 0 0,0 1 1,0-1-1,0 0 0,0 0 0,0 0 0,1 0 0,-1-1 1,1 1-1,-1-1 0,6 3 0,6 2-325,-1-1-1,29 8 1,-36-12 293,63 13-120,7-2-16,129 30-16,11 17-17,-185-46-19,0 1 1,-2 1-1,0 1 0,-1 2 1,0 0-1,-2 2 0,0 2 0,-1 0 1,-2 1-1,0 1 0,34 49 0,-18-17-3,42 81-1,21 68 1,-68-135 3,174 356 402,-123-246 419,-65-132-102,24 87 0,-39-116-513,-1 1-1,-1 0 1,-1 0-1,0 0 1,-2 0-1,0 0 0,-1 0 1,-1 0-1,-1 0 1,-1 0-1,-10 30 1,7-35-134,0-1 0,0-1 1,-1 1-1,-1-1 0,0-1 0,-1 0 0,0 0 1,-1-1-1,0 0 0,-1-1 0,0 0 0,-1-1 1,0 0-1,-16 8 0,-23 9-76,-1-2 1,-81 24-1,101-36-28,13-6 8,-247 78-1519,219-72 356,-1-2-1,1-3 1,-86 3-1,22-19-97</inkml:trace>
+</inkml:ink>
+</file>
+
+<file path=ppt/ink/ink117.xml><?xml version="1.0" encoding="utf-8"?>
+<inkml:ink xmlns:inkml="http://www.w3.org/2003/InkML">
+  <inkml:definitions>
+    <inkml:context xml:id="ctx0">
+      <inkml:inkSource xml:id="inkSrc0">
+        <inkml:traceFormat>
+          <inkml:channel name="X" type="integer" min="-2.14748E9" max="2.14748E9" units="cm"/>
+          <inkml:channel name="Y" type="integer" min="-2.14748E9" max="2.14748E9" units="cm"/>
+          <inkml:channel name="F" type="integer" max="32767" units="dev"/>
+        </inkml:traceFormat>
+        <inkml:channelProperties>
+          <inkml:channelProperty channel="X" name="resolution" value="1000" units="1/cm"/>
+          <inkml:channelProperty channel="Y" name="resolution" value="1000" units="1/cm"/>
+          <inkml:channelProperty channel="F" name="resolution" value="0" units="1/dev"/>
+        </inkml:channelProperties>
+      </inkml:inkSource>
+      <inkml:timestamp xml:id="ts0" timeString="2024-08-20T06:53:58.685"/>
+    </inkml:context>
+    <inkml:brush xml:id="br0">
+      <inkml:brushProperty name="width" value="0.05" units="cm"/>
+      <inkml:brushProperty name="height" value="0.05" units="cm"/>
+    </inkml:brush>
+  </inkml:definitions>
+  <inkml:trace contextRef="#ctx0" brushRef="#br0">1 0 8834,'4'7'3713,"5"5"-2041,5 3-960,29 8-536,6 2 0,48 14 120,14 4 80,27 8 161,23 1 55,27 15-96,9-7-48,38-3-160,-73-26-104,0 1-168,130 1-112,16-6-488,-73-24-448,-83-27 632</inkml:trace>
+</inkml:ink>
+</file>
+
+<file path=ppt/ink/ink118.xml><?xml version="1.0" encoding="utf-8"?>
+<inkml:ink xmlns:inkml="http://www.w3.org/2003/InkML">
+  <inkml:definitions>
+    <inkml:context xml:id="ctx0">
+      <inkml:inkSource xml:id="inkSrc0">
+        <inkml:traceFormat>
+          <inkml:channel name="X" type="integer" min="-2.14748E9" max="2.14748E9" units="cm"/>
+          <inkml:channel name="Y" type="integer" min="-2.14748E9" max="2.14748E9" units="cm"/>
+          <inkml:channel name="F" type="integer" max="32767" units="dev"/>
+        </inkml:traceFormat>
+        <inkml:channelProperties>
+          <inkml:channelProperty channel="X" name="resolution" value="1000" units="1/cm"/>
+          <inkml:channelProperty channel="Y" name="resolution" value="1000" units="1/cm"/>
+          <inkml:channelProperty channel="F" name="resolution" value="0" units="1/dev"/>
+        </inkml:channelProperties>
+      </inkml:inkSource>
+      <inkml:timestamp xml:id="ts0" timeString="2024-08-20T06:54:02.748"/>
+    </inkml:context>
+    <inkml:brush xml:id="br0">
+      <inkml:brushProperty name="width" value="0.05" units="cm"/>
+      <inkml:brushProperty name="height" value="0.05" units="cm"/>
+    </inkml:brush>
+  </inkml:definitions>
+  <inkml:trace contextRef="#ctx0" brushRef="#br0">1 779 7386,'560'-280'4296,"20"45"-3198,-394 176-867,2 8 0,262-36-1,394 21-146,-349 83-37,-145 27 0,-284-31-106,0 3-1,105 40 0,-155-50-162,1 1 0,-2 1 0,1 0 0,-1 1 0,0 1 0,-1 0 0,0 1 0,-1 0-1,0 2 1,-1-1 0,0 1 0,-1 1 0,13 20 0,43 75-3667</inkml:trace>
+</inkml:ink>
+</file>
+
+<file path=ppt/ink/ink119.xml><?xml version="1.0" encoding="utf-8"?>
+<inkml:ink xmlns:inkml="http://www.w3.org/2003/InkML">
+  <inkml:definitions>
+    <inkml:context xml:id="ctx0">
+      <inkml:inkSource xml:id="inkSrc0">
+        <inkml:traceFormat>
+          <inkml:channel name="X" type="integer" min="-2.14748E9" max="2.14748E9" units="cm"/>
+          <inkml:channel name="Y" type="integer" min="-2.14748E9" max="2.14748E9" units="cm"/>
+          <inkml:channel name="F" type="integer" max="32767" units="dev"/>
+        </inkml:traceFormat>
+        <inkml:channelProperties>
+          <inkml:channelProperty channel="X" name="resolution" value="1000" units="1/cm"/>
+          <inkml:channelProperty channel="Y" name="resolution" value="1000" units="1/cm"/>
+          <inkml:channelProperty channel="F" name="resolution" value="0" units="1/dev"/>
+        </inkml:channelProperties>
+      </inkml:inkSource>
+      <inkml:timestamp xml:id="ts0" timeString="2024-08-20T06:54:03.882"/>
+    </inkml:context>
+    <inkml:brush xml:id="br0">
+      <inkml:brushProperty name="width" value="0.05" units="cm"/>
+      <inkml:brushProperty name="height" value="0.05" units="cm"/>
+    </inkml:brush>
+  </inkml:definitions>
+  <inkml:trace contextRef="#ctx0" brushRef="#br0">0 634 9586,'28'-21'3320,"10"-16"-2485,8-8-913,-14 22 89,0 2 0,1 1 0,50-22 0,115-37-4,-175 70-5,456-133 67,12 44-6,259 10-68,-520 80 5,293 25 0,-233 16 139,-1 12 0,338 99 0,-491-106-236</inkml:trace>
 </inkml:ink>
 </file>
 
@@ -243,6 +1874,276 @@
 </inkml:ink>
 </file>
 
+<file path=ppt/ink/ink120.xml><?xml version="1.0" encoding="utf-8"?>
+<inkml:ink xmlns:inkml="http://www.w3.org/2003/InkML">
+  <inkml:definitions>
+    <inkml:context xml:id="ctx0">
+      <inkml:inkSource xml:id="inkSrc0">
+        <inkml:traceFormat>
+          <inkml:channel name="X" type="integer" min="-2.14748E9" max="2.14748E9" units="cm"/>
+          <inkml:channel name="Y" type="integer" min="-2.14748E9" max="2.14748E9" units="cm"/>
+          <inkml:channel name="F" type="integer" max="32767" units="dev"/>
+        </inkml:traceFormat>
+        <inkml:channelProperties>
+          <inkml:channelProperty channel="X" name="resolution" value="1000" units="1/cm"/>
+          <inkml:channelProperty channel="Y" name="resolution" value="1000" units="1/cm"/>
+          <inkml:channelProperty channel="F" name="resolution" value="0" units="1/dev"/>
+        </inkml:channelProperties>
+      </inkml:inkSource>
+      <inkml:timestamp xml:id="ts0" timeString="2024-08-20T06:54:12.125"/>
+    </inkml:context>
+    <inkml:brush xml:id="br0">
+      <inkml:brushProperty name="width" value="0.05" units="cm"/>
+      <inkml:brushProperty name="height" value="0.05" units="cm"/>
+    </inkml:brush>
+  </inkml:definitions>
+  <inkml:trace contextRef="#ctx0" brushRef="#br0">106 521 7738,'1'10'863,"1"0"1,0-1 0,0 1 0,5 11 0,4 6-735,18 31 1,-22-44 82,7 14-170,1-1 0,1-1 0,2-1 0,0 0 0,2-1-1,43 41 1,-46-50-9,1-1 0,0-2-1,1 1 1,40 18-1,-50-27-19,1-1 0,-1 1-1,1-1 1,0-1 0,0 0 0,0 0-1,0-1 1,0 0 0,0-1 0,0 0 0,0-1-1,0 0 1,18-4 0,-19 1-5,0 1 1,-1-2-1,1 1 0,-1-1 1,-1 0-1,1-1 0,-1 1 1,1-2-1,-2 1 1,1-1-1,-1 0 0,0 0 1,0-1-1,-1 0 0,0 0 1,-1 0-1,6-13 1,-2 2 1,-1 0 0,0-1 1,-2 1-1,0-1 0,-1 0 1,-2 0-1,2-22 0,-5 18 21,-1 1 1,0-1-1,-2 0 0,0 1 0,-2 0 0,-1 0 1,0 1-1,-2 0 0,-1 0 0,-20-34 0,0 9 190,-2 1-1,-1 2 0,-53-52 0,65 74 75,-1 0-1,-1 2 1,-1 1-1,-50-31 1,62 43-176,-1 1 0,0 0 1,0 1-1,0 0 0,0 1 0,-1 1 0,0 0 0,0 1 1,0 0-1,0 1 0,0 0 0,-15 3 0,22-1-85,0 0 0,1 0 0,-1 1 0,1 0-1,-1 1 1,1-1 0,0 1 0,0 1 0,0-1-1,0 1 1,0 0 0,1 0 0,0 1 0,0-1-1,0 1 1,1 0 0,-1 1 0,1-1 0,0 1-1,1 0 1,-6 11 0,1 1-125,0 1 0,2 0-1,0 0 1,1 0 0,1 1 0,-2 22 0,3 38-1335,6 1 627</inkml:trace>
+</inkml:ink>
+</file>
+
+<file path=ppt/ink/ink121.xml><?xml version="1.0" encoding="utf-8"?>
+<inkml:ink xmlns:inkml="http://www.w3.org/2003/InkML">
+  <inkml:definitions>
+    <inkml:context xml:id="ctx0">
+      <inkml:inkSource xml:id="inkSrc0">
+        <inkml:traceFormat>
+          <inkml:channel name="X" type="integer" min="-2.14748E9" max="2.14748E9" units="cm"/>
+          <inkml:channel name="Y" type="integer" min="-2.14748E9" max="2.14748E9" units="cm"/>
+          <inkml:channel name="F" type="integer" max="32767" units="dev"/>
+        </inkml:traceFormat>
+        <inkml:channelProperties>
+          <inkml:channelProperty channel="X" name="resolution" value="1000" units="1/cm"/>
+          <inkml:channelProperty channel="Y" name="resolution" value="1000" units="1/cm"/>
+          <inkml:channelProperty channel="F" name="resolution" value="0" units="1/dev"/>
+        </inkml:channelProperties>
+      </inkml:inkSource>
+      <inkml:timestamp xml:id="ts0" timeString="2024-08-20T06:54:12.499"/>
+    </inkml:context>
+    <inkml:brush xml:id="br0">
+      <inkml:brushProperty name="width" value="0.05" units="cm"/>
+      <inkml:brushProperty name="height" value="0.05" units="cm"/>
+    </inkml:brush>
+  </inkml:definitions>
+  <inkml:trace contextRef="#ctx0" brushRef="#br0">1 1 16107,'35'10'-2080,"-21"-9"-1393,10 7 1889</inkml:trace>
+</inkml:ink>
+</file>
+
+<file path=ppt/ink/ink122.xml><?xml version="1.0" encoding="utf-8"?>
+<inkml:ink xmlns:inkml="http://www.w3.org/2003/InkML">
+  <inkml:definitions>
+    <inkml:context xml:id="ctx0">
+      <inkml:inkSource xml:id="inkSrc0">
+        <inkml:traceFormat>
+          <inkml:channel name="X" type="integer" min="-2.14748E9" max="2.14748E9" units="cm"/>
+          <inkml:channel name="Y" type="integer" min="-2.14748E9" max="2.14748E9" units="cm"/>
+          <inkml:channel name="F" type="integer" max="32767" units="dev"/>
+        </inkml:traceFormat>
+        <inkml:channelProperties>
+          <inkml:channelProperty channel="X" name="resolution" value="1000" units="1/cm"/>
+          <inkml:channelProperty channel="Y" name="resolution" value="1000" units="1/cm"/>
+          <inkml:channelProperty channel="F" name="resolution" value="0" units="1/dev"/>
+        </inkml:channelProperties>
+      </inkml:inkSource>
+      <inkml:timestamp xml:id="ts0" timeString="2024-08-20T06:54:12.856"/>
+    </inkml:context>
+    <inkml:brush xml:id="br0">
+      <inkml:brushProperty name="width" value="0.05" units="cm"/>
+      <inkml:brushProperty name="height" value="0.05" units="cm"/>
+    </inkml:brush>
+  </inkml:definitions>
+  <inkml:trace contextRef="#ctx0" brushRef="#br0">12 165 6721,'-2'-4'117,"0"0"-1,1 0 1,-1 0-1,1 0 1,0 0-1,0-1 1,0 1-1,1 0 1,-1-1-1,1 1 1,0 0 0,0-1-1,1 1 1,-1 0-1,1-1 1,0 1-1,0 0 1,0 0-1,1 0 1,-1 0-1,1 0 1,0 0-1,1 0 1,-1 0-1,0 1 1,1-1-1,0 1 1,0 0-1,0 0 1,0 0-1,0 0 1,1 0-1,-1 1 1,1 0-1,4-3 1,2 1-42,0-1 1,0 2-1,0-1 1,1 1-1,-1 1 1,1 0-1,0 0 0,0 1 1,-1 1-1,1-1 1,0 2-1,0 0 1,16 3-1,-19-3-29,0 1-1,-1 0 0,1 1 1,-1 0-1,0 0 0,1 0 1,-1 1-1,-1 0 0,1 0 1,-1 1-1,1 0 0,-1 0 1,-1 1-1,1-1 0,-1 1 0,0 0 1,0 1-1,-1-1 0,5 10 1,-3-4 121,-1 1 1,0 0-1,-1 0 1,-1 0-1,0 1 1,0-1-1,0 27 1,-4-14 254,0 0 1,-2 1 0,-7 30 0,7-43-278,-19 114 890,20-108-896,1 1 0,0-1 0,1 1 0,5 25 0,1-14 48,13 38 0,-18-66-228,1-1 0,-1 0 1,1 1-1,-1-1 1,1 0-1,0 0 1,0 0-1,0-1 1,1 1-1,-1 0 1,1-1-1,-1 0 1,1 1-1,0-1 0,0 0 1,0 0-1,0-1 1,0 1-1,0-1 1,1 1-1,-1-1 1,0 0-1,7 1 1,-2-1-235,-1 0 0,1-1 1,-1 0-1,0 0 1,1-1-1,-1 0 1,1 0-1,-1 0 1,0-1-1,7-3 1,-6 2-277,-1-1-1,1 0 1,10-9 0,24-16-768</inkml:trace>
+</inkml:ink>
+</file>
+
+<file path=ppt/ink/ink123.xml><?xml version="1.0" encoding="utf-8"?>
+<inkml:ink xmlns:inkml="http://www.w3.org/2003/InkML">
+  <inkml:definitions>
+    <inkml:context xml:id="ctx0">
+      <inkml:inkSource xml:id="inkSrc0">
+        <inkml:traceFormat>
+          <inkml:channel name="X" type="integer" min="-2.14748E9" max="2.14748E9" units="cm"/>
+          <inkml:channel name="Y" type="integer" min="-2.14748E9" max="2.14748E9" units="cm"/>
+          <inkml:channel name="F" type="integer" max="32767" units="dev"/>
+        </inkml:traceFormat>
+        <inkml:channelProperties>
+          <inkml:channelProperty channel="X" name="resolution" value="1000" units="1/cm"/>
+          <inkml:channelProperty channel="Y" name="resolution" value="1000" units="1/cm"/>
+          <inkml:channelProperty channel="F" name="resolution" value="0" units="1/dev"/>
+        </inkml:channelProperties>
+      </inkml:inkSource>
+      <inkml:timestamp xml:id="ts0" timeString="2024-08-20T06:54:13.490"/>
+    </inkml:context>
+    <inkml:brush xml:id="br0">
+      <inkml:brushProperty name="width" value="0.05" units="cm"/>
+      <inkml:brushProperty name="height" value="0.05" units="cm"/>
+    </inkml:brush>
+  </inkml:definitions>
+  <inkml:trace contextRef="#ctx0" brushRef="#br0">0 111 5857,'1'29'2421,"2"-22"-255,2-13-1458,0 1 540,16 0-920,-8 3-150,1-2-1,-1 0 1,1 0 0,15-8-1,101-34 822,-6 3-1160,-108 34-120,-11 4-356,-8 3-931,1 2 1194</inkml:trace>
+</inkml:ink>
+</file>
+
+<file path=ppt/ink/ink124.xml><?xml version="1.0" encoding="utf-8"?>
+<inkml:ink xmlns:inkml="http://www.w3.org/2003/InkML">
+  <inkml:definitions>
+    <inkml:context xml:id="ctx0">
+      <inkml:inkSource xml:id="inkSrc0">
+        <inkml:traceFormat>
+          <inkml:channel name="X" type="integer" min="-2.14748E9" max="2.14748E9" units="cm"/>
+          <inkml:channel name="Y" type="integer" min="-2.14748E9" max="2.14748E9" units="cm"/>
+          <inkml:channel name="F" type="integer" max="32767" units="dev"/>
+        </inkml:traceFormat>
+        <inkml:channelProperties>
+          <inkml:channelProperty channel="X" name="resolution" value="1000" units="1/cm"/>
+          <inkml:channelProperty channel="Y" name="resolution" value="1000" units="1/cm"/>
+          <inkml:channelProperty channel="F" name="resolution" value="0" units="1/dev"/>
+        </inkml:channelProperties>
+      </inkml:inkSource>
+      <inkml:timestamp xml:id="ts0" timeString="2024-08-20T06:54:13.925"/>
+    </inkml:context>
+    <inkml:brush xml:id="br0">
+      <inkml:brushProperty name="width" value="0.05" units="cm"/>
+      <inkml:brushProperty name="height" value="0.05" units="cm"/>
+    </inkml:brush>
+  </inkml:definitions>
+  <inkml:trace contextRef="#ctx0" brushRef="#br0">0 0 7466,'0'5'286,"0"1"0,1-1 0,-1 0 0,1 0 0,0 0 0,0 0 1,1-1-1,-1 1 0,1 0 0,0 0 0,0-1 0,1 1 0,-1-1 1,1 0-1,6 8 0,1-1-180,1 1 0,0-1 0,0-1-1,14 10 1,5 3-38,-1 1-1,0 1 0,-2 1 1,-1 2-1,-1 0 0,-2 2 1,32 52-1,-46-67 17,3 4 299,-2 1 0,0 0-1,15 41 1,-25-56-298,1-1 0,0 1 0,-1-1 0,0 1 1,0-1-1,-1 1 0,1-1 0,-1 0 0,0 1 0,0-1 0,0 0 0,-1 1 0,1-1 0,-1 0 0,0 0 0,0 0 0,-1 0 0,1-1 0,-1 1 1,0-1-1,0 1 0,0-1 0,0 0 0,-5 3 0,-3 3 16,0 0-1,-1-1 1,0-1-1,-1 0 1,0-1 0,-17 7-1,-120 33-371,123-39 26,-32 9-9</inkml:trace>
+</inkml:ink>
+</file>
+
+<file path=ppt/ink/ink125.xml><?xml version="1.0" encoding="utf-8"?>
+<inkml:ink xmlns:inkml="http://www.w3.org/2003/InkML">
+  <inkml:definitions>
+    <inkml:context xml:id="ctx0">
+      <inkml:inkSource xml:id="inkSrc0">
+        <inkml:traceFormat>
+          <inkml:channel name="X" type="integer" min="-2.14748E9" max="2.14748E9" units="cm"/>
+          <inkml:channel name="Y" type="integer" min="-2.14748E9" max="2.14748E9" units="cm"/>
+          <inkml:channel name="F" type="integer" max="32767" units="dev"/>
+        </inkml:traceFormat>
+        <inkml:channelProperties>
+          <inkml:channelProperty channel="X" name="resolution" value="1000" units="1/cm"/>
+          <inkml:channelProperty channel="Y" name="resolution" value="1000" units="1/cm"/>
+          <inkml:channelProperty channel="F" name="resolution" value="0" units="1/dev"/>
+        </inkml:channelProperties>
+      </inkml:inkSource>
+      <inkml:timestamp xml:id="ts0" timeString="2024-08-20T06:54:16.044"/>
+    </inkml:context>
+    <inkml:brush xml:id="br0">
+      <inkml:brushProperty name="width" value="0.05" units="cm"/>
+      <inkml:brushProperty name="height" value="0.05" units="cm"/>
+    </inkml:brush>
+  </inkml:definitions>
+  <inkml:trace contextRef="#ctx0" brushRef="#br0">47 32 7090,'1'0'17,"21"18"2207,-23-20-2143,1 0 0,-1 0 0,0 0 0,1 0 0,-1 0 0,0 0 0,0 0-1,0 0 1,0 0 0,-1 1 0,-1-3 0,3 2-70,-1 1-1,0-1 1,0 1 0,0-1-1,-1 1 1,1-1-1,0 1 1,0 0-1,-1-1 1,1 1 0,-1 0-1,1 0 1,-1 0-1,0 0 1,1 1 0,-1-1-1,0 0 1,1 1-1,-1-1 1,0 1 0,0-1-1,0 1 1,-3 0-1,5 0 5,-1 0 1,0 0-1,0 1 0,0-1 0,1 0 0,-1 1 0,0-1 1,0 0-1,1 1 0,-1-1 0,0 1 0,0-1 0,1 1 1,-1 0-1,1-1 0,-1 1 0,1 0 0,-1-1 0,1 1 1,-1 1-1,0 0 22,0 0 1,0 1-1,1-1 1,-1 0-1,1 1 1,-1-1 0,1 0-1,0 1 1,0-1-1,1 5 1,3 19 148,2 0 0,11 34 1,44 115 45,6 20-46,36 180 656,5 73 1205,15 70 910,-103-424-2538,14 181 0,-33-256-645,-1 0-1,-1 0 0,-1 1 0,0-1 0,-2 0 0,0 0 0,-1-1 0,-13 34 1,-10 7-407</inkml:trace>
+</inkml:ink>
+</file>
+
+<file path=ppt/ink/ink126.xml><?xml version="1.0" encoding="utf-8"?>
+<inkml:ink xmlns:inkml="http://www.w3.org/2003/InkML">
+  <inkml:definitions>
+    <inkml:context xml:id="ctx0">
+      <inkml:inkSource xml:id="inkSrc0">
+        <inkml:traceFormat>
+          <inkml:channel name="X" type="integer" min="-2.14748E9" max="2.14748E9" units="cm"/>
+          <inkml:channel name="Y" type="integer" min="-2.14748E9" max="2.14748E9" units="cm"/>
+          <inkml:channel name="F" type="integer" max="32767" units="dev"/>
+        </inkml:traceFormat>
+        <inkml:channelProperties>
+          <inkml:channelProperty channel="X" name="resolution" value="1000" units="1/cm"/>
+          <inkml:channelProperty channel="Y" name="resolution" value="1000" units="1/cm"/>
+          <inkml:channelProperty channel="F" name="resolution" value="0" units="1/dev"/>
+        </inkml:channelProperties>
+      </inkml:inkSource>
+      <inkml:timestamp xml:id="ts0" timeString="2024-08-20T06:53:34.632"/>
+    </inkml:context>
+    <inkml:brush xml:id="br0">
+      <inkml:brushProperty name="width" value="0.05" units="cm"/>
+      <inkml:brushProperty name="height" value="0.05" units="cm"/>
+    </inkml:brush>
+  </inkml:definitions>
+  <inkml:trace contextRef="#ctx0" brushRef="#br0">101 387 7730,'47'91'4715,"-5"-1"-3632,-24-48-1154,-3 1-1,15 60 1,-1 34 86,-11-43 29,48 145 1,-61-225-33,1 1 0,-2-1 0,0 1 0,-1 0 1,3 27-1,-6-39 115,0-3 58,0-1-122,-1-1-1,1 1 0,-1-1 1,0 0-1,1 1 0,-1-1 1,0 1-1,0 0 0,0-1 1,0 1-1,-1 0 0,-1-2 1,-26-19 633,22 18-567,0-1-1,0 0 0,1 0 0,0 0 0,0-1 0,0 0 0,-8-13 0,-45-69 881,-66-135-1,111 190-907,1-1 1,2-1-1,1 0 1,2-1-1,2 0 1,-4-64-1,9 52-83,2-1 1,2 0-1,2 1 0,17-71 0,-15 91-19,1 1-1,2 0 1,0 1-1,25-43 1,-29 57 12,2 1 0,-1 0 0,1 0 0,1 0 0,0 1 0,1 1 0,-1 0 0,2 0 1,-1 1-1,1 0 0,23-11 0,-32 17-10,-1 1 1,1 0-1,0 0 1,1 1 0,-1-1-1,0 0 1,0 1-1,0-1 1,0 1-1,1-1 1,-1 1-1,0 0 1,0 0-1,1 0 1,-1 1 0,0-1-1,0 0 1,0 1-1,1-1 1,-1 1-1,0 0 1,0 0-1,0 0 1,0 0-1,0 0 1,0 0 0,2 2-1,-1 2-3,1-1-1,-1 1 1,1 0 0,-2 0-1,1 1 1,0-1 0,-1 1-1,0-1 1,2 11 0,0 1 17,-1 0 0,0 0 0,-1 1 0,-1-1 0,-2 32 0,0-37 10,-1 1 1,0-1-1,0 0 0,-1 0 0,-1 0 1,0-1-1,0 1 0,-1-1 0,-7 12 1,-27 32 108,7 1-36,21-44-220,-1 1 1,0-2-1,-1 0 1,0 0-1,-1-2 1,0 1-1,0-2 1,-1 0-1,0 0 1,-1-2-1,-30 10 1,44-15-14,-1-1 0,0 1 1,1-1-1,-1 1 0,0-1 0,1 0 1,-1 0-1,0 0 0,1-1 0,-1 1 1,0 0-1,1-1 0,-1 0 0,0 0 1,1 0-1,-1 0 0,1 0 0,0 0 1,-1 0-1,-3-4 0,5 4 61,0-1 1,0 0-1,0 1 1,0-1-1,1 0 1,-1 1-1,0-1 1,1 0-1,0 0 1,-1-2-1,1 4 52</inkml:trace>
+</inkml:ink>
+</file>
+
+<file path=ppt/ink/ink127.xml><?xml version="1.0" encoding="utf-8"?>
+<inkml:ink xmlns:inkml="http://www.w3.org/2003/InkML">
+  <inkml:definitions>
+    <inkml:context xml:id="ctx0">
+      <inkml:inkSource xml:id="inkSrc0">
+        <inkml:traceFormat>
+          <inkml:channel name="X" type="integer" min="-2.14748E9" max="2.14748E9" units="cm"/>
+          <inkml:channel name="Y" type="integer" min="-2.14748E9" max="2.14748E9" units="cm"/>
+          <inkml:channel name="F" type="integer" max="32767" units="dev"/>
+        </inkml:traceFormat>
+        <inkml:channelProperties>
+          <inkml:channelProperty channel="X" name="resolution" value="1000" units="1/cm"/>
+          <inkml:channelProperty channel="Y" name="resolution" value="1000" units="1/cm"/>
+          <inkml:channelProperty channel="F" name="resolution" value="0" units="1/dev"/>
+        </inkml:channelProperties>
+      </inkml:inkSource>
+      <inkml:timestamp xml:id="ts0" timeString="2024-08-20T06:53:38.769"/>
+    </inkml:context>
+    <inkml:brush xml:id="br0">
+      <inkml:brushProperty name="width" value="0.05" units="cm"/>
+      <inkml:brushProperty name="height" value="0.05" units="cm"/>
+    </inkml:brush>
+  </inkml:definitions>
+  <inkml:trace contextRef="#ctx0" brushRef="#br0">1143 232 6641,'-11'13'5898,"-11"1"-4675,-7 6-1383,-19 27 200,-60 76 0,-44 81 85,144-193-102,-56 78 116,-251 367 879,47-29-39,199-331-875,36-54-92,31-39-17,0 0 0,0 0 0,0 0-1,0 1 1,1-1 0,-1 0 0,0 5 0,2-8 3,0 0 1,0 1 0,0-1-1,0 0 1,0 0-1,0 0 1,0 1-1,0-1 1,0 0 0,0 0-1,0 0 1,0 0-1,0 1 1,0-1 0,0 0-1,0 0 1,0 0-1,0 1 1,0-1 0,0 0-1,1 0 1,-1 0-1,0 0 1,0 0-1,0 1 1,0-1 0,0 0-1,0 0 1,1 0-1,-1 0 1,0 0 0,0 0-1,0 0 1,0 0-1,1 0 1,-1 0 0,0 1-1,0-1 1,0 0-1,1 0 1,-1 0-1,0 0 1,0 0 0,0 0-1,0 0 1,1 0-1,-1 0 1,0-1 0,0 1-1,0 0 1,1 0-1,-1 0 1,0 0 0,0 0-1,0 0 1,0 0-1,1 0 1,-1 0-1,0-1 1,0 1 0,0 0-1,0 0 1,0 0-1,0 0 1,1 0 0,-1-1-1,0 1 1,8-4-25,-1 0 1,1-1-1,-1 1 1,0-2-1,-1 1 1,1-1-1,8-9 1,40-55-40,-51 64 60,203-331-46,-83 124 69,294-410 62,-182 282-53,-132 195-66,-86 125-20,-18 21 57,0 0 1,0 0 0,-1 0 0,1 0 0,0 0 0,0 0 0,0 0 0,0 1 0,0-1-1,0 0 1,0 0 0,0 0 0,0 0 0,0 0 0,0 0 0,0 0 0,0 0-1,1 1 1,-1-1 0,0 0 0,0 0 0,0 0 0,0 0 0,0 0 0,0 0-1,0 0 1,0 0 0,0 0 0,0 0 0,0 1 0,0-1 0,0 0 0,0 0-1,1 0 1,-1 0 0,0 0 0,0 0 0,0 0 0,0 0 0,0 0 0,0 0-1,0 0 1,0 0 0,1 0 0,-1 0 0,0 0 0,0 0 0,0 0 0,0 0 0,0 0-1,0 0 1,0 0 0,0 0 0,1 0 0,-1 0 0,0 0 0,0 0 0,0 0-1,0 0 1,0 0 0,-15 41-48,-39 68 170,-84 129 0,50-93 75,-223 429 937,192-345-916,-152 218 0,176-307-1122,-8 13-3587,63-92 2685</inkml:trace>
+</inkml:ink>
+</file>
+
+<file path=ppt/ink/ink128.xml><?xml version="1.0" encoding="utf-8"?>
+<inkml:ink xmlns:inkml="http://www.w3.org/2003/InkML">
+  <inkml:definitions>
+    <inkml:context xml:id="ctx0">
+      <inkml:inkSource xml:id="inkSrc0">
+        <inkml:traceFormat>
+          <inkml:channel name="X" type="integer" min="-2.14748E9" max="2.14748E9" units="cm"/>
+          <inkml:channel name="Y" type="integer" min="-2.14748E9" max="2.14748E9" units="cm"/>
+          <inkml:channel name="F" type="integer" max="32767" units="dev"/>
+        </inkml:traceFormat>
+        <inkml:channelProperties>
+          <inkml:channelProperty channel="X" name="resolution" value="1000" units="1/cm"/>
+          <inkml:channelProperty channel="Y" name="resolution" value="1000" units="1/cm"/>
+          <inkml:channelProperty channel="F" name="resolution" value="0" units="1/dev"/>
+        </inkml:channelProperties>
+      </inkml:inkSource>
+      <inkml:timestamp xml:id="ts0" timeString="2024-08-20T06:53:39.482"/>
+    </inkml:context>
+    <inkml:brush xml:id="br0">
+      <inkml:brushProperty name="width" value="0.05" units="cm"/>
+      <inkml:brushProperty name="height" value="0.05" units="cm"/>
+    </inkml:brush>
+  </inkml:definitions>
+  <inkml:trace contextRef="#ctx0" brushRef="#br0">0 0 11747,'47'32'4357,"0"-4"-3304,-20-14-1168,44 34-1,-64-42 62,-1 0 1,0 1-1,0-1 0,-1 1 0,0 0 0,0 1 0,0-1 1,-1 1-1,0 0 0,-1 0 0,1 0 0,-2 0 0,1 1 0,-1-1 1,0 1-1,-1 0 0,0 0 0,-1-1 0,1 1 0,-2 0 1,0 10-1,-3 6 104,0 0 1,-2 0-1,-1-1 1,0 0-1,-2 0 1,-12 23-1,1-7 577,2 1 0,3 0 0,-13 48 0,27-85-571,0-1 0,0 1 0,1 0 0,0-1 0,-1 1 0,1 0 0,0-1 0,1 1 0,-1 0 0,1-1 0,0 1 0,-1-1 0,1 1 0,3 4 0,-3-5-33,1-1 1,0 1-1,0-1 1,1 0-1,-1 0 1,0 0 0,1 0-1,-1 0 1,1-1-1,-1 1 1,1-1-1,0 1 1,0-1 0,0 0-1,-1 0 1,1 0-1,5 0 1,17 4 2,0-2 0,1 0-1,-1-2 1,49-4 0,104-21-387,-152 20 226,13-3-1034,0-2-1,40-15 0,-52 11 286</inkml:trace>
+</inkml:ink>
+</file>
+
+<file path=ppt/ink/ink129.xml><?xml version="1.0" encoding="utf-8"?>
+<inkml:ink xmlns:inkml="http://www.w3.org/2003/InkML">
+  <inkml:definitions>
+    <inkml:context xml:id="ctx0">
+      <inkml:inkSource xml:id="inkSrc0">
+        <inkml:traceFormat>
+          <inkml:channel name="X" type="integer" min="-2.14748E9" max="2.14748E9" units="cm"/>
+          <inkml:channel name="Y" type="integer" min="-2.14748E9" max="2.14748E9" units="cm"/>
+          <inkml:channel name="F" type="integer" max="32767" units="dev"/>
+        </inkml:traceFormat>
+        <inkml:channelProperties>
+          <inkml:channelProperty channel="X" name="resolution" value="1000" units="1/cm"/>
+          <inkml:channelProperty channel="Y" name="resolution" value="1000" units="1/cm"/>
+          <inkml:channelProperty channel="F" name="resolution" value="0" units="1/dev"/>
+        </inkml:channelProperties>
+      </inkml:inkSource>
+      <inkml:timestamp xml:id="ts0" timeString="2024-08-20T06:53:40.101"/>
+    </inkml:context>
+    <inkml:brush xml:id="br0">
+      <inkml:brushProperty name="width" value="0.05" units="cm"/>
+      <inkml:brushProperty name="height" value="0.05" units="cm"/>
+    </inkml:brush>
+  </inkml:definitions>
+  <inkml:trace contextRef="#ctx0" brushRef="#br0">1 311 7218,'17'3'3504,"14"7"-1247,14-7-905,12-10-888,9-6-128,13-19-176,-1 1-72,1-10-56,0 0-24,-12 2-48,-10-2-88,-3 12-288,-10 7-264,-25 6-872,7 7-1121,-40 3 1721</inkml:trace>
+</inkml:ink>
+</file>
+
 <file path=ppt/ink/ink13.xml><?xml version="1.0" encoding="utf-8"?>
 <inkml:ink xmlns:inkml="http://www.w3.org/2003/InkML">
   <inkml:definitions>
@@ -268,6 +2169,276 @@
     </inkml:brush>
   </inkml:definitions>
   <inkml:trace contextRef="#ctx0" brushRef="#br0">31 0 5665,'4'15'2177,"-5"-15"-1529,-1 6-416,0-2-224,7 25-24,7 56 16,-8-31 16,-9 7 16,-6-3 0,3 6 0,-2-1 0,10 11-24,-3-8-24,-2-11-520,2-15-536,-2-17 671</inkml:trace>
+</inkml:ink>
+</file>
+
+<file path=ppt/ink/ink130.xml><?xml version="1.0" encoding="utf-8"?>
+<inkml:ink xmlns:inkml="http://www.w3.org/2003/InkML">
+  <inkml:definitions>
+    <inkml:context xml:id="ctx0">
+      <inkml:inkSource xml:id="inkSrc0">
+        <inkml:traceFormat>
+          <inkml:channel name="X" type="integer" min="-2.14748E9" max="2.14748E9" units="cm"/>
+          <inkml:channel name="Y" type="integer" min="-2.14748E9" max="2.14748E9" units="cm"/>
+          <inkml:channel name="F" type="integer" max="32767" units="dev"/>
+        </inkml:traceFormat>
+        <inkml:channelProperties>
+          <inkml:channelProperty channel="X" name="resolution" value="1000" units="1/cm"/>
+          <inkml:channelProperty channel="Y" name="resolution" value="1000" units="1/cm"/>
+          <inkml:channelProperty channel="F" name="resolution" value="0" units="1/dev"/>
+        </inkml:channelProperties>
+      </inkml:inkSource>
+      <inkml:timestamp xml:id="ts0" timeString="2024-08-20T06:53:40.535"/>
+    </inkml:context>
+    <inkml:brush xml:id="br0">
+      <inkml:brushProperty name="width" value="0.05" units="cm"/>
+      <inkml:brushProperty name="height" value="0.05" units="cm"/>
+    </inkml:brush>
+  </inkml:definitions>
+  <inkml:trace contextRef="#ctx0" brushRef="#br0">1 0 7017,'0'16'1867,"0"0"0,2 0-1,3 23 1,-3-33-1787,0 1 0,0-1 1,1 0-1,-1 0 0,1 0 1,1 0-1,-1-1 0,1 1 0,0-1 1,0 0-1,6 6 0,4 1-121,0 0-1,0-1 1,1 0-1,27 13 1,69 26-377,-98-45 364,-7-2 77,-1-1-1,1 1 1,0 0-1,-1 1 1,0 0-1,0-1 0,0 2 1,0-1-1,-1 0 1,0 1-1,0 0 0,0 0 1,0 0-1,-1 1 1,1-1-1,-2 1 0,1 0 1,0-1-1,1 10 1,-2-7 87,-1 1 1,0-1-1,0 0 1,-1 0-1,0 0 1,0 1 0,-1-1-1,0 0 1,-1 0-1,1 0 1,-2 0-1,1 0 1,-1 0-1,0-1 1,-1 1 0,0-1-1,-6 9 1,-4 5 52,-2-1 1,0 0-1,-1-1 0,-28 23 1,24-23-228,9-7-241,0-1 0,-16 10 0,23-18-16,-1 0 0,0 0 0,0 0 0,0 0-1,0-1 1,0 0 0,0 0 0,-12 1 0,-14 0-1494,16 0 821</inkml:trace>
+</inkml:ink>
+</file>
+
+<file path=ppt/ink/ink131.xml><?xml version="1.0" encoding="utf-8"?>
+<inkml:ink xmlns:inkml="http://www.w3.org/2003/InkML">
+  <inkml:definitions>
+    <inkml:context xml:id="ctx0">
+      <inkml:inkSource xml:id="inkSrc0">
+        <inkml:traceFormat>
+          <inkml:channel name="X" type="integer" min="-2.14748E9" max="2.14748E9" units="cm"/>
+          <inkml:channel name="Y" type="integer" min="-2.14748E9" max="2.14748E9" units="cm"/>
+          <inkml:channel name="F" type="integer" max="32767" units="dev"/>
+        </inkml:traceFormat>
+        <inkml:channelProperties>
+          <inkml:channelProperty channel="X" name="resolution" value="1000" units="1/cm"/>
+          <inkml:channelProperty channel="Y" name="resolution" value="1000" units="1/cm"/>
+          <inkml:channelProperty channel="F" name="resolution" value="0" units="1/dev"/>
+        </inkml:channelProperties>
+      </inkml:inkSource>
+      <inkml:timestamp xml:id="ts0" timeString="2024-08-20T06:53:41.079"/>
+    </inkml:context>
+    <inkml:brush xml:id="br0">
+      <inkml:brushProperty name="width" value="0.05" units="cm"/>
+      <inkml:brushProperty name="height" value="0.05" units="cm"/>
+    </inkml:brush>
+  </inkml:definitions>
+  <inkml:trace contextRef="#ctx0" brushRef="#br0">1 47 9138,'26'9'3873,"53"28"-2121,-28-37-752,9-1-648,2-8-160,-8-4-304,-3 3-176,-4 1-296,-13-3-120,-14 7-160,-5 0-40,-15-1-160,-3 3-209,-12-4-687,-4 1-889,-6-1 1841</inkml:trace>
+</inkml:ink>
+</file>
+
+<file path=ppt/ink/ink132.xml><?xml version="1.0" encoding="utf-8"?>
+<inkml:ink xmlns:inkml="http://www.w3.org/2003/InkML">
+  <inkml:definitions>
+    <inkml:context xml:id="ctx0">
+      <inkml:inkSource xml:id="inkSrc0">
+        <inkml:traceFormat>
+          <inkml:channel name="X" type="integer" min="-2.14748E9" max="2.14748E9" units="cm"/>
+          <inkml:channel name="Y" type="integer" min="-2.14748E9" max="2.14748E9" units="cm"/>
+          <inkml:channel name="F" type="integer" max="32767" units="dev"/>
+        </inkml:traceFormat>
+        <inkml:channelProperties>
+          <inkml:channelProperty channel="X" name="resolution" value="1000" units="1/cm"/>
+          <inkml:channelProperty channel="Y" name="resolution" value="1000" units="1/cm"/>
+          <inkml:channelProperty channel="F" name="resolution" value="0" units="1/dev"/>
+        </inkml:channelProperties>
+      </inkml:inkSource>
+      <inkml:timestamp xml:id="ts0" timeString="2024-08-20T06:53:41.482"/>
+    </inkml:context>
+    <inkml:brush xml:id="br0">
+      <inkml:brushProperty name="width" value="0.05" units="cm"/>
+      <inkml:brushProperty name="height" value="0.05" units="cm"/>
+    </inkml:brush>
+  </inkml:definitions>
+  <inkml:trace contextRef="#ctx0" brushRef="#br0">211 1 2729,'-27'24'1176,"1"0"0,1 2 0,2 1 0,0 1 0,-19 32 0,35-48-901,1 1 0,0-1 0,0 2 0,2-1-1,-1 0 1,-3 24 0,7-27-164,0 0-1,0 0 0,1 1 0,1-1 0,0 0 0,0 0 1,1 0-1,0 0 0,0 0 0,6 11 0,-2-6 7,2 0 0,0-1 0,0 0 0,1-1 0,1 0 0,0 0-1,1-1 1,1 0 0,-1-1 0,2 0 0,19 12 0,14 7 205,2-2 1,51 20-1,-73-35-231,35 21 124,-56-31-191,1 1 1,-1 0 0,0 0-1,0 1 1,0-1-1,-1 1 1,1 0-1,4 8 1,-9-12-16,1 0 1,-1 1-1,1-1 0,-1 1 0,1-1 1,-1 1-1,0-1 0,0 1 0,1 0 1,-1-1-1,-1 1 0,1-1 1,0 1-1,0-1 0,0 1 0,-1-1 1,1 1-1,-1-1 0,1 1 0,-1-1 1,0 1-1,1-1 0,-1 0 1,0 1-1,0-1 0,-2 2 0,-2 3 21,0-1 0,0 0 0,-1 0 1,-6 4-1,8-6-20,-20 16-108,0-2 0,-1 0-1,0-1 1,-1-2 0,-1-1 0,-38 14 0,39-20-287,-33 4 0,-32 0-64</inkml:trace>
+</inkml:ink>
+</file>
+
+<file path=ppt/ink/ink133.xml><?xml version="1.0" encoding="utf-8"?>
+<inkml:ink xmlns:inkml="http://www.w3.org/2003/InkML">
+  <inkml:definitions>
+    <inkml:context xml:id="ctx0">
+      <inkml:inkSource xml:id="inkSrc0">
+        <inkml:traceFormat>
+          <inkml:channel name="X" type="integer" min="-2.14748E9" max="2.14748E9" units="cm"/>
+          <inkml:channel name="Y" type="integer" min="-2.14748E9" max="2.14748E9" units="cm"/>
+          <inkml:channel name="F" type="integer" max="32767" units="dev"/>
+        </inkml:traceFormat>
+        <inkml:channelProperties>
+          <inkml:channelProperty channel="X" name="resolution" value="1000" units="1/cm"/>
+          <inkml:channelProperty channel="Y" name="resolution" value="1000" units="1/cm"/>
+          <inkml:channelProperty channel="F" name="resolution" value="0" units="1/dev"/>
+        </inkml:channelProperties>
+      </inkml:inkSource>
+      <inkml:timestamp xml:id="ts0" timeString="2024-08-20T06:53:41.838"/>
+    </inkml:context>
+    <inkml:brush xml:id="br0">
+      <inkml:brushProperty name="width" value="0.05" units="cm"/>
+      <inkml:brushProperty name="height" value="0.05" units="cm"/>
+    </inkml:brush>
+  </inkml:definitions>
+  <inkml:trace contextRef="#ctx0" brushRef="#br0">5 212 9922,'-5'0'3705,"7"-7"-2969,4-7-248,14-13-384,5-3-64,16-7-40,2 4-24,3 0-632,-1 3-1872,-23 30 1743</inkml:trace>
+</inkml:ink>
+</file>
+
+<file path=ppt/ink/ink134.xml><?xml version="1.0" encoding="utf-8"?>
+<inkml:ink xmlns:inkml="http://www.w3.org/2003/InkML">
+  <inkml:definitions>
+    <inkml:context xml:id="ctx0">
+      <inkml:inkSource xml:id="inkSrc0">
+        <inkml:traceFormat>
+          <inkml:channel name="X" type="integer" min="-2.14748E9" max="2.14748E9" units="cm"/>
+          <inkml:channel name="Y" type="integer" min="-2.14748E9" max="2.14748E9" units="cm"/>
+          <inkml:channel name="F" type="integer" max="32767" units="dev"/>
+        </inkml:traceFormat>
+        <inkml:channelProperties>
+          <inkml:channelProperty channel="X" name="resolution" value="1000" units="1/cm"/>
+          <inkml:channelProperty channel="Y" name="resolution" value="1000" units="1/cm"/>
+          <inkml:channelProperty channel="F" name="resolution" value="0" units="1/dev"/>
+        </inkml:channelProperties>
+      </inkml:inkSource>
+      <inkml:timestamp xml:id="ts0" timeString="2024-08-20T06:53:32.713"/>
+    </inkml:context>
+    <inkml:brush xml:id="br0">
+      <inkml:brushProperty name="width" value="0.05" units="cm"/>
+      <inkml:brushProperty name="height" value="0.05" units="cm"/>
+    </inkml:brush>
+  </inkml:definitions>
+  <inkml:trace contextRef="#ctx0" brushRef="#br0">783 92 5417,'1'-1'204,"0"1"-1,0-1 1,0 0 0,0 0-1,0 1 1,0-1 0,0 0-1,0 0 1,0 0 0,0 0-1,0-1 1,-1 1-1,1 0 1,-1 0 0,2-2-1,-2 3-78,0-1 0,0 0-1,0 1 1,0-1 0,0 1-1,-1-1 1,1 0-1,0 1 1,0-1 0,0 1-1,0-1 1,-1 0 0,1 1-1,0-1 1,-1 1 0,1-1-1,0 1 1,-1-1-1,1 1 1,0-1 0,-1 1-1,1 0 1,-2-1 0,-3-3 410,-1 0 1,0 1-1,-1 0 1,1 1 0,-8-3-1,-8-4-1189,-39-16 779,56 24-117,0-1 1,0 1-1,0 0 0,-1 0 1,1 1-1,0 0 1,-1 0-1,1 0 0,-1 0 1,1 1-1,0 0 0,0 0 1,-1 1-1,1-1 0,0 1 1,0 0-1,0 0 0,-6 5 1,-22 7 11,15-8-13,1 1-1,1 1 1,-1 1 0,1 0-1,1 1 1,-22 18 0,27-20-1,0 1 0,1 1 0,0-1 0,1 1-1,0 1 1,0-1 0,1 1 0,0 1 0,1-1 0,-4 14 0,8-22-4,1 0 0,1-1 0,-1 1 0,0 0 0,1 0-1,-1 0 1,1 0 0,0 0 0,0 0 0,0 0 0,0 0 0,1 0 0,-1-1 0,1 1 0,0 0 0,1 4 0,-1-5 0,1 0 0,-1 0 1,1 0-1,0 0 0,-1 0 0,1 0 0,0-1 0,0 1 1,0 0-1,1-1 0,-1 0 0,0 0 0,0 1 1,1-1-1,-1-1 0,1 1 0,-1 0 0,6 0 0,1 1 9,1 0 0,0-1 0,0-1 0,10 0 0,-17 0-1,1 0 0,-1-1-1,0 1 1,0-1 0,0 1 0,0-1 0,0 0 0,0 0 0,0 0 0,0-1 0,0 1 0,0-1 0,0 0-1,-1 1 1,1-1 0,4-5 0,-4 0 174,-10 9 66,-16 11 103,1 3-193,0 1-1,1 0 1,2 2-1,-35 40 1,27-25-72,2 2 0,-28 52 0,29-39 44,-32 89 0,0 49 244,53-175-343,1-8-17,-12 43 288,-14 90 0,27-131-291,1 1-1,0-1 1,-1 0 0,2 1-1,-1-1 1,1 0-1,0 0 1,0 0 0,5 12-1,-5-15-12,1 0 0,0 0 0,-1-1 0,1 1 0,0-1 0,0 1 0,0-1 0,1 0-1,-1 0 1,0 0 0,1 0 0,-1 0 0,1-1 0,0 1 0,0-1 0,-1 0 0,1 0 0,0 0 0,0 0-1,0 0 1,5 0 0,4 1-83,0-1 1,-1-1-1,1 0 0,0-1 0,0 0 1,-1-1-1,1 0 0,11-4 0,92-36-1816,-89 31 1235,60-26-1458,-5-4 929</inkml:trace>
+</inkml:ink>
+</file>
+
+<file path=ppt/ink/ink135.xml><?xml version="1.0" encoding="utf-8"?>
+<inkml:ink xmlns:inkml="http://www.w3.org/2003/InkML">
+  <inkml:definitions>
+    <inkml:context xml:id="ctx0">
+      <inkml:inkSource xml:id="inkSrc0">
+        <inkml:traceFormat>
+          <inkml:channel name="X" type="integer" min="-2.14748E9" max="2.14748E9" units="cm"/>
+          <inkml:channel name="Y" type="integer" min="-2.14748E9" max="2.14748E9" units="cm"/>
+          <inkml:channel name="F" type="integer" max="32767" units="dev"/>
+        </inkml:traceFormat>
+        <inkml:channelProperties>
+          <inkml:channelProperty channel="X" name="resolution" value="1000" units="1/cm"/>
+          <inkml:channelProperty channel="Y" name="resolution" value="1000" units="1/cm"/>
+          <inkml:channelProperty channel="F" name="resolution" value="0" units="1/dev"/>
+        </inkml:channelProperties>
+      </inkml:inkSource>
+      <inkml:timestamp xml:id="ts0" timeString="2024-08-20T06:53:33.085"/>
+    </inkml:context>
+    <inkml:brush xml:id="br0">
+      <inkml:brushProperty name="width" value="0.05" units="cm"/>
+      <inkml:brushProperty name="height" value="0.05" units="cm"/>
+    </inkml:brush>
+  </inkml:definitions>
+  <inkml:trace contextRef="#ctx0" brushRef="#br0">1 21 9906,'111'48'4185,"-82"-49"-1816,18-10-2257,2-3-409,5-2-575,0 1-544,-19 3 880</inkml:trace>
+</inkml:ink>
+</file>
+
+<file path=ppt/ink/ink136.xml><?xml version="1.0" encoding="utf-8"?>
+<inkml:ink xmlns:inkml="http://www.w3.org/2003/InkML">
+  <inkml:definitions>
+    <inkml:context xml:id="ctx0">
+      <inkml:inkSource xml:id="inkSrc0">
+        <inkml:traceFormat>
+          <inkml:channel name="X" type="integer" min="-2.14748E9" max="2.14748E9" units="cm"/>
+          <inkml:channel name="Y" type="integer" min="-2.14748E9" max="2.14748E9" units="cm"/>
+          <inkml:channel name="F" type="integer" max="32767" units="dev"/>
+        </inkml:traceFormat>
+        <inkml:channelProperties>
+          <inkml:channelProperty channel="X" name="resolution" value="1000" units="1/cm"/>
+          <inkml:channelProperty channel="Y" name="resolution" value="1000" units="1/cm"/>
+          <inkml:channelProperty channel="F" name="resolution" value="0" units="1/dev"/>
+        </inkml:channelProperties>
+      </inkml:inkSource>
+      <inkml:timestamp xml:id="ts0" timeString="2024-08-20T06:53:33.413"/>
+    </inkml:context>
+    <inkml:brush xml:id="br0">
+      <inkml:brushProperty name="width" value="0.05" units="cm"/>
+      <inkml:brushProperty name="height" value="0.05" units="cm"/>
+    </inkml:brush>
+  </inkml:definitions>
+  <inkml:trace contextRef="#ctx0" brushRef="#br0">1 13 8570,'26'32'2984,"35"-7"-2623,-10-10-289,18-11-112,2-7-144,-8-14-449,23 11-167,9-13-320,15 1-232,-12-8 944</inkml:trace>
+</inkml:ink>
+</file>
+
+<file path=ppt/ink/ink137.xml><?xml version="1.0" encoding="utf-8"?>
+<inkml:ink xmlns:inkml="http://www.w3.org/2003/InkML">
+  <inkml:definitions>
+    <inkml:context xml:id="ctx0">
+      <inkml:inkSource xml:id="inkSrc0">
+        <inkml:traceFormat>
+          <inkml:channel name="X" type="integer" min="-2.14748E9" max="2.14748E9" units="cm"/>
+          <inkml:channel name="Y" type="integer" min="-2.14748E9" max="2.14748E9" units="cm"/>
+          <inkml:channel name="F" type="integer" max="32767" units="dev"/>
+        </inkml:traceFormat>
+        <inkml:channelProperties>
+          <inkml:channelProperty channel="X" name="resolution" value="1000" units="1/cm"/>
+          <inkml:channelProperty channel="Y" name="resolution" value="1000" units="1/cm"/>
+          <inkml:channelProperty channel="F" name="resolution" value="0" units="1/dev"/>
+        </inkml:channelProperties>
+      </inkml:inkSource>
+      <inkml:timestamp xml:id="ts0" timeString="2024-08-20T06:53:33.816"/>
+    </inkml:context>
+    <inkml:brush xml:id="br0">
+      <inkml:brushProperty name="width" value="0.05" units="cm"/>
+      <inkml:brushProperty name="height" value="0.05" units="cm"/>
+    </inkml:brush>
+  </inkml:definitions>
+  <inkml:trace contextRef="#ctx0" brushRef="#br0">1 963 9978,'5'0'155,"1"1"-1,-1-1 0,1 1 1,-1-2-1,1 1 1,-1-1-1,1 1 1,-1-1-1,1-1 0,-1 1 1,0-1-1,1 0 1,-1 0-1,0-1 1,0 1-1,-1-1 0,1 0 1,-1-1-1,7-5 1,5-4 104,-1-1 0,-1-1 1,0 0-1,12-20 0,-4 3-234,-1-2-1,-2 0 1,15-39 0,37-115 222,-22 54-18,-13 44 946,71-127 1,-106 214-1141,0 1-1,0-1 1,1 1 0,-1-1-1,1 1 1,-1 0 0,1 0-1,0 0 1,0 0 0,0 0-1,0 0 1,1 0-1,-1 1 1,4-3 0,-5 4-26,0 0 0,-1 0 1,1 0-1,0 0 0,0 0 1,-1 0-1,1 0 0,0 0 1,-1 0-1,1 1 0,0-1 1,-1 0-1,1 1 0,-1-1 1,1 0-1,0 1 0,-1-1 0,1 1 1,-1-1-1,1 1 0,15 21 98,-9-7-60,-1 0 1,0 0 0,-1 0 0,6 29 0,4 67 160,-12-73-134,8 157 341,0 1-41,18 153-227,-23-277-629,-4-38-1657,12 65-1,-4-59 560</inkml:trace>
+</inkml:ink>
+</file>
+
+<file path=ppt/ink/ink138.xml><?xml version="1.0" encoding="utf-8"?>
+<inkml:ink xmlns:inkml="http://www.w3.org/2003/InkML">
+  <inkml:definitions>
+    <inkml:context xml:id="ctx0">
+      <inkml:inkSource xml:id="inkSrc0">
+        <inkml:traceFormat>
+          <inkml:channel name="X" type="integer" min="-2.14748E9" max="2.14748E9" units="cm"/>
+          <inkml:channel name="Y" type="integer" min="-2.14748E9" max="2.14748E9" units="cm"/>
+          <inkml:channel name="F" type="integer" max="32767" units="dev"/>
+        </inkml:traceFormat>
+        <inkml:channelProperties>
+          <inkml:channelProperty channel="X" name="resolution" value="1000" units="1/cm"/>
+          <inkml:channelProperty channel="Y" name="resolution" value="1000" units="1/cm"/>
+          <inkml:channelProperty channel="F" name="resolution" value="0" units="1/dev"/>
+        </inkml:channelProperties>
+      </inkml:inkSource>
+      <inkml:timestamp xml:id="ts0" timeString="2024-08-20T06:53:51.049"/>
+    </inkml:context>
+    <inkml:brush xml:id="br0">
+      <inkml:brushProperty name="width" value="0.05" units="cm"/>
+      <inkml:brushProperty name="height" value="0.05" units="cm"/>
+    </inkml:brush>
+  </inkml:definitions>
+  <inkml:trace contextRef="#ctx0" brushRef="#br0">33 88 8674,'-22'17'5054,"22"-17"-4961,-1 0-1,0 1 0,1-1 0,-1 0 0,1 0 1,-1 1-1,1-1 0,-1 0 0,1 1 0,-1-1 1,1 0-1,0 1 0,-1-1 0,1 1 0,-1-1 1,1 1-1,0-1 0,-1 1 0,1-1 0,0 1 0,0-1 1,-1 1-1,1-1 0,0 2 0,2-1-57,0 1 0,0-1 0,0 0 0,0 0 0,0 0-1,0 0 1,0-1 0,1 1 0,-1 0 0,3 0 0,53 10-75,1-2 0,68 2 0,-72-8-255,104-7 0,-137 1 128,0-2-1,0 0 0,0-1 1,0-1-1,-1-1 1,0-1-1,-1-1 0,0-1 1,21-15-1,-31 20 20,10-8-59,-19 13 181,0 0 0,-1 0 0,1 1 0,-1-1 0,1 0-1,-1 0 1,1 0 0,-1 0 0,1 0 0,-1 0 0,0 0-1,0 0 1,0 0 0,1 0 0,-1 0 0,0 0 0,0 0 0,0 0-1,0 0 1,-1 0 0,1 0 0,0-2 0,-10-20-1871</inkml:trace>
+</inkml:ink>
+</file>
+
+<file path=ppt/ink/ink139.xml><?xml version="1.0" encoding="utf-8"?>
+<inkml:ink xmlns:inkml="http://www.w3.org/2003/InkML">
+  <inkml:definitions>
+    <inkml:context xml:id="ctx0">
+      <inkml:inkSource xml:id="inkSrc0">
+        <inkml:traceFormat>
+          <inkml:channel name="X" type="integer" min="-2.14748E9" max="2.14748E9" units="cm"/>
+          <inkml:channel name="Y" type="integer" min="-2.14748E9" max="2.14748E9" units="cm"/>
+          <inkml:channel name="F" type="integer" max="32767" units="dev"/>
+        </inkml:traceFormat>
+        <inkml:channelProperties>
+          <inkml:channelProperty channel="X" name="resolution" value="1000" units="1/cm"/>
+          <inkml:channelProperty channel="Y" name="resolution" value="1000" units="1/cm"/>
+          <inkml:channelProperty channel="F" name="resolution" value="0" units="1/dev"/>
+        </inkml:channelProperties>
+      </inkml:inkSource>
+      <inkml:timestamp xml:id="ts0" timeString="2024-08-20T06:53:51.389"/>
+    </inkml:context>
+    <inkml:brush xml:id="br0">
+      <inkml:brushProperty name="width" value="0.05" units="cm"/>
+      <inkml:brushProperty name="height" value="0.05" units="cm"/>
+    </inkml:brush>
+  </inkml:definitions>
+  <inkml:trace contextRef="#ctx0" brushRef="#br0">108 0 9258,'-50'526'6806,"22"0"-7178,7-122 1974,18-356-1329,-2 31 634,6 105-1,0-173-828,0-1 1,0 1-1,1-1 0,1 0 0,0 0 0,0 0 1,1 0-1,5 9 0,-7-15-69,1 0 0,-1 0 0,1-1 1,0 1-1,0-1 0,1 0 0,-1 1 0,1-2 0,-1 1 1,1 0-1,0-1 0,0 0 0,0 0 0,0 0 0,1 0 1,-1 0-1,0-1 0,1 0 0,-1 0 0,9 1 0,19 0-173,-1-1-1,51-6 0,66-15-953,-46 5 171,26-3 298</inkml:trace>
 </inkml:ink>
 </file>
 
@@ -299,6 +2470,276 @@
 </inkml:ink>
 </file>
 
+<file path=ppt/ink/ink140.xml><?xml version="1.0" encoding="utf-8"?>
+<inkml:ink xmlns:inkml="http://www.w3.org/2003/InkML">
+  <inkml:definitions>
+    <inkml:context xml:id="ctx0">
+      <inkml:inkSource xml:id="inkSrc0">
+        <inkml:traceFormat>
+          <inkml:channel name="X" type="integer" min="-2.14748E9" max="2.14748E9" units="cm"/>
+          <inkml:channel name="Y" type="integer" min="-2.14748E9" max="2.14748E9" units="cm"/>
+          <inkml:channel name="F" type="integer" max="32767" units="dev"/>
+        </inkml:traceFormat>
+        <inkml:channelProperties>
+          <inkml:channelProperty channel="X" name="resolution" value="1000" units="1/cm"/>
+          <inkml:channelProperty channel="Y" name="resolution" value="1000" units="1/cm"/>
+          <inkml:channelProperty channel="F" name="resolution" value="0" units="1/dev"/>
+        </inkml:channelProperties>
+      </inkml:inkSource>
+      <inkml:timestamp xml:id="ts0" timeString="2024-08-20T06:54:17.933"/>
+    </inkml:context>
+    <inkml:brush xml:id="br0">
+      <inkml:brushProperty name="width" value="0.05" units="cm"/>
+      <inkml:brushProperty name="height" value="0.05" units="cm"/>
+    </inkml:brush>
+  </inkml:definitions>
+  <inkml:trace contextRef="#ctx0" brushRef="#br0">1 0 8906,'2'22'453,"3"35"1320,22 93 0,90 494-1233,-46 2 1382,-67-604-1696,15 265 814,-19-267-1036,-2 1-1,-2 0 0,-2-1 0,-2 0 1,-17 56-1,21-87-3,1-1 0,1 1 0,0 0 0,0 0 0,0 0 0,1 0 0,0 16 0,1-26-26,0 1 0,0 0 0,0 0 0,-1 0 0,1-1 0,0 1 0,0 0 0,0 0 0,-1 0 0,1 0 0,0 0 0,0 0 0,-1-1 0,1 1 0,0 0 0,-1 0 0,1 0 0,0 0 0,0 0 0,-1 0 0,1 0 0,0 0 0,-1 0 0,1 0-1,0 0 1,0 0 0,-1 0 0,1 0 0,0 1 0,0-1 0,-1 0 0,1 0 0,0 0 0,0 0 0,-1 0 0,1 1 0,0-1 0,0 0 0,0 0 0,-1 0 0,1 1 0,0-1 0,0 0 0,0 0 0,0 1 0,0-1 0,-1 0 0,1 0 0,0 1 0,0-1 0,0 0 0,0 0 0,0 1 0,0-1 0,0 0 0,0 0 0,0 1 0,0-1 0,0 0 0,0 1 0,0-1 0,0 0 0,-1-1-393</inkml:trace>
+</inkml:ink>
+</file>
+
+<file path=ppt/ink/ink141.xml><?xml version="1.0" encoding="utf-8"?>
+<inkml:ink xmlns:inkml="http://www.w3.org/2003/InkML">
+  <inkml:definitions>
+    <inkml:context xml:id="ctx0">
+      <inkml:inkSource xml:id="inkSrc0">
+        <inkml:traceFormat>
+          <inkml:channel name="X" type="integer" min="-2.14748E9" max="2.14748E9" units="cm"/>
+          <inkml:channel name="Y" type="integer" min="-2.14748E9" max="2.14748E9" units="cm"/>
+          <inkml:channel name="F" type="integer" max="32767" units="dev"/>
+        </inkml:traceFormat>
+        <inkml:channelProperties>
+          <inkml:channelProperty channel="X" name="resolution" value="1000" units="1/cm"/>
+          <inkml:channelProperty channel="Y" name="resolution" value="1000" units="1/cm"/>
+          <inkml:channelProperty channel="F" name="resolution" value="0" units="1/dev"/>
+        </inkml:channelProperties>
+      </inkml:inkSource>
+      <inkml:timestamp xml:id="ts0" timeString="2024-08-20T06:54:32.129"/>
+    </inkml:context>
+    <inkml:brush xml:id="br0">
+      <inkml:brushProperty name="width" value="0.05" units="cm"/>
+      <inkml:brushProperty name="height" value="0.05" units="cm"/>
+    </inkml:brush>
+  </inkml:definitions>
+  <inkml:trace contextRef="#ctx0" brushRef="#br0">10 130 6977,'-9'9'4903,"17"-11"-3425,13-4-1058,254-34 177,-74 14-548,-13-7-579,-164 23 381,-23 10 118,-1 0 0,0-1 0,1 1 0,-1 0 0,0 0 0,1 0 0,-1-1 0,0 1 0,1 0 0,-1-1 0,0 1 0,0 0 0,1-1 1,-1 1-1,0 0 0,0-1 0,0 1 0,1 0 0,-1-1 0,0 1 0,0 0 0,0-1 0,0 1 0,0-1 0,0 1 0,0 0 0,0-1 0,0 1 0,0-1 0,0 1 0,0-1 0,0 1 0,0 0 0,0-1 0,0 1 0,-1 0 0,1-1 0,0 1 1,0-1-1,0 1 0,0 0 0,-1-1 0,1 1 0,0 0 0,-1 0 0,1-1 0,0 1 0,-1-1 0,-8-4-747</inkml:trace>
+</inkml:ink>
+</file>
+
+<file path=ppt/ink/ink142.xml><?xml version="1.0" encoding="utf-8"?>
+<inkml:ink xmlns:inkml="http://www.w3.org/2003/InkML">
+  <inkml:definitions>
+    <inkml:context xml:id="ctx0">
+      <inkml:inkSource xml:id="inkSrc0">
+        <inkml:traceFormat>
+          <inkml:channel name="X" type="integer" min="-2.14748E9" max="2.14748E9" units="cm"/>
+          <inkml:channel name="Y" type="integer" min="-2.14748E9" max="2.14748E9" units="cm"/>
+          <inkml:channel name="F" type="integer" max="32767" units="dev"/>
+        </inkml:traceFormat>
+        <inkml:channelProperties>
+          <inkml:channelProperty channel="X" name="resolution" value="1000" units="1/cm"/>
+          <inkml:channelProperty channel="Y" name="resolution" value="1000" units="1/cm"/>
+          <inkml:channelProperty channel="F" name="resolution" value="0" units="1/dev"/>
+        </inkml:channelProperties>
+      </inkml:inkSource>
+      <inkml:timestamp xml:id="ts0" timeString="2024-08-20T06:54:32.517"/>
+    </inkml:context>
+    <inkml:brush xml:id="br0">
+      <inkml:brushProperty name="width" value="0.05" units="cm"/>
+      <inkml:brushProperty name="height" value="0.05" units="cm"/>
+    </inkml:brush>
+  </inkml:definitions>
+  <inkml:trace contextRef="#ctx0" brushRef="#br0">437 0 4049,'-99'81'4577,"71"-55"-3714,1 2 0,-45 60-1,46-51-279,1 1 0,2 1 0,-22 52 0,20-30 393,-24 90 0,44-130-745,1 0-1,0 0 1,2 0 0,0 1 0,2-1 0,0 0 0,2 1 0,5 30 0,-5-43-174,1 0 0,0 0 0,1-1 1,0 1-1,0-1 0,0 0 0,1 0 0,1 0 1,-1-1-1,1 1 0,0-2 0,1 1 0,0-1 1,0 0-1,0 0 0,1 0 0,0-1 0,0-1 1,0 1-1,0-1 0,1-1 0,15 5 0,-5-2-155,0-2 0,0 0 0,1-2 0,-1 0 0,1-1 0,-1-1 0,1 0 0,-1-2 0,38-7-1,-20-1-630,0-1-1,56-26 0,-43 14-468</inkml:trace>
+</inkml:ink>
+</file>
+
+<file path=ppt/ink/ink143.xml><?xml version="1.0" encoding="utf-8"?>
+<inkml:ink xmlns:inkml="http://www.w3.org/2003/InkML">
+  <inkml:definitions>
+    <inkml:context xml:id="ctx0">
+      <inkml:inkSource xml:id="inkSrc0">
+        <inkml:traceFormat>
+          <inkml:channel name="X" type="integer" min="-2.14748E9" max="2.14748E9" units="cm"/>
+          <inkml:channel name="Y" type="integer" min="-2.14748E9" max="2.14748E9" units="cm"/>
+          <inkml:channel name="F" type="integer" max="32767" units="dev"/>
+        </inkml:traceFormat>
+        <inkml:channelProperties>
+          <inkml:channelProperty channel="X" name="resolution" value="1000" units="1/cm"/>
+          <inkml:channelProperty channel="Y" name="resolution" value="1000" units="1/cm"/>
+          <inkml:channelProperty channel="F" name="resolution" value="0" units="1/dev"/>
+        </inkml:channelProperties>
+      </inkml:inkSource>
+      <inkml:timestamp xml:id="ts0" timeString="2024-08-20T06:54:32.982"/>
+    </inkml:context>
+    <inkml:brush xml:id="br0">
+      <inkml:brushProperty name="width" value="0.05" units="cm"/>
+      <inkml:brushProperty name="height" value="0.05" units="cm"/>
+    </inkml:brush>
+  </inkml:definitions>
+  <inkml:trace contextRef="#ctx0" brushRef="#br0">87 1 5441,'-87'4'7542,"97"-3"-4583,45 5-2635,215 17-177,321 18 824,205-67 404,-760 23-1524,-19 1-107,0 1 0,1 0 0,-1 1-1,1 1 1,30 5 0,-32 0-550</inkml:trace>
+</inkml:ink>
+</file>
+
+<file path=ppt/ink/ink144.xml><?xml version="1.0" encoding="utf-8"?>
+<inkml:ink xmlns:inkml="http://www.w3.org/2003/InkML">
+  <inkml:definitions>
+    <inkml:context xml:id="ctx0">
+      <inkml:inkSource xml:id="inkSrc0">
+        <inkml:traceFormat>
+          <inkml:channel name="X" type="integer" min="-2.14748E9" max="2.14748E9" units="cm"/>
+          <inkml:channel name="Y" type="integer" min="-2.14748E9" max="2.14748E9" units="cm"/>
+          <inkml:channel name="F" type="integer" max="32767" units="dev"/>
+        </inkml:traceFormat>
+        <inkml:channelProperties>
+          <inkml:channelProperty channel="X" name="resolution" value="1000" units="1/cm"/>
+          <inkml:channelProperty channel="Y" name="resolution" value="1000" units="1/cm"/>
+          <inkml:channelProperty channel="F" name="resolution" value="0" units="1/dev"/>
+        </inkml:channelProperties>
+      </inkml:inkSource>
+      <inkml:timestamp xml:id="ts0" timeString="2024-08-20T06:54:33.465"/>
+    </inkml:context>
+    <inkml:brush xml:id="br0">
+      <inkml:brushProperty name="width" value="0.05" units="cm"/>
+      <inkml:brushProperty name="height" value="0.05" units="cm"/>
+    </inkml:brush>
+  </inkml:definitions>
+  <inkml:trace contextRef="#ctx0" brushRef="#br0">0 1 8730,'228'200'5752,"-92"-71"-5176,210 258 0,-332-369-366,0 1 1,-1 0-1,-2 1 1,0 0-1,9 23 0,-17-35-140,-1-1 0,0 0-1,0 1 1,-1-1-1,0 1 1,-1-1-1,1 1 1,-2 11-1,0-14-47,0 0-1,0 0 0,0 0 0,-1 0 1,0-1-1,0 1 0,0 0 0,0-1 1,-1 1-1,0-1 0,0 0 0,0 0 1,-6 7-1,-4 0-109,1-1 0,-2 0 0,1 0 0,-1-2 0,-1 0 0,-23 10 0,-102 30-484,33-21-9</inkml:trace>
+</inkml:ink>
+</file>
+
+<file path=ppt/ink/ink145.xml><?xml version="1.0" encoding="utf-8"?>
+<inkml:ink xmlns:inkml="http://www.w3.org/2003/InkML">
+  <inkml:definitions>
+    <inkml:context xml:id="ctx0">
+      <inkml:inkSource xml:id="inkSrc0">
+        <inkml:traceFormat>
+          <inkml:channel name="X" type="integer" min="-2.14748E9" max="2.14748E9" units="cm"/>
+          <inkml:channel name="Y" type="integer" min="-2.14748E9" max="2.14748E9" units="cm"/>
+          <inkml:channel name="F" type="integer" max="32767" units="dev"/>
+        </inkml:traceFormat>
+        <inkml:channelProperties>
+          <inkml:channelProperty channel="X" name="resolution" value="1000" units="1/cm"/>
+          <inkml:channelProperty channel="Y" name="resolution" value="1000" units="1/cm"/>
+          <inkml:channelProperty channel="F" name="resolution" value="0" units="1/dev"/>
+        </inkml:channelProperties>
+      </inkml:inkSource>
+      <inkml:timestamp xml:id="ts0" timeString="2024-08-20T06:54:35.185"/>
+    </inkml:context>
+    <inkml:brush xml:id="br0">
+      <inkml:brushProperty name="width" value="0.05" units="cm"/>
+      <inkml:brushProperty name="height" value="0.05" units="cm"/>
+    </inkml:brush>
+  </inkml:definitions>
+  <inkml:trace contextRef="#ctx0" brushRef="#br0">1 49 12403,'40'-17'264,"1"1"-72,-3 1-32,-4 22-80,-1 2-64,-14 20 64,0 0 8</inkml:trace>
+</inkml:ink>
+</file>
+
+<file path=ppt/ink/ink146.xml><?xml version="1.0" encoding="utf-8"?>
+<inkml:ink xmlns:inkml="http://www.w3.org/2003/InkML">
+  <inkml:definitions>
+    <inkml:context xml:id="ctx0">
+      <inkml:inkSource xml:id="inkSrc0">
+        <inkml:traceFormat>
+          <inkml:channel name="X" type="integer" min="-2.14748E9" max="2.14748E9" units="cm"/>
+          <inkml:channel name="Y" type="integer" min="-2.14748E9" max="2.14748E9" units="cm"/>
+          <inkml:channel name="F" type="integer" max="32767" units="dev"/>
+        </inkml:traceFormat>
+        <inkml:channelProperties>
+          <inkml:channelProperty channel="X" name="resolution" value="1000" units="1/cm"/>
+          <inkml:channelProperty channel="Y" name="resolution" value="1000" units="1/cm"/>
+          <inkml:channelProperty channel="F" name="resolution" value="0" units="1/dev"/>
+        </inkml:channelProperties>
+      </inkml:inkSource>
+      <inkml:timestamp xml:id="ts0" timeString="2024-08-20T06:54:41.011"/>
+    </inkml:context>
+    <inkml:brush xml:id="br0">
+      <inkml:brushProperty name="width" value="0.05" units="cm"/>
+      <inkml:brushProperty name="height" value="0.05" units="cm"/>
+    </inkml:brush>
+  </inkml:definitions>
+  <inkml:trace contextRef="#ctx0" brushRef="#br0">1 908 9642,'6'-10'1020,"1"-1"-1,0 1 1,0 1 0,12-12 0,-8 10-510,1 1 0,24-16 0,1 4-871,66-28 0,-58 30 767,271-122-366,389-116 0,34 69-14,-148 89 11,-533 91-34,-1 3 0,81 2 0,-120 6-2,-1 0-1,24 6 0,-21-3 6,-16-4-20,0 0 0,0 0 1,0 0-1,0 1 0,0 0 0,0 0 0,5 3 0,7 8-612,1 1 1,-2 0-1,0 1 0,-1 0 0,0 2 0,-2-1 0,0 2 0,0 0 0,-2 0 0,16 37 0,-24-48 308,0 1-1,-1-1 1,1 1 0,-1 0-1,-1 0 1,0 8-1</inkml:trace>
+</inkml:ink>
+</file>
+
+<file path=ppt/ink/ink147.xml><?xml version="1.0" encoding="utf-8"?>
+<inkml:ink xmlns:inkml="http://www.w3.org/2003/InkML">
+  <inkml:definitions>
+    <inkml:context xml:id="ctx0">
+      <inkml:inkSource xml:id="inkSrc0">
+        <inkml:traceFormat>
+          <inkml:channel name="X" type="integer" min="-2.14748E9" max="2.14748E9" units="cm"/>
+          <inkml:channel name="Y" type="integer" min="-2.14748E9" max="2.14748E9" units="cm"/>
+          <inkml:channel name="F" type="integer" max="32767" units="dev"/>
+        </inkml:traceFormat>
+        <inkml:channelProperties>
+          <inkml:channelProperty channel="X" name="resolution" value="1000" units="1/cm"/>
+          <inkml:channelProperty channel="Y" name="resolution" value="1000" units="1/cm"/>
+          <inkml:channelProperty channel="F" name="resolution" value="0" units="1/dev"/>
+        </inkml:channelProperties>
+      </inkml:inkSource>
+      <inkml:timestamp xml:id="ts0" timeString="2024-08-20T06:54:41.735"/>
+    </inkml:context>
+    <inkml:brush xml:id="br0">
+      <inkml:brushProperty name="width" value="0.05" units="cm"/>
+      <inkml:brushProperty name="height" value="0.05" units="cm"/>
+    </inkml:brush>
+  </inkml:definitions>
+  <inkml:trace contextRef="#ctx0" brushRef="#br0">1 165 12467,'84'-4'4625,"37"-24"-3633,41-4-816,65-5-584,25 1-152,39 15-24,12 14 87,-1 30 273,18 23 160,-12 21 232,-16 13 64,-26-8 25,-139-39-33,0 2-456,61 25-817,-30-15-2976,-56-4-167</inkml:trace>
+</inkml:ink>
+</file>
+
+<file path=ppt/ink/ink148.xml><?xml version="1.0" encoding="utf-8"?>
+<inkml:ink xmlns:inkml="http://www.w3.org/2003/InkML">
+  <inkml:definitions>
+    <inkml:context xml:id="ctx0">
+      <inkml:inkSource xml:id="inkSrc0">
+        <inkml:traceFormat>
+          <inkml:channel name="X" type="integer" min="-2.14748E9" max="2.14748E9" units="cm"/>
+          <inkml:channel name="Y" type="integer" min="-2.14748E9" max="2.14748E9" units="cm"/>
+          <inkml:channel name="F" type="integer" max="32767" units="dev"/>
+        </inkml:traceFormat>
+        <inkml:channelProperties>
+          <inkml:channelProperty channel="X" name="resolution" value="1000" units="1/cm"/>
+          <inkml:channelProperty channel="Y" name="resolution" value="1000" units="1/cm"/>
+          <inkml:channelProperty channel="F" name="resolution" value="0" units="1/dev"/>
+        </inkml:channelProperties>
+      </inkml:inkSource>
+      <inkml:timestamp xml:id="ts0" timeString="2024-08-20T06:54:44.184"/>
+    </inkml:context>
+    <inkml:brush xml:id="br0">
+      <inkml:brushProperty name="width" value="0.05" units="cm"/>
+      <inkml:brushProperty name="height" value="0.05" units="cm"/>
+    </inkml:brush>
+  </inkml:definitions>
+  <inkml:trace contextRef="#ctx0" brushRef="#br0">88 1112 2353,'-26'-5'2040,"20"3"-1687,0 1 1,0 0-1,-1 0 0,1 1 0,-13 0 0,19 0-338,-1 0 0,1 0-1,0 0 1,-1 0 0,1 0 0,0 0 0,-1 0-1,1 0 1,-1 0 0,1 0 0,0 0 0,-1 0-1,1 0 1,0 0 0,-1 0 0,1 0 0,0 0-1,-1 0 1,1-1 0,0 1 0,-1 0 0,1 0-1,0 0 1,-1-1 0,1 1 0,0 0 0,-1 0-1,1-1 1,0 1 0,0 0 0,0 0 0,-1-1-1,1 1 1,0 0 0,0-1 0,-1 0 0,7-15 257,20-19-61,-24 34-194,135-159 702,-117 138-631,1 1 0,0 1 0,2 0 0,0 2 0,47-28 0,139-58 213,-105 56-178,75-32 106,23-12 16,92-49 19,-201 95-192,2 4 0,182-54 0,-172 70-39,2 5-1,116-8 1,214 17-3,-231 24-30,390 73 0,-499-64-4,153 52 1,-198-53-1,-1 2 1,-2 2 0,0 2-1,66 48 1,-50-24-13,-3 3 0,75 81 0,-94-84-100,-2 1 0,-2 3 1,-3 1-1,52 106 0,-74-131-48,1 1-293,1 0-1,22 30 1,8-2-1286,-14-13 745</inkml:trace>
+</inkml:ink>
+</file>
+
+<file path=ppt/ink/ink149.xml><?xml version="1.0" encoding="utf-8"?>
+<inkml:ink xmlns:inkml="http://www.w3.org/2003/InkML">
+  <inkml:definitions>
+    <inkml:context xml:id="ctx0">
+      <inkml:inkSource xml:id="inkSrc0">
+        <inkml:traceFormat>
+          <inkml:channel name="X" type="integer" min="-2.14748E9" max="2.14748E9" units="cm"/>
+          <inkml:channel name="Y" type="integer" min="-2.14748E9" max="2.14748E9" units="cm"/>
+          <inkml:channel name="F" type="integer" max="32767" units="dev"/>
+        </inkml:traceFormat>
+        <inkml:channelProperties>
+          <inkml:channelProperty channel="X" name="resolution" value="1000" units="1/cm"/>
+          <inkml:channelProperty channel="Y" name="resolution" value="1000" units="1/cm"/>
+          <inkml:channelProperty channel="F" name="resolution" value="0" units="1/dev"/>
+        </inkml:channelProperties>
+      </inkml:inkSource>
+      <inkml:timestamp xml:id="ts0" timeString="2024-08-20T06:54:46.637"/>
+    </inkml:context>
+    <inkml:brush xml:id="br0">
+      <inkml:brushProperty name="width" value="0.05" units="cm"/>
+      <inkml:brushProperty name="height" value="0.05" units="cm"/>
+    </inkml:brush>
+  </inkml:definitions>
+  <inkml:trace contextRef="#ctx0" brushRef="#br0">354 1339 3041,'-6'3'312,"0"0"-1,0-1 1,0 0 0,0 0 0,-1-1 0,1 1 0,-1-1 0,0-1 0,-9 1 0,-23 3-300,9 3 333,-1-2-1,1-1 1,-1-1-1,-36-2 1,65-2-309,0 1 1,1-1-1,-1-1 1,0 1-1,1 0 1,-1 0-1,1-1 1,-1 1-1,1-1 1,0 1-1,0-1 1,0 1-1,0-1 1,0 0-1,0 0 1,0 1-1,0-1 1,0-2-1,-1-1 38,-5-9 209,2 0 1,-8-27 0,13 20 168,3 8-357,0 1 0,1-1 1,0 1-1,1 0 0,1 0 1,0 0-1,0 1 0,1 0 1,1 0-1,9-10 0,17-18 128,49-43 0,-67 67-190,68-64 50,187-133 0,-229 184-82,217-128-8,-64 66 42,4 8 0,229-60 0,61 33 408,26 45 420,-276 48-358,-164 15-211,92 10-1,-80 3-168,0 5 0,0 3 0,-2 3 0,-1 5-1,-1 3 1,-2 4 0,-1 3 0,-2 3 0,-1 4 0,113 89 0,-187-132-133,188 155-141,-150-121-748,-2 3-1,51 63 1,-77-83-495,15 26-1,-3 6-212</inkml:trace>
+</inkml:ink>
+</file>
+
 <file path=ppt/ink/ink15.xml><?xml version="1.0" encoding="utf-8"?>
 <inkml:ink xmlns:inkml="http://www.w3.org/2003/InkML">
   <inkml:definitions>
@@ -324,6 +2765,222 @@
     </inkml:brush>
   </inkml:definitions>
   <inkml:trace contextRef="#ctx0" brushRef="#br0">1 13 4049,'13'13'1880,"0"-7"-679,0-7-633,13 5-88,0-1-136,15 6-80,21-7-160,-4-2-64,-3-7-40,-3-3-32,-11 6-48,8-4-48,16 6-392,-10-4-456,-7-6 615</inkml:trace>
+</inkml:ink>
+</file>
+
+<file path=ppt/ink/ink150.xml><?xml version="1.0" encoding="utf-8"?>
+<inkml:ink xmlns:inkml="http://www.w3.org/2003/InkML">
+  <inkml:definitions>
+    <inkml:context xml:id="ctx0">
+      <inkml:inkSource xml:id="inkSrc0">
+        <inkml:traceFormat>
+          <inkml:channel name="X" type="integer" min="-2.14748E9" max="2.14748E9" units="cm"/>
+          <inkml:channel name="Y" type="integer" min="-2.14748E9" max="2.14748E9" units="cm"/>
+          <inkml:channel name="F" type="integer" max="32767" units="dev"/>
+        </inkml:traceFormat>
+        <inkml:channelProperties>
+          <inkml:channelProperty channel="X" name="resolution" value="1000" units="1/cm"/>
+          <inkml:channelProperty channel="Y" name="resolution" value="1000" units="1/cm"/>
+          <inkml:channelProperty channel="F" name="resolution" value="0" units="1/dev"/>
+        </inkml:channelProperties>
+      </inkml:inkSource>
+      <inkml:timestamp xml:id="ts0" timeString="2023-06-09T09:18:04.074"/>
+    </inkml:context>
+    <inkml:brush xml:id="br0">
+      <inkml:brushProperty name="width" value="0.05" units="cm"/>
+      <inkml:brushProperty name="height" value="0.05" units="cm"/>
+    </inkml:brush>
+  </inkml:definitions>
+  <inkml:trace contextRef="#ctx0" brushRef="#br0">12 5 904,'-5'-2'512,"4"1"-208,-2 0-8,2 1 41,-1 0-265</inkml:trace>
+</inkml:ink>
+</file>
+
+<file path=ppt/ink/ink151.xml><?xml version="1.0" encoding="utf-8"?>
+<inkml:ink xmlns:inkml="http://www.w3.org/2003/InkML">
+  <inkml:definitions>
+    <inkml:context xml:id="ctx0">
+      <inkml:inkSource xml:id="inkSrc0">
+        <inkml:traceFormat>
+          <inkml:channel name="X" type="integer" min="-2.14748E9" max="2.14748E9" units="cm"/>
+          <inkml:channel name="Y" type="integer" min="-2.14748E9" max="2.14748E9" units="cm"/>
+          <inkml:channel name="F" type="integer" max="32767" units="dev"/>
+        </inkml:traceFormat>
+        <inkml:channelProperties>
+          <inkml:channelProperty channel="X" name="resolution" value="1000" units="1/cm"/>
+          <inkml:channelProperty channel="Y" name="resolution" value="1000" units="1/cm"/>
+          <inkml:channelProperty channel="F" name="resolution" value="0" units="1/dev"/>
+        </inkml:channelProperties>
+      </inkml:inkSource>
+      <inkml:timestamp xml:id="ts0" timeString="2023-06-09T09:18:04.074"/>
+    </inkml:context>
+    <inkml:brush xml:id="br0">
+      <inkml:brushProperty name="width" value="0.05" units="cm"/>
+      <inkml:brushProperty name="height" value="0.05" units="cm"/>
+    </inkml:brush>
+  </inkml:definitions>
+  <inkml:trace contextRef="#ctx0" brushRef="#br0">12 5 904,'-5'-2'512,"4"1"-208,-2 0-8,2 1 41,-1 0-265</inkml:trace>
+</inkml:ink>
+</file>
+
+<file path=ppt/ink/ink152.xml><?xml version="1.0" encoding="utf-8"?>
+<inkml:ink xmlns:inkml="http://www.w3.org/2003/InkML">
+  <inkml:definitions>
+    <inkml:context xml:id="ctx0">
+      <inkml:inkSource xml:id="inkSrc0">
+        <inkml:traceFormat>
+          <inkml:channel name="X" type="integer" min="-2.14748E9" max="2.14748E9" units="cm"/>
+          <inkml:channel name="Y" type="integer" min="-2.14748E9" max="2.14748E9" units="cm"/>
+          <inkml:channel name="F" type="integer" max="32767" units="dev"/>
+        </inkml:traceFormat>
+        <inkml:channelProperties>
+          <inkml:channelProperty channel="X" name="resolution" value="1000" units="1/cm"/>
+          <inkml:channelProperty channel="Y" name="resolution" value="1000" units="1/cm"/>
+          <inkml:channelProperty channel="F" name="resolution" value="0" units="1/dev"/>
+        </inkml:channelProperties>
+      </inkml:inkSource>
+      <inkml:timestamp xml:id="ts0" timeString="2023-06-09T09:18:04.074"/>
+    </inkml:context>
+    <inkml:brush xml:id="br0">
+      <inkml:brushProperty name="width" value="0.05" units="cm"/>
+      <inkml:brushProperty name="height" value="0.05" units="cm"/>
+    </inkml:brush>
+  </inkml:definitions>
+  <inkml:trace contextRef="#ctx0" brushRef="#br0">12 5 904,'-5'-2'512,"4"1"-208,-2 0-8,2 1 41,-1 0-265</inkml:trace>
+</inkml:ink>
+</file>
+
+<file path=ppt/ink/ink153.xml><?xml version="1.0" encoding="utf-8"?>
+<inkml:ink xmlns:inkml="http://www.w3.org/2003/InkML">
+  <inkml:definitions>
+    <inkml:context xml:id="ctx0">
+      <inkml:inkSource xml:id="inkSrc0">
+        <inkml:traceFormat>
+          <inkml:channel name="X" type="integer" min="-2.14748E9" max="2.14748E9" units="cm"/>
+          <inkml:channel name="Y" type="integer" min="-2.14748E9" max="2.14748E9" units="cm"/>
+          <inkml:channel name="F" type="integer" max="32767" units="dev"/>
+        </inkml:traceFormat>
+        <inkml:channelProperties>
+          <inkml:channelProperty channel="X" name="resolution" value="1000" units="1/cm"/>
+          <inkml:channelProperty channel="Y" name="resolution" value="1000" units="1/cm"/>
+          <inkml:channelProperty channel="F" name="resolution" value="0" units="1/dev"/>
+        </inkml:channelProperties>
+      </inkml:inkSource>
+      <inkml:timestamp xml:id="ts0" timeString="2023-06-09T09:18:04.074"/>
+    </inkml:context>
+    <inkml:brush xml:id="br0">
+      <inkml:brushProperty name="width" value="0.05" units="cm"/>
+      <inkml:brushProperty name="height" value="0.05" units="cm"/>
+    </inkml:brush>
+  </inkml:definitions>
+  <inkml:trace contextRef="#ctx0" brushRef="#br0">12 5 904,'-5'-2'512,"4"1"-208,-2 0-8,2 1 41,-1 0-265</inkml:trace>
+</inkml:ink>
+</file>
+
+<file path=ppt/ink/ink154.xml><?xml version="1.0" encoding="utf-8"?>
+<inkml:ink xmlns:inkml="http://www.w3.org/2003/InkML">
+  <inkml:definitions>
+    <inkml:context xml:id="ctx0">
+      <inkml:inkSource xml:id="inkSrc0">
+        <inkml:traceFormat>
+          <inkml:channel name="X" type="integer" min="-2.14748E9" max="2.14748E9" units="cm"/>
+          <inkml:channel name="Y" type="integer" min="-2.14748E9" max="2.14748E9" units="cm"/>
+          <inkml:channel name="F" type="integer" max="32767" units="dev"/>
+        </inkml:traceFormat>
+        <inkml:channelProperties>
+          <inkml:channelProperty channel="X" name="resolution" value="1000" units="1/cm"/>
+          <inkml:channelProperty channel="Y" name="resolution" value="1000" units="1/cm"/>
+          <inkml:channelProperty channel="F" name="resolution" value="0" units="1/dev"/>
+        </inkml:channelProperties>
+      </inkml:inkSource>
+      <inkml:timestamp xml:id="ts0" timeString="2023-06-09T09:18:04.074"/>
+    </inkml:context>
+    <inkml:brush xml:id="br0">
+      <inkml:brushProperty name="width" value="0.05" units="cm"/>
+      <inkml:brushProperty name="height" value="0.05" units="cm"/>
+    </inkml:brush>
+  </inkml:definitions>
+  <inkml:trace contextRef="#ctx0" brushRef="#br0">12 5 904,'-5'-2'512,"4"1"-208,-2 0-8,2 1 41,-1 0-265</inkml:trace>
+</inkml:ink>
+</file>
+
+<file path=ppt/ink/ink155.xml><?xml version="1.0" encoding="utf-8"?>
+<inkml:ink xmlns:inkml="http://www.w3.org/2003/InkML">
+  <inkml:definitions>
+    <inkml:context xml:id="ctx0">
+      <inkml:inkSource xml:id="inkSrc0">
+        <inkml:traceFormat>
+          <inkml:channel name="X" type="integer" min="-2.14748E9" max="2.14748E9" units="cm"/>
+          <inkml:channel name="Y" type="integer" min="-2.14748E9" max="2.14748E9" units="cm"/>
+          <inkml:channel name="F" type="integer" max="32767" units="dev"/>
+        </inkml:traceFormat>
+        <inkml:channelProperties>
+          <inkml:channelProperty channel="X" name="resolution" value="1000" units="1/cm"/>
+          <inkml:channelProperty channel="Y" name="resolution" value="1000" units="1/cm"/>
+          <inkml:channelProperty channel="F" name="resolution" value="0" units="1/dev"/>
+        </inkml:channelProperties>
+      </inkml:inkSource>
+      <inkml:timestamp xml:id="ts0" timeString="2023-06-09T09:18:04.074"/>
+    </inkml:context>
+    <inkml:brush xml:id="br0">
+      <inkml:brushProperty name="width" value="0.05" units="cm"/>
+      <inkml:brushProperty name="height" value="0.05" units="cm"/>
+    </inkml:brush>
+  </inkml:definitions>
+  <inkml:trace contextRef="#ctx0" brushRef="#br0">12 5 904,'-5'-2'512,"4"1"-208,-2 0-8,2 1 41,-1 0-265</inkml:trace>
+</inkml:ink>
+</file>
+
+<file path=ppt/ink/ink156.xml><?xml version="1.0" encoding="utf-8"?>
+<inkml:ink xmlns:inkml="http://www.w3.org/2003/InkML">
+  <inkml:definitions>
+    <inkml:context xml:id="ctx0">
+      <inkml:inkSource xml:id="inkSrc0">
+        <inkml:traceFormat>
+          <inkml:channel name="X" type="integer" min="-2.14748E9" max="2.14748E9" units="cm"/>
+          <inkml:channel name="Y" type="integer" min="-2.14748E9" max="2.14748E9" units="cm"/>
+          <inkml:channel name="F" type="integer" max="32767" units="dev"/>
+        </inkml:traceFormat>
+        <inkml:channelProperties>
+          <inkml:channelProperty channel="X" name="resolution" value="1000" units="1/cm"/>
+          <inkml:channelProperty channel="Y" name="resolution" value="1000" units="1/cm"/>
+          <inkml:channelProperty channel="F" name="resolution" value="0" units="1/dev"/>
+        </inkml:channelProperties>
+      </inkml:inkSource>
+      <inkml:timestamp xml:id="ts0" timeString="2023-07-04T09:33:57.079"/>
+    </inkml:context>
+    <inkml:brush xml:id="br0">
+      <inkml:brushProperty name="width" value="0.05" units="cm"/>
+      <inkml:brushProperty name="height" value="0.05" units="cm"/>
+    </inkml:brush>
+  </inkml:definitions>
+  <inkml:trace contextRef="#ctx0" brushRef="#br0">0 4 424,'0'-2'96,"0"1"-96</inkml:trace>
+</inkml:ink>
+</file>
+
+<file path=ppt/ink/ink157.xml><?xml version="1.0" encoding="utf-8"?>
+<inkml:ink xmlns:inkml="http://www.w3.org/2003/InkML">
+  <inkml:definitions>
+    <inkml:context xml:id="ctx0">
+      <inkml:inkSource xml:id="inkSrc0">
+        <inkml:traceFormat>
+          <inkml:channel name="X" type="integer" min="-2.14748E9" max="2.14748E9" units="cm"/>
+          <inkml:channel name="Y" type="integer" min="-2.14748E9" max="2.14748E9" units="cm"/>
+          <inkml:channel name="F" type="integer" max="32767" units="dev"/>
+        </inkml:traceFormat>
+        <inkml:channelProperties>
+          <inkml:channelProperty channel="X" name="resolution" value="1000" units="1/cm"/>
+          <inkml:channelProperty channel="Y" name="resolution" value="1000" units="1/cm"/>
+          <inkml:channelProperty channel="F" name="resolution" value="0" units="1/dev"/>
+        </inkml:channelProperties>
+      </inkml:inkSource>
+      <inkml:timestamp xml:id="ts0" timeString="2023-07-04T09:47:45.987"/>
+    </inkml:context>
+    <inkml:brush xml:id="br0">
+      <inkml:brushProperty name="width" value="0.05" units="cm"/>
+      <inkml:brushProperty name="height" value="0.05" units="cm"/>
+    </inkml:brush>
+  </inkml:definitions>
+  <inkml:trace contextRef="#ctx0" brushRef="#br0">8 22 3353,'0'0'1029,"-7"-1"-609,7 0-390,0 0-1,0 1 0,0-1 0,0 1 0,0-1 1,0 0-1,0 1 0,0-1 0,0 1 1,0-1-1,0 1 0,0-1 0,0 1 0,1-1 1,-1 1-1,0-1 0,1 1 0,-1-1 1,0 1-1,1-1 0,-1 1 0,0-1 0,1 1 1,-1-1-1,1 1 0,-1 0 0,1-1 1,-1 1-1,1 0 0,-1 0 0,1-1 0,-1 1 1,1 0-1,-1 0 0,1 0 0,-1 0 1,1-1-1,-1 1 0,1 0 0,0 0 0,-1 0 1,1 0-1,-1 0 0,2 1 0,-2-6 173</inkml:trace>
 </inkml:ink>
 </file>
 
@@ -2328,14 +4985,14 @@
           <inkml:channelProperty channel="F" name="resolution" value="0" units="1/dev"/>
         </inkml:channelProperties>
       </inkml:inkSource>
-      <inkml:timestamp xml:id="ts0" timeString="2023-06-09T09:18:04.074"/>
+      <inkml:timestamp xml:id="ts0" timeString="2024-08-20T06:53:02.774"/>
     </inkml:context>
     <inkml:brush xml:id="br0">
       <inkml:brushProperty name="width" value="0.05" units="cm"/>
       <inkml:brushProperty name="height" value="0.05" units="cm"/>
     </inkml:brush>
   </inkml:definitions>
-  <inkml:trace contextRef="#ctx0" brushRef="#br0">12 5 904,'-5'-2'512,"4"1"-208,-2 0-8,2 1 41,-1 0-265</inkml:trace>
+  <inkml:trace contextRef="#ctx0" brushRef="#br0">0 0 9186,'27'16'3089,"-7"9"-3033,3 9-48,-23-2-1617</inkml:trace>
 </inkml:ink>
 </file>
 
@@ -2355,14 +5012,14 @@
           <inkml:channelProperty channel="F" name="resolution" value="0" units="1/dev"/>
         </inkml:channelProperties>
       </inkml:inkSource>
-      <inkml:timestamp xml:id="ts0" timeString="2023-06-09T09:18:04.074"/>
+      <inkml:timestamp xml:id="ts0" timeString="2024-08-20T06:53:03.840"/>
     </inkml:context>
     <inkml:brush xml:id="br0">
       <inkml:brushProperty name="width" value="0.05" units="cm"/>
       <inkml:brushProperty name="height" value="0.05" units="cm"/>
     </inkml:brush>
   </inkml:definitions>
-  <inkml:trace contextRef="#ctx0" brushRef="#br0">12 5 904,'-5'-2'512,"4"1"-208,-2 0-8,2 1 41,-1 0-265</inkml:trace>
+  <inkml:trace contextRef="#ctx0" brushRef="#br0">363 577 7794,'-2'2'180,"1"0"0,0 1-1,0-1 1,-1 0 0,2 1 0,-1-1 0,0 1 0,0-1 0,1 1 0,-1-1 0,1 1 0,0-1 0,0 1 0,0 0 0,0-1 0,0 1-1,1-1 1,-1 1 0,1-1 0,1 4 0,1 17 79,-1 38-17,-12 106 1,6-117-228,-4 24 4,-3 47 10,-6 99 11,6-68-16,10-108-16,1-41-8,-2 20 11,4 40 0,-1-54-6,1-1 1,0 1-1,0-1 1,1 0-1,0 0 0,0 0 1,7 11-1,-9-16 1,1-1-1,-1 0 1,1 0 0,-1 1 0,1-1-1,0 0 1,0-1 0,0 1 0,0 0-1,0 0 1,0-1 0,0 1 0,1-1-1,-1 0 1,1 0 0,-1 0 0,1 0-1,-1 0 1,4 0 0,-5-1-4,-1 1 0,0-1 0,1 0 1,-1 0-1,0 0 0,0 0 0,1 0 1,-1 0-1,0 0 0,1 0 0,-1 0 1,0 1-1,1-1 0,-1-1 0,0 1 1,1 0-1,-1 0 0,0 0 0,0 0 1,1 0-1,-1 0 0,0 0 0,1 0 1,-1 0-1,0 0 0,0-1 0,1 1 1,-1 0-1,0 0 0,0 0 0,1-1 1,-1 1-1,0 0 0,0 0 0,0-1 1,1 1-1,-1 0 0,0 0 0,0-1 1,0 1-1,0 0 0,0 0 0,0-1 0,1 1 1,-1 0-1,0-1 0,0 1 0,0 0 1,0-1-1,0 1 0,0 0 0,0-1 1,0 1-1,0 0 0,-1 0 0,1-1 1,0 1-1,0 0 0,0-1 0,0 1 1,0 0-1,-1-1 0,-9-18 69,-7-4-11,-32-41 286,-43-73 0,60 80-235,3-1 0,3-2 1,2 0-1,3-1 0,3-2 0,-16-93 1,22 77 97,3-1-1,3-1 1,7-104 0,2 149-80,1 0 0,1 0 0,3 1 0,0 0-1,3 0 1,0 1 0,3 0 0,0 1 0,34-54 0,-33 63 17,37-42 0,-47 61-126,1-1 0,0 1 1,0-1-1,0 2 0,1-1 0,0 1 0,0 0 0,0 0 0,0 1 0,0 0 1,10-3-1,-12 5-14,0 0 0,0 1 0,0-1 0,0 1 0,1 0 0,-1 0 0,0 1 0,0-1 0,0 1 0,0 1 0,0-1 0,0 1 0,-1-1 0,1 1 1,0 0-1,-1 1 0,1-1 0,-1 1 0,0 0 0,0 0 0,6 7 0,-2-2-3,0 0 1,-1 1-1,0 1 1,0-1-1,-1 1 0,-1 0 1,1 0-1,4 16 1,-4-8 0,-1 0 1,0 1-1,-1-1 1,-2 1 0,0-1-1,-1 1 1,0 0-1,-2 0 1,0 0-1,-1-1 1,-1 1 0,-1-1-1,0 0 1,-2 0-1,0 0 1,-1 0 0,0-1-1,-2 0 1,0-1-1,-1 0 1,0 0-1,-13 14 1,15-22-11,-40 42-148,43-46 11,1 0 0,-2 0-1,1 0 1,0-1 0,-1 1 0,0-1 0,1-1 0,-9 4 0,13-6 27,0 1 0,0-1 1,0 0-1,0 0 1,0 1-1,-1-1 0,1 0 1,0 0-1,0 0 1,0 0-1,0 0 0,0 0 1,-1 0-1,1 0 1,0-1-1,0 1 0,0 0 1,0-1-1,0 1 0,0-1 1,0 1-1,0-1 1,0 0-1,0 1 0,0-1 1,0 0-1,0 1 1,1-1-1,-1 0 0,0 0 1,0 0-1,1 0 0,-1 0 1,1 0-1,-1 0 1,1 0-1,-1 0 0,0-2 1,-10-31-1323</inkml:trace>
 </inkml:ink>
 </file>
 
@@ -2382,14 +5039,14 @@
           <inkml:channelProperty channel="F" name="resolution" value="0" units="1/dev"/>
         </inkml:channelProperties>
       </inkml:inkSource>
-      <inkml:timestamp xml:id="ts0" timeString="2023-06-09T09:18:04.074"/>
+      <inkml:timestamp xml:id="ts0" timeString="2024-08-20T06:53:04.276"/>
     </inkml:context>
     <inkml:brush xml:id="br0">
       <inkml:brushProperty name="width" value="0.05" units="cm"/>
       <inkml:brushProperty name="height" value="0.05" units="cm"/>
     </inkml:brush>
   </inkml:definitions>
-  <inkml:trace contextRef="#ctx0" brushRef="#br0">12 5 904,'-5'-2'512,"4"1"-208,-2 0-8,2 1 41,-1 0-265</inkml:trace>
+  <inkml:trace contextRef="#ctx0" brushRef="#br0">1 269 3977,'2'0'158,"0"1"0,1 0 0,-1 0 0,1 1 0,-1-1 0,0 0 0,0 1 0,0 0 0,0-1 0,0 1 0,0 0 0,0 0 0,0 0 0,-1 0 0,1 0 0,-1 0 0,2 3 0,23 46 293,-24-48-385,23 61 121,-15-37-41,14 29 1,-20-48-18,1 0 0,0 0 0,0 0 1,1-1-1,0 0 0,0 0 0,12 9 0,-15-13-55,1-1 1,-1 1-1,1-1 0,-1 0 1,1-1-1,0 1 0,-1-1 0,1 1 1,0-1-1,0 0 0,0-1 0,0 1 1,0-1-1,0 1 0,8-2 1,0 0 140,0-2 1,0 1 0,22-9 0,-14 4-99,2 0 19,0-1 0,-1-1 0,0-1 0,0-1 0,32-23 1,-41 25-51,0-1 1,-1-1 0,0 0 0,0 0 0,-1-1 0,-1 0 0,0-1 0,-1 0-1,11-23 1,-9 14 194,-1 0 0,-1 0-1,-1-1 1,-1 0-1,4-34 1,-9 47-172,-1 1 0,0 0 1,0 0-1,-1 0 0,0 0 0,-1 0 0,-3-13 1,3 16-65,-1 1 0,1-1 0,-1 1 1,0-1-1,-1 1 0,1 0 1,-1 0-1,0 1 0,0-1 0,0 1 1,-1 0-1,-5-5 0,4 5-34,-1 1 0,1 0-1,0 0 1,-1 0 0,0 1-1,0 0 1,1 0-1,-1 1 1,0 0 0,0 0-1,-1 0 1,1 1 0,0 0-1,0 1 1,0-1 0,0 1-1,0 1 1,0-1-1,0 1 1,-7 4 0,2-2-8,0 1 0,0 0 0,0 1 0,1 1 0,0 0 0,0 0 0,1 1 1,0 1-1,0-1 0,-8 12 0,2 2 8,2 0 0,0 1 0,2 1 0,1 0 0,0 1 0,2 0 0,1 0 0,1 1 0,-6 45 0,11-62-8,1 1-1,1-1 1,0 1-1,0-1 0,1 1 1,0-1-1,0 0 1,6 16-1,-5-19-4,-1-2 1,2 1-1,-1 0 0,1 0 1,-1-1-1,1 1 0,0-1 1,1 0-1,-1 0 1,1 0-1,0 0 0,0 0 1,0-1-1,0 0 0,1 0 1,-1 0-1,8 3 0,-3-3-119,0 0-1,1 0 1,-1-1-1,0 0 1,1-1-1,0 0 1,-1 0-1,1-1 0,12-1 1,11-3-1603,44-11-1,-7 1-1618,-25 9 2076</inkml:trace>
 </inkml:ink>
 </file>
 
@@ -2409,14 +5066,14 @@
           <inkml:channelProperty channel="F" name="resolution" value="0" units="1/dev"/>
         </inkml:channelProperties>
       </inkml:inkSource>
-      <inkml:timestamp xml:id="ts0" timeString="2023-06-09T09:18:04.074"/>
+      <inkml:timestamp xml:id="ts0" timeString="2024-08-20T06:53:04.634"/>
     </inkml:context>
     <inkml:brush xml:id="br0">
       <inkml:brushProperty name="width" value="0.05" units="cm"/>
       <inkml:brushProperty name="height" value="0.05" units="cm"/>
     </inkml:brush>
   </inkml:definitions>
-  <inkml:trace contextRef="#ctx0" brushRef="#br0">12 5 904,'-5'-2'512,"4"1"-208,-2 0-8,2 1 41,-1 0-265</inkml:trace>
+  <inkml:trace contextRef="#ctx0" brushRef="#br0">1 355 7034,'4'3'316,"0"1"1,-1-1 0,1 1 0,-1 0 0,0 0-1,0 0 1,0 1 0,-1-1 0,0 1 0,1-1-1,-1 1 1,-1 0 0,3 7 0,-1 6-167,-1-1 0,2 29 0,0 11 131,-4-56-275,1 1 0,-1-1 0,1 0 0,-1 1-1,1-1 1,0 0 0,-1 1 0,1-1 0,0 0 0,0 0 0,0 1 0,2 0 0,-3-2-4,0 1 0,0-1 0,0 0 0,0 0 0,1 0 1,-1 1-1,0-1 0,0 0 0,0 0 0,0 0 0,1 0 1,-1 1-1,0-1 0,0 0 0,1 0 0,-1 0 0,0 0 1,0 0-1,1 0 0,-1 0 0,0 0 0,0 0 0,1 0 1,-1 0-1,0 0 0,0 0 0,0 0 0,1 0 0,-1 0 1,0 0-1,0 0 0,1 0 0,-1 0 0,0 0 1,0 0-1,1 0 0,-1-1 0,0 1 0,0 0 0,0 0 1,1 0-1,-1 0 0,0-1 0,0 1 0,0 0 0,0 0 1,1 0-1,-1-1 0,0 1 0,0 0 0,0 0 0,0 0 1,0-1-1,0 1 0,0 0 0,0 0 0,0-1 0,0 1 1,0 0-1,0 0 0,0-1 0,0 1 0,5-30 567,15-48 0,-11 48 330,9-58 1,-15 67-764,1 1 1,1-1-1,1 1 0,1 0 1,1 0-1,0 1 0,22-36 1,-16 34-1370,1 0 0,0 0 0,29-27 0,1 7-378</inkml:trace>
 </inkml:ink>
 </file>
 
@@ -2436,14 +5093,14 @@
           <inkml:channelProperty channel="F" name="resolution" value="0" units="1/dev"/>
         </inkml:channelProperties>
       </inkml:inkSource>
-      <inkml:timestamp xml:id="ts0" timeString="2023-06-09T09:18:04.074"/>
+      <inkml:timestamp xml:id="ts0" timeString="2024-08-20T06:53:05.067"/>
     </inkml:context>
     <inkml:brush xml:id="br0">
       <inkml:brushProperty name="width" value="0.05" units="cm"/>
       <inkml:brushProperty name="height" value="0.05" units="cm"/>
     </inkml:brush>
   </inkml:definitions>
-  <inkml:trace contextRef="#ctx0" brushRef="#br0">12 5 904,'-5'-2'512,"4"1"-208,-2 0-8,2 1 41,-1 0-265</inkml:trace>
+  <inkml:trace contextRef="#ctx0" brushRef="#br0">0 1 7322,'38'51'3496,"-13"-6"-423,3 6-2985,-2 9-672,-22-18 432</inkml:trace>
 </inkml:ink>
 </file>
 
@@ -2463,14 +5120,14 @@
           <inkml:channelProperty channel="F" name="resolution" value="0" units="1/dev"/>
         </inkml:channelProperties>
       </inkml:inkSource>
-      <inkml:timestamp xml:id="ts0" timeString="2023-06-09T09:18:04.074"/>
+      <inkml:timestamp xml:id="ts0" timeString="2024-08-20T06:53:05.423"/>
     </inkml:context>
     <inkml:brush xml:id="br0">
       <inkml:brushProperty name="width" value="0.05" units="cm"/>
       <inkml:brushProperty name="height" value="0.05" units="cm"/>
     </inkml:brush>
   </inkml:definitions>
-  <inkml:trace contextRef="#ctx0" brushRef="#br0">12 5 904,'-5'-2'512,"4"1"-208,-2 0-8,2 1 41,-1 0-265</inkml:trace>
+  <inkml:trace contextRef="#ctx0" brushRef="#br0">29 42 11987,'-15'-17'4224,"6"1"-3607,5 7-825,19 14-2553</inkml:trace>
 </inkml:ink>
 </file>
 
@@ -2490,14 +5147,14 @@
           <inkml:channelProperty channel="F" name="resolution" value="0" units="1/dev"/>
         </inkml:channelProperties>
       </inkml:inkSource>
-      <inkml:timestamp xml:id="ts0" timeString="2023-06-09T09:18:04.074"/>
+      <inkml:timestamp xml:id="ts0" timeString="2024-08-20T06:53:05.886"/>
     </inkml:context>
     <inkml:brush xml:id="br0">
       <inkml:brushProperty name="width" value="0.05" units="cm"/>
       <inkml:brushProperty name="height" value="0.05" units="cm"/>
     </inkml:brush>
   </inkml:definitions>
-  <inkml:trace contextRef="#ctx0" brushRef="#br0">12 5 904,'-5'-2'512,"4"1"-208,-2 0-8,2 1 41,-1 0-265</inkml:trace>
+  <inkml:trace contextRef="#ctx0" brushRef="#br0">1 118 8378,'10'26'3200,"0"2"-2858,-3-13-256,-1-4-53,-2-1 0,1 1-1,-1 0 1,-1 0-1,0 1 1,0-1 0,-1 1-1,0 16 1,-3 74 121,2 66 264,0-235 720,14-92 0,-10 120-881,14-98 440,-15 114-594,2 0 0,1 0 0,17-38 0,-23 58-98,0 0-1,0 0 1,1 0 0,-1 1-1,1-1 1,0 1-1,0-1 1,0 1 0,0 0-1,0 0 1,0 0-1,1 0 1,-1 0 0,1 0-1,3-1 1,-4 2-3,1 0-1,-1 1 1,0 0 0,1 0 0,-1 0-1,1 0 1,-1 0 0,1 0 0,-1 0-1,1 1 1,-1-1 0,1 1 0,-1 0 0,0 0-1,0 0 1,1 0 0,1 2 0,1-1-2,0 1 0,0 0 1,-1 0-1,1 0 0,-1 0 1,0 1-1,0 0 0,0 0 1,0 0-1,-1 0 0,0 1 1,0-1-1,4 10 0,-1 0 3,-1 0-1,0 1 1,3 24-1,-3-17 1,47 160 105,-48-141-13,-5-36-34,1-1 0,1 0 0,-1 1 0,1-1 0,-1 1 0,1-1 0,3 8 0,-4-13-25,0 0 1,0-1 0,0 1 0,1-1 0,-1 1-1,0-1 1,1 1 0,-1-1 0,1 1 0,-1 0-1,1-1 1,0 0 0,3-8 57,19-48 102,45-84 0,-21 48 13,-45 91-192,-1-1-1,1 1 1,0 0-1,0 0 0,0 0 1,0 0-1,0 0 1,1 0-1,0 0 1,-1 1-1,5-3 0,-6 4-8,1 0-1,-1 1 1,1-1-1,0 1 1,-1 0-1,1 0 1,0-1-1,-1 1 0,1 0 1,0 0-1,-1 1 1,1-1-1,0 0 1,-1 0-1,1 1 0,0-1 1,-1 1-1,1 0 1,-1-1-1,1 1 1,-1 0-1,1 0 1,-1 0-1,0 0 0,1 0 1,-1 0-1,2 3 1,2 0-5,-1 1 0,1-1 0,-1 1 0,0 1 0,-1-1 1,0 0-1,1 1 0,-2 0 0,1 0 0,-1-1 0,0 1 0,0 1 0,1 6 1,1 12-47,-1 0 0,0 29 1,-3-30-805,6 34 0,-5-54 601,0 0 0,0 0 0,0-1 0,0 1 0,0-1 0,3 5 0,15 10-822</inkml:trace>
 </inkml:ink>
 </file>
 
@@ -2517,14 +5174,14 @@
           <inkml:channelProperty channel="F" name="resolution" value="0" units="1/dev"/>
         </inkml:channelProperties>
       </inkml:inkSource>
-      <inkml:timestamp xml:id="ts0" timeString="2023-07-04T09:33:57.079"/>
+      <inkml:timestamp xml:id="ts0" timeString="2024-08-20T06:53:06.383"/>
     </inkml:context>
     <inkml:brush xml:id="br0">
       <inkml:brushProperty name="width" value="0.05" units="cm"/>
       <inkml:brushProperty name="height" value="0.05" units="cm"/>
     </inkml:brush>
   </inkml:definitions>
-  <inkml:trace contextRef="#ctx0" brushRef="#br0">0 4 424,'0'-2'96,"0"1"-96</inkml:trace>
+  <inkml:trace contextRef="#ctx0" brushRef="#br0">171 35 9194,'0'-3'375,"0"1"0,-1-1-1,1 1 1,-1-1 0,1 1 0,-1-1-1,0 1 1,0 0 0,-2-5 0,2 6-363,1 1 0,-1-1 0,1 1 1,-1 0-1,1-1 0,-1 1 0,1-1 1,-1 1-1,0 0 0,1-1 0,-1 1 1,0 0-1,1 0 0,-1 0 0,1 0 1,-1-1-1,0 1 0,1 0 0,-1 0 1,0 0-1,0 0 0,1 0 0,-1 0 1,1 1-1,-1-1 0,0 0 0,1 0 1,-1 0-1,0 1 0,1-1 0,-1 0 1,1 1-1,-1-1 0,0 0 0,1 1 1,-1-1-1,1 1 0,-1-1 0,1 1 1,0-1-1,-1 2 0,-7 5-5,1 1-1,1 0 0,-1 1 1,1 0-1,1 0 1,-7 13-1,-3 6 4,-30 56 57,40-74-49,1 1 0,0 0 0,1-1 0,0 1 0,0 0 0,0 14 0,3-24-15,-1 1-1,1-1 1,0 0-1,0 1 1,0-1-1,0 0 1,0 0 0,0 1-1,0-1 1,0 0-1,1 0 1,-1 1-1,1-1 1,-1 0-1,1 0 1,-1 0-1,1 1 1,-1-1-1,1 0 1,0 0-1,0 0 1,0 0-1,-1 0 1,1 0 0,2 0-1,-2 0 1,1-1 0,-1 0 0,1 1 0,-1-1-1,1 0 1,-1 0 0,1 0 0,-1 0 0,1-1 0,-1 1 0,1 0 0,-1-1-1,1 1 1,-1-1 0,1 1 0,-1-1 0,2-1 0,5-2 35,0-1 0,-1 0 0,0-1 0,0 1 0,11-13 0,1-6 443,-2-2 0,0-1 1,14-32-1,4-5 841,-21 46-861,-14 17-455,0 1 0,0 0 0,1 0 0,-1 0 0,0 0 0,0 0 0,0 0 0,1 0 0,-1 0 0,0-1 0,0 1 0,0 0 0,1 0 0,-1 0 0,0 0-1,0 0 1,0 0 0,1 0 0,-1 0 0,0 0 0,0 0 0,0 0 0,0 1 0,1-1 0,-1 0 0,0 0 0,0 0 0,0 0 0,1 0 0,-1 0 0,0 0 0,0 0 0,0 1 0,0-1 0,0 0 0,1 0 0,-1 0 0,0 0 0,0 0-1,0 1 1,0-1 0,0 0 0,0 0 0,0 0 0,0 1 0,1-1 0,0 6 14,0-1 1,0 1-1,-1 0 0,0 11 0,0-16-22,-4 90 25,2-64-413,0 1-1,2 0 1,4 35-1,-3-57 74,-1-4 105,0 0 0,0 0 0,1 0 0,-1 0 0,0 0-1,1 0 1,-1 0 0,1-1 0,0 1 0,0 0 0,-1 0 0,1 0 0,0-1-1,1 1 1,-1 0 0,0-1 0,0 1 0,1-1 0,2 3 0,10-1-1425</inkml:trace>
 </inkml:ink>
 </file>
 
@@ -2544,14 +5201,41 @@
           <inkml:channelProperty channel="F" name="resolution" value="0" units="1/dev"/>
         </inkml:channelProperties>
       </inkml:inkSource>
-      <inkml:timestamp xml:id="ts0" timeString="2023-07-04T09:47:45.987"/>
+      <inkml:timestamp xml:id="ts0" timeString="2024-08-20T06:53:07.541"/>
     </inkml:context>
     <inkml:brush xml:id="br0">
       <inkml:brushProperty name="width" value="0.05" units="cm"/>
       <inkml:brushProperty name="height" value="0.05" units="cm"/>
     </inkml:brush>
   </inkml:definitions>
-  <inkml:trace contextRef="#ctx0" brushRef="#br0">8 22 3353,'0'0'1029,"-7"-1"-609,7 0-390,0 0-1,0 1 0,0-1 0,0 1 0,0-1 1,0 0-1,0 1 0,0-1 0,0 1 1,0-1-1,0 1 0,0-1 0,0 1 0,1-1 1,-1 1-1,0-1 0,1 1 0,-1-1 1,0 1-1,1-1 0,-1 1 0,0-1 0,1 1 1,-1-1-1,1 1 0,-1 0 0,1-1 1,-1 1-1,1 0 0,-1 0 0,1-1 0,-1 1 1,1 0-1,-1 0 0,1 0 0,-1 0 1,1-1-1,-1 1 0,1 0 0,0 0 0,-1 0 1,1 0-1,-1 0 0,2 1 0,-2-6 173</inkml:trace>
+  <inkml:trace contextRef="#ctx0" brushRef="#br0">567 167 3945,'17'-7'501,"-3"1"-137,0 0 1,-1-1-1,14-9 1,-27 15-332,1 0 0,0 1 0,-1-1 0,1 0 0,0 0 0,-1 1 0,1-1 0,-1 0 0,0 0 0,1 0 0,-1 0 0,0 0 0,1 1 0,-1-1 1,0 0-1,0 0 0,0 0 0,1 0 0,-1 0 0,0 0 0,-1 0 0,1 0 0,0 0 0,0 0 0,0 0 0,0 0 0,-1 0 0,1 1 0,0-1 0,-1 0 0,1 0 0,-1 0 0,0-1 0,-26-34 2314,13 19-1349,6 7-572,6 7-71,-1 1-1,1-1 1,0 0 0,0 0 0,0-1 0,1 1-1,-3-6 1,-19 11 984,19 0-1323,-1 1 1,0-1-1,1 1 0,0 0 0,-1 0 1,1 1-1,0-1 0,-6 8 0,7-6-2,-1-1 0,0 0 0,-1 0 0,1-1 0,-1 1 0,0-1 0,1 0 0,-9 3 0,2-1 111,1 0 0,0 1 1,0 0-1,-16 13 0,25-18-120,0 1 0,0-1 1,1 1-1,-1-1 1,1 1-1,-1-1 0,1 1 1,-1 0-1,1-1 0,0 1 1,0 0-1,0-1 0,0 1 1,0 0-1,0-1 1,1 1-1,-1 0 0,0-1 1,1 1-1,0 0 0,-1-1 1,1 1-1,1 1 1,1 8 30,0-2 28,-1 1 0,2-1 0,-1 1 0,1-1 0,1 0 0,0 0 0,0-1 0,0 0 0,1 0 0,1 0 0,-1 0 0,10 7 0,-13-12-57,1-1 0,-1 1 0,0-1-1,1 0 1,-1 0 0,1-1 0,0 1-1,0-1 1,-1 0 0,1 0 0,0 0-1,0 0 1,0-1 0,0 1 0,0-1 0,0 0-1,0-1 1,0 1 0,0-1 0,0 1-1,0-1 1,0 0 0,0 0 0,0-1-1,-1 1 1,1-1 0,-1 0 0,1 0 0,-1 0-1,0-1 1,1 1 0,-1-1 0,0 1-1,-1-1 1,1 0 0,0 0 0,-1-1-1,0 1 1,4-6 0,93-162 688,-97 168-650,0 0 1,0 0 0,0 0-1,0 0 1,1 1 0,-1-1-1,1 1 1,5-5 0,-8 7-45,0 0 1,1 0 0,-1 0 0,0 0 0,1 0 0,-1 0 0,0 0 0,1 0 0,-1 0 0,0 0 0,0 1 0,1-1 0,-1 0 0,0 0-1,1 0 1,-1 0 0,0 0 0,0 0 0,1 1 0,-1-1 0,0 0 0,0 0 0,1 1 0,-1-1 0,0 0 0,0 0 0,0 1-1,1-1 1,-1 0 0,0 0 0,0 1 0,0-1 0,0 0 0,0 1 0,0-1 0,0 0 0,1 0 0,-1 1 0,0-1 0,0 0-1,0 1 1,0-1 0,0 0 0,0 1 0,-1-1 0,3 18-6,-5 38 6,2 0 1,2 0 0,17 102-1,52 127 498,-31-140 253,-33-122-534,-2-1 0,0 1 0,-2 0 1,0 28-1,-2-48-188,0 0 0,0-1 0,-1 1 0,1 0 0,-1 0 0,0 0 1,1 0-1,-3 4 0,-5 11 10,-1-1 1,0 0 0,-2 0 0,0-1-1,0 0 1,-1 0 0,-1-2-1,-1 0 1,0 0 0,-1-1-1,0-1 1,-1 0 0,0-1-1,-1-1 1,-24 10 0,-1-1-53,-1-2 1,-1-3-1,0-1 1,-1-2-1,0-2 1,-1-2-1,-72 2 1,104-10-57,-1 1-1,1-2 1,0 0 0,0-1 0,-19-5 0,26 5-29,-1 0 1,0 0-1,1-1 0,0 0 1,0 0-1,0 0 0,0-1 0,1 0 1,0-1-1,0 1 0,-7-9 1,8 7-75,0-1 0,1 1 0,0-1 1,0 1-1,0-1 0,1 0 0,0-1 1,1 1-1,0 0 0,-1-13 0,1 7-193,2-1-1,0 1 1,0-1-1,1 1 1,6-25-1,0 12-348,1 0-1,1 1 1,2 0-1,0 1 1,30-47 0,-22 45 257,1 1 0,2 0 0,0 2 0,2 1 0,0 1 0,2 1 1,34-22-1,206-107-99,-266 150 554,108-53-559,170-58 0,-198 85 168</inkml:trace>
+</inkml:ink>
+</file>
+
+<file path=ppt/ink/ink89.xml><?xml version="1.0" encoding="utf-8"?>
+<inkml:ink xmlns:inkml="http://www.w3.org/2003/InkML">
+  <inkml:definitions>
+    <inkml:context xml:id="ctx0">
+      <inkml:inkSource xml:id="inkSrc0">
+        <inkml:traceFormat>
+          <inkml:channel name="X" type="integer" min="-2.14748E9" max="2.14748E9" units="cm"/>
+          <inkml:channel name="Y" type="integer" min="-2.14748E9" max="2.14748E9" units="cm"/>
+          <inkml:channel name="F" type="integer" max="32767" units="dev"/>
+        </inkml:traceFormat>
+        <inkml:channelProperties>
+          <inkml:channelProperty channel="X" name="resolution" value="1000" units="1/cm"/>
+          <inkml:channelProperty channel="Y" name="resolution" value="1000" units="1/cm"/>
+          <inkml:channelProperty channel="F" name="resolution" value="0" units="1/dev"/>
+        </inkml:channelProperties>
+      </inkml:inkSource>
+      <inkml:timestamp xml:id="ts0" timeString="2024-08-20T06:53:07.914"/>
+    </inkml:context>
+    <inkml:brush xml:id="br0">
+      <inkml:brushProperty name="width" value="0.05" units="cm"/>
+      <inkml:brushProperty name="height" value="0.05" units="cm"/>
+    </inkml:brush>
+  </inkml:definitions>
+  <inkml:trace contextRef="#ctx0" brushRef="#br0">21 351 1224,'-1'-1'318,"-1"1"-1,1 0 1,-1-1 0,1 1-1,-1-1 1,1 0 0,-1 0-1,1 1 1,0-1-1,-1 0 1,1 0 0,-2-2-1,3 2-220,0 0 0,0 0 0,0 0 0,0 0 0,0 0 0,0 0 1,0 0-1,0 0 0,1 0 0,-1 0 0,0 0 0,1 0 0,-1 0 0,1 0 0,-1 1 0,1-1 0,-1 0 0,1 0 0,0 0 0,-1 1 0,1-1 0,0 0 0,0 1 0,-1-1 0,2 0 0,20-19 672,43-32 0,-41 35-461,37-27 592,24-20 553,-75 54-1099,0 1 1,0-1 0,-1-1 0,-1 1-1,12-20 1,-12 8 362,-8 21-681,0 1 1,0-1-1,0 1 1,0-1-1,0 0 1,0 1 0,0-1-1,0 0 1,0 1-1,-1-1 1,1 0-1,0 1 1,0-1-1,-1 1 1,1-1-1,0 0 1,-1 1-1,1-1 1,-1 1-1,0-1 1,0 0 3,-1 0-1,0 1 1,0-1 0,1 0 0,-1 1 0,0 0 0,0-1-1,0 1 1,0 0 0,0 0 0,0 0 0,1 0 0,-1 1-1,0-1 1,0 0 0,0 1 0,0-1 0,1 1 0,-4 1 0,-3 2-17,0 0-1,1 0 1,0 1 0,0 0 0,0 0 0,0 1 0,1-1 0,0 2 0,0-1 0,1 1 0,0-1 0,-7 13 0,-2 4 13,1 1-1,-17 44 1,19-38-12,1 0 1,-10 59-1,18-72-24,0 0 0,1 1 0,1-1 0,0 0 0,2 1 0,6 30 0,-7-41-87,0-1 0,1 0 0,0 0-1,0 0 1,1 0 0,0 0 0,0-1 0,0 1 0,1-1-1,0 0 1,0 0 0,0 0 0,0-1 0,1 1-1,0-1 1,0 0 0,0 0 0,0-1 0,1 0-1,-1 0 1,1 0 0,0 0 0,0-1 0,0 0-1,11 2 1,-7-3-339,1 0-1,-1-1 1,0 0-1,0-1 1,18-3-1,55-18-1932,66-37-400,-59 20 1805,184-62-199,-217 80 915,120-39-74</inkml:trace>
 </inkml:ink>
 </file>
 
@@ -2580,6 +5264,276 @@
     </inkml:brush>
   </inkml:definitions>
   <inkml:trace contextRef="#ctx0" brushRef="#br0">32 496 6025,'3'10'330,"0"0"-1,1 0 0,0-1 1,0 1-1,1-1 0,1 0 1,9 13-1,-11-18-310,0 0 1,0-1-1,0 1 1,0-1-1,0 0 0,1 0 1,0 0-1,-1-1 0,1 0 1,0 0-1,0 0 0,0 0 1,1-1-1,-1 0 1,0 0-1,0 0 0,7-1 1,3 1 24,1-2 1,-1 0 0,0 0 0,0-2 0,0 0-1,0 0 1,0-2 0,-1 0 0,0 0-1,0-1 1,0-1 0,0-1 0,-1 1 0,22-19-1,-14 8 187,-2-1 0,0 0-1,-1-1 1,-1-1-1,0-1 1,-2 0 0,20-40-1,-27 47-1,-1-1-1,-1-1 1,0 1 0,-1-1-1,3-24 1,-6 30-80,-1 0 0,0 0 0,-1-1 0,0 1 1,-1 0-1,0 0 0,-1-1 0,0 1 0,-5-12 0,5 18-80,-1-1-1,0 1 0,0-1 0,0 1 0,0 0 0,-1 0 0,0 1 0,0-1 0,-1 1 0,1-1 1,-1 1-1,0 1 0,0-1 0,0 1 0,0 0 0,-1 0 0,1 0 0,-1 1 0,0 0 0,0 0 1,-6-1-1,-3 0-38,-1 0 1,1 1-1,0 1 0,-1 0 1,1 1-1,-1 1 1,-16 3-1,13 0-77,0 1-1,0 1 1,0 0 0,0 1-1,-24 14 1,-82 55-1923,121-73 1833,-45 30-2498,11-6 1085</inkml:trace>
+</inkml:ink>
+</file>
+
+<file path=ppt/ink/ink90.xml><?xml version="1.0" encoding="utf-8"?>
+<inkml:ink xmlns:inkml="http://www.w3.org/2003/InkML">
+  <inkml:definitions>
+    <inkml:context xml:id="ctx0">
+      <inkml:inkSource xml:id="inkSrc0">
+        <inkml:traceFormat>
+          <inkml:channel name="X" type="integer" min="-2.14748E9" max="2.14748E9" units="cm"/>
+          <inkml:channel name="Y" type="integer" min="-2.14748E9" max="2.14748E9" units="cm"/>
+          <inkml:channel name="F" type="integer" max="32767" units="dev"/>
+        </inkml:traceFormat>
+        <inkml:channelProperties>
+          <inkml:channelProperty channel="X" name="resolution" value="1000" units="1/cm"/>
+          <inkml:channelProperty channel="Y" name="resolution" value="1000" units="1/cm"/>
+          <inkml:channelProperty channel="F" name="resolution" value="0" units="1/dev"/>
+        </inkml:channelProperties>
+      </inkml:inkSource>
+      <inkml:timestamp xml:id="ts0" timeString="2024-08-20T06:53:08.691"/>
+    </inkml:context>
+    <inkml:brush xml:id="br0">
+      <inkml:brushProperty name="width" value="0.05" units="cm"/>
+      <inkml:brushProperty name="height" value="0.05" units="cm"/>
+    </inkml:brush>
+  </inkml:definitions>
+  <inkml:trace contextRef="#ctx0" brushRef="#br0">42 145 10482,'8'12'456,"0"0"-1,-1 1 1,0 0-1,-1 0 0,-1 1 1,0-1-1,-1 1 1,4 22-1,0 11-577,3 56-1,-11-70 28,0 1-1,-9 51 1,9-82 55,-1 1 0,1-1 1,-1 0-1,0 0 1,0 1-1,-1-1 0,1 0 1,0 0-1,-1 0 0,0 0 1,-4 5-1,6-8 32,0 1 1,-1-1-1,1 0 0,0 0 0,-1 1 0,1-1 0,-1 0 1,1 0-1,-1 1 0,1-1 0,-1 0 0,1 0 0,0 0 1,-1 0-1,1 0 0,-1 0 0,1 0 0,-1 1 0,1-2 1,-1 1-1,1 0 0,-1 0 0,1 0 0,-1 0 0,1 0 1,-1 0-1,1 0 0,-1-1 0,0 1 0,0-1 4,0 0 0,-1-1-1,1 1 1,0 0 0,0-1-1,-1 1 1,1-1 0,0 0-1,1 1 1,-1-1 0,0 0-1,0-2 1,-14-34 392,3-1 0,1-1-1,2 0 1,2 0 0,-3-53 0,10 76-257,1-1 0,1 1-1,0-1 1,2 1 0,0 0 0,0 0 0,2 0 0,0 1-1,1-1 1,12-20 0,-14 29-154,0 1 0,1 0 0,0 0 0,0 0 0,0 1-1,1 0 1,0 0 0,0 0 0,1 1 0,0 0 0,0 1 0,0 0 0,0 0 0,0 0 0,17-3 0,-4 1-695,0 2 1,0 0-1,1 2 1,-1 0-1,37 2 1,0 5-688</inkml:trace>
+</inkml:ink>
+</file>
+
+<file path=ppt/ink/ink91.xml><?xml version="1.0" encoding="utf-8"?>
+<inkml:ink xmlns:inkml="http://www.w3.org/2003/InkML">
+  <inkml:definitions>
+    <inkml:context xml:id="ctx0">
+      <inkml:inkSource xml:id="inkSrc0">
+        <inkml:traceFormat>
+          <inkml:channel name="X" type="integer" min="-2.14748E9" max="2.14748E9" units="cm"/>
+          <inkml:channel name="Y" type="integer" min="-2.14748E9" max="2.14748E9" units="cm"/>
+          <inkml:channel name="F" type="integer" max="32767" units="dev"/>
+        </inkml:traceFormat>
+        <inkml:channelProperties>
+          <inkml:channelProperty channel="X" name="resolution" value="1000" units="1/cm"/>
+          <inkml:channelProperty channel="Y" name="resolution" value="1000" units="1/cm"/>
+          <inkml:channelProperty channel="F" name="resolution" value="0" units="1/dev"/>
+        </inkml:channelProperties>
+      </inkml:inkSource>
+      <inkml:timestamp xml:id="ts0" timeString="2024-08-20T06:53:09.064"/>
+    </inkml:context>
+    <inkml:brush xml:id="br0">
+      <inkml:brushProperty name="width" value="0.05" units="cm"/>
+      <inkml:brushProperty name="height" value="0.05" units="cm"/>
+    </inkml:brush>
+  </inkml:definitions>
+  <inkml:trace contextRef="#ctx0" brushRef="#br0">37 209 8618,'-5'8'625,"0"1"545,-1-1 0,1 1 0,-5 13 0,9-18-1005,0-1 1,0 0-1,0 0 1,1 1-1,-1-1 1,1 0-1,0 1 1,0-1-1,0 0 1,1 1-1,-1-1 0,1 0 1,-1 0-1,3 6 1,0-1-161,1-1 0,0 0 0,0 0-1,0 0 1,1 0 0,0 0 0,0-1 0,0 0 0,1 0 0,0-1 0,0 0 0,1 0-1,0 0 1,0-1 0,0 1 0,0-2 0,0 1 0,1-1 0,-1 0 0,1-1 0,0 0-1,0 0 1,0-1 0,12 1 0,-4-1-46,1 0 0,-1-2 0,1 0-1,-1-1 1,0-1 0,0 0 0,0-1 0,0-1-1,0 0 1,-1-1 0,21-11 0,-16 5 32,0-1 0,0 0 0,27-25 0,-38 29 15,-1 1-1,1-1 1,-2-1 0,1 0 0,-1 0-1,-1 0 1,0-1 0,9-20 0,-10 16-181,0-1 1,-1 0 0,-1 0-1,0 0 1,-2 0 0,1-32 0,-2 44 18,0 1-8,0-1 0,-1 1 1,1-1-1,-1 1 0,0-1 0,1 1 1,-3-5-1,0 4 36,0 0 0,0 0 0,0 0 0,0 0 0,-1 1 0,-4-4 0</inkml:trace>
+</inkml:ink>
+</file>
+
+<file path=ppt/ink/ink92.xml><?xml version="1.0" encoding="utf-8"?>
+<inkml:ink xmlns:inkml="http://www.w3.org/2003/InkML">
+  <inkml:definitions>
+    <inkml:context xml:id="ctx0">
+      <inkml:inkSource xml:id="inkSrc0">
+        <inkml:traceFormat>
+          <inkml:channel name="X" type="integer" min="-2.14748E9" max="2.14748E9" units="cm"/>
+          <inkml:channel name="Y" type="integer" min="-2.14748E9" max="2.14748E9" units="cm"/>
+          <inkml:channel name="F" type="integer" max="32767" units="dev"/>
+        </inkml:traceFormat>
+        <inkml:channelProperties>
+          <inkml:channelProperty channel="X" name="resolution" value="1000" units="1/cm"/>
+          <inkml:channelProperty channel="Y" name="resolution" value="1000" units="1/cm"/>
+          <inkml:channelProperty channel="F" name="resolution" value="0" units="1/dev"/>
+        </inkml:channelProperties>
+      </inkml:inkSource>
+      <inkml:timestamp xml:id="ts0" timeString="2024-08-20T06:53:09.439"/>
+    </inkml:context>
+    <inkml:brush xml:id="br0">
+      <inkml:brushProperty name="width" value="0.05" units="cm"/>
+      <inkml:brushProperty name="height" value="0.05" units="cm"/>
+    </inkml:brush>
+  </inkml:definitions>
+  <inkml:trace contextRef="#ctx0" brushRef="#br0">30 125 6465,'0'16'916,"0"-1"-1,-1 0 0,-1 1 0,-1-1 0,0 0 1,-1 0-1,-8 22 0,8-32-918,9-17 9,11-11 3,6-12 458,2 2 0,48-51 0,-63 75-342,0 1 0,1 0 1,0 0-1,0 1 0,1 0 0,0 1 1,0 0-1,0 1 0,1 0 0,0 1 0,0 0 1,0 1-1,17-3 0,-24 6-113,0 0-1,0-1 1,-1 2-1,1-1 1,0 0-1,-1 1 1,1 0 0,0 0-1,-1 1 1,1-1-1,-1 1 1,0 0-1,1 0 1,-1 0-1,6 5 1,-4-2-26,0 0-1,0 1 1,0 0-1,-1 0 1,0 0-1,-1 0 1,1 1-1,5 12 1,30 75-2663,-21-49 1613</inkml:trace>
+</inkml:ink>
+</file>
+
+<file path=ppt/ink/ink93.xml><?xml version="1.0" encoding="utf-8"?>
+<inkml:ink xmlns:inkml="http://www.w3.org/2003/InkML">
+  <inkml:definitions>
+    <inkml:context xml:id="ctx0">
+      <inkml:inkSource xml:id="inkSrc0">
+        <inkml:traceFormat>
+          <inkml:channel name="X" type="integer" min="-2.14748E9" max="2.14748E9" units="cm"/>
+          <inkml:channel name="Y" type="integer" min="-2.14748E9" max="2.14748E9" units="cm"/>
+          <inkml:channel name="F" type="integer" max="32767" units="dev"/>
+        </inkml:traceFormat>
+        <inkml:channelProperties>
+          <inkml:channelProperty channel="X" name="resolution" value="1000" units="1/cm"/>
+          <inkml:channelProperty channel="Y" name="resolution" value="1000" units="1/cm"/>
+          <inkml:channelProperty channel="F" name="resolution" value="0" units="1/dev"/>
+        </inkml:channelProperties>
+      </inkml:inkSource>
+      <inkml:timestamp xml:id="ts0" timeString="2024-08-20T06:53:10.556"/>
+    </inkml:context>
+    <inkml:brush xml:id="br0">
+      <inkml:brushProperty name="width" value="0.05" units="cm"/>
+      <inkml:brushProperty name="height" value="0.05" units="cm"/>
+    </inkml:brush>
+  </inkml:definitions>
+  <inkml:trace contextRef="#ctx0" brushRef="#br0">42 100 10162,'17'-34'2962,"-12"23"-2698,0 0-1,1 1 1,0 0-1,9-12 1,-15 21-264,0 1 0,1 0 0,-1 0 0,0 0 0,0 0 0,0 0 1,0 0-1,0 0 0,0 0 0,0 0 0,0 0 0,0 0 0,1 0 0,-1 0 1,0 0-1,0 0 0,0 0 0,0 0 0,0 0 0,0 0 0,0 0 0,0 0 0,1 0 1,-1 0-1,0 0 0,0 0 0,0 0 0,0 0 0,0 0 0,0 0 0,0 0 1,0 0-1,1 0 0,-1 0 0,0 0 0,0 1 0,0-1 0,0 0 0,0 0 0,0 0 1,0 0-1,0 0 0,0 0 0,0 0 0,0 0 0,0 0 0,0 1 0,0-1 1,0 0-1,0 0 0,0 0 0,0 0 0,0 0 0,0 0 0,0 0 0,0 0 0,0 1 1,0-1-1,0 0 0,0 0 0,0 0 0,0 0 0,0 0 0,0 0 0,0 0 1,0 0-1,0 1 0,1 10 4,-1 0 0,-1 1 0,1-1 0,-2 0 0,1 1 0,-2-1 0,-5 17 0,-7 40 73,-24 262 565,37-301-586,-14 345 433,16-302-435,0 3 43,16 135 0,-15-208-89,-1 1 0,1 0 0,-1-1 0,1 1 0,0 0 0,0-1 0,0 1-1,1-1 1,2 4 0,-4-5 2,1 0 0,0-1 0,-1 1 0,1 0-1,0-1 1,0 1 0,-1-1 0,1 1 0,0-1-1,0 1 1,0-1 0,0 0 0,0 1 0,0-1-1,-1 0 1,1 0 0,0 0 0,0 0 0,2 0-1,2-1 47,1 0 0,-1 0 0,0-1 0,0 0-1,1 0 1,-1-1 0,9-5 0,-10 5-34,41-21 266,84-35 1,-107 52-265,-1 0 1,1 2-1,1 0 1,-1 1-1,1 2 1,39-1-1,-37 5-18,0 0 0,0 1-1,39 11 1,-55-12-5,0 0-1,0 1 1,-1 1-1,1 0 0,-1 0 1,0 0-1,-1 1 1,1 0-1,-1 1 1,0-1-1,0 1 1,0 1-1,7 9 1,-11-11 7,-1-1-1,0 0 1,0 1 0,0-1 0,-1 1-1,1-1 1,-1 1 0,0 0 0,0 0-1,-1-1 1,0 1 0,0 0 0,0 0-1,0 0 1,-1-1 0,1 1 0,-1 0-1,-1 0 1,1-1 0,-1 1 0,-3 7-1,-3 4 53,0 0 0,-2-1 0,1 0-1,-20 22 1,-1-3 66,-2-1 1,-2-2-1,0-1 0,-46 29 0,57-43-101,0-1 0,-1-2 1,0 0-1,-1-2 0,-29 10 0,35-15-21,-1-2 1,1 0-1,0-1 0,-1 0 1,0-2-1,0-1 0,-31-2 0,45 1-36,0 0 0,-1-1 0,1 1 0,0-1 0,0 0 0,0-1 0,1 1 0,-1-1-1,1-1 1,-1 1 0,1-1 0,0 1 0,-5-6 0,8 7-61,0 0 1,0 0 0,0-1-1,0 1 1,0-1-1,0 1 1,1-1-1,-1 0 1,1 0-1,0 1 1,-1-1 0,2 0-1,-1 0 1,0 0-1,0 0 1,1 0-1,-1-6 1,2 1-179,-1-1 1,1 0-1,0 1 1,1 0-1,2-10 1,19-40-496</inkml:trace>
+</inkml:ink>
+</file>
+
+<file path=ppt/ink/ink94.xml><?xml version="1.0" encoding="utf-8"?>
+<inkml:ink xmlns:inkml="http://www.w3.org/2003/InkML">
+  <inkml:definitions>
+    <inkml:context xml:id="ctx0">
+      <inkml:inkSource xml:id="inkSrc0">
+        <inkml:traceFormat>
+          <inkml:channel name="X" type="integer" min="-2.14748E9" max="2.14748E9" units="cm"/>
+          <inkml:channel name="Y" type="integer" min="-2.14748E9" max="2.14748E9" units="cm"/>
+          <inkml:channel name="F" type="integer" max="32767" units="dev"/>
+        </inkml:traceFormat>
+        <inkml:channelProperties>
+          <inkml:channelProperty channel="X" name="resolution" value="1000" units="1/cm"/>
+          <inkml:channelProperty channel="Y" name="resolution" value="1000" units="1/cm"/>
+          <inkml:channelProperty channel="F" name="resolution" value="0" units="1/dev"/>
+        </inkml:channelProperties>
+      </inkml:inkSource>
+      <inkml:timestamp xml:id="ts0" timeString="2024-08-20T06:53:10.939"/>
+    </inkml:context>
+    <inkml:brush xml:id="br0">
+      <inkml:brushProperty name="width" value="0.05" units="cm"/>
+      <inkml:brushProperty name="height" value="0.05" units="cm"/>
+    </inkml:brush>
+  </inkml:definitions>
+  <inkml:trace contextRef="#ctx0" brushRef="#br0">0 1 10538,'13'46'4113,"12"11"-2761,-1 10-879,-11 6-545,-6-1-457,-1-14-2223,-6-15 1904</inkml:trace>
+</inkml:ink>
+</file>
+
+<file path=ppt/ink/ink95.xml><?xml version="1.0" encoding="utf-8"?>
+<inkml:ink xmlns:inkml="http://www.w3.org/2003/InkML">
+  <inkml:definitions>
+    <inkml:context xml:id="ctx0">
+      <inkml:inkSource xml:id="inkSrc0">
+        <inkml:traceFormat>
+          <inkml:channel name="X" type="integer" min="-2.14748E9" max="2.14748E9" units="cm"/>
+          <inkml:channel name="Y" type="integer" min="-2.14748E9" max="2.14748E9" units="cm"/>
+          <inkml:channel name="F" type="integer" max="32767" units="dev"/>
+        </inkml:traceFormat>
+        <inkml:channelProperties>
+          <inkml:channelProperty channel="X" name="resolution" value="1000" units="1/cm"/>
+          <inkml:channelProperty channel="Y" name="resolution" value="1000" units="1/cm"/>
+          <inkml:channelProperty channel="F" name="resolution" value="0" units="1/dev"/>
+        </inkml:channelProperties>
+      </inkml:inkSource>
+      <inkml:timestamp xml:id="ts0" timeString="2024-08-20T06:53:11.324"/>
+    </inkml:context>
+    <inkml:brush xml:id="br0">
+      <inkml:brushProperty name="width" value="0.05" units="cm"/>
+      <inkml:brushProperty name="height" value="0.05" units="cm"/>
+    </inkml:brush>
+  </inkml:definitions>
+  <inkml:trace contextRef="#ctx0" brushRef="#br0">40 7 10962,'-23'10'4049,"10"-19"-3345,10 5-1552,10 1 504</inkml:trace>
+</inkml:ink>
+</file>
+
+<file path=ppt/ink/ink96.xml><?xml version="1.0" encoding="utf-8"?>
+<inkml:ink xmlns:inkml="http://www.w3.org/2003/InkML">
+  <inkml:definitions>
+    <inkml:context xml:id="ctx0">
+      <inkml:inkSource xml:id="inkSrc0">
+        <inkml:traceFormat>
+          <inkml:channel name="X" type="integer" min="-2.14748E9" max="2.14748E9" units="cm"/>
+          <inkml:channel name="Y" type="integer" min="-2.14748E9" max="2.14748E9" units="cm"/>
+          <inkml:channel name="F" type="integer" max="32767" units="dev"/>
+        </inkml:traceFormat>
+        <inkml:channelProperties>
+          <inkml:channelProperty channel="X" name="resolution" value="1000" units="1/cm"/>
+          <inkml:channelProperty channel="Y" name="resolution" value="1000" units="1/cm"/>
+          <inkml:channelProperty channel="F" name="resolution" value="0" units="1/dev"/>
+        </inkml:channelProperties>
+      </inkml:inkSource>
+      <inkml:timestamp xml:id="ts0" timeString="2024-08-20T06:53:11.652"/>
+    </inkml:context>
+    <inkml:brush xml:id="br0">
+      <inkml:brushProperty name="width" value="0.05" units="cm"/>
+      <inkml:brushProperty name="height" value="0.05" units="cm"/>
+    </inkml:brush>
+  </inkml:definitions>
+  <inkml:trace contextRef="#ctx0" brushRef="#br0">0 27 7602,'5'4'330,"-1"0"-1,0 0 1,0 0 0,-1 1 0,1-1 0,-1 1 0,0 0 0,0 0 0,-1 0 0,1 0 0,-1 1-1,0-1 1,1 7 0,2 11-186,4 45-1,-6-41-13,1 15-71,-2 0 0,-2 0-1,-7 55 1,-1-64-16,2-4 1,6-28-42,0 0 1,0 0-1,0 0 1,0 0-1,0 0 1,1 0-1,-1-1 1,0 1-1,0 0 1,1 0-1,-1 0 1,1 0-1,-1-1 1,1 1-1,-1 0 1,1 0-1,-1-1 1,1 1-1,0 0 1,-1-1-1,1 1 1,0-1-1,0 1 1,1 0-1,-1-1 4,0 1-1,-1-1 1,1 0-1,0 0 1,0 0-1,0 0 0,0 0 1,0 0-1,-1 0 1,1 0-1,0 0 1,0 0-1,0-1 0,0 1 1,-1 0-1,1 0 1,0-1-1,0 1 1,0-1-1,-1 1 0,1-1 1,0 1-1,-1-1 1,1 1-1,0-1 0,-1 0 1,1 1-1,-1-1 1,1 0-1,-1 1 1,1-1-1,-1 0 0,0 0 1,1 0-1,-1 1 1,1-3-1,2-2 37,1-1 30,0-2 1,-1 1-1,0 0 0,0-1 0,-1 1 0,3-13 1,1-3 129,7-19 323,2 0 1,3 1-1,28-50 0,-33 67-262,2 1-1,1 0 1,27-31 0,-36 47-219,0 0-1,0 0 1,0 1-1,1-1 1,-1 2-1,2-1 1,-1 1-1,1 0 1,-1 1-1,1 0 1,1 0-1,-1 1 1,14-3-1,-21 6-40,0 0 0,1-1-1,-1 1 1,0 1 0,1-1 0,-1 0 0,0 0-1,0 1 1,0-1 0,1 1 0,-1 0 0,0 0-1,0 0 1,0 0 0,0 0 0,0 0 0,3 3-1,-2-2-2,0 1 0,-1 1 0,1-1 0,0 0 0,-1 1 0,0-1 0,0 1 0,3 7 0,0 3-6,-1 0 1,0 1 0,-1-1-1,1 19 1,-1 30-326,-2 1 0,-15 124 1,9-142-640,2-4-1290,4-8 857</inkml:trace>
+</inkml:ink>
+</file>
+
+<file path=ppt/ink/ink97.xml><?xml version="1.0" encoding="utf-8"?>
+<inkml:ink xmlns:inkml="http://www.w3.org/2003/InkML">
+  <inkml:definitions>
+    <inkml:context xml:id="ctx0">
+      <inkml:inkSource xml:id="inkSrc0">
+        <inkml:traceFormat>
+          <inkml:channel name="X" type="integer" min="-2.14748E9" max="2.14748E9" units="cm"/>
+          <inkml:channel name="Y" type="integer" min="-2.14748E9" max="2.14748E9" units="cm"/>
+          <inkml:channel name="F" type="integer" max="32767" units="dev"/>
+        </inkml:traceFormat>
+        <inkml:channelProperties>
+          <inkml:channelProperty channel="X" name="resolution" value="1000" units="1/cm"/>
+          <inkml:channelProperty channel="Y" name="resolution" value="1000" units="1/cm"/>
+          <inkml:channelProperty channel="F" name="resolution" value="0" units="1/dev"/>
+        </inkml:channelProperties>
+      </inkml:inkSource>
+      <inkml:timestamp xml:id="ts0" timeString="2024-08-20T06:53:12.116"/>
+    </inkml:context>
+    <inkml:brush xml:id="br0">
+      <inkml:brushProperty name="width" value="0.05" units="cm"/>
+      <inkml:brushProperty name="height" value="0.05" units="cm"/>
+    </inkml:brush>
+  </inkml:definitions>
+  <inkml:trace contextRef="#ctx0" brushRef="#br0">244 16 8074,'-1'-1'155,"1"0"0,-1 0 1,0 0-1,1 0 1,-1 0-1,0 0 0,0 0 1,0 0-1,0 0 0,0 1 1,0-1-1,0 0 1,0 1-1,0-1 0,0 1 1,-1-1-1,1 1 0,0-1 1,0 1-1,0 0 1,-1 0-1,1-1 0,0 1 1,0 0-1,-1 0 1,1 0-1,0 0 0,0 1 1,-2-1-1,-3 1-85,0 0 0,1 0-1,-1 0 1,1 1 0,-8 3-1,5 0 13,0 0 0,0 0 0,1 1-1,0-1 1,0 2 0,0-1-1,1 1 1,0 0 0,-10 15-1,-4 10 222,-17 36 0,30-55-200,2-3-10,1 0 1,-1 0-1,-4 20 0,8-28-79,1 1 0,-1-1 0,1 1 0,0-1 0,0 1 1,0-1-1,0 1 0,1 0 0,-1-1 0,1 4 0,0-5-10,-1 0 1,1 0-1,-1 0 0,1 0 1,-1 0-1,1 0 0,0 0 1,0-1-1,-1 1 1,1 0-1,0 0 0,0 0 1,0-1-1,0 1 0,0 0 1,0-1-1,0 1 0,0-1 1,0 1-1,0-1 1,0 0-1,3 1 0,0-1 3,0 0 0,0 0-1,0 0 1,0-1-1,1 1 1,-1-1 0,0 0-1,0 0 1,-1-1-1,1 1 1,0-1 0,0 0-1,-1 0 1,7-4 0,7-7 56,25-20 0,-38 29-42,17-13 391,-2-1 0,0-1 0,-1 0 0,-1-1 0,-1-1 1,21-34-1,-67 95-66,19-21-340,1 0 0,1 1 0,1 1 0,0-1 0,-5 28 0,11-40-36,0 0 0,1 0-1,0 0 1,0 0 0,1 0-1,0 0 1,0 0-1,1 0 1,0 0 0,1 0-1,0 0 1,0 0-1,0 0 1,1 0 0,0-1-1,1 1 1,6 9 0,-8-14-91,0-1 0,0 0 0,1 0 0,-1 0 0,1 0 0,-1-1 0,1 1 0,-1-1 0,1 1 0,0-1 0,0 0 0,0 0 0,0 0 0,0 0 0,0-1 0,0 1 0,0-1 0,0 0 0,0 0 0,0 0 0,0 0 0,4-1 0,5-1-743,0 0 0,0-1 0,23-9 0,18-11-538</inkml:trace>
+</inkml:ink>
+</file>
+
+<file path=ppt/ink/ink98.xml><?xml version="1.0" encoding="utf-8"?>
+<inkml:ink xmlns:inkml="http://www.w3.org/2003/InkML">
+  <inkml:definitions>
+    <inkml:context xml:id="ctx0">
+      <inkml:inkSource xml:id="inkSrc0">
+        <inkml:traceFormat>
+          <inkml:channel name="X" type="integer" min="-2.14748E9" max="2.14748E9" units="cm"/>
+          <inkml:channel name="Y" type="integer" min="-2.14748E9" max="2.14748E9" units="cm"/>
+          <inkml:channel name="F" type="integer" max="32767" units="dev"/>
+        </inkml:traceFormat>
+        <inkml:channelProperties>
+          <inkml:channelProperty channel="X" name="resolution" value="1000" units="1/cm"/>
+          <inkml:channelProperty channel="Y" name="resolution" value="1000" units="1/cm"/>
+          <inkml:channelProperty channel="F" name="resolution" value="0" units="1/dev"/>
+        </inkml:channelProperties>
+      </inkml:inkSource>
+      <inkml:timestamp xml:id="ts0" timeString="2024-08-20T06:53:12.491"/>
+    </inkml:context>
+    <inkml:brush xml:id="br0">
+      <inkml:brushProperty name="width" value="0.05" units="cm"/>
+      <inkml:brushProperty name="height" value="0.05" units="cm"/>
+    </inkml:brush>
+  </inkml:definitions>
+  <inkml:trace contextRef="#ctx0" brushRef="#br0">1 309 4889,'2'5'973,"1"0"0,0 0 0,0 0-1,1 0 1,-1 0 0,8 7 0,-8-10-885,0 1-1,0-1 1,0-1 0,0 1 0,0 0-1,0-1 1,0 0 0,1 1-1,-1-1 1,0 0 0,1-1-1,-1 1 1,6 0 0,1-1 36,0 0 0,0-1-1,0 0 1,0-1 0,0 0 0,0 0 0,0-1 0,-1 0 0,1-1-1,-1 0 1,0 0 0,0-1 0,0 0 0,-1-1 0,0 0 0,14-13 0,106-87 638,-115 94-750,-1-1 0,18-25 0,-11 13-126,-12 17-76,-1 1 1,-1-1-1,8-13 0,-11 17-169,-1 1 0,0-1-1,0 1 1,0-1-1,0 0 1,0 1 0,-1-1-1,0 0 1,0 1-1,0-1 1,0 0 0,-1-3-1,-2-7-1516</inkml:trace>
+</inkml:ink>
+</file>
+
+<file path=ppt/ink/ink99.xml><?xml version="1.0" encoding="utf-8"?>
+<inkml:ink xmlns:inkml="http://www.w3.org/2003/InkML">
+  <inkml:definitions>
+    <inkml:context xml:id="ctx0">
+      <inkml:inkSource xml:id="inkSrc0">
+        <inkml:traceFormat>
+          <inkml:channel name="X" type="integer" min="-2.14748E9" max="2.14748E9" units="cm"/>
+          <inkml:channel name="Y" type="integer" min="-2.14748E9" max="2.14748E9" units="cm"/>
+          <inkml:channel name="F" type="integer" max="32767" units="dev"/>
+        </inkml:traceFormat>
+        <inkml:channelProperties>
+          <inkml:channelProperty channel="X" name="resolution" value="1000" units="1/cm"/>
+          <inkml:channelProperty channel="Y" name="resolution" value="1000" units="1/cm"/>
+          <inkml:channelProperty channel="F" name="resolution" value="0" units="1/dev"/>
+        </inkml:channelProperties>
+      </inkml:inkSource>
+      <inkml:timestamp xml:id="ts0" timeString="2024-08-20T06:53:12.852"/>
+    </inkml:context>
+    <inkml:brush xml:id="br0">
+      <inkml:brushProperty name="width" value="0.05" units="cm"/>
+      <inkml:brushProperty name="height" value="0.05" units="cm"/>
+    </inkml:brush>
+  </inkml:definitions>
+  <inkml:trace contextRef="#ctx0" brushRef="#br0">0 141 9674,'8'21'2124,"-4"-11"-1407,0 0 0,9 17 0,-11-24-701,-1-1 1,1 0 0,-1 0-1,1 0 1,0 0-1,0 0 1,-1-1-1,1 1 1,0 0 0,1-1-1,-1 0 1,0 1-1,0-1 1,1 0-1,-1 0 1,1 0-1,2 0 1,4 1-29,1-2 0,0 1 1,0-1-1,0-1 0,0 0 0,0 0 0,0-1 1,-1 0-1,1 0 0,-1-1 0,16-7 0,10-7-79,54-35-1,-56 32 94,-12 7 22,112-61 452,-116 66-308,1 1-1,0 1 0,0 0 0,0 2 0,1 0 0,18-1 0,-34 4-136,1 0 1,-1 1-1,1 0 0,-1 0 0,1 0 1,-1 0-1,1 1 0,-1-1 1,1 1-1,-1 0 0,1 0 0,-1 0 1,0 1-1,0-1 0,0 1 1,1-1-1,-1 1 0,-1 0 0,1 0 1,0 1-1,0-1 0,-1 1 0,0-1 1,1 1-1,-1 0 0,0-1 1,0 1-1,0 0 0,-1 1 0,1-1 1,-1 0-1,0 0 0,2 5 1,-1 7-6,1 0 1,-2 0-1,0 0 1,-1-1 0,0 1-1,-1 0 1,-3 15-1,-6 28 8,-2 0 0,-24 64 0,-51 116 20,28-85-31,30-73-15,-157 399 47,166-435-91,-28 48 1,33-70-158,-25 27 1,25-31 9,-10 16-249,20-26 33,0-1-1,-1 1 1,0-1-1,0 0 1,0-1-1,-1 1 0,0-1 1,-11 7-1,15-11 167,-1-1 0,1 1 0,-1-1 1,0 0-1,1 0 0,-8 0 0,11-1 228</inkml:trace>
 </inkml:ink>
 </file>
 
@@ -2730,7 +5684,7 @@
           <a:p>
             <a:fld id="{E5FCB298-21FC-4E25-9632-945B53CD0465}" type="datetimeFigureOut">
               <a:rPr lang="fr-FR" smtClean="0"/>
-              <a:t>14/08/2024</a:t>
+              <a:t>12/09/2024</a:t>
             </a:fld>
             <a:endParaRPr lang="fr-FR"/>
           </a:p>
@@ -2928,7 +5882,7 @@
           <a:p>
             <a:fld id="{E5FCB298-21FC-4E25-9632-945B53CD0465}" type="datetimeFigureOut">
               <a:rPr lang="fr-FR" smtClean="0"/>
-              <a:t>14/08/2024</a:t>
+              <a:t>12/09/2024</a:t>
             </a:fld>
             <a:endParaRPr lang="fr-FR"/>
           </a:p>
@@ -3136,7 +6090,7 @@
           <a:p>
             <a:fld id="{E5FCB298-21FC-4E25-9632-945B53CD0465}" type="datetimeFigureOut">
               <a:rPr lang="fr-FR" smtClean="0"/>
-              <a:t>14/08/2024</a:t>
+              <a:t>12/09/2024</a:t>
             </a:fld>
             <a:endParaRPr lang="fr-FR"/>
           </a:p>
@@ -3334,7 +6288,7 @@
           <a:p>
             <a:fld id="{E5FCB298-21FC-4E25-9632-945B53CD0465}" type="datetimeFigureOut">
               <a:rPr lang="fr-FR" smtClean="0"/>
-              <a:t>14/08/2024</a:t>
+              <a:t>12/09/2024</a:t>
             </a:fld>
             <a:endParaRPr lang="fr-FR"/>
           </a:p>
@@ -3609,7 +6563,7 @@
           <a:p>
             <a:fld id="{E5FCB298-21FC-4E25-9632-945B53CD0465}" type="datetimeFigureOut">
               <a:rPr lang="fr-FR" smtClean="0"/>
-              <a:t>14/08/2024</a:t>
+              <a:t>12/09/2024</a:t>
             </a:fld>
             <a:endParaRPr lang="fr-FR"/>
           </a:p>
@@ -3874,7 +6828,7 @@
           <a:p>
             <a:fld id="{E5FCB298-21FC-4E25-9632-945B53CD0465}" type="datetimeFigureOut">
               <a:rPr lang="fr-FR" smtClean="0"/>
-              <a:t>14/08/2024</a:t>
+              <a:t>12/09/2024</a:t>
             </a:fld>
             <a:endParaRPr lang="fr-FR"/>
           </a:p>
@@ -4286,7 +7240,7 @@
           <a:p>
             <a:fld id="{E5FCB298-21FC-4E25-9632-945B53CD0465}" type="datetimeFigureOut">
               <a:rPr lang="fr-FR" smtClean="0"/>
-              <a:t>14/08/2024</a:t>
+              <a:t>12/09/2024</a:t>
             </a:fld>
             <a:endParaRPr lang="fr-FR"/>
           </a:p>
@@ -4427,7 +7381,7 @@
           <a:p>
             <a:fld id="{E5FCB298-21FC-4E25-9632-945B53CD0465}" type="datetimeFigureOut">
               <a:rPr lang="fr-FR" smtClean="0"/>
-              <a:t>14/08/2024</a:t>
+              <a:t>12/09/2024</a:t>
             </a:fld>
             <a:endParaRPr lang="fr-FR"/>
           </a:p>
@@ -4540,7 +7494,7 @@
           <a:p>
             <a:fld id="{E5FCB298-21FC-4E25-9632-945B53CD0465}" type="datetimeFigureOut">
               <a:rPr lang="fr-FR" smtClean="0"/>
-              <a:t>14/08/2024</a:t>
+              <a:t>12/09/2024</a:t>
             </a:fld>
             <a:endParaRPr lang="fr-FR"/>
           </a:p>
@@ -4851,7 +7805,7 @@
           <a:p>
             <a:fld id="{E5FCB298-21FC-4E25-9632-945B53CD0465}" type="datetimeFigureOut">
               <a:rPr lang="fr-FR" smtClean="0"/>
-              <a:t>14/08/2024</a:t>
+              <a:t>12/09/2024</a:t>
             </a:fld>
             <a:endParaRPr lang="fr-FR"/>
           </a:p>
@@ -5139,7 +8093,7 @@
           <a:p>
             <a:fld id="{E5FCB298-21FC-4E25-9632-945B53CD0465}" type="datetimeFigureOut">
               <a:rPr lang="fr-FR" smtClean="0"/>
-              <a:t>14/08/2024</a:t>
+              <a:t>12/09/2024</a:t>
             </a:fld>
             <a:endParaRPr lang="fr-FR"/>
           </a:p>
@@ -5380,7 +8334,7 @@
           <a:p>
             <a:fld id="{E5FCB298-21FC-4E25-9632-945B53CD0465}" type="datetimeFigureOut">
               <a:rPr lang="fr-FR" smtClean="0"/>
-              <a:t>14/08/2024</a:t>
+              <a:t>12/09/2024</a:t>
             </a:fld>
             <a:endParaRPr lang="fr-FR"/>
           </a:p>
@@ -28012,6 +30966,3597 @@
           </a:p>
         </p:txBody>
       </p:sp>
+      <p:grpSp>
+        <p:nvGrpSpPr>
+          <p:cNvPr id="96" name="Groupe 95">
+            <a:extLst>
+              <a:ext uri="{FF2B5EF4-FFF2-40B4-BE49-F238E27FC236}">
+                <a16:creationId xmlns:a16="http://schemas.microsoft.com/office/drawing/2014/main" id="{7DC11817-F3AE-CA71-527B-E708D052DC8B}"/>
+              </a:ext>
+            </a:extLst>
+          </p:cNvPr>
+          <p:cNvGrpSpPr/>
+          <p:nvPr/>
+        </p:nvGrpSpPr>
+        <p:grpSpPr>
+          <a:xfrm>
+            <a:off x="520298" y="4050393"/>
+            <a:ext cx="10799280" cy="2679840"/>
+            <a:chOff x="520298" y="4050393"/>
+            <a:chExt cx="10799280" cy="2679840"/>
+          </a:xfrm>
+        </p:grpSpPr>
+        <mc:AlternateContent xmlns:mc="http://schemas.openxmlformats.org/markup-compatibility/2006" xmlns:p14="http://schemas.microsoft.com/office/powerpoint/2010/main">
+          <mc:Choice Requires="p14">
+            <p:contentPart p14:bwMode="auto" r:id="rId5">
+              <p14:nvContentPartPr>
+                <p14:cNvPr id="3" name="Encre 2">
+                  <a:extLst>
+                    <a:ext uri="{FF2B5EF4-FFF2-40B4-BE49-F238E27FC236}">
+                      <a16:creationId xmlns:a16="http://schemas.microsoft.com/office/drawing/2014/main" id="{B8291F80-962A-DFDC-F887-148C0D2CC602}"/>
+                    </a:ext>
+                  </a:extLst>
+                </p14:cNvPr>
+                <p14:cNvContentPartPr/>
+                <p14:nvPr/>
+              </p14:nvContentPartPr>
+              <p14:xfrm>
+                <a:off x="877778" y="4686873"/>
+                <a:ext cx="25560" cy="38880"/>
+              </p14:xfrm>
+            </p:contentPart>
+          </mc:Choice>
+          <mc:Fallback xmlns="">
+            <p:pic>
+              <p:nvPicPr>
+                <p:cNvPr id="3" name="Encre 2">
+                  <a:extLst>
+                    <a:ext uri="{FF2B5EF4-FFF2-40B4-BE49-F238E27FC236}">
+                      <a16:creationId xmlns:a16="http://schemas.microsoft.com/office/drawing/2014/main" id="{B8291F80-962A-DFDC-F887-148C0D2CC602}"/>
+                    </a:ext>
+                  </a:extLst>
+                </p:cNvPr>
+                <p:cNvPicPr/>
+                <p:nvPr/>
+              </p:nvPicPr>
+              <p:blipFill>
+                <a:blip r:embed="rId6"/>
+                <a:stretch>
+                  <a:fillRect/>
+                </a:stretch>
+              </p:blipFill>
+              <p:spPr>
+                <a:xfrm>
+                  <a:off x="868778" y="4677873"/>
+                  <a:ext cx="43200" cy="56520"/>
+                </a:xfrm>
+                <a:prstGeom prst="rect">
+                  <a:avLst/>
+                </a:prstGeom>
+              </p:spPr>
+            </p:pic>
+          </mc:Fallback>
+        </mc:AlternateContent>
+        <mc:AlternateContent xmlns:mc="http://schemas.openxmlformats.org/markup-compatibility/2006" xmlns:p14="http://schemas.microsoft.com/office/powerpoint/2010/main">
+          <mc:Choice Requires="p14">
+            <p:contentPart p14:bwMode="auto" r:id="rId7">
+              <p14:nvContentPartPr>
+                <p14:cNvPr id="5" name="Encre 4">
+                  <a:extLst>
+                    <a:ext uri="{FF2B5EF4-FFF2-40B4-BE49-F238E27FC236}">
+                      <a16:creationId xmlns:a16="http://schemas.microsoft.com/office/drawing/2014/main" id="{058CFE2A-ADF3-76BD-2262-764EE1D2BE07}"/>
+                    </a:ext>
+                  </a:extLst>
+                </p14:cNvPr>
+                <p14:cNvContentPartPr/>
+                <p14:nvPr/>
+              </p14:nvContentPartPr>
+              <p14:xfrm>
+                <a:off x="754658" y="4536033"/>
+                <a:ext cx="173880" cy="628200"/>
+              </p14:xfrm>
+            </p:contentPart>
+          </mc:Choice>
+          <mc:Fallback xmlns="">
+            <p:pic>
+              <p:nvPicPr>
+                <p:cNvPr id="5" name="Encre 4">
+                  <a:extLst>
+                    <a:ext uri="{FF2B5EF4-FFF2-40B4-BE49-F238E27FC236}">
+                      <a16:creationId xmlns:a16="http://schemas.microsoft.com/office/drawing/2014/main" id="{058CFE2A-ADF3-76BD-2262-764EE1D2BE07}"/>
+                    </a:ext>
+                  </a:extLst>
+                </p:cNvPr>
+                <p:cNvPicPr/>
+                <p:nvPr/>
+              </p:nvPicPr>
+              <p:blipFill>
+                <a:blip r:embed="rId8"/>
+                <a:stretch>
+                  <a:fillRect/>
+                </a:stretch>
+              </p:blipFill>
+              <p:spPr>
+                <a:xfrm>
+                  <a:off x="745658" y="4527393"/>
+                  <a:ext cx="191520" cy="645840"/>
+                </a:xfrm>
+                <a:prstGeom prst="rect">
+                  <a:avLst/>
+                </a:prstGeom>
+              </p:spPr>
+            </p:pic>
+          </mc:Fallback>
+        </mc:AlternateContent>
+        <mc:AlternateContent xmlns:mc="http://schemas.openxmlformats.org/markup-compatibility/2006" xmlns:p14="http://schemas.microsoft.com/office/powerpoint/2010/main">
+          <mc:Choice Requires="p14">
+            <p:contentPart p14:bwMode="auto" r:id="rId9">
+              <p14:nvContentPartPr>
+                <p14:cNvPr id="7" name="Encre 6">
+                  <a:extLst>
+                    <a:ext uri="{FF2B5EF4-FFF2-40B4-BE49-F238E27FC236}">
+                      <a16:creationId xmlns:a16="http://schemas.microsoft.com/office/drawing/2014/main" id="{DF896770-ED2D-5AE7-DCC0-E399BEA6F0DD}"/>
+                    </a:ext>
+                  </a:extLst>
+                </p14:cNvPr>
+                <p14:cNvContentPartPr/>
+                <p14:nvPr/>
+              </p14:nvContentPartPr>
+              <p14:xfrm>
+                <a:off x="978578" y="4523073"/>
+                <a:ext cx="238320" cy="213480"/>
+              </p14:xfrm>
+            </p:contentPart>
+          </mc:Choice>
+          <mc:Fallback xmlns="">
+            <p:pic>
+              <p:nvPicPr>
+                <p:cNvPr id="7" name="Encre 6">
+                  <a:extLst>
+                    <a:ext uri="{FF2B5EF4-FFF2-40B4-BE49-F238E27FC236}">
+                      <a16:creationId xmlns:a16="http://schemas.microsoft.com/office/drawing/2014/main" id="{DF896770-ED2D-5AE7-DCC0-E399BEA6F0DD}"/>
+                    </a:ext>
+                  </a:extLst>
+                </p:cNvPr>
+                <p:cNvPicPr/>
+                <p:nvPr/>
+              </p:nvPicPr>
+              <p:blipFill>
+                <a:blip r:embed="rId10"/>
+                <a:stretch>
+                  <a:fillRect/>
+                </a:stretch>
+              </p:blipFill>
+              <p:spPr>
+                <a:xfrm>
+                  <a:off x="969938" y="4514073"/>
+                  <a:ext cx="255960" cy="231120"/>
+                </a:xfrm>
+                <a:prstGeom prst="rect">
+                  <a:avLst/>
+                </a:prstGeom>
+              </p:spPr>
+            </p:pic>
+          </mc:Fallback>
+        </mc:AlternateContent>
+        <mc:AlternateContent xmlns:mc="http://schemas.openxmlformats.org/markup-compatibility/2006" xmlns:p14="http://schemas.microsoft.com/office/powerpoint/2010/main">
+          <mc:Choice Requires="p14">
+            <p:contentPart p14:bwMode="auto" r:id="rId11">
+              <p14:nvContentPartPr>
+                <p14:cNvPr id="8" name="Encre 7">
+                  <a:extLst>
+                    <a:ext uri="{FF2B5EF4-FFF2-40B4-BE49-F238E27FC236}">
+                      <a16:creationId xmlns:a16="http://schemas.microsoft.com/office/drawing/2014/main" id="{66886D6F-8249-88DF-88B3-7CB72FCBDED0}"/>
+                    </a:ext>
+                  </a:extLst>
+                </p14:cNvPr>
+                <p14:cNvContentPartPr/>
+                <p14:nvPr/>
+              </p14:nvContentPartPr>
+              <p14:xfrm>
+                <a:off x="1304738" y="4571313"/>
+                <a:ext cx="119520" cy="209160"/>
+              </p14:xfrm>
+            </p:contentPart>
+          </mc:Choice>
+          <mc:Fallback xmlns="">
+            <p:pic>
+              <p:nvPicPr>
+                <p:cNvPr id="8" name="Encre 7">
+                  <a:extLst>
+                    <a:ext uri="{FF2B5EF4-FFF2-40B4-BE49-F238E27FC236}">
+                      <a16:creationId xmlns:a16="http://schemas.microsoft.com/office/drawing/2014/main" id="{66886D6F-8249-88DF-88B3-7CB72FCBDED0}"/>
+                    </a:ext>
+                  </a:extLst>
+                </p:cNvPr>
+                <p:cNvPicPr/>
+                <p:nvPr/>
+              </p:nvPicPr>
+              <p:blipFill>
+                <a:blip r:embed="rId12"/>
+                <a:stretch>
+                  <a:fillRect/>
+                </a:stretch>
+              </p:blipFill>
+              <p:spPr>
+                <a:xfrm>
+                  <a:off x="1296098" y="4562313"/>
+                  <a:ext cx="137160" cy="226800"/>
+                </a:xfrm>
+                <a:prstGeom prst="rect">
+                  <a:avLst/>
+                </a:prstGeom>
+              </p:spPr>
+            </p:pic>
+          </mc:Fallback>
+        </mc:AlternateContent>
+        <mc:AlternateContent xmlns:mc="http://schemas.openxmlformats.org/markup-compatibility/2006" xmlns:p14="http://schemas.microsoft.com/office/powerpoint/2010/main">
+          <mc:Choice Requires="p14">
+            <p:contentPart p14:bwMode="auto" r:id="rId13">
+              <p14:nvContentPartPr>
+                <p14:cNvPr id="10" name="Encre 9">
+                  <a:extLst>
+                    <a:ext uri="{FF2B5EF4-FFF2-40B4-BE49-F238E27FC236}">
+                      <a16:creationId xmlns:a16="http://schemas.microsoft.com/office/drawing/2014/main" id="{51C5C562-B5CF-576D-FDD1-FB9A31768486}"/>
+                    </a:ext>
+                  </a:extLst>
+                </p14:cNvPr>
+                <p14:cNvContentPartPr/>
+                <p14:nvPr/>
+              </p14:nvContentPartPr>
+              <p14:xfrm>
+                <a:off x="2141018" y="4647273"/>
+                <a:ext cx="43920" cy="90360"/>
+              </p14:xfrm>
+            </p:contentPart>
+          </mc:Choice>
+          <mc:Fallback xmlns="">
+            <p:pic>
+              <p:nvPicPr>
+                <p:cNvPr id="10" name="Encre 9">
+                  <a:extLst>
+                    <a:ext uri="{FF2B5EF4-FFF2-40B4-BE49-F238E27FC236}">
+                      <a16:creationId xmlns:a16="http://schemas.microsoft.com/office/drawing/2014/main" id="{51C5C562-B5CF-576D-FDD1-FB9A31768486}"/>
+                    </a:ext>
+                  </a:extLst>
+                </p:cNvPr>
+                <p:cNvPicPr/>
+                <p:nvPr/>
+              </p:nvPicPr>
+              <p:blipFill>
+                <a:blip r:embed="rId14"/>
+                <a:stretch>
+                  <a:fillRect/>
+                </a:stretch>
+              </p:blipFill>
+              <p:spPr>
+                <a:xfrm>
+                  <a:off x="2132018" y="4638633"/>
+                  <a:ext cx="61560" cy="108000"/>
+                </a:xfrm>
+                <a:prstGeom prst="rect">
+                  <a:avLst/>
+                </a:prstGeom>
+              </p:spPr>
+            </p:pic>
+          </mc:Fallback>
+        </mc:AlternateContent>
+        <mc:AlternateContent xmlns:mc="http://schemas.openxmlformats.org/markup-compatibility/2006" xmlns:p14="http://schemas.microsoft.com/office/powerpoint/2010/main">
+          <mc:Choice Requires="p14">
+            <p:contentPart p14:bwMode="auto" r:id="rId15">
+              <p14:nvContentPartPr>
+                <p14:cNvPr id="11" name="Encre 10">
+                  <a:extLst>
+                    <a:ext uri="{FF2B5EF4-FFF2-40B4-BE49-F238E27FC236}">
+                      <a16:creationId xmlns:a16="http://schemas.microsoft.com/office/drawing/2014/main" id="{C8CD0E63-4AE2-8CD3-0822-FCE356762A57}"/>
+                    </a:ext>
+                  </a:extLst>
+                </p14:cNvPr>
+                <p14:cNvContentPartPr/>
+                <p14:nvPr/>
+              </p14:nvContentPartPr>
+              <p14:xfrm>
+                <a:off x="2111858" y="4475193"/>
+                <a:ext cx="10440" cy="15480"/>
+              </p14:xfrm>
+            </p:contentPart>
+          </mc:Choice>
+          <mc:Fallback xmlns="">
+            <p:pic>
+              <p:nvPicPr>
+                <p:cNvPr id="11" name="Encre 10">
+                  <a:extLst>
+                    <a:ext uri="{FF2B5EF4-FFF2-40B4-BE49-F238E27FC236}">
+                      <a16:creationId xmlns:a16="http://schemas.microsoft.com/office/drawing/2014/main" id="{C8CD0E63-4AE2-8CD3-0822-FCE356762A57}"/>
+                    </a:ext>
+                  </a:extLst>
+                </p:cNvPr>
+                <p:cNvPicPr/>
+                <p:nvPr/>
+              </p:nvPicPr>
+              <p:blipFill>
+                <a:blip r:embed="rId16"/>
+                <a:stretch>
+                  <a:fillRect/>
+                </a:stretch>
+              </p:blipFill>
+              <p:spPr>
+                <a:xfrm>
+                  <a:off x="2103218" y="4466193"/>
+                  <a:ext cx="28080" cy="33120"/>
+                </a:xfrm>
+                <a:prstGeom prst="rect">
+                  <a:avLst/>
+                </a:prstGeom>
+              </p:spPr>
+            </p:pic>
+          </mc:Fallback>
+        </mc:AlternateContent>
+        <mc:AlternateContent xmlns:mc="http://schemas.openxmlformats.org/markup-compatibility/2006" xmlns:p14="http://schemas.microsoft.com/office/powerpoint/2010/main">
+          <mc:Choice Requires="p14">
+            <p:contentPart p14:bwMode="auto" r:id="rId17">
+              <p14:nvContentPartPr>
+                <p14:cNvPr id="12" name="Encre 11">
+                  <a:extLst>
+                    <a:ext uri="{FF2B5EF4-FFF2-40B4-BE49-F238E27FC236}">
+                      <a16:creationId xmlns:a16="http://schemas.microsoft.com/office/drawing/2014/main" id="{777D453E-43AA-7363-36E1-C279E95D8499}"/>
+                    </a:ext>
+                  </a:extLst>
+                </p14:cNvPr>
+                <p14:cNvContentPartPr/>
+                <p14:nvPr/>
+              </p14:nvContentPartPr>
+              <p14:xfrm>
+                <a:off x="2358458" y="4591833"/>
+                <a:ext cx="246240" cy="206640"/>
+              </p14:xfrm>
+            </p:contentPart>
+          </mc:Choice>
+          <mc:Fallback xmlns="">
+            <p:pic>
+              <p:nvPicPr>
+                <p:cNvPr id="12" name="Encre 11">
+                  <a:extLst>
+                    <a:ext uri="{FF2B5EF4-FFF2-40B4-BE49-F238E27FC236}">
+                      <a16:creationId xmlns:a16="http://schemas.microsoft.com/office/drawing/2014/main" id="{777D453E-43AA-7363-36E1-C279E95D8499}"/>
+                    </a:ext>
+                  </a:extLst>
+                </p:cNvPr>
+                <p:cNvPicPr/>
+                <p:nvPr/>
+              </p:nvPicPr>
+              <p:blipFill>
+                <a:blip r:embed="rId18"/>
+                <a:stretch>
+                  <a:fillRect/>
+                </a:stretch>
+              </p:blipFill>
+              <p:spPr>
+                <a:xfrm>
+                  <a:off x="2349818" y="4583193"/>
+                  <a:ext cx="263880" cy="224280"/>
+                </a:xfrm>
+                <a:prstGeom prst="rect">
+                  <a:avLst/>
+                </a:prstGeom>
+              </p:spPr>
+            </p:pic>
+          </mc:Fallback>
+        </mc:AlternateContent>
+        <mc:AlternateContent xmlns:mc="http://schemas.openxmlformats.org/markup-compatibility/2006" xmlns:p14="http://schemas.microsoft.com/office/powerpoint/2010/main">
+          <mc:Choice Requires="p14">
+            <p:contentPart p14:bwMode="auto" r:id="rId19">
+              <p14:nvContentPartPr>
+                <p14:cNvPr id="13" name="Encre 12">
+                  <a:extLst>
+                    <a:ext uri="{FF2B5EF4-FFF2-40B4-BE49-F238E27FC236}">
+                      <a16:creationId xmlns:a16="http://schemas.microsoft.com/office/drawing/2014/main" id="{5A09BBB5-EB95-E507-EB79-FD138B3794AF}"/>
+                    </a:ext>
+                  </a:extLst>
+                </p14:cNvPr>
+                <p14:cNvContentPartPr/>
+                <p14:nvPr/>
+              </p14:nvContentPartPr>
+              <p14:xfrm>
+                <a:off x="2725298" y="4639713"/>
+                <a:ext cx="96840" cy="134640"/>
+              </p14:xfrm>
+            </p:contentPart>
+          </mc:Choice>
+          <mc:Fallback xmlns="">
+            <p:pic>
+              <p:nvPicPr>
+                <p:cNvPr id="13" name="Encre 12">
+                  <a:extLst>
+                    <a:ext uri="{FF2B5EF4-FFF2-40B4-BE49-F238E27FC236}">
+                      <a16:creationId xmlns:a16="http://schemas.microsoft.com/office/drawing/2014/main" id="{5A09BBB5-EB95-E507-EB79-FD138B3794AF}"/>
+                    </a:ext>
+                  </a:extLst>
+                </p:cNvPr>
+                <p:cNvPicPr/>
+                <p:nvPr/>
+              </p:nvPicPr>
+              <p:blipFill>
+                <a:blip r:embed="rId20"/>
+                <a:stretch>
+                  <a:fillRect/>
+                </a:stretch>
+              </p:blipFill>
+              <p:spPr>
+                <a:xfrm>
+                  <a:off x="2716658" y="4630713"/>
+                  <a:ext cx="114480" cy="152280"/>
+                </a:xfrm>
+                <a:prstGeom prst="rect">
+                  <a:avLst/>
+                </a:prstGeom>
+              </p:spPr>
+            </p:pic>
+          </mc:Fallback>
+        </mc:AlternateContent>
+        <mc:AlternateContent xmlns:mc="http://schemas.openxmlformats.org/markup-compatibility/2006" xmlns:p14="http://schemas.microsoft.com/office/powerpoint/2010/main">
+          <mc:Choice Requires="p14">
+            <p:contentPart p14:bwMode="auto" r:id="rId21">
+              <p14:nvContentPartPr>
+                <p14:cNvPr id="14" name="Encre 13">
+                  <a:extLst>
+                    <a:ext uri="{FF2B5EF4-FFF2-40B4-BE49-F238E27FC236}">
+                      <a16:creationId xmlns:a16="http://schemas.microsoft.com/office/drawing/2014/main" id="{49E8093F-FF0F-CFC9-300B-6DB10A701AF3}"/>
+                    </a:ext>
+                  </a:extLst>
+                </p14:cNvPr>
+                <p14:cNvContentPartPr/>
+                <p14:nvPr/>
+              </p14:nvContentPartPr>
+              <p14:xfrm>
+                <a:off x="2796578" y="4659873"/>
+                <a:ext cx="376200" cy="485280"/>
+              </p14:xfrm>
+            </p:contentPart>
+          </mc:Choice>
+          <mc:Fallback xmlns="">
+            <p:pic>
+              <p:nvPicPr>
+                <p:cNvPr id="14" name="Encre 13">
+                  <a:extLst>
+                    <a:ext uri="{FF2B5EF4-FFF2-40B4-BE49-F238E27FC236}">
+                      <a16:creationId xmlns:a16="http://schemas.microsoft.com/office/drawing/2014/main" id="{49E8093F-FF0F-CFC9-300B-6DB10A701AF3}"/>
+                    </a:ext>
+                  </a:extLst>
+                </p:cNvPr>
+                <p:cNvPicPr/>
+                <p:nvPr/>
+              </p:nvPicPr>
+              <p:blipFill>
+                <a:blip r:embed="rId22"/>
+                <a:stretch>
+                  <a:fillRect/>
+                </a:stretch>
+              </p:blipFill>
+              <p:spPr>
+                <a:xfrm>
+                  <a:off x="2787938" y="4651233"/>
+                  <a:ext cx="393840" cy="502920"/>
+                </a:xfrm>
+                <a:prstGeom prst="rect">
+                  <a:avLst/>
+                </a:prstGeom>
+              </p:spPr>
+            </p:pic>
+          </mc:Fallback>
+        </mc:AlternateContent>
+        <mc:AlternateContent xmlns:mc="http://schemas.openxmlformats.org/markup-compatibility/2006" xmlns:p14="http://schemas.microsoft.com/office/powerpoint/2010/main">
+          <mc:Choice Requires="p14">
+            <p:contentPart p14:bwMode="auto" r:id="rId23">
+              <p14:nvContentPartPr>
+                <p14:cNvPr id="15" name="Encre 14">
+                  <a:extLst>
+                    <a:ext uri="{FF2B5EF4-FFF2-40B4-BE49-F238E27FC236}">
+                      <a16:creationId xmlns:a16="http://schemas.microsoft.com/office/drawing/2014/main" id="{CEB36E6D-9A1C-688E-E5A2-259419C3D215}"/>
+                    </a:ext>
+                  </a:extLst>
+                </p14:cNvPr>
+                <p14:cNvContentPartPr/>
+                <p14:nvPr/>
+              </p14:nvContentPartPr>
+              <p14:xfrm>
+                <a:off x="3199058" y="4627473"/>
+                <a:ext cx="411480" cy="225000"/>
+              </p14:xfrm>
+            </p:contentPart>
+          </mc:Choice>
+          <mc:Fallback xmlns="">
+            <p:pic>
+              <p:nvPicPr>
+                <p:cNvPr id="15" name="Encre 14">
+                  <a:extLst>
+                    <a:ext uri="{FF2B5EF4-FFF2-40B4-BE49-F238E27FC236}">
+                      <a16:creationId xmlns:a16="http://schemas.microsoft.com/office/drawing/2014/main" id="{CEB36E6D-9A1C-688E-E5A2-259419C3D215}"/>
+                    </a:ext>
+                  </a:extLst>
+                </p:cNvPr>
+                <p:cNvPicPr/>
+                <p:nvPr/>
+              </p:nvPicPr>
+              <p:blipFill>
+                <a:blip r:embed="rId24"/>
+                <a:stretch>
+                  <a:fillRect/>
+                </a:stretch>
+              </p:blipFill>
+              <p:spPr>
+                <a:xfrm>
+                  <a:off x="3190418" y="4618473"/>
+                  <a:ext cx="429120" cy="242640"/>
+                </a:xfrm>
+                <a:prstGeom prst="rect">
+                  <a:avLst/>
+                </a:prstGeom>
+              </p:spPr>
+            </p:pic>
+          </mc:Fallback>
+        </mc:AlternateContent>
+        <mc:AlternateContent xmlns:mc="http://schemas.openxmlformats.org/markup-compatibility/2006" xmlns:p14="http://schemas.microsoft.com/office/powerpoint/2010/main">
+          <mc:Choice Requires="p14">
+            <p:contentPart p14:bwMode="auto" r:id="rId25">
+              <p14:nvContentPartPr>
+                <p14:cNvPr id="16" name="Encre 15">
+                  <a:extLst>
+                    <a:ext uri="{FF2B5EF4-FFF2-40B4-BE49-F238E27FC236}">
+                      <a16:creationId xmlns:a16="http://schemas.microsoft.com/office/drawing/2014/main" id="{502906C3-56A5-FB1C-A723-859CD81215D5}"/>
+                    </a:ext>
+                  </a:extLst>
+                </p14:cNvPr>
+                <p14:cNvContentPartPr/>
+                <p14:nvPr/>
+              </p14:nvContentPartPr>
+              <p14:xfrm>
+                <a:off x="4672538" y="4528833"/>
+                <a:ext cx="146160" cy="228240"/>
+              </p14:xfrm>
+            </p:contentPart>
+          </mc:Choice>
+          <mc:Fallback xmlns="">
+            <p:pic>
+              <p:nvPicPr>
+                <p:cNvPr id="16" name="Encre 15">
+                  <a:extLst>
+                    <a:ext uri="{FF2B5EF4-FFF2-40B4-BE49-F238E27FC236}">
+                      <a16:creationId xmlns:a16="http://schemas.microsoft.com/office/drawing/2014/main" id="{502906C3-56A5-FB1C-A723-859CD81215D5}"/>
+                    </a:ext>
+                  </a:extLst>
+                </p:cNvPr>
+                <p:cNvPicPr/>
+                <p:nvPr/>
+              </p:nvPicPr>
+              <p:blipFill>
+                <a:blip r:embed="rId26"/>
+                <a:stretch>
+                  <a:fillRect/>
+                </a:stretch>
+              </p:blipFill>
+              <p:spPr>
+                <a:xfrm>
+                  <a:off x="4663538" y="4520193"/>
+                  <a:ext cx="163800" cy="245880"/>
+                </a:xfrm>
+                <a:prstGeom prst="rect">
+                  <a:avLst/>
+                </a:prstGeom>
+              </p:spPr>
+            </p:pic>
+          </mc:Fallback>
+        </mc:AlternateContent>
+        <mc:AlternateContent xmlns:mc="http://schemas.openxmlformats.org/markup-compatibility/2006" xmlns:p14="http://schemas.microsoft.com/office/powerpoint/2010/main">
+          <mc:Choice Requires="p14">
+            <p:contentPart p14:bwMode="auto" r:id="rId27">
+              <p14:nvContentPartPr>
+                <p14:cNvPr id="17" name="Encre 16">
+                  <a:extLst>
+                    <a:ext uri="{FF2B5EF4-FFF2-40B4-BE49-F238E27FC236}">
+                      <a16:creationId xmlns:a16="http://schemas.microsoft.com/office/drawing/2014/main" id="{A45EEB20-C847-0A69-4D7B-DDD65F1C35BC}"/>
+                    </a:ext>
+                  </a:extLst>
+                </p14:cNvPr>
+                <p14:cNvContentPartPr/>
+                <p14:nvPr/>
+              </p14:nvContentPartPr>
+              <p14:xfrm>
+                <a:off x="5003018" y="4561233"/>
+                <a:ext cx="212400" cy="158760"/>
+              </p14:xfrm>
+            </p:contentPart>
+          </mc:Choice>
+          <mc:Fallback xmlns="">
+            <p:pic>
+              <p:nvPicPr>
+                <p:cNvPr id="17" name="Encre 16">
+                  <a:extLst>
+                    <a:ext uri="{FF2B5EF4-FFF2-40B4-BE49-F238E27FC236}">
+                      <a16:creationId xmlns:a16="http://schemas.microsoft.com/office/drawing/2014/main" id="{A45EEB20-C847-0A69-4D7B-DDD65F1C35BC}"/>
+                    </a:ext>
+                  </a:extLst>
+                </p:cNvPr>
+                <p:cNvPicPr/>
+                <p:nvPr/>
+              </p:nvPicPr>
+              <p:blipFill>
+                <a:blip r:embed="rId28"/>
+                <a:stretch>
+                  <a:fillRect/>
+                </a:stretch>
+              </p:blipFill>
+              <p:spPr>
+                <a:xfrm>
+                  <a:off x="4994378" y="4552593"/>
+                  <a:ext cx="230040" cy="176400"/>
+                </a:xfrm>
+                <a:prstGeom prst="rect">
+                  <a:avLst/>
+                </a:prstGeom>
+              </p:spPr>
+            </p:pic>
+          </mc:Fallback>
+        </mc:AlternateContent>
+        <mc:AlternateContent xmlns:mc="http://schemas.openxmlformats.org/markup-compatibility/2006" xmlns:p14="http://schemas.microsoft.com/office/powerpoint/2010/main">
+          <mc:Choice Requires="p14">
+            <p:contentPart p14:bwMode="auto" r:id="rId29">
+              <p14:nvContentPartPr>
+                <p14:cNvPr id="18" name="Encre 17">
+                  <a:extLst>
+                    <a:ext uri="{FF2B5EF4-FFF2-40B4-BE49-F238E27FC236}">
+                      <a16:creationId xmlns:a16="http://schemas.microsoft.com/office/drawing/2014/main" id="{EFB67836-730F-8547-FA5C-C8FAEE0EE94F}"/>
+                    </a:ext>
+                  </a:extLst>
+                </p14:cNvPr>
+                <p14:cNvContentPartPr/>
+                <p14:nvPr/>
+              </p14:nvContentPartPr>
+              <p14:xfrm>
+                <a:off x="5328818" y="4656633"/>
+                <a:ext cx="180000" cy="99000"/>
+              </p14:xfrm>
+            </p:contentPart>
+          </mc:Choice>
+          <mc:Fallback xmlns="">
+            <p:pic>
+              <p:nvPicPr>
+                <p:cNvPr id="18" name="Encre 17">
+                  <a:extLst>
+                    <a:ext uri="{FF2B5EF4-FFF2-40B4-BE49-F238E27FC236}">
+                      <a16:creationId xmlns:a16="http://schemas.microsoft.com/office/drawing/2014/main" id="{EFB67836-730F-8547-FA5C-C8FAEE0EE94F}"/>
+                    </a:ext>
+                  </a:extLst>
+                </p:cNvPr>
+                <p:cNvPicPr/>
+                <p:nvPr/>
+              </p:nvPicPr>
+              <p:blipFill>
+                <a:blip r:embed="rId30"/>
+                <a:stretch>
+                  <a:fillRect/>
+                </a:stretch>
+              </p:blipFill>
+              <p:spPr>
+                <a:xfrm>
+                  <a:off x="5320178" y="4647633"/>
+                  <a:ext cx="197640" cy="116640"/>
+                </a:xfrm>
+                <a:prstGeom prst="rect">
+                  <a:avLst/>
+                </a:prstGeom>
+              </p:spPr>
+            </p:pic>
+          </mc:Fallback>
+        </mc:AlternateContent>
+        <mc:AlternateContent xmlns:mc="http://schemas.openxmlformats.org/markup-compatibility/2006" xmlns:p14="http://schemas.microsoft.com/office/powerpoint/2010/main">
+          <mc:Choice Requires="p14">
+            <p:contentPart p14:bwMode="auto" r:id="rId31">
+              <p14:nvContentPartPr>
+                <p14:cNvPr id="19" name="Encre 18">
+                  <a:extLst>
+                    <a:ext uri="{FF2B5EF4-FFF2-40B4-BE49-F238E27FC236}">
+                      <a16:creationId xmlns:a16="http://schemas.microsoft.com/office/drawing/2014/main" id="{EF83755C-CA93-8A64-7DBD-AF277FB50884}"/>
+                    </a:ext>
+                  </a:extLst>
+                </p14:cNvPr>
+                <p14:cNvContentPartPr/>
+                <p14:nvPr/>
+              </p14:nvContentPartPr>
+              <p14:xfrm>
+                <a:off x="6663338" y="4050393"/>
+                <a:ext cx="272880" cy="636840"/>
+              </p14:xfrm>
+            </p:contentPart>
+          </mc:Choice>
+          <mc:Fallback xmlns="">
+            <p:pic>
+              <p:nvPicPr>
+                <p:cNvPr id="19" name="Encre 18">
+                  <a:extLst>
+                    <a:ext uri="{FF2B5EF4-FFF2-40B4-BE49-F238E27FC236}">
+                      <a16:creationId xmlns:a16="http://schemas.microsoft.com/office/drawing/2014/main" id="{EF83755C-CA93-8A64-7DBD-AF277FB50884}"/>
+                    </a:ext>
+                  </a:extLst>
+                </p:cNvPr>
+                <p:cNvPicPr/>
+                <p:nvPr/>
+              </p:nvPicPr>
+              <p:blipFill>
+                <a:blip r:embed="rId32"/>
+                <a:stretch>
+                  <a:fillRect/>
+                </a:stretch>
+              </p:blipFill>
+              <p:spPr>
+                <a:xfrm>
+                  <a:off x="6654338" y="4041753"/>
+                  <a:ext cx="290520" cy="654480"/>
+                </a:xfrm>
+                <a:prstGeom prst="rect">
+                  <a:avLst/>
+                </a:prstGeom>
+              </p:spPr>
+            </p:pic>
+          </mc:Fallback>
+        </mc:AlternateContent>
+        <mc:AlternateContent xmlns:mc="http://schemas.openxmlformats.org/markup-compatibility/2006" xmlns:p14="http://schemas.microsoft.com/office/powerpoint/2010/main">
+          <mc:Choice Requires="p14">
+            <p:contentPart p14:bwMode="auto" r:id="rId33">
+              <p14:nvContentPartPr>
+                <p14:cNvPr id="20" name="Encre 19">
+                  <a:extLst>
+                    <a:ext uri="{FF2B5EF4-FFF2-40B4-BE49-F238E27FC236}">
+                      <a16:creationId xmlns:a16="http://schemas.microsoft.com/office/drawing/2014/main" id="{141F2562-A11E-BC03-7DBD-4BBBE83AF158}"/>
+                    </a:ext>
+                  </a:extLst>
+                </p14:cNvPr>
+                <p14:cNvContentPartPr/>
+                <p14:nvPr/>
+              </p14:nvContentPartPr>
+              <p14:xfrm>
+                <a:off x="7082018" y="4565913"/>
+                <a:ext cx="32040" cy="150120"/>
+              </p14:xfrm>
+            </p:contentPart>
+          </mc:Choice>
+          <mc:Fallback xmlns="">
+            <p:pic>
+              <p:nvPicPr>
+                <p:cNvPr id="20" name="Encre 19">
+                  <a:extLst>
+                    <a:ext uri="{FF2B5EF4-FFF2-40B4-BE49-F238E27FC236}">
+                      <a16:creationId xmlns:a16="http://schemas.microsoft.com/office/drawing/2014/main" id="{141F2562-A11E-BC03-7DBD-4BBBE83AF158}"/>
+                    </a:ext>
+                  </a:extLst>
+                </p:cNvPr>
+                <p:cNvPicPr/>
+                <p:nvPr/>
+              </p:nvPicPr>
+              <p:blipFill>
+                <a:blip r:embed="rId34"/>
+                <a:stretch>
+                  <a:fillRect/>
+                </a:stretch>
+              </p:blipFill>
+              <p:spPr>
+                <a:xfrm>
+                  <a:off x="7073018" y="4557273"/>
+                  <a:ext cx="49680" cy="167760"/>
+                </a:xfrm>
+                <a:prstGeom prst="rect">
+                  <a:avLst/>
+                </a:prstGeom>
+              </p:spPr>
+            </p:pic>
+          </mc:Fallback>
+        </mc:AlternateContent>
+        <mc:AlternateContent xmlns:mc="http://schemas.openxmlformats.org/markup-compatibility/2006" xmlns:p14="http://schemas.microsoft.com/office/powerpoint/2010/main">
+          <mc:Choice Requires="p14">
+            <p:contentPart p14:bwMode="auto" r:id="rId35">
+              <p14:nvContentPartPr>
+                <p14:cNvPr id="21" name="Encre 20">
+                  <a:extLst>
+                    <a:ext uri="{FF2B5EF4-FFF2-40B4-BE49-F238E27FC236}">
+                      <a16:creationId xmlns:a16="http://schemas.microsoft.com/office/drawing/2014/main" id="{E46DB4BB-10CC-3012-EBE9-95D34D70FA29}"/>
+                    </a:ext>
+                  </a:extLst>
+                </p14:cNvPr>
+                <p14:cNvContentPartPr/>
+                <p14:nvPr/>
+              </p14:nvContentPartPr>
+              <p14:xfrm>
+                <a:off x="7075538" y="4374033"/>
+                <a:ext cx="14400" cy="6120"/>
+              </p14:xfrm>
+            </p:contentPart>
+          </mc:Choice>
+          <mc:Fallback xmlns="">
+            <p:pic>
+              <p:nvPicPr>
+                <p:cNvPr id="21" name="Encre 20">
+                  <a:extLst>
+                    <a:ext uri="{FF2B5EF4-FFF2-40B4-BE49-F238E27FC236}">
+                      <a16:creationId xmlns:a16="http://schemas.microsoft.com/office/drawing/2014/main" id="{E46DB4BB-10CC-3012-EBE9-95D34D70FA29}"/>
+                    </a:ext>
+                  </a:extLst>
+                </p:cNvPr>
+                <p:cNvPicPr/>
+                <p:nvPr/>
+              </p:nvPicPr>
+              <p:blipFill>
+                <a:blip r:embed="rId36"/>
+                <a:stretch>
+                  <a:fillRect/>
+                </a:stretch>
+              </p:blipFill>
+              <p:spPr>
+                <a:xfrm>
+                  <a:off x="7066898" y="4365393"/>
+                  <a:ext cx="32040" cy="23760"/>
+                </a:xfrm>
+                <a:prstGeom prst="rect">
+                  <a:avLst/>
+                </a:prstGeom>
+              </p:spPr>
+            </p:pic>
+          </mc:Fallback>
+        </mc:AlternateContent>
+        <mc:AlternateContent xmlns:mc="http://schemas.openxmlformats.org/markup-compatibility/2006" xmlns:p14="http://schemas.microsoft.com/office/powerpoint/2010/main">
+          <mc:Choice Requires="p14">
+            <p:contentPart p14:bwMode="auto" r:id="rId37">
+              <p14:nvContentPartPr>
+                <p14:cNvPr id="22" name="Encre 21">
+                  <a:extLst>
+                    <a:ext uri="{FF2B5EF4-FFF2-40B4-BE49-F238E27FC236}">
+                      <a16:creationId xmlns:a16="http://schemas.microsoft.com/office/drawing/2014/main" id="{8B7A5764-DB1E-61D1-EF53-3656EC1A7783}"/>
+                    </a:ext>
+                  </a:extLst>
+                </p14:cNvPr>
+                <p14:cNvContentPartPr/>
+                <p14:nvPr/>
+              </p14:nvContentPartPr>
+              <p14:xfrm>
+                <a:off x="7222778" y="4527033"/>
+                <a:ext cx="186120" cy="208080"/>
+              </p14:xfrm>
+            </p:contentPart>
+          </mc:Choice>
+          <mc:Fallback xmlns="">
+            <p:pic>
+              <p:nvPicPr>
+                <p:cNvPr id="22" name="Encre 21">
+                  <a:extLst>
+                    <a:ext uri="{FF2B5EF4-FFF2-40B4-BE49-F238E27FC236}">
+                      <a16:creationId xmlns:a16="http://schemas.microsoft.com/office/drawing/2014/main" id="{8B7A5764-DB1E-61D1-EF53-3656EC1A7783}"/>
+                    </a:ext>
+                  </a:extLst>
+                </p:cNvPr>
+                <p:cNvPicPr/>
+                <p:nvPr/>
+              </p:nvPicPr>
+              <p:blipFill>
+                <a:blip r:embed="rId38"/>
+                <a:stretch>
+                  <a:fillRect/>
+                </a:stretch>
+              </p:blipFill>
+              <p:spPr>
+                <a:xfrm>
+                  <a:off x="7213778" y="4518033"/>
+                  <a:ext cx="203760" cy="225720"/>
+                </a:xfrm>
+                <a:prstGeom prst="rect">
+                  <a:avLst/>
+                </a:prstGeom>
+              </p:spPr>
+            </p:pic>
+          </mc:Fallback>
+        </mc:AlternateContent>
+        <mc:AlternateContent xmlns:mc="http://schemas.openxmlformats.org/markup-compatibility/2006" xmlns:p14="http://schemas.microsoft.com/office/powerpoint/2010/main">
+          <mc:Choice Requires="p14">
+            <p:contentPart p14:bwMode="auto" r:id="rId39">
+              <p14:nvContentPartPr>
+                <p14:cNvPr id="23" name="Encre 22">
+                  <a:extLst>
+                    <a:ext uri="{FF2B5EF4-FFF2-40B4-BE49-F238E27FC236}">
+                      <a16:creationId xmlns:a16="http://schemas.microsoft.com/office/drawing/2014/main" id="{D523D4AF-8C28-954B-3310-A17AEB0FDDF9}"/>
+                    </a:ext>
+                  </a:extLst>
+                </p14:cNvPr>
+                <p14:cNvContentPartPr/>
+                <p14:nvPr/>
+              </p14:nvContentPartPr>
+              <p14:xfrm>
+                <a:off x="7544978" y="4581393"/>
+                <a:ext cx="153000" cy="156600"/>
+              </p14:xfrm>
+            </p:contentPart>
+          </mc:Choice>
+          <mc:Fallback xmlns="">
+            <p:pic>
+              <p:nvPicPr>
+                <p:cNvPr id="23" name="Encre 22">
+                  <a:extLst>
+                    <a:ext uri="{FF2B5EF4-FFF2-40B4-BE49-F238E27FC236}">
+                      <a16:creationId xmlns:a16="http://schemas.microsoft.com/office/drawing/2014/main" id="{D523D4AF-8C28-954B-3310-A17AEB0FDDF9}"/>
+                    </a:ext>
+                  </a:extLst>
+                </p:cNvPr>
+                <p:cNvPicPr/>
+                <p:nvPr/>
+              </p:nvPicPr>
+              <p:blipFill>
+                <a:blip r:embed="rId40"/>
+                <a:stretch>
+                  <a:fillRect/>
+                </a:stretch>
+              </p:blipFill>
+              <p:spPr>
+                <a:xfrm>
+                  <a:off x="7536338" y="4572393"/>
+                  <a:ext cx="170640" cy="174240"/>
+                </a:xfrm>
+                <a:prstGeom prst="rect">
+                  <a:avLst/>
+                </a:prstGeom>
+              </p:spPr>
+            </p:pic>
+          </mc:Fallback>
+        </mc:AlternateContent>
+        <mc:AlternateContent xmlns:mc="http://schemas.openxmlformats.org/markup-compatibility/2006" xmlns:p14="http://schemas.microsoft.com/office/powerpoint/2010/main">
+          <mc:Choice Requires="p14">
+            <p:contentPart p14:bwMode="auto" r:id="rId41">
+              <p14:nvContentPartPr>
+                <p14:cNvPr id="24" name="Encre 23">
+                  <a:extLst>
+                    <a:ext uri="{FF2B5EF4-FFF2-40B4-BE49-F238E27FC236}">
+                      <a16:creationId xmlns:a16="http://schemas.microsoft.com/office/drawing/2014/main" id="{E4B5989B-DFCD-83B8-0C3B-43C628E12E56}"/>
+                    </a:ext>
+                  </a:extLst>
+                </p14:cNvPr>
+                <p14:cNvContentPartPr/>
+                <p14:nvPr/>
+              </p14:nvContentPartPr>
+              <p14:xfrm>
+                <a:off x="7728218" y="4552233"/>
+                <a:ext cx="178200" cy="133560"/>
+              </p14:xfrm>
+            </p:contentPart>
+          </mc:Choice>
+          <mc:Fallback xmlns="">
+            <p:pic>
+              <p:nvPicPr>
+                <p:cNvPr id="24" name="Encre 23">
+                  <a:extLst>
+                    <a:ext uri="{FF2B5EF4-FFF2-40B4-BE49-F238E27FC236}">
+                      <a16:creationId xmlns:a16="http://schemas.microsoft.com/office/drawing/2014/main" id="{E4B5989B-DFCD-83B8-0C3B-43C628E12E56}"/>
+                    </a:ext>
+                  </a:extLst>
+                </p:cNvPr>
+                <p:cNvPicPr/>
+                <p:nvPr/>
+              </p:nvPicPr>
+              <p:blipFill>
+                <a:blip r:embed="rId42"/>
+                <a:stretch>
+                  <a:fillRect/>
+                </a:stretch>
+              </p:blipFill>
+              <p:spPr>
+                <a:xfrm>
+                  <a:off x="7719578" y="4543593"/>
+                  <a:ext cx="195840" cy="151200"/>
+                </a:xfrm>
+                <a:prstGeom prst="rect">
+                  <a:avLst/>
+                </a:prstGeom>
+              </p:spPr>
+            </p:pic>
+          </mc:Fallback>
+        </mc:AlternateContent>
+        <mc:AlternateContent xmlns:mc="http://schemas.openxmlformats.org/markup-compatibility/2006" xmlns:p14="http://schemas.microsoft.com/office/powerpoint/2010/main">
+          <mc:Choice Requires="p14">
+            <p:contentPart p14:bwMode="auto" r:id="rId43">
+              <p14:nvContentPartPr>
+                <p14:cNvPr id="25" name="Encre 24">
+                  <a:extLst>
+                    <a:ext uri="{FF2B5EF4-FFF2-40B4-BE49-F238E27FC236}">
+                      <a16:creationId xmlns:a16="http://schemas.microsoft.com/office/drawing/2014/main" id="{594C43DC-4BE0-0C51-170F-64673AAEF133}"/>
+                    </a:ext>
+                  </a:extLst>
+                </p14:cNvPr>
+                <p14:cNvContentPartPr/>
+                <p14:nvPr/>
+              </p14:nvContentPartPr>
+              <p14:xfrm>
+                <a:off x="7946378" y="4601913"/>
+                <a:ext cx="273240" cy="619920"/>
+              </p14:xfrm>
+            </p:contentPart>
+          </mc:Choice>
+          <mc:Fallback xmlns="">
+            <p:pic>
+              <p:nvPicPr>
+                <p:cNvPr id="25" name="Encre 24">
+                  <a:extLst>
+                    <a:ext uri="{FF2B5EF4-FFF2-40B4-BE49-F238E27FC236}">
+                      <a16:creationId xmlns:a16="http://schemas.microsoft.com/office/drawing/2014/main" id="{594C43DC-4BE0-0C51-170F-64673AAEF133}"/>
+                    </a:ext>
+                  </a:extLst>
+                </p:cNvPr>
+                <p:cNvPicPr/>
+                <p:nvPr/>
+              </p:nvPicPr>
+              <p:blipFill>
+                <a:blip r:embed="rId44"/>
+                <a:stretch>
+                  <a:fillRect/>
+                </a:stretch>
+              </p:blipFill>
+              <p:spPr>
+                <a:xfrm>
+                  <a:off x="7937378" y="4593273"/>
+                  <a:ext cx="290880" cy="637560"/>
+                </a:xfrm>
+                <a:prstGeom prst="rect">
+                  <a:avLst/>
+                </a:prstGeom>
+              </p:spPr>
+            </p:pic>
+          </mc:Fallback>
+        </mc:AlternateContent>
+        <mc:AlternateContent xmlns:mc="http://schemas.openxmlformats.org/markup-compatibility/2006" xmlns:p14="http://schemas.microsoft.com/office/powerpoint/2010/main">
+          <mc:Choice Requires="p14">
+            <p:contentPart p14:bwMode="auto" r:id="rId45">
+              <p14:nvContentPartPr>
+                <p14:cNvPr id="30" name="Encre 29">
+                  <a:extLst>
+                    <a:ext uri="{FF2B5EF4-FFF2-40B4-BE49-F238E27FC236}">
+                      <a16:creationId xmlns:a16="http://schemas.microsoft.com/office/drawing/2014/main" id="{2DFEF110-3860-8C1F-0928-239CE1FC5516}"/>
+                    </a:ext>
+                  </a:extLst>
+                </p14:cNvPr>
+                <p14:cNvContentPartPr/>
+                <p14:nvPr/>
+              </p14:nvContentPartPr>
+              <p14:xfrm>
+                <a:off x="1770578" y="5060913"/>
+                <a:ext cx="301320" cy="520920"/>
+              </p14:xfrm>
+            </p:contentPart>
+          </mc:Choice>
+          <mc:Fallback xmlns="">
+            <p:pic>
+              <p:nvPicPr>
+                <p:cNvPr id="30" name="Encre 29">
+                  <a:extLst>
+                    <a:ext uri="{FF2B5EF4-FFF2-40B4-BE49-F238E27FC236}">
+                      <a16:creationId xmlns:a16="http://schemas.microsoft.com/office/drawing/2014/main" id="{2DFEF110-3860-8C1F-0928-239CE1FC5516}"/>
+                    </a:ext>
+                  </a:extLst>
+                </p:cNvPr>
+                <p:cNvPicPr/>
+                <p:nvPr/>
+              </p:nvPicPr>
+              <p:blipFill>
+                <a:blip r:embed="rId46"/>
+                <a:stretch>
+                  <a:fillRect/>
+                </a:stretch>
+              </p:blipFill>
+              <p:spPr>
+                <a:xfrm>
+                  <a:off x="1761578" y="5052273"/>
+                  <a:ext cx="318960" cy="538560"/>
+                </a:xfrm>
+                <a:prstGeom prst="rect">
+                  <a:avLst/>
+                </a:prstGeom>
+              </p:spPr>
+            </p:pic>
+          </mc:Fallback>
+        </mc:AlternateContent>
+        <mc:AlternateContent xmlns:mc="http://schemas.openxmlformats.org/markup-compatibility/2006" xmlns:p14="http://schemas.microsoft.com/office/powerpoint/2010/main">
+          <mc:Choice Requires="p14">
+            <p:contentPart p14:bwMode="auto" r:id="rId47">
+              <p14:nvContentPartPr>
+                <p14:cNvPr id="31" name="Encre 30">
+                  <a:extLst>
+                    <a:ext uri="{FF2B5EF4-FFF2-40B4-BE49-F238E27FC236}">
+                      <a16:creationId xmlns:a16="http://schemas.microsoft.com/office/drawing/2014/main" id="{80371B78-A22A-42E8-6171-E3E99D6F2E6A}"/>
+                    </a:ext>
+                  </a:extLst>
+                </p14:cNvPr>
+                <p14:cNvContentPartPr/>
+                <p14:nvPr/>
+              </p14:nvContentPartPr>
+              <p14:xfrm>
+                <a:off x="2129498" y="5112393"/>
+                <a:ext cx="700200" cy="480240"/>
+              </p14:xfrm>
+            </p:contentPart>
+          </mc:Choice>
+          <mc:Fallback xmlns="">
+            <p:pic>
+              <p:nvPicPr>
+                <p:cNvPr id="31" name="Encre 30">
+                  <a:extLst>
+                    <a:ext uri="{FF2B5EF4-FFF2-40B4-BE49-F238E27FC236}">
+                      <a16:creationId xmlns:a16="http://schemas.microsoft.com/office/drawing/2014/main" id="{80371B78-A22A-42E8-6171-E3E99D6F2E6A}"/>
+                    </a:ext>
+                  </a:extLst>
+                </p:cNvPr>
+                <p:cNvPicPr/>
+                <p:nvPr/>
+              </p:nvPicPr>
+              <p:blipFill>
+                <a:blip r:embed="rId48"/>
+                <a:stretch>
+                  <a:fillRect/>
+                </a:stretch>
+              </p:blipFill>
+              <p:spPr>
+                <a:xfrm>
+                  <a:off x="2120498" y="5103393"/>
+                  <a:ext cx="717840" cy="497880"/>
+                </a:xfrm>
+                <a:prstGeom prst="rect">
+                  <a:avLst/>
+                </a:prstGeom>
+              </p:spPr>
+            </p:pic>
+          </mc:Fallback>
+        </mc:AlternateContent>
+        <mc:AlternateContent xmlns:mc="http://schemas.openxmlformats.org/markup-compatibility/2006" xmlns:p14="http://schemas.microsoft.com/office/powerpoint/2010/main">
+          <mc:Choice Requires="p14">
+            <p:contentPart p14:bwMode="auto" r:id="rId49">
+              <p14:nvContentPartPr>
+                <p14:cNvPr id="33" name="Encre 32">
+                  <a:extLst>
+                    <a:ext uri="{FF2B5EF4-FFF2-40B4-BE49-F238E27FC236}">
+                      <a16:creationId xmlns:a16="http://schemas.microsoft.com/office/drawing/2014/main" id="{4F722C84-396D-01B1-B8A7-47BE8AEC142E}"/>
+                    </a:ext>
+                  </a:extLst>
+                </p14:cNvPr>
+                <p14:cNvContentPartPr/>
+                <p14:nvPr/>
+              </p14:nvContentPartPr>
+              <p14:xfrm>
+                <a:off x="8655578" y="4422993"/>
+                <a:ext cx="252000" cy="318600"/>
+              </p14:xfrm>
+            </p:contentPart>
+          </mc:Choice>
+          <mc:Fallback xmlns="">
+            <p:pic>
+              <p:nvPicPr>
+                <p:cNvPr id="33" name="Encre 32">
+                  <a:extLst>
+                    <a:ext uri="{FF2B5EF4-FFF2-40B4-BE49-F238E27FC236}">
+                      <a16:creationId xmlns:a16="http://schemas.microsoft.com/office/drawing/2014/main" id="{4F722C84-396D-01B1-B8A7-47BE8AEC142E}"/>
+                    </a:ext>
+                  </a:extLst>
+                </p:cNvPr>
+                <p:cNvPicPr/>
+                <p:nvPr/>
+              </p:nvPicPr>
+              <p:blipFill>
+                <a:blip r:embed="rId50"/>
+                <a:stretch>
+                  <a:fillRect/>
+                </a:stretch>
+              </p:blipFill>
+              <p:spPr>
+                <a:xfrm>
+                  <a:off x="8646938" y="4413993"/>
+                  <a:ext cx="269640" cy="336240"/>
+                </a:xfrm>
+                <a:prstGeom prst="rect">
+                  <a:avLst/>
+                </a:prstGeom>
+              </p:spPr>
+            </p:pic>
+          </mc:Fallback>
+        </mc:AlternateContent>
+        <mc:AlternateContent xmlns:mc="http://schemas.openxmlformats.org/markup-compatibility/2006" xmlns:p14="http://schemas.microsoft.com/office/powerpoint/2010/main">
+          <mc:Choice Requires="p14">
+            <p:contentPart p14:bwMode="auto" r:id="rId51">
+              <p14:nvContentPartPr>
+                <p14:cNvPr id="34" name="Encre 33">
+                  <a:extLst>
+                    <a:ext uri="{FF2B5EF4-FFF2-40B4-BE49-F238E27FC236}">
+                      <a16:creationId xmlns:a16="http://schemas.microsoft.com/office/drawing/2014/main" id="{6396DD57-0BA5-01A7-8421-1396D75B935D}"/>
+                    </a:ext>
+                  </a:extLst>
+                </p14:cNvPr>
+                <p14:cNvContentPartPr/>
+                <p14:nvPr/>
+              </p14:nvContentPartPr>
+              <p14:xfrm>
+                <a:off x="9017378" y="4489953"/>
+                <a:ext cx="212760" cy="213840"/>
+              </p14:xfrm>
+            </p:contentPart>
+          </mc:Choice>
+          <mc:Fallback xmlns="">
+            <p:pic>
+              <p:nvPicPr>
+                <p:cNvPr id="34" name="Encre 33">
+                  <a:extLst>
+                    <a:ext uri="{FF2B5EF4-FFF2-40B4-BE49-F238E27FC236}">
+                      <a16:creationId xmlns:a16="http://schemas.microsoft.com/office/drawing/2014/main" id="{6396DD57-0BA5-01A7-8421-1396D75B935D}"/>
+                    </a:ext>
+                  </a:extLst>
+                </p:cNvPr>
+                <p:cNvPicPr/>
+                <p:nvPr/>
+              </p:nvPicPr>
+              <p:blipFill>
+                <a:blip r:embed="rId52"/>
+                <a:stretch>
+                  <a:fillRect/>
+                </a:stretch>
+              </p:blipFill>
+              <p:spPr>
+                <a:xfrm>
+                  <a:off x="9008738" y="4480953"/>
+                  <a:ext cx="230400" cy="231480"/>
+                </a:xfrm>
+                <a:prstGeom prst="rect">
+                  <a:avLst/>
+                </a:prstGeom>
+              </p:spPr>
+            </p:pic>
+          </mc:Fallback>
+        </mc:AlternateContent>
+        <mc:AlternateContent xmlns:mc="http://schemas.openxmlformats.org/markup-compatibility/2006" xmlns:p14="http://schemas.microsoft.com/office/powerpoint/2010/main">
+          <mc:Choice Requires="p14">
+            <p:contentPart p14:bwMode="auto" r:id="rId53">
+              <p14:nvContentPartPr>
+                <p14:cNvPr id="35" name="Encre 34">
+                  <a:extLst>
+                    <a:ext uri="{FF2B5EF4-FFF2-40B4-BE49-F238E27FC236}">
+                      <a16:creationId xmlns:a16="http://schemas.microsoft.com/office/drawing/2014/main" id="{0B79B5F3-E847-024C-3994-55E8032FB2A3}"/>
+                    </a:ext>
+                  </a:extLst>
+                </p14:cNvPr>
+                <p14:cNvContentPartPr/>
+                <p14:nvPr/>
+              </p14:nvContentPartPr>
+              <p14:xfrm>
+                <a:off x="9325898" y="4563033"/>
+                <a:ext cx="221040" cy="207360"/>
+              </p14:xfrm>
+            </p:contentPart>
+          </mc:Choice>
+          <mc:Fallback xmlns="">
+            <p:pic>
+              <p:nvPicPr>
+                <p:cNvPr id="35" name="Encre 34">
+                  <a:extLst>
+                    <a:ext uri="{FF2B5EF4-FFF2-40B4-BE49-F238E27FC236}">
+                      <a16:creationId xmlns:a16="http://schemas.microsoft.com/office/drawing/2014/main" id="{0B79B5F3-E847-024C-3994-55E8032FB2A3}"/>
+                    </a:ext>
+                  </a:extLst>
+                </p:cNvPr>
+                <p:cNvPicPr/>
+                <p:nvPr/>
+              </p:nvPicPr>
+              <p:blipFill>
+                <a:blip r:embed="rId54"/>
+                <a:stretch>
+                  <a:fillRect/>
+                </a:stretch>
+              </p:blipFill>
+              <p:spPr>
+                <a:xfrm>
+                  <a:off x="9316898" y="4554393"/>
+                  <a:ext cx="238680" cy="225000"/>
+                </a:xfrm>
+                <a:prstGeom prst="rect">
+                  <a:avLst/>
+                </a:prstGeom>
+              </p:spPr>
+            </p:pic>
+          </mc:Fallback>
+        </mc:AlternateContent>
+        <mc:AlternateContent xmlns:mc="http://schemas.openxmlformats.org/markup-compatibility/2006" xmlns:p14="http://schemas.microsoft.com/office/powerpoint/2010/main">
+          <mc:Choice Requires="p14">
+            <p:contentPart p14:bwMode="auto" r:id="rId55">
+              <p14:nvContentPartPr>
+                <p14:cNvPr id="36" name="Encre 35">
+                  <a:extLst>
+                    <a:ext uri="{FF2B5EF4-FFF2-40B4-BE49-F238E27FC236}">
+                      <a16:creationId xmlns:a16="http://schemas.microsoft.com/office/drawing/2014/main" id="{49E49A6A-9830-5781-7F32-B440C4F2DA01}"/>
+                    </a:ext>
+                  </a:extLst>
+                </p14:cNvPr>
+                <p14:cNvContentPartPr/>
+                <p14:nvPr/>
+              </p14:nvContentPartPr>
+              <p14:xfrm>
+                <a:off x="9643058" y="4562313"/>
+                <a:ext cx="115560" cy="195840"/>
+              </p14:xfrm>
+            </p:contentPart>
+          </mc:Choice>
+          <mc:Fallback xmlns="">
+            <p:pic>
+              <p:nvPicPr>
+                <p:cNvPr id="36" name="Encre 35">
+                  <a:extLst>
+                    <a:ext uri="{FF2B5EF4-FFF2-40B4-BE49-F238E27FC236}">
+                      <a16:creationId xmlns:a16="http://schemas.microsoft.com/office/drawing/2014/main" id="{49E49A6A-9830-5781-7F32-B440C4F2DA01}"/>
+                    </a:ext>
+                  </a:extLst>
+                </p:cNvPr>
+                <p:cNvPicPr/>
+                <p:nvPr/>
+              </p:nvPicPr>
+              <p:blipFill>
+                <a:blip r:embed="rId56"/>
+                <a:stretch>
+                  <a:fillRect/>
+                </a:stretch>
+              </p:blipFill>
+              <p:spPr>
+                <a:xfrm>
+                  <a:off x="9634418" y="4553313"/>
+                  <a:ext cx="133200" cy="213480"/>
+                </a:xfrm>
+                <a:prstGeom prst="rect">
+                  <a:avLst/>
+                </a:prstGeom>
+              </p:spPr>
+            </p:pic>
+          </mc:Fallback>
+        </mc:AlternateContent>
+        <mc:AlternateContent xmlns:mc="http://schemas.openxmlformats.org/markup-compatibility/2006" xmlns:p14="http://schemas.microsoft.com/office/powerpoint/2010/main">
+          <mc:Choice Requires="p14">
+            <p:contentPart p14:bwMode="auto" r:id="rId57">
+              <p14:nvContentPartPr>
+                <p14:cNvPr id="37" name="Encre 36">
+                  <a:extLst>
+                    <a:ext uri="{FF2B5EF4-FFF2-40B4-BE49-F238E27FC236}">
+                      <a16:creationId xmlns:a16="http://schemas.microsoft.com/office/drawing/2014/main" id="{81F897EE-ACC0-8544-BA60-D32EC0A407C6}"/>
+                    </a:ext>
+                  </a:extLst>
+                </p14:cNvPr>
+                <p14:cNvContentPartPr/>
+                <p14:nvPr/>
+              </p14:nvContentPartPr>
+              <p14:xfrm>
+                <a:off x="9953018" y="4087833"/>
+                <a:ext cx="489960" cy="666360"/>
+              </p14:xfrm>
+            </p:contentPart>
+          </mc:Choice>
+          <mc:Fallback xmlns="">
+            <p:pic>
+              <p:nvPicPr>
+                <p:cNvPr id="37" name="Encre 36">
+                  <a:extLst>
+                    <a:ext uri="{FF2B5EF4-FFF2-40B4-BE49-F238E27FC236}">
+                      <a16:creationId xmlns:a16="http://schemas.microsoft.com/office/drawing/2014/main" id="{81F897EE-ACC0-8544-BA60-D32EC0A407C6}"/>
+                    </a:ext>
+                  </a:extLst>
+                </p:cNvPr>
+                <p:cNvPicPr/>
+                <p:nvPr/>
+              </p:nvPicPr>
+              <p:blipFill>
+                <a:blip r:embed="rId58"/>
+                <a:stretch>
+                  <a:fillRect/>
+                </a:stretch>
+              </p:blipFill>
+              <p:spPr>
+                <a:xfrm>
+                  <a:off x="9944378" y="4078833"/>
+                  <a:ext cx="507600" cy="684000"/>
+                </a:xfrm>
+                <a:prstGeom prst="rect">
+                  <a:avLst/>
+                </a:prstGeom>
+              </p:spPr>
+            </p:pic>
+          </mc:Fallback>
+        </mc:AlternateContent>
+        <mc:AlternateContent xmlns:mc="http://schemas.openxmlformats.org/markup-compatibility/2006" xmlns:p14="http://schemas.microsoft.com/office/powerpoint/2010/main">
+          <mc:Choice Requires="p14">
+            <p:contentPart p14:bwMode="auto" r:id="rId59">
+              <p14:nvContentPartPr>
+                <p14:cNvPr id="39" name="Encre 38">
+                  <a:extLst>
+                    <a:ext uri="{FF2B5EF4-FFF2-40B4-BE49-F238E27FC236}">
+                      <a16:creationId xmlns:a16="http://schemas.microsoft.com/office/drawing/2014/main" id="{C6E565DE-550F-C8AE-C8B3-A083D003CC04}"/>
+                    </a:ext>
+                  </a:extLst>
+                </p14:cNvPr>
+                <p14:cNvContentPartPr/>
+                <p14:nvPr/>
+              </p14:nvContentPartPr>
+              <p14:xfrm>
+                <a:off x="10694618" y="4206633"/>
+                <a:ext cx="624960" cy="856080"/>
+              </p14:xfrm>
+            </p:contentPart>
+          </mc:Choice>
+          <mc:Fallback xmlns="">
+            <p:pic>
+              <p:nvPicPr>
+                <p:cNvPr id="39" name="Encre 38">
+                  <a:extLst>
+                    <a:ext uri="{FF2B5EF4-FFF2-40B4-BE49-F238E27FC236}">
+                      <a16:creationId xmlns:a16="http://schemas.microsoft.com/office/drawing/2014/main" id="{C6E565DE-550F-C8AE-C8B3-A083D003CC04}"/>
+                    </a:ext>
+                  </a:extLst>
+                </p:cNvPr>
+                <p:cNvPicPr/>
+                <p:nvPr/>
+              </p:nvPicPr>
+              <p:blipFill>
+                <a:blip r:embed="rId60"/>
+                <a:stretch>
+                  <a:fillRect/>
+                </a:stretch>
+              </p:blipFill>
+              <p:spPr>
+                <a:xfrm>
+                  <a:off x="10685618" y="4197633"/>
+                  <a:ext cx="642600" cy="873720"/>
+                </a:xfrm>
+                <a:prstGeom prst="rect">
+                  <a:avLst/>
+                </a:prstGeom>
+              </p:spPr>
+            </p:pic>
+          </mc:Fallback>
+        </mc:AlternateContent>
+        <mc:AlternateContent xmlns:mc="http://schemas.openxmlformats.org/markup-compatibility/2006" xmlns:p14="http://schemas.microsoft.com/office/powerpoint/2010/main">
+          <mc:Choice Requires="p14">
+            <p:contentPart p14:bwMode="auto" r:id="rId61">
+              <p14:nvContentPartPr>
+                <p14:cNvPr id="40" name="Encre 39">
+                  <a:extLst>
+                    <a:ext uri="{FF2B5EF4-FFF2-40B4-BE49-F238E27FC236}">
+                      <a16:creationId xmlns:a16="http://schemas.microsoft.com/office/drawing/2014/main" id="{8DB4F625-201C-E057-65FD-1E8D8C76A462}"/>
+                    </a:ext>
+                  </a:extLst>
+                </p14:cNvPr>
+                <p14:cNvContentPartPr/>
+                <p14:nvPr/>
+              </p14:nvContentPartPr>
+              <p14:xfrm>
+                <a:off x="8231858" y="5044353"/>
+                <a:ext cx="363600" cy="539640"/>
+              </p14:xfrm>
+            </p:contentPart>
+          </mc:Choice>
+          <mc:Fallback xmlns="">
+            <p:pic>
+              <p:nvPicPr>
+                <p:cNvPr id="40" name="Encre 39">
+                  <a:extLst>
+                    <a:ext uri="{FF2B5EF4-FFF2-40B4-BE49-F238E27FC236}">
+                      <a16:creationId xmlns:a16="http://schemas.microsoft.com/office/drawing/2014/main" id="{8DB4F625-201C-E057-65FD-1E8D8C76A462}"/>
+                    </a:ext>
+                  </a:extLst>
+                </p:cNvPr>
+                <p:cNvPicPr/>
+                <p:nvPr/>
+              </p:nvPicPr>
+              <p:blipFill>
+                <a:blip r:embed="rId62"/>
+                <a:stretch>
+                  <a:fillRect/>
+                </a:stretch>
+              </p:blipFill>
+              <p:spPr>
+                <a:xfrm>
+                  <a:off x="8222858" y="5035353"/>
+                  <a:ext cx="381240" cy="557280"/>
+                </a:xfrm>
+                <a:prstGeom prst="rect">
+                  <a:avLst/>
+                </a:prstGeom>
+              </p:spPr>
+            </p:pic>
+          </mc:Fallback>
+        </mc:AlternateContent>
+        <mc:AlternateContent xmlns:mc="http://schemas.openxmlformats.org/markup-compatibility/2006" xmlns:p14="http://schemas.microsoft.com/office/powerpoint/2010/main">
+          <mc:Choice Requires="p14">
+            <p:contentPart p14:bwMode="auto" r:id="rId63">
+              <p14:nvContentPartPr>
+                <p14:cNvPr id="41" name="Encre 40">
+                  <a:extLst>
+                    <a:ext uri="{FF2B5EF4-FFF2-40B4-BE49-F238E27FC236}">
+                      <a16:creationId xmlns:a16="http://schemas.microsoft.com/office/drawing/2014/main" id="{4577B281-9549-BE81-DEC9-2C137C964F66}"/>
+                    </a:ext>
+                  </a:extLst>
+                </p14:cNvPr>
+                <p14:cNvContentPartPr/>
+                <p14:nvPr/>
+              </p14:nvContentPartPr>
+              <p14:xfrm>
+                <a:off x="8970938" y="5446113"/>
+                <a:ext cx="60840" cy="70920"/>
+              </p14:xfrm>
+            </p:contentPart>
+          </mc:Choice>
+          <mc:Fallback xmlns="">
+            <p:pic>
+              <p:nvPicPr>
+                <p:cNvPr id="41" name="Encre 40">
+                  <a:extLst>
+                    <a:ext uri="{FF2B5EF4-FFF2-40B4-BE49-F238E27FC236}">
+                      <a16:creationId xmlns:a16="http://schemas.microsoft.com/office/drawing/2014/main" id="{4577B281-9549-BE81-DEC9-2C137C964F66}"/>
+                    </a:ext>
+                  </a:extLst>
+                </p:cNvPr>
+                <p:cNvPicPr/>
+                <p:nvPr/>
+              </p:nvPicPr>
+              <p:blipFill>
+                <a:blip r:embed="rId64"/>
+                <a:stretch>
+                  <a:fillRect/>
+                </a:stretch>
+              </p:blipFill>
+              <p:spPr>
+                <a:xfrm>
+                  <a:off x="8962298" y="5437113"/>
+                  <a:ext cx="78480" cy="88560"/>
+                </a:xfrm>
+                <a:prstGeom prst="rect">
+                  <a:avLst/>
+                </a:prstGeom>
+              </p:spPr>
+            </p:pic>
+          </mc:Fallback>
+        </mc:AlternateContent>
+        <mc:AlternateContent xmlns:mc="http://schemas.openxmlformats.org/markup-compatibility/2006" xmlns:p14="http://schemas.microsoft.com/office/powerpoint/2010/main">
+          <mc:Choice Requires="p14">
+            <p:contentPart p14:bwMode="auto" r:id="rId65">
+              <p14:nvContentPartPr>
+                <p14:cNvPr id="58" name="Encre 57">
+                  <a:extLst>
+                    <a:ext uri="{FF2B5EF4-FFF2-40B4-BE49-F238E27FC236}">
+                      <a16:creationId xmlns:a16="http://schemas.microsoft.com/office/drawing/2014/main" id="{106A9ABD-9B15-142A-6322-2E23C3469A89}"/>
+                    </a:ext>
+                  </a:extLst>
+                </p14:cNvPr>
+                <p14:cNvContentPartPr/>
+                <p14:nvPr/>
+              </p14:nvContentPartPr>
+              <p14:xfrm>
+                <a:off x="7379378" y="6213273"/>
+                <a:ext cx="245160" cy="38160"/>
+              </p14:xfrm>
+            </p:contentPart>
+          </mc:Choice>
+          <mc:Fallback xmlns="">
+            <p:pic>
+              <p:nvPicPr>
+                <p:cNvPr id="58" name="Encre 57">
+                  <a:extLst>
+                    <a:ext uri="{FF2B5EF4-FFF2-40B4-BE49-F238E27FC236}">
+                      <a16:creationId xmlns:a16="http://schemas.microsoft.com/office/drawing/2014/main" id="{106A9ABD-9B15-142A-6322-2E23C3469A89}"/>
+                    </a:ext>
+                  </a:extLst>
+                </p:cNvPr>
+                <p:cNvPicPr/>
+                <p:nvPr/>
+              </p:nvPicPr>
+              <p:blipFill>
+                <a:blip r:embed="rId66"/>
+                <a:stretch>
+                  <a:fillRect/>
+                </a:stretch>
+              </p:blipFill>
+              <p:spPr>
+                <a:xfrm>
+                  <a:off x="7370378" y="6204633"/>
+                  <a:ext cx="262800" cy="55800"/>
+                </a:xfrm>
+                <a:prstGeom prst="rect">
+                  <a:avLst/>
+                </a:prstGeom>
+              </p:spPr>
+            </p:pic>
+          </mc:Fallback>
+        </mc:AlternateContent>
+        <mc:AlternateContent xmlns:mc="http://schemas.openxmlformats.org/markup-compatibility/2006" xmlns:p14="http://schemas.microsoft.com/office/powerpoint/2010/main">
+          <mc:Choice Requires="p14">
+            <p:contentPart p14:bwMode="auto" r:id="rId67">
+              <p14:nvContentPartPr>
+                <p14:cNvPr id="68" name="Encre 67">
+                  <a:extLst>
+                    <a:ext uri="{FF2B5EF4-FFF2-40B4-BE49-F238E27FC236}">
+                      <a16:creationId xmlns:a16="http://schemas.microsoft.com/office/drawing/2014/main" id="{5DB54D2F-9AFF-6666-9559-2719ED72C66D}"/>
+                    </a:ext>
+                  </a:extLst>
+                </p14:cNvPr>
+                <p14:cNvContentPartPr/>
+                <p14:nvPr/>
+              </p14:nvContentPartPr>
+              <p14:xfrm>
+                <a:off x="4805378" y="6531153"/>
+                <a:ext cx="996480" cy="93600"/>
+              </p14:xfrm>
+            </p:contentPart>
+          </mc:Choice>
+          <mc:Fallback xmlns="">
+            <p:pic>
+              <p:nvPicPr>
+                <p:cNvPr id="68" name="Encre 67">
+                  <a:extLst>
+                    <a:ext uri="{FF2B5EF4-FFF2-40B4-BE49-F238E27FC236}">
+                      <a16:creationId xmlns:a16="http://schemas.microsoft.com/office/drawing/2014/main" id="{5DB54D2F-9AFF-6666-9559-2719ED72C66D}"/>
+                    </a:ext>
+                  </a:extLst>
+                </p:cNvPr>
+                <p:cNvPicPr/>
+                <p:nvPr/>
+              </p:nvPicPr>
+              <p:blipFill>
+                <a:blip r:embed="rId68"/>
+                <a:stretch>
+                  <a:fillRect/>
+                </a:stretch>
+              </p:blipFill>
+              <p:spPr>
+                <a:xfrm>
+                  <a:off x="4796378" y="6522513"/>
+                  <a:ext cx="1014120" cy="111240"/>
+                </a:xfrm>
+                <a:prstGeom prst="rect">
+                  <a:avLst/>
+                </a:prstGeom>
+              </p:spPr>
+            </p:pic>
+          </mc:Fallback>
+        </mc:AlternateContent>
+        <mc:AlternateContent xmlns:mc="http://schemas.openxmlformats.org/markup-compatibility/2006" xmlns:p14="http://schemas.microsoft.com/office/powerpoint/2010/main">
+          <mc:Choice Requires="p14">
+            <p:contentPart p14:bwMode="auto" r:id="rId69">
+              <p14:nvContentPartPr>
+                <p14:cNvPr id="59" name="Encre 58">
+                  <a:extLst>
+                    <a:ext uri="{FF2B5EF4-FFF2-40B4-BE49-F238E27FC236}">
+                      <a16:creationId xmlns:a16="http://schemas.microsoft.com/office/drawing/2014/main" id="{944E35D3-F8BB-36F5-8819-9762C25925AC}"/>
+                    </a:ext>
+                  </a:extLst>
+                </p14:cNvPr>
+                <p14:cNvContentPartPr/>
+                <p14:nvPr/>
+              </p14:nvContentPartPr>
+              <p14:xfrm>
+                <a:off x="9430658" y="5808273"/>
+                <a:ext cx="408240" cy="417240"/>
+              </p14:xfrm>
+            </p:contentPart>
+          </mc:Choice>
+          <mc:Fallback xmlns="">
+            <p:pic>
+              <p:nvPicPr>
+                <p:cNvPr id="59" name="Encre 58">
+                  <a:extLst>
+                    <a:ext uri="{FF2B5EF4-FFF2-40B4-BE49-F238E27FC236}">
+                      <a16:creationId xmlns:a16="http://schemas.microsoft.com/office/drawing/2014/main" id="{944E35D3-F8BB-36F5-8819-9762C25925AC}"/>
+                    </a:ext>
+                  </a:extLst>
+                </p:cNvPr>
+                <p:cNvPicPr/>
+                <p:nvPr/>
+              </p:nvPicPr>
+              <p:blipFill>
+                <a:blip r:embed="rId70"/>
+                <a:stretch>
+                  <a:fillRect/>
+                </a:stretch>
+              </p:blipFill>
+              <p:spPr>
+                <a:xfrm>
+                  <a:off x="9422018" y="5799273"/>
+                  <a:ext cx="425880" cy="434880"/>
+                </a:xfrm>
+                <a:prstGeom prst="rect">
+                  <a:avLst/>
+                </a:prstGeom>
+              </p:spPr>
+            </p:pic>
+          </mc:Fallback>
+        </mc:AlternateContent>
+        <mc:AlternateContent xmlns:mc="http://schemas.openxmlformats.org/markup-compatibility/2006" xmlns:p14="http://schemas.microsoft.com/office/powerpoint/2010/main">
+          <mc:Choice Requires="p14">
+            <p:contentPart p14:bwMode="auto" r:id="rId71">
+              <p14:nvContentPartPr>
+                <p14:cNvPr id="60" name="Encre 59">
+                  <a:extLst>
+                    <a:ext uri="{FF2B5EF4-FFF2-40B4-BE49-F238E27FC236}">
+                      <a16:creationId xmlns:a16="http://schemas.microsoft.com/office/drawing/2014/main" id="{2AA6FE08-E563-1927-CB7D-A4D711553049}"/>
+                    </a:ext>
+                  </a:extLst>
+                </p14:cNvPr>
+                <p14:cNvContentPartPr/>
+                <p14:nvPr/>
+              </p14:nvContentPartPr>
+              <p14:xfrm>
+                <a:off x="9994778" y="6211113"/>
+                <a:ext cx="42480" cy="8640"/>
+              </p14:xfrm>
+            </p:contentPart>
+          </mc:Choice>
+          <mc:Fallback xmlns="">
+            <p:pic>
+              <p:nvPicPr>
+                <p:cNvPr id="60" name="Encre 59">
+                  <a:extLst>
+                    <a:ext uri="{FF2B5EF4-FFF2-40B4-BE49-F238E27FC236}">
+                      <a16:creationId xmlns:a16="http://schemas.microsoft.com/office/drawing/2014/main" id="{2AA6FE08-E563-1927-CB7D-A4D711553049}"/>
+                    </a:ext>
+                  </a:extLst>
+                </p:cNvPr>
+                <p:cNvPicPr/>
+                <p:nvPr/>
+              </p:nvPicPr>
+              <p:blipFill>
+                <a:blip r:embed="rId72"/>
+                <a:stretch>
+                  <a:fillRect/>
+                </a:stretch>
+              </p:blipFill>
+              <p:spPr>
+                <a:xfrm>
+                  <a:off x="9985778" y="6202473"/>
+                  <a:ext cx="60120" cy="26280"/>
+                </a:xfrm>
+                <a:prstGeom prst="rect">
+                  <a:avLst/>
+                </a:prstGeom>
+              </p:spPr>
+            </p:pic>
+          </mc:Fallback>
+        </mc:AlternateContent>
+        <mc:AlternateContent xmlns:mc="http://schemas.openxmlformats.org/markup-compatibility/2006" xmlns:p14="http://schemas.microsoft.com/office/powerpoint/2010/main">
+          <mc:Choice Requires="p14">
+            <p:contentPart p14:bwMode="auto" r:id="rId73">
+              <p14:nvContentPartPr>
+                <p14:cNvPr id="61" name="Encre 60">
+                  <a:extLst>
+                    <a:ext uri="{FF2B5EF4-FFF2-40B4-BE49-F238E27FC236}">
+                      <a16:creationId xmlns:a16="http://schemas.microsoft.com/office/drawing/2014/main" id="{6E659D13-D995-89A2-644E-70F8ACE10B68}"/>
+                    </a:ext>
+                  </a:extLst>
+                </p14:cNvPr>
+                <p14:cNvContentPartPr/>
+                <p14:nvPr/>
+              </p14:nvContentPartPr>
+              <p14:xfrm>
+                <a:off x="10445498" y="5751753"/>
+                <a:ext cx="162720" cy="9720"/>
+              </p14:xfrm>
+            </p:contentPart>
+          </mc:Choice>
+          <mc:Fallback xmlns="">
+            <p:pic>
+              <p:nvPicPr>
+                <p:cNvPr id="61" name="Encre 60">
+                  <a:extLst>
+                    <a:ext uri="{FF2B5EF4-FFF2-40B4-BE49-F238E27FC236}">
+                      <a16:creationId xmlns:a16="http://schemas.microsoft.com/office/drawing/2014/main" id="{6E659D13-D995-89A2-644E-70F8ACE10B68}"/>
+                    </a:ext>
+                  </a:extLst>
+                </p:cNvPr>
+                <p:cNvPicPr/>
+                <p:nvPr/>
+              </p:nvPicPr>
+              <p:blipFill>
+                <a:blip r:embed="rId74"/>
+                <a:stretch>
+                  <a:fillRect/>
+                </a:stretch>
+              </p:blipFill>
+              <p:spPr>
+                <a:xfrm>
+                  <a:off x="10436498" y="5743113"/>
+                  <a:ext cx="180360" cy="27360"/>
+                </a:xfrm>
+                <a:prstGeom prst="rect">
+                  <a:avLst/>
+                </a:prstGeom>
+              </p:spPr>
+            </p:pic>
+          </mc:Fallback>
+        </mc:AlternateContent>
+        <mc:AlternateContent xmlns:mc="http://schemas.openxmlformats.org/markup-compatibility/2006" xmlns:p14="http://schemas.microsoft.com/office/powerpoint/2010/main">
+          <mc:Choice Requires="p14">
+            <p:contentPart p14:bwMode="auto" r:id="rId75">
+              <p14:nvContentPartPr>
+                <p14:cNvPr id="62" name="Encre 61">
+                  <a:extLst>
+                    <a:ext uri="{FF2B5EF4-FFF2-40B4-BE49-F238E27FC236}">
+                      <a16:creationId xmlns:a16="http://schemas.microsoft.com/office/drawing/2014/main" id="{926EA514-4EEB-D5BF-44A8-276BF69F1D7E}"/>
+                    </a:ext>
+                  </a:extLst>
+                </p14:cNvPr>
+                <p14:cNvContentPartPr/>
+                <p14:nvPr/>
+              </p14:nvContentPartPr>
+              <p14:xfrm>
+                <a:off x="10317698" y="5787753"/>
+                <a:ext cx="194040" cy="363600"/>
+              </p14:xfrm>
+            </p:contentPart>
+          </mc:Choice>
+          <mc:Fallback xmlns="">
+            <p:pic>
+              <p:nvPicPr>
+                <p:cNvPr id="62" name="Encre 61">
+                  <a:extLst>
+                    <a:ext uri="{FF2B5EF4-FFF2-40B4-BE49-F238E27FC236}">
+                      <a16:creationId xmlns:a16="http://schemas.microsoft.com/office/drawing/2014/main" id="{926EA514-4EEB-D5BF-44A8-276BF69F1D7E}"/>
+                    </a:ext>
+                  </a:extLst>
+                </p:cNvPr>
+                <p:cNvPicPr/>
+                <p:nvPr/>
+              </p:nvPicPr>
+              <p:blipFill>
+                <a:blip r:embed="rId76"/>
+                <a:stretch>
+                  <a:fillRect/>
+                </a:stretch>
+              </p:blipFill>
+              <p:spPr>
+                <a:xfrm>
+                  <a:off x="10309058" y="5778753"/>
+                  <a:ext cx="211680" cy="381240"/>
+                </a:xfrm>
+                <a:prstGeom prst="rect">
+                  <a:avLst/>
+                </a:prstGeom>
+              </p:spPr>
+            </p:pic>
+          </mc:Fallback>
+        </mc:AlternateContent>
+        <mc:AlternateContent xmlns:mc="http://schemas.openxmlformats.org/markup-compatibility/2006" xmlns:p14="http://schemas.microsoft.com/office/powerpoint/2010/main">
+          <mc:Choice Requires="p14">
+            <p:contentPart p14:bwMode="auto" r:id="rId77">
+              <p14:nvContentPartPr>
+                <p14:cNvPr id="65" name="Encre 64">
+                  <a:extLst>
+                    <a:ext uri="{FF2B5EF4-FFF2-40B4-BE49-F238E27FC236}">
+                      <a16:creationId xmlns:a16="http://schemas.microsoft.com/office/drawing/2014/main" id="{5310924B-B5E9-2144-BF25-5A1ACE19EE7C}"/>
+                    </a:ext>
+                  </a:extLst>
+                </p14:cNvPr>
+                <p14:cNvContentPartPr/>
+                <p14:nvPr/>
+              </p14:nvContentPartPr>
+              <p14:xfrm>
+                <a:off x="10625138" y="5433153"/>
+                <a:ext cx="601560" cy="875160"/>
+              </p14:xfrm>
+            </p:contentPart>
+          </mc:Choice>
+          <mc:Fallback xmlns="">
+            <p:pic>
+              <p:nvPicPr>
+                <p:cNvPr id="65" name="Encre 64">
+                  <a:extLst>
+                    <a:ext uri="{FF2B5EF4-FFF2-40B4-BE49-F238E27FC236}">
+                      <a16:creationId xmlns:a16="http://schemas.microsoft.com/office/drawing/2014/main" id="{5310924B-B5E9-2144-BF25-5A1ACE19EE7C}"/>
+                    </a:ext>
+                  </a:extLst>
+                </p:cNvPr>
+                <p:cNvPicPr/>
+                <p:nvPr/>
+              </p:nvPicPr>
+              <p:blipFill>
+                <a:blip r:embed="rId78"/>
+                <a:stretch>
+                  <a:fillRect/>
+                </a:stretch>
+              </p:blipFill>
+              <p:spPr>
+                <a:xfrm>
+                  <a:off x="10616498" y="5424153"/>
+                  <a:ext cx="619200" cy="892800"/>
+                </a:xfrm>
+                <a:prstGeom prst="rect">
+                  <a:avLst/>
+                </a:prstGeom>
+              </p:spPr>
+            </p:pic>
+          </mc:Fallback>
+        </mc:AlternateContent>
+        <mc:AlternateContent xmlns:mc="http://schemas.openxmlformats.org/markup-compatibility/2006" xmlns:p14="http://schemas.microsoft.com/office/powerpoint/2010/main">
+          <mc:Choice Requires="p14">
+            <p:contentPart p14:bwMode="auto" r:id="rId79">
+              <p14:nvContentPartPr>
+                <p14:cNvPr id="70" name="Encre 69">
+                  <a:extLst>
+                    <a:ext uri="{FF2B5EF4-FFF2-40B4-BE49-F238E27FC236}">
+                      <a16:creationId xmlns:a16="http://schemas.microsoft.com/office/drawing/2014/main" id="{D41FC432-9EE8-B956-F502-53A3F77E6FB7}"/>
+                    </a:ext>
+                  </a:extLst>
+                </p14:cNvPr>
+                <p14:cNvContentPartPr/>
+                <p14:nvPr/>
+              </p14:nvContentPartPr>
+              <p14:xfrm>
+                <a:off x="9464858" y="6368433"/>
+                <a:ext cx="920880" cy="208080"/>
+              </p14:xfrm>
+            </p:contentPart>
+          </mc:Choice>
+          <mc:Fallback xmlns="">
+            <p:pic>
+              <p:nvPicPr>
+                <p:cNvPr id="70" name="Encre 69">
+                  <a:extLst>
+                    <a:ext uri="{FF2B5EF4-FFF2-40B4-BE49-F238E27FC236}">
+                      <a16:creationId xmlns:a16="http://schemas.microsoft.com/office/drawing/2014/main" id="{D41FC432-9EE8-B956-F502-53A3F77E6FB7}"/>
+                    </a:ext>
+                  </a:extLst>
+                </p:cNvPr>
+                <p:cNvPicPr/>
+                <p:nvPr/>
+              </p:nvPicPr>
+              <p:blipFill>
+                <a:blip r:embed="rId80"/>
+                <a:stretch>
+                  <a:fillRect/>
+                </a:stretch>
+              </p:blipFill>
+              <p:spPr>
+                <a:xfrm>
+                  <a:off x="9456218" y="6359433"/>
+                  <a:ext cx="938520" cy="225720"/>
+                </a:xfrm>
+                <a:prstGeom prst="rect">
+                  <a:avLst/>
+                </a:prstGeom>
+              </p:spPr>
+            </p:pic>
+          </mc:Fallback>
+        </mc:AlternateContent>
+        <mc:AlternateContent xmlns:mc="http://schemas.openxmlformats.org/markup-compatibility/2006" xmlns:p14="http://schemas.microsoft.com/office/powerpoint/2010/main">
+          <mc:Choice Requires="p14">
+            <p:contentPart p14:bwMode="auto" r:id="rId81">
+              <p14:nvContentPartPr>
+                <p14:cNvPr id="72" name="Encre 71">
+                  <a:extLst>
+                    <a:ext uri="{FF2B5EF4-FFF2-40B4-BE49-F238E27FC236}">
+                      <a16:creationId xmlns:a16="http://schemas.microsoft.com/office/drawing/2014/main" id="{C267EA45-266E-2E0A-35F7-25775FC155ED}"/>
+                    </a:ext>
+                  </a:extLst>
+                </p14:cNvPr>
+                <p14:cNvContentPartPr/>
+                <p14:nvPr/>
+              </p14:nvContentPartPr>
+              <p14:xfrm>
+                <a:off x="4811858" y="5329113"/>
+                <a:ext cx="1523160" cy="280800"/>
+              </p14:xfrm>
+            </p:contentPart>
+          </mc:Choice>
+          <mc:Fallback xmlns="">
+            <p:pic>
+              <p:nvPicPr>
+                <p:cNvPr id="72" name="Encre 71">
+                  <a:extLst>
+                    <a:ext uri="{FF2B5EF4-FFF2-40B4-BE49-F238E27FC236}">
+                      <a16:creationId xmlns:a16="http://schemas.microsoft.com/office/drawing/2014/main" id="{C267EA45-266E-2E0A-35F7-25775FC155ED}"/>
+                    </a:ext>
+                  </a:extLst>
+                </p:cNvPr>
+                <p:cNvPicPr/>
+                <p:nvPr/>
+              </p:nvPicPr>
+              <p:blipFill>
+                <a:blip r:embed="rId82"/>
+                <a:stretch>
+                  <a:fillRect/>
+                </a:stretch>
+              </p:blipFill>
+              <p:spPr>
+                <a:xfrm>
+                  <a:off x="4803218" y="5320473"/>
+                  <a:ext cx="1540800" cy="298440"/>
+                </a:xfrm>
+                <a:prstGeom prst="rect">
+                  <a:avLst/>
+                </a:prstGeom>
+              </p:spPr>
+            </p:pic>
+          </mc:Fallback>
+        </mc:AlternateContent>
+        <mc:AlternateContent xmlns:mc="http://schemas.openxmlformats.org/markup-compatibility/2006" xmlns:p14="http://schemas.microsoft.com/office/powerpoint/2010/main">
+          <mc:Choice Requires="p14">
+            <p:contentPart p14:bwMode="auto" r:id="rId83">
+              <p14:nvContentPartPr>
+                <p14:cNvPr id="73" name="Encre 72">
+                  <a:extLst>
+                    <a:ext uri="{FF2B5EF4-FFF2-40B4-BE49-F238E27FC236}">
+                      <a16:creationId xmlns:a16="http://schemas.microsoft.com/office/drawing/2014/main" id="{2F46EA57-9CF5-DA92-92DC-367FD4334F79}"/>
+                    </a:ext>
+                  </a:extLst>
+                </p14:cNvPr>
+                <p14:cNvContentPartPr/>
+                <p14:nvPr/>
+              </p14:nvContentPartPr>
+              <p14:xfrm>
+                <a:off x="9170738" y="5306793"/>
+                <a:ext cx="1558440" cy="228600"/>
+              </p14:xfrm>
+            </p:contentPart>
+          </mc:Choice>
+          <mc:Fallback xmlns="">
+            <p:pic>
+              <p:nvPicPr>
+                <p:cNvPr id="73" name="Encre 72">
+                  <a:extLst>
+                    <a:ext uri="{FF2B5EF4-FFF2-40B4-BE49-F238E27FC236}">
+                      <a16:creationId xmlns:a16="http://schemas.microsoft.com/office/drawing/2014/main" id="{2F46EA57-9CF5-DA92-92DC-367FD4334F79}"/>
+                    </a:ext>
+                  </a:extLst>
+                </p:cNvPr>
+                <p:cNvPicPr/>
+                <p:nvPr/>
+              </p:nvPicPr>
+              <p:blipFill>
+                <a:blip r:embed="rId84"/>
+                <a:stretch>
+                  <a:fillRect/>
+                </a:stretch>
+              </p:blipFill>
+              <p:spPr>
+                <a:xfrm>
+                  <a:off x="9161738" y="5298153"/>
+                  <a:ext cx="1576080" cy="246240"/>
+                </a:xfrm>
+                <a:prstGeom prst="rect">
+                  <a:avLst/>
+                </a:prstGeom>
+              </p:spPr>
+            </p:pic>
+          </mc:Fallback>
+        </mc:AlternateContent>
+        <mc:AlternateContent xmlns:mc="http://schemas.openxmlformats.org/markup-compatibility/2006" xmlns:p14="http://schemas.microsoft.com/office/powerpoint/2010/main">
+          <mc:Choice Requires="p14">
+            <p:contentPart p14:bwMode="auto" r:id="rId85">
+              <p14:nvContentPartPr>
+                <p14:cNvPr id="74" name="Encre 73">
+                  <a:extLst>
+                    <a:ext uri="{FF2B5EF4-FFF2-40B4-BE49-F238E27FC236}">
+                      <a16:creationId xmlns:a16="http://schemas.microsoft.com/office/drawing/2014/main" id="{06D268F3-A0A1-6D78-BA39-3728280DB577}"/>
+                    </a:ext>
+                  </a:extLst>
+                </p14:cNvPr>
+                <p14:cNvContentPartPr/>
+                <p14:nvPr/>
+              </p14:nvContentPartPr>
+              <p14:xfrm>
+                <a:off x="7123778" y="5389953"/>
+                <a:ext cx="283680" cy="362520"/>
+              </p14:xfrm>
+            </p:contentPart>
+          </mc:Choice>
+          <mc:Fallback xmlns="">
+            <p:pic>
+              <p:nvPicPr>
+                <p:cNvPr id="74" name="Encre 73">
+                  <a:extLst>
+                    <a:ext uri="{FF2B5EF4-FFF2-40B4-BE49-F238E27FC236}">
+                      <a16:creationId xmlns:a16="http://schemas.microsoft.com/office/drawing/2014/main" id="{06D268F3-A0A1-6D78-BA39-3728280DB577}"/>
+                    </a:ext>
+                  </a:extLst>
+                </p:cNvPr>
+                <p:cNvPicPr/>
+                <p:nvPr/>
+              </p:nvPicPr>
+              <p:blipFill>
+                <a:blip r:embed="rId86"/>
+                <a:stretch>
+                  <a:fillRect/>
+                </a:stretch>
+              </p:blipFill>
+              <p:spPr>
+                <a:xfrm>
+                  <a:off x="7114778" y="5380953"/>
+                  <a:ext cx="301320" cy="380160"/>
+                </a:xfrm>
+                <a:prstGeom prst="rect">
+                  <a:avLst/>
+                </a:prstGeom>
+              </p:spPr>
+            </p:pic>
+          </mc:Fallback>
+        </mc:AlternateContent>
+        <mc:AlternateContent xmlns:mc="http://schemas.openxmlformats.org/markup-compatibility/2006" xmlns:p14="http://schemas.microsoft.com/office/powerpoint/2010/main">
+          <mc:Choice Requires="p14">
+            <p:contentPart p14:bwMode="auto" r:id="rId87">
+              <p14:nvContentPartPr>
+                <p14:cNvPr id="75" name="Encre 74">
+                  <a:extLst>
+                    <a:ext uri="{FF2B5EF4-FFF2-40B4-BE49-F238E27FC236}">
+                      <a16:creationId xmlns:a16="http://schemas.microsoft.com/office/drawing/2014/main" id="{98F286B2-3B23-EA28-3DCF-EC1ABBFF4A89}"/>
+                    </a:ext>
+                  </a:extLst>
+                </p14:cNvPr>
+                <p14:cNvContentPartPr/>
+                <p14:nvPr/>
+              </p14:nvContentPartPr>
+              <p14:xfrm>
+                <a:off x="7501778" y="5724033"/>
+                <a:ext cx="26640" cy="7200"/>
+              </p14:xfrm>
+            </p:contentPart>
+          </mc:Choice>
+          <mc:Fallback xmlns="">
+            <p:pic>
+              <p:nvPicPr>
+                <p:cNvPr id="75" name="Encre 74">
+                  <a:extLst>
+                    <a:ext uri="{FF2B5EF4-FFF2-40B4-BE49-F238E27FC236}">
+                      <a16:creationId xmlns:a16="http://schemas.microsoft.com/office/drawing/2014/main" id="{98F286B2-3B23-EA28-3DCF-EC1ABBFF4A89}"/>
+                    </a:ext>
+                  </a:extLst>
+                </p:cNvPr>
+                <p:cNvPicPr/>
+                <p:nvPr/>
+              </p:nvPicPr>
+              <p:blipFill>
+                <a:blip r:embed="rId88"/>
+                <a:stretch>
+                  <a:fillRect/>
+                </a:stretch>
+              </p:blipFill>
+              <p:spPr>
+                <a:xfrm>
+                  <a:off x="7493138" y="5715393"/>
+                  <a:ext cx="44280" cy="24840"/>
+                </a:xfrm>
+                <a:prstGeom prst="rect">
+                  <a:avLst/>
+                </a:prstGeom>
+              </p:spPr>
+            </p:pic>
+          </mc:Fallback>
+        </mc:AlternateContent>
+        <mc:AlternateContent xmlns:mc="http://schemas.openxmlformats.org/markup-compatibility/2006" xmlns:p14="http://schemas.microsoft.com/office/powerpoint/2010/main">
+          <mc:Choice Requires="p14">
+            <p:contentPart p14:bwMode="auto" r:id="rId89">
+              <p14:nvContentPartPr>
+                <p14:cNvPr id="76" name="Encre 75">
+                  <a:extLst>
+                    <a:ext uri="{FF2B5EF4-FFF2-40B4-BE49-F238E27FC236}">
+                      <a16:creationId xmlns:a16="http://schemas.microsoft.com/office/drawing/2014/main" id="{4A67B95B-01D7-443E-DCD2-4CD41B76D4A7}"/>
+                    </a:ext>
+                  </a:extLst>
+                </p14:cNvPr>
+                <p14:cNvContentPartPr/>
+                <p14:nvPr/>
+              </p14:nvContentPartPr>
+              <p14:xfrm>
+                <a:off x="7572698" y="5473113"/>
+                <a:ext cx="218520" cy="288360"/>
+              </p14:xfrm>
+            </p:contentPart>
+          </mc:Choice>
+          <mc:Fallback xmlns="">
+            <p:pic>
+              <p:nvPicPr>
+                <p:cNvPr id="76" name="Encre 75">
+                  <a:extLst>
+                    <a:ext uri="{FF2B5EF4-FFF2-40B4-BE49-F238E27FC236}">
+                      <a16:creationId xmlns:a16="http://schemas.microsoft.com/office/drawing/2014/main" id="{4A67B95B-01D7-443E-DCD2-4CD41B76D4A7}"/>
+                    </a:ext>
+                  </a:extLst>
+                </p:cNvPr>
+                <p:cNvPicPr/>
+                <p:nvPr/>
+              </p:nvPicPr>
+              <p:blipFill>
+                <a:blip r:embed="rId90"/>
+                <a:stretch>
+                  <a:fillRect/>
+                </a:stretch>
+              </p:blipFill>
+              <p:spPr>
+                <a:xfrm>
+                  <a:off x="7563698" y="5464113"/>
+                  <a:ext cx="236160" cy="306000"/>
+                </a:xfrm>
+                <a:prstGeom prst="rect">
+                  <a:avLst/>
+                </a:prstGeom>
+              </p:spPr>
+            </p:pic>
+          </mc:Fallback>
+        </mc:AlternateContent>
+        <mc:AlternateContent xmlns:mc="http://schemas.openxmlformats.org/markup-compatibility/2006" xmlns:p14="http://schemas.microsoft.com/office/powerpoint/2010/main">
+          <mc:Choice Requires="p14">
+            <p:contentPart p14:bwMode="auto" r:id="rId91">
+              <p14:nvContentPartPr>
+                <p14:cNvPr id="77" name="Encre 76">
+                  <a:extLst>
+                    <a:ext uri="{FF2B5EF4-FFF2-40B4-BE49-F238E27FC236}">
+                      <a16:creationId xmlns:a16="http://schemas.microsoft.com/office/drawing/2014/main" id="{96F6531D-C2AF-C3EC-ACC0-F3A1DE267A1D}"/>
+                    </a:ext>
+                  </a:extLst>
+                </p14:cNvPr>
+                <p14:cNvContentPartPr/>
+                <p14:nvPr/>
+              </p14:nvContentPartPr>
+              <p14:xfrm>
+                <a:off x="7918658" y="5418393"/>
+                <a:ext cx="141840" cy="52920"/>
+              </p14:xfrm>
+            </p:contentPart>
+          </mc:Choice>
+          <mc:Fallback xmlns="">
+            <p:pic>
+              <p:nvPicPr>
+                <p:cNvPr id="77" name="Encre 76">
+                  <a:extLst>
+                    <a:ext uri="{FF2B5EF4-FFF2-40B4-BE49-F238E27FC236}">
+                      <a16:creationId xmlns:a16="http://schemas.microsoft.com/office/drawing/2014/main" id="{96F6531D-C2AF-C3EC-ACC0-F3A1DE267A1D}"/>
+                    </a:ext>
+                  </a:extLst>
+                </p:cNvPr>
+                <p:cNvPicPr/>
+                <p:nvPr/>
+              </p:nvPicPr>
+              <p:blipFill>
+                <a:blip r:embed="rId92"/>
+                <a:stretch>
+                  <a:fillRect/>
+                </a:stretch>
+              </p:blipFill>
+              <p:spPr>
+                <a:xfrm>
+                  <a:off x="7909658" y="5409393"/>
+                  <a:ext cx="159480" cy="70560"/>
+                </a:xfrm>
+                <a:prstGeom prst="rect">
+                  <a:avLst/>
+                </a:prstGeom>
+              </p:spPr>
+            </p:pic>
+          </mc:Fallback>
+        </mc:AlternateContent>
+        <mc:AlternateContent xmlns:mc="http://schemas.openxmlformats.org/markup-compatibility/2006" xmlns:p14="http://schemas.microsoft.com/office/powerpoint/2010/main">
+          <mc:Choice Requires="p14">
+            <p:contentPart p14:bwMode="auto" r:id="rId93">
+              <p14:nvContentPartPr>
+                <p14:cNvPr id="78" name="Encre 77">
+                  <a:extLst>
+                    <a:ext uri="{FF2B5EF4-FFF2-40B4-BE49-F238E27FC236}">
+                      <a16:creationId xmlns:a16="http://schemas.microsoft.com/office/drawing/2014/main" id="{341D6641-5E58-2BCE-F896-FE9A0A6CE83C}"/>
+                    </a:ext>
+                  </a:extLst>
+                </p14:cNvPr>
+                <p14:cNvContentPartPr/>
+                <p14:nvPr/>
+              </p14:nvContentPartPr>
+              <p14:xfrm>
+                <a:off x="7926938" y="5499753"/>
+                <a:ext cx="147960" cy="281520"/>
+              </p14:xfrm>
+            </p:contentPart>
+          </mc:Choice>
+          <mc:Fallback xmlns="">
+            <p:pic>
+              <p:nvPicPr>
+                <p:cNvPr id="78" name="Encre 77">
+                  <a:extLst>
+                    <a:ext uri="{FF2B5EF4-FFF2-40B4-BE49-F238E27FC236}">
+                      <a16:creationId xmlns:a16="http://schemas.microsoft.com/office/drawing/2014/main" id="{341D6641-5E58-2BCE-F896-FE9A0A6CE83C}"/>
+                    </a:ext>
+                  </a:extLst>
+                </p:cNvPr>
+                <p:cNvPicPr/>
+                <p:nvPr/>
+              </p:nvPicPr>
+              <p:blipFill>
+                <a:blip r:embed="rId94"/>
+                <a:stretch>
+                  <a:fillRect/>
+                </a:stretch>
+              </p:blipFill>
+              <p:spPr>
+                <a:xfrm>
+                  <a:off x="7917938" y="5490753"/>
+                  <a:ext cx="165600" cy="299160"/>
+                </a:xfrm>
+                <a:prstGeom prst="rect">
+                  <a:avLst/>
+                </a:prstGeom>
+              </p:spPr>
+            </p:pic>
+          </mc:Fallback>
+        </mc:AlternateContent>
+        <mc:AlternateContent xmlns:mc="http://schemas.openxmlformats.org/markup-compatibility/2006" xmlns:p14="http://schemas.microsoft.com/office/powerpoint/2010/main">
+          <mc:Choice Requires="p14">
+            <p:contentPart p14:bwMode="auto" r:id="rId95">
+              <p14:nvContentPartPr>
+                <p14:cNvPr id="80" name="Encre 79">
+                  <a:extLst>
+                    <a:ext uri="{FF2B5EF4-FFF2-40B4-BE49-F238E27FC236}">
+                      <a16:creationId xmlns:a16="http://schemas.microsoft.com/office/drawing/2014/main" id="{8D2F80B1-FD6C-C2F0-B30D-EE546BBF2F9B}"/>
+                    </a:ext>
+                  </a:extLst>
+                </p14:cNvPr>
+                <p14:cNvContentPartPr/>
+                <p14:nvPr/>
+              </p14:nvContentPartPr>
+              <p14:xfrm>
+                <a:off x="7616258" y="5830953"/>
+                <a:ext cx="196200" cy="899280"/>
+              </p14:xfrm>
+            </p:contentPart>
+          </mc:Choice>
+          <mc:Fallback xmlns="">
+            <p:pic>
+              <p:nvPicPr>
+                <p:cNvPr id="80" name="Encre 79">
+                  <a:extLst>
+                    <a:ext uri="{FF2B5EF4-FFF2-40B4-BE49-F238E27FC236}">
+                      <a16:creationId xmlns:a16="http://schemas.microsoft.com/office/drawing/2014/main" id="{8D2F80B1-FD6C-C2F0-B30D-EE546BBF2F9B}"/>
+                    </a:ext>
+                  </a:extLst>
+                </p:cNvPr>
+                <p:cNvPicPr/>
+                <p:nvPr/>
+              </p:nvPicPr>
+              <p:blipFill>
+                <a:blip r:embed="rId96"/>
+                <a:stretch>
+                  <a:fillRect/>
+                </a:stretch>
+              </p:blipFill>
+              <p:spPr>
+                <a:xfrm>
+                  <a:off x="7607258" y="5822313"/>
+                  <a:ext cx="213840" cy="916920"/>
+                </a:xfrm>
+                <a:prstGeom prst="rect">
+                  <a:avLst/>
+                </a:prstGeom>
+              </p:spPr>
+            </p:pic>
+          </mc:Fallback>
+        </mc:AlternateContent>
+        <mc:AlternateContent xmlns:mc="http://schemas.openxmlformats.org/markup-compatibility/2006" xmlns:p14="http://schemas.microsoft.com/office/powerpoint/2010/main">
+          <mc:Choice Requires="p14">
+            <p:contentPart p14:bwMode="auto" r:id="rId97">
+              <p14:nvContentPartPr>
+                <p14:cNvPr id="47" name="Encre 46">
+                  <a:extLst>
+                    <a:ext uri="{FF2B5EF4-FFF2-40B4-BE49-F238E27FC236}">
+                      <a16:creationId xmlns:a16="http://schemas.microsoft.com/office/drawing/2014/main" id="{973C6003-8150-4D7E-D67D-50EE1B791B74}"/>
+                    </a:ext>
+                  </a:extLst>
+                </p14:cNvPr>
+                <p14:cNvContentPartPr/>
+                <p14:nvPr/>
+              </p14:nvContentPartPr>
+              <p14:xfrm>
+                <a:off x="5324138" y="6199593"/>
+                <a:ext cx="142200" cy="484200"/>
+              </p14:xfrm>
+            </p:contentPart>
+          </mc:Choice>
+          <mc:Fallback xmlns="">
+            <p:pic>
+              <p:nvPicPr>
+                <p:cNvPr id="47" name="Encre 46">
+                  <a:extLst>
+                    <a:ext uri="{FF2B5EF4-FFF2-40B4-BE49-F238E27FC236}">
+                      <a16:creationId xmlns:a16="http://schemas.microsoft.com/office/drawing/2014/main" id="{973C6003-8150-4D7E-D67D-50EE1B791B74}"/>
+                    </a:ext>
+                  </a:extLst>
+                </p:cNvPr>
+                <p:cNvPicPr/>
+                <p:nvPr/>
+              </p:nvPicPr>
+              <p:blipFill>
+                <a:blip r:embed="rId98"/>
+                <a:stretch>
+                  <a:fillRect/>
+                </a:stretch>
+              </p:blipFill>
+              <p:spPr>
+                <a:xfrm>
+                  <a:off x="5315498" y="6190593"/>
+                  <a:ext cx="159840" cy="501840"/>
+                </a:xfrm>
+                <a:prstGeom prst="rect">
+                  <a:avLst/>
+                </a:prstGeom>
+              </p:spPr>
+            </p:pic>
+          </mc:Fallback>
+        </mc:AlternateContent>
+        <mc:AlternateContent xmlns:mc="http://schemas.openxmlformats.org/markup-compatibility/2006" xmlns:p14="http://schemas.microsoft.com/office/powerpoint/2010/main">
+          <mc:Choice Requires="p14">
+            <p:contentPart p14:bwMode="auto" r:id="rId99">
+              <p14:nvContentPartPr>
+                <p14:cNvPr id="50" name="Encre 49">
+                  <a:extLst>
+                    <a:ext uri="{FF2B5EF4-FFF2-40B4-BE49-F238E27FC236}">
+                      <a16:creationId xmlns:a16="http://schemas.microsoft.com/office/drawing/2014/main" id="{302CD178-7B1D-4F03-7838-8C030A7E6BF1}"/>
+                    </a:ext>
+                  </a:extLst>
+                </p14:cNvPr>
+                <p14:cNvContentPartPr/>
+                <p14:nvPr/>
+              </p14:nvContentPartPr>
+              <p14:xfrm>
+                <a:off x="5127938" y="5845713"/>
+                <a:ext cx="447840" cy="770760"/>
+              </p14:xfrm>
+            </p:contentPart>
+          </mc:Choice>
+          <mc:Fallback xmlns="">
+            <p:pic>
+              <p:nvPicPr>
+                <p:cNvPr id="50" name="Encre 49">
+                  <a:extLst>
+                    <a:ext uri="{FF2B5EF4-FFF2-40B4-BE49-F238E27FC236}">
+                      <a16:creationId xmlns:a16="http://schemas.microsoft.com/office/drawing/2014/main" id="{302CD178-7B1D-4F03-7838-8C030A7E6BF1}"/>
+                    </a:ext>
+                  </a:extLst>
+                </p:cNvPr>
+                <p:cNvPicPr/>
+                <p:nvPr/>
+              </p:nvPicPr>
+              <p:blipFill>
+                <a:blip r:embed="rId100"/>
+                <a:stretch>
+                  <a:fillRect/>
+                </a:stretch>
+              </p:blipFill>
+              <p:spPr>
+                <a:xfrm>
+                  <a:off x="5119298" y="5837073"/>
+                  <a:ext cx="465480" cy="788400"/>
+                </a:xfrm>
+                <a:prstGeom prst="rect">
+                  <a:avLst/>
+                </a:prstGeom>
+              </p:spPr>
+            </p:pic>
+          </mc:Fallback>
+        </mc:AlternateContent>
+        <mc:AlternateContent xmlns:mc="http://schemas.openxmlformats.org/markup-compatibility/2006" xmlns:p14="http://schemas.microsoft.com/office/powerpoint/2010/main">
+          <mc:Choice Requires="p14">
+            <p:contentPart p14:bwMode="auto" r:id="rId101">
+              <p14:nvContentPartPr>
+                <p14:cNvPr id="51" name="Encre 50">
+                  <a:extLst>
+                    <a:ext uri="{FF2B5EF4-FFF2-40B4-BE49-F238E27FC236}">
+                      <a16:creationId xmlns:a16="http://schemas.microsoft.com/office/drawing/2014/main" id="{90D86228-95C7-3D23-BE8B-37D022D7B63A}"/>
+                    </a:ext>
+                  </a:extLst>
+                </p14:cNvPr>
+                <p14:cNvContentPartPr/>
+                <p14:nvPr/>
+              </p14:nvContentPartPr>
+              <p14:xfrm>
+                <a:off x="5528258" y="6180873"/>
+                <a:ext cx="266400" cy="292680"/>
+              </p14:xfrm>
+            </p:contentPart>
+          </mc:Choice>
+          <mc:Fallback xmlns="">
+            <p:pic>
+              <p:nvPicPr>
+                <p:cNvPr id="51" name="Encre 50">
+                  <a:extLst>
+                    <a:ext uri="{FF2B5EF4-FFF2-40B4-BE49-F238E27FC236}">
+                      <a16:creationId xmlns:a16="http://schemas.microsoft.com/office/drawing/2014/main" id="{90D86228-95C7-3D23-BE8B-37D022D7B63A}"/>
+                    </a:ext>
+                  </a:extLst>
+                </p:cNvPr>
+                <p:cNvPicPr/>
+                <p:nvPr/>
+              </p:nvPicPr>
+              <p:blipFill>
+                <a:blip r:embed="rId102"/>
+                <a:stretch>
+                  <a:fillRect/>
+                </a:stretch>
+              </p:blipFill>
+              <p:spPr>
+                <a:xfrm>
+                  <a:off x="5519258" y="6171873"/>
+                  <a:ext cx="284040" cy="310320"/>
+                </a:xfrm>
+                <a:prstGeom prst="rect">
+                  <a:avLst/>
+                </a:prstGeom>
+              </p:spPr>
+            </p:pic>
+          </mc:Fallback>
+        </mc:AlternateContent>
+        <mc:AlternateContent xmlns:mc="http://schemas.openxmlformats.org/markup-compatibility/2006" xmlns:p14="http://schemas.microsoft.com/office/powerpoint/2010/main">
+          <mc:Choice Requires="p14">
+            <p:contentPart p14:bwMode="auto" r:id="rId103">
+              <p14:nvContentPartPr>
+                <p14:cNvPr id="52" name="Encre 51">
+                  <a:extLst>
+                    <a:ext uri="{FF2B5EF4-FFF2-40B4-BE49-F238E27FC236}">
+                      <a16:creationId xmlns:a16="http://schemas.microsoft.com/office/drawing/2014/main" id="{99321AED-81F9-AAF0-1623-C1EE5BD63169}"/>
+                    </a:ext>
+                  </a:extLst>
+                </p14:cNvPr>
+                <p14:cNvContentPartPr/>
+                <p14:nvPr/>
+              </p14:nvContentPartPr>
+              <p14:xfrm>
+                <a:off x="5813378" y="6048393"/>
+                <a:ext cx="287640" cy="118080"/>
+              </p14:xfrm>
+            </p:contentPart>
+          </mc:Choice>
+          <mc:Fallback xmlns="">
+            <p:pic>
+              <p:nvPicPr>
+                <p:cNvPr id="52" name="Encre 51">
+                  <a:extLst>
+                    <a:ext uri="{FF2B5EF4-FFF2-40B4-BE49-F238E27FC236}">
+                      <a16:creationId xmlns:a16="http://schemas.microsoft.com/office/drawing/2014/main" id="{99321AED-81F9-AAF0-1623-C1EE5BD63169}"/>
+                    </a:ext>
+                  </a:extLst>
+                </p:cNvPr>
+                <p:cNvPicPr/>
+                <p:nvPr/>
+              </p:nvPicPr>
+              <p:blipFill>
+                <a:blip r:embed="rId104"/>
+                <a:stretch>
+                  <a:fillRect/>
+                </a:stretch>
+              </p:blipFill>
+              <p:spPr>
+                <a:xfrm>
+                  <a:off x="5804738" y="6039393"/>
+                  <a:ext cx="305280" cy="135720"/>
+                </a:xfrm>
+                <a:prstGeom prst="rect">
+                  <a:avLst/>
+                </a:prstGeom>
+              </p:spPr>
+            </p:pic>
+          </mc:Fallback>
+        </mc:AlternateContent>
+        <mc:AlternateContent xmlns:mc="http://schemas.openxmlformats.org/markup-compatibility/2006" xmlns:p14="http://schemas.microsoft.com/office/powerpoint/2010/main">
+          <mc:Choice Requires="p14">
+            <p:contentPart p14:bwMode="auto" r:id="rId105">
+              <p14:nvContentPartPr>
+                <p14:cNvPr id="53" name="Encre 52">
+                  <a:extLst>
+                    <a:ext uri="{FF2B5EF4-FFF2-40B4-BE49-F238E27FC236}">
+                      <a16:creationId xmlns:a16="http://schemas.microsoft.com/office/drawing/2014/main" id="{17CD1AB7-4F14-0241-D1CA-D28CC7ED2609}"/>
+                    </a:ext>
+                  </a:extLst>
+                </p14:cNvPr>
+                <p14:cNvContentPartPr/>
+                <p14:nvPr/>
+              </p14:nvContentPartPr>
+              <p14:xfrm>
+                <a:off x="5827418" y="6176553"/>
+                <a:ext cx="132120" cy="271080"/>
+              </p14:xfrm>
+            </p:contentPart>
+          </mc:Choice>
+          <mc:Fallback xmlns="">
+            <p:pic>
+              <p:nvPicPr>
+                <p:cNvPr id="53" name="Encre 52">
+                  <a:extLst>
+                    <a:ext uri="{FF2B5EF4-FFF2-40B4-BE49-F238E27FC236}">
+                      <a16:creationId xmlns:a16="http://schemas.microsoft.com/office/drawing/2014/main" id="{17CD1AB7-4F14-0241-D1CA-D28CC7ED2609}"/>
+                    </a:ext>
+                  </a:extLst>
+                </p:cNvPr>
+                <p:cNvPicPr/>
+                <p:nvPr/>
+              </p:nvPicPr>
+              <p:blipFill>
+                <a:blip r:embed="rId106"/>
+                <a:stretch>
+                  <a:fillRect/>
+                </a:stretch>
+              </p:blipFill>
+              <p:spPr>
+                <a:xfrm>
+                  <a:off x="5818778" y="6167553"/>
+                  <a:ext cx="149760" cy="288720"/>
+                </a:xfrm>
+                <a:prstGeom prst="rect">
+                  <a:avLst/>
+                </a:prstGeom>
+              </p:spPr>
+            </p:pic>
+          </mc:Fallback>
+        </mc:AlternateContent>
+        <mc:AlternateContent xmlns:mc="http://schemas.openxmlformats.org/markup-compatibility/2006" xmlns:p14="http://schemas.microsoft.com/office/powerpoint/2010/main">
+          <mc:Choice Requires="p14">
+            <p:contentPart p14:bwMode="auto" r:id="rId107">
+              <p14:nvContentPartPr>
+                <p14:cNvPr id="54" name="Encre 53">
+                  <a:extLst>
+                    <a:ext uri="{FF2B5EF4-FFF2-40B4-BE49-F238E27FC236}">
+                      <a16:creationId xmlns:a16="http://schemas.microsoft.com/office/drawing/2014/main" id="{2F318D9F-A816-36D9-9491-C3C3B1413D8F}"/>
+                    </a:ext>
+                  </a:extLst>
+                </p14:cNvPr>
+                <p14:cNvContentPartPr/>
+                <p14:nvPr/>
+              </p14:nvContentPartPr>
+              <p14:xfrm>
+                <a:off x="6224858" y="6050553"/>
+                <a:ext cx="180000" cy="33840"/>
+              </p14:xfrm>
+            </p:contentPart>
+          </mc:Choice>
+          <mc:Fallback xmlns="">
+            <p:pic>
+              <p:nvPicPr>
+                <p:cNvPr id="54" name="Encre 53">
+                  <a:extLst>
+                    <a:ext uri="{FF2B5EF4-FFF2-40B4-BE49-F238E27FC236}">
+                      <a16:creationId xmlns:a16="http://schemas.microsoft.com/office/drawing/2014/main" id="{2F318D9F-A816-36D9-9491-C3C3B1413D8F}"/>
+                    </a:ext>
+                  </a:extLst>
+                </p:cNvPr>
+                <p:cNvPicPr/>
+                <p:nvPr/>
+              </p:nvPicPr>
+              <p:blipFill>
+                <a:blip r:embed="rId108"/>
+                <a:stretch>
+                  <a:fillRect/>
+                </a:stretch>
+              </p:blipFill>
+              <p:spPr>
+                <a:xfrm>
+                  <a:off x="6216218" y="6041553"/>
+                  <a:ext cx="197640" cy="51480"/>
+                </a:xfrm>
+                <a:prstGeom prst="rect">
+                  <a:avLst/>
+                </a:prstGeom>
+              </p:spPr>
+            </p:pic>
+          </mc:Fallback>
+        </mc:AlternateContent>
+        <mc:AlternateContent xmlns:mc="http://schemas.openxmlformats.org/markup-compatibility/2006" xmlns:p14="http://schemas.microsoft.com/office/powerpoint/2010/main">
+          <mc:Choice Requires="p14">
+            <p:contentPart p14:bwMode="auto" r:id="rId109">
+              <p14:nvContentPartPr>
+                <p14:cNvPr id="55" name="Encre 54">
+                  <a:extLst>
+                    <a:ext uri="{FF2B5EF4-FFF2-40B4-BE49-F238E27FC236}">
+                      <a16:creationId xmlns:a16="http://schemas.microsoft.com/office/drawing/2014/main" id="{502C0AC5-B0B7-D3E7-6BA5-C2DCD461E42B}"/>
+                    </a:ext>
+                  </a:extLst>
+                </p14:cNvPr>
+                <p14:cNvContentPartPr/>
+                <p14:nvPr/>
+              </p14:nvContentPartPr>
+              <p14:xfrm>
+                <a:off x="6201098" y="6070713"/>
+                <a:ext cx="175680" cy="366480"/>
+              </p14:xfrm>
+            </p:contentPart>
+          </mc:Choice>
+          <mc:Fallback xmlns="">
+            <p:pic>
+              <p:nvPicPr>
+                <p:cNvPr id="55" name="Encre 54">
+                  <a:extLst>
+                    <a:ext uri="{FF2B5EF4-FFF2-40B4-BE49-F238E27FC236}">
+                      <a16:creationId xmlns:a16="http://schemas.microsoft.com/office/drawing/2014/main" id="{502C0AC5-B0B7-D3E7-6BA5-C2DCD461E42B}"/>
+                    </a:ext>
+                  </a:extLst>
+                </p:cNvPr>
+                <p:cNvPicPr/>
+                <p:nvPr/>
+              </p:nvPicPr>
+              <p:blipFill>
+                <a:blip r:embed="rId110"/>
+                <a:stretch>
+                  <a:fillRect/>
+                </a:stretch>
+              </p:blipFill>
+              <p:spPr>
+                <a:xfrm>
+                  <a:off x="6192098" y="6062073"/>
+                  <a:ext cx="193320" cy="384120"/>
+                </a:xfrm>
+                <a:prstGeom prst="rect">
+                  <a:avLst/>
+                </a:prstGeom>
+              </p:spPr>
+            </p:pic>
+          </mc:Fallback>
+        </mc:AlternateContent>
+        <mc:AlternateContent xmlns:mc="http://schemas.openxmlformats.org/markup-compatibility/2006" xmlns:p14="http://schemas.microsoft.com/office/powerpoint/2010/main">
+          <mc:Choice Requires="p14">
+            <p:contentPart p14:bwMode="auto" r:id="rId111">
+              <p14:nvContentPartPr>
+                <p14:cNvPr id="56" name="Encre 55">
+                  <a:extLst>
+                    <a:ext uri="{FF2B5EF4-FFF2-40B4-BE49-F238E27FC236}">
+                      <a16:creationId xmlns:a16="http://schemas.microsoft.com/office/drawing/2014/main" id="{52553307-3766-5B78-E265-D1BCAF53DD0E}"/>
+                    </a:ext>
+                  </a:extLst>
+                </p14:cNvPr>
+                <p14:cNvContentPartPr/>
+                <p14:nvPr/>
+              </p14:nvContentPartPr>
+              <p14:xfrm>
+                <a:off x="5487218" y="6144873"/>
+                <a:ext cx="90360" cy="76680"/>
+              </p14:xfrm>
+            </p:contentPart>
+          </mc:Choice>
+          <mc:Fallback xmlns="">
+            <p:pic>
+              <p:nvPicPr>
+                <p:cNvPr id="56" name="Encre 55">
+                  <a:extLst>
+                    <a:ext uri="{FF2B5EF4-FFF2-40B4-BE49-F238E27FC236}">
+                      <a16:creationId xmlns:a16="http://schemas.microsoft.com/office/drawing/2014/main" id="{52553307-3766-5B78-E265-D1BCAF53DD0E}"/>
+                    </a:ext>
+                  </a:extLst>
+                </p:cNvPr>
+                <p:cNvPicPr/>
+                <p:nvPr/>
+              </p:nvPicPr>
+              <p:blipFill>
+                <a:blip r:embed="rId112"/>
+                <a:stretch>
+                  <a:fillRect/>
+                </a:stretch>
+              </p:blipFill>
+              <p:spPr>
+                <a:xfrm>
+                  <a:off x="5478218" y="6136233"/>
+                  <a:ext cx="108000" cy="94320"/>
+                </a:xfrm>
+                <a:prstGeom prst="rect">
+                  <a:avLst/>
+                </a:prstGeom>
+              </p:spPr>
+            </p:pic>
+          </mc:Fallback>
+        </mc:AlternateContent>
+        <mc:AlternateContent xmlns:mc="http://schemas.openxmlformats.org/markup-compatibility/2006" xmlns:p14="http://schemas.microsoft.com/office/powerpoint/2010/main">
+          <mc:Choice Requires="p14">
+            <p:contentPart p14:bwMode="auto" r:id="rId113">
+              <p14:nvContentPartPr>
+                <p14:cNvPr id="43" name="Encre 42">
+                  <a:extLst>
+                    <a:ext uri="{FF2B5EF4-FFF2-40B4-BE49-F238E27FC236}">
+                      <a16:creationId xmlns:a16="http://schemas.microsoft.com/office/drawing/2014/main" id="{28092666-1345-3FF6-5047-B9A00877AC7F}"/>
+                    </a:ext>
+                  </a:extLst>
+                </p14:cNvPr>
+                <p14:cNvContentPartPr/>
+                <p14:nvPr/>
+              </p14:nvContentPartPr>
+              <p14:xfrm>
+                <a:off x="3871898" y="5951193"/>
+                <a:ext cx="287280" cy="462960"/>
+              </p14:xfrm>
+            </p:contentPart>
+          </mc:Choice>
+          <mc:Fallback xmlns="">
+            <p:pic>
+              <p:nvPicPr>
+                <p:cNvPr id="43" name="Encre 42">
+                  <a:extLst>
+                    <a:ext uri="{FF2B5EF4-FFF2-40B4-BE49-F238E27FC236}">
+                      <a16:creationId xmlns:a16="http://schemas.microsoft.com/office/drawing/2014/main" id="{28092666-1345-3FF6-5047-B9A00877AC7F}"/>
+                    </a:ext>
+                  </a:extLst>
+                </p:cNvPr>
+                <p:cNvPicPr/>
+                <p:nvPr/>
+              </p:nvPicPr>
+              <p:blipFill>
+                <a:blip r:embed="rId114"/>
+                <a:stretch>
+                  <a:fillRect/>
+                </a:stretch>
+              </p:blipFill>
+              <p:spPr>
+                <a:xfrm>
+                  <a:off x="3862898" y="5942553"/>
+                  <a:ext cx="304920" cy="480600"/>
+                </a:xfrm>
+                <a:prstGeom prst="rect">
+                  <a:avLst/>
+                </a:prstGeom>
+              </p:spPr>
+            </p:pic>
+          </mc:Fallback>
+        </mc:AlternateContent>
+        <mc:AlternateContent xmlns:mc="http://schemas.openxmlformats.org/markup-compatibility/2006" xmlns:p14="http://schemas.microsoft.com/office/powerpoint/2010/main">
+          <mc:Choice Requires="p14">
+            <p:contentPart p14:bwMode="auto" r:id="rId115">
+              <p14:nvContentPartPr>
+                <p14:cNvPr id="44" name="Encre 43">
+                  <a:extLst>
+                    <a:ext uri="{FF2B5EF4-FFF2-40B4-BE49-F238E27FC236}">
+                      <a16:creationId xmlns:a16="http://schemas.microsoft.com/office/drawing/2014/main" id="{DC35BE52-4A64-211A-465B-2A0C03E5E06F}"/>
+                    </a:ext>
+                  </a:extLst>
+                </p14:cNvPr>
+                <p14:cNvContentPartPr/>
+                <p14:nvPr/>
+              </p14:nvContentPartPr>
+              <p14:xfrm>
+                <a:off x="4250618" y="6233793"/>
+                <a:ext cx="137160" cy="25200"/>
+              </p14:xfrm>
+            </p:contentPart>
+          </mc:Choice>
+          <mc:Fallback xmlns="">
+            <p:pic>
+              <p:nvPicPr>
+                <p:cNvPr id="44" name="Encre 43">
+                  <a:extLst>
+                    <a:ext uri="{FF2B5EF4-FFF2-40B4-BE49-F238E27FC236}">
+                      <a16:creationId xmlns:a16="http://schemas.microsoft.com/office/drawing/2014/main" id="{DC35BE52-4A64-211A-465B-2A0C03E5E06F}"/>
+                    </a:ext>
+                  </a:extLst>
+                </p:cNvPr>
+                <p:cNvPicPr/>
+                <p:nvPr/>
+              </p:nvPicPr>
+              <p:blipFill>
+                <a:blip r:embed="rId116"/>
+                <a:stretch>
+                  <a:fillRect/>
+                </a:stretch>
+              </p:blipFill>
+              <p:spPr>
+                <a:xfrm>
+                  <a:off x="4241978" y="6224793"/>
+                  <a:ext cx="154800" cy="42840"/>
+                </a:xfrm>
+                <a:prstGeom prst="rect">
+                  <a:avLst/>
+                </a:prstGeom>
+              </p:spPr>
+            </p:pic>
+          </mc:Fallback>
+        </mc:AlternateContent>
+        <mc:AlternateContent xmlns:mc="http://schemas.openxmlformats.org/markup-compatibility/2006" xmlns:p14="http://schemas.microsoft.com/office/powerpoint/2010/main">
+          <mc:Choice Requires="p14">
+            <p:contentPart p14:bwMode="auto" r:id="rId117">
+              <p14:nvContentPartPr>
+                <p14:cNvPr id="45" name="Encre 44">
+                  <a:extLst>
+                    <a:ext uri="{FF2B5EF4-FFF2-40B4-BE49-F238E27FC236}">
+                      <a16:creationId xmlns:a16="http://schemas.microsoft.com/office/drawing/2014/main" id="{7B100D24-00A2-C184-5172-3FD462B104B7}"/>
+                    </a:ext>
+                  </a:extLst>
+                </p14:cNvPr>
+                <p14:cNvContentPartPr/>
+                <p14:nvPr/>
+              </p14:nvContentPartPr>
+              <p14:xfrm>
+                <a:off x="4211738" y="6375273"/>
+                <a:ext cx="263160" cy="32400"/>
+              </p14:xfrm>
+            </p:contentPart>
+          </mc:Choice>
+          <mc:Fallback xmlns="">
+            <p:pic>
+              <p:nvPicPr>
+                <p:cNvPr id="45" name="Encre 44">
+                  <a:extLst>
+                    <a:ext uri="{FF2B5EF4-FFF2-40B4-BE49-F238E27FC236}">
+                      <a16:creationId xmlns:a16="http://schemas.microsoft.com/office/drawing/2014/main" id="{7B100D24-00A2-C184-5172-3FD462B104B7}"/>
+                    </a:ext>
+                  </a:extLst>
+                </p:cNvPr>
+                <p:cNvPicPr/>
+                <p:nvPr/>
+              </p:nvPicPr>
+              <p:blipFill>
+                <a:blip r:embed="rId118"/>
+                <a:stretch>
+                  <a:fillRect/>
+                </a:stretch>
+              </p:blipFill>
+              <p:spPr>
+                <a:xfrm>
+                  <a:off x="4203098" y="6366273"/>
+                  <a:ext cx="280800" cy="50040"/>
+                </a:xfrm>
+                <a:prstGeom prst="rect">
+                  <a:avLst/>
+                </a:prstGeom>
+              </p:spPr>
+            </p:pic>
+          </mc:Fallback>
+        </mc:AlternateContent>
+        <mc:AlternateContent xmlns:mc="http://schemas.openxmlformats.org/markup-compatibility/2006" xmlns:p14="http://schemas.microsoft.com/office/powerpoint/2010/main">
+          <mc:Choice Requires="p14">
+            <p:contentPart p14:bwMode="auto" r:id="rId119">
+              <p14:nvContentPartPr>
+                <p14:cNvPr id="46" name="Encre 45">
+                  <a:extLst>
+                    <a:ext uri="{FF2B5EF4-FFF2-40B4-BE49-F238E27FC236}">
+                      <a16:creationId xmlns:a16="http://schemas.microsoft.com/office/drawing/2014/main" id="{D8DB129B-F605-CF8A-209C-DDE8409FB36C}"/>
+                    </a:ext>
+                  </a:extLst>
+                </p14:cNvPr>
+                <p14:cNvContentPartPr/>
+                <p14:nvPr/>
+              </p14:nvContentPartPr>
+              <p14:xfrm>
+                <a:off x="4714658" y="5918433"/>
+                <a:ext cx="270360" cy="456120"/>
+              </p14:xfrm>
+            </p:contentPart>
+          </mc:Choice>
+          <mc:Fallback xmlns="">
+            <p:pic>
+              <p:nvPicPr>
+                <p:cNvPr id="46" name="Encre 45">
+                  <a:extLst>
+                    <a:ext uri="{FF2B5EF4-FFF2-40B4-BE49-F238E27FC236}">
+                      <a16:creationId xmlns:a16="http://schemas.microsoft.com/office/drawing/2014/main" id="{D8DB129B-F605-CF8A-209C-DDE8409FB36C}"/>
+                    </a:ext>
+                  </a:extLst>
+                </p:cNvPr>
+                <p:cNvPicPr/>
+                <p:nvPr/>
+              </p:nvPicPr>
+              <p:blipFill>
+                <a:blip r:embed="rId120"/>
+                <a:stretch>
+                  <a:fillRect/>
+                </a:stretch>
+              </p:blipFill>
+              <p:spPr>
+                <a:xfrm>
+                  <a:off x="4706018" y="5909793"/>
+                  <a:ext cx="288000" cy="473760"/>
+                </a:xfrm>
+                <a:prstGeom prst="rect">
+                  <a:avLst/>
+                </a:prstGeom>
+              </p:spPr>
+            </p:pic>
+          </mc:Fallback>
+        </mc:AlternateContent>
+        <mc:AlternateContent xmlns:mc="http://schemas.openxmlformats.org/markup-compatibility/2006" xmlns:p14="http://schemas.microsoft.com/office/powerpoint/2010/main">
+          <mc:Choice Requires="p14">
+            <p:contentPart p14:bwMode="auto" r:id="rId121">
+              <p14:nvContentPartPr>
+                <p14:cNvPr id="63" name="Encre 62">
+                  <a:extLst>
+                    <a:ext uri="{FF2B5EF4-FFF2-40B4-BE49-F238E27FC236}">
+                      <a16:creationId xmlns:a16="http://schemas.microsoft.com/office/drawing/2014/main" id="{7B7EC8A4-2387-9748-876F-863BA55C0A0E}"/>
+                    </a:ext>
+                  </a:extLst>
+                </p14:cNvPr>
+                <p14:cNvContentPartPr/>
+                <p14:nvPr/>
+              </p14:nvContentPartPr>
+              <p14:xfrm>
+                <a:off x="4689818" y="5704233"/>
+                <a:ext cx="271800" cy="58320"/>
+              </p14:xfrm>
+            </p:contentPart>
+          </mc:Choice>
+          <mc:Fallback xmlns="">
+            <p:pic>
+              <p:nvPicPr>
+                <p:cNvPr id="63" name="Encre 62">
+                  <a:extLst>
+                    <a:ext uri="{FF2B5EF4-FFF2-40B4-BE49-F238E27FC236}">
+                      <a16:creationId xmlns:a16="http://schemas.microsoft.com/office/drawing/2014/main" id="{7B7EC8A4-2387-9748-876F-863BA55C0A0E}"/>
+                    </a:ext>
+                  </a:extLst>
+                </p:cNvPr>
+                <p:cNvPicPr/>
+                <p:nvPr/>
+              </p:nvPicPr>
+              <p:blipFill>
+                <a:blip r:embed="rId122"/>
+                <a:stretch>
+                  <a:fillRect/>
+                </a:stretch>
+              </p:blipFill>
+              <p:spPr>
+                <a:xfrm>
+                  <a:off x="4681178" y="5695233"/>
+                  <a:ext cx="289440" cy="75960"/>
+                </a:xfrm>
+                <a:prstGeom prst="rect">
+                  <a:avLst/>
+                </a:prstGeom>
+              </p:spPr>
+            </p:pic>
+          </mc:Fallback>
+        </mc:AlternateContent>
+        <mc:AlternateContent xmlns:mc="http://schemas.openxmlformats.org/markup-compatibility/2006" xmlns:p14="http://schemas.microsoft.com/office/powerpoint/2010/main">
+          <mc:Choice Requires="p14">
+            <p:contentPart p14:bwMode="auto" r:id="rId123">
+              <p14:nvContentPartPr>
+                <p14:cNvPr id="64" name="Encre 63">
+                  <a:extLst>
+                    <a:ext uri="{FF2B5EF4-FFF2-40B4-BE49-F238E27FC236}">
+                      <a16:creationId xmlns:a16="http://schemas.microsoft.com/office/drawing/2014/main" id="{B6A2B172-10B7-E740-A381-CA3968CF21E4}"/>
+                    </a:ext>
+                  </a:extLst>
+                </p14:cNvPr>
+                <p14:cNvContentPartPr/>
+                <p14:nvPr/>
+              </p14:nvContentPartPr>
+              <p14:xfrm>
+                <a:off x="4595498" y="5859753"/>
+                <a:ext cx="229320" cy="693000"/>
+              </p14:xfrm>
+            </p:contentPart>
+          </mc:Choice>
+          <mc:Fallback xmlns="">
+            <p:pic>
+              <p:nvPicPr>
+                <p:cNvPr id="64" name="Encre 63">
+                  <a:extLst>
+                    <a:ext uri="{FF2B5EF4-FFF2-40B4-BE49-F238E27FC236}">
+                      <a16:creationId xmlns:a16="http://schemas.microsoft.com/office/drawing/2014/main" id="{B6A2B172-10B7-E740-A381-CA3968CF21E4}"/>
+                    </a:ext>
+                  </a:extLst>
+                </p:cNvPr>
+                <p:cNvPicPr/>
+                <p:nvPr/>
+              </p:nvPicPr>
+              <p:blipFill>
+                <a:blip r:embed="rId124"/>
+                <a:stretch>
+                  <a:fillRect/>
+                </a:stretch>
+              </p:blipFill>
+              <p:spPr>
+                <a:xfrm>
+                  <a:off x="4586858" y="5850753"/>
+                  <a:ext cx="246960" cy="710640"/>
+                </a:xfrm>
+                <a:prstGeom prst="rect">
+                  <a:avLst/>
+                </a:prstGeom>
+              </p:spPr>
+            </p:pic>
+          </mc:Fallback>
+        </mc:AlternateContent>
+        <mc:AlternateContent xmlns:mc="http://schemas.openxmlformats.org/markup-compatibility/2006" xmlns:p14="http://schemas.microsoft.com/office/powerpoint/2010/main">
+          <mc:Choice Requires="p14">
+            <p:contentPart p14:bwMode="auto" r:id="rId125">
+              <p14:nvContentPartPr>
+                <p14:cNvPr id="82" name="Encre 81">
+                  <a:extLst>
+                    <a:ext uri="{FF2B5EF4-FFF2-40B4-BE49-F238E27FC236}">
+                      <a16:creationId xmlns:a16="http://schemas.microsoft.com/office/drawing/2014/main" id="{24383F90-73B0-B0C4-3E03-1B242E70B5F0}"/>
+                    </a:ext>
+                  </a:extLst>
+                </p14:cNvPr>
+                <p14:cNvContentPartPr/>
+                <p14:nvPr/>
+              </p14:nvContentPartPr>
+              <p14:xfrm>
+                <a:off x="6656138" y="5661033"/>
+                <a:ext cx="88560" cy="813240"/>
+              </p14:xfrm>
+            </p:contentPart>
+          </mc:Choice>
+          <mc:Fallback xmlns="">
+            <p:pic>
+              <p:nvPicPr>
+                <p:cNvPr id="82" name="Encre 81">
+                  <a:extLst>
+                    <a:ext uri="{FF2B5EF4-FFF2-40B4-BE49-F238E27FC236}">
+                      <a16:creationId xmlns:a16="http://schemas.microsoft.com/office/drawing/2014/main" id="{24383F90-73B0-B0C4-3E03-1B242E70B5F0}"/>
+                    </a:ext>
+                  </a:extLst>
+                </p:cNvPr>
+                <p:cNvPicPr/>
+                <p:nvPr/>
+              </p:nvPicPr>
+              <p:blipFill>
+                <a:blip r:embed="rId126"/>
+                <a:stretch>
+                  <a:fillRect/>
+                </a:stretch>
+              </p:blipFill>
+              <p:spPr>
+                <a:xfrm>
+                  <a:off x="6647498" y="5652033"/>
+                  <a:ext cx="106200" cy="830880"/>
+                </a:xfrm>
+                <a:prstGeom prst="rect">
+                  <a:avLst/>
+                </a:prstGeom>
+              </p:spPr>
+            </p:pic>
+          </mc:Fallback>
+        </mc:AlternateContent>
+        <mc:AlternateContent xmlns:mc="http://schemas.openxmlformats.org/markup-compatibility/2006" xmlns:p14="http://schemas.microsoft.com/office/powerpoint/2010/main">
+          <mc:Choice Requires="p14">
+            <p:contentPart p14:bwMode="auto" r:id="rId127">
+              <p14:nvContentPartPr>
+                <p14:cNvPr id="84" name="Encre 83">
+                  <a:extLst>
+                    <a:ext uri="{FF2B5EF4-FFF2-40B4-BE49-F238E27FC236}">
+                      <a16:creationId xmlns:a16="http://schemas.microsoft.com/office/drawing/2014/main" id="{CE436D9A-B4D0-05AB-404F-89ED0503C901}"/>
+                    </a:ext>
+                  </a:extLst>
+                </p14:cNvPr>
+                <p14:cNvContentPartPr/>
+                <p14:nvPr/>
+              </p14:nvContentPartPr>
+              <p14:xfrm>
+                <a:off x="592658" y="5962713"/>
+                <a:ext cx="261000" cy="50040"/>
+              </p14:xfrm>
+            </p:contentPart>
+          </mc:Choice>
+          <mc:Fallback xmlns="">
+            <p:pic>
+              <p:nvPicPr>
+                <p:cNvPr id="84" name="Encre 83">
+                  <a:extLst>
+                    <a:ext uri="{FF2B5EF4-FFF2-40B4-BE49-F238E27FC236}">
+                      <a16:creationId xmlns:a16="http://schemas.microsoft.com/office/drawing/2014/main" id="{CE436D9A-B4D0-05AB-404F-89ED0503C901}"/>
+                    </a:ext>
+                  </a:extLst>
+                </p:cNvPr>
+                <p:cNvPicPr/>
+                <p:nvPr/>
+              </p:nvPicPr>
+              <p:blipFill>
+                <a:blip r:embed="rId128"/>
+                <a:stretch>
+                  <a:fillRect/>
+                </a:stretch>
+              </p:blipFill>
+              <p:spPr>
+                <a:xfrm>
+                  <a:off x="584018" y="5953713"/>
+                  <a:ext cx="278640" cy="67680"/>
+                </a:xfrm>
+                <a:prstGeom prst="rect">
+                  <a:avLst/>
+                </a:prstGeom>
+              </p:spPr>
+            </p:pic>
+          </mc:Fallback>
+        </mc:AlternateContent>
+        <mc:AlternateContent xmlns:mc="http://schemas.openxmlformats.org/markup-compatibility/2006" xmlns:p14="http://schemas.microsoft.com/office/powerpoint/2010/main">
+          <mc:Choice Requires="p14">
+            <p:contentPart p14:bwMode="auto" r:id="rId129">
+              <p14:nvContentPartPr>
+                <p14:cNvPr id="85" name="Encre 84">
+                  <a:extLst>
+                    <a:ext uri="{FF2B5EF4-FFF2-40B4-BE49-F238E27FC236}">
+                      <a16:creationId xmlns:a16="http://schemas.microsoft.com/office/drawing/2014/main" id="{DB3C7743-BB53-E2BE-8CFA-83CA7496265E}"/>
+                    </a:ext>
+                  </a:extLst>
+                </p14:cNvPr>
+                <p14:cNvContentPartPr/>
+                <p14:nvPr/>
+              </p14:nvContentPartPr>
+              <p14:xfrm>
+                <a:off x="520298" y="6022113"/>
+                <a:ext cx="219960" cy="374040"/>
+              </p14:xfrm>
+            </p:contentPart>
+          </mc:Choice>
+          <mc:Fallback xmlns="">
+            <p:pic>
+              <p:nvPicPr>
+                <p:cNvPr id="85" name="Encre 84">
+                  <a:extLst>
+                    <a:ext uri="{FF2B5EF4-FFF2-40B4-BE49-F238E27FC236}">
+                      <a16:creationId xmlns:a16="http://schemas.microsoft.com/office/drawing/2014/main" id="{DB3C7743-BB53-E2BE-8CFA-83CA7496265E}"/>
+                    </a:ext>
+                  </a:extLst>
+                </p:cNvPr>
+                <p:cNvPicPr/>
+                <p:nvPr/>
+              </p:nvPicPr>
+              <p:blipFill>
+                <a:blip r:embed="rId130"/>
+                <a:stretch>
+                  <a:fillRect/>
+                </a:stretch>
+              </p:blipFill>
+              <p:spPr>
+                <a:xfrm>
+                  <a:off x="511658" y="6013113"/>
+                  <a:ext cx="237600" cy="391680"/>
+                </a:xfrm>
+                <a:prstGeom prst="rect">
+                  <a:avLst/>
+                </a:prstGeom>
+              </p:spPr>
+            </p:pic>
+          </mc:Fallback>
+        </mc:AlternateContent>
+        <mc:AlternateContent xmlns:mc="http://schemas.openxmlformats.org/markup-compatibility/2006" xmlns:p14="http://schemas.microsoft.com/office/powerpoint/2010/main">
+          <mc:Choice Requires="p14">
+            <p:contentPart p14:bwMode="auto" r:id="rId131">
+              <p14:nvContentPartPr>
+                <p14:cNvPr id="86" name="Encre 85">
+                  <a:extLst>
+                    <a:ext uri="{FF2B5EF4-FFF2-40B4-BE49-F238E27FC236}">
+                      <a16:creationId xmlns:a16="http://schemas.microsoft.com/office/drawing/2014/main" id="{029B78BB-2F76-6BB7-7F70-98641E1EC062}"/>
+                    </a:ext>
+                  </a:extLst>
+                </p14:cNvPr>
+                <p14:cNvContentPartPr/>
+                <p14:nvPr/>
+              </p14:nvContentPartPr>
+              <p14:xfrm>
+                <a:off x="1040858" y="6232713"/>
+                <a:ext cx="687240" cy="27360"/>
+              </p14:xfrm>
+            </p:contentPart>
+          </mc:Choice>
+          <mc:Fallback xmlns="">
+            <p:pic>
+              <p:nvPicPr>
+                <p:cNvPr id="86" name="Encre 85">
+                  <a:extLst>
+                    <a:ext uri="{FF2B5EF4-FFF2-40B4-BE49-F238E27FC236}">
+                      <a16:creationId xmlns:a16="http://schemas.microsoft.com/office/drawing/2014/main" id="{029B78BB-2F76-6BB7-7F70-98641E1EC062}"/>
+                    </a:ext>
+                  </a:extLst>
+                </p:cNvPr>
+                <p:cNvPicPr/>
+                <p:nvPr/>
+              </p:nvPicPr>
+              <p:blipFill>
+                <a:blip r:embed="rId132"/>
+                <a:stretch>
+                  <a:fillRect/>
+                </a:stretch>
+              </p:blipFill>
+              <p:spPr>
+                <a:xfrm>
+                  <a:off x="1031858" y="6224073"/>
+                  <a:ext cx="704880" cy="45000"/>
+                </a:xfrm>
+                <a:prstGeom prst="rect">
+                  <a:avLst/>
+                </a:prstGeom>
+              </p:spPr>
+            </p:pic>
+          </mc:Fallback>
+        </mc:AlternateContent>
+        <mc:AlternateContent xmlns:mc="http://schemas.openxmlformats.org/markup-compatibility/2006" xmlns:p14="http://schemas.microsoft.com/office/powerpoint/2010/main">
+          <mc:Choice Requires="p14">
+            <p:contentPart p14:bwMode="auto" r:id="rId133">
+              <p14:nvContentPartPr>
+                <p14:cNvPr id="87" name="Encre 86">
+                  <a:extLst>
+                    <a:ext uri="{FF2B5EF4-FFF2-40B4-BE49-F238E27FC236}">
+                      <a16:creationId xmlns:a16="http://schemas.microsoft.com/office/drawing/2014/main" id="{E575257C-10F2-BE6F-3F27-91B20A0A3D07}"/>
+                    </a:ext>
+                  </a:extLst>
+                </p14:cNvPr>
+                <p14:cNvContentPartPr/>
+                <p14:nvPr/>
+              </p14:nvContentPartPr>
+              <p14:xfrm>
+                <a:off x="1972898" y="5986113"/>
+                <a:ext cx="290160" cy="416160"/>
+              </p14:xfrm>
+            </p:contentPart>
+          </mc:Choice>
+          <mc:Fallback xmlns="">
+            <p:pic>
+              <p:nvPicPr>
+                <p:cNvPr id="87" name="Encre 86">
+                  <a:extLst>
+                    <a:ext uri="{FF2B5EF4-FFF2-40B4-BE49-F238E27FC236}">
+                      <a16:creationId xmlns:a16="http://schemas.microsoft.com/office/drawing/2014/main" id="{E575257C-10F2-BE6F-3F27-91B20A0A3D07}"/>
+                    </a:ext>
+                  </a:extLst>
+                </p:cNvPr>
+                <p:cNvPicPr/>
+                <p:nvPr/>
+              </p:nvPicPr>
+              <p:blipFill>
+                <a:blip r:embed="rId134"/>
+                <a:stretch>
+                  <a:fillRect/>
+                </a:stretch>
+              </p:blipFill>
+              <p:spPr>
+                <a:xfrm>
+                  <a:off x="1963898" y="5977473"/>
+                  <a:ext cx="307800" cy="433800"/>
+                </a:xfrm>
+                <a:prstGeom prst="rect">
+                  <a:avLst/>
+                </a:prstGeom>
+              </p:spPr>
+            </p:pic>
+          </mc:Fallback>
+        </mc:AlternateContent>
+        <mc:AlternateContent xmlns:mc="http://schemas.openxmlformats.org/markup-compatibility/2006" xmlns:p14="http://schemas.microsoft.com/office/powerpoint/2010/main">
+          <mc:Choice Requires="p14">
+            <p:contentPart p14:bwMode="auto" r:id="rId135">
+              <p14:nvContentPartPr>
+                <p14:cNvPr id="89" name="Encre 88">
+                  <a:extLst>
+                    <a:ext uri="{FF2B5EF4-FFF2-40B4-BE49-F238E27FC236}">
+                      <a16:creationId xmlns:a16="http://schemas.microsoft.com/office/drawing/2014/main" id="{CA5F6831-38E0-23A5-4AF1-3E261E2561B1}"/>
+                    </a:ext>
+                  </a:extLst>
+                </p14:cNvPr>
+                <p14:cNvContentPartPr/>
+                <p14:nvPr/>
+              </p14:nvContentPartPr>
+              <p14:xfrm>
+                <a:off x="1948058" y="5992953"/>
+                <a:ext cx="81360" cy="27000"/>
+              </p14:xfrm>
+            </p:contentPart>
+          </mc:Choice>
+          <mc:Fallback xmlns="">
+            <p:pic>
+              <p:nvPicPr>
+                <p:cNvPr id="89" name="Encre 88">
+                  <a:extLst>
+                    <a:ext uri="{FF2B5EF4-FFF2-40B4-BE49-F238E27FC236}">
+                      <a16:creationId xmlns:a16="http://schemas.microsoft.com/office/drawing/2014/main" id="{CA5F6831-38E0-23A5-4AF1-3E261E2561B1}"/>
+                    </a:ext>
+                  </a:extLst>
+                </p:cNvPr>
+                <p:cNvPicPr/>
+                <p:nvPr/>
+              </p:nvPicPr>
+              <p:blipFill>
+                <a:blip r:embed="rId136"/>
+                <a:stretch>
+                  <a:fillRect/>
+                </a:stretch>
+              </p:blipFill>
+              <p:spPr>
+                <a:xfrm>
+                  <a:off x="1939418" y="5984313"/>
+                  <a:ext cx="99000" cy="44640"/>
+                </a:xfrm>
+                <a:prstGeom prst="rect">
+                  <a:avLst/>
+                </a:prstGeom>
+              </p:spPr>
+            </p:pic>
+          </mc:Fallback>
+        </mc:AlternateContent>
+        <mc:AlternateContent xmlns:mc="http://schemas.openxmlformats.org/markup-compatibility/2006" xmlns:p14="http://schemas.microsoft.com/office/powerpoint/2010/main">
+          <mc:Choice Requires="p14">
+            <p:contentPart p14:bwMode="auto" r:id="rId137">
+              <p14:nvContentPartPr>
+                <p14:cNvPr id="91" name="Encre 90">
+                  <a:extLst>
+                    <a:ext uri="{FF2B5EF4-FFF2-40B4-BE49-F238E27FC236}">
+                      <a16:creationId xmlns:a16="http://schemas.microsoft.com/office/drawing/2014/main" id="{6B7D1C05-89E6-EEC8-5A6A-151967F19047}"/>
+                    </a:ext>
+                  </a:extLst>
+                </p14:cNvPr>
+                <p14:cNvContentPartPr/>
+                <p14:nvPr/>
+              </p14:nvContentPartPr>
+              <p14:xfrm>
+                <a:off x="4813298" y="5233353"/>
+                <a:ext cx="1151640" cy="327240"/>
+              </p14:xfrm>
+            </p:contentPart>
+          </mc:Choice>
+          <mc:Fallback xmlns="">
+            <p:pic>
+              <p:nvPicPr>
+                <p:cNvPr id="91" name="Encre 90">
+                  <a:extLst>
+                    <a:ext uri="{FF2B5EF4-FFF2-40B4-BE49-F238E27FC236}">
+                      <a16:creationId xmlns:a16="http://schemas.microsoft.com/office/drawing/2014/main" id="{6B7D1C05-89E6-EEC8-5A6A-151967F19047}"/>
+                    </a:ext>
+                  </a:extLst>
+                </p:cNvPr>
+                <p:cNvPicPr/>
+                <p:nvPr/>
+              </p:nvPicPr>
+              <p:blipFill>
+                <a:blip r:embed="rId138"/>
+                <a:stretch>
+                  <a:fillRect/>
+                </a:stretch>
+              </p:blipFill>
+              <p:spPr>
+                <a:xfrm>
+                  <a:off x="4804658" y="5224353"/>
+                  <a:ext cx="1169280" cy="344880"/>
+                </a:xfrm>
+                <a:prstGeom prst="rect">
+                  <a:avLst/>
+                </a:prstGeom>
+              </p:spPr>
+            </p:pic>
+          </mc:Fallback>
+        </mc:AlternateContent>
+        <mc:AlternateContent xmlns:mc="http://schemas.openxmlformats.org/markup-compatibility/2006" xmlns:p14="http://schemas.microsoft.com/office/powerpoint/2010/main">
+          <mc:Choice Requires="p14">
+            <p:contentPart p14:bwMode="auto" r:id="rId139">
+              <p14:nvContentPartPr>
+                <p14:cNvPr id="92" name="Encre 91">
+                  <a:extLst>
+                    <a:ext uri="{FF2B5EF4-FFF2-40B4-BE49-F238E27FC236}">
+                      <a16:creationId xmlns:a16="http://schemas.microsoft.com/office/drawing/2014/main" id="{C7EA32E6-23EC-B96B-45F5-9E9A387D4A16}"/>
+                    </a:ext>
+                  </a:extLst>
+                </p14:cNvPr>
+                <p14:cNvContentPartPr/>
+                <p14:nvPr/>
+              </p14:nvContentPartPr>
+              <p14:xfrm>
+                <a:off x="9310418" y="5132553"/>
+                <a:ext cx="1307160" cy="181080"/>
+              </p14:xfrm>
+            </p:contentPart>
+          </mc:Choice>
+          <mc:Fallback xmlns="">
+            <p:pic>
+              <p:nvPicPr>
+                <p:cNvPr id="92" name="Encre 91">
+                  <a:extLst>
+                    <a:ext uri="{FF2B5EF4-FFF2-40B4-BE49-F238E27FC236}">
+                      <a16:creationId xmlns:a16="http://schemas.microsoft.com/office/drawing/2014/main" id="{C7EA32E6-23EC-B96B-45F5-9E9A387D4A16}"/>
+                    </a:ext>
+                  </a:extLst>
+                </p:cNvPr>
+                <p:cNvPicPr/>
+                <p:nvPr/>
+              </p:nvPicPr>
+              <p:blipFill>
+                <a:blip r:embed="rId140"/>
+                <a:stretch>
+                  <a:fillRect/>
+                </a:stretch>
+              </p:blipFill>
+              <p:spPr>
+                <a:xfrm>
+                  <a:off x="9301778" y="5123553"/>
+                  <a:ext cx="1324800" cy="198720"/>
+                </a:xfrm>
+                <a:prstGeom prst="rect">
+                  <a:avLst/>
+                </a:prstGeom>
+              </p:spPr>
+            </p:pic>
+          </mc:Fallback>
+        </mc:AlternateContent>
+        <mc:AlternateContent xmlns:mc="http://schemas.openxmlformats.org/markup-compatibility/2006" xmlns:p14="http://schemas.microsoft.com/office/powerpoint/2010/main">
+          <mc:Choice Requires="p14">
+            <p:contentPart p14:bwMode="auto" r:id="rId141">
+              <p14:nvContentPartPr>
+                <p14:cNvPr id="94" name="Encre 93">
+                  <a:extLst>
+                    <a:ext uri="{FF2B5EF4-FFF2-40B4-BE49-F238E27FC236}">
+                      <a16:creationId xmlns:a16="http://schemas.microsoft.com/office/drawing/2014/main" id="{BFA61DCF-4A82-C1BC-4CA9-E67A1CF1A250}"/>
+                    </a:ext>
+                  </a:extLst>
+                </p14:cNvPr>
+                <p14:cNvContentPartPr/>
+                <p14:nvPr/>
+              </p14:nvContentPartPr>
+              <p14:xfrm>
+                <a:off x="4781618" y="5155233"/>
+                <a:ext cx="1731960" cy="440640"/>
+              </p14:xfrm>
+            </p:contentPart>
+          </mc:Choice>
+          <mc:Fallback xmlns="">
+            <p:pic>
+              <p:nvPicPr>
+                <p:cNvPr id="94" name="Encre 93">
+                  <a:extLst>
+                    <a:ext uri="{FF2B5EF4-FFF2-40B4-BE49-F238E27FC236}">
+                      <a16:creationId xmlns:a16="http://schemas.microsoft.com/office/drawing/2014/main" id="{BFA61DCF-4A82-C1BC-4CA9-E67A1CF1A250}"/>
+                    </a:ext>
+                  </a:extLst>
+                </p:cNvPr>
+                <p:cNvPicPr/>
+                <p:nvPr/>
+              </p:nvPicPr>
+              <p:blipFill>
+                <a:blip r:embed="rId142"/>
+                <a:stretch>
+                  <a:fillRect/>
+                </a:stretch>
+              </p:blipFill>
+              <p:spPr>
+                <a:xfrm>
+                  <a:off x="4772618" y="5146233"/>
+                  <a:ext cx="1749600" cy="458280"/>
+                </a:xfrm>
+                <a:prstGeom prst="rect">
+                  <a:avLst/>
+                </a:prstGeom>
+              </p:spPr>
+            </p:pic>
+          </mc:Fallback>
+        </mc:AlternateContent>
+        <mc:AlternateContent xmlns:mc="http://schemas.openxmlformats.org/markup-compatibility/2006" xmlns:p14="http://schemas.microsoft.com/office/powerpoint/2010/main">
+          <mc:Choice Requires="p14">
+            <p:contentPart p14:bwMode="auto" r:id="rId143">
+              <p14:nvContentPartPr>
+                <p14:cNvPr id="95" name="Encre 94">
+                  <a:extLst>
+                    <a:ext uri="{FF2B5EF4-FFF2-40B4-BE49-F238E27FC236}">
+                      <a16:creationId xmlns:a16="http://schemas.microsoft.com/office/drawing/2014/main" id="{042E4FFE-7784-41F4-686F-06F5FCC8F96C}"/>
+                    </a:ext>
+                  </a:extLst>
+                </p14:cNvPr>
+                <p14:cNvContentPartPr/>
+                <p14:nvPr/>
+              </p14:nvContentPartPr>
+              <p14:xfrm>
+                <a:off x="9100538" y="5039313"/>
+                <a:ext cx="1661400" cy="497160"/>
+              </p14:xfrm>
+            </p:contentPart>
+          </mc:Choice>
+          <mc:Fallback xmlns="">
+            <p:pic>
+              <p:nvPicPr>
+                <p:cNvPr id="95" name="Encre 94">
+                  <a:extLst>
+                    <a:ext uri="{FF2B5EF4-FFF2-40B4-BE49-F238E27FC236}">
+                      <a16:creationId xmlns:a16="http://schemas.microsoft.com/office/drawing/2014/main" id="{042E4FFE-7784-41F4-686F-06F5FCC8F96C}"/>
+                    </a:ext>
+                  </a:extLst>
+                </p:cNvPr>
+                <p:cNvPicPr/>
+                <p:nvPr/>
+              </p:nvPicPr>
+              <p:blipFill>
+                <a:blip r:embed="rId144"/>
+                <a:stretch>
+                  <a:fillRect/>
+                </a:stretch>
+              </p:blipFill>
+              <p:spPr>
+                <a:xfrm>
+                  <a:off x="9091898" y="5030673"/>
+                  <a:ext cx="1679040" cy="514800"/>
+                </a:xfrm>
+                <a:prstGeom prst="rect">
+                  <a:avLst/>
+                </a:prstGeom>
+              </p:spPr>
+            </p:pic>
+          </mc:Fallback>
+        </mc:AlternateContent>
+      </p:grpSp>
     </p:spTree>
     <p:extLst>
       <p:ext uri="{BB962C8B-B14F-4D97-AF65-F5344CB8AC3E}">
@@ -28790,14 +35335,14 @@
           <p:nvPr>
             <p:extLst>
               <p:ext uri="{D42A27DB-BD31-4B8C-83A1-F6EECF244321}">
-                <p14:modId xmlns:p14="http://schemas.microsoft.com/office/powerpoint/2010/main" val="88021938"/>
+                <p14:modId xmlns:p14="http://schemas.microsoft.com/office/powerpoint/2010/main" val="2541677786"/>
               </p:ext>
             </p:extLst>
           </p:nvPr>
         </p:nvGraphicFramePr>
         <p:xfrm>
           <a:off x="488515" y="563880"/>
-          <a:ext cx="11212881" cy="3344637"/>
+          <a:ext cx="11212881" cy="2711494"/>
         </p:xfrm>
         <a:graphic>
           <a:graphicData uri="http://schemas.openxmlformats.org/drawingml/2006/table">
@@ -28918,11 +35463,14 @@
                     <a:bodyPr/>
                     <a:lstStyle/>
                     <a:p>
-                      <a:endParaRPr lang="fr-FR" dirty="0">
-                        <a:solidFill>
-                          <a:schemeClr val="tx1"/>
-                        </a:solidFill>
-                      </a:endParaRPr>
+                      <a:r>
+                        <a:rPr lang="fr-FR" dirty="0">
+                          <a:solidFill>
+                            <a:schemeClr val="tx1"/>
+                          </a:solidFill>
+                        </a:rPr>
+                        <a:t>15s ?</a:t>
+                      </a:r>
                     </a:p>
                   </a:txBody>
                   <a:tcPr/>
@@ -29056,6 +35604,76 @@
                     <a:lstStyle/>
                     <a:p>
                       <a:r>
+                        <a:rPr lang="fr-FR" sz="1800" dirty="0">
+                          <a:solidFill>
+                            <a:schemeClr val="tx1"/>
+                          </a:solidFill>
+                        </a:rPr>
+                        <a:t>Beta Crown TO=10.000s</a:t>
+                      </a:r>
+                    </a:p>
+                  </a:txBody>
+                  <a:tcPr/>
+                </a:tc>
+                <a:tc>
+                  <a:txBody>
+                    <a:bodyPr/>
+                    <a:lstStyle/>
+                    <a:p>
+                      <a:r>
+                        <a:rPr lang="fr-FR" sz="1800" dirty="0">
+                          <a:solidFill>
+                            <a:schemeClr val="tx1"/>
+                          </a:solidFill>
+                        </a:rPr>
+                        <a:t>44%</a:t>
+                      </a:r>
+                    </a:p>
+                  </a:txBody>
+                  <a:tcPr/>
+                </a:tc>
+                <a:tc>
+                  <a:txBody>
+                    <a:bodyPr/>
+                    <a:lstStyle/>
+                    <a:p>
+                      <a:r>
+                        <a:rPr lang="fr-FR" sz="1800" kern="1200" dirty="0">
+                          <a:solidFill>
+                            <a:schemeClr val="dk1"/>
+                          </a:solidFill>
+                          <a:effectLst/>
+                          <a:latin typeface="+mn-lt"/>
+                          <a:ea typeface="+mn-ea"/>
+                          <a:cs typeface="+mn-cs"/>
+                        </a:rPr>
+                        <a:t>1919</a:t>
+                      </a:r>
+                      <a:r>
+                        <a:rPr lang="fr-FR" dirty="0">
+                          <a:solidFill>
+                            <a:schemeClr val="tx1"/>
+                          </a:solidFill>
+                        </a:rPr>
+                        <a:t>s</a:t>
+                      </a:r>
+                    </a:p>
+                  </a:txBody>
+                  <a:tcPr/>
+                </a:tc>
+                <a:extLst>
+                  <a:ext uri="{0D108BD9-81ED-4DB2-BD59-A6C34878D82A}">
+                    <a16:rowId xmlns:a16="http://schemas.microsoft.com/office/drawing/2014/main" val="1196435386"/>
+                  </a:ext>
+                </a:extLst>
+              </a:tr>
+              <a:tr h="428647">
+                <a:tc>
+                  <a:txBody>
+                    <a:bodyPr/>
+                    <a:lstStyle/>
+                    <a:p>
+                      <a:r>
                         <a:rPr lang="fr-FR" dirty="0" err="1"/>
                         <a:t>Upper</a:t>
                       </a:r>
@@ -29101,7 +35719,7 @@
                   </a:ext>
                 </a:extLst>
               </a:tr>
-              <a:tr h="421710">
+              <a:tr h="370840">
                 <a:tc>
                   <a:txBody>
                     <a:bodyPr/>
@@ -29125,18 +35743,21 @@
                         <a:defRPr/>
                       </a:pPr>
                       <a:r>
-                        <a:rPr lang="fr-FR" b="1" dirty="0" err="1">
+                        <a:rPr lang="fr-FR" dirty="0" err="1">
                           <a:solidFill>
-                            <a:srgbClr val="C00000"/>
+                            <a:srgbClr val="FF0000"/>
                           </a:solidFill>
                         </a:rPr>
-                        <a:t>pMILP</a:t>
-                      </a:r>
-                      <a:endParaRPr lang="fr-FR" b="1" dirty="0">
-                        <a:solidFill>
-                          <a:srgbClr val="C00000"/>
-                        </a:solidFill>
-                      </a:endParaRPr>
+                        <a:t>Pmilp</a:t>
+                      </a:r>
+                      <a:r>
+                        <a:rPr lang="fr-FR" dirty="0">
+                          <a:solidFill>
+                            <a:srgbClr val="FF0000"/>
+                          </a:solidFill>
+                        </a:rPr>
+                        <a:t> (new) fast</a:t>
+                      </a:r>
                     </a:p>
                   </a:txBody>
                   <a:tcPr/>
@@ -29146,11 +35767,14 @@
                     <a:bodyPr/>
                     <a:lstStyle/>
                     <a:p>
-                      <a:endParaRPr lang="fr-FR" b="1" dirty="0">
-                        <a:solidFill>
-                          <a:srgbClr val="C00000"/>
-                        </a:solidFill>
-                      </a:endParaRPr>
+                      <a:r>
+                        <a:rPr lang="fr-FR" dirty="0">
+                          <a:solidFill>
+                            <a:srgbClr val="FF0000"/>
+                          </a:solidFill>
+                        </a:rPr>
+                        <a:t>51%</a:t>
+                      </a:r>
                     </a:p>
                   </a:txBody>
                   <a:tcPr/>
@@ -29160,165 +35784,14 @@
                     <a:bodyPr/>
                     <a:lstStyle/>
                     <a:p>
-                      <a:endParaRPr lang="fr-FR" b="1" dirty="0">
-                        <a:solidFill>
-                          <a:srgbClr val="C00000"/>
-                        </a:solidFill>
-                      </a:endParaRPr>
-                    </a:p>
-                  </a:txBody>
-                  <a:tcPr/>
-                </a:tc>
-                <a:extLst>
-                  <a:ext uri="{0D108BD9-81ED-4DB2-BD59-A6C34878D82A}">
-                    <a16:rowId xmlns:a16="http://schemas.microsoft.com/office/drawing/2014/main" val="3838975843"/>
-                  </a:ext>
-                </a:extLst>
-              </a:tr>
-              <a:tr h="421710">
-                <a:tc>
-                  <a:txBody>
-                    <a:bodyPr/>
-                    <a:lstStyle/>
-                    <a:p>
-                      <a:pPr marL="0" marR="0" lvl="0" indent="0" algn="l" defTabSz="914400" rtl="0" eaLnBrk="1" fontAlgn="auto" latinLnBrk="0" hangingPunct="1">
-                        <a:lnSpc>
-                          <a:spcPct val="100000"/>
-                        </a:lnSpc>
-                        <a:spcBef>
-                          <a:spcPts val="0"/>
-                        </a:spcBef>
-                        <a:spcAft>
-                          <a:spcPts val="0"/>
-                        </a:spcAft>
-                        <a:buClrTx/>
-                        <a:buSzTx/>
-                        <a:buFontTx/>
-                        <a:buNone/>
-                        <a:tabLst/>
-                        <a:defRPr/>
-                      </a:pPr>
-                      <a:r>
-                        <a:rPr lang="fr-FR" b="1" dirty="0" err="1">
+                      <a:r>
+                        <a:rPr lang="fr-FR" dirty="0">
                           <a:solidFill>
-                            <a:srgbClr val="C00000"/>
+                            <a:srgbClr val="FF0000"/>
                           </a:solidFill>
                         </a:rPr>
-                        <a:t>Pmilp</a:t>
-                      </a:r>
-                      <a:r>
-                        <a:rPr lang="fr-FR" b="1" dirty="0">
-                          <a:solidFill>
-                            <a:srgbClr val="C00000"/>
-                          </a:solidFill>
-                        </a:rPr>
-                        <a:t> (new) ([21-24], 10s,500s,2000s)</a:t>
-                      </a:r>
-                    </a:p>
-                  </a:txBody>
-                  <a:tcPr/>
-                </a:tc>
-                <a:tc>
-                  <a:txBody>
-                    <a:bodyPr/>
-                    <a:lstStyle/>
-                    <a:p>
-                      <a:r>
-                        <a:rPr lang="fr-FR" b="1">
-                          <a:solidFill>
-                            <a:srgbClr val="C00000"/>
-                          </a:solidFill>
-                        </a:rPr>
-                        <a:t>49%</a:t>
-                      </a:r>
-                      <a:endParaRPr lang="fr-FR" b="1" dirty="0">
-                        <a:solidFill>
-                          <a:srgbClr val="C00000"/>
-                        </a:solidFill>
-                      </a:endParaRPr>
-                    </a:p>
-                  </a:txBody>
-                  <a:tcPr/>
-                </a:tc>
-                <a:tc>
-                  <a:txBody>
-                    <a:bodyPr/>
-                    <a:lstStyle/>
-                    <a:p>
-                      <a:r>
-                        <a:rPr lang="fr-FR" b="1" dirty="0">
-                          <a:solidFill>
-                            <a:srgbClr val="C00000"/>
-                          </a:solidFill>
-                        </a:rPr>
-                        <a:t>s per image</a:t>
-                      </a:r>
-                    </a:p>
-                  </a:txBody>
-                  <a:tcPr/>
-                </a:tc>
-                <a:extLst>
-                  <a:ext uri="{0D108BD9-81ED-4DB2-BD59-A6C34878D82A}">
-                    <a16:rowId xmlns:a16="http://schemas.microsoft.com/office/drawing/2014/main" val="3424470901"/>
-                  </a:ext>
-                </a:extLst>
-              </a:tr>
-              <a:tr h="370840">
-                <a:tc>
-                  <a:txBody>
-                    <a:bodyPr/>
-                    <a:lstStyle/>
-                    <a:p>
-                      <a:pPr marL="0" marR="0" lvl="0" indent="0" algn="l" defTabSz="914400" rtl="0" eaLnBrk="1" fontAlgn="auto" latinLnBrk="0" hangingPunct="1">
-                        <a:lnSpc>
-                          <a:spcPct val="100000"/>
-                        </a:lnSpc>
-                        <a:spcBef>
-                          <a:spcPts val="0"/>
-                        </a:spcBef>
-                        <a:spcAft>
-                          <a:spcPts val="0"/>
-                        </a:spcAft>
-                        <a:buClrTx/>
-                        <a:buSzTx/>
-                        <a:buFontTx/>
-                        <a:buNone/>
-                        <a:tabLst/>
-                        <a:defRPr/>
-                      </a:pPr>
-                      <a:endParaRPr lang="fr-FR" dirty="0">
-                        <a:solidFill>
-                          <a:schemeClr val="tx1"/>
-                        </a:solidFill>
-                      </a:endParaRPr>
-                    </a:p>
-                  </a:txBody>
-                  <a:tcPr/>
-                </a:tc>
-                <a:tc>
-                  <a:txBody>
-                    <a:bodyPr/>
-                    <a:lstStyle/>
-                    <a:p>
-                      <a:endParaRPr lang="fr-FR" dirty="0">
-                        <a:solidFill>
-                          <a:schemeClr val="tx1"/>
-                        </a:solidFill>
-                      </a:endParaRPr>
-                    </a:p>
-                  </a:txBody>
-                  <a:tcPr/>
-                </a:tc>
-                <a:tc>
-                  <a:txBody>
-                    <a:bodyPr/>
-                    <a:lstStyle/>
-                    <a:p>
-                      <a:endParaRPr lang="fr-FR" dirty="0">
-                        <a:solidFill>
-                          <a:schemeClr val="tx1"/>
-                        </a:solidFill>
-                      </a:endParaRPr>
+                        <a:t>417s</a:t>
+                      </a:r>
                     </a:p>
                   </a:txBody>
                   <a:tcPr/>
@@ -29368,57 +35841,6 @@
           </a:p>
         </p:txBody>
       </p:sp>
-      <mc:AlternateContent xmlns:mc="http://schemas.openxmlformats.org/markup-compatibility/2006" xmlns:p14="http://schemas.microsoft.com/office/powerpoint/2010/main">
-        <mc:Choice Requires="p14">
-          <p:contentPart p14:bwMode="auto" r:id="rId2">
-            <p14:nvContentPartPr>
-              <p14:cNvPr id="9" name="Encre 8">
-                <a:extLst>
-                  <a:ext uri="{FF2B5EF4-FFF2-40B4-BE49-F238E27FC236}">
-                    <a16:creationId xmlns:a16="http://schemas.microsoft.com/office/drawing/2014/main" id="{CA03F392-F98D-6C0C-4FA4-A8CE3A516E2B}"/>
-                  </a:ext>
-                </a:extLst>
-              </p14:cNvPr>
-              <p14:cNvContentPartPr/>
-              <p14:nvPr/>
-            </p14:nvContentPartPr>
-            <p14:xfrm>
-              <a:off x="9856894" y="4726795"/>
-              <a:ext cx="4680" cy="1800"/>
-            </p14:xfrm>
-          </p:contentPart>
-        </mc:Choice>
-        <mc:Fallback xmlns="">
-          <p:pic>
-            <p:nvPicPr>
-              <p:cNvPr id="9" name="Encre 8">
-                <a:extLst>
-                  <a:ext uri="{FF2B5EF4-FFF2-40B4-BE49-F238E27FC236}">
-                    <a16:creationId xmlns:a16="http://schemas.microsoft.com/office/drawing/2014/main" id="{CA03F392-F98D-6C0C-4FA4-A8CE3A516E2B}"/>
-                  </a:ext>
-                </a:extLst>
-              </p:cNvPr>
-              <p:cNvPicPr/>
-              <p:nvPr/>
-            </p:nvPicPr>
-            <p:blipFill>
-              <a:blip r:embed="rId4"/>
-              <a:stretch>
-                <a:fillRect/>
-              </a:stretch>
-            </p:blipFill>
-            <p:spPr>
-              <a:xfrm>
-                <a:off x="9847894" y="4717795"/>
-                <a:ext cx="22320" cy="19440"/>
-              </a:xfrm>
-              <a:prstGeom prst="rect">
-                <a:avLst/>
-              </a:prstGeom>
-            </p:spPr>
-          </p:pic>
-        </mc:Fallback>
-      </mc:AlternateContent>
       <p:sp>
         <p:nvSpPr>
           <p:cNvPr id="6" name="ZoneTexte 5">
@@ -29460,6 +35882,36 @@
           </a:p>
         </p:txBody>
       </p:sp>
+      <p:graphicFrame>
+        <p:nvGraphicFramePr>
+          <p:cNvPr id="115" name="Graphique 114">
+            <a:extLst>
+              <a:ext uri="{FF2B5EF4-FFF2-40B4-BE49-F238E27FC236}">
+                <a16:creationId xmlns:a16="http://schemas.microsoft.com/office/drawing/2014/main" id="{1FE685EF-81D0-C077-73E5-CF6A275ED5E0}"/>
+              </a:ext>
+            </a:extLst>
+          </p:cNvPr>
+          <p:cNvGraphicFramePr>
+            <a:graphicFrameLocks/>
+          </p:cNvGraphicFramePr>
+          <p:nvPr>
+            <p:extLst>
+              <p:ext uri="{D42A27DB-BD31-4B8C-83A1-F6EECF244321}">
+                <p14:modId xmlns:p14="http://schemas.microsoft.com/office/powerpoint/2010/main" val="3014201258"/>
+              </p:ext>
+            </p:extLst>
+          </p:nvPr>
+        </p:nvGraphicFramePr>
+        <p:xfrm>
+          <a:off x="1577842" y="2514590"/>
+          <a:ext cx="6769105" cy="4459285"/>
+        </p:xfrm>
+        <a:graphic>
+          <a:graphicData uri="http://schemas.openxmlformats.org/drawingml/2006/chart">
+            <c:chart xmlns:c="http://schemas.openxmlformats.org/drawingml/2006/chart" xmlns:r="http://schemas.openxmlformats.org/officeDocument/2006/relationships" r:id="rId2"/>
+          </a:graphicData>
+        </a:graphic>
+      </p:graphicFrame>
     </p:spTree>
     <p:extLst>
       <p:ext uri="{BB962C8B-B14F-4D97-AF65-F5344CB8AC3E}">
